--- a/python-in-excel-for-enhanced-data-analytics.pptx
+++ b/python-in-excel-for-enhanced-data-analytics.pptx
@@ -5,7 +5,7 @@
     <p:sldMasterId id="2147483648" r:id="rId1"/>
   </p:sldMasterIdLst>
   <p:notesMasterIdLst>
-    <p:notesMasterId r:id="rId33"/>
+    <p:notesMasterId r:id="rId42"/>
   </p:notesMasterIdLst>
   <p:sldIdLst>
     <p:sldId id="454" r:id="rId2"/>
@@ -30,25 +30,34 @@
     <p:sldId id="428" r:id="rId21"/>
     <p:sldId id="430" r:id="rId22"/>
     <p:sldId id="431" r:id="rId23"/>
-    <p:sldId id="406" r:id="rId24"/>
-    <p:sldId id="409" r:id="rId25"/>
-    <p:sldId id="410" r:id="rId26"/>
-    <p:sldId id="416" r:id="rId27"/>
-    <p:sldId id="420" r:id="rId28"/>
-    <p:sldId id="432" r:id="rId29"/>
-    <p:sldId id="421" r:id="rId30"/>
-    <p:sldId id="422" r:id="rId31"/>
-    <p:sldId id="417" r:id="rId32"/>
+    <p:sldId id="459" r:id="rId24"/>
+    <p:sldId id="406" r:id="rId25"/>
+    <p:sldId id="409" r:id="rId26"/>
+    <p:sldId id="410" r:id="rId27"/>
+    <p:sldId id="416" r:id="rId28"/>
+    <p:sldId id="455" r:id="rId29"/>
+    <p:sldId id="449" r:id="rId30"/>
+    <p:sldId id="451" r:id="rId31"/>
+    <p:sldId id="450" r:id="rId32"/>
+    <p:sldId id="458" r:id="rId33"/>
+    <p:sldId id="456" r:id="rId34"/>
+    <p:sldId id="457" r:id="rId35"/>
+    <p:sldId id="420" r:id="rId36"/>
+    <p:sldId id="432" r:id="rId37"/>
+    <p:sldId id="421" r:id="rId38"/>
+    <p:sldId id="422" r:id="rId39"/>
+    <p:sldId id="417" r:id="rId40"/>
+    <p:sldId id="460" r:id="rId41"/>
   </p:sldIdLst>
   <p:sldSz cx="18288000" cy="10287000"/>
   <p:notesSz cx="6858000" cy="9144000"/>
   <p:embeddedFontLst>
     <p:embeddedFont>
       <p:font typeface="Consolas" panose="020B0609020204030204" pitchFamily="49" charset="0"/>
-      <p:regular r:id="rId34"/>
-      <p:bold r:id="rId35"/>
-      <p:italic r:id="rId36"/>
-      <p:boldItalic r:id="rId37"/>
+      <p:regular r:id="rId43"/>
+      <p:bold r:id="rId44"/>
+      <p:italic r:id="rId45"/>
+      <p:boldItalic r:id="rId46"/>
     </p:embeddedFont>
   </p:embeddedFontLst>
   <p:defaultTextStyle>
@@ -837,7 +846,7 @@
           <a:p>
             <a:fld id="{1300335D-9F13-4B80-ADC5-B0EA3E10FF6B}" type="slidenum">
               <a:rPr lang="en-US" smtClean="0"/>
-              <a:t>24</a:t>
+              <a:t>25</a:t>
             </a:fld>
             <a:endParaRPr lang="en-US"/>
           </a:p>
@@ -945,7 +954,7 @@
           <a:p>
             <a:fld id="{1300335D-9F13-4B80-ADC5-B0EA3E10FF6B}" type="slidenum">
               <a:rPr lang="en-US" smtClean="0"/>
-              <a:t>25</a:t>
+              <a:t>26</a:t>
             </a:fld>
             <a:endParaRPr lang="en-US"/>
           </a:p>
@@ -965,6 +974,534 @@
 </file>
 
 <file path=ppt/notesSlides/notesSlide13.xml><?xml version="1.0" encoding="utf-8"?>
+<p:notes xmlns:a="http://schemas.openxmlformats.org/drawingml/2006/main" xmlns:r="http://schemas.openxmlformats.org/officeDocument/2006/relationships" xmlns:p="http://schemas.openxmlformats.org/presentationml/2006/main">
+  <p:cSld>
+    <p:spTree>
+      <p:nvGrpSpPr>
+        <p:cNvPr id="1" name="">
+          <a:extLst>
+            <a:ext uri="{FF2B5EF4-FFF2-40B4-BE49-F238E27FC236}">
+              <a16:creationId xmlns:a16="http://schemas.microsoft.com/office/drawing/2014/main" id="{9586FE51-4C75-B34F-B939-1FB705B24CCF}"/>
+            </a:ext>
+          </a:extLst>
+        </p:cNvPr>
+        <p:cNvGrpSpPr/>
+        <p:nvPr/>
+      </p:nvGrpSpPr>
+      <p:grpSpPr>
+        <a:xfrm>
+          <a:off x="0" y="0"/>
+          <a:ext cx="0" cy="0"/>
+          <a:chOff x="0" y="0"/>
+          <a:chExt cx="0" cy="0"/>
+        </a:xfrm>
+      </p:grpSpPr>
+      <p:sp>
+        <p:nvSpPr>
+          <p:cNvPr id="2" name="Slide Image Placeholder 1">
+            <a:extLst>
+              <a:ext uri="{FF2B5EF4-FFF2-40B4-BE49-F238E27FC236}">
+                <a16:creationId xmlns:a16="http://schemas.microsoft.com/office/drawing/2014/main" id="{37A03EF2-25A5-BC40-F2B0-B2ED71DCE316}"/>
+              </a:ext>
+            </a:extLst>
+          </p:cNvPr>
+          <p:cNvSpPr>
+            <a:spLocks noGrp="1" noRot="1" noChangeAspect="1"/>
+          </p:cNvSpPr>
+          <p:nvPr>
+            <p:ph type="sldImg"/>
+          </p:nvPr>
+        </p:nvSpPr>
+        <p:spPr/>
+      </p:sp>
+      <p:sp>
+        <p:nvSpPr>
+          <p:cNvPr id="3" name="Notes Placeholder 2">
+            <a:extLst>
+              <a:ext uri="{FF2B5EF4-FFF2-40B4-BE49-F238E27FC236}">
+                <a16:creationId xmlns:a16="http://schemas.microsoft.com/office/drawing/2014/main" id="{59AA97BA-FF52-B135-E8A4-CF00305129AF}"/>
+              </a:ext>
+            </a:extLst>
+          </p:cNvPr>
+          <p:cNvSpPr>
+            <a:spLocks noGrp="1"/>
+          </p:cNvSpPr>
+          <p:nvPr>
+            <p:ph type="body" idx="1"/>
+          </p:nvPr>
+        </p:nvSpPr>
+        <p:spPr/>
+        <p:txBody>
+          <a:bodyPr/>
+          <a:lstStyle/>
+          <a:p>
+            <a:pPr marL="228600" indent="-228600">
+              <a:buAutoNum type="arabicPeriod"/>
+            </a:pPr>
+            <a:r>
+              <a:rPr lang="en-US" dirty="0"/>
+              <a:t>False!</a:t>
+            </a:r>
+          </a:p>
+          <a:p>
+            <a:pPr marL="228600" indent="-228600">
+              <a:buAutoNum type="arabicPeriod"/>
+            </a:pPr>
+            <a:r>
+              <a:rPr lang="en-US" dirty="0"/>
+              <a:t>Function, Formula, Function</a:t>
+            </a:r>
+          </a:p>
+          <a:p>
+            <a:pPr marL="228600" indent="-228600">
+              <a:buAutoNum type="arabicPeriod"/>
+            </a:pPr>
+            <a:r>
+              <a:rPr lang="en-US" dirty="0"/>
+              <a:t>Argument</a:t>
+            </a:r>
+          </a:p>
+        </p:txBody>
+      </p:sp>
+      <p:sp>
+        <p:nvSpPr>
+          <p:cNvPr id="4" name="Slide Number Placeholder 3">
+            <a:extLst>
+              <a:ext uri="{FF2B5EF4-FFF2-40B4-BE49-F238E27FC236}">
+                <a16:creationId xmlns:a16="http://schemas.microsoft.com/office/drawing/2014/main" id="{2687C8FA-EAB5-A8C8-FA50-10AB8905D4BE}"/>
+              </a:ext>
+            </a:extLst>
+          </p:cNvPr>
+          <p:cNvSpPr>
+            <a:spLocks noGrp="1"/>
+          </p:cNvSpPr>
+          <p:nvPr>
+            <p:ph type="sldNum" sz="quarter" idx="5"/>
+          </p:nvPr>
+        </p:nvSpPr>
+        <p:spPr/>
+        <p:txBody>
+          <a:bodyPr/>
+          <a:lstStyle/>
+          <a:p>
+            <a:fld id="{1300335D-9F13-4B80-ADC5-B0EA3E10FF6B}" type="slidenum">
+              <a:rPr lang="en-US" smtClean="0"/>
+              <a:t>29</a:t>
+            </a:fld>
+            <a:endParaRPr lang="en-US"/>
+          </a:p>
+        </p:txBody>
+      </p:sp>
+    </p:spTree>
+    <p:extLst>
+      <p:ext uri="{BB962C8B-B14F-4D97-AF65-F5344CB8AC3E}">
+        <p14:creationId xmlns:p14="http://schemas.microsoft.com/office/powerpoint/2010/main" val="1861136690"/>
+      </p:ext>
+    </p:extLst>
+  </p:cSld>
+  <p:clrMapOvr>
+    <a:masterClrMapping/>
+  </p:clrMapOvr>
+</p:notes>
+</file>
+
+<file path=ppt/notesSlides/notesSlide14.xml><?xml version="1.0" encoding="utf-8"?>
+<p:notes xmlns:a="http://schemas.openxmlformats.org/drawingml/2006/main" xmlns:r="http://schemas.openxmlformats.org/officeDocument/2006/relationships" xmlns:p="http://schemas.openxmlformats.org/presentationml/2006/main">
+  <p:cSld>
+    <p:spTree>
+      <p:nvGrpSpPr>
+        <p:cNvPr id="1" name="">
+          <a:extLst>
+            <a:ext uri="{FF2B5EF4-FFF2-40B4-BE49-F238E27FC236}">
+              <a16:creationId xmlns:a16="http://schemas.microsoft.com/office/drawing/2014/main" id="{C5E719C2-337C-0EFC-D1E4-F0E4CCC2E1DC}"/>
+            </a:ext>
+          </a:extLst>
+        </p:cNvPr>
+        <p:cNvGrpSpPr/>
+        <p:nvPr/>
+      </p:nvGrpSpPr>
+      <p:grpSpPr>
+        <a:xfrm>
+          <a:off x="0" y="0"/>
+          <a:ext cx="0" cy="0"/>
+          <a:chOff x="0" y="0"/>
+          <a:chExt cx="0" cy="0"/>
+        </a:xfrm>
+      </p:grpSpPr>
+      <p:sp>
+        <p:nvSpPr>
+          <p:cNvPr id="2" name="Slide Image Placeholder 1">
+            <a:extLst>
+              <a:ext uri="{FF2B5EF4-FFF2-40B4-BE49-F238E27FC236}">
+                <a16:creationId xmlns:a16="http://schemas.microsoft.com/office/drawing/2014/main" id="{11200493-673C-5411-3FA9-9637B7B46B8B}"/>
+              </a:ext>
+            </a:extLst>
+          </p:cNvPr>
+          <p:cNvSpPr>
+            <a:spLocks noGrp="1" noRot="1" noChangeAspect="1"/>
+          </p:cNvSpPr>
+          <p:nvPr>
+            <p:ph type="sldImg"/>
+          </p:nvPr>
+        </p:nvSpPr>
+        <p:spPr/>
+      </p:sp>
+      <p:sp>
+        <p:nvSpPr>
+          <p:cNvPr id="3" name="Notes Placeholder 2">
+            <a:extLst>
+              <a:ext uri="{FF2B5EF4-FFF2-40B4-BE49-F238E27FC236}">
+                <a16:creationId xmlns:a16="http://schemas.microsoft.com/office/drawing/2014/main" id="{E9DBC97C-B16F-F4B2-ABCA-64581848BEC7}"/>
+              </a:ext>
+            </a:extLst>
+          </p:cNvPr>
+          <p:cNvSpPr>
+            <a:spLocks noGrp="1"/>
+          </p:cNvSpPr>
+          <p:nvPr>
+            <p:ph type="body" idx="1"/>
+          </p:nvPr>
+        </p:nvSpPr>
+        <p:spPr/>
+        <p:txBody>
+          <a:bodyPr/>
+          <a:lstStyle/>
+          <a:p>
+            <a:pPr marL="228600" indent="-228600">
+              <a:buAutoNum type="arabicPeriod"/>
+            </a:pPr>
+            <a:r>
+              <a:rPr lang="en-US" dirty="0"/>
+              <a:t>False!</a:t>
+            </a:r>
+          </a:p>
+          <a:p>
+            <a:pPr marL="228600" indent="-228600">
+              <a:buAutoNum type="arabicPeriod"/>
+            </a:pPr>
+            <a:r>
+              <a:rPr lang="en-US" dirty="0"/>
+              <a:t>Function, Formula, Function</a:t>
+            </a:r>
+          </a:p>
+          <a:p>
+            <a:pPr marL="228600" indent="-228600">
+              <a:buAutoNum type="arabicPeriod"/>
+            </a:pPr>
+            <a:r>
+              <a:rPr lang="en-US" dirty="0"/>
+              <a:t>Argument</a:t>
+            </a:r>
+          </a:p>
+        </p:txBody>
+      </p:sp>
+      <p:sp>
+        <p:nvSpPr>
+          <p:cNvPr id="4" name="Slide Number Placeholder 3">
+            <a:extLst>
+              <a:ext uri="{FF2B5EF4-FFF2-40B4-BE49-F238E27FC236}">
+                <a16:creationId xmlns:a16="http://schemas.microsoft.com/office/drawing/2014/main" id="{BF9581CD-E6D1-5721-3D61-4A2303C2E948}"/>
+              </a:ext>
+            </a:extLst>
+          </p:cNvPr>
+          <p:cNvSpPr>
+            <a:spLocks noGrp="1"/>
+          </p:cNvSpPr>
+          <p:nvPr>
+            <p:ph type="sldNum" sz="quarter" idx="5"/>
+          </p:nvPr>
+        </p:nvSpPr>
+        <p:spPr/>
+        <p:txBody>
+          <a:bodyPr/>
+          <a:lstStyle/>
+          <a:p>
+            <a:fld id="{1300335D-9F13-4B80-ADC5-B0EA3E10FF6B}" type="slidenum">
+              <a:rPr lang="en-US" smtClean="0"/>
+              <a:t>30</a:t>
+            </a:fld>
+            <a:endParaRPr lang="en-US"/>
+          </a:p>
+        </p:txBody>
+      </p:sp>
+    </p:spTree>
+    <p:extLst>
+      <p:ext uri="{BB962C8B-B14F-4D97-AF65-F5344CB8AC3E}">
+        <p14:creationId xmlns:p14="http://schemas.microsoft.com/office/powerpoint/2010/main" val="2814826355"/>
+      </p:ext>
+    </p:extLst>
+  </p:cSld>
+  <p:clrMapOvr>
+    <a:masterClrMapping/>
+  </p:clrMapOvr>
+</p:notes>
+</file>
+
+<file path=ppt/notesSlides/notesSlide15.xml><?xml version="1.0" encoding="utf-8"?>
+<p:notes xmlns:a="http://schemas.openxmlformats.org/drawingml/2006/main" xmlns:r="http://schemas.openxmlformats.org/officeDocument/2006/relationships" xmlns:p="http://schemas.openxmlformats.org/presentationml/2006/main">
+  <p:cSld>
+    <p:spTree>
+      <p:nvGrpSpPr>
+        <p:cNvPr id="1" name="">
+          <a:extLst>
+            <a:ext uri="{FF2B5EF4-FFF2-40B4-BE49-F238E27FC236}">
+              <a16:creationId xmlns:a16="http://schemas.microsoft.com/office/drawing/2014/main" id="{DA40D229-E627-1461-6019-A8AE08964E72}"/>
+            </a:ext>
+          </a:extLst>
+        </p:cNvPr>
+        <p:cNvGrpSpPr/>
+        <p:nvPr/>
+      </p:nvGrpSpPr>
+      <p:grpSpPr>
+        <a:xfrm>
+          <a:off x="0" y="0"/>
+          <a:ext cx="0" cy="0"/>
+          <a:chOff x="0" y="0"/>
+          <a:chExt cx="0" cy="0"/>
+        </a:xfrm>
+      </p:grpSpPr>
+      <p:sp>
+        <p:nvSpPr>
+          <p:cNvPr id="2" name="Slide Image Placeholder 1">
+            <a:extLst>
+              <a:ext uri="{FF2B5EF4-FFF2-40B4-BE49-F238E27FC236}">
+                <a16:creationId xmlns:a16="http://schemas.microsoft.com/office/drawing/2014/main" id="{758F9E12-358C-3C97-1F0B-325AC2E201E8}"/>
+              </a:ext>
+            </a:extLst>
+          </p:cNvPr>
+          <p:cNvSpPr>
+            <a:spLocks noGrp="1" noRot="1" noChangeAspect="1"/>
+          </p:cNvSpPr>
+          <p:nvPr>
+            <p:ph type="sldImg"/>
+          </p:nvPr>
+        </p:nvSpPr>
+        <p:spPr/>
+      </p:sp>
+      <p:sp>
+        <p:nvSpPr>
+          <p:cNvPr id="3" name="Notes Placeholder 2">
+            <a:extLst>
+              <a:ext uri="{FF2B5EF4-FFF2-40B4-BE49-F238E27FC236}">
+                <a16:creationId xmlns:a16="http://schemas.microsoft.com/office/drawing/2014/main" id="{EA1966B0-2D77-D6E1-25B7-E096BA84B870}"/>
+              </a:ext>
+            </a:extLst>
+          </p:cNvPr>
+          <p:cNvSpPr>
+            <a:spLocks noGrp="1"/>
+          </p:cNvSpPr>
+          <p:nvPr>
+            <p:ph type="body" idx="1"/>
+          </p:nvPr>
+        </p:nvSpPr>
+        <p:spPr/>
+        <p:txBody>
+          <a:bodyPr/>
+          <a:lstStyle/>
+          <a:p>
+            <a:pPr marL="228600" indent="-228600">
+              <a:buAutoNum type="arabicPeriod"/>
+            </a:pPr>
+            <a:r>
+              <a:rPr lang="en-US" dirty="0"/>
+              <a:t>False!</a:t>
+            </a:r>
+          </a:p>
+          <a:p>
+            <a:pPr marL="228600" indent="-228600">
+              <a:buAutoNum type="arabicPeriod"/>
+            </a:pPr>
+            <a:r>
+              <a:rPr lang="en-US" dirty="0"/>
+              <a:t>Function, Formula, Function</a:t>
+            </a:r>
+          </a:p>
+          <a:p>
+            <a:pPr marL="228600" indent="-228600">
+              <a:buAutoNum type="arabicPeriod"/>
+            </a:pPr>
+            <a:r>
+              <a:rPr lang="en-US" dirty="0"/>
+              <a:t>Argument</a:t>
+            </a:r>
+          </a:p>
+        </p:txBody>
+      </p:sp>
+      <p:sp>
+        <p:nvSpPr>
+          <p:cNvPr id="4" name="Slide Number Placeholder 3">
+            <a:extLst>
+              <a:ext uri="{FF2B5EF4-FFF2-40B4-BE49-F238E27FC236}">
+                <a16:creationId xmlns:a16="http://schemas.microsoft.com/office/drawing/2014/main" id="{14A63094-3660-AE05-B120-3A7226203F04}"/>
+              </a:ext>
+            </a:extLst>
+          </p:cNvPr>
+          <p:cNvSpPr>
+            <a:spLocks noGrp="1"/>
+          </p:cNvSpPr>
+          <p:nvPr>
+            <p:ph type="sldNum" sz="quarter" idx="5"/>
+          </p:nvPr>
+        </p:nvSpPr>
+        <p:spPr/>
+        <p:txBody>
+          <a:bodyPr/>
+          <a:lstStyle/>
+          <a:p>
+            <a:fld id="{1300335D-9F13-4B80-ADC5-B0EA3E10FF6B}" type="slidenum">
+              <a:rPr lang="en-US" smtClean="0"/>
+              <a:t>31</a:t>
+            </a:fld>
+            <a:endParaRPr lang="en-US"/>
+          </a:p>
+        </p:txBody>
+      </p:sp>
+    </p:spTree>
+    <p:extLst>
+      <p:ext uri="{BB962C8B-B14F-4D97-AF65-F5344CB8AC3E}">
+        <p14:creationId xmlns:p14="http://schemas.microsoft.com/office/powerpoint/2010/main" val="4111116368"/>
+      </p:ext>
+    </p:extLst>
+  </p:cSld>
+  <p:clrMapOvr>
+    <a:masterClrMapping/>
+  </p:clrMapOvr>
+</p:notes>
+</file>
+
+<file path=ppt/notesSlides/notesSlide16.xml><?xml version="1.0" encoding="utf-8"?>
+<p:notes xmlns:a="http://schemas.openxmlformats.org/drawingml/2006/main" xmlns:r="http://schemas.openxmlformats.org/officeDocument/2006/relationships" xmlns:p="http://schemas.openxmlformats.org/presentationml/2006/main">
+  <p:cSld>
+    <p:spTree>
+      <p:nvGrpSpPr>
+        <p:cNvPr id="1" name="">
+          <a:extLst>
+            <a:ext uri="{FF2B5EF4-FFF2-40B4-BE49-F238E27FC236}">
+              <a16:creationId xmlns:a16="http://schemas.microsoft.com/office/drawing/2014/main" id="{67AD85E2-7E1B-F10E-1475-AB460455C915}"/>
+            </a:ext>
+          </a:extLst>
+        </p:cNvPr>
+        <p:cNvGrpSpPr/>
+        <p:nvPr/>
+      </p:nvGrpSpPr>
+      <p:grpSpPr>
+        <a:xfrm>
+          <a:off x="0" y="0"/>
+          <a:ext cx="0" cy="0"/>
+          <a:chOff x="0" y="0"/>
+          <a:chExt cx="0" cy="0"/>
+        </a:xfrm>
+      </p:grpSpPr>
+      <p:sp>
+        <p:nvSpPr>
+          <p:cNvPr id="2" name="Slide Image Placeholder 1">
+            <a:extLst>
+              <a:ext uri="{FF2B5EF4-FFF2-40B4-BE49-F238E27FC236}">
+                <a16:creationId xmlns:a16="http://schemas.microsoft.com/office/drawing/2014/main" id="{54055F85-BEA4-163F-2CD3-A9DAE6E77CE1}"/>
+              </a:ext>
+            </a:extLst>
+          </p:cNvPr>
+          <p:cNvSpPr>
+            <a:spLocks noGrp="1" noRot="1" noChangeAspect="1"/>
+          </p:cNvSpPr>
+          <p:nvPr>
+            <p:ph type="sldImg"/>
+          </p:nvPr>
+        </p:nvSpPr>
+        <p:spPr/>
+      </p:sp>
+      <p:sp>
+        <p:nvSpPr>
+          <p:cNvPr id="3" name="Notes Placeholder 2">
+            <a:extLst>
+              <a:ext uri="{FF2B5EF4-FFF2-40B4-BE49-F238E27FC236}">
+                <a16:creationId xmlns:a16="http://schemas.microsoft.com/office/drawing/2014/main" id="{CE75D6A2-E113-BDDB-EBEE-CF52A3A068A4}"/>
+              </a:ext>
+            </a:extLst>
+          </p:cNvPr>
+          <p:cNvSpPr>
+            <a:spLocks noGrp="1"/>
+          </p:cNvSpPr>
+          <p:nvPr>
+            <p:ph type="body" idx="1"/>
+          </p:nvPr>
+        </p:nvSpPr>
+        <p:spPr/>
+        <p:txBody>
+          <a:bodyPr/>
+          <a:lstStyle/>
+          <a:p>
+            <a:pPr marL="228600" indent="-228600">
+              <a:buAutoNum type="arabicPeriod"/>
+            </a:pPr>
+            <a:r>
+              <a:rPr lang="en-US" dirty="0"/>
+              <a:t>False!</a:t>
+            </a:r>
+          </a:p>
+          <a:p>
+            <a:pPr marL="228600" indent="-228600">
+              <a:buAutoNum type="arabicPeriod"/>
+            </a:pPr>
+            <a:r>
+              <a:rPr lang="en-US" dirty="0"/>
+              <a:t>Function, Formula, Function</a:t>
+            </a:r>
+          </a:p>
+          <a:p>
+            <a:pPr marL="228600" indent="-228600">
+              <a:buAutoNum type="arabicPeriod"/>
+            </a:pPr>
+            <a:r>
+              <a:rPr lang="en-US" dirty="0"/>
+              <a:t>Argument</a:t>
+            </a:r>
+          </a:p>
+        </p:txBody>
+      </p:sp>
+      <p:sp>
+        <p:nvSpPr>
+          <p:cNvPr id="4" name="Slide Number Placeholder 3">
+            <a:extLst>
+              <a:ext uri="{FF2B5EF4-FFF2-40B4-BE49-F238E27FC236}">
+                <a16:creationId xmlns:a16="http://schemas.microsoft.com/office/drawing/2014/main" id="{FA6D414B-E933-D51E-D1F9-797BE79CD834}"/>
+              </a:ext>
+            </a:extLst>
+          </p:cNvPr>
+          <p:cNvSpPr>
+            <a:spLocks noGrp="1"/>
+          </p:cNvSpPr>
+          <p:nvPr>
+            <p:ph type="sldNum" sz="quarter" idx="5"/>
+          </p:nvPr>
+        </p:nvSpPr>
+        <p:spPr/>
+        <p:txBody>
+          <a:bodyPr/>
+          <a:lstStyle/>
+          <a:p>
+            <a:fld id="{1300335D-9F13-4B80-ADC5-B0EA3E10FF6B}" type="slidenum">
+              <a:rPr lang="en-US" smtClean="0"/>
+              <a:t>34</a:t>
+            </a:fld>
+            <a:endParaRPr lang="en-US"/>
+          </a:p>
+        </p:txBody>
+      </p:sp>
+    </p:spTree>
+    <p:extLst>
+      <p:ext uri="{BB962C8B-B14F-4D97-AF65-F5344CB8AC3E}">
+        <p14:creationId xmlns:p14="http://schemas.microsoft.com/office/powerpoint/2010/main" val="2530139613"/>
+      </p:ext>
+    </p:extLst>
+  </p:cSld>
+  <p:clrMapOvr>
+    <a:masterClrMapping/>
+  </p:clrMapOvr>
+</p:notes>
+</file>
+
+<file path=ppt/notesSlides/notesSlide17.xml><?xml version="1.0" encoding="utf-8"?>
 <p:notes xmlns:a="http://schemas.openxmlformats.org/drawingml/2006/main" xmlns:r="http://schemas.openxmlformats.org/officeDocument/2006/relationships" xmlns:p="http://schemas.openxmlformats.org/presentationml/2006/main">
   <p:cSld>
     <p:spTree>
@@ -1077,7 +1614,7 @@
           <a:p>
             <a:fld id="{1300335D-9F13-4B80-ADC5-B0EA3E10FF6B}" type="slidenum">
               <a:rPr lang="en-US" smtClean="0"/>
-              <a:t>28</a:t>
+              <a:t>36</a:t>
             </a:fld>
             <a:endParaRPr lang="en-US"/>
           </a:p>
@@ -1096,7 +1633,7 @@
 </p:notes>
 </file>
 
-<file path=ppt/notesSlides/notesSlide14.xml><?xml version="1.0" encoding="utf-8"?>
+<file path=ppt/notesSlides/notesSlide18.xml><?xml version="1.0" encoding="utf-8"?>
 <p:notes xmlns:a="http://schemas.openxmlformats.org/drawingml/2006/main" xmlns:r="http://schemas.openxmlformats.org/officeDocument/2006/relationships" xmlns:p="http://schemas.openxmlformats.org/presentationml/2006/main">
   <p:cSld>
     <p:spTree>
@@ -1209,7 +1746,7 @@
           <a:p>
             <a:fld id="{1300335D-9F13-4B80-ADC5-B0EA3E10FF6B}" type="slidenum">
               <a:rPr lang="en-US" smtClean="0"/>
-              <a:t>29</a:t>
+              <a:t>37</a:t>
             </a:fld>
             <a:endParaRPr lang="en-US"/>
           </a:p>
@@ -1228,7 +1765,7 @@
 </p:notes>
 </file>
 
-<file path=ppt/notesSlides/notesSlide15.xml><?xml version="1.0" encoding="utf-8"?>
+<file path=ppt/notesSlides/notesSlide19.xml><?xml version="1.0" encoding="utf-8"?>
 <p:notes xmlns:a="http://schemas.openxmlformats.org/drawingml/2006/main" xmlns:r="http://schemas.openxmlformats.org/officeDocument/2006/relationships" xmlns:p="http://schemas.openxmlformats.org/presentationml/2006/main">
   <p:cSld>
     <p:spTree>
@@ -1341,7 +1878,7 @@
           <a:p>
             <a:fld id="{1300335D-9F13-4B80-ADC5-B0EA3E10FF6B}" type="slidenum">
               <a:rPr lang="en-US" smtClean="0"/>
-              <a:t>30</a:t>
+              <a:t>38</a:t>
             </a:fld>
             <a:endParaRPr lang="en-US"/>
           </a:p>
@@ -8703,8 +9240,8 @@
         </p:nvSpPr>
         <p:spPr>
           <a:xfrm>
-            <a:off x="260430" y="329879"/>
-            <a:ext cx="10788569" cy="7631256"/>
+            <a:off x="228600" y="89327"/>
+            <a:ext cx="10788569" cy="10108345"/>
           </a:xfrm>
           <a:prstGeom prst="rect">
             <a:avLst/>
@@ -8768,7 +9305,7 @@
                 <a:latin typeface="Consolas" panose="020B0609020204030204" pitchFamily="49" charset="0"/>
                 <a:sym typeface="Consolas"/>
               </a:rPr>
-              <a:t>advanced-analytics-exercises.xlsx</a:t>
+              <a:t>copilot-dashboard-start.xlsx</a:t>
             </a:r>
           </a:p>
           <a:p>
@@ -8794,7 +9331,7 @@
                 <a:latin typeface="Pragmatica" panose="020B0403040502020204"/>
                 <a:sym typeface="Consolas"/>
               </a:rPr>
-              <a:t>Use Advanced Analytics for AI-assisted analysis of these datasets!</a:t>
+              <a:t>Use Advanced Analysis to create visualizations for a dashboard</a:t>
             </a:r>
           </a:p>
           <a:p>
@@ -8820,7 +9357,7 @@
                 <a:latin typeface="Pragmatica" panose="020B0403040502020204"/>
                 <a:sym typeface="Consolas"/>
               </a:rPr>
-              <a:t>Suggested topics for exploration in </a:t>
+              <a:t>Check </a:t>
             </a:r>
             <a:r>
               <a:rPr lang="en-US" sz="4400" dirty="0">
@@ -8830,7 +9367,17 @@
                 <a:latin typeface="Consolas" panose="020B0609020204030204" pitchFamily="49" charset="0"/>
                 <a:sym typeface="Consolas"/>
               </a:rPr>
-              <a:t>advanced-analysis-exercises.pdf</a:t>
+              <a:t>mpg-dashboard-prompt.txt </a:t>
+            </a:r>
+            <a:r>
+              <a:rPr lang="en-US" sz="4400" dirty="0">
+                <a:solidFill>
+                  <a:srgbClr val="C00000"/>
+                </a:solidFill>
+                <a:latin typeface="Pragmatica" panose="020B0403040502020204"/>
+                <a:sym typeface="Consolas"/>
+              </a:rPr>
+              <a:t>for a sample input prompt</a:t>
             </a:r>
           </a:p>
           <a:p>
@@ -8851,11 +9398,38 @@
             <a:r>
               <a:rPr lang="en-US" sz="4400" dirty="0">
                 <a:solidFill>
-                  <a:srgbClr val="CF3338"/>
+                  <a:srgbClr val="C00000"/>
                 </a:solidFill>
                 <a:latin typeface="Pragmatica" panose="020B0403040502020204"/>
-              </a:rPr>
-              <a:t>Share your insights!</a:t>
+                <a:sym typeface="Consolas"/>
+              </a:rPr>
+              <a:t>We’ll walk through assembling the dashboard together</a:t>
+            </a:r>
+          </a:p>
+          <a:p>
+            <a:pPr marL="714375" indent="-571500">
+              <a:lnSpc>
+                <a:spcPct val="115000"/>
+              </a:lnSpc>
+              <a:spcBef>
+                <a:spcPts val="1125"/>
+              </a:spcBef>
+              <a:buClr>
+                <a:srgbClr val="C00000"/>
+              </a:buClr>
+              <a:buSzPts val="2100"/>
+              <a:buFont typeface="Arial" panose="020B0604020202020204" pitchFamily="34" charset="0"/>
+              <a:buChar char="•"/>
+            </a:pPr>
+            <a:r>
+              <a:rPr lang="en-US" sz="4400" dirty="0">
+                <a:solidFill>
+                  <a:srgbClr val="C00000"/>
+                </a:solidFill>
+                <a:latin typeface="Pragmatica" panose="020B0403040502020204"/>
+                <a:sym typeface="Consolas"/>
+              </a:rPr>
+              <a:t>Your results will vary from mine… embrace it!</a:t>
             </a:r>
           </a:p>
         </p:txBody>
@@ -8878,7 +9452,13 @@
   <p:cSld>
     <p:spTree>
       <p:nvGrpSpPr>
-        <p:cNvPr id="1" name=""/>
+        <p:cNvPr id="1" name="">
+          <a:extLst>
+            <a:ext uri="{FF2B5EF4-FFF2-40B4-BE49-F238E27FC236}">
+              <a16:creationId xmlns:a16="http://schemas.microsoft.com/office/drawing/2014/main" id="{A3B10373-A02C-F3B4-7F85-90C1F8D02AA1}"/>
+            </a:ext>
+          </a:extLst>
+        </p:cNvPr>
         <p:cNvGrpSpPr/>
         <p:nvPr/>
       </p:nvGrpSpPr>
@@ -8890,62 +9470,93 @@
           <a:chExt cx="0" cy="0"/>
         </a:xfrm>
       </p:grpSpPr>
-      <p:sp>
-        <p:nvSpPr>
-          <p:cNvPr id="4" name="Rectangle 3"/>
-          <p:cNvSpPr/>
+      <p:pic>
+        <p:nvPicPr>
+          <p:cNvPr id="10" name="Picture 9">
+            <a:extLst>
+              <a:ext uri="{FF2B5EF4-FFF2-40B4-BE49-F238E27FC236}">
+                <a16:creationId xmlns:a16="http://schemas.microsoft.com/office/drawing/2014/main" id="{C714174C-EC4A-199D-6A4A-4D35ACE9D21D}"/>
+              </a:ext>
+            </a:extLst>
+          </p:cNvPr>
+          <p:cNvPicPr>
+            <a:picLocks noChangeAspect="1"/>
+          </p:cNvPicPr>
           <p:nvPr/>
-        </p:nvSpPr>
+        </p:nvPicPr>
+        <p:blipFill rotWithShape="1">
+          <a:blip r:embed="rId2">
+            <a:extLst>
+              <a:ext uri="{28A0092B-C50C-407E-A947-70E740481C1C}">
+                <a14:useLocalDpi xmlns:a14="http://schemas.microsoft.com/office/drawing/2010/main" val="0"/>
+              </a:ext>
+            </a:extLst>
+          </a:blip>
+          <a:srcRect l="50728" t="56371"/>
+          <a:stretch/>
+        </p:blipFill>
         <p:spPr>
           <a:xfrm>
-            <a:off x="0" y="0"/>
-            <a:ext cx="18288000" cy="10287000"/>
+            <a:off x="12204691" y="3316148"/>
+            <a:ext cx="6083309" cy="6970854"/>
           </a:xfrm>
           <a:prstGeom prst="rect">
             <a:avLst/>
           </a:prstGeom>
-          <a:solidFill>
-            <a:srgbClr val="CF3338"/>
-          </a:solidFill>
-          <a:ln>
-            <a:noFill/>
-          </a:ln>
-        </p:spPr>
-        <p:style>
-          <a:lnRef idx="2">
-            <a:schemeClr val="accent1">
-              <a:shade val="50000"/>
-            </a:schemeClr>
-          </a:lnRef>
-          <a:fillRef idx="1">
-            <a:schemeClr val="accent1"/>
-          </a:fillRef>
-          <a:effectRef idx="0">
-            <a:schemeClr val="accent1"/>
-          </a:effectRef>
-          <a:fontRef idx="minor">
-            <a:schemeClr val="lt1"/>
-          </a:fontRef>
-        </p:style>
-        <p:txBody>
-          <a:bodyPr rtlCol="0" anchor="ctr"/>
-          <a:lstStyle/>
-          <a:p>
-            <a:pPr algn="ctr"/>
-            <a:endParaRPr lang="en-US" sz="2700"/>
-          </a:p>
-        </p:txBody>
-      </p:sp>
-      <p:sp>
-        <p:nvSpPr>
-          <p:cNvPr id="5" name="TextBox 4"/>
+        </p:spPr>
+      </p:pic>
+      <p:pic>
+        <p:nvPicPr>
+          <p:cNvPr id="4" name="Picture 3">
+            <a:extLst>
+              <a:ext uri="{FF2B5EF4-FFF2-40B4-BE49-F238E27FC236}">
+                <a16:creationId xmlns:a16="http://schemas.microsoft.com/office/drawing/2014/main" id="{51E84A95-1C43-F1BD-317B-2713C368ED2E}"/>
+              </a:ext>
+            </a:extLst>
+          </p:cNvPr>
+          <p:cNvPicPr>
+            <a:picLocks noChangeAspect="1"/>
+          </p:cNvPicPr>
+          <p:nvPr/>
+        </p:nvPicPr>
+        <p:blipFill>
+          <a:blip r:embed="rId3">
+            <a:extLst>
+              <a:ext uri="{28A0092B-C50C-407E-A947-70E740481C1C}">
+                <a14:useLocalDpi xmlns:a14="http://schemas.microsoft.com/office/drawing/2010/main" val="0"/>
+              </a:ext>
+            </a:extLst>
+          </a:blip>
+          <a:stretch>
+            <a:fillRect/>
+          </a:stretch>
+        </p:blipFill>
+        <p:spPr>
+          <a:xfrm>
+            <a:off x="-807744" y="-3724155"/>
+            <a:ext cx="15257208" cy="11189825"/>
+          </a:xfrm>
+          <a:prstGeom prst="rect">
+            <a:avLst/>
+          </a:prstGeom>
+        </p:spPr>
+      </p:pic>
+      <p:sp>
+        <p:nvSpPr>
+          <p:cNvPr id="11" name="TextBox 10">
+            <a:extLst>
+              <a:ext uri="{FF2B5EF4-FFF2-40B4-BE49-F238E27FC236}">
+                <a16:creationId xmlns:a16="http://schemas.microsoft.com/office/drawing/2014/main" id="{30C62C0B-6BAE-B45D-2422-EC0ED75B442B}"/>
+              </a:ext>
+            </a:extLst>
+          </p:cNvPr>
           <p:cNvSpPr txBox="1"/>
           <p:nvPr/>
         </p:nvSpPr>
         <p:spPr>
           <a:xfrm>
-            <a:off x="781292" y="590309"/>
-            <a:ext cx="15486926" cy="4662815"/>
+            <a:off x="486137" y="2531318"/>
+            <a:ext cx="11979797" cy="923330"/>
           </a:xfrm>
           <a:prstGeom prst="rect">
             <a:avLst/>
@@ -8959,57 +9570,56 @@
           <a:lstStyle/>
           <a:p>
             <a:r>
-              <a:rPr lang="en-US" sz="9900" b="1" dirty="0">
-                <a:solidFill>
-                  <a:schemeClr val="bg1"/>
-                </a:solidFill>
-                <a:latin typeface="Normafixed Tryout" panose="00000409000000000000" pitchFamily="49" charset="0"/>
-              </a:rPr>
-              <a:t>5. There’s more to Python </a:t>
-            </a:r>
-            <a:r>
-              <a:rPr lang="en-US" sz="9900" b="1" i="1" dirty="0">
-                <a:solidFill>
-                  <a:schemeClr val="bg1"/>
-                </a:solidFill>
-                <a:latin typeface="Normafixed Tryout" panose="00000409000000000000" pitchFamily="49" charset="0"/>
-              </a:rPr>
-              <a:t>and </a:t>
-            </a:r>
-            <a:r>
-              <a:rPr lang="en-US" sz="9900" b="1" dirty="0">
-                <a:solidFill>
-                  <a:schemeClr val="bg1"/>
-                </a:solidFill>
-                <a:latin typeface="Normafixed Tryout" panose="00000409000000000000" pitchFamily="49" charset="0"/>
-              </a:rPr>
-              <a:t>Excel than Python </a:t>
-            </a:r>
-            <a:r>
-              <a:rPr lang="en-US" sz="9900" b="1" i="1" dirty="0">
-                <a:solidFill>
-                  <a:schemeClr val="bg1"/>
-                </a:solidFill>
-                <a:latin typeface="Normafixed Tryout" panose="00000409000000000000" pitchFamily="49" charset="0"/>
-              </a:rPr>
-              <a:t>in </a:t>
-            </a:r>
-            <a:r>
-              <a:rPr lang="en-US" sz="9900" b="1" dirty="0">
-                <a:solidFill>
-                  <a:schemeClr val="bg1"/>
-                </a:solidFill>
-                <a:latin typeface="Normafixed Tryout" panose="00000409000000000000" pitchFamily="49" charset="0"/>
-              </a:rPr>
-              <a:t>Excel</a:t>
-            </a:r>
-          </a:p>
-        </p:txBody>
-      </p:sp>
+              <a:rPr lang="en-US" sz="5400" b="1" dirty="0">
+                <a:solidFill>
+                  <a:srgbClr val="CF3338"/>
+                </a:solidFill>
+                <a:latin typeface="Pragmatica" panose="020B0403040502020204" pitchFamily="34" charset="0"/>
+              </a:rPr>
+              <a:t>Questions?</a:t>
+            </a:r>
+          </a:p>
+        </p:txBody>
+      </p:sp>
+      <p:pic>
+        <p:nvPicPr>
+          <p:cNvPr id="5" name="Picture 4">
+            <a:extLst>
+              <a:ext uri="{FF2B5EF4-FFF2-40B4-BE49-F238E27FC236}">
+                <a16:creationId xmlns:a16="http://schemas.microsoft.com/office/drawing/2014/main" id="{553C77A1-7735-1718-6EC7-269027A71A0A}"/>
+              </a:ext>
+            </a:extLst>
+          </p:cNvPr>
+          <p:cNvPicPr>
+            <a:picLocks noChangeAspect="1"/>
+          </p:cNvPicPr>
+          <p:nvPr/>
+        </p:nvPicPr>
+        <p:blipFill>
+          <a:blip r:embed="rId4">
+            <a:extLst>
+              <a:ext uri="{28A0092B-C50C-407E-A947-70E740481C1C}">
+                <a14:useLocalDpi xmlns:a14="http://schemas.microsoft.com/office/drawing/2010/main" val="0"/>
+              </a:ext>
+            </a:extLst>
+          </a:blip>
+          <a:srcRect/>
+          <a:stretch/>
+        </p:blipFill>
+        <p:spPr>
+          <a:xfrm>
+            <a:off x="12204691" y="3317239"/>
+            <a:ext cx="6083309" cy="6968672"/>
+          </a:xfrm>
+          <a:prstGeom prst="rect">
+            <a:avLst/>
+          </a:prstGeom>
+        </p:spPr>
+      </p:pic>
     </p:spTree>
     <p:extLst>
       <p:ext uri="{BB962C8B-B14F-4D97-AF65-F5344CB8AC3E}">
-        <p14:creationId xmlns:p14="http://schemas.microsoft.com/office/powerpoint/2010/main" val="1915421395"/>
+        <p14:creationId xmlns:p14="http://schemas.microsoft.com/office/powerpoint/2010/main" val="3014021687"/>
       </p:ext>
     </p:extLst>
   </p:cSld>
@@ -9044,8 +9654,8 @@
         </p:nvSpPr>
         <p:spPr>
           <a:xfrm>
-            <a:off x="9861630" y="0"/>
-            <a:ext cx="8426370" cy="10287000"/>
+            <a:off x="0" y="0"/>
+            <a:ext cx="18288000" cy="10287000"/>
           </a:xfrm>
           <a:prstGeom prst="rect">
             <a:avLst/>
@@ -9082,45 +9692,16 @@
           </a:p>
         </p:txBody>
       </p:sp>
-      <p:pic>
-        <p:nvPicPr>
-          <p:cNvPr id="2" name="Picture 1"/>
-          <p:cNvPicPr>
-            <a:picLocks noChangeAspect="1"/>
-          </p:cNvPicPr>
-          <p:nvPr/>
-        </p:nvPicPr>
-        <p:blipFill rotWithShape="1">
-          <a:blip r:embed="rId3">
-            <a:extLst>
-              <a:ext uri="{28A0092B-C50C-407E-A947-70E740481C1C}">
-                <a14:useLocalDpi xmlns:a14="http://schemas.microsoft.com/office/drawing/2010/main" val="0"/>
-              </a:ext>
-            </a:extLst>
-          </a:blip>
-          <a:srcRect l="69227" t="33418" r="20112" b="50548"/>
-          <a:stretch/>
-        </p:blipFill>
-        <p:spPr>
-          <a:xfrm>
-            <a:off x="15579524" y="7544693"/>
-            <a:ext cx="2708477" cy="2987579"/>
-          </a:xfrm>
-          <a:prstGeom prst="rect">
-            <a:avLst/>
-          </a:prstGeom>
-        </p:spPr>
-      </p:pic>
-      <p:sp>
-        <p:nvSpPr>
-          <p:cNvPr id="3" name="TextBox 2"/>
+      <p:sp>
+        <p:nvSpPr>
+          <p:cNvPr id="5" name="TextBox 4"/>
           <p:cNvSpPr txBox="1"/>
           <p:nvPr/>
         </p:nvSpPr>
         <p:spPr>
           <a:xfrm>
-            <a:off x="260431" y="329879"/>
-            <a:ext cx="8906720" cy="9596986"/>
+            <a:off x="781292" y="590309"/>
+            <a:ext cx="15486926" cy="4662815"/>
           </a:xfrm>
           <a:prstGeom prst="rect">
             <a:avLst/>
@@ -9134,214 +9715,57 @@
           <a:lstStyle/>
           <a:p>
             <a:r>
-              <a:rPr lang="en-US" sz="6000" b="1" dirty="0">
-                <a:solidFill>
-                  <a:srgbClr val="CF3338"/>
-                </a:solidFill>
-                <a:latin typeface="Pragmatica" panose="020B0403040502020204" pitchFamily="34" charset="0"/>
-              </a:rPr>
-              <a:t>There’s more to Python </a:t>
-            </a:r>
-            <a:r>
-              <a:rPr lang="en-US" sz="6000" b="1" i="1" dirty="0">
-                <a:solidFill>
-                  <a:srgbClr val="CF3338"/>
-                </a:solidFill>
-                <a:latin typeface="Pragmatica" panose="020B0403040502020204" pitchFamily="34" charset="0"/>
-              </a:rPr>
-              <a:t>and</a:t>
-            </a:r>
-            <a:r>
-              <a:rPr lang="en-US" sz="6000" b="1" dirty="0">
-                <a:solidFill>
-                  <a:srgbClr val="CF3338"/>
-                </a:solidFill>
-                <a:latin typeface="Pragmatica" panose="020B0403040502020204" pitchFamily="34" charset="0"/>
-              </a:rPr>
-              <a:t> Excel than Python </a:t>
-            </a:r>
-            <a:r>
-              <a:rPr lang="en-US" sz="6000" b="1" i="1" dirty="0">
-                <a:solidFill>
-                  <a:srgbClr val="CF3338"/>
-                </a:solidFill>
-                <a:latin typeface="Pragmatica" panose="020B0403040502020204" pitchFamily="34" charset="0"/>
+              <a:rPr lang="en-US" sz="9900" b="1" dirty="0">
+                <a:solidFill>
+                  <a:schemeClr val="bg1"/>
+                </a:solidFill>
+                <a:latin typeface="Normafixed Tryout" panose="00000409000000000000" pitchFamily="49" charset="0"/>
+              </a:rPr>
+              <a:t>5. There’s more to Python </a:t>
+            </a:r>
+            <a:r>
+              <a:rPr lang="en-US" sz="9900" b="1" i="1" dirty="0">
+                <a:solidFill>
+                  <a:schemeClr val="bg1"/>
+                </a:solidFill>
+                <a:latin typeface="Normafixed Tryout" panose="00000409000000000000" pitchFamily="49" charset="0"/>
+              </a:rPr>
+              <a:t>and </a:t>
+            </a:r>
+            <a:r>
+              <a:rPr lang="en-US" sz="9900" b="1" dirty="0">
+                <a:solidFill>
+                  <a:schemeClr val="bg1"/>
+                </a:solidFill>
+                <a:latin typeface="Normafixed Tryout" panose="00000409000000000000" pitchFamily="49" charset="0"/>
+              </a:rPr>
+              <a:t>Excel than Python </a:t>
+            </a:r>
+            <a:r>
+              <a:rPr lang="en-US" sz="9900" b="1" i="1" dirty="0">
+                <a:solidFill>
+                  <a:schemeClr val="bg1"/>
+                </a:solidFill>
+                <a:latin typeface="Normafixed Tryout" panose="00000409000000000000" pitchFamily="49" charset="0"/>
               </a:rPr>
               <a:t>in </a:t>
             </a:r>
             <a:r>
-              <a:rPr lang="en-US" sz="6000" b="1" dirty="0">
-                <a:solidFill>
-                  <a:srgbClr val="CF3338"/>
-                </a:solidFill>
-                <a:latin typeface="Pragmatica" panose="020B0403040502020204" pitchFamily="34" charset="0"/>
+              <a:rPr lang="en-US" sz="9900" b="1" dirty="0">
+                <a:solidFill>
+                  <a:schemeClr val="bg1"/>
+                </a:solidFill>
+                <a:latin typeface="Normafixed Tryout" panose="00000409000000000000" pitchFamily="49" charset="0"/>
               </a:rPr>
               <a:t>Excel</a:t>
             </a:r>
-          </a:p>
-          <a:p>
-            <a:endParaRPr lang="en-US" sz="4200" dirty="0">
-              <a:solidFill>
-                <a:srgbClr val="CF3338"/>
-              </a:solidFill>
-              <a:latin typeface="Pragmatica" panose="020B0403040502020204" pitchFamily="34" charset="0"/>
-            </a:endParaRPr>
-          </a:p>
-          <a:p>
-            <a:pPr marL="685800" indent="-542925">
-              <a:lnSpc>
-                <a:spcPct val="115000"/>
-              </a:lnSpc>
-              <a:spcBef>
-                <a:spcPts val="1125"/>
-              </a:spcBef>
-              <a:buClr>
-                <a:srgbClr val="C00000"/>
-              </a:buClr>
-              <a:buSzPts val="2100"/>
-              <a:buFont typeface="Arial"/>
-              <a:buAutoNum type="arabicPeriod"/>
-            </a:pPr>
-            <a:r>
-              <a:rPr lang="en-US" sz="3600" dirty="0">
-                <a:solidFill>
-                  <a:srgbClr val="C00000"/>
-                </a:solidFill>
-                <a:latin typeface="Pragmatica" panose="020B0403040502020204"/>
-                <a:sym typeface="Consolas"/>
-              </a:rPr>
-              <a:t>Python in Excel is all about data analysis, visualization, statistics &amp; ML</a:t>
-            </a:r>
-          </a:p>
-          <a:p>
-            <a:pPr marL="685800" indent="-542925">
-              <a:lnSpc>
-                <a:spcPct val="115000"/>
-              </a:lnSpc>
-              <a:spcBef>
-                <a:spcPts val="1125"/>
-              </a:spcBef>
-              <a:buClr>
-                <a:srgbClr val="C00000"/>
-              </a:buClr>
-              <a:buSzPts val="2100"/>
-              <a:buFont typeface="Arial"/>
-              <a:buAutoNum type="arabicPeriod"/>
-            </a:pPr>
-            <a:r>
-              <a:rPr lang="en-US" sz="3600" dirty="0">
-                <a:solidFill>
-                  <a:srgbClr val="C00000"/>
-                </a:solidFill>
-                <a:latin typeface="Pragmatica" panose="020B0403040502020204"/>
-                <a:sym typeface="Consolas"/>
-              </a:rPr>
-              <a:t>It lacks Excel automation capabilities</a:t>
-            </a:r>
-          </a:p>
-          <a:p>
-            <a:pPr marL="685800" indent="-542925">
-              <a:lnSpc>
-                <a:spcPct val="115000"/>
-              </a:lnSpc>
-              <a:spcBef>
-                <a:spcPts val="1125"/>
-              </a:spcBef>
-              <a:buClr>
-                <a:srgbClr val="C00000"/>
-              </a:buClr>
-              <a:buSzPts val="2100"/>
-              <a:buFont typeface="Arial"/>
-              <a:buAutoNum type="arabicPeriod"/>
-            </a:pPr>
-            <a:r>
-              <a:rPr lang="en-US" sz="3600" dirty="0">
-                <a:solidFill>
-                  <a:srgbClr val="C00000"/>
-                </a:solidFill>
-                <a:latin typeface="Pragmatica" panose="020B0403040502020204"/>
-                <a:sym typeface="Consolas"/>
-              </a:rPr>
-              <a:t>Let’s automate an entire Excel workbook from Python… without opening Excel!</a:t>
-            </a:r>
-          </a:p>
-          <a:p>
-            <a:pPr marL="685800" indent="-542925">
-              <a:lnSpc>
-                <a:spcPct val="115000"/>
-              </a:lnSpc>
-              <a:spcBef>
-                <a:spcPts val="1125"/>
-              </a:spcBef>
-              <a:buClr>
-                <a:srgbClr val="C00000"/>
-              </a:buClr>
-              <a:buSzPts val="2100"/>
-              <a:buFont typeface="Arial"/>
-              <a:buAutoNum type="arabicPeriod"/>
-            </a:pPr>
-            <a:endParaRPr lang="en-US" sz="3600" dirty="0">
-              <a:solidFill>
-                <a:srgbClr val="C00000"/>
-              </a:solidFill>
-              <a:latin typeface="Pragmatica" panose="020B0403040502020204"/>
-              <a:sym typeface="Consolas"/>
-            </a:endParaRPr>
-          </a:p>
-          <a:p>
-            <a:pPr marL="142875">
-              <a:lnSpc>
-                <a:spcPct val="115000"/>
-              </a:lnSpc>
-              <a:spcBef>
-                <a:spcPts val="1125"/>
-              </a:spcBef>
-              <a:buClr>
-                <a:srgbClr val="C00000"/>
-              </a:buClr>
-              <a:buSzPts val="2100"/>
-            </a:pPr>
-            <a:r>
-              <a:rPr lang="en-US" sz="3600" dirty="0">
-                <a:solidFill>
-                  <a:srgbClr val="C00000"/>
-                </a:solidFill>
-                <a:latin typeface="Pragmatica" panose="020B0403040502020204"/>
-                <a:sym typeface="Consolas"/>
-              </a:rPr>
-              <a:t>File: </a:t>
-            </a:r>
-            <a:r>
-              <a:rPr lang="en-US" sz="3600" dirty="0" err="1">
-                <a:solidFill>
-                  <a:srgbClr val="C00000"/>
-                </a:solidFill>
-                <a:latin typeface="Consolas" panose="020B0609020204030204" pitchFamily="49" charset="0"/>
-                <a:sym typeface="Consolas"/>
-              </a:rPr>
-              <a:t>pae-pie.ipynb</a:t>
-            </a:r>
-            <a:endParaRPr lang="en-US" sz="6000" dirty="0">
-              <a:solidFill>
-                <a:srgbClr val="CF3338"/>
-              </a:solidFill>
-              <a:latin typeface="Consolas" panose="020B0609020204030204" pitchFamily="49" charset="0"/>
-            </a:endParaRPr>
-          </a:p>
-          <a:p>
-            <a:endParaRPr lang="en-US" sz="6000" dirty="0">
-              <a:solidFill>
-                <a:srgbClr val="CF3338"/>
-              </a:solidFill>
-              <a:latin typeface="Pragmatica" panose="020B0403040502020204" pitchFamily="34" charset="0"/>
-            </a:endParaRPr>
           </a:p>
         </p:txBody>
       </p:sp>
     </p:spTree>
     <p:extLst>
       <p:ext uri="{BB962C8B-B14F-4D97-AF65-F5344CB8AC3E}">
-        <p14:creationId xmlns:p14="http://schemas.microsoft.com/office/powerpoint/2010/main" val="2938274525"/>
+        <p14:creationId xmlns:p14="http://schemas.microsoft.com/office/powerpoint/2010/main" val="1915421395"/>
       </p:ext>
     </p:extLst>
   </p:cSld>
@@ -9452,7 +9876,7 @@
         <p:spPr>
           <a:xfrm>
             <a:off x="260431" y="329879"/>
-            <a:ext cx="8906720" cy="8313558"/>
+            <a:ext cx="8906720" cy="9596986"/>
           </a:xfrm>
           <a:prstGeom prst="rect">
             <a:avLst/>
@@ -9508,11 +9932,19 @@
                 </a:solidFill>
                 <a:latin typeface="Pragmatica" panose="020B0403040502020204" pitchFamily="34" charset="0"/>
               </a:rPr>
-              <a:t>Excel EXERCISE</a:t>
-            </a:r>
-          </a:p>
-          <a:p>
-            <a:pPr marL="142875">
+              <a:t>Excel</a:t>
+            </a:r>
+          </a:p>
+          <a:p>
+            <a:endParaRPr lang="en-US" sz="4200" dirty="0">
+              <a:solidFill>
+                <a:srgbClr val="CF3338"/>
+              </a:solidFill>
+              <a:latin typeface="Pragmatica" panose="020B0403040502020204" pitchFamily="34" charset="0"/>
+            </a:endParaRPr>
+          </a:p>
+          <a:p>
+            <a:pPr marL="685800" indent="-542925">
               <a:lnSpc>
                 <a:spcPct val="115000"/>
               </a:lnSpc>
@@ -9523,17 +9955,22 @@
                 <a:srgbClr val="C00000"/>
               </a:buClr>
               <a:buSzPts val="2100"/>
+              <a:buFont typeface="Arial"/>
+              <a:buAutoNum type="arabicPeriod"/>
             </a:pPr>
-            <a:endParaRPr lang="en-US" sz="3600" dirty="0">
-              <a:solidFill>
-                <a:srgbClr val="C00000"/>
-              </a:solidFill>
-              <a:latin typeface="Pragmatica" panose="020B0403040502020204"/>
-              <a:sym typeface="Consolas"/>
-            </a:endParaRPr>
-          </a:p>
-          <a:p>
-            <a:pPr marL="714375" indent="-571500">
+            <a:r>
+              <a:rPr lang="en-US" sz="3600" dirty="0">
+                <a:solidFill>
+                  <a:srgbClr val="C00000"/>
+                </a:solidFill>
+                <a:latin typeface="Pragmatica" panose="020B0403040502020204"/>
+                <a:sym typeface="Consolas"/>
+              </a:rPr>
+              <a:t>Python in Excel is all about data analysis, visualization, statistics &amp; ML</a:t>
+            </a:r>
+          </a:p>
+          <a:p>
+            <a:pPr marL="685800" indent="-542925">
               <a:lnSpc>
                 <a:spcPct val="115000"/>
               </a:lnSpc>
@@ -9544,8 +9981,8 @@
                 <a:srgbClr val="C00000"/>
               </a:buClr>
               <a:buSzPts val="2100"/>
-              <a:buFont typeface="Arial" panose="020B0604020202020204" pitchFamily="34" charset="0"/>
-              <a:buChar char="•"/>
+              <a:buFont typeface="Arial"/>
+              <a:buAutoNum type="arabicPeriod"/>
             </a:pPr>
             <a:r>
               <a:rPr lang="en-US" sz="3600" dirty="0">
@@ -9555,11 +9992,11 @@
                 <a:latin typeface="Pragmatica" panose="020B0403040502020204"/>
                 <a:sym typeface="Consolas"/>
               </a:rPr>
-              <a:t>Automate production of a workbook comparing website visitors versus rating</a:t>
-            </a:r>
-          </a:p>
-          <a:p>
-            <a:pPr marL="714375" indent="-571500">
+              <a:t>It lacks Excel automation capabilities</a:t>
+            </a:r>
+          </a:p>
+          <a:p>
+            <a:pPr marL="685800" indent="-542925">
               <a:lnSpc>
                 <a:spcPct val="115000"/>
               </a:lnSpc>
@@ -9570,8 +10007,8 @@
                 <a:srgbClr val="C00000"/>
               </a:buClr>
               <a:buSzPts val="2100"/>
-              <a:buFont typeface="Arial" panose="020B0604020202020204" pitchFamily="34" charset="0"/>
-              <a:buChar char="•"/>
+              <a:buFont typeface="Arial"/>
+              <a:buAutoNum type="arabicPeriod"/>
             </a:pPr>
             <a:r>
               <a:rPr lang="en-US" sz="3600" dirty="0">
@@ -9581,7 +10018,7 @@
                 <a:latin typeface="Pragmatica" panose="020B0403040502020204"/>
                 <a:sym typeface="Consolas"/>
               </a:rPr>
-              <a:t>Fill in the blanks to create the script</a:t>
+              <a:t>Let’s automate an entire Excel workbook from Python… without opening Excel!</a:t>
             </a:r>
           </a:p>
           <a:p>
@@ -9638,27 +10075,7 @@
                 <a:latin typeface="Consolas" panose="020B0609020204030204" pitchFamily="49" charset="0"/>
                 <a:sym typeface="Consolas"/>
               </a:rPr>
-              <a:t>pae</a:t>
-            </a:r>
-            <a:r>
-              <a:rPr lang="en-US" sz="3600" dirty="0">
-                <a:solidFill>
-                  <a:srgbClr val="C00000"/>
-                </a:solidFill>
-                <a:latin typeface="Consolas" panose="020B0609020204030204" pitchFamily="49" charset="0"/>
-                <a:sym typeface="Consolas"/>
-              </a:rPr>
-              <a:t>-pie-</a:t>
-            </a:r>
-            <a:r>
-              <a:rPr lang="en-US" sz="3600" dirty="0" err="1">
-                <a:solidFill>
-                  <a:srgbClr val="C00000"/>
-                </a:solidFill>
-                <a:latin typeface="Consolas" panose="020B0609020204030204" pitchFamily="49" charset="0"/>
-                <a:sym typeface="Consolas"/>
-              </a:rPr>
-              <a:t>exercise.ipynb</a:t>
+              <a:t>pae-pie.ipynb</a:t>
             </a:r>
             <a:endParaRPr lang="en-US" sz="6000" dirty="0">
               <a:solidFill>
@@ -9680,7 +10097,7 @@
     </p:spTree>
     <p:extLst>
       <p:ext uri="{BB962C8B-B14F-4D97-AF65-F5344CB8AC3E}">
-        <p14:creationId xmlns:p14="http://schemas.microsoft.com/office/powerpoint/2010/main" val="2531284725"/>
+        <p14:creationId xmlns:p14="http://schemas.microsoft.com/office/powerpoint/2010/main" val="2938274525"/>
       </p:ext>
     </p:extLst>
   </p:cSld>
@@ -9707,186 +10124,16 @@
           <a:chExt cx="0" cy="0"/>
         </a:xfrm>
       </p:grpSpPr>
-      <p:pic>
-        <p:nvPicPr>
-          <p:cNvPr id="10" name="Picture 9"/>
-          <p:cNvPicPr>
-            <a:picLocks noChangeAspect="1"/>
-          </p:cNvPicPr>
-          <p:nvPr/>
-        </p:nvPicPr>
-        <p:blipFill rotWithShape="1">
-          <a:blip r:embed="rId2">
-            <a:extLst>
-              <a:ext uri="{28A0092B-C50C-407E-A947-70E740481C1C}">
-                <a14:useLocalDpi xmlns:a14="http://schemas.microsoft.com/office/drawing/2010/main" val="0"/>
-              </a:ext>
-            </a:extLst>
-          </a:blip>
-          <a:srcRect l="50728" t="56371"/>
-          <a:stretch/>
-        </p:blipFill>
-        <p:spPr>
-          <a:xfrm>
-            <a:off x="12204691" y="3316148"/>
-            <a:ext cx="6083309" cy="6970854"/>
-          </a:xfrm>
-          <a:prstGeom prst="rect">
-            <a:avLst/>
-          </a:prstGeom>
-        </p:spPr>
-      </p:pic>
-      <p:pic>
-        <p:nvPicPr>
-          <p:cNvPr id="4" name="Picture 3"/>
-          <p:cNvPicPr>
-            <a:picLocks noChangeAspect="1"/>
-          </p:cNvPicPr>
-          <p:nvPr/>
-        </p:nvPicPr>
-        <p:blipFill>
-          <a:blip r:embed="rId3">
-            <a:extLst>
-              <a:ext uri="{28A0092B-C50C-407E-A947-70E740481C1C}">
-                <a14:useLocalDpi xmlns:a14="http://schemas.microsoft.com/office/drawing/2010/main" val="0"/>
-              </a:ext>
-            </a:extLst>
-          </a:blip>
-          <a:stretch>
-            <a:fillRect/>
-          </a:stretch>
-        </p:blipFill>
-        <p:spPr>
-          <a:xfrm>
-            <a:off x="-807744" y="-3724155"/>
-            <a:ext cx="15257208" cy="11189825"/>
-          </a:xfrm>
-          <a:prstGeom prst="rect">
-            <a:avLst/>
-          </a:prstGeom>
-        </p:spPr>
-      </p:pic>
-      <p:sp>
-        <p:nvSpPr>
-          <p:cNvPr id="11" name="TextBox 10"/>
-          <p:cNvSpPr txBox="1"/>
-          <p:nvPr/>
-        </p:nvSpPr>
-        <p:spPr>
-          <a:xfrm>
-            <a:off x="486137" y="2531318"/>
-            <a:ext cx="11979797" cy="923330"/>
-          </a:xfrm>
-          <a:prstGeom prst="rect">
-            <a:avLst/>
-          </a:prstGeom>
-          <a:noFill/>
-        </p:spPr>
-        <p:txBody>
-          <a:bodyPr wrap="square" rtlCol="0">
-            <a:spAutoFit/>
-          </a:bodyPr>
-          <a:lstStyle/>
-          <a:p>
-            <a:r>
-              <a:rPr lang="en-US" sz="5400" b="1" dirty="0">
-                <a:solidFill>
-                  <a:srgbClr val="CF3338"/>
-                </a:solidFill>
-                <a:latin typeface="Pragmatica" panose="020B0403040502020204" pitchFamily="34" charset="0"/>
-              </a:rPr>
-              <a:t>Questions?</a:t>
-            </a:r>
-          </a:p>
-        </p:txBody>
-      </p:sp>
-      <p:pic>
-        <p:nvPicPr>
-          <p:cNvPr id="5" name="Picture 4">
-            <a:extLst>
-              <a:ext uri="{FF2B5EF4-FFF2-40B4-BE49-F238E27FC236}">
-                <a16:creationId xmlns:a16="http://schemas.microsoft.com/office/drawing/2014/main" id="{54A06221-5316-4BCF-9FDA-BDB95FF4A778}"/>
-              </a:ext>
-            </a:extLst>
-          </p:cNvPr>
-          <p:cNvPicPr>
-            <a:picLocks noChangeAspect="1"/>
-          </p:cNvPicPr>
-          <p:nvPr/>
-        </p:nvPicPr>
-        <p:blipFill>
-          <a:blip r:embed="rId4">
-            <a:extLst>
-              <a:ext uri="{28A0092B-C50C-407E-A947-70E740481C1C}">
-                <a14:useLocalDpi xmlns:a14="http://schemas.microsoft.com/office/drawing/2010/main" val="0"/>
-              </a:ext>
-            </a:extLst>
-          </a:blip>
-          <a:srcRect/>
-          <a:stretch/>
-        </p:blipFill>
-        <p:spPr>
-          <a:xfrm>
-            <a:off x="12204691" y="3317239"/>
-            <a:ext cx="6083309" cy="6968672"/>
-          </a:xfrm>
-          <a:prstGeom prst="rect">
-            <a:avLst/>
-          </a:prstGeom>
-        </p:spPr>
-      </p:pic>
-    </p:spTree>
-    <p:extLst>
-      <p:ext uri="{BB962C8B-B14F-4D97-AF65-F5344CB8AC3E}">
-        <p14:creationId xmlns:p14="http://schemas.microsoft.com/office/powerpoint/2010/main" val="59831101"/>
-      </p:ext>
-    </p:extLst>
-  </p:cSld>
-  <p:clrMapOvr>
-    <a:masterClrMapping/>
-  </p:clrMapOvr>
-</p:sld>
-</file>
-
-<file path=ppt/slides/slide27.xml><?xml version="1.0" encoding="utf-8"?>
-<p:sld xmlns:a="http://schemas.openxmlformats.org/drawingml/2006/main" xmlns:r="http://schemas.openxmlformats.org/officeDocument/2006/relationships" xmlns:p="http://schemas.openxmlformats.org/presentationml/2006/main">
-  <p:cSld>
-    <p:spTree>
-      <p:nvGrpSpPr>
-        <p:cNvPr id="1" name="">
-          <a:extLst>
-            <a:ext uri="{FF2B5EF4-FFF2-40B4-BE49-F238E27FC236}">
-              <a16:creationId xmlns:a16="http://schemas.microsoft.com/office/drawing/2014/main" id="{E85323C9-D5F7-C820-78B9-E169BDF2311C}"/>
-            </a:ext>
-          </a:extLst>
-        </p:cNvPr>
-        <p:cNvGrpSpPr/>
-        <p:nvPr/>
-      </p:nvGrpSpPr>
-      <p:grpSpPr>
-        <a:xfrm>
-          <a:off x="0" y="0"/>
-          <a:ext cx="0" cy="0"/>
-          <a:chOff x="0" y="0"/>
-          <a:chExt cx="0" cy="0"/>
-        </a:xfrm>
-      </p:grpSpPr>
-      <p:sp>
-        <p:nvSpPr>
-          <p:cNvPr id="4" name="Rectangle 3">
-            <a:extLst>
-              <a:ext uri="{FF2B5EF4-FFF2-40B4-BE49-F238E27FC236}">
-                <a16:creationId xmlns:a16="http://schemas.microsoft.com/office/drawing/2014/main" id="{28971779-1F50-1702-DEC1-87CD482189F0}"/>
-              </a:ext>
-            </a:extLst>
-          </p:cNvPr>
+      <p:sp>
+        <p:nvSpPr>
+          <p:cNvPr id="4" name="Rectangle 3"/>
           <p:cNvSpPr/>
           <p:nvPr/>
         </p:nvSpPr>
         <p:spPr>
           <a:xfrm>
-            <a:off x="0" y="0"/>
-            <a:ext cx="18288000" cy="10287000"/>
+            <a:off x="9861630" y="0"/>
+            <a:ext cx="8426370" cy="10287000"/>
           </a:xfrm>
           <a:prstGeom prst="rect">
             <a:avLst/>
@@ -9923,143 +10170,9 @@
           </a:p>
         </p:txBody>
       </p:sp>
-      <p:sp>
-        <p:nvSpPr>
-          <p:cNvPr id="5" name="TextBox 4">
-            <a:extLst>
-              <a:ext uri="{FF2B5EF4-FFF2-40B4-BE49-F238E27FC236}">
-                <a16:creationId xmlns:a16="http://schemas.microsoft.com/office/drawing/2014/main" id="{5ECC4C7B-C529-5329-03AC-796804551DC1}"/>
-              </a:ext>
-            </a:extLst>
-          </p:cNvPr>
-          <p:cNvSpPr txBox="1"/>
-          <p:nvPr/>
-        </p:nvSpPr>
-        <p:spPr>
-          <a:xfrm>
-            <a:off x="781292" y="590309"/>
-            <a:ext cx="15486926" cy="1615827"/>
-          </a:xfrm>
-          <a:prstGeom prst="rect">
-            <a:avLst/>
-          </a:prstGeom>
-          <a:noFill/>
-        </p:spPr>
-        <p:txBody>
-          <a:bodyPr wrap="square" rtlCol="0">
-            <a:spAutoFit/>
-          </a:bodyPr>
-          <a:lstStyle/>
-          <a:p>
-            <a:r>
-              <a:rPr lang="en-US" sz="9900" b="1" dirty="0">
-                <a:solidFill>
-                  <a:schemeClr val="bg1"/>
-                </a:solidFill>
-                <a:latin typeface="Normafixed Tryout" panose="00000409000000000000" pitchFamily="49" charset="0"/>
-              </a:rPr>
-              <a:t>Conclusion</a:t>
-            </a:r>
-          </a:p>
-        </p:txBody>
-      </p:sp>
-    </p:spTree>
-    <p:extLst>
-      <p:ext uri="{BB962C8B-B14F-4D97-AF65-F5344CB8AC3E}">
-        <p14:creationId xmlns:p14="http://schemas.microsoft.com/office/powerpoint/2010/main" val="358064314"/>
-      </p:ext>
-    </p:extLst>
-  </p:cSld>
-  <p:clrMapOvr>
-    <a:masterClrMapping/>
-  </p:clrMapOvr>
-</p:sld>
-</file>
-
-<file path=ppt/slides/slide28.xml><?xml version="1.0" encoding="utf-8"?>
-<p:sld xmlns:a="http://schemas.openxmlformats.org/drawingml/2006/main" xmlns:r="http://schemas.openxmlformats.org/officeDocument/2006/relationships" xmlns:p="http://schemas.openxmlformats.org/presentationml/2006/main">
-  <p:cSld>
-    <p:spTree>
-      <p:nvGrpSpPr>
-        <p:cNvPr id="1" name="">
-          <a:extLst>
-            <a:ext uri="{FF2B5EF4-FFF2-40B4-BE49-F238E27FC236}">
-              <a16:creationId xmlns:a16="http://schemas.microsoft.com/office/drawing/2014/main" id="{EDD10D06-D0B5-9212-A34F-8F08B4D2DF86}"/>
-            </a:ext>
-          </a:extLst>
-        </p:cNvPr>
-        <p:cNvGrpSpPr/>
-        <p:nvPr/>
-      </p:nvGrpSpPr>
-      <p:grpSpPr>
-        <a:xfrm>
-          <a:off x="0" y="0"/>
-          <a:ext cx="0" cy="0"/>
-          <a:chOff x="0" y="0"/>
-          <a:chExt cx="0" cy="0"/>
-        </a:xfrm>
-      </p:grpSpPr>
-      <p:sp>
-        <p:nvSpPr>
-          <p:cNvPr id="4" name="Rectangle 3">
-            <a:extLst>
-              <a:ext uri="{FF2B5EF4-FFF2-40B4-BE49-F238E27FC236}">
-                <a16:creationId xmlns:a16="http://schemas.microsoft.com/office/drawing/2014/main" id="{6764A5DC-38D4-7F12-151E-016E4E827436}"/>
-              </a:ext>
-            </a:extLst>
-          </p:cNvPr>
-          <p:cNvSpPr/>
-          <p:nvPr/>
-        </p:nvSpPr>
-        <p:spPr>
-          <a:xfrm>
-            <a:off x="9861630" y="0"/>
-            <a:ext cx="8426370" cy="10287000"/>
-          </a:xfrm>
-          <a:prstGeom prst="rect">
-            <a:avLst/>
-          </a:prstGeom>
-          <a:solidFill>
-            <a:srgbClr val="CF3338"/>
-          </a:solidFill>
-          <a:ln>
-            <a:noFill/>
-          </a:ln>
-        </p:spPr>
-        <p:style>
-          <a:lnRef idx="2">
-            <a:schemeClr val="accent1">
-              <a:shade val="50000"/>
-            </a:schemeClr>
-          </a:lnRef>
-          <a:fillRef idx="1">
-            <a:schemeClr val="accent1"/>
-          </a:fillRef>
-          <a:effectRef idx="0">
-            <a:schemeClr val="accent1"/>
-          </a:effectRef>
-          <a:fontRef idx="minor">
-            <a:schemeClr val="lt1"/>
-          </a:fontRef>
-        </p:style>
-        <p:txBody>
-          <a:bodyPr rtlCol="0" anchor="ctr"/>
-          <a:lstStyle/>
-          <a:p>
-            <a:pPr algn="ctr"/>
-            <a:endParaRPr lang="en-US" sz="2700"/>
-          </a:p>
-        </p:txBody>
-      </p:sp>
       <p:pic>
         <p:nvPicPr>
-          <p:cNvPr id="2" name="Picture 1">
-            <a:extLst>
-              <a:ext uri="{FF2B5EF4-FFF2-40B4-BE49-F238E27FC236}">
-                <a16:creationId xmlns:a16="http://schemas.microsoft.com/office/drawing/2014/main" id="{F59C7250-A4DB-0BEE-0BC0-39A290D09B14}"/>
-              </a:ext>
-            </a:extLst>
-          </p:cNvPr>
+          <p:cNvPr id="2" name="Picture 1"/>
           <p:cNvPicPr>
             <a:picLocks noChangeAspect="1"/>
           </p:cNvPicPr>
@@ -10088,20 +10201,14 @@
       </p:pic>
       <p:sp>
         <p:nvSpPr>
-          <p:cNvPr id="3" name="TextBox 2">
-            <a:extLst>
-              <a:ext uri="{FF2B5EF4-FFF2-40B4-BE49-F238E27FC236}">
-                <a16:creationId xmlns:a16="http://schemas.microsoft.com/office/drawing/2014/main" id="{7477DFE9-D506-DBB3-AF0C-C6AE174A701B}"/>
-              </a:ext>
-            </a:extLst>
-          </p:cNvPr>
+          <p:cNvPr id="3" name="TextBox 2"/>
           <p:cNvSpPr txBox="1"/>
           <p:nvPr/>
         </p:nvSpPr>
         <p:spPr>
           <a:xfrm>
             <a:off x="260431" y="329879"/>
-            <a:ext cx="8906720" cy="4256037"/>
+            <a:ext cx="8906720" cy="8313558"/>
           </a:xfrm>
           <a:prstGeom prst="rect">
             <a:avLst/>
@@ -10121,7 +10228,7 @@
                 </a:solidFill>
                 <a:latin typeface="Pragmatica" panose="020B0403040502020204" pitchFamily="34" charset="0"/>
               </a:rPr>
-              <a:t>Resource: </a:t>
+              <a:t>There’s more to Python </a:t>
             </a:r>
             <a:r>
               <a:rPr lang="en-US" sz="6000" b="1" i="1" dirty="0">
@@ -10130,14 +10237,35 @@
                 </a:solidFill>
                 <a:latin typeface="Pragmatica" panose="020B0403040502020204" pitchFamily="34" charset="0"/>
               </a:rPr>
-              <a:t>Advancing into Analytics</a:t>
-            </a:r>
-            <a:endParaRPr lang="en-US" sz="6000" b="1" dirty="0">
-              <a:solidFill>
-                <a:srgbClr val="CF3338"/>
-              </a:solidFill>
-              <a:latin typeface="Pragmatica" panose="020B0403040502020204" pitchFamily="34" charset="0"/>
-            </a:endParaRPr>
+              <a:t>and</a:t>
+            </a:r>
+            <a:r>
+              <a:rPr lang="en-US" sz="6000" b="1" dirty="0">
+                <a:solidFill>
+                  <a:srgbClr val="CF3338"/>
+                </a:solidFill>
+                <a:latin typeface="Pragmatica" panose="020B0403040502020204" pitchFamily="34" charset="0"/>
+              </a:rPr>
+              <a:t> Excel than Python </a:t>
+            </a:r>
+            <a:r>
+              <a:rPr lang="en-US" sz="6000" b="1" i="1" dirty="0">
+                <a:solidFill>
+                  <a:srgbClr val="CF3338"/>
+                </a:solidFill>
+                <a:latin typeface="Pragmatica" panose="020B0403040502020204" pitchFamily="34" charset="0"/>
+              </a:rPr>
+              <a:t>in </a:t>
+            </a:r>
+            <a:r>
+              <a:rPr lang="en-US" sz="6000" b="1" dirty="0">
+                <a:solidFill>
+                  <a:srgbClr val="CF3338"/>
+                </a:solidFill>
+                <a:latin typeface="Pragmatica" panose="020B0403040502020204" pitchFamily="34" charset="0"/>
+              </a:rPr>
+              <a:t>Excel EXERCISE</a:t>
+            </a:r>
           </a:p>
           <a:p>
             <a:pPr marL="142875">
@@ -10161,20 +10289,138 @@
             </a:endParaRPr>
           </a:p>
           <a:p>
-            <a:r>
-              <a:rPr lang="en-US" sz="4000" dirty="0">
-                <a:solidFill>
-                  <a:srgbClr val="CF3338"/>
-                </a:solidFill>
-                <a:latin typeface="Pragmatica" panose="020B0403040502020204" pitchFamily="34" charset="0"/>
-              </a:rPr>
-              <a:t>stringfestanalytics.com/book</a:t>
-            </a:r>
+            <a:pPr marL="714375" indent="-571500">
+              <a:lnSpc>
+                <a:spcPct val="115000"/>
+              </a:lnSpc>
+              <a:spcBef>
+                <a:spcPts val="1125"/>
+              </a:spcBef>
+              <a:buClr>
+                <a:srgbClr val="C00000"/>
+              </a:buClr>
+              <a:buSzPts val="2100"/>
+              <a:buFont typeface="Arial" panose="020B0604020202020204" pitchFamily="34" charset="0"/>
+              <a:buChar char="•"/>
+            </a:pPr>
+            <a:r>
+              <a:rPr lang="en-US" sz="3600" dirty="0">
+                <a:solidFill>
+                  <a:srgbClr val="C00000"/>
+                </a:solidFill>
+                <a:latin typeface="Pragmatica" panose="020B0403040502020204"/>
+                <a:sym typeface="Consolas"/>
+              </a:rPr>
+              <a:t>Automate production of a workbook comparing website visitors versus rating</a:t>
+            </a:r>
+          </a:p>
+          <a:p>
+            <a:pPr marL="714375" indent="-571500">
+              <a:lnSpc>
+                <a:spcPct val="115000"/>
+              </a:lnSpc>
+              <a:spcBef>
+                <a:spcPts val="1125"/>
+              </a:spcBef>
+              <a:buClr>
+                <a:srgbClr val="C00000"/>
+              </a:buClr>
+              <a:buSzPts val="2100"/>
+              <a:buFont typeface="Arial" panose="020B0604020202020204" pitchFamily="34" charset="0"/>
+              <a:buChar char="•"/>
+            </a:pPr>
+            <a:r>
+              <a:rPr lang="en-US" sz="3600" dirty="0">
+                <a:solidFill>
+                  <a:srgbClr val="C00000"/>
+                </a:solidFill>
+                <a:latin typeface="Pragmatica" panose="020B0403040502020204"/>
+                <a:sym typeface="Consolas"/>
+              </a:rPr>
+              <a:t>Fill in the blanks to create the script</a:t>
+            </a:r>
+          </a:p>
+          <a:p>
+            <a:pPr marL="685800" indent="-542925">
+              <a:lnSpc>
+                <a:spcPct val="115000"/>
+              </a:lnSpc>
+              <a:spcBef>
+                <a:spcPts val="1125"/>
+              </a:spcBef>
+              <a:buClr>
+                <a:srgbClr val="C00000"/>
+              </a:buClr>
+              <a:buSzPts val="2100"/>
+              <a:buFont typeface="Arial"/>
+              <a:buAutoNum type="arabicPeriod"/>
+            </a:pPr>
             <a:endParaRPr lang="en-US" sz="3600" dirty="0">
+              <a:solidFill>
+                <a:srgbClr val="C00000"/>
+              </a:solidFill>
+              <a:latin typeface="Pragmatica" panose="020B0403040502020204"/>
+              <a:sym typeface="Consolas"/>
+            </a:endParaRPr>
+          </a:p>
+          <a:p>
+            <a:pPr marL="142875">
+              <a:lnSpc>
+                <a:spcPct val="115000"/>
+              </a:lnSpc>
+              <a:spcBef>
+                <a:spcPts val="1125"/>
+              </a:spcBef>
+              <a:buClr>
+                <a:srgbClr val="C00000"/>
+              </a:buClr>
+              <a:buSzPts val="2100"/>
+            </a:pPr>
+            <a:r>
+              <a:rPr lang="en-US" sz="3600" dirty="0">
+                <a:solidFill>
+                  <a:srgbClr val="C00000"/>
+                </a:solidFill>
+                <a:latin typeface="Pragmatica" panose="020B0403040502020204"/>
+                <a:sym typeface="Consolas"/>
+              </a:rPr>
+              <a:t>File: </a:t>
+            </a:r>
+            <a:r>
+              <a:rPr lang="en-US" sz="3600" dirty="0" err="1">
+                <a:solidFill>
+                  <a:srgbClr val="C00000"/>
+                </a:solidFill>
+                <a:latin typeface="Consolas" panose="020B0609020204030204" pitchFamily="49" charset="0"/>
+                <a:sym typeface="Consolas"/>
+              </a:rPr>
+              <a:t>pae</a:t>
+            </a:r>
+            <a:r>
+              <a:rPr lang="en-US" sz="3600" dirty="0">
+                <a:solidFill>
+                  <a:srgbClr val="C00000"/>
+                </a:solidFill>
+                <a:latin typeface="Consolas" panose="020B0609020204030204" pitchFamily="49" charset="0"/>
+                <a:sym typeface="Consolas"/>
+              </a:rPr>
+              <a:t>-pie-</a:t>
+            </a:r>
+            <a:r>
+              <a:rPr lang="en-US" sz="3600" dirty="0" err="1">
+                <a:solidFill>
+                  <a:srgbClr val="C00000"/>
+                </a:solidFill>
+                <a:latin typeface="Consolas" panose="020B0609020204030204" pitchFamily="49" charset="0"/>
+                <a:sym typeface="Consolas"/>
+              </a:rPr>
+              <a:t>exercise.ipynb</a:t>
+            </a:r>
+            <a:endParaRPr lang="en-US" sz="6000" dirty="0">
               <a:solidFill>
                 <a:srgbClr val="CF3338"/>
               </a:solidFill>
-              <a:latin typeface="Pragmatica" panose="020B0403040502020204" pitchFamily="34" charset="0"/>
+              <a:latin typeface="Consolas" panose="020B0609020204030204" pitchFamily="49" charset="0"/>
             </a:endParaRPr>
           </a:p>
           <a:p>
@@ -10187,17 +10433,140 @@
           </a:p>
         </p:txBody>
       </p:sp>
+    </p:spTree>
+    <p:extLst>
+      <p:ext uri="{BB962C8B-B14F-4D97-AF65-F5344CB8AC3E}">
+        <p14:creationId xmlns:p14="http://schemas.microsoft.com/office/powerpoint/2010/main" val="2531284725"/>
+      </p:ext>
+    </p:extLst>
+  </p:cSld>
+  <p:clrMapOvr>
+    <a:masterClrMapping/>
+  </p:clrMapOvr>
+</p:sld>
+</file>
+
+<file path=ppt/slides/slide27.xml><?xml version="1.0" encoding="utf-8"?>
+<p:sld xmlns:a="http://schemas.openxmlformats.org/drawingml/2006/main" xmlns:r="http://schemas.openxmlformats.org/officeDocument/2006/relationships" xmlns:p="http://schemas.openxmlformats.org/presentationml/2006/main">
+  <p:cSld>
+    <p:spTree>
+      <p:nvGrpSpPr>
+        <p:cNvPr id="1" name=""/>
+        <p:cNvGrpSpPr/>
+        <p:nvPr/>
+      </p:nvGrpSpPr>
+      <p:grpSpPr>
+        <a:xfrm>
+          <a:off x="0" y="0"/>
+          <a:ext cx="0" cy="0"/>
+          <a:chOff x="0" y="0"/>
+          <a:chExt cx="0" cy="0"/>
+        </a:xfrm>
+      </p:grpSpPr>
       <p:pic>
         <p:nvPicPr>
-          <p:cNvPr id="2050" name="Picture 2" descr="Advancing into Analytics">
+          <p:cNvPr id="10" name="Picture 9"/>
+          <p:cNvPicPr>
+            <a:picLocks noChangeAspect="1"/>
+          </p:cNvPicPr>
+          <p:nvPr/>
+        </p:nvPicPr>
+        <p:blipFill rotWithShape="1">
+          <a:blip r:embed="rId2">
+            <a:extLst>
+              <a:ext uri="{28A0092B-C50C-407E-A947-70E740481C1C}">
+                <a14:useLocalDpi xmlns:a14="http://schemas.microsoft.com/office/drawing/2010/main" val="0"/>
+              </a:ext>
+            </a:extLst>
+          </a:blip>
+          <a:srcRect l="50728" t="56371"/>
+          <a:stretch/>
+        </p:blipFill>
+        <p:spPr>
+          <a:xfrm>
+            <a:off x="12204691" y="3316148"/>
+            <a:ext cx="6083309" cy="6970854"/>
+          </a:xfrm>
+          <a:prstGeom prst="rect">
+            <a:avLst/>
+          </a:prstGeom>
+        </p:spPr>
+      </p:pic>
+      <p:pic>
+        <p:nvPicPr>
+          <p:cNvPr id="4" name="Picture 3"/>
+          <p:cNvPicPr>
+            <a:picLocks noChangeAspect="1"/>
+          </p:cNvPicPr>
+          <p:nvPr/>
+        </p:nvPicPr>
+        <p:blipFill>
+          <a:blip r:embed="rId3">
+            <a:extLst>
+              <a:ext uri="{28A0092B-C50C-407E-A947-70E740481C1C}">
+                <a14:useLocalDpi xmlns:a14="http://schemas.microsoft.com/office/drawing/2010/main" val="0"/>
+              </a:ext>
+            </a:extLst>
+          </a:blip>
+          <a:stretch>
+            <a:fillRect/>
+          </a:stretch>
+        </p:blipFill>
+        <p:spPr>
+          <a:xfrm>
+            <a:off x="-807744" y="-3724155"/>
+            <a:ext cx="15257208" cy="11189825"/>
+          </a:xfrm>
+          <a:prstGeom prst="rect">
+            <a:avLst/>
+          </a:prstGeom>
+        </p:spPr>
+      </p:pic>
+      <p:sp>
+        <p:nvSpPr>
+          <p:cNvPr id="11" name="TextBox 10"/>
+          <p:cNvSpPr txBox="1"/>
+          <p:nvPr/>
+        </p:nvSpPr>
+        <p:spPr>
+          <a:xfrm>
+            <a:off x="486137" y="2531318"/>
+            <a:ext cx="11979797" cy="923330"/>
+          </a:xfrm>
+          <a:prstGeom prst="rect">
+            <a:avLst/>
+          </a:prstGeom>
+          <a:noFill/>
+        </p:spPr>
+        <p:txBody>
+          <a:bodyPr wrap="square" rtlCol="0">
+            <a:spAutoFit/>
+          </a:bodyPr>
+          <a:lstStyle/>
+          <a:p>
+            <a:r>
+              <a:rPr lang="en-US" sz="5400" b="1" dirty="0">
+                <a:solidFill>
+                  <a:srgbClr val="CF3338"/>
+                </a:solidFill>
+                <a:latin typeface="Pragmatica" panose="020B0403040502020204" pitchFamily="34" charset="0"/>
+              </a:rPr>
+              <a:t>Questions?</a:t>
+            </a:r>
+          </a:p>
+        </p:txBody>
+      </p:sp>
+      <p:pic>
+        <p:nvPicPr>
+          <p:cNvPr id="5" name="Picture 4">
             <a:extLst>
               <a:ext uri="{FF2B5EF4-FFF2-40B4-BE49-F238E27FC236}">
-                <a16:creationId xmlns:a16="http://schemas.microsoft.com/office/drawing/2014/main" id="{5B2AAF1C-37EA-DD65-2C5E-842E5A429CB7}"/>
+                <a16:creationId xmlns:a16="http://schemas.microsoft.com/office/drawing/2014/main" id="{54A06221-5316-4BCF-9FDA-BDB95FF4A778}"/>
               </a:ext>
             </a:extLst>
           </p:cNvPr>
           <p:cNvPicPr>
-            <a:picLocks noChangeAspect="1" noChangeArrowheads="1"/>
+            <a:picLocks noChangeAspect="1"/>
           </p:cNvPicPr>
           <p:nvPr/>
         </p:nvPicPr>
@@ -10210,34 +10579,150 @@
             </a:extLst>
           </a:blip>
           <a:srcRect/>
-          <a:stretch>
-            <a:fillRect/>
-          </a:stretch>
+          <a:stretch/>
         </p:blipFill>
-        <p:spPr bwMode="auto">
-          <a:xfrm>
-            <a:off x="381000" y="5044380"/>
-            <a:ext cx="3810000" cy="5000625"/>
+        <p:spPr>
+          <a:xfrm>
+            <a:off x="12204691" y="3317239"/>
+            <a:ext cx="6083309" cy="6968672"/>
+          </a:xfrm>
+          <a:prstGeom prst="rect">
+            <a:avLst/>
+          </a:prstGeom>
+        </p:spPr>
+      </p:pic>
+    </p:spTree>
+    <p:extLst>
+      <p:ext uri="{BB962C8B-B14F-4D97-AF65-F5344CB8AC3E}">
+        <p14:creationId xmlns:p14="http://schemas.microsoft.com/office/powerpoint/2010/main" val="59831101"/>
+      </p:ext>
+    </p:extLst>
+  </p:cSld>
+  <p:clrMapOvr>
+    <a:masterClrMapping/>
+  </p:clrMapOvr>
+</p:sld>
+</file>
+
+<file path=ppt/slides/slide28.xml><?xml version="1.0" encoding="utf-8"?>
+<p:sld xmlns:a="http://schemas.openxmlformats.org/drawingml/2006/main" xmlns:r="http://schemas.openxmlformats.org/officeDocument/2006/relationships" xmlns:p="http://schemas.openxmlformats.org/presentationml/2006/main">
+  <p:cSld>
+    <p:spTree>
+      <p:nvGrpSpPr>
+        <p:cNvPr id="1" name="">
+          <a:extLst>
+            <a:ext uri="{FF2B5EF4-FFF2-40B4-BE49-F238E27FC236}">
+              <a16:creationId xmlns:a16="http://schemas.microsoft.com/office/drawing/2014/main" id="{D5B9D487-5FDD-928B-171D-E34AF10DADA3}"/>
+            </a:ext>
+          </a:extLst>
+        </p:cNvPr>
+        <p:cNvGrpSpPr/>
+        <p:nvPr/>
+      </p:nvGrpSpPr>
+      <p:grpSpPr>
+        <a:xfrm>
+          <a:off x="0" y="0"/>
+          <a:ext cx="0" cy="0"/>
+          <a:chOff x="0" y="0"/>
+          <a:chExt cx="0" cy="0"/>
+        </a:xfrm>
+      </p:grpSpPr>
+      <p:sp>
+        <p:nvSpPr>
+          <p:cNvPr id="4" name="Rectangle 3">
+            <a:extLst>
+              <a:ext uri="{FF2B5EF4-FFF2-40B4-BE49-F238E27FC236}">
+                <a16:creationId xmlns:a16="http://schemas.microsoft.com/office/drawing/2014/main" id="{C4658881-183D-B3AA-2B67-4711223B6C40}"/>
+              </a:ext>
+            </a:extLst>
+          </p:cNvPr>
+          <p:cNvSpPr/>
+          <p:nvPr/>
+        </p:nvSpPr>
+        <p:spPr>
+          <a:xfrm>
+            <a:off x="0" y="0"/>
+            <a:ext cx="18288000" cy="10287000"/>
+          </a:xfrm>
+          <a:prstGeom prst="rect">
+            <a:avLst/>
+          </a:prstGeom>
+          <a:solidFill>
+            <a:srgbClr val="CF3338"/>
+          </a:solidFill>
+          <a:ln>
+            <a:noFill/>
+          </a:ln>
+        </p:spPr>
+        <p:style>
+          <a:lnRef idx="2">
+            <a:schemeClr val="accent1">
+              <a:shade val="50000"/>
+            </a:schemeClr>
+          </a:lnRef>
+          <a:fillRef idx="1">
+            <a:schemeClr val="accent1"/>
+          </a:fillRef>
+          <a:effectRef idx="0">
+            <a:schemeClr val="accent1"/>
+          </a:effectRef>
+          <a:fontRef idx="minor">
+            <a:schemeClr val="lt1"/>
+          </a:fontRef>
+        </p:style>
+        <p:txBody>
+          <a:bodyPr rtlCol="0" anchor="ctr"/>
+          <a:lstStyle/>
+          <a:p>
+            <a:pPr algn="ctr"/>
+            <a:endParaRPr lang="en-US" sz="2700"/>
+          </a:p>
+        </p:txBody>
+      </p:sp>
+      <p:sp>
+        <p:nvSpPr>
+          <p:cNvPr id="5" name="TextBox 4">
+            <a:extLst>
+              <a:ext uri="{FF2B5EF4-FFF2-40B4-BE49-F238E27FC236}">
+                <a16:creationId xmlns:a16="http://schemas.microsoft.com/office/drawing/2014/main" id="{49ACC0F4-3DBC-3668-5BE8-9F565D30335C}"/>
+              </a:ext>
+            </a:extLst>
+          </p:cNvPr>
+          <p:cNvSpPr txBox="1"/>
+          <p:nvPr/>
+        </p:nvSpPr>
+        <p:spPr>
+          <a:xfrm>
+            <a:off x="781292" y="590309"/>
+            <a:ext cx="15486926" cy="3139321"/>
           </a:xfrm>
           <a:prstGeom prst="rect">
             <a:avLst/>
           </a:prstGeom>
           <a:noFill/>
-          <a:extLst>
-            <a:ext uri="{909E8E84-426E-40DD-AFC4-6F175D3DCCD1}">
-              <a14:hiddenFill xmlns:a14="http://schemas.microsoft.com/office/drawing/2010/main">
-                <a:solidFill>
-                  <a:srgbClr val="FFFFFF"/>
-                </a:solidFill>
-              </a14:hiddenFill>
-            </a:ext>
-          </a:extLst>
-        </p:spPr>
-      </p:pic>
+        </p:spPr>
+        <p:txBody>
+          <a:bodyPr wrap="square" rtlCol="0">
+            <a:spAutoFit/>
+          </a:bodyPr>
+          <a:lstStyle/>
+          <a:p>
+            <a:r>
+              <a:rPr lang="en-US" sz="9900" b="1" dirty="0">
+                <a:solidFill>
+                  <a:schemeClr val="bg1"/>
+                </a:solidFill>
+                <a:latin typeface="Normafixed Tryout" panose="00000409000000000000" pitchFamily="49" charset="0"/>
+              </a:rPr>
+              <a:t>6. Combined use cases for Python in Excel</a:t>
+            </a:r>
+          </a:p>
+        </p:txBody>
+      </p:sp>
     </p:spTree>
     <p:extLst>
       <p:ext uri="{BB962C8B-B14F-4D97-AF65-F5344CB8AC3E}">
-        <p14:creationId xmlns:p14="http://schemas.microsoft.com/office/powerpoint/2010/main" val="1543383187"/>
+        <p14:creationId xmlns:p14="http://schemas.microsoft.com/office/powerpoint/2010/main" val="2453805199"/>
       </p:ext>
     </p:extLst>
   </p:cSld>
@@ -10255,7 +10740,7 @@
         <p:cNvPr id="1" name="">
           <a:extLst>
             <a:ext uri="{FF2B5EF4-FFF2-40B4-BE49-F238E27FC236}">
-              <a16:creationId xmlns:a16="http://schemas.microsoft.com/office/drawing/2014/main" id="{556CB9BC-ABA6-103A-715B-D3B9A4577CCE}"/>
+              <a16:creationId xmlns:a16="http://schemas.microsoft.com/office/drawing/2014/main" id="{2FB5DE1B-28FC-C0FD-E79F-1EBEED8D1FD1}"/>
             </a:ext>
           </a:extLst>
         </p:cNvPr>
@@ -10275,7 +10760,7 @@
           <p:cNvPr id="4" name="Rectangle 3">
             <a:extLst>
               <a:ext uri="{FF2B5EF4-FFF2-40B4-BE49-F238E27FC236}">
-                <a16:creationId xmlns:a16="http://schemas.microsoft.com/office/drawing/2014/main" id="{DADD1AF2-9FDD-94D8-80B6-5B4D41D189A9}"/>
+                <a16:creationId xmlns:a16="http://schemas.microsoft.com/office/drawing/2014/main" id="{E09FE423-5F2C-B085-E6DB-678A0A38CDFD}"/>
               </a:ext>
             </a:extLst>
           </p:cNvPr>
@@ -10284,8 +10769,8 @@
         </p:nvSpPr>
         <p:spPr>
           <a:xfrm>
-            <a:off x="9861630" y="0"/>
-            <a:ext cx="8426370" cy="10287000"/>
+            <a:off x="11963400" y="0"/>
+            <a:ext cx="6324600" cy="10287000"/>
           </a:xfrm>
           <a:prstGeom prst="rect">
             <a:avLst/>
@@ -10327,7 +10812,7 @@
           <p:cNvPr id="2" name="Picture 1">
             <a:extLst>
               <a:ext uri="{FF2B5EF4-FFF2-40B4-BE49-F238E27FC236}">
-                <a16:creationId xmlns:a16="http://schemas.microsoft.com/office/drawing/2014/main" id="{B995B80C-F573-6FA2-163B-B895205BFF2A}"/>
+                <a16:creationId xmlns:a16="http://schemas.microsoft.com/office/drawing/2014/main" id="{E21163B3-018D-68FE-688B-922B7B01ECE1}"/>
               </a:ext>
             </a:extLst>
           </p:cNvPr>
@@ -10362,7 +10847,7 @@
           <p:cNvPr id="3" name="TextBox 2">
             <a:extLst>
               <a:ext uri="{FF2B5EF4-FFF2-40B4-BE49-F238E27FC236}">
-                <a16:creationId xmlns:a16="http://schemas.microsoft.com/office/drawing/2014/main" id="{1B972C77-007E-B6EB-C801-5C7906650F63}"/>
+                <a16:creationId xmlns:a16="http://schemas.microsoft.com/office/drawing/2014/main" id="{1F0D6E18-C2F9-94D6-0020-F745F308D8E6}"/>
               </a:ext>
             </a:extLst>
           </p:cNvPr>
@@ -10371,8 +10856,8 @@
         </p:nvSpPr>
         <p:spPr>
           <a:xfrm>
-            <a:off x="260431" y="329879"/>
-            <a:ext cx="8906720" cy="2624821"/>
+            <a:off x="260430" y="329879"/>
+            <a:ext cx="11017170" cy="10864513"/>
           </a:xfrm>
           <a:prstGeom prst="rect">
             <a:avLst/>
@@ -10392,23 +10877,131 @@
                 </a:solidFill>
                 <a:latin typeface="Pragmatica" panose="020B0403040502020204" pitchFamily="34" charset="0"/>
               </a:rPr>
-              <a:t>Resource: </a:t>
-            </a:r>
-            <a:r>
-              <a:rPr lang="en-US" sz="6000" b="1" i="1" dirty="0">
-                <a:solidFill>
-                  <a:srgbClr val="CF3338"/>
-                </a:solidFill>
-                <a:latin typeface="Pragmatica" panose="020B0403040502020204" pitchFamily="34" charset="0"/>
-              </a:rPr>
-              <a:t>Python for Excel</a:t>
-            </a:r>
-            <a:endParaRPr lang="en-US" sz="6000" b="1" dirty="0">
+              <a:t>Building a moving average chart</a:t>
+            </a:r>
+          </a:p>
+          <a:p>
+            <a:endParaRPr lang="en-US" sz="4200" dirty="0">
               <a:solidFill>
                 <a:srgbClr val="CF3338"/>
               </a:solidFill>
               <a:latin typeface="Pragmatica" panose="020B0403040502020204" pitchFamily="34" charset="0"/>
             </a:endParaRPr>
+          </a:p>
+          <a:p>
+            <a:pPr marL="714375" indent="-571500">
+              <a:lnSpc>
+                <a:spcPct val="115000"/>
+              </a:lnSpc>
+              <a:spcBef>
+                <a:spcPts val="1125"/>
+              </a:spcBef>
+              <a:buClr>
+                <a:srgbClr val="C00000"/>
+              </a:buClr>
+              <a:buSzPts val="2100"/>
+              <a:buFont typeface="Arial" panose="020B0604020202020204" pitchFamily="34" charset="0"/>
+              <a:buChar char="•"/>
+            </a:pPr>
+            <a:r>
+              <a:rPr lang="en-US" sz="3600" dirty="0">
+                <a:solidFill>
+                  <a:srgbClr val="C00000"/>
+                </a:solidFill>
+                <a:latin typeface="Pragmatica" panose="020B0403040502020204"/>
+                <a:sym typeface="Consolas"/>
+              </a:rPr>
+              <a:t>Develop an interactive moving average chart using Python within an Excel workbook</a:t>
+            </a:r>
+          </a:p>
+          <a:p>
+            <a:pPr marL="714375" indent="-571500">
+              <a:lnSpc>
+                <a:spcPct val="115000"/>
+              </a:lnSpc>
+              <a:spcBef>
+                <a:spcPts val="1125"/>
+              </a:spcBef>
+              <a:buClr>
+                <a:srgbClr val="C00000"/>
+              </a:buClr>
+              <a:buSzPts val="2100"/>
+              <a:buFont typeface="Arial" panose="020B0604020202020204" pitchFamily="34" charset="0"/>
+              <a:buChar char="•"/>
+            </a:pPr>
+            <a:r>
+              <a:rPr lang="en-US" sz="3600" dirty="0">
+                <a:solidFill>
+                  <a:srgbClr val="C00000"/>
+                </a:solidFill>
+                <a:latin typeface="Pragmatica" panose="020B0403040502020204"/>
+                <a:sym typeface="Consolas"/>
+              </a:rPr>
+              <a:t>Combine Python backend processing with Excel frontend capabilities to build user-driven data analyses</a:t>
+            </a:r>
+          </a:p>
+          <a:p>
+            <a:pPr marL="142875">
+              <a:lnSpc>
+                <a:spcPct val="115000"/>
+              </a:lnSpc>
+              <a:spcBef>
+                <a:spcPts val="1125"/>
+              </a:spcBef>
+              <a:buClr>
+                <a:srgbClr val="C00000"/>
+              </a:buClr>
+              <a:buSzPts val="2100"/>
+            </a:pPr>
+            <a:r>
+              <a:rPr lang="en-US" sz="3600" dirty="0">
+                <a:solidFill>
+                  <a:srgbClr val="C00000"/>
+                </a:solidFill>
+                <a:latin typeface="Pragmatica" panose="020B0403040502020204"/>
+                <a:sym typeface="Consolas"/>
+              </a:rPr>
+              <a:t>File: </a:t>
+            </a:r>
+            <a:r>
+              <a:rPr lang="en-US" sz="3600" dirty="0">
+                <a:solidFill>
+                  <a:srgbClr val="C00000"/>
+                </a:solidFill>
+                <a:latin typeface="Consolas" panose="020B0609020204030204" pitchFamily="49" charset="0"/>
+                <a:sym typeface="Consolas"/>
+              </a:rPr>
+              <a:t>moving-average.xlsx</a:t>
+            </a:r>
+            <a:br>
+              <a:rPr lang="en-US" sz="3600" dirty="0">
+                <a:solidFill>
+                  <a:srgbClr val="C00000"/>
+                </a:solidFill>
+                <a:latin typeface="Consolas" panose="020B0609020204030204" pitchFamily="49" charset="0"/>
+                <a:sym typeface="Consolas"/>
+              </a:rPr>
+            </a:br>
+            <a:r>
+              <a:rPr lang="en-US" sz="3600" dirty="0">
+                <a:solidFill>
+                  <a:srgbClr val="C00000"/>
+                </a:solidFill>
+                <a:latin typeface="Pragmatica" panose="020B0403040502020204"/>
+                <a:sym typeface="Consolas"/>
+              </a:rPr>
+              <a:t>User-defined resample period: </a:t>
+            </a:r>
+            <a:r>
+              <a:rPr lang="en-US" sz="3600" dirty="0">
+                <a:solidFill>
+                  <a:srgbClr val="C00000"/>
+                </a:solidFill>
+                <a:latin typeface="Consolas" panose="020B0609020204030204" pitchFamily="49" charset="0"/>
+                <a:sym typeface="Consolas"/>
+              </a:rPr>
+              <a:t>dynamic-moving-average.xlsx</a:t>
+            </a:r>
           </a:p>
           <a:p>
             <a:pPr marL="142875">
@@ -10427,74 +11020,65 @@
               <a:solidFill>
                 <a:srgbClr val="C00000"/>
               </a:solidFill>
-              <a:latin typeface="Pragmatica" panose="020B0403040502020204"/>
+              <a:latin typeface="Consolas" panose="020B0609020204030204" pitchFamily="49" charset="0"/>
               <a:sym typeface="Consolas"/>
             </a:endParaRPr>
           </a:p>
           <a:p>
-            <a:r>
-              <a:rPr lang="en-US" sz="5400" dirty="0">
-                <a:solidFill>
-                  <a:srgbClr val="CF3338"/>
-                </a:solidFill>
-                <a:latin typeface="Pragmatica" panose="020B0403040502020204" pitchFamily="34" charset="0"/>
-              </a:rPr>
-              <a:t>xlwings.org/book </a:t>
-            </a:r>
-          </a:p>
-        </p:txBody>
-      </p:sp>
-      <p:pic>
-        <p:nvPicPr>
-          <p:cNvPr id="1026" name="Picture 2" descr="Python for Excel">
-            <a:extLst>
-              <a:ext uri="{FF2B5EF4-FFF2-40B4-BE49-F238E27FC236}">
-                <a16:creationId xmlns:a16="http://schemas.microsoft.com/office/drawing/2014/main" id="{80644A9C-C912-1443-B13D-FF6D068A9C43}"/>
-              </a:ext>
-            </a:extLst>
-          </p:cNvPr>
-          <p:cNvPicPr>
-            <a:picLocks noChangeAspect="1" noChangeArrowheads="1"/>
-          </p:cNvPicPr>
-          <p:nvPr/>
-        </p:nvPicPr>
-        <p:blipFill>
-          <a:blip r:embed="rId4">
-            <a:extLst>
-              <a:ext uri="{28A0092B-C50C-407E-A947-70E740481C1C}">
-                <a14:useLocalDpi xmlns:a14="http://schemas.microsoft.com/office/drawing/2010/main" val="0"/>
-              </a:ext>
-            </a:extLst>
-          </a:blip>
-          <a:srcRect/>
-          <a:stretch>
-            <a:fillRect/>
-          </a:stretch>
-        </p:blipFill>
-        <p:spPr bwMode="auto">
-          <a:xfrm>
-            <a:off x="762000" y="4686300"/>
-            <a:ext cx="3810000" cy="5000625"/>
-          </a:xfrm>
-          <a:prstGeom prst="rect">
-            <a:avLst/>
-          </a:prstGeom>
-          <a:noFill/>
-          <a:extLst>
-            <a:ext uri="{909E8E84-426E-40DD-AFC4-6F175D3DCCD1}">
-              <a14:hiddenFill xmlns:a14="http://schemas.microsoft.com/office/drawing/2010/main">
-                <a:solidFill>
-                  <a:srgbClr val="FFFFFF"/>
-                </a:solidFill>
-              </a14:hiddenFill>
-            </a:ext>
-          </a:extLst>
-        </p:spPr>
-      </p:pic>
+            <a:pPr marL="142875">
+              <a:lnSpc>
+                <a:spcPct val="115000"/>
+              </a:lnSpc>
+              <a:spcBef>
+                <a:spcPts val="1125"/>
+              </a:spcBef>
+              <a:buClr>
+                <a:srgbClr val="C00000"/>
+              </a:buClr>
+              <a:buSzPts val="2100"/>
+            </a:pPr>
+            <a:endParaRPr lang="en-US" sz="3600" dirty="0">
+              <a:solidFill>
+                <a:srgbClr val="C00000"/>
+              </a:solidFill>
+              <a:latin typeface="Consolas" panose="020B0609020204030204" pitchFamily="49" charset="0"/>
+              <a:sym typeface="Consolas"/>
+            </a:endParaRPr>
+          </a:p>
+          <a:p>
+            <a:pPr marL="142875">
+              <a:lnSpc>
+                <a:spcPct val="115000"/>
+              </a:lnSpc>
+              <a:spcBef>
+                <a:spcPts val="1125"/>
+              </a:spcBef>
+              <a:buClr>
+                <a:srgbClr val="C00000"/>
+              </a:buClr>
+              <a:buSzPts val="2100"/>
+            </a:pPr>
+            <a:endParaRPr lang="en-US" sz="6000" dirty="0">
+              <a:solidFill>
+                <a:srgbClr val="CF3338"/>
+              </a:solidFill>
+              <a:latin typeface="Consolas" panose="020B0609020204030204" pitchFamily="49" charset="0"/>
+            </a:endParaRPr>
+          </a:p>
+          <a:p>
+            <a:endParaRPr lang="en-US" sz="6000" dirty="0">
+              <a:solidFill>
+                <a:srgbClr val="CF3338"/>
+              </a:solidFill>
+              <a:latin typeface="Pragmatica" panose="020B0403040502020204" pitchFamily="34" charset="0"/>
+            </a:endParaRPr>
+          </a:p>
+        </p:txBody>
+      </p:sp>
     </p:spTree>
     <p:extLst>
       <p:ext uri="{BB962C8B-B14F-4D97-AF65-F5344CB8AC3E}">
-        <p14:creationId xmlns:p14="http://schemas.microsoft.com/office/powerpoint/2010/main" val="837451578"/>
+        <p14:creationId xmlns:p14="http://schemas.microsoft.com/office/powerpoint/2010/main" val="3981037871"/>
       </p:ext>
     </p:extLst>
   </p:cSld>
@@ -10704,7 +11288,7 @@
         <p:cNvPr id="1" name="">
           <a:extLst>
             <a:ext uri="{FF2B5EF4-FFF2-40B4-BE49-F238E27FC236}">
-              <a16:creationId xmlns:a16="http://schemas.microsoft.com/office/drawing/2014/main" id="{1DCEF581-6BA9-4461-08BA-6D16F65F3328}"/>
+              <a16:creationId xmlns:a16="http://schemas.microsoft.com/office/drawing/2014/main" id="{1D94D3B1-C917-4EB0-DE9D-04CA302E7F82}"/>
             </a:ext>
           </a:extLst>
         </p:cNvPr>
@@ -10724,7 +11308,7 @@
           <p:cNvPr id="4" name="Rectangle 3">
             <a:extLst>
               <a:ext uri="{FF2B5EF4-FFF2-40B4-BE49-F238E27FC236}">
-                <a16:creationId xmlns:a16="http://schemas.microsoft.com/office/drawing/2014/main" id="{086DF1D7-4393-B6A7-D04C-55B1E5B8B731}"/>
+                <a16:creationId xmlns:a16="http://schemas.microsoft.com/office/drawing/2014/main" id="{4F7D33EC-6D3B-E0E8-2880-9F4B01B660E0}"/>
               </a:ext>
             </a:extLst>
           </p:cNvPr>
@@ -10733,8 +11317,8 @@
         </p:nvSpPr>
         <p:spPr>
           <a:xfrm>
-            <a:off x="9861630" y="0"/>
-            <a:ext cx="8426370" cy="10287000"/>
+            <a:off x="11963400" y="0"/>
+            <a:ext cx="6324600" cy="10287000"/>
           </a:xfrm>
           <a:prstGeom prst="rect">
             <a:avLst/>
@@ -10776,7 +11360,7 @@
           <p:cNvPr id="2" name="Picture 1">
             <a:extLst>
               <a:ext uri="{FF2B5EF4-FFF2-40B4-BE49-F238E27FC236}">
-                <a16:creationId xmlns:a16="http://schemas.microsoft.com/office/drawing/2014/main" id="{310EF924-3C1C-4586-5E9A-2810C5DAD7C2}"/>
+                <a16:creationId xmlns:a16="http://schemas.microsoft.com/office/drawing/2014/main" id="{85747CA4-0869-B933-381D-4273D1DD731C}"/>
               </a:ext>
             </a:extLst>
           </p:cNvPr>
@@ -10811,7 +11395,7 @@
           <p:cNvPr id="3" name="TextBox 2">
             <a:extLst>
               <a:ext uri="{FF2B5EF4-FFF2-40B4-BE49-F238E27FC236}">
-                <a16:creationId xmlns:a16="http://schemas.microsoft.com/office/drawing/2014/main" id="{9C1992D3-0543-2919-A641-F8327941676A}"/>
+                <a16:creationId xmlns:a16="http://schemas.microsoft.com/office/drawing/2014/main" id="{C91D0215-089E-3CD1-C917-7699A738972C}"/>
               </a:ext>
             </a:extLst>
           </p:cNvPr>
@@ -10820,8 +11404,8 @@
         </p:nvSpPr>
         <p:spPr>
           <a:xfrm>
-            <a:off x="260431" y="329879"/>
-            <a:ext cx="8906720" cy="3332707"/>
+            <a:off x="260430" y="329879"/>
+            <a:ext cx="11017170" cy="8387424"/>
           </a:xfrm>
           <a:prstGeom prst="rect">
             <a:avLst/>
@@ -10841,23 +11425,520 @@
                 </a:solidFill>
                 <a:latin typeface="Pragmatica" panose="020B0403040502020204" pitchFamily="34" charset="0"/>
               </a:rPr>
-              <a:t>Resource: </a:t>
-            </a:r>
-            <a:r>
-              <a:rPr lang="en-US" sz="6000" b="1" i="1" dirty="0">
-                <a:solidFill>
-                  <a:srgbClr val="CF3338"/>
-                </a:solidFill>
-                <a:latin typeface="Pragmatica" panose="020B0403040502020204" pitchFamily="34" charset="0"/>
-              </a:rPr>
-              <a:t>Modern Data Analytics in Excel</a:t>
-            </a:r>
-            <a:endParaRPr lang="en-US" sz="6000" b="1" dirty="0">
+              <a:t>Dynamic measures</a:t>
+            </a:r>
+          </a:p>
+          <a:p>
+            <a:endParaRPr lang="en-US" sz="4200" dirty="0">
               <a:solidFill>
                 <a:srgbClr val="CF3338"/>
               </a:solidFill>
               <a:latin typeface="Pragmatica" panose="020B0403040502020204" pitchFamily="34" charset="0"/>
             </a:endParaRPr>
+          </a:p>
+          <a:p>
+            <a:pPr marL="714375" indent="-571500">
+              <a:lnSpc>
+                <a:spcPct val="115000"/>
+              </a:lnSpc>
+              <a:spcBef>
+                <a:spcPts val="1125"/>
+              </a:spcBef>
+              <a:buClr>
+                <a:srgbClr val="C00000"/>
+              </a:buClr>
+              <a:buSzPts val="2100"/>
+              <a:buFont typeface="Arial" panose="020B0604020202020204" pitchFamily="34" charset="0"/>
+              <a:buChar char="•"/>
+            </a:pPr>
+            <a:r>
+              <a:rPr lang="en-US" sz="3600" dirty="0">
+                <a:solidFill>
+                  <a:srgbClr val="C00000"/>
+                </a:solidFill>
+                <a:latin typeface="Pragmatica" panose="020B0403040502020204"/>
+                <a:sym typeface="Consolas"/>
+              </a:rPr>
+              <a:t>Create dynamic measures a la Power BI/Tableau</a:t>
+            </a:r>
+          </a:p>
+          <a:p>
+            <a:pPr marL="714375" indent="-571500">
+              <a:lnSpc>
+                <a:spcPct val="115000"/>
+              </a:lnSpc>
+              <a:spcBef>
+                <a:spcPts val="1125"/>
+              </a:spcBef>
+              <a:buClr>
+                <a:srgbClr val="C00000"/>
+              </a:buClr>
+              <a:buSzPts val="2100"/>
+              <a:buFont typeface="Arial" panose="020B0604020202020204" pitchFamily="34" charset="0"/>
+              <a:buChar char="•"/>
+            </a:pPr>
+            <a:r>
+              <a:rPr lang="en-US" sz="3600" dirty="0">
+                <a:solidFill>
+                  <a:srgbClr val="C00000"/>
+                </a:solidFill>
+                <a:latin typeface="Pragmatica" panose="020B0403040502020204"/>
+                <a:sym typeface="Consolas"/>
+              </a:rPr>
+              <a:t>Integrate Python backend processing with Excel’s visualization capabilities to build responsive and customizable bar charts</a:t>
+            </a:r>
+          </a:p>
+          <a:p>
+            <a:pPr marL="714375" indent="-571500">
+              <a:lnSpc>
+                <a:spcPct val="115000"/>
+              </a:lnSpc>
+              <a:spcBef>
+                <a:spcPts val="1125"/>
+              </a:spcBef>
+              <a:buClr>
+                <a:srgbClr val="C00000"/>
+              </a:buClr>
+              <a:buSzPts val="2100"/>
+              <a:buFont typeface="Arial" panose="020B0604020202020204" pitchFamily="34" charset="0"/>
+              <a:buChar char="•"/>
+            </a:pPr>
+            <a:r>
+              <a:rPr lang="en-US" sz="3600" dirty="0">
+                <a:solidFill>
+                  <a:srgbClr val="C00000"/>
+                </a:solidFill>
+                <a:latin typeface="Pragmatica" panose="020B0403040502020204"/>
+                <a:sym typeface="Consolas"/>
+              </a:rPr>
+              <a:t>Utilize Python’s </a:t>
+            </a:r>
+            <a:r>
+              <a:rPr lang="en-US" sz="3600" dirty="0" err="1">
+                <a:solidFill>
+                  <a:srgbClr val="C00000"/>
+                </a:solidFill>
+                <a:latin typeface="Consolas" panose="020B0609020204030204" pitchFamily="49" charset="0"/>
+                <a:sym typeface="Consolas"/>
+              </a:rPr>
+              <a:t>getattr</a:t>
+            </a:r>
+            <a:r>
+              <a:rPr lang="en-US" sz="3600" dirty="0">
+                <a:solidFill>
+                  <a:srgbClr val="C00000"/>
+                </a:solidFill>
+                <a:latin typeface="Consolas" panose="020B0609020204030204" pitchFamily="49" charset="0"/>
+                <a:sym typeface="Consolas"/>
+              </a:rPr>
+              <a:t>()</a:t>
+            </a:r>
+            <a:r>
+              <a:rPr lang="en-US" sz="3600" dirty="0">
+                <a:solidFill>
+                  <a:srgbClr val="C00000"/>
+                </a:solidFill>
+                <a:latin typeface="Pragmatica" panose="020B0403040502020204"/>
+                <a:sym typeface="Consolas"/>
+              </a:rPr>
+              <a:t> function to dynamically handle user-driven inputs for flexible data aggregation</a:t>
+            </a:r>
+          </a:p>
+          <a:p>
+            <a:pPr marL="714375" indent="-571500">
+              <a:lnSpc>
+                <a:spcPct val="115000"/>
+              </a:lnSpc>
+              <a:spcBef>
+                <a:spcPts val="1125"/>
+              </a:spcBef>
+              <a:buClr>
+                <a:srgbClr val="C00000"/>
+              </a:buClr>
+              <a:buSzPts val="2100"/>
+              <a:buFont typeface="Arial" panose="020B0604020202020204" pitchFamily="34" charset="0"/>
+              <a:buChar char="•"/>
+            </a:pPr>
+            <a:endParaRPr lang="en-US" sz="3600" dirty="0">
+              <a:solidFill>
+                <a:srgbClr val="C00000"/>
+              </a:solidFill>
+              <a:latin typeface="Pragmatica" panose="020B0403040502020204"/>
+              <a:sym typeface="Consolas"/>
+            </a:endParaRPr>
+          </a:p>
+          <a:p>
+            <a:pPr marL="142875">
+              <a:lnSpc>
+                <a:spcPct val="115000"/>
+              </a:lnSpc>
+              <a:spcBef>
+                <a:spcPts val="1125"/>
+              </a:spcBef>
+              <a:buClr>
+                <a:srgbClr val="C00000"/>
+              </a:buClr>
+              <a:buSzPts val="2100"/>
+            </a:pPr>
+            <a:r>
+              <a:rPr lang="en-US" sz="3600" dirty="0">
+                <a:solidFill>
+                  <a:srgbClr val="C00000"/>
+                </a:solidFill>
+                <a:latin typeface="Pragmatica" panose="020B0403040502020204"/>
+                <a:sym typeface="Consolas"/>
+              </a:rPr>
+              <a:t>File: </a:t>
+            </a:r>
+            <a:r>
+              <a:rPr lang="en-US" sz="3600" dirty="0">
+                <a:solidFill>
+                  <a:srgbClr val="C00000"/>
+                </a:solidFill>
+                <a:latin typeface="Consolas" panose="020B0609020204030204" pitchFamily="49" charset="0"/>
+                <a:sym typeface="Consolas"/>
+              </a:rPr>
+              <a:t>dynamic-measures.xlsx</a:t>
+            </a:r>
+            <a:endParaRPr lang="en-US" sz="6000" dirty="0">
+              <a:solidFill>
+                <a:srgbClr val="CF3338"/>
+              </a:solidFill>
+              <a:latin typeface="Consolas" panose="020B0609020204030204" pitchFamily="49" charset="0"/>
+            </a:endParaRPr>
+          </a:p>
+          <a:p>
+            <a:endParaRPr lang="en-US" sz="6000" dirty="0">
+              <a:solidFill>
+                <a:srgbClr val="CF3338"/>
+              </a:solidFill>
+              <a:latin typeface="Pragmatica" panose="020B0403040502020204" pitchFamily="34" charset="0"/>
+            </a:endParaRPr>
+          </a:p>
+        </p:txBody>
+      </p:sp>
+    </p:spTree>
+    <p:extLst>
+      <p:ext uri="{BB962C8B-B14F-4D97-AF65-F5344CB8AC3E}">
+        <p14:creationId xmlns:p14="http://schemas.microsoft.com/office/powerpoint/2010/main" val="2476456128"/>
+      </p:ext>
+    </p:extLst>
+  </p:cSld>
+  <p:clrMapOvr>
+    <a:masterClrMapping/>
+  </p:clrMapOvr>
+</p:sld>
+</file>
+
+<file path=ppt/slides/slide31.xml><?xml version="1.0" encoding="utf-8"?>
+<p:sld xmlns:a="http://schemas.openxmlformats.org/drawingml/2006/main" xmlns:r="http://schemas.openxmlformats.org/officeDocument/2006/relationships" xmlns:p="http://schemas.openxmlformats.org/presentationml/2006/main">
+  <p:cSld>
+    <p:spTree>
+      <p:nvGrpSpPr>
+        <p:cNvPr id="1" name="">
+          <a:extLst>
+            <a:ext uri="{FF2B5EF4-FFF2-40B4-BE49-F238E27FC236}">
+              <a16:creationId xmlns:a16="http://schemas.microsoft.com/office/drawing/2014/main" id="{A9848E44-68DD-6AEA-08F3-5606760AEF44}"/>
+            </a:ext>
+          </a:extLst>
+        </p:cNvPr>
+        <p:cNvGrpSpPr/>
+        <p:nvPr/>
+      </p:nvGrpSpPr>
+      <p:grpSpPr>
+        <a:xfrm>
+          <a:off x="0" y="0"/>
+          <a:ext cx="0" cy="0"/>
+          <a:chOff x="0" y="0"/>
+          <a:chExt cx="0" cy="0"/>
+        </a:xfrm>
+      </p:grpSpPr>
+      <p:sp>
+        <p:nvSpPr>
+          <p:cNvPr id="4" name="Rectangle 3">
+            <a:extLst>
+              <a:ext uri="{FF2B5EF4-FFF2-40B4-BE49-F238E27FC236}">
+                <a16:creationId xmlns:a16="http://schemas.microsoft.com/office/drawing/2014/main" id="{615E1502-BDF1-3D8C-22A3-6213D3359402}"/>
+              </a:ext>
+            </a:extLst>
+          </p:cNvPr>
+          <p:cNvSpPr/>
+          <p:nvPr/>
+        </p:nvSpPr>
+        <p:spPr>
+          <a:xfrm>
+            <a:off x="11963400" y="0"/>
+            <a:ext cx="6324600" cy="10287000"/>
+          </a:xfrm>
+          <a:prstGeom prst="rect">
+            <a:avLst/>
+          </a:prstGeom>
+          <a:solidFill>
+            <a:srgbClr val="CF3338"/>
+          </a:solidFill>
+          <a:ln>
+            <a:noFill/>
+          </a:ln>
+        </p:spPr>
+        <p:style>
+          <a:lnRef idx="2">
+            <a:schemeClr val="accent1">
+              <a:shade val="50000"/>
+            </a:schemeClr>
+          </a:lnRef>
+          <a:fillRef idx="1">
+            <a:schemeClr val="accent1"/>
+          </a:fillRef>
+          <a:effectRef idx="0">
+            <a:schemeClr val="accent1"/>
+          </a:effectRef>
+          <a:fontRef idx="minor">
+            <a:schemeClr val="lt1"/>
+          </a:fontRef>
+        </p:style>
+        <p:txBody>
+          <a:bodyPr rtlCol="0" anchor="ctr"/>
+          <a:lstStyle/>
+          <a:p>
+            <a:pPr algn="ctr"/>
+            <a:endParaRPr lang="en-US" sz="2700"/>
+          </a:p>
+        </p:txBody>
+      </p:sp>
+      <p:pic>
+        <p:nvPicPr>
+          <p:cNvPr id="2" name="Picture 1">
+            <a:extLst>
+              <a:ext uri="{FF2B5EF4-FFF2-40B4-BE49-F238E27FC236}">
+                <a16:creationId xmlns:a16="http://schemas.microsoft.com/office/drawing/2014/main" id="{326DC3E1-5616-5EA6-502A-7BCF02A8A09F}"/>
+              </a:ext>
+            </a:extLst>
+          </p:cNvPr>
+          <p:cNvPicPr>
+            <a:picLocks noChangeAspect="1"/>
+          </p:cNvPicPr>
+          <p:nvPr/>
+        </p:nvPicPr>
+        <p:blipFill rotWithShape="1">
+          <a:blip r:embed="rId3">
+            <a:extLst>
+              <a:ext uri="{28A0092B-C50C-407E-A947-70E740481C1C}">
+                <a14:useLocalDpi xmlns:a14="http://schemas.microsoft.com/office/drawing/2010/main" val="0"/>
+              </a:ext>
+            </a:extLst>
+          </a:blip>
+          <a:srcRect l="69227" t="33418" r="20112" b="50548"/>
+          <a:stretch/>
+        </p:blipFill>
+        <p:spPr>
+          <a:xfrm>
+            <a:off x="15579524" y="7544693"/>
+            <a:ext cx="2708477" cy="2987579"/>
+          </a:xfrm>
+          <a:prstGeom prst="rect">
+            <a:avLst/>
+          </a:prstGeom>
+        </p:spPr>
+      </p:pic>
+      <p:sp>
+        <p:nvSpPr>
+          <p:cNvPr id="3" name="TextBox 2">
+            <a:extLst>
+              <a:ext uri="{FF2B5EF4-FFF2-40B4-BE49-F238E27FC236}">
+                <a16:creationId xmlns:a16="http://schemas.microsoft.com/office/drawing/2014/main" id="{5251D885-4940-736A-16C8-F0E8B2DB8282}"/>
+              </a:ext>
+            </a:extLst>
+          </p:cNvPr>
+          <p:cNvSpPr txBox="1"/>
+          <p:nvPr/>
+        </p:nvSpPr>
+        <p:spPr>
+          <a:xfrm>
+            <a:off x="260430" y="329879"/>
+            <a:ext cx="11017170" cy="8528489"/>
+          </a:xfrm>
+          <a:prstGeom prst="rect">
+            <a:avLst/>
+          </a:prstGeom>
+          <a:noFill/>
+        </p:spPr>
+        <p:txBody>
+          <a:bodyPr wrap="square" rtlCol="0">
+            <a:spAutoFit/>
+          </a:bodyPr>
+          <a:lstStyle/>
+          <a:p>
+            <a:r>
+              <a:rPr lang="en-US" sz="6000" b="1" dirty="0">
+                <a:solidFill>
+                  <a:srgbClr val="CF3338"/>
+                </a:solidFill>
+                <a:latin typeface="Pragmatica" panose="020B0403040502020204" pitchFamily="34" charset="0"/>
+              </a:rPr>
+              <a:t>Practical use cases EXERCISE</a:t>
+            </a:r>
+          </a:p>
+          <a:p>
+            <a:endParaRPr lang="en-US" sz="4200" dirty="0">
+              <a:solidFill>
+                <a:srgbClr val="CF3338"/>
+              </a:solidFill>
+              <a:latin typeface="Pragmatica" panose="020B0403040502020204" pitchFamily="34" charset="0"/>
+            </a:endParaRPr>
+          </a:p>
+          <a:p>
+            <a:pPr marL="714375" indent="-571500">
+              <a:lnSpc>
+                <a:spcPct val="115000"/>
+              </a:lnSpc>
+              <a:spcBef>
+                <a:spcPts val="1125"/>
+              </a:spcBef>
+              <a:buClr>
+                <a:srgbClr val="C00000"/>
+              </a:buClr>
+              <a:buSzPts val="2100"/>
+              <a:buFont typeface="Arial" panose="020B0604020202020204" pitchFamily="34" charset="0"/>
+              <a:buChar char="•"/>
+            </a:pPr>
+            <a:r>
+              <a:rPr lang="en-US" sz="3600" dirty="0">
+                <a:solidFill>
+                  <a:srgbClr val="C00000"/>
+                </a:solidFill>
+                <a:latin typeface="Pragmatica" panose="020B0403040502020204"/>
+                <a:sym typeface="Consolas"/>
+              </a:rPr>
+              <a:t>Create user inputs for start date, end date, and cumulative type (sum or mean)</a:t>
+            </a:r>
+          </a:p>
+          <a:p>
+            <a:pPr marL="1171575" lvl="1" indent="-571500">
+              <a:lnSpc>
+                <a:spcPct val="115000"/>
+              </a:lnSpc>
+              <a:spcBef>
+                <a:spcPts val="1125"/>
+              </a:spcBef>
+              <a:buClr>
+                <a:srgbClr val="C00000"/>
+              </a:buClr>
+              <a:buSzPts val="2100"/>
+              <a:buFont typeface="Arial" panose="020B0604020202020204" pitchFamily="34" charset="0"/>
+              <a:buChar char="•"/>
+            </a:pPr>
+            <a:r>
+              <a:rPr lang="en-US" sz="3600" dirty="0">
+                <a:solidFill>
+                  <a:srgbClr val="C00000"/>
+                </a:solidFill>
+                <a:latin typeface="Pragmatica" panose="020B0403040502020204"/>
+                <a:sym typeface="Consolas"/>
+              </a:rPr>
+              <a:t>Use the </a:t>
+            </a:r>
+            <a:r>
+              <a:rPr lang="en-US" sz="3600" dirty="0">
+                <a:solidFill>
+                  <a:srgbClr val="C00000"/>
+                </a:solidFill>
+                <a:latin typeface="Consolas" panose="020B0609020204030204" pitchFamily="49" charset="0"/>
+                <a:sym typeface="Consolas"/>
+              </a:rPr>
+              <a:t>expanding()</a:t>
+            </a:r>
+            <a:r>
+              <a:rPr lang="en-US" sz="3600" dirty="0">
+                <a:solidFill>
+                  <a:srgbClr val="C00000"/>
+                </a:solidFill>
+                <a:latin typeface="Pragmatica" panose="020B0403040502020204"/>
+                <a:sym typeface="Consolas"/>
+              </a:rPr>
+              <a:t> method</a:t>
+            </a:r>
+          </a:p>
+          <a:p>
+            <a:pPr marL="714375" indent="-571500">
+              <a:lnSpc>
+                <a:spcPct val="115000"/>
+              </a:lnSpc>
+              <a:spcBef>
+                <a:spcPts val="1125"/>
+              </a:spcBef>
+              <a:buClr>
+                <a:srgbClr val="C00000"/>
+              </a:buClr>
+              <a:buSzPts val="2100"/>
+              <a:buFont typeface="Arial" panose="020B0604020202020204" pitchFamily="34" charset="0"/>
+              <a:buChar char="•"/>
+            </a:pPr>
+            <a:r>
+              <a:rPr lang="en-US" sz="3600" dirty="0">
+                <a:solidFill>
+                  <a:srgbClr val="C00000"/>
+                </a:solidFill>
+                <a:latin typeface="Pragmatica" panose="020B0403040502020204"/>
+                <a:sym typeface="Consolas"/>
+              </a:rPr>
+              <a:t>Build line chart of cumulative total over filtered date range</a:t>
+            </a:r>
+          </a:p>
+          <a:p>
+            <a:pPr marL="714375" indent="-571500">
+              <a:lnSpc>
+                <a:spcPct val="115000"/>
+              </a:lnSpc>
+              <a:spcBef>
+                <a:spcPts val="1125"/>
+              </a:spcBef>
+              <a:buClr>
+                <a:srgbClr val="C00000"/>
+              </a:buClr>
+              <a:buSzPts val="2100"/>
+              <a:buFont typeface="Arial" panose="020B0604020202020204" pitchFamily="34" charset="0"/>
+              <a:buChar char="•"/>
+            </a:pPr>
+            <a:r>
+              <a:rPr lang="en-US" sz="3600" dirty="0">
+                <a:solidFill>
+                  <a:srgbClr val="C00000"/>
+                </a:solidFill>
+                <a:latin typeface="Pragmatica" panose="020B0403040502020204"/>
+                <a:sym typeface="Consolas"/>
+              </a:rPr>
+              <a:t>Don’t forget about </a:t>
+            </a:r>
+            <a:r>
+              <a:rPr lang="en-US" sz="3600" dirty="0" err="1">
+                <a:solidFill>
+                  <a:srgbClr val="C00000"/>
+                </a:solidFill>
+                <a:latin typeface="Consolas" panose="020B0609020204030204" pitchFamily="49" charset="0"/>
+                <a:sym typeface="Consolas"/>
+              </a:rPr>
+              <a:t>getattr</a:t>
+            </a:r>
+            <a:r>
+              <a:rPr lang="en-US" sz="3600" dirty="0">
+                <a:solidFill>
+                  <a:srgbClr val="C00000"/>
+                </a:solidFill>
+                <a:latin typeface="Consolas" panose="020B0609020204030204" pitchFamily="49" charset="0"/>
+                <a:sym typeface="Consolas"/>
+              </a:rPr>
+              <a:t>()</a:t>
+            </a:r>
+            <a:r>
+              <a:rPr lang="en-US" sz="3600" dirty="0">
+                <a:solidFill>
+                  <a:srgbClr val="C00000"/>
+                </a:solidFill>
+                <a:latin typeface="Pragmatica" panose="020B0403040502020204"/>
+                <a:sym typeface="Consolas"/>
+              </a:rPr>
+              <a:t>!</a:t>
+            </a:r>
           </a:p>
           <a:p>
             <a:pPr marL="142875">
@@ -10881,6 +11962,1456 @@
             </a:endParaRPr>
           </a:p>
           <a:p>
+            <a:pPr marL="142875">
+              <a:lnSpc>
+                <a:spcPct val="115000"/>
+              </a:lnSpc>
+              <a:spcBef>
+                <a:spcPts val="1125"/>
+              </a:spcBef>
+              <a:buClr>
+                <a:srgbClr val="C00000"/>
+              </a:buClr>
+              <a:buSzPts val="2100"/>
+            </a:pPr>
+            <a:r>
+              <a:rPr lang="en-US" sz="3600" dirty="0">
+                <a:solidFill>
+                  <a:srgbClr val="C00000"/>
+                </a:solidFill>
+                <a:latin typeface="Pragmatica" panose="020B0403040502020204"/>
+                <a:sym typeface="Consolas"/>
+              </a:rPr>
+              <a:t>File: </a:t>
+            </a:r>
+            <a:r>
+              <a:rPr lang="en-US" sz="3600" dirty="0">
+                <a:solidFill>
+                  <a:srgbClr val="C00000"/>
+                </a:solidFill>
+                <a:latin typeface="Consolas" panose="020B0609020204030204" pitchFamily="49" charset="0"/>
+                <a:sym typeface="Consolas"/>
+              </a:rPr>
+              <a:t>combine-use-cases-challenge.xlsx</a:t>
+            </a:r>
+            <a:endParaRPr lang="en-US" sz="6000" dirty="0">
+              <a:solidFill>
+                <a:srgbClr val="CF3338"/>
+              </a:solidFill>
+              <a:latin typeface="Consolas" panose="020B0609020204030204" pitchFamily="49" charset="0"/>
+            </a:endParaRPr>
+          </a:p>
+          <a:p>
+            <a:endParaRPr lang="en-US" sz="6000" dirty="0">
+              <a:solidFill>
+                <a:srgbClr val="CF3338"/>
+              </a:solidFill>
+              <a:latin typeface="Pragmatica" panose="020B0403040502020204" pitchFamily="34" charset="0"/>
+            </a:endParaRPr>
+          </a:p>
+        </p:txBody>
+      </p:sp>
+    </p:spTree>
+    <p:extLst>
+      <p:ext uri="{BB962C8B-B14F-4D97-AF65-F5344CB8AC3E}">
+        <p14:creationId xmlns:p14="http://schemas.microsoft.com/office/powerpoint/2010/main" val="928994942"/>
+      </p:ext>
+    </p:extLst>
+  </p:cSld>
+  <p:clrMapOvr>
+    <a:masterClrMapping/>
+  </p:clrMapOvr>
+</p:sld>
+</file>
+
+<file path=ppt/slides/slide32.xml><?xml version="1.0" encoding="utf-8"?>
+<p:sld xmlns:a="http://schemas.openxmlformats.org/drawingml/2006/main" xmlns:r="http://schemas.openxmlformats.org/officeDocument/2006/relationships" xmlns:p="http://schemas.openxmlformats.org/presentationml/2006/main">
+  <p:cSld>
+    <p:spTree>
+      <p:nvGrpSpPr>
+        <p:cNvPr id="1" name="">
+          <a:extLst>
+            <a:ext uri="{FF2B5EF4-FFF2-40B4-BE49-F238E27FC236}">
+              <a16:creationId xmlns:a16="http://schemas.microsoft.com/office/drawing/2014/main" id="{4FB44F74-031A-3677-99AA-1615035E0B24}"/>
+            </a:ext>
+          </a:extLst>
+        </p:cNvPr>
+        <p:cNvGrpSpPr/>
+        <p:nvPr/>
+      </p:nvGrpSpPr>
+      <p:grpSpPr>
+        <a:xfrm>
+          <a:off x="0" y="0"/>
+          <a:ext cx="0" cy="0"/>
+          <a:chOff x="0" y="0"/>
+          <a:chExt cx="0" cy="0"/>
+        </a:xfrm>
+      </p:grpSpPr>
+      <p:pic>
+        <p:nvPicPr>
+          <p:cNvPr id="10" name="Picture 9">
+            <a:extLst>
+              <a:ext uri="{FF2B5EF4-FFF2-40B4-BE49-F238E27FC236}">
+                <a16:creationId xmlns:a16="http://schemas.microsoft.com/office/drawing/2014/main" id="{FF0834F8-7789-D143-9D0C-70F2E57DD03A}"/>
+              </a:ext>
+            </a:extLst>
+          </p:cNvPr>
+          <p:cNvPicPr>
+            <a:picLocks noChangeAspect="1"/>
+          </p:cNvPicPr>
+          <p:nvPr/>
+        </p:nvPicPr>
+        <p:blipFill rotWithShape="1">
+          <a:blip r:embed="rId2">
+            <a:extLst>
+              <a:ext uri="{28A0092B-C50C-407E-A947-70E740481C1C}">
+                <a14:useLocalDpi xmlns:a14="http://schemas.microsoft.com/office/drawing/2010/main" val="0"/>
+              </a:ext>
+            </a:extLst>
+          </a:blip>
+          <a:srcRect l="50728" t="56371"/>
+          <a:stretch/>
+        </p:blipFill>
+        <p:spPr>
+          <a:xfrm>
+            <a:off x="12204691" y="3316148"/>
+            <a:ext cx="6083309" cy="6970854"/>
+          </a:xfrm>
+          <a:prstGeom prst="rect">
+            <a:avLst/>
+          </a:prstGeom>
+        </p:spPr>
+      </p:pic>
+      <p:pic>
+        <p:nvPicPr>
+          <p:cNvPr id="4" name="Picture 3">
+            <a:extLst>
+              <a:ext uri="{FF2B5EF4-FFF2-40B4-BE49-F238E27FC236}">
+                <a16:creationId xmlns:a16="http://schemas.microsoft.com/office/drawing/2014/main" id="{8678C244-F331-B616-D902-2C8BBF95CA5C}"/>
+              </a:ext>
+            </a:extLst>
+          </p:cNvPr>
+          <p:cNvPicPr>
+            <a:picLocks noChangeAspect="1"/>
+          </p:cNvPicPr>
+          <p:nvPr/>
+        </p:nvPicPr>
+        <p:blipFill>
+          <a:blip r:embed="rId3">
+            <a:extLst>
+              <a:ext uri="{28A0092B-C50C-407E-A947-70E740481C1C}">
+                <a14:useLocalDpi xmlns:a14="http://schemas.microsoft.com/office/drawing/2010/main" val="0"/>
+              </a:ext>
+            </a:extLst>
+          </a:blip>
+          <a:stretch>
+            <a:fillRect/>
+          </a:stretch>
+        </p:blipFill>
+        <p:spPr>
+          <a:xfrm>
+            <a:off x="-807744" y="-3724155"/>
+            <a:ext cx="15257208" cy="11189825"/>
+          </a:xfrm>
+          <a:prstGeom prst="rect">
+            <a:avLst/>
+          </a:prstGeom>
+        </p:spPr>
+      </p:pic>
+      <p:sp>
+        <p:nvSpPr>
+          <p:cNvPr id="11" name="TextBox 10">
+            <a:extLst>
+              <a:ext uri="{FF2B5EF4-FFF2-40B4-BE49-F238E27FC236}">
+                <a16:creationId xmlns:a16="http://schemas.microsoft.com/office/drawing/2014/main" id="{693A8BBD-76AF-BC44-0247-61CFFD971008}"/>
+              </a:ext>
+            </a:extLst>
+          </p:cNvPr>
+          <p:cNvSpPr txBox="1"/>
+          <p:nvPr/>
+        </p:nvSpPr>
+        <p:spPr>
+          <a:xfrm>
+            <a:off x="486137" y="2531318"/>
+            <a:ext cx="11979797" cy="923330"/>
+          </a:xfrm>
+          <a:prstGeom prst="rect">
+            <a:avLst/>
+          </a:prstGeom>
+          <a:noFill/>
+        </p:spPr>
+        <p:txBody>
+          <a:bodyPr wrap="square" rtlCol="0">
+            <a:spAutoFit/>
+          </a:bodyPr>
+          <a:lstStyle/>
+          <a:p>
+            <a:r>
+              <a:rPr lang="en-US" sz="5400" b="1" dirty="0">
+                <a:solidFill>
+                  <a:srgbClr val="CF3338"/>
+                </a:solidFill>
+                <a:latin typeface="Pragmatica" panose="020B0403040502020204" pitchFamily="34" charset="0"/>
+              </a:rPr>
+              <a:t>Questions?</a:t>
+            </a:r>
+          </a:p>
+        </p:txBody>
+      </p:sp>
+      <p:pic>
+        <p:nvPicPr>
+          <p:cNvPr id="5" name="Picture 4">
+            <a:extLst>
+              <a:ext uri="{FF2B5EF4-FFF2-40B4-BE49-F238E27FC236}">
+                <a16:creationId xmlns:a16="http://schemas.microsoft.com/office/drawing/2014/main" id="{44708953-DD9D-3547-0277-211AFE3CB230}"/>
+              </a:ext>
+            </a:extLst>
+          </p:cNvPr>
+          <p:cNvPicPr>
+            <a:picLocks noChangeAspect="1"/>
+          </p:cNvPicPr>
+          <p:nvPr/>
+        </p:nvPicPr>
+        <p:blipFill>
+          <a:blip r:embed="rId4">
+            <a:extLst>
+              <a:ext uri="{28A0092B-C50C-407E-A947-70E740481C1C}">
+                <a14:useLocalDpi xmlns:a14="http://schemas.microsoft.com/office/drawing/2010/main" val="0"/>
+              </a:ext>
+            </a:extLst>
+          </a:blip>
+          <a:srcRect/>
+          <a:stretch/>
+        </p:blipFill>
+        <p:spPr>
+          <a:xfrm>
+            <a:off x="12204691" y="3317239"/>
+            <a:ext cx="6083309" cy="6968672"/>
+          </a:xfrm>
+          <a:prstGeom prst="rect">
+            <a:avLst/>
+          </a:prstGeom>
+        </p:spPr>
+      </p:pic>
+    </p:spTree>
+    <p:extLst>
+      <p:ext uri="{BB962C8B-B14F-4D97-AF65-F5344CB8AC3E}">
+        <p14:creationId xmlns:p14="http://schemas.microsoft.com/office/powerpoint/2010/main" val="3416899636"/>
+      </p:ext>
+    </p:extLst>
+  </p:cSld>
+  <p:clrMapOvr>
+    <a:masterClrMapping/>
+  </p:clrMapOvr>
+</p:sld>
+</file>
+
+<file path=ppt/slides/slide33.xml><?xml version="1.0" encoding="utf-8"?>
+<p:sld xmlns:a="http://schemas.openxmlformats.org/drawingml/2006/main" xmlns:r="http://schemas.openxmlformats.org/officeDocument/2006/relationships" xmlns:p="http://schemas.openxmlformats.org/presentationml/2006/main">
+  <p:cSld>
+    <p:spTree>
+      <p:nvGrpSpPr>
+        <p:cNvPr id="1" name="">
+          <a:extLst>
+            <a:ext uri="{FF2B5EF4-FFF2-40B4-BE49-F238E27FC236}">
+              <a16:creationId xmlns:a16="http://schemas.microsoft.com/office/drawing/2014/main" id="{BBC5AED6-DC91-8187-A6D7-2AD25D32DD1F}"/>
+            </a:ext>
+          </a:extLst>
+        </p:cNvPr>
+        <p:cNvGrpSpPr/>
+        <p:nvPr/>
+      </p:nvGrpSpPr>
+      <p:grpSpPr>
+        <a:xfrm>
+          <a:off x="0" y="0"/>
+          <a:ext cx="0" cy="0"/>
+          <a:chOff x="0" y="0"/>
+          <a:chExt cx="0" cy="0"/>
+        </a:xfrm>
+      </p:grpSpPr>
+      <p:sp>
+        <p:nvSpPr>
+          <p:cNvPr id="4" name="Rectangle 3">
+            <a:extLst>
+              <a:ext uri="{FF2B5EF4-FFF2-40B4-BE49-F238E27FC236}">
+                <a16:creationId xmlns:a16="http://schemas.microsoft.com/office/drawing/2014/main" id="{4CD7FF6E-1C0C-8CDA-A72F-8F4A7BA94F17}"/>
+              </a:ext>
+            </a:extLst>
+          </p:cNvPr>
+          <p:cNvSpPr/>
+          <p:nvPr/>
+        </p:nvSpPr>
+        <p:spPr>
+          <a:xfrm>
+            <a:off x="0" y="0"/>
+            <a:ext cx="18288000" cy="10287000"/>
+          </a:xfrm>
+          <a:prstGeom prst="rect">
+            <a:avLst/>
+          </a:prstGeom>
+          <a:solidFill>
+            <a:srgbClr val="CF3338"/>
+          </a:solidFill>
+          <a:ln>
+            <a:noFill/>
+          </a:ln>
+        </p:spPr>
+        <p:style>
+          <a:lnRef idx="2">
+            <a:schemeClr val="accent1">
+              <a:shade val="50000"/>
+            </a:schemeClr>
+          </a:lnRef>
+          <a:fillRef idx="1">
+            <a:schemeClr val="accent1"/>
+          </a:fillRef>
+          <a:effectRef idx="0">
+            <a:schemeClr val="accent1"/>
+          </a:effectRef>
+          <a:fontRef idx="minor">
+            <a:schemeClr val="lt1"/>
+          </a:fontRef>
+        </p:style>
+        <p:txBody>
+          <a:bodyPr rtlCol="0" anchor="ctr"/>
+          <a:lstStyle/>
+          <a:p>
+            <a:pPr algn="ctr"/>
+            <a:endParaRPr lang="en-US" sz="2700"/>
+          </a:p>
+        </p:txBody>
+      </p:sp>
+      <p:sp>
+        <p:nvSpPr>
+          <p:cNvPr id="5" name="TextBox 4">
+            <a:extLst>
+              <a:ext uri="{FF2B5EF4-FFF2-40B4-BE49-F238E27FC236}">
+                <a16:creationId xmlns:a16="http://schemas.microsoft.com/office/drawing/2014/main" id="{D538FCA2-526C-505E-2E08-1D89791EED01}"/>
+              </a:ext>
+            </a:extLst>
+          </p:cNvPr>
+          <p:cNvSpPr txBox="1"/>
+          <p:nvPr/>
+        </p:nvSpPr>
+        <p:spPr>
+          <a:xfrm>
+            <a:off x="781292" y="590309"/>
+            <a:ext cx="15486926" cy="3139321"/>
+          </a:xfrm>
+          <a:prstGeom prst="rect">
+            <a:avLst/>
+          </a:prstGeom>
+          <a:noFill/>
+        </p:spPr>
+        <p:txBody>
+          <a:bodyPr wrap="square" rtlCol="0">
+            <a:spAutoFit/>
+          </a:bodyPr>
+          <a:lstStyle/>
+          <a:p>
+            <a:r>
+              <a:rPr lang="en-US" sz="9900" b="1" dirty="0">
+                <a:solidFill>
+                  <a:schemeClr val="bg1"/>
+                </a:solidFill>
+                <a:latin typeface="Normafixed Tryout" panose="00000409000000000000" pitchFamily="49" charset="0"/>
+              </a:rPr>
+              <a:t>7. Quick wins with Python in Excel</a:t>
+            </a:r>
+          </a:p>
+        </p:txBody>
+      </p:sp>
+    </p:spTree>
+    <p:extLst>
+      <p:ext uri="{BB962C8B-B14F-4D97-AF65-F5344CB8AC3E}">
+        <p14:creationId xmlns:p14="http://schemas.microsoft.com/office/powerpoint/2010/main" val="1045755680"/>
+      </p:ext>
+    </p:extLst>
+  </p:cSld>
+  <p:clrMapOvr>
+    <a:masterClrMapping/>
+  </p:clrMapOvr>
+</p:sld>
+</file>
+
+<file path=ppt/slides/slide34.xml><?xml version="1.0" encoding="utf-8"?>
+<p:sld xmlns:a="http://schemas.openxmlformats.org/drawingml/2006/main" xmlns:r="http://schemas.openxmlformats.org/officeDocument/2006/relationships" xmlns:p="http://schemas.openxmlformats.org/presentationml/2006/main">
+  <p:cSld>
+    <p:spTree>
+      <p:nvGrpSpPr>
+        <p:cNvPr id="1" name="">
+          <a:extLst>
+            <a:ext uri="{FF2B5EF4-FFF2-40B4-BE49-F238E27FC236}">
+              <a16:creationId xmlns:a16="http://schemas.microsoft.com/office/drawing/2014/main" id="{F773716B-FBFB-4A41-E766-11EDAE27DD89}"/>
+            </a:ext>
+          </a:extLst>
+        </p:cNvPr>
+        <p:cNvGrpSpPr/>
+        <p:nvPr/>
+      </p:nvGrpSpPr>
+      <p:grpSpPr>
+        <a:xfrm>
+          <a:off x="0" y="0"/>
+          <a:ext cx="0" cy="0"/>
+          <a:chOff x="0" y="0"/>
+          <a:chExt cx="0" cy="0"/>
+        </a:xfrm>
+      </p:grpSpPr>
+      <p:sp>
+        <p:nvSpPr>
+          <p:cNvPr id="4" name="Rectangle 3">
+            <a:extLst>
+              <a:ext uri="{FF2B5EF4-FFF2-40B4-BE49-F238E27FC236}">
+                <a16:creationId xmlns:a16="http://schemas.microsoft.com/office/drawing/2014/main" id="{45833813-FC1E-EA4B-E6D0-E4C986E77CAE}"/>
+              </a:ext>
+            </a:extLst>
+          </p:cNvPr>
+          <p:cNvSpPr/>
+          <p:nvPr/>
+        </p:nvSpPr>
+        <p:spPr>
+          <a:xfrm>
+            <a:off x="9861630" y="0"/>
+            <a:ext cx="8426370" cy="10287000"/>
+          </a:xfrm>
+          <a:prstGeom prst="rect">
+            <a:avLst/>
+          </a:prstGeom>
+          <a:solidFill>
+            <a:srgbClr val="CF3338"/>
+          </a:solidFill>
+          <a:ln>
+            <a:noFill/>
+          </a:ln>
+        </p:spPr>
+        <p:style>
+          <a:lnRef idx="2">
+            <a:schemeClr val="accent1">
+              <a:shade val="50000"/>
+            </a:schemeClr>
+          </a:lnRef>
+          <a:fillRef idx="1">
+            <a:schemeClr val="accent1"/>
+          </a:fillRef>
+          <a:effectRef idx="0">
+            <a:schemeClr val="accent1"/>
+          </a:effectRef>
+          <a:fontRef idx="minor">
+            <a:schemeClr val="lt1"/>
+          </a:fontRef>
+        </p:style>
+        <p:txBody>
+          <a:bodyPr rtlCol="0" anchor="ctr"/>
+          <a:lstStyle/>
+          <a:p>
+            <a:pPr algn="ctr"/>
+            <a:endParaRPr lang="en-US" sz="2700"/>
+          </a:p>
+        </p:txBody>
+      </p:sp>
+      <p:pic>
+        <p:nvPicPr>
+          <p:cNvPr id="2" name="Picture 1">
+            <a:extLst>
+              <a:ext uri="{FF2B5EF4-FFF2-40B4-BE49-F238E27FC236}">
+                <a16:creationId xmlns:a16="http://schemas.microsoft.com/office/drawing/2014/main" id="{3DD85091-F1C0-7814-F1D0-292A40D22404}"/>
+              </a:ext>
+            </a:extLst>
+          </p:cNvPr>
+          <p:cNvPicPr>
+            <a:picLocks noChangeAspect="1"/>
+          </p:cNvPicPr>
+          <p:nvPr/>
+        </p:nvPicPr>
+        <p:blipFill rotWithShape="1">
+          <a:blip r:embed="rId3">
+            <a:extLst>
+              <a:ext uri="{28A0092B-C50C-407E-A947-70E740481C1C}">
+                <a14:useLocalDpi xmlns:a14="http://schemas.microsoft.com/office/drawing/2010/main" val="0"/>
+              </a:ext>
+            </a:extLst>
+          </a:blip>
+          <a:srcRect l="69227" t="33418" r="20112" b="50548"/>
+          <a:stretch/>
+        </p:blipFill>
+        <p:spPr>
+          <a:xfrm>
+            <a:off x="15579524" y="7544693"/>
+            <a:ext cx="2708477" cy="2987579"/>
+          </a:xfrm>
+          <a:prstGeom prst="rect">
+            <a:avLst/>
+          </a:prstGeom>
+        </p:spPr>
+      </p:pic>
+      <p:sp>
+        <p:nvSpPr>
+          <p:cNvPr id="3" name="TextBox 2">
+            <a:extLst>
+              <a:ext uri="{FF2B5EF4-FFF2-40B4-BE49-F238E27FC236}">
+                <a16:creationId xmlns:a16="http://schemas.microsoft.com/office/drawing/2014/main" id="{8D343810-3CE6-09A5-610F-AEF3D053747A}"/>
+              </a:ext>
+            </a:extLst>
+          </p:cNvPr>
+          <p:cNvSpPr txBox="1"/>
+          <p:nvPr/>
+        </p:nvSpPr>
+        <p:spPr>
+          <a:xfrm>
+            <a:off x="260431" y="329879"/>
+            <a:ext cx="8906720" cy="5702074"/>
+          </a:xfrm>
+          <a:prstGeom prst="rect">
+            <a:avLst/>
+          </a:prstGeom>
+          <a:noFill/>
+        </p:spPr>
+        <p:txBody>
+          <a:bodyPr wrap="square" rtlCol="0">
+            <a:spAutoFit/>
+          </a:bodyPr>
+          <a:lstStyle/>
+          <a:p>
+            <a:r>
+              <a:rPr lang="en-US" sz="6000" b="1" dirty="0">
+                <a:solidFill>
+                  <a:srgbClr val="CF3338"/>
+                </a:solidFill>
+                <a:latin typeface="Pragmatica" panose="020B0403040502020204" pitchFamily="34" charset="0"/>
+              </a:rPr>
+              <a:t>Quick wins with Python in Excel</a:t>
+            </a:r>
+          </a:p>
+          <a:p>
+            <a:endParaRPr lang="en-US" sz="4200" dirty="0">
+              <a:solidFill>
+                <a:srgbClr val="CF3338"/>
+              </a:solidFill>
+              <a:latin typeface="Pragmatica" panose="020B0403040502020204" pitchFamily="34" charset="0"/>
+            </a:endParaRPr>
+          </a:p>
+          <a:p>
+            <a:pPr marL="714375" indent="-571500">
+              <a:lnSpc>
+                <a:spcPct val="115000"/>
+              </a:lnSpc>
+              <a:spcBef>
+                <a:spcPts val="1125"/>
+              </a:spcBef>
+              <a:buClr>
+                <a:srgbClr val="C00000"/>
+              </a:buClr>
+              <a:buSzPts val="2100"/>
+              <a:buFont typeface="Arial" panose="020B0604020202020204" pitchFamily="34" charset="0"/>
+              <a:buChar char="•"/>
+            </a:pPr>
+            <a:r>
+              <a:rPr lang="en-US" sz="3600" dirty="0">
+                <a:solidFill>
+                  <a:srgbClr val="C00000"/>
+                </a:solidFill>
+                <a:latin typeface="Pragmatica" panose="020B0403040502020204"/>
+                <a:sym typeface="Consolas"/>
+              </a:rPr>
+              <a:t>Python is NOT inherently harder than Excel...</a:t>
+            </a:r>
+          </a:p>
+          <a:p>
+            <a:pPr marL="714375" indent="-571500">
+              <a:lnSpc>
+                <a:spcPct val="115000"/>
+              </a:lnSpc>
+              <a:spcBef>
+                <a:spcPts val="1125"/>
+              </a:spcBef>
+              <a:buClr>
+                <a:srgbClr val="C00000"/>
+              </a:buClr>
+              <a:buSzPts val="2100"/>
+              <a:buFont typeface="Arial" panose="020B0604020202020204" pitchFamily="34" charset="0"/>
+              <a:buChar char="•"/>
+            </a:pPr>
+            <a:r>
+              <a:rPr lang="en-US" sz="3600" dirty="0">
+                <a:solidFill>
+                  <a:srgbClr val="C00000"/>
+                </a:solidFill>
+                <a:latin typeface="Pragmatica" panose="020B0403040502020204"/>
+                <a:sym typeface="Consolas"/>
+              </a:rPr>
+              <a:t>15 top use cases, ~1 line apiece!</a:t>
+            </a:r>
+            <a:endParaRPr lang="en-US" sz="6000" dirty="0">
+              <a:solidFill>
+                <a:srgbClr val="CF3338"/>
+              </a:solidFill>
+              <a:latin typeface="Consolas" panose="020B0609020204030204" pitchFamily="49" charset="0"/>
+            </a:endParaRPr>
+          </a:p>
+          <a:p>
+            <a:endParaRPr lang="en-US" sz="6000" dirty="0">
+              <a:solidFill>
+                <a:srgbClr val="CF3338"/>
+              </a:solidFill>
+              <a:latin typeface="Pragmatica" panose="020B0403040502020204" pitchFamily="34" charset="0"/>
+            </a:endParaRPr>
+          </a:p>
+        </p:txBody>
+      </p:sp>
+    </p:spTree>
+    <p:extLst>
+      <p:ext uri="{BB962C8B-B14F-4D97-AF65-F5344CB8AC3E}">
+        <p14:creationId xmlns:p14="http://schemas.microsoft.com/office/powerpoint/2010/main" val="519096309"/>
+      </p:ext>
+    </p:extLst>
+  </p:cSld>
+  <p:clrMapOvr>
+    <a:masterClrMapping/>
+  </p:clrMapOvr>
+</p:sld>
+</file>
+
+<file path=ppt/slides/slide35.xml><?xml version="1.0" encoding="utf-8"?>
+<p:sld xmlns:a="http://schemas.openxmlformats.org/drawingml/2006/main" xmlns:r="http://schemas.openxmlformats.org/officeDocument/2006/relationships" xmlns:p="http://schemas.openxmlformats.org/presentationml/2006/main">
+  <p:cSld>
+    <p:spTree>
+      <p:nvGrpSpPr>
+        <p:cNvPr id="1" name="">
+          <a:extLst>
+            <a:ext uri="{FF2B5EF4-FFF2-40B4-BE49-F238E27FC236}">
+              <a16:creationId xmlns:a16="http://schemas.microsoft.com/office/drawing/2014/main" id="{E85323C9-D5F7-C820-78B9-E169BDF2311C}"/>
+            </a:ext>
+          </a:extLst>
+        </p:cNvPr>
+        <p:cNvGrpSpPr/>
+        <p:nvPr/>
+      </p:nvGrpSpPr>
+      <p:grpSpPr>
+        <a:xfrm>
+          <a:off x="0" y="0"/>
+          <a:ext cx="0" cy="0"/>
+          <a:chOff x="0" y="0"/>
+          <a:chExt cx="0" cy="0"/>
+        </a:xfrm>
+      </p:grpSpPr>
+      <p:sp>
+        <p:nvSpPr>
+          <p:cNvPr id="4" name="Rectangle 3">
+            <a:extLst>
+              <a:ext uri="{FF2B5EF4-FFF2-40B4-BE49-F238E27FC236}">
+                <a16:creationId xmlns:a16="http://schemas.microsoft.com/office/drawing/2014/main" id="{28971779-1F50-1702-DEC1-87CD482189F0}"/>
+              </a:ext>
+            </a:extLst>
+          </p:cNvPr>
+          <p:cNvSpPr/>
+          <p:nvPr/>
+        </p:nvSpPr>
+        <p:spPr>
+          <a:xfrm>
+            <a:off x="0" y="0"/>
+            <a:ext cx="18288000" cy="10287000"/>
+          </a:xfrm>
+          <a:prstGeom prst="rect">
+            <a:avLst/>
+          </a:prstGeom>
+          <a:solidFill>
+            <a:srgbClr val="CF3338"/>
+          </a:solidFill>
+          <a:ln>
+            <a:noFill/>
+          </a:ln>
+        </p:spPr>
+        <p:style>
+          <a:lnRef idx="2">
+            <a:schemeClr val="accent1">
+              <a:shade val="50000"/>
+            </a:schemeClr>
+          </a:lnRef>
+          <a:fillRef idx="1">
+            <a:schemeClr val="accent1"/>
+          </a:fillRef>
+          <a:effectRef idx="0">
+            <a:schemeClr val="accent1"/>
+          </a:effectRef>
+          <a:fontRef idx="minor">
+            <a:schemeClr val="lt1"/>
+          </a:fontRef>
+        </p:style>
+        <p:txBody>
+          <a:bodyPr rtlCol="0" anchor="ctr"/>
+          <a:lstStyle/>
+          <a:p>
+            <a:pPr algn="ctr"/>
+            <a:endParaRPr lang="en-US" sz="2700"/>
+          </a:p>
+        </p:txBody>
+      </p:sp>
+      <p:sp>
+        <p:nvSpPr>
+          <p:cNvPr id="5" name="TextBox 4">
+            <a:extLst>
+              <a:ext uri="{FF2B5EF4-FFF2-40B4-BE49-F238E27FC236}">
+                <a16:creationId xmlns:a16="http://schemas.microsoft.com/office/drawing/2014/main" id="{5ECC4C7B-C529-5329-03AC-796804551DC1}"/>
+              </a:ext>
+            </a:extLst>
+          </p:cNvPr>
+          <p:cNvSpPr txBox="1"/>
+          <p:nvPr/>
+        </p:nvSpPr>
+        <p:spPr>
+          <a:xfrm>
+            <a:off x="781292" y="590309"/>
+            <a:ext cx="15486926" cy="1615827"/>
+          </a:xfrm>
+          <a:prstGeom prst="rect">
+            <a:avLst/>
+          </a:prstGeom>
+          <a:noFill/>
+        </p:spPr>
+        <p:txBody>
+          <a:bodyPr wrap="square" rtlCol="0">
+            <a:spAutoFit/>
+          </a:bodyPr>
+          <a:lstStyle/>
+          <a:p>
+            <a:r>
+              <a:rPr lang="en-US" sz="9900" b="1" dirty="0">
+                <a:solidFill>
+                  <a:schemeClr val="bg1"/>
+                </a:solidFill>
+                <a:latin typeface="Normafixed Tryout" panose="00000409000000000000" pitchFamily="49" charset="0"/>
+              </a:rPr>
+              <a:t>Conclusion</a:t>
+            </a:r>
+          </a:p>
+        </p:txBody>
+      </p:sp>
+    </p:spTree>
+    <p:extLst>
+      <p:ext uri="{BB962C8B-B14F-4D97-AF65-F5344CB8AC3E}">
+        <p14:creationId xmlns:p14="http://schemas.microsoft.com/office/powerpoint/2010/main" val="358064314"/>
+      </p:ext>
+    </p:extLst>
+  </p:cSld>
+  <p:clrMapOvr>
+    <a:masterClrMapping/>
+  </p:clrMapOvr>
+</p:sld>
+</file>
+
+<file path=ppt/slides/slide36.xml><?xml version="1.0" encoding="utf-8"?>
+<p:sld xmlns:a="http://schemas.openxmlformats.org/drawingml/2006/main" xmlns:r="http://schemas.openxmlformats.org/officeDocument/2006/relationships" xmlns:p="http://schemas.openxmlformats.org/presentationml/2006/main">
+  <p:cSld>
+    <p:spTree>
+      <p:nvGrpSpPr>
+        <p:cNvPr id="1" name="">
+          <a:extLst>
+            <a:ext uri="{FF2B5EF4-FFF2-40B4-BE49-F238E27FC236}">
+              <a16:creationId xmlns:a16="http://schemas.microsoft.com/office/drawing/2014/main" id="{EDD10D06-D0B5-9212-A34F-8F08B4D2DF86}"/>
+            </a:ext>
+          </a:extLst>
+        </p:cNvPr>
+        <p:cNvGrpSpPr/>
+        <p:nvPr/>
+      </p:nvGrpSpPr>
+      <p:grpSpPr>
+        <a:xfrm>
+          <a:off x="0" y="0"/>
+          <a:ext cx="0" cy="0"/>
+          <a:chOff x="0" y="0"/>
+          <a:chExt cx="0" cy="0"/>
+        </a:xfrm>
+      </p:grpSpPr>
+      <p:sp>
+        <p:nvSpPr>
+          <p:cNvPr id="4" name="Rectangle 3">
+            <a:extLst>
+              <a:ext uri="{FF2B5EF4-FFF2-40B4-BE49-F238E27FC236}">
+                <a16:creationId xmlns:a16="http://schemas.microsoft.com/office/drawing/2014/main" id="{6764A5DC-38D4-7F12-151E-016E4E827436}"/>
+              </a:ext>
+            </a:extLst>
+          </p:cNvPr>
+          <p:cNvSpPr/>
+          <p:nvPr/>
+        </p:nvSpPr>
+        <p:spPr>
+          <a:xfrm>
+            <a:off x="9861630" y="0"/>
+            <a:ext cx="8426370" cy="10287000"/>
+          </a:xfrm>
+          <a:prstGeom prst="rect">
+            <a:avLst/>
+          </a:prstGeom>
+          <a:solidFill>
+            <a:srgbClr val="CF3338"/>
+          </a:solidFill>
+          <a:ln>
+            <a:noFill/>
+          </a:ln>
+        </p:spPr>
+        <p:style>
+          <a:lnRef idx="2">
+            <a:schemeClr val="accent1">
+              <a:shade val="50000"/>
+            </a:schemeClr>
+          </a:lnRef>
+          <a:fillRef idx="1">
+            <a:schemeClr val="accent1"/>
+          </a:fillRef>
+          <a:effectRef idx="0">
+            <a:schemeClr val="accent1"/>
+          </a:effectRef>
+          <a:fontRef idx="minor">
+            <a:schemeClr val="lt1"/>
+          </a:fontRef>
+        </p:style>
+        <p:txBody>
+          <a:bodyPr rtlCol="0" anchor="ctr"/>
+          <a:lstStyle/>
+          <a:p>
+            <a:pPr algn="ctr"/>
+            <a:endParaRPr lang="en-US" sz="2700"/>
+          </a:p>
+        </p:txBody>
+      </p:sp>
+      <p:pic>
+        <p:nvPicPr>
+          <p:cNvPr id="2" name="Picture 1">
+            <a:extLst>
+              <a:ext uri="{FF2B5EF4-FFF2-40B4-BE49-F238E27FC236}">
+                <a16:creationId xmlns:a16="http://schemas.microsoft.com/office/drawing/2014/main" id="{F59C7250-A4DB-0BEE-0BC0-39A290D09B14}"/>
+              </a:ext>
+            </a:extLst>
+          </p:cNvPr>
+          <p:cNvPicPr>
+            <a:picLocks noChangeAspect="1"/>
+          </p:cNvPicPr>
+          <p:nvPr/>
+        </p:nvPicPr>
+        <p:blipFill rotWithShape="1">
+          <a:blip r:embed="rId3">
+            <a:extLst>
+              <a:ext uri="{28A0092B-C50C-407E-A947-70E740481C1C}">
+                <a14:useLocalDpi xmlns:a14="http://schemas.microsoft.com/office/drawing/2010/main" val="0"/>
+              </a:ext>
+            </a:extLst>
+          </a:blip>
+          <a:srcRect l="69227" t="33418" r="20112" b="50548"/>
+          <a:stretch/>
+        </p:blipFill>
+        <p:spPr>
+          <a:xfrm>
+            <a:off x="15579524" y="7544693"/>
+            <a:ext cx="2708477" cy="2987579"/>
+          </a:xfrm>
+          <a:prstGeom prst="rect">
+            <a:avLst/>
+          </a:prstGeom>
+        </p:spPr>
+      </p:pic>
+      <p:sp>
+        <p:nvSpPr>
+          <p:cNvPr id="3" name="TextBox 2">
+            <a:extLst>
+              <a:ext uri="{FF2B5EF4-FFF2-40B4-BE49-F238E27FC236}">
+                <a16:creationId xmlns:a16="http://schemas.microsoft.com/office/drawing/2014/main" id="{7477DFE9-D506-DBB3-AF0C-C6AE174A701B}"/>
+              </a:ext>
+            </a:extLst>
+          </p:cNvPr>
+          <p:cNvSpPr txBox="1"/>
+          <p:nvPr/>
+        </p:nvSpPr>
+        <p:spPr>
+          <a:xfrm>
+            <a:off x="260431" y="329879"/>
+            <a:ext cx="8906720" cy="4256037"/>
+          </a:xfrm>
+          <a:prstGeom prst="rect">
+            <a:avLst/>
+          </a:prstGeom>
+          <a:noFill/>
+        </p:spPr>
+        <p:txBody>
+          <a:bodyPr wrap="square" rtlCol="0">
+            <a:spAutoFit/>
+          </a:bodyPr>
+          <a:lstStyle/>
+          <a:p>
+            <a:r>
+              <a:rPr lang="en-US" sz="6000" b="1" dirty="0">
+                <a:solidFill>
+                  <a:srgbClr val="CF3338"/>
+                </a:solidFill>
+                <a:latin typeface="Pragmatica" panose="020B0403040502020204" pitchFamily="34" charset="0"/>
+              </a:rPr>
+              <a:t>Resource: </a:t>
+            </a:r>
+            <a:r>
+              <a:rPr lang="en-US" sz="6000" b="1" i="1" dirty="0">
+                <a:solidFill>
+                  <a:srgbClr val="CF3338"/>
+                </a:solidFill>
+                <a:latin typeface="Pragmatica" panose="020B0403040502020204" pitchFamily="34" charset="0"/>
+              </a:rPr>
+              <a:t>Advancing into Analytics</a:t>
+            </a:r>
+            <a:endParaRPr lang="en-US" sz="6000" b="1" dirty="0">
+              <a:solidFill>
+                <a:srgbClr val="CF3338"/>
+              </a:solidFill>
+              <a:latin typeface="Pragmatica" panose="020B0403040502020204" pitchFamily="34" charset="0"/>
+            </a:endParaRPr>
+          </a:p>
+          <a:p>
+            <a:pPr marL="142875">
+              <a:lnSpc>
+                <a:spcPct val="115000"/>
+              </a:lnSpc>
+              <a:spcBef>
+                <a:spcPts val="1125"/>
+              </a:spcBef>
+              <a:buClr>
+                <a:srgbClr val="C00000"/>
+              </a:buClr>
+              <a:buSzPts val="2100"/>
+            </a:pPr>
+            <a:endParaRPr lang="en-US" sz="3600" dirty="0">
+              <a:solidFill>
+                <a:srgbClr val="C00000"/>
+              </a:solidFill>
+              <a:latin typeface="Pragmatica" panose="020B0403040502020204"/>
+              <a:sym typeface="Consolas"/>
+            </a:endParaRPr>
+          </a:p>
+          <a:p>
+            <a:r>
+              <a:rPr lang="en-US" sz="4000" dirty="0">
+                <a:solidFill>
+                  <a:srgbClr val="CF3338"/>
+                </a:solidFill>
+                <a:latin typeface="Pragmatica" panose="020B0403040502020204" pitchFamily="34" charset="0"/>
+              </a:rPr>
+              <a:t>stringfestanalytics.com/book</a:t>
+            </a:r>
+            <a:endParaRPr lang="en-US" sz="3600" dirty="0">
+              <a:solidFill>
+                <a:srgbClr val="CF3338"/>
+              </a:solidFill>
+              <a:latin typeface="Pragmatica" panose="020B0403040502020204" pitchFamily="34" charset="0"/>
+            </a:endParaRPr>
+          </a:p>
+          <a:p>
+            <a:endParaRPr lang="en-US" sz="6000" dirty="0">
+              <a:solidFill>
+                <a:srgbClr val="CF3338"/>
+              </a:solidFill>
+              <a:latin typeface="Pragmatica" panose="020B0403040502020204" pitchFamily="34" charset="0"/>
+            </a:endParaRPr>
+          </a:p>
+        </p:txBody>
+      </p:sp>
+      <p:pic>
+        <p:nvPicPr>
+          <p:cNvPr id="2050" name="Picture 2" descr="Advancing into Analytics">
+            <a:extLst>
+              <a:ext uri="{FF2B5EF4-FFF2-40B4-BE49-F238E27FC236}">
+                <a16:creationId xmlns:a16="http://schemas.microsoft.com/office/drawing/2014/main" id="{5B2AAF1C-37EA-DD65-2C5E-842E5A429CB7}"/>
+              </a:ext>
+            </a:extLst>
+          </p:cNvPr>
+          <p:cNvPicPr>
+            <a:picLocks noChangeAspect="1" noChangeArrowheads="1"/>
+          </p:cNvPicPr>
+          <p:nvPr/>
+        </p:nvPicPr>
+        <p:blipFill>
+          <a:blip r:embed="rId4">
+            <a:extLst>
+              <a:ext uri="{28A0092B-C50C-407E-A947-70E740481C1C}">
+                <a14:useLocalDpi xmlns:a14="http://schemas.microsoft.com/office/drawing/2010/main" val="0"/>
+              </a:ext>
+            </a:extLst>
+          </a:blip>
+          <a:srcRect/>
+          <a:stretch>
+            <a:fillRect/>
+          </a:stretch>
+        </p:blipFill>
+        <p:spPr bwMode="auto">
+          <a:xfrm>
+            <a:off x="381000" y="5044380"/>
+            <a:ext cx="3810000" cy="5000625"/>
+          </a:xfrm>
+          <a:prstGeom prst="rect">
+            <a:avLst/>
+          </a:prstGeom>
+          <a:noFill/>
+          <a:extLst>
+            <a:ext uri="{909E8E84-426E-40DD-AFC4-6F175D3DCCD1}">
+              <a14:hiddenFill xmlns:a14="http://schemas.microsoft.com/office/drawing/2010/main">
+                <a:solidFill>
+                  <a:srgbClr val="FFFFFF"/>
+                </a:solidFill>
+              </a14:hiddenFill>
+            </a:ext>
+          </a:extLst>
+        </p:spPr>
+      </p:pic>
+    </p:spTree>
+    <p:extLst>
+      <p:ext uri="{BB962C8B-B14F-4D97-AF65-F5344CB8AC3E}">
+        <p14:creationId xmlns:p14="http://schemas.microsoft.com/office/powerpoint/2010/main" val="1543383187"/>
+      </p:ext>
+    </p:extLst>
+  </p:cSld>
+  <p:clrMapOvr>
+    <a:masterClrMapping/>
+  </p:clrMapOvr>
+</p:sld>
+</file>
+
+<file path=ppt/slides/slide37.xml><?xml version="1.0" encoding="utf-8"?>
+<p:sld xmlns:a="http://schemas.openxmlformats.org/drawingml/2006/main" xmlns:r="http://schemas.openxmlformats.org/officeDocument/2006/relationships" xmlns:p="http://schemas.openxmlformats.org/presentationml/2006/main">
+  <p:cSld>
+    <p:spTree>
+      <p:nvGrpSpPr>
+        <p:cNvPr id="1" name="">
+          <a:extLst>
+            <a:ext uri="{FF2B5EF4-FFF2-40B4-BE49-F238E27FC236}">
+              <a16:creationId xmlns:a16="http://schemas.microsoft.com/office/drawing/2014/main" id="{556CB9BC-ABA6-103A-715B-D3B9A4577CCE}"/>
+            </a:ext>
+          </a:extLst>
+        </p:cNvPr>
+        <p:cNvGrpSpPr/>
+        <p:nvPr/>
+      </p:nvGrpSpPr>
+      <p:grpSpPr>
+        <a:xfrm>
+          <a:off x="0" y="0"/>
+          <a:ext cx="0" cy="0"/>
+          <a:chOff x="0" y="0"/>
+          <a:chExt cx="0" cy="0"/>
+        </a:xfrm>
+      </p:grpSpPr>
+      <p:sp>
+        <p:nvSpPr>
+          <p:cNvPr id="4" name="Rectangle 3">
+            <a:extLst>
+              <a:ext uri="{FF2B5EF4-FFF2-40B4-BE49-F238E27FC236}">
+                <a16:creationId xmlns:a16="http://schemas.microsoft.com/office/drawing/2014/main" id="{DADD1AF2-9FDD-94D8-80B6-5B4D41D189A9}"/>
+              </a:ext>
+            </a:extLst>
+          </p:cNvPr>
+          <p:cNvSpPr/>
+          <p:nvPr/>
+        </p:nvSpPr>
+        <p:spPr>
+          <a:xfrm>
+            <a:off x="9861630" y="0"/>
+            <a:ext cx="8426370" cy="10287000"/>
+          </a:xfrm>
+          <a:prstGeom prst="rect">
+            <a:avLst/>
+          </a:prstGeom>
+          <a:solidFill>
+            <a:srgbClr val="CF3338"/>
+          </a:solidFill>
+          <a:ln>
+            <a:noFill/>
+          </a:ln>
+        </p:spPr>
+        <p:style>
+          <a:lnRef idx="2">
+            <a:schemeClr val="accent1">
+              <a:shade val="50000"/>
+            </a:schemeClr>
+          </a:lnRef>
+          <a:fillRef idx="1">
+            <a:schemeClr val="accent1"/>
+          </a:fillRef>
+          <a:effectRef idx="0">
+            <a:schemeClr val="accent1"/>
+          </a:effectRef>
+          <a:fontRef idx="minor">
+            <a:schemeClr val="lt1"/>
+          </a:fontRef>
+        </p:style>
+        <p:txBody>
+          <a:bodyPr rtlCol="0" anchor="ctr"/>
+          <a:lstStyle/>
+          <a:p>
+            <a:pPr algn="ctr"/>
+            <a:endParaRPr lang="en-US" sz="2700"/>
+          </a:p>
+        </p:txBody>
+      </p:sp>
+      <p:pic>
+        <p:nvPicPr>
+          <p:cNvPr id="2" name="Picture 1">
+            <a:extLst>
+              <a:ext uri="{FF2B5EF4-FFF2-40B4-BE49-F238E27FC236}">
+                <a16:creationId xmlns:a16="http://schemas.microsoft.com/office/drawing/2014/main" id="{B995B80C-F573-6FA2-163B-B895205BFF2A}"/>
+              </a:ext>
+            </a:extLst>
+          </p:cNvPr>
+          <p:cNvPicPr>
+            <a:picLocks noChangeAspect="1"/>
+          </p:cNvPicPr>
+          <p:nvPr/>
+        </p:nvPicPr>
+        <p:blipFill rotWithShape="1">
+          <a:blip r:embed="rId3">
+            <a:extLst>
+              <a:ext uri="{28A0092B-C50C-407E-A947-70E740481C1C}">
+                <a14:useLocalDpi xmlns:a14="http://schemas.microsoft.com/office/drawing/2010/main" val="0"/>
+              </a:ext>
+            </a:extLst>
+          </a:blip>
+          <a:srcRect l="69227" t="33418" r="20112" b="50548"/>
+          <a:stretch/>
+        </p:blipFill>
+        <p:spPr>
+          <a:xfrm>
+            <a:off x="15579524" y="7544693"/>
+            <a:ext cx="2708477" cy="2987579"/>
+          </a:xfrm>
+          <a:prstGeom prst="rect">
+            <a:avLst/>
+          </a:prstGeom>
+        </p:spPr>
+      </p:pic>
+      <p:sp>
+        <p:nvSpPr>
+          <p:cNvPr id="3" name="TextBox 2">
+            <a:extLst>
+              <a:ext uri="{FF2B5EF4-FFF2-40B4-BE49-F238E27FC236}">
+                <a16:creationId xmlns:a16="http://schemas.microsoft.com/office/drawing/2014/main" id="{1B972C77-007E-B6EB-C801-5C7906650F63}"/>
+              </a:ext>
+            </a:extLst>
+          </p:cNvPr>
+          <p:cNvSpPr txBox="1"/>
+          <p:nvPr/>
+        </p:nvSpPr>
+        <p:spPr>
+          <a:xfrm>
+            <a:off x="260431" y="329879"/>
+            <a:ext cx="8906720" cy="2624821"/>
+          </a:xfrm>
+          <a:prstGeom prst="rect">
+            <a:avLst/>
+          </a:prstGeom>
+          <a:noFill/>
+        </p:spPr>
+        <p:txBody>
+          <a:bodyPr wrap="square" rtlCol="0">
+            <a:spAutoFit/>
+          </a:bodyPr>
+          <a:lstStyle/>
+          <a:p>
+            <a:r>
+              <a:rPr lang="en-US" sz="6000" b="1" dirty="0">
+                <a:solidFill>
+                  <a:srgbClr val="CF3338"/>
+                </a:solidFill>
+                <a:latin typeface="Pragmatica" panose="020B0403040502020204" pitchFamily="34" charset="0"/>
+              </a:rPr>
+              <a:t>Resource: </a:t>
+            </a:r>
+            <a:r>
+              <a:rPr lang="en-US" sz="6000" b="1" i="1" dirty="0">
+                <a:solidFill>
+                  <a:srgbClr val="CF3338"/>
+                </a:solidFill>
+                <a:latin typeface="Pragmatica" panose="020B0403040502020204" pitchFamily="34" charset="0"/>
+              </a:rPr>
+              <a:t>Python for Excel</a:t>
+            </a:r>
+            <a:endParaRPr lang="en-US" sz="6000" b="1" dirty="0">
+              <a:solidFill>
+                <a:srgbClr val="CF3338"/>
+              </a:solidFill>
+              <a:latin typeface="Pragmatica" panose="020B0403040502020204" pitchFamily="34" charset="0"/>
+            </a:endParaRPr>
+          </a:p>
+          <a:p>
+            <a:pPr marL="142875">
+              <a:lnSpc>
+                <a:spcPct val="115000"/>
+              </a:lnSpc>
+              <a:spcBef>
+                <a:spcPts val="1125"/>
+              </a:spcBef>
+              <a:buClr>
+                <a:srgbClr val="C00000"/>
+              </a:buClr>
+              <a:buSzPts val="2100"/>
+            </a:pPr>
+            <a:endParaRPr lang="en-US" sz="3600" dirty="0">
+              <a:solidFill>
+                <a:srgbClr val="C00000"/>
+              </a:solidFill>
+              <a:latin typeface="Pragmatica" panose="020B0403040502020204"/>
+              <a:sym typeface="Consolas"/>
+            </a:endParaRPr>
+          </a:p>
+          <a:p>
+            <a:r>
+              <a:rPr lang="en-US" sz="5400" dirty="0">
+                <a:solidFill>
+                  <a:srgbClr val="CF3338"/>
+                </a:solidFill>
+                <a:latin typeface="Pragmatica" panose="020B0403040502020204" pitchFamily="34" charset="0"/>
+              </a:rPr>
+              <a:t>xlwings.org/book </a:t>
+            </a:r>
+          </a:p>
+        </p:txBody>
+      </p:sp>
+      <p:pic>
+        <p:nvPicPr>
+          <p:cNvPr id="1026" name="Picture 2" descr="Python for Excel">
+            <a:extLst>
+              <a:ext uri="{FF2B5EF4-FFF2-40B4-BE49-F238E27FC236}">
+                <a16:creationId xmlns:a16="http://schemas.microsoft.com/office/drawing/2014/main" id="{80644A9C-C912-1443-B13D-FF6D068A9C43}"/>
+              </a:ext>
+            </a:extLst>
+          </p:cNvPr>
+          <p:cNvPicPr>
+            <a:picLocks noChangeAspect="1" noChangeArrowheads="1"/>
+          </p:cNvPicPr>
+          <p:nvPr/>
+        </p:nvPicPr>
+        <p:blipFill>
+          <a:blip r:embed="rId4">
+            <a:extLst>
+              <a:ext uri="{28A0092B-C50C-407E-A947-70E740481C1C}">
+                <a14:useLocalDpi xmlns:a14="http://schemas.microsoft.com/office/drawing/2010/main" val="0"/>
+              </a:ext>
+            </a:extLst>
+          </a:blip>
+          <a:srcRect/>
+          <a:stretch>
+            <a:fillRect/>
+          </a:stretch>
+        </p:blipFill>
+        <p:spPr bwMode="auto">
+          <a:xfrm>
+            <a:off x="762000" y="4686300"/>
+            <a:ext cx="3810000" cy="5000625"/>
+          </a:xfrm>
+          <a:prstGeom prst="rect">
+            <a:avLst/>
+          </a:prstGeom>
+          <a:noFill/>
+          <a:extLst>
+            <a:ext uri="{909E8E84-426E-40DD-AFC4-6F175D3DCCD1}">
+              <a14:hiddenFill xmlns:a14="http://schemas.microsoft.com/office/drawing/2010/main">
+                <a:solidFill>
+                  <a:srgbClr val="FFFFFF"/>
+                </a:solidFill>
+              </a14:hiddenFill>
+            </a:ext>
+          </a:extLst>
+        </p:spPr>
+      </p:pic>
+    </p:spTree>
+    <p:extLst>
+      <p:ext uri="{BB962C8B-B14F-4D97-AF65-F5344CB8AC3E}">
+        <p14:creationId xmlns:p14="http://schemas.microsoft.com/office/powerpoint/2010/main" val="837451578"/>
+      </p:ext>
+    </p:extLst>
+  </p:cSld>
+  <p:clrMapOvr>
+    <a:masterClrMapping/>
+  </p:clrMapOvr>
+</p:sld>
+</file>
+
+<file path=ppt/slides/slide38.xml><?xml version="1.0" encoding="utf-8"?>
+<p:sld xmlns:a="http://schemas.openxmlformats.org/drawingml/2006/main" xmlns:r="http://schemas.openxmlformats.org/officeDocument/2006/relationships" xmlns:p="http://schemas.openxmlformats.org/presentationml/2006/main">
+  <p:cSld>
+    <p:spTree>
+      <p:nvGrpSpPr>
+        <p:cNvPr id="1" name="">
+          <a:extLst>
+            <a:ext uri="{FF2B5EF4-FFF2-40B4-BE49-F238E27FC236}">
+              <a16:creationId xmlns:a16="http://schemas.microsoft.com/office/drawing/2014/main" id="{1DCEF581-6BA9-4461-08BA-6D16F65F3328}"/>
+            </a:ext>
+          </a:extLst>
+        </p:cNvPr>
+        <p:cNvGrpSpPr/>
+        <p:nvPr/>
+      </p:nvGrpSpPr>
+      <p:grpSpPr>
+        <a:xfrm>
+          <a:off x="0" y="0"/>
+          <a:ext cx="0" cy="0"/>
+          <a:chOff x="0" y="0"/>
+          <a:chExt cx="0" cy="0"/>
+        </a:xfrm>
+      </p:grpSpPr>
+      <p:sp>
+        <p:nvSpPr>
+          <p:cNvPr id="4" name="Rectangle 3">
+            <a:extLst>
+              <a:ext uri="{FF2B5EF4-FFF2-40B4-BE49-F238E27FC236}">
+                <a16:creationId xmlns:a16="http://schemas.microsoft.com/office/drawing/2014/main" id="{086DF1D7-4393-B6A7-D04C-55B1E5B8B731}"/>
+              </a:ext>
+            </a:extLst>
+          </p:cNvPr>
+          <p:cNvSpPr/>
+          <p:nvPr/>
+        </p:nvSpPr>
+        <p:spPr>
+          <a:xfrm>
+            <a:off x="9861630" y="0"/>
+            <a:ext cx="8426370" cy="10287000"/>
+          </a:xfrm>
+          <a:prstGeom prst="rect">
+            <a:avLst/>
+          </a:prstGeom>
+          <a:solidFill>
+            <a:srgbClr val="CF3338"/>
+          </a:solidFill>
+          <a:ln>
+            <a:noFill/>
+          </a:ln>
+        </p:spPr>
+        <p:style>
+          <a:lnRef idx="2">
+            <a:schemeClr val="accent1">
+              <a:shade val="50000"/>
+            </a:schemeClr>
+          </a:lnRef>
+          <a:fillRef idx="1">
+            <a:schemeClr val="accent1"/>
+          </a:fillRef>
+          <a:effectRef idx="0">
+            <a:schemeClr val="accent1"/>
+          </a:effectRef>
+          <a:fontRef idx="minor">
+            <a:schemeClr val="lt1"/>
+          </a:fontRef>
+        </p:style>
+        <p:txBody>
+          <a:bodyPr rtlCol="0" anchor="ctr"/>
+          <a:lstStyle/>
+          <a:p>
+            <a:pPr algn="ctr"/>
+            <a:endParaRPr lang="en-US" sz="2700"/>
+          </a:p>
+        </p:txBody>
+      </p:sp>
+      <p:pic>
+        <p:nvPicPr>
+          <p:cNvPr id="2" name="Picture 1">
+            <a:extLst>
+              <a:ext uri="{FF2B5EF4-FFF2-40B4-BE49-F238E27FC236}">
+                <a16:creationId xmlns:a16="http://schemas.microsoft.com/office/drawing/2014/main" id="{310EF924-3C1C-4586-5E9A-2810C5DAD7C2}"/>
+              </a:ext>
+            </a:extLst>
+          </p:cNvPr>
+          <p:cNvPicPr>
+            <a:picLocks noChangeAspect="1"/>
+          </p:cNvPicPr>
+          <p:nvPr/>
+        </p:nvPicPr>
+        <p:blipFill rotWithShape="1">
+          <a:blip r:embed="rId3">
+            <a:extLst>
+              <a:ext uri="{28A0092B-C50C-407E-A947-70E740481C1C}">
+                <a14:useLocalDpi xmlns:a14="http://schemas.microsoft.com/office/drawing/2010/main" val="0"/>
+              </a:ext>
+            </a:extLst>
+          </a:blip>
+          <a:srcRect l="69227" t="33418" r="20112" b="50548"/>
+          <a:stretch/>
+        </p:blipFill>
+        <p:spPr>
+          <a:xfrm>
+            <a:off x="15579524" y="7544693"/>
+            <a:ext cx="2708477" cy="2987579"/>
+          </a:xfrm>
+          <a:prstGeom prst="rect">
+            <a:avLst/>
+          </a:prstGeom>
+        </p:spPr>
+      </p:pic>
+      <p:sp>
+        <p:nvSpPr>
+          <p:cNvPr id="3" name="TextBox 2">
+            <a:extLst>
+              <a:ext uri="{FF2B5EF4-FFF2-40B4-BE49-F238E27FC236}">
+                <a16:creationId xmlns:a16="http://schemas.microsoft.com/office/drawing/2014/main" id="{9C1992D3-0543-2919-A641-F8327941676A}"/>
+              </a:ext>
+            </a:extLst>
+          </p:cNvPr>
+          <p:cNvSpPr txBox="1"/>
+          <p:nvPr/>
+        </p:nvSpPr>
+        <p:spPr>
+          <a:xfrm>
+            <a:off x="260431" y="329879"/>
+            <a:ext cx="8906720" cy="3332707"/>
+          </a:xfrm>
+          <a:prstGeom prst="rect">
+            <a:avLst/>
+          </a:prstGeom>
+          <a:noFill/>
+        </p:spPr>
+        <p:txBody>
+          <a:bodyPr wrap="square" rtlCol="0">
+            <a:spAutoFit/>
+          </a:bodyPr>
+          <a:lstStyle/>
+          <a:p>
+            <a:r>
+              <a:rPr lang="en-US" sz="6000" b="1" dirty="0">
+                <a:solidFill>
+                  <a:srgbClr val="CF3338"/>
+                </a:solidFill>
+                <a:latin typeface="Pragmatica" panose="020B0403040502020204" pitchFamily="34" charset="0"/>
+              </a:rPr>
+              <a:t>Resource: </a:t>
+            </a:r>
+            <a:r>
+              <a:rPr lang="en-US" sz="6000" b="1" i="1" dirty="0">
+                <a:solidFill>
+                  <a:srgbClr val="CF3338"/>
+                </a:solidFill>
+                <a:latin typeface="Pragmatica" panose="020B0403040502020204" pitchFamily="34" charset="0"/>
+              </a:rPr>
+              <a:t>Modern Data Analytics in Excel</a:t>
+            </a:r>
+            <a:endParaRPr lang="en-US" sz="6000" b="1" dirty="0">
+              <a:solidFill>
+                <a:srgbClr val="CF3338"/>
+              </a:solidFill>
+              <a:latin typeface="Pragmatica" panose="020B0403040502020204" pitchFamily="34" charset="0"/>
+            </a:endParaRPr>
+          </a:p>
+          <a:p>
+            <a:pPr marL="142875">
+              <a:lnSpc>
+                <a:spcPct val="115000"/>
+              </a:lnSpc>
+              <a:spcBef>
+                <a:spcPts val="1125"/>
+              </a:spcBef>
+              <a:buClr>
+                <a:srgbClr val="C00000"/>
+              </a:buClr>
+              <a:buSzPts val="2100"/>
+            </a:pPr>
+            <a:endParaRPr lang="en-US" sz="3600" dirty="0">
+              <a:solidFill>
+                <a:srgbClr val="C00000"/>
+              </a:solidFill>
+              <a:latin typeface="Pragmatica" panose="020B0403040502020204"/>
+              <a:sym typeface="Consolas"/>
+            </a:endParaRPr>
+          </a:p>
+          <a:p>
             <a:r>
               <a:rPr lang="en-US" sz="4000" dirty="0">
                 <a:solidFill>
@@ -10959,7 +13490,7 @@
 </p:sld>
 </file>
 
-<file path=ppt/slides/slide31.xml><?xml version="1.0" encoding="utf-8"?>
+<file path=ppt/slides/slide39.xml><?xml version="1.0" encoding="utf-8"?>
 <p:sld xmlns:a="http://schemas.openxmlformats.org/drawingml/2006/main" xmlns:r="http://schemas.openxmlformats.org/officeDocument/2006/relationships" xmlns:p="http://schemas.openxmlformats.org/presentationml/2006/main">
   <p:cSld>
     <p:spTree>
@@ -11307,6 +13838,211 @@
     <p:extLst>
       <p:ext uri="{BB962C8B-B14F-4D97-AF65-F5344CB8AC3E}">
         <p14:creationId xmlns:p14="http://schemas.microsoft.com/office/powerpoint/2010/main" val="3953945792"/>
+      </p:ext>
+    </p:extLst>
+  </p:cSld>
+  <p:clrMapOvr>
+    <a:masterClrMapping/>
+  </p:clrMapOvr>
+</p:sld>
+</file>
+
+<file path=ppt/slides/slide40.xml><?xml version="1.0" encoding="utf-8"?>
+<p:sld xmlns:a="http://schemas.openxmlformats.org/drawingml/2006/main" xmlns:r="http://schemas.openxmlformats.org/officeDocument/2006/relationships" xmlns:p="http://schemas.openxmlformats.org/presentationml/2006/main">
+  <p:cSld>
+    <p:spTree>
+      <p:nvGrpSpPr>
+        <p:cNvPr id="1" name="">
+          <a:extLst>
+            <a:ext uri="{FF2B5EF4-FFF2-40B4-BE49-F238E27FC236}">
+              <a16:creationId xmlns:a16="http://schemas.microsoft.com/office/drawing/2014/main" id="{EF1E463E-B95A-1081-A311-382A020488A5}"/>
+            </a:ext>
+          </a:extLst>
+        </p:cNvPr>
+        <p:cNvGrpSpPr/>
+        <p:nvPr/>
+      </p:nvGrpSpPr>
+      <p:grpSpPr>
+        <a:xfrm>
+          <a:off x="0" y="0"/>
+          <a:ext cx="0" cy="0"/>
+          <a:chOff x="0" y="0"/>
+          <a:chExt cx="0" cy="0"/>
+        </a:xfrm>
+      </p:grpSpPr>
+      <p:pic>
+        <p:nvPicPr>
+          <p:cNvPr id="5" name="Picture 4">
+            <a:extLst>
+              <a:ext uri="{FF2B5EF4-FFF2-40B4-BE49-F238E27FC236}">
+                <a16:creationId xmlns:a16="http://schemas.microsoft.com/office/drawing/2014/main" id="{0BA3745D-0381-7CB8-8B1C-4CD718867129}"/>
+              </a:ext>
+            </a:extLst>
+          </p:cNvPr>
+          <p:cNvPicPr>
+            <a:picLocks noChangeAspect="1"/>
+          </p:cNvPicPr>
+          <p:nvPr/>
+        </p:nvPicPr>
+        <p:blipFill>
+          <a:blip r:embed="rId2"/>
+          <a:srcRect/>
+          <a:stretch/>
+        </p:blipFill>
+        <p:spPr>
+          <a:xfrm>
+            <a:off x="0" y="0"/>
+            <a:ext cx="18288000" cy="10287000"/>
+          </a:xfrm>
+          <a:prstGeom prst="rect">
+            <a:avLst/>
+          </a:prstGeom>
+        </p:spPr>
+      </p:pic>
+      <p:sp>
+        <p:nvSpPr>
+          <p:cNvPr id="2" name="Title 1">
+            <a:extLst>
+              <a:ext uri="{FF2B5EF4-FFF2-40B4-BE49-F238E27FC236}">
+                <a16:creationId xmlns:a16="http://schemas.microsoft.com/office/drawing/2014/main" id="{C46119E7-F102-A88C-7E8C-68C93E6308BE}"/>
+              </a:ext>
+            </a:extLst>
+          </p:cNvPr>
+          <p:cNvSpPr>
+            <a:spLocks noGrp="1"/>
+          </p:cNvSpPr>
+          <p:nvPr>
+            <p:ph type="ctrTitle"/>
+          </p:nvPr>
+        </p:nvSpPr>
+        <p:spPr>
+          <a:xfrm>
+            <a:off x="2286000" y="2598656"/>
+            <a:ext cx="13716000" cy="3581400"/>
+          </a:xfrm>
+        </p:spPr>
+        <p:txBody>
+          <a:bodyPr>
+            <a:normAutofit/>
+          </a:bodyPr>
+          <a:lstStyle/>
+          <a:p>
+            <a:r>
+              <a:rPr lang="en-US" sz="9900" b="1" dirty="0">
+                <a:solidFill>
+                  <a:srgbClr val="241F62"/>
+                </a:solidFill>
+                <a:latin typeface="+mn-lt"/>
+              </a:rPr>
+              <a:t>Python in Excel for Enhanced Data Analytics </a:t>
+            </a:r>
+            <a:endParaRPr lang="en-BG" sz="9900" b="1" dirty="0">
+              <a:solidFill>
+                <a:srgbClr val="241F62"/>
+              </a:solidFill>
+              <a:latin typeface="+mn-lt"/>
+            </a:endParaRPr>
+          </a:p>
+        </p:txBody>
+      </p:sp>
+      <p:pic>
+        <p:nvPicPr>
+          <p:cNvPr id="7" name="Picture 6">
+            <a:extLst>
+              <a:ext uri="{FF2B5EF4-FFF2-40B4-BE49-F238E27FC236}">
+                <a16:creationId xmlns:a16="http://schemas.microsoft.com/office/drawing/2014/main" id="{4629D4C7-03AE-2DE1-C0BC-BB67F87E53E3}"/>
+              </a:ext>
+            </a:extLst>
+          </p:cNvPr>
+          <p:cNvPicPr>
+            <a:picLocks noChangeAspect="1"/>
+          </p:cNvPicPr>
+          <p:nvPr/>
+        </p:nvPicPr>
+        <p:blipFill>
+          <a:blip r:embed="rId3"/>
+          <a:srcRect b="22069"/>
+          <a:stretch/>
+        </p:blipFill>
+        <p:spPr>
+          <a:xfrm>
+            <a:off x="8153400" y="8430867"/>
+            <a:ext cx="1981200" cy="979833"/>
+          </a:xfrm>
+          <a:prstGeom prst="rect">
+            <a:avLst/>
+          </a:prstGeom>
+        </p:spPr>
+      </p:pic>
+      <p:sp>
+        <p:nvSpPr>
+          <p:cNvPr id="3" name="Title 1">
+            <a:extLst>
+              <a:ext uri="{FF2B5EF4-FFF2-40B4-BE49-F238E27FC236}">
+                <a16:creationId xmlns:a16="http://schemas.microsoft.com/office/drawing/2014/main" id="{460ABF60-A4BA-4BDA-36E2-D77996A950BD}"/>
+              </a:ext>
+            </a:extLst>
+          </p:cNvPr>
+          <p:cNvSpPr txBox="1">
+            <a:spLocks/>
+          </p:cNvSpPr>
+          <p:nvPr/>
+        </p:nvSpPr>
+        <p:spPr>
+          <a:xfrm>
+            <a:off x="13454742" y="548858"/>
+            <a:ext cx="4082145" cy="945771"/>
+          </a:xfrm>
+          <a:prstGeom prst="rect">
+            <a:avLst/>
+          </a:prstGeom>
+        </p:spPr>
+        <p:txBody>
+          <a:bodyPr vert="horz" lIns="137160" tIns="68580" rIns="137160" bIns="68580" rtlCol="0" anchor="ctr">
+            <a:normAutofit/>
+          </a:bodyPr>
+          <a:lstStyle>
+            <a:lvl1pPr algn="l" defTabSz="914400" rtl="0" eaLnBrk="1" latinLnBrk="0" hangingPunct="1">
+              <a:lnSpc>
+                <a:spcPct val="90000"/>
+              </a:lnSpc>
+              <a:spcBef>
+                <a:spcPct val="0"/>
+              </a:spcBef>
+              <a:buNone/>
+              <a:defRPr sz="4800" b="1" kern="1200">
+                <a:solidFill>
+                  <a:schemeClr val="bg1"/>
+                </a:solidFill>
+                <a:latin typeface="+mn-lt"/>
+                <a:ea typeface="+mj-ea"/>
+                <a:cs typeface="+mj-cs"/>
+              </a:defRPr>
+            </a:lvl1pPr>
+          </a:lstStyle>
+          <a:p>
+            <a:r>
+              <a:rPr lang="en-GB" sz="4200" dirty="0">
+                <a:solidFill>
+                  <a:srgbClr val="241F62"/>
+                </a:solidFill>
+                <a:latin typeface="+mj-lt"/>
+              </a:rPr>
+              <a:t>George Mount</a:t>
+            </a:r>
+            <a:endParaRPr lang="en-BG" sz="4200" dirty="0">
+              <a:solidFill>
+                <a:srgbClr val="241F62"/>
+              </a:solidFill>
+              <a:latin typeface="+mj-lt"/>
+            </a:endParaRPr>
+          </a:p>
+        </p:txBody>
+      </p:sp>
+    </p:spTree>
+    <p:extLst>
+      <p:ext uri="{BB962C8B-B14F-4D97-AF65-F5344CB8AC3E}">
+        <p14:creationId xmlns:p14="http://schemas.microsoft.com/office/powerpoint/2010/main" val="2768925910"/>
       </p:ext>
     </p:extLst>
   </p:cSld>

--- a/python-in-excel-for-enhanced-data-analytics.pptx
+++ b/python-in-excel-for-enhanced-data-analytics.pptx
@@ -5,7 +5,7 @@
     <p:sldMasterId id="2147483648" r:id="rId1"/>
   </p:sldMasterIdLst>
   <p:notesMasterIdLst>
-    <p:notesMasterId r:id="rId42"/>
+    <p:notesMasterId r:id="rId41"/>
   </p:notesMasterIdLst>
   <p:sldIdLst>
     <p:sldId id="454" r:id="rId2"/>
@@ -26,38 +26,37 @@
     <p:sldId id="425" r:id="rId17"/>
     <p:sldId id="426" r:id="rId18"/>
     <p:sldId id="427" r:id="rId19"/>
-    <p:sldId id="429" r:id="rId20"/>
-    <p:sldId id="428" r:id="rId21"/>
-    <p:sldId id="430" r:id="rId22"/>
-    <p:sldId id="431" r:id="rId23"/>
-    <p:sldId id="459" r:id="rId24"/>
-    <p:sldId id="406" r:id="rId25"/>
-    <p:sldId id="409" r:id="rId26"/>
-    <p:sldId id="410" r:id="rId27"/>
-    <p:sldId id="416" r:id="rId28"/>
-    <p:sldId id="455" r:id="rId29"/>
-    <p:sldId id="449" r:id="rId30"/>
-    <p:sldId id="451" r:id="rId31"/>
-    <p:sldId id="450" r:id="rId32"/>
-    <p:sldId id="458" r:id="rId33"/>
-    <p:sldId id="456" r:id="rId34"/>
-    <p:sldId id="457" r:id="rId35"/>
-    <p:sldId id="420" r:id="rId36"/>
-    <p:sldId id="432" r:id="rId37"/>
-    <p:sldId id="421" r:id="rId38"/>
-    <p:sldId id="422" r:id="rId39"/>
-    <p:sldId id="417" r:id="rId40"/>
-    <p:sldId id="460" r:id="rId41"/>
+    <p:sldId id="428" r:id="rId20"/>
+    <p:sldId id="430" r:id="rId21"/>
+    <p:sldId id="431" r:id="rId22"/>
+    <p:sldId id="459" r:id="rId23"/>
+    <p:sldId id="406" r:id="rId24"/>
+    <p:sldId id="409" r:id="rId25"/>
+    <p:sldId id="410" r:id="rId26"/>
+    <p:sldId id="416" r:id="rId27"/>
+    <p:sldId id="455" r:id="rId28"/>
+    <p:sldId id="449" r:id="rId29"/>
+    <p:sldId id="451" r:id="rId30"/>
+    <p:sldId id="450" r:id="rId31"/>
+    <p:sldId id="458" r:id="rId32"/>
+    <p:sldId id="456" r:id="rId33"/>
+    <p:sldId id="457" r:id="rId34"/>
+    <p:sldId id="420" r:id="rId35"/>
+    <p:sldId id="432" r:id="rId36"/>
+    <p:sldId id="421" r:id="rId37"/>
+    <p:sldId id="422" r:id="rId38"/>
+    <p:sldId id="417" r:id="rId39"/>
+    <p:sldId id="460" r:id="rId40"/>
   </p:sldIdLst>
   <p:sldSz cx="18288000" cy="10287000"/>
   <p:notesSz cx="6858000" cy="9144000"/>
   <p:embeddedFontLst>
     <p:embeddedFont>
       <p:font typeface="Consolas" panose="020B0609020204030204" pitchFamily="49" charset="0"/>
-      <p:regular r:id="rId43"/>
-      <p:bold r:id="rId44"/>
-      <p:italic r:id="rId45"/>
-      <p:boldItalic r:id="rId46"/>
+      <p:regular r:id="rId42"/>
+      <p:bold r:id="rId43"/>
+      <p:italic r:id="rId44"/>
+      <p:boldItalic r:id="rId45"/>
     </p:embeddedFont>
   </p:embeddedFontLst>
   <p:defaultTextStyle>
@@ -738,7 +737,7 @@
           <a:p>
             <a:fld id="{1300335D-9F13-4B80-ADC5-B0EA3E10FF6B}" type="slidenum">
               <a:rPr lang="en-US" smtClean="0"/>
-              <a:t>22</a:t>
+              <a:t>21</a:t>
             </a:fld>
             <a:endParaRPr lang="en-US"/>
           </a:p>
@@ -846,7 +845,7 @@
           <a:p>
             <a:fld id="{1300335D-9F13-4B80-ADC5-B0EA3E10FF6B}" type="slidenum">
               <a:rPr lang="en-US" smtClean="0"/>
-              <a:t>25</a:t>
+              <a:t>24</a:t>
             </a:fld>
             <a:endParaRPr lang="en-US"/>
           </a:p>
@@ -954,7 +953,7 @@
           <a:p>
             <a:fld id="{1300335D-9F13-4B80-ADC5-B0EA3E10FF6B}" type="slidenum">
               <a:rPr lang="en-US" smtClean="0"/>
-              <a:t>26</a:t>
+              <a:t>25</a:t>
             </a:fld>
             <a:endParaRPr lang="en-US"/>
           </a:p>
@@ -1086,7 +1085,7 @@
           <a:p>
             <a:fld id="{1300335D-9F13-4B80-ADC5-B0EA3E10FF6B}" type="slidenum">
               <a:rPr lang="en-US" smtClean="0"/>
-              <a:t>29</a:t>
+              <a:t>28</a:t>
             </a:fld>
             <a:endParaRPr lang="en-US"/>
           </a:p>
@@ -1218,7 +1217,7 @@
           <a:p>
             <a:fld id="{1300335D-9F13-4B80-ADC5-B0EA3E10FF6B}" type="slidenum">
               <a:rPr lang="en-US" smtClean="0"/>
-              <a:t>30</a:t>
+              <a:t>29</a:t>
             </a:fld>
             <a:endParaRPr lang="en-US"/>
           </a:p>
@@ -1350,7 +1349,7 @@
           <a:p>
             <a:fld id="{1300335D-9F13-4B80-ADC5-B0EA3E10FF6B}" type="slidenum">
               <a:rPr lang="en-US" smtClean="0"/>
-              <a:t>31</a:t>
+              <a:t>30</a:t>
             </a:fld>
             <a:endParaRPr lang="en-US"/>
           </a:p>
@@ -1482,7 +1481,7 @@
           <a:p>
             <a:fld id="{1300335D-9F13-4B80-ADC5-B0EA3E10FF6B}" type="slidenum">
               <a:rPr lang="en-US" smtClean="0"/>
-              <a:t>34</a:t>
+              <a:t>33</a:t>
             </a:fld>
             <a:endParaRPr lang="en-US"/>
           </a:p>
@@ -1614,7 +1613,7 @@
           <a:p>
             <a:fld id="{1300335D-9F13-4B80-ADC5-B0EA3E10FF6B}" type="slidenum">
               <a:rPr lang="en-US" smtClean="0"/>
-              <a:t>36</a:t>
+              <a:t>35</a:t>
             </a:fld>
             <a:endParaRPr lang="en-US"/>
           </a:p>
@@ -1746,7 +1745,7 @@
           <a:p>
             <a:fld id="{1300335D-9F13-4B80-ADC5-B0EA3E10FF6B}" type="slidenum">
               <a:rPr lang="en-US" smtClean="0"/>
-              <a:t>37</a:t>
+              <a:t>36</a:t>
             </a:fld>
             <a:endParaRPr lang="en-US"/>
           </a:p>
@@ -1878,7 +1877,7 @@
           <a:p>
             <a:fld id="{1300335D-9F13-4B80-ADC5-B0EA3E10FF6B}" type="slidenum">
               <a:rPr lang="en-US" smtClean="0"/>
-              <a:t>38</a:t>
+              <a:t>37</a:t>
             </a:fld>
             <a:endParaRPr lang="en-US"/>
           </a:p>
@@ -2730,7 +2729,7 @@
           <a:p>
             <a:fld id="{1300335D-9F13-4B80-ADC5-B0EA3E10FF6B}" type="slidenum">
               <a:rPr lang="en-US" smtClean="0"/>
-              <a:t>20</a:t>
+              <a:t>19</a:t>
             </a:fld>
             <a:endParaRPr lang="en-US"/>
           </a:p>
@@ -2862,7 +2861,7 @@
           <a:p>
             <a:fld id="{1300335D-9F13-4B80-ADC5-B0EA3E10FF6B}" type="slidenum">
               <a:rPr lang="en-US" smtClean="0"/>
-              <a:t>21</a:t>
+              <a:t>20</a:t>
             </a:fld>
             <a:endParaRPr lang="en-US"/>
           </a:p>
@@ -7975,7 +7974,7 @@
         <p:cNvPr id="1" name="">
           <a:extLst>
             <a:ext uri="{FF2B5EF4-FFF2-40B4-BE49-F238E27FC236}">
-              <a16:creationId xmlns:a16="http://schemas.microsoft.com/office/drawing/2014/main" id="{AA67AD2B-0AF9-6794-CE8E-D62EA67EAD53}"/>
+              <a16:creationId xmlns:a16="http://schemas.microsoft.com/office/drawing/2014/main" id="{FD1AEBD9-88BF-FCB2-5906-2DDB1D038BF7}"/>
             </a:ext>
           </a:extLst>
         </p:cNvPr>
@@ -7992,150 +7991,62 @@
       </p:grpSpPr>
       <p:sp>
         <p:nvSpPr>
-          <p:cNvPr id="11" name="TextBox 10">
+          <p:cNvPr id="4" name="Rectangle 3">
             <a:extLst>
               <a:ext uri="{FF2B5EF4-FFF2-40B4-BE49-F238E27FC236}">
-                <a16:creationId xmlns:a16="http://schemas.microsoft.com/office/drawing/2014/main" id="{1B0F0A45-62C0-C4BA-B716-7EB8CF23AE1E}"/>
+                <a16:creationId xmlns:a16="http://schemas.microsoft.com/office/drawing/2014/main" id="{B23CD5E6-0CB5-F916-6D74-D9B293A9BBB1}"/>
               </a:ext>
             </a:extLst>
           </p:cNvPr>
-          <p:cNvSpPr txBox="1"/>
+          <p:cNvSpPr/>
           <p:nvPr/>
         </p:nvSpPr>
         <p:spPr>
           <a:xfrm>
-            <a:off x="520861" y="170082"/>
-            <a:ext cx="11979797" cy="1477328"/>
+            <a:off x="13944600" y="0"/>
+            <a:ext cx="4343400" cy="10287000"/>
           </a:xfrm>
           <a:prstGeom prst="rect">
             <a:avLst/>
           </a:prstGeom>
-          <a:noFill/>
-        </p:spPr>
-        <p:txBody>
-          <a:bodyPr wrap="square" rtlCol="0">
-            <a:spAutoFit/>
-          </a:bodyPr>
+          <a:solidFill>
+            <a:srgbClr val="CF3338"/>
+          </a:solidFill>
+          <a:ln>
+            <a:noFill/>
+          </a:ln>
+        </p:spPr>
+        <p:style>
+          <a:lnRef idx="2">
+            <a:schemeClr val="accent1">
+              <a:shade val="50000"/>
+            </a:schemeClr>
+          </a:lnRef>
+          <a:fillRef idx="1">
+            <a:schemeClr val="accent1"/>
+          </a:fillRef>
+          <a:effectRef idx="0">
+            <a:schemeClr val="accent1"/>
+          </a:effectRef>
+          <a:fontRef idx="minor">
+            <a:schemeClr val="lt1"/>
+          </a:fontRef>
+        </p:style>
+        <p:txBody>
+          <a:bodyPr rtlCol="0" anchor="ctr"/>
           <a:lstStyle/>
           <a:p>
-            <a:r>
-              <a:rPr lang="en-US" sz="9000" dirty="0">
-                <a:latin typeface="Aliens &amp; cows" panose="00000500000000000000" pitchFamily="2" charset="0"/>
-              </a:rPr>
-              <a:t>Availability</a:t>
-            </a:r>
-          </a:p>
-        </p:txBody>
-      </p:sp>
-      <p:sp>
-        <p:nvSpPr>
-          <p:cNvPr id="3" name="TextBox 2">
-            <a:extLst>
-              <a:ext uri="{FF2B5EF4-FFF2-40B4-BE49-F238E27FC236}">
-                <a16:creationId xmlns:a16="http://schemas.microsoft.com/office/drawing/2014/main" id="{E3D09862-105D-80D7-AB7D-27FFAD31EC05}"/>
-              </a:ext>
-            </a:extLst>
-          </p:cNvPr>
-          <p:cNvSpPr txBox="1"/>
-          <p:nvPr/>
-        </p:nvSpPr>
-        <p:spPr>
-          <a:xfrm>
-            <a:off x="520861" y="3191948"/>
-            <a:ext cx="14393120" cy="5078313"/>
-          </a:xfrm>
-          <a:prstGeom prst="rect">
-            <a:avLst/>
-          </a:prstGeom>
-          <a:noFill/>
-        </p:spPr>
-        <p:txBody>
-          <a:bodyPr wrap="square" rtlCol="0">
-            <a:spAutoFit/>
-          </a:bodyPr>
-          <a:lstStyle/>
-          <a:p>
-            <a:pPr marL="685800" indent="-685800">
-              <a:buClr>
-                <a:srgbClr val="CF3338"/>
-              </a:buClr>
-              <a:buFont typeface="Arial" panose="020B0604020202020204" pitchFamily="34" charset="0"/>
-              <a:buChar char="•"/>
-            </a:pPr>
-            <a:r>
-              <a:rPr lang="en-US" sz="5400" dirty="0">
-                <a:solidFill>
-                  <a:srgbClr val="CF3338"/>
-                </a:solidFill>
-                <a:latin typeface="Pragmatica" panose="020B0403040502020204" pitchFamily="34" charset="0"/>
-                <a:hlinkClick r:id="rId2">
-                  <a:extLst>
-                    <a:ext uri="{A12FA001-AC4F-418D-AE19-62706E023703}">
-                      <ahyp:hlinkClr xmlns:ahyp="http://schemas.microsoft.com/office/drawing/2018/hyperlinkcolor" val="tx"/>
-                    </a:ext>
-                  </a:extLst>
-                </a:hlinkClick>
-              </a:rPr>
-              <a:t>Availability notes here</a:t>
-            </a:r>
-            <a:endParaRPr lang="en-US" sz="5400" dirty="0">
-              <a:solidFill>
-                <a:srgbClr val="CF3338"/>
-              </a:solidFill>
-              <a:latin typeface="Pragmatica" panose="020B0403040502020204" pitchFamily="34" charset="0"/>
-            </a:endParaRPr>
-          </a:p>
-          <a:p>
-            <a:pPr marL="1143000" lvl="1" indent="-685800">
-              <a:buClr>
-                <a:srgbClr val="CF3338"/>
-              </a:buClr>
-              <a:buFont typeface="Arial" panose="020B0604020202020204" pitchFamily="34" charset="0"/>
-              <a:buChar char="•"/>
-            </a:pPr>
-            <a:r>
-              <a:rPr lang="en-US" sz="5400" dirty="0">
-                <a:solidFill>
-                  <a:srgbClr val="707070"/>
-                </a:solidFill>
-                <a:latin typeface="Pragmatica" panose="020B0403040502020204" pitchFamily="34" charset="0"/>
-              </a:rPr>
-              <a:t>Copilot in Excel with Python is currently available only on Windows, in the United States, and in the English language, and it is available exclusively to users in the </a:t>
-            </a:r>
-            <a:r>
-              <a:rPr lang="en-US" sz="5400" dirty="0">
-                <a:solidFill>
-                  <a:srgbClr val="CF3338"/>
-                </a:solidFill>
-                <a:latin typeface="Pragmatica" panose="020B0403040502020204" pitchFamily="34" charset="0"/>
-                <a:hlinkClick r:id="rId3">
-                  <a:extLst>
-                    <a:ext uri="{A12FA001-AC4F-418D-AE19-62706E023703}">
-                      <ahyp:hlinkClr xmlns:ahyp="http://schemas.microsoft.com/office/drawing/2018/hyperlinkcolor" val="tx"/>
-                    </a:ext>
-                  </a:extLst>
-                </a:hlinkClick>
-              </a:rPr>
-              <a:t>Microsoft 365 Insider Program</a:t>
-            </a:r>
-            <a:r>
-              <a:rPr lang="en-US" sz="5400" dirty="0">
-                <a:solidFill>
-                  <a:srgbClr val="707070"/>
-                </a:solidFill>
-                <a:latin typeface="Pragmatica" panose="020B0403040502020204" pitchFamily="34" charset="0"/>
-              </a:rPr>
-              <a:t>. </a:t>
-            </a:r>
+            <a:pPr algn="ctr"/>
+            <a:endParaRPr lang="en-US" sz="2700"/>
           </a:p>
         </p:txBody>
       </p:sp>
       <p:pic>
         <p:nvPicPr>
-          <p:cNvPr id="15" name="Picture 14" descr="A close up of a sign&#10;&#10;Description automatically generated">
+          <p:cNvPr id="2" name="Picture 1">
             <a:extLst>
               <a:ext uri="{FF2B5EF4-FFF2-40B4-BE49-F238E27FC236}">
-                <a16:creationId xmlns:a16="http://schemas.microsoft.com/office/drawing/2014/main" id="{CC02DC8B-7C95-B47D-1395-CE86326409BD}"/>
+                <a16:creationId xmlns:a16="http://schemas.microsoft.com/office/drawing/2014/main" id="{C3D82780-5819-77D2-1B48-D4B4B7A74AB4}"/>
               </a:ext>
             </a:extLst>
           </p:cNvPr>
@@ -8144,32 +8055,214 @@
           </p:cNvPicPr>
           <p:nvPr/>
         </p:nvPicPr>
-        <p:blipFill>
-          <a:blip r:embed="rId4">
+        <p:blipFill rotWithShape="1">
+          <a:blip r:embed="rId3">
             <a:extLst>
               <a:ext uri="{28A0092B-C50C-407E-A947-70E740481C1C}">
                 <a14:useLocalDpi xmlns:a14="http://schemas.microsoft.com/office/drawing/2010/main" val="0"/>
               </a:ext>
             </a:extLst>
           </a:blip>
-          <a:stretch>
-            <a:fillRect/>
-          </a:stretch>
+          <a:srcRect l="69227" t="33418" r="20112" b="50548"/>
+          <a:stretch/>
         </p:blipFill>
         <p:spPr>
           <a:xfrm>
-            <a:off x="16341036" y="8058429"/>
-            <a:ext cx="1942857" cy="2228571"/>
+            <a:off x="15579524" y="7544693"/>
+            <a:ext cx="2708477" cy="2987579"/>
           </a:xfrm>
           <a:prstGeom prst="rect">
             <a:avLst/>
           </a:prstGeom>
         </p:spPr>
       </p:pic>
+      <p:sp>
+        <p:nvSpPr>
+          <p:cNvPr id="3" name="TextBox 2">
+            <a:extLst>
+              <a:ext uri="{FF2B5EF4-FFF2-40B4-BE49-F238E27FC236}">
+                <a16:creationId xmlns:a16="http://schemas.microsoft.com/office/drawing/2014/main" id="{A44DC700-0844-F8F3-62EA-7333CFC28A83}"/>
+              </a:ext>
+            </a:extLst>
+          </p:cNvPr>
+          <p:cNvSpPr txBox="1"/>
+          <p:nvPr/>
+        </p:nvSpPr>
+        <p:spPr>
+          <a:xfrm>
+            <a:off x="260430" y="329879"/>
+            <a:ext cx="13912769" cy="9945287"/>
+          </a:xfrm>
+          <a:prstGeom prst="rect">
+            <a:avLst/>
+          </a:prstGeom>
+          <a:noFill/>
+        </p:spPr>
+        <p:txBody>
+          <a:bodyPr wrap="square" rtlCol="0">
+            <a:spAutoFit/>
+          </a:bodyPr>
+          <a:lstStyle/>
+          <a:p>
+            <a:r>
+              <a:rPr lang="en-US" sz="6000" b="1" dirty="0">
+                <a:solidFill>
+                  <a:srgbClr val="CF3338"/>
+                </a:solidFill>
+                <a:latin typeface="Pragmatica" panose="020B0403040502020204" pitchFamily="34" charset="0"/>
+              </a:rPr>
+              <a:t>Getting started with Advanced Analysis</a:t>
+            </a:r>
+          </a:p>
+          <a:p>
+            <a:endParaRPr lang="en-US" sz="4200" dirty="0">
+              <a:solidFill>
+                <a:srgbClr val="CF3338"/>
+              </a:solidFill>
+              <a:latin typeface="Pragmatica" panose="020B0403040502020204" pitchFamily="34" charset="0"/>
+            </a:endParaRPr>
+          </a:p>
+          <a:p>
+            <a:pPr marL="714375" indent="-571500">
+              <a:lnSpc>
+                <a:spcPct val="115000"/>
+              </a:lnSpc>
+              <a:spcBef>
+                <a:spcPts val="1125"/>
+              </a:spcBef>
+              <a:buClr>
+                <a:srgbClr val="C00000"/>
+              </a:buClr>
+              <a:buSzPts val="2100"/>
+              <a:buFont typeface="Arial" panose="020B0604020202020204" pitchFamily="34" charset="0"/>
+              <a:buChar char="•"/>
+            </a:pPr>
+            <a:r>
+              <a:rPr lang="en-US" sz="4800" dirty="0">
+                <a:solidFill>
+                  <a:srgbClr val="C00000"/>
+                </a:solidFill>
+                <a:latin typeface="Pragmatica" panose="020B0403040502020204"/>
+                <a:sym typeface="Consolas"/>
+              </a:rPr>
+              <a:t>Load &amp; begin iterative analysis process with Copilot and Python </a:t>
+            </a:r>
+          </a:p>
+          <a:p>
+            <a:pPr marL="714375" indent="-571500">
+              <a:lnSpc>
+                <a:spcPct val="115000"/>
+              </a:lnSpc>
+              <a:spcBef>
+                <a:spcPts val="1125"/>
+              </a:spcBef>
+              <a:buClr>
+                <a:srgbClr val="C00000"/>
+              </a:buClr>
+              <a:buSzPts val="2100"/>
+              <a:buFont typeface="Arial" panose="020B0604020202020204" pitchFamily="34" charset="0"/>
+              <a:buChar char="•"/>
+            </a:pPr>
+            <a:r>
+              <a:rPr lang="en-US" sz="4800" dirty="0">
+                <a:solidFill>
+                  <a:srgbClr val="C00000"/>
+                </a:solidFill>
+                <a:latin typeface="Pragmatica" panose="020B0403040502020204"/>
+                <a:sym typeface="Consolas"/>
+              </a:rPr>
+              <a:t>Become an active participant and learner for best results</a:t>
+            </a:r>
+          </a:p>
+          <a:p>
+            <a:pPr marL="714375" indent="-571500">
+              <a:lnSpc>
+                <a:spcPct val="115000"/>
+              </a:lnSpc>
+              <a:spcBef>
+                <a:spcPts val="1125"/>
+              </a:spcBef>
+              <a:buClr>
+                <a:srgbClr val="C00000"/>
+              </a:buClr>
+              <a:buSzPts val="2100"/>
+              <a:buFont typeface="Arial" panose="020B0604020202020204" pitchFamily="34" charset="0"/>
+              <a:buChar char="•"/>
+            </a:pPr>
+            <a:r>
+              <a:rPr lang="en-US" sz="4800" dirty="0">
+                <a:solidFill>
+                  <a:srgbClr val="C00000"/>
+                </a:solidFill>
+                <a:latin typeface="Pragmatica" panose="020B0403040502020204"/>
+                <a:sym typeface="Consolas"/>
+              </a:rPr>
+              <a:t>Worksheet: </a:t>
+            </a:r>
+            <a:r>
+              <a:rPr lang="en-US" sz="4800" dirty="0">
+                <a:solidFill>
+                  <a:srgbClr val="C00000"/>
+                </a:solidFill>
+                <a:latin typeface="Consolas" panose="020B0609020204030204" pitchFamily="49" charset="0"/>
+                <a:sym typeface="Consolas"/>
+              </a:rPr>
+              <a:t>penguins</a:t>
+            </a:r>
+            <a:endParaRPr lang="en-US" sz="4800" dirty="0">
+              <a:solidFill>
+                <a:srgbClr val="CF3338"/>
+              </a:solidFill>
+              <a:latin typeface="Consolas" panose="020B0609020204030204" pitchFamily="49" charset="0"/>
+              <a:sym typeface="Consolas"/>
+            </a:endParaRPr>
+          </a:p>
+          <a:p>
+            <a:pPr marL="714375" indent="-571500">
+              <a:lnSpc>
+                <a:spcPct val="115000"/>
+              </a:lnSpc>
+              <a:spcBef>
+                <a:spcPts val="1125"/>
+              </a:spcBef>
+              <a:buClr>
+                <a:srgbClr val="C00000"/>
+              </a:buClr>
+              <a:buSzPts val="2100"/>
+              <a:buFont typeface="Arial" panose="020B0604020202020204" pitchFamily="34" charset="0"/>
+              <a:buChar char="•"/>
+            </a:pPr>
+            <a:r>
+              <a:rPr lang="en-US" sz="4800" dirty="0">
+                <a:solidFill>
+                  <a:srgbClr val="C00000"/>
+                </a:solidFill>
+                <a:latin typeface="Pragmatica" panose="020B0403040502020204"/>
+                <a:sym typeface="Consolas"/>
+              </a:rPr>
+              <a:t>Resource: https://stringfestanalytics.com/how-to-get-started-with-advanced-analysis-with-python-for-copilot-in-excel/</a:t>
+            </a:r>
+            <a:endParaRPr lang="en-US" sz="4800" dirty="0">
+              <a:solidFill>
+                <a:srgbClr val="CF3338"/>
+              </a:solidFill>
+              <a:latin typeface="Pragmatica" panose="020B0403040502020204"/>
+            </a:endParaRPr>
+          </a:p>
+          <a:p>
+            <a:endParaRPr lang="en-US" sz="6000" dirty="0">
+              <a:solidFill>
+                <a:srgbClr val="CF3338"/>
+              </a:solidFill>
+              <a:latin typeface="Pragmatica" panose="020B0403040502020204" pitchFamily="34" charset="0"/>
+            </a:endParaRPr>
+          </a:p>
+        </p:txBody>
+      </p:sp>
     </p:spTree>
     <p:extLst>
       <p:ext uri="{BB962C8B-B14F-4D97-AF65-F5344CB8AC3E}">
-        <p14:creationId xmlns:p14="http://schemas.microsoft.com/office/powerpoint/2010/main" val="1604062457"/>
+        <p14:creationId xmlns:p14="http://schemas.microsoft.com/office/powerpoint/2010/main" val="61245617"/>
       </p:ext>
     </p:extLst>
   </p:cSld>
@@ -8551,7 +8644,7 @@
         <p:cNvPr id="1" name="">
           <a:extLst>
             <a:ext uri="{FF2B5EF4-FFF2-40B4-BE49-F238E27FC236}">
-              <a16:creationId xmlns:a16="http://schemas.microsoft.com/office/drawing/2014/main" id="{FD1AEBD9-88BF-FCB2-5906-2DDB1D038BF7}"/>
+              <a16:creationId xmlns:a16="http://schemas.microsoft.com/office/drawing/2014/main" id="{A6C41F74-A120-1045-29C3-9C50E7F54C5F}"/>
             </a:ext>
           </a:extLst>
         </p:cNvPr>
@@ -8571,7 +8664,7 @@
           <p:cNvPr id="4" name="Rectangle 3">
             <a:extLst>
               <a:ext uri="{FF2B5EF4-FFF2-40B4-BE49-F238E27FC236}">
-                <a16:creationId xmlns:a16="http://schemas.microsoft.com/office/drawing/2014/main" id="{B23CD5E6-0CB5-F916-6D74-D9B293A9BBB1}"/>
+                <a16:creationId xmlns:a16="http://schemas.microsoft.com/office/drawing/2014/main" id="{B6E48D19-E80B-0C8E-43D8-10A61A56D4F0}"/>
               </a:ext>
             </a:extLst>
           </p:cNvPr>
@@ -8580,8 +8673,8 @@
         </p:nvSpPr>
         <p:spPr>
           <a:xfrm>
-            <a:off x="13944600" y="0"/>
-            <a:ext cx="4343400" cy="10287000"/>
+            <a:off x="11277600" y="0"/>
+            <a:ext cx="7010400" cy="10287000"/>
           </a:xfrm>
           <a:prstGeom prst="rect">
             <a:avLst/>
@@ -8623,312 +8716,6 @@
           <p:cNvPr id="2" name="Picture 1">
             <a:extLst>
               <a:ext uri="{FF2B5EF4-FFF2-40B4-BE49-F238E27FC236}">
-                <a16:creationId xmlns:a16="http://schemas.microsoft.com/office/drawing/2014/main" id="{C3D82780-5819-77D2-1B48-D4B4B7A74AB4}"/>
-              </a:ext>
-            </a:extLst>
-          </p:cNvPr>
-          <p:cNvPicPr>
-            <a:picLocks noChangeAspect="1"/>
-          </p:cNvPicPr>
-          <p:nvPr/>
-        </p:nvPicPr>
-        <p:blipFill rotWithShape="1">
-          <a:blip r:embed="rId3">
-            <a:extLst>
-              <a:ext uri="{28A0092B-C50C-407E-A947-70E740481C1C}">
-                <a14:useLocalDpi xmlns:a14="http://schemas.microsoft.com/office/drawing/2010/main" val="0"/>
-              </a:ext>
-            </a:extLst>
-          </a:blip>
-          <a:srcRect l="69227" t="33418" r="20112" b="50548"/>
-          <a:stretch/>
-        </p:blipFill>
-        <p:spPr>
-          <a:xfrm>
-            <a:off x="15579524" y="7544693"/>
-            <a:ext cx="2708477" cy="2987579"/>
-          </a:xfrm>
-          <a:prstGeom prst="rect">
-            <a:avLst/>
-          </a:prstGeom>
-        </p:spPr>
-      </p:pic>
-      <p:sp>
-        <p:nvSpPr>
-          <p:cNvPr id="3" name="TextBox 2">
-            <a:extLst>
-              <a:ext uri="{FF2B5EF4-FFF2-40B4-BE49-F238E27FC236}">
-                <a16:creationId xmlns:a16="http://schemas.microsoft.com/office/drawing/2014/main" id="{A44DC700-0844-F8F3-62EA-7333CFC28A83}"/>
-              </a:ext>
-            </a:extLst>
-          </p:cNvPr>
-          <p:cNvSpPr txBox="1"/>
-          <p:nvPr/>
-        </p:nvSpPr>
-        <p:spPr>
-          <a:xfrm>
-            <a:off x="260430" y="329879"/>
-            <a:ext cx="13912769" cy="9945287"/>
-          </a:xfrm>
-          <a:prstGeom prst="rect">
-            <a:avLst/>
-          </a:prstGeom>
-          <a:noFill/>
-        </p:spPr>
-        <p:txBody>
-          <a:bodyPr wrap="square" rtlCol="0">
-            <a:spAutoFit/>
-          </a:bodyPr>
-          <a:lstStyle/>
-          <a:p>
-            <a:r>
-              <a:rPr lang="en-US" sz="6000" b="1" dirty="0">
-                <a:solidFill>
-                  <a:srgbClr val="CF3338"/>
-                </a:solidFill>
-                <a:latin typeface="Pragmatica" panose="020B0403040502020204" pitchFamily="34" charset="0"/>
-              </a:rPr>
-              <a:t>Getting started with Advanced Analysis</a:t>
-            </a:r>
-          </a:p>
-          <a:p>
-            <a:endParaRPr lang="en-US" sz="4200" dirty="0">
-              <a:solidFill>
-                <a:srgbClr val="CF3338"/>
-              </a:solidFill>
-              <a:latin typeface="Pragmatica" panose="020B0403040502020204" pitchFamily="34" charset="0"/>
-            </a:endParaRPr>
-          </a:p>
-          <a:p>
-            <a:pPr marL="714375" indent="-571500">
-              <a:lnSpc>
-                <a:spcPct val="115000"/>
-              </a:lnSpc>
-              <a:spcBef>
-                <a:spcPts val="1125"/>
-              </a:spcBef>
-              <a:buClr>
-                <a:srgbClr val="C00000"/>
-              </a:buClr>
-              <a:buSzPts val="2100"/>
-              <a:buFont typeface="Arial" panose="020B0604020202020204" pitchFamily="34" charset="0"/>
-              <a:buChar char="•"/>
-            </a:pPr>
-            <a:r>
-              <a:rPr lang="en-US" sz="4800" dirty="0">
-                <a:solidFill>
-                  <a:srgbClr val="C00000"/>
-                </a:solidFill>
-                <a:latin typeface="Pragmatica" panose="020B0403040502020204"/>
-                <a:sym typeface="Consolas"/>
-              </a:rPr>
-              <a:t>Load &amp; begin iterative analysis process with Copilot and Python </a:t>
-            </a:r>
-          </a:p>
-          <a:p>
-            <a:pPr marL="714375" indent="-571500">
-              <a:lnSpc>
-                <a:spcPct val="115000"/>
-              </a:lnSpc>
-              <a:spcBef>
-                <a:spcPts val="1125"/>
-              </a:spcBef>
-              <a:buClr>
-                <a:srgbClr val="C00000"/>
-              </a:buClr>
-              <a:buSzPts val="2100"/>
-              <a:buFont typeface="Arial" panose="020B0604020202020204" pitchFamily="34" charset="0"/>
-              <a:buChar char="•"/>
-            </a:pPr>
-            <a:r>
-              <a:rPr lang="en-US" sz="4800" dirty="0">
-                <a:solidFill>
-                  <a:srgbClr val="C00000"/>
-                </a:solidFill>
-                <a:latin typeface="Pragmatica" panose="020B0403040502020204"/>
-                <a:sym typeface="Consolas"/>
-              </a:rPr>
-              <a:t>Become an active participant and learner for best results</a:t>
-            </a:r>
-          </a:p>
-          <a:p>
-            <a:pPr marL="714375" indent="-571500">
-              <a:lnSpc>
-                <a:spcPct val="115000"/>
-              </a:lnSpc>
-              <a:spcBef>
-                <a:spcPts val="1125"/>
-              </a:spcBef>
-              <a:buClr>
-                <a:srgbClr val="C00000"/>
-              </a:buClr>
-              <a:buSzPts val="2100"/>
-              <a:buFont typeface="Arial" panose="020B0604020202020204" pitchFamily="34" charset="0"/>
-              <a:buChar char="•"/>
-            </a:pPr>
-            <a:r>
-              <a:rPr lang="en-US" sz="4800" dirty="0">
-                <a:solidFill>
-                  <a:srgbClr val="C00000"/>
-                </a:solidFill>
-                <a:latin typeface="Pragmatica" panose="020B0403040502020204"/>
-                <a:sym typeface="Consolas"/>
-              </a:rPr>
-              <a:t>Worksheet: </a:t>
-            </a:r>
-            <a:r>
-              <a:rPr lang="en-US" sz="4800" dirty="0">
-                <a:solidFill>
-                  <a:srgbClr val="C00000"/>
-                </a:solidFill>
-                <a:latin typeface="Consolas" panose="020B0609020204030204" pitchFamily="49" charset="0"/>
-                <a:sym typeface="Consolas"/>
-              </a:rPr>
-              <a:t>penguins</a:t>
-            </a:r>
-            <a:endParaRPr lang="en-US" sz="4800" dirty="0">
-              <a:solidFill>
-                <a:srgbClr val="CF3338"/>
-              </a:solidFill>
-              <a:latin typeface="Consolas" panose="020B0609020204030204" pitchFamily="49" charset="0"/>
-              <a:sym typeface="Consolas"/>
-            </a:endParaRPr>
-          </a:p>
-          <a:p>
-            <a:pPr marL="714375" indent="-571500">
-              <a:lnSpc>
-                <a:spcPct val="115000"/>
-              </a:lnSpc>
-              <a:spcBef>
-                <a:spcPts val="1125"/>
-              </a:spcBef>
-              <a:buClr>
-                <a:srgbClr val="C00000"/>
-              </a:buClr>
-              <a:buSzPts val="2100"/>
-              <a:buFont typeface="Arial" panose="020B0604020202020204" pitchFamily="34" charset="0"/>
-              <a:buChar char="•"/>
-            </a:pPr>
-            <a:r>
-              <a:rPr lang="en-US" sz="4800" dirty="0">
-                <a:solidFill>
-                  <a:srgbClr val="C00000"/>
-                </a:solidFill>
-                <a:latin typeface="Pragmatica" panose="020B0403040502020204"/>
-                <a:sym typeface="Consolas"/>
-              </a:rPr>
-              <a:t>Resource: https://stringfestanalytics.com/how-to-get-started-with-advanced-analysis-with-python-for-copilot-in-excel/</a:t>
-            </a:r>
-            <a:endParaRPr lang="en-US" sz="4800" dirty="0">
-              <a:solidFill>
-                <a:srgbClr val="CF3338"/>
-              </a:solidFill>
-              <a:latin typeface="Pragmatica" panose="020B0403040502020204"/>
-            </a:endParaRPr>
-          </a:p>
-          <a:p>
-            <a:endParaRPr lang="en-US" sz="6000" dirty="0">
-              <a:solidFill>
-                <a:srgbClr val="CF3338"/>
-              </a:solidFill>
-              <a:latin typeface="Pragmatica" panose="020B0403040502020204" pitchFamily="34" charset="0"/>
-            </a:endParaRPr>
-          </a:p>
-        </p:txBody>
-      </p:sp>
-    </p:spTree>
-    <p:extLst>
-      <p:ext uri="{BB962C8B-B14F-4D97-AF65-F5344CB8AC3E}">
-        <p14:creationId xmlns:p14="http://schemas.microsoft.com/office/powerpoint/2010/main" val="61245617"/>
-      </p:ext>
-    </p:extLst>
-  </p:cSld>
-  <p:clrMapOvr>
-    <a:masterClrMapping/>
-  </p:clrMapOvr>
-</p:sld>
-</file>
-
-<file path=ppt/slides/slide21.xml><?xml version="1.0" encoding="utf-8"?>
-<p:sld xmlns:a="http://schemas.openxmlformats.org/drawingml/2006/main" xmlns:r="http://schemas.openxmlformats.org/officeDocument/2006/relationships" xmlns:p="http://schemas.openxmlformats.org/presentationml/2006/main">
-  <p:cSld>
-    <p:spTree>
-      <p:nvGrpSpPr>
-        <p:cNvPr id="1" name="">
-          <a:extLst>
-            <a:ext uri="{FF2B5EF4-FFF2-40B4-BE49-F238E27FC236}">
-              <a16:creationId xmlns:a16="http://schemas.microsoft.com/office/drawing/2014/main" id="{A6C41F74-A120-1045-29C3-9C50E7F54C5F}"/>
-            </a:ext>
-          </a:extLst>
-        </p:cNvPr>
-        <p:cNvGrpSpPr/>
-        <p:nvPr/>
-      </p:nvGrpSpPr>
-      <p:grpSpPr>
-        <a:xfrm>
-          <a:off x="0" y="0"/>
-          <a:ext cx="0" cy="0"/>
-          <a:chOff x="0" y="0"/>
-          <a:chExt cx="0" cy="0"/>
-        </a:xfrm>
-      </p:grpSpPr>
-      <p:sp>
-        <p:nvSpPr>
-          <p:cNvPr id="4" name="Rectangle 3">
-            <a:extLst>
-              <a:ext uri="{FF2B5EF4-FFF2-40B4-BE49-F238E27FC236}">
-                <a16:creationId xmlns:a16="http://schemas.microsoft.com/office/drawing/2014/main" id="{B6E48D19-E80B-0C8E-43D8-10A61A56D4F0}"/>
-              </a:ext>
-            </a:extLst>
-          </p:cNvPr>
-          <p:cNvSpPr/>
-          <p:nvPr/>
-        </p:nvSpPr>
-        <p:spPr>
-          <a:xfrm>
-            <a:off x="11277600" y="0"/>
-            <a:ext cx="7010400" cy="10287000"/>
-          </a:xfrm>
-          <a:prstGeom prst="rect">
-            <a:avLst/>
-          </a:prstGeom>
-          <a:solidFill>
-            <a:srgbClr val="CF3338"/>
-          </a:solidFill>
-          <a:ln>
-            <a:noFill/>
-          </a:ln>
-        </p:spPr>
-        <p:style>
-          <a:lnRef idx="2">
-            <a:schemeClr val="accent1">
-              <a:shade val="50000"/>
-            </a:schemeClr>
-          </a:lnRef>
-          <a:fillRef idx="1">
-            <a:schemeClr val="accent1"/>
-          </a:fillRef>
-          <a:effectRef idx="0">
-            <a:schemeClr val="accent1"/>
-          </a:effectRef>
-          <a:fontRef idx="minor">
-            <a:schemeClr val="lt1"/>
-          </a:fontRef>
-        </p:style>
-        <p:txBody>
-          <a:bodyPr rtlCol="0" anchor="ctr"/>
-          <a:lstStyle/>
-          <a:p>
-            <a:pPr algn="ctr"/>
-            <a:endParaRPr lang="en-US" sz="2700"/>
-          </a:p>
-        </p:txBody>
-      </p:sp>
-      <p:pic>
-        <p:nvPicPr>
-          <p:cNvPr id="2" name="Picture 1">
-            <a:extLst>
-              <a:ext uri="{FF2B5EF4-FFF2-40B4-BE49-F238E27FC236}">
                 <a16:creationId xmlns:a16="http://schemas.microsoft.com/office/drawing/2014/main" id="{692FA50A-95B4-21E6-3B0F-6D7F088D95C0}"/>
               </a:ext>
             </a:extLst>
@@ -9116,7 +8903,7 @@
 </p:sld>
 </file>
 
-<file path=ppt/slides/slide22.xml><?xml version="1.0" encoding="utf-8"?>
+<file path=ppt/slides/slide21.xml><?xml version="1.0" encoding="utf-8"?>
 <p:sld xmlns:a="http://schemas.openxmlformats.org/drawingml/2006/main" xmlns:r="http://schemas.openxmlformats.org/officeDocument/2006/relationships" xmlns:p="http://schemas.openxmlformats.org/presentationml/2006/main">
   <p:cSld>
     <p:spTree>
@@ -9447,7 +9234,7 @@
 </p:sld>
 </file>
 
-<file path=ppt/slides/slide23.xml><?xml version="1.0" encoding="utf-8"?>
+<file path=ppt/slides/slide22.xml><?xml version="1.0" encoding="utf-8"?>
 <p:sld xmlns:a="http://schemas.openxmlformats.org/drawingml/2006/main" xmlns:r="http://schemas.openxmlformats.org/officeDocument/2006/relationships" xmlns:p="http://schemas.openxmlformats.org/presentationml/2006/main">
   <p:cSld>
     <p:spTree>
@@ -9620,6 +9407,152 @@
     <p:extLst>
       <p:ext uri="{BB962C8B-B14F-4D97-AF65-F5344CB8AC3E}">
         <p14:creationId xmlns:p14="http://schemas.microsoft.com/office/powerpoint/2010/main" val="3014021687"/>
+      </p:ext>
+    </p:extLst>
+  </p:cSld>
+  <p:clrMapOvr>
+    <a:masterClrMapping/>
+  </p:clrMapOvr>
+</p:sld>
+</file>
+
+<file path=ppt/slides/slide23.xml><?xml version="1.0" encoding="utf-8"?>
+<p:sld xmlns:a="http://schemas.openxmlformats.org/drawingml/2006/main" xmlns:r="http://schemas.openxmlformats.org/officeDocument/2006/relationships" xmlns:p="http://schemas.openxmlformats.org/presentationml/2006/main">
+  <p:cSld>
+    <p:spTree>
+      <p:nvGrpSpPr>
+        <p:cNvPr id="1" name=""/>
+        <p:cNvGrpSpPr/>
+        <p:nvPr/>
+      </p:nvGrpSpPr>
+      <p:grpSpPr>
+        <a:xfrm>
+          <a:off x="0" y="0"/>
+          <a:ext cx="0" cy="0"/>
+          <a:chOff x="0" y="0"/>
+          <a:chExt cx="0" cy="0"/>
+        </a:xfrm>
+      </p:grpSpPr>
+      <p:sp>
+        <p:nvSpPr>
+          <p:cNvPr id="4" name="Rectangle 3"/>
+          <p:cNvSpPr/>
+          <p:nvPr/>
+        </p:nvSpPr>
+        <p:spPr>
+          <a:xfrm>
+            <a:off x="0" y="0"/>
+            <a:ext cx="18288000" cy="10287000"/>
+          </a:xfrm>
+          <a:prstGeom prst="rect">
+            <a:avLst/>
+          </a:prstGeom>
+          <a:solidFill>
+            <a:srgbClr val="CF3338"/>
+          </a:solidFill>
+          <a:ln>
+            <a:noFill/>
+          </a:ln>
+        </p:spPr>
+        <p:style>
+          <a:lnRef idx="2">
+            <a:schemeClr val="accent1">
+              <a:shade val="50000"/>
+            </a:schemeClr>
+          </a:lnRef>
+          <a:fillRef idx="1">
+            <a:schemeClr val="accent1"/>
+          </a:fillRef>
+          <a:effectRef idx="0">
+            <a:schemeClr val="accent1"/>
+          </a:effectRef>
+          <a:fontRef idx="minor">
+            <a:schemeClr val="lt1"/>
+          </a:fontRef>
+        </p:style>
+        <p:txBody>
+          <a:bodyPr rtlCol="0" anchor="ctr"/>
+          <a:lstStyle/>
+          <a:p>
+            <a:pPr algn="ctr"/>
+            <a:endParaRPr lang="en-US" sz="2700"/>
+          </a:p>
+        </p:txBody>
+      </p:sp>
+      <p:sp>
+        <p:nvSpPr>
+          <p:cNvPr id="5" name="TextBox 4"/>
+          <p:cNvSpPr txBox="1"/>
+          <p:nvPr/>
+        </p:nvSpPr>
+        <p:spPr>
+          <a:xfrm>
+            <a:off x="781292" y="590309"/>
+            <a:ext cx="15486926" cy="4662815"/>
+          </a:xfrm>
+          <a:prstGeom prst="rect">
+            <a:avLst/>
+          </a:prstGeom>
+          <a:noFill/>
+        </p:spPr>
+        <p:txBody>
+          <a:bodyPr wrap="square" rtlCol="0">
+            <a:spAutoFit/>
+          </a:bodyPr>
+          <a:lstStyle/>
+          <a:p>
+            <a:r>
+              <a:rPr lang="en-US" sz="9900" b="1" dirty="0">
+                <a:solidFill>
+                  <a:schemeClr val="bg1"/>
+                </a:solidFill>
+                <a:latin typeface="Normafixed Tryout" panose="00000409000000000000" pitchFamily="49" charset="0"/>
+              </a:rPr>
+              <a:t>5. There’s more to Python </a:t>
+            </a:r>
+            <a:r>
+              <a:rPr lang="en-US" sz="9900" b="1" i="1" dirty="0">
+                <a:solidFill>
+                  <a:schemeClr val="bg1"/>
+                </a:solidFill>
+                <a:latin typeface="Normafixed Tryout" panose="00000409000000000000" pitchFamily="49" charset="0"/>
+              </a:rPr>
+              <a:t>and </a:t>
+            </a:r>
+            <a:r>
+              <a:rPr lang="en-US" sz="9900" b="1" dirty="0">
+                <a:solidFill>
+                  <a:schemeClr val="bg1"/>
+                </a:solidFill>
+                <a:latin typeface="Normafixed Tryout" panose="00000409000000000000" pitchFamily="49" charset="0"/>
+              </a:rPr>
+              <a:t>Excel than Python </a:t>
+            </a:r>
+            <a:r>
+              <a:rPr lang="en-US" sz="9900" b="1" i="1" dirty="0">
+                <a:solidFill>
+                  <a:schemeClr val="bg1"/>
+                </a:solidFill>
+                <a:latin typeface="Normafixed Tryout" panose="00000409000000000000" pitchFamily="49" charset="0"/>
+              </a:rPr>
+              <a:t>in </a:t>
+            </a:r>
+            <a:r>
+              <a:rPr lang="en-US" sz="9900" b="1" dirty="0">
+                <a:solidFill>
+                  <a:schemeClr val="bg1"/>
+                </a:solidFill>
+                <a:latin typeface="Normafixed Tryout" panose="00000409000000000000" pitchFamily="49" charset="0"/>
+              </a:rPr>
+              <a:t>Excel</a:t>
+            </a:r>
+          </a:p>
+        </p:txBody>
+      </p:sp>
+    </p:spTree>
+    <p:extLst>
+      <p:ext uri="{BB962C8B-B14F-4D97-AF65-F5344CB8AC3E}">
+        <p14:creationId xmlns:p14="http://schemas.microsoft.com/office/powerpoint/2010/main" val="1915421395"/>
       </p:ext>
     </p:extLst>
   </p:cSld>
@@ -9654,8 +9587,8 @@
         </p:nvSpPr>
         <p:spPr>
           <a:xfrm>
-            <a:off x="0" y="0"/>
-            <a:ext cx="18288000" cy="10287000"/>
+            <a:off x="9861630" y="0"/>
+            <a:ext cx="8426370" cy="10287000"/>
           </a:xfrm>
           <a:prstGeom prst="rect">
             <a:avLst/>
@@ -9692,16 +9625,45 @@
           </a:p>
         </p:txBody>
       </p:sp>
-      <p:sp>
-        <p:nvSpPr>
-          <p:cNvPr id="5" name="TextBox 4"/>
+      <p:pic>
+        <p:nvPicPr>
+          <p:cNvPr id="2" name="Picture 1"/>
+          <p:cNvPicPr>
+            <a:picLocks noChangeAspect="1"/>
+          </p:cNvPicPr>
+          <p:nvPr/>
+        </p:nvPicPr>
+        <p:blipFill rotWithShape="1">
+          <a:blip r:embed="rId3">
+            <a:extLst>
+              <a:ext uri="{28A0092B-C50C-407E-A947-70E740481C1C}">
+                <a14:useLocalDpi xmlns:a14="http://schemas.microsoft.com/office/drawing/2010/main" val="0"/>
+              </a:ext>
+            </a:extLst>
+          </a:blip>
+          <a:srcRect l="69227" t="33418" r="20112" b="50548"/>
+          <a:stretch/>
+        </p:blipFill>
+        <p:spPr>
+          <a:xfrm>
+            <a:off x="15579524" y="7544693"/>
+            <a:ext cx="2708477" cy="2987579"/>
+          </a:xfrm>
+          <a:prstGeom prst="rect">
+            <a:avLst/>
+          </a:prstGeom>
+        </p:spPr>
+      </p:pic>
+      <p:sp>
+        <p:nvSpPr>
+          <p:cNvPr id="3" name="TextBox 2"/>
           <p:cNvSpPr txBox="1"/>
           <p:nvPr/>
         </p:nvSpPr>
         <p:spPr>
           <a:xfrm>
-            <a:off x="781292" y="590309"/>
-            <a:ext cx="15486926" cy="4662815"/>
+            <a:off x="260431" y="329879"/>
+            <a:ext cx="8906720" cy="9596986"/>
           </a:xfrm>
           <a:prstGeom prst="rect">
             <a:avLst/>
@@ -9715,57 +9677,214 @@
           <a:lstStyle/>
           <a:p>
             <a:r>
-              <a:rPr lang="en-US" sz="9900" b="1" dirty="0">
-                <a:solidFill>
-                  <a:schemeClr val="bg1"/>
-                </a:solidFill>
-                <a:latin typeface="Normafixed Tryout" panose="00000409000000000000" pitchFamily="49" charset="0"/>
-              </a:rPr>
-              <a:t>5. There’s more to Python </a:t>
-            </a:r>
-            <a:r>
-              <a:rPr lang="en-US" sz="9900" b="1" i="1" dirty="0">
-                <a:solidFill>
-                  <a:schemeClr val="bg1"/>
-                </a:solidFill>
-                <a:latin typeface="Normafixed Tryout" panose="00000409000000000000" pitchFamily="49" charset="0"/>
-              </a:rPr>
-              <a:t>and </a:t>
-            </a:r>
-            <a:r>
-              <a:rPr lang="en-US" sz="9900" b="1" dirty="0">
-                <a:solidFill>
-                  <a:schemeClr val="bg1"/>
-                </a:solidFill>
-                <a:latin typeface="Normafixed Tryout" panose="00000409000000000000" pitchFamily="49" charset="0"/>
-              </a:rPr>
-              <a:t>Excel than Python </a:t>
-            </a:r>
-            <a:r>
-              <a:rPr lang="en-US" sz="9900" b="1" i="1" dirty="0">
-                <a:solidFill>
-                  <a:schemeClr val="bg1"/>
-                </a:solidFill>
-                <a:latin typeface="Normafixed Tryout" panose="00000409000000000000" pitchFamily="49" charset="0"/>
+              <a:rPr lang="en-US" sz="6000" b="1" dirty="0">
+                <a:solidFill>
+                  <a:srgbClr val="CF3338"/>
+                </a:solidFill>
+                <a:latin typeface="Pragmatica" panose="020B0403040502020204" pitchFamily="34" charset="0"/>
+              </a:rPr>
+              <a:t>There’s more to Python </a:t>
+            </a:r>
+            <a:r>
+              <a:rPr lang="en-US" sz="6000" b="1" i="1" dirty="0">
+                <a:solidFill>
+                  <a:srgbClr val="CF3338"/>
+                </a:solidFill>
+                <a:latin typeface="Pragmatica" panose="020B0403040502020204" pitchFamily="34" charset="0"/>
+              </a:rPr>
+              <a:t>and</a:t>
+            </a:r>
+            <a:r>
+              <a:rPr lang="en-US" sz="6000" b="1" dirty="0">
+                <a:solidFill>
+                  <a:srgbClr val="CF3338"/>
+                </a:solidFill>
+                <a:latin typeface="Pragmatica" panose="020B0403040502020204" pitchFamily="34" charset="0"/>
+              </a:rPr>
+              <a:t> Excel than Python </a:t>
+            </a:r>
+            <a:r>
+              <a:rPr lang="en-US" sz="6000" b="1" i="1" dirty="0">
+                <a:solidFill>
+                  <a:srgbClr val="CF3338"/>
+                </a:solidFill>
+                <a:latin typeface="Pragmatica" panose="020B0403040502020204" pitchFamily="34" charset="0"/>
               </a:rPr>
               <a:t>in </a:t>
             </a:r>
             <a:r>
-              <a:rPr lang="en-US" sz="9900" b="1" dirty="0">
-                <a:solidFill>
-                  <a:schemeClr val="bg1"/>
-                </a:solidFill>
-                <a:latin typeface="Normafixed Tryout" panose="00000409000000000000" pitchFamily="49" charset="0"/>
+              <a:rPr lang="en-US" sz="6000" b="1" dirty="0">
+                <a:solidFill>
+                  <a:srgbClr val="CF3338"/>
+                </a:solidFill>
+                <a:latin typeface="Pragmatica" panose="020B0403040502020204" pitchFamily="34" charset="0"/>
               </a:rPr>
               <a:t>Excel</a:t>
             </a:r>
+          </a:p>
+          <a:p>
+            <a:endParaRPr lang="en-US" sz="4200" dirty="0">
+              <a:solidFill>
+                <a:srgbClr val="CF3338"/>
+              </a:solidFill>
+              <a:latin typeface="Pragmatica" panose="020B0403040502020204" pitchFamily="34" charset="0"/>
+            </a:endParaRPr>
+          </a:p>
+          <a:p>
+            <a:pPr marL="685800" indent="-542925">
+              <a:lnSpc>
+                <a:spcPct val="115000"/>
+              </a:lnSpc>
+              <a:spcBef>
+                <a:spcPts val="1125"/>
+              </a:spcBef>
+              <a:buClr>
+                <a:srgbClr val="C00000"/>
+              </a:buClr>
+              <a:buSzPts val="2100"/>
+              <a:buFont typeface="Arial"/>
+              <a:buAutoNum type="arabicPeriod"/>
+            </a:pPr>
+            <a:r>
+              <a:rPr lang="en-US" sz="3600" dirty="0">
+                <a:solidFill>
+                  <a:srgbClr val="C00000"/>
+                </a:solidFill>
+                <a:latin typeface="Pragmatica" panose="020B0403040502020204"/>
+                <a:sym typeface="Consolas"/>
+              </a:rPr>
+              <a:t>Python in Excel is all about data analysis, visualization, statistics &amp; ML</a:t>
+            </a:r>
+          </a:p>
+          <a:p>
+            <a:pPr marL="685800" indent="-542925">
+              <a:lnSpc>
+                <a:spcPct val="115000"/>
+              </a:lnSpc>
+              <a:spcBef>
+                <a:spcPts val="1125"/>
+              </a:spcBef>
+              <a:buClr>
+                <a:srgbClr val="C00000"/>
+              </a:buClr>
+              <a:buSzPts val="2100"/>
+              <a:buFont typeface="Arial"/>
+              <a:buAutoNum type="arabicPeriod"/>
+            </a:pPr>
+            <a:r>
+              <a:rPr lang="en-US" sz="3600" dirty="0">
+                <a:solidFill>
+                  <a:srgbClr val="C00000"/>
+                </a:solidFill>
+                <a:latin typeface="Pragmatica" panose="020B0403040502020204"/>
+                <a:sym typeface="Consolas"/>
+              </a:rPr>
+              <a:t>It lacks Excel automation capabilities</a:t>
+            </a:r>
+          </a:p>
+          <a:p>
+            <a:pPr marL="685800" indent="-542925">
+              <a:lnSpc>
+                <a:spcPct val="115000"/>
+              </a:lnSpc>
+              <a:spcBef>
+                <a:spcPts val="1125"/>
+              </a:spcBef>
+              <a:buClr>
+                <a:srgbClr val="C00000"/>
+              </a:buClr>
+              <a:buSzPts val="2100"/>
+              <a:buFont typeface="Arial"/>
+              <a:buAutoNum type="arabicPeriod"/>
+            </a:pPr>
+            <a:r>
+              <a:rPr lang="en-US" sz="3600" dirty="0">
+                <a:solidFill>
+                  <a:srgbClr val="C00000"/>
+                </a:solidFill>
+                <a:latin typeface="Pragmatica" panose="020B0403040502020204"/>
+                <a:sym typeface="Consolas"/>
+              </a:rPr>
+              <a:t>Let’s automate an entire Excel workbook from Python… without opening Excel!</a:t>
+            </a:r>
+          </a:p>
+          <a:p>
+            <a:pPr marL="685800" indent="-542925">
+              <a:lnSpc>
+                <a:spcPct val="115000"/>
+              </a:lnSpc>
+              <a:spcBef>
+                <a:spcPts val="1125"/>
+              </a:spcBef>
+              <a:buClr>
+                <a:srgbClr val="C00000"/>
+              </a:buClr>
+              <a:buSzPts val="2100"/>
+              <a:buFont typeface="Arial"/>
+              <a:buAutoNum type="arabicPeriod"/>
+            </a:pPr>
+            <a:endParaRPr lang="en-US" sz="3600" dirty="0">
+              <a:solidFill>
+                <a:srgbClr val="C00000"/>
+              </a:solidFill>
+              <a:latin typeface="Pragmatica" panose="020B0403040502020204"/>
+              <a:sym typeface="Consolas"/>
+            </a:endParaRPr>
+          </a:p>
+          <a:p>
+            <a:pPr marL="142875">
+              <a:lnSpc>
+                <a:spcPct val="115000"/>
+              </a:lnSpc>
+              <a:spcBef>
+                <a:spcPts val="1125"/>
+              </a:spcBef>
+              <a:buClr>
+                <a:srgbClr val="C00000"/>
+              </a:buClr>
+              <a:buSzPts val="2100"/>
+            </a:pPr>
+            <a:r>
+              <a:rPr lang="en-US" sz="3600" dirty="0">
+                <a:solidFill>
+                  <a:srgbClr val="C00000"/>
+                </a:solidFill>
+                <a:latin typeface="Pragmatica" panose="020B0403040502020204"/>
+                <a:sym typeface="Consolas"/>
+              </a:rPr>
+              <a:t>File: </a:t>
+            </a:r>
+            <a:r>
+              <a:rPr lang="en-US" sz="3600" dirty="0" err="1">
+                <a:solidFill>
+                  <a:srgbClr val="C00000"/>
+                </a:solidFill>
+                <a:latin typeface="Consolas" panose="020B0609020204030204" pitchFamily="49" charset="0"/>
+                <a:sym typeface="Consolas"/>
+              </a:rPr>
+              <a:t>pae-pie.ipynb</a:t>
+            </a:r>
+            <a:endParaRPr lang="en-US" sz="6000" dirty="0">
+              <a:solidFill>
+                <a:srgbClr val="CF3338"/>
+              </a:solidFill>
+              <a:latin typeface="Consolas" panose="020B0609020204030204" pitchFamily="49" charset="0"/>
+            </a:endParaRPr>
+          </a:p>
+          <a:p>
+            <a:endParaRPr lang="en-US" sz="6000" dirty="0">
+              <a:solidFill>
+                <a:srgbClr val="CF3338"/>
+              </a:solidFill>
+              <a:latin typeface="Pragmatica" panose="020B0403040502020204" pitchFamily="34" charset="0"/>
+            </a:endParaRPr>
           </a:p>
         </p:txBody>
       </p:sp>
     </p:spTree>
     <p:extLst>
       <p:ext uri="{BB962C8B-B14F-4D97-AF65-F5344CB8AC3E}">
-        <p14:creationId xmlns:p14="http://schemas.microsoft.com/office/powerpoint/2010/main" val="1915421395"/>
+        <p14:creationId xmlns:p14="http://schemas.microsoft.com/office/powerpoint/2010/main" val="2938274525"/>
       </p:ext>
     </p:extLst>
   </p:cSld>
@@ -9876,7 +9995,7 @@
         <p:spPr>
           <a:xfrm>
             <a:off x="260431" y="329879"/>
-            <a:ext cx="8906720" cy="9596986"/>
+            <a:ext cx="8906720" cy="8313558"/>
           </a:xfrm>
           <a:prstGeom prst="rect">
             <a:avLst/>
@@ -9932,19 +10051,11 @@
                 </a:solidFill>
                 <a:latin typeface="Pragmatica" panose="020B0403040502020204" pitchFamily="34" charset="0"/>
               </a:rPr>
-              <a:t>Excel</a:t>
-            </a:r>
-          </a:p>
-          <a:p>
-            <a:endParaRPr lang="en-US" sz="4200" dirty="0">
-              <a:solidFill>
-                <a:srgbClr val="CF3338"/>
-              </a:solidFill>
-              <a:latin typeface="Pragmatica" panose="020B0403040502020204" pitchFamily="34" charset="0"/>
-            </a:endParaRPr>
-          </a:p>
-          <a:p>
-            <a:pPr marL="685800" indent="-542925">
+              <a:t>Excel EXERCISE</a:t>
+            </a:r>
+          </a:p>
+          <a:p>
+            <a:pPr marL="142875">
               <a:lnSpc>
                 <a:spcPct val="115000"/>
               </a:lnSpc>
@@ -9955,22 +10066,17 @@
                 <a:srgbClr val="C00000"/>
               </a:buClr>
               <a:buSzPts val="2100"/>
-              <a:buFont typeface="Arial"/>
-              <a:buAutoNum type="arabicPeriod"/>
             </a:pPr>
-            <a:r>
-              <a:rPr lang="en-US" sz="3600" dirty="0">
-                <a:solidFill>
-                  <a:srgbClr val="C00000"/>
-                </a:solidFill>
-                <a:latin typeface="Pragmatica" panose="020B0403040502020204"/>
-                <a:sym typeface="Consolas"/>
-              </a:rPr>
-              <a:t>Python in Excel is all about data analysis, visualization, statistics &amp; ML</a:t>
-            </a:r>
-          </a:p>
-          <a:p>
-            <a:pPr marL="685800" indent="-542925">
+            <a:endParaRPr lang="en-US" sz="3600" dirty="0">
+              <a:solidFill>
+                <a:srgbClr val="C00000"/>
+              </a:solidFill>
+              <a:latin typeface="Pragmatica" panose="020B0403040502020204"/>
+              <a:sym typeface="Consolas"/>
+            </a:endParaRPr>
+          </a:p>
+          <a:p>
+            <a:pPr marL="714375" indent="-571500">
               <a:lnSpc>
                 <a:spcPct val="115000"/>
               </a:lnSpc>
@@ -9981,8 +10087,8 @@
                 <a:srgbClr val="C00000"/>
               </a:buClr>
               <a:buSzPts val="2100"/>
-              <a:buFont typeface="Arial"/>
-              <a:buAutoNum type="arabicPeriod"/>
+              <a:buFont typeface="Arial" panose="020B0604020202020204" pitchFamily="34" charset="0"/>
+              <a:buChar char="•"/>
             </a:pPr>
             <a:r>
               <a:rPr lang="en-US" sz="3600" dirty="0">
@@ -9992,11 +10098,11 @@
                 <a:latin typeface="Pragmatica" panose="020B0403040502020204"/>
                 <a:sym typeface="Consolas"/>
               </a:rPr>
-              <a:t>It lacks Excel automation capabilities</a:t>
-            </a:r>
-          </a:p>
-          <a:p>
-            <a:pPr marL="685800" indent="-542925">
+              <a:t>Automate production of a workbook comparing website visitors versus rating</a:t>
+            </a:r>
+          </a:p>
+          <a:p>
+            <a:pPr marL="714375" indent="-571500">
               <a:lnSpc>
                 <a:spcPct val="115000"/>
               </a:lnSpc>
@@ -10007,8 +10113,8 @@
                 <a:srgbClr val="C00000"/>
               </a:buClr>
               <a:buSzPts val="2100"/>
-              <a:buFont typeface="Arial"/>
-              <a:buAutoNum type="arabicPeriod"/>
+              <a:buFont typeface="Arial" panose="020B0604020202020204" pitchFamily="34" charset="0"/>
+              <a:buChar char="•"/>
             </a:pPr>
             <a:r>
               <a:rPr lang="en-US" sz="3600" dirty="0">
@@ -10018,7 +10124,7 @@
                 <a:latin typeface="Pragmatica" panose="020B0403040502020204"/>
                 <a:sym typeface="Consolas"/>
               </a:rPr>
-              <a:t>Let’s automate an entire Excel workbook from Python… without opening Excel!</a:t>
+              <a:t>Fill in the blanks to create the script</a:t>
             </a:r>
           </a:p>
           <a:p>
@@ -10075,7 +10181,27 @@
                 <a:latin typeface="Consolas" panose="020B0609020204030204" pitchFamily="49" charset="0"/>
                 <a:sym typeface="Consolas"/>
               </a:rPr>
-              <a:t>pae-pie.ipynb</a:t>
+              <a:t>pae</a:t>
+            </a:r>
+            <a:r>
+              <a:rPr lang="en-US" sz="3600" dirty="0">
+                <a:solidFill>
+                  <a:srgbClr val="C00000"/>
+                </a:solidFill>
+                <a:latin typeface="Consolas" panose="020B0609020204030204" pitchFamily="49" charset="0"/>
+                <a:sym typeface="Consolas"/>
+              </a:rPr>
+              <a:t>-pie-</a:t>
+            </a:r>
+            <a:r>
+              <a:rPr lang="en-US" sz="3600" dirty="0" err="1">
+                <a:solidFill>
+                  <a:srgbClr val="C00000"/>
+                </a:solidFill>
+                <a:latin typeface="Consolas" panose="020B0609020204030204" pitchFamily="49" charset="0"/>
+                <a:sym typeface="Consolas"/>
+              </a:rPr>
+              <a:t>exercise.ipynb</a:t>
             </a:r>
             <a:endParaRPr lang="en-US" sz="6000" dirty="0">
               <a:solidFill>
@@ -10097,7 +10223,7 @@
     </p:spTree>
     <p:extLst>
       <p:ext uri="{BB962C8B-B14F-4D97-AF65-F5344CB8AC3E}">
-        <p14:creationId xmlns:p14="http://schemas.microsoft.com/office/powerpoint/2010/main" val="2938274525"/>
+        <p14:creationId xmlns:p14="http://schemas.microsoft.com/office/powerpoint/2010/main" val="2531284725"/>
       </p:ext>
     </p:extLst>
   </p:cSld>
@@ -10124,16 +10250,186 @@
           <a:chExt cx="0" cy="0"/>
         </a:xfrm>
       </p:grpSpPr>
-      <p:sp>
-        <p:nvSpPr>
-          <p:cNvPr id="4" name="Rectangle 3"/>
+      <p:pic>
+        <p:nvPicPr>
+          <p:cNvPr id="10" name="Picture 9"/>
+          <p:cNvPicPr>
+            <a:picLocks noChangeAspect="1"/>
+          </p:cNvPicPr>
+          <p:nvPr/>
+        </p:nvPicPr>
+        <p:blipFill rotWithShape="1">
+          <a:blip r:embed="rId2">
+            <a:extLst>
+              <a:ext uri="{28A0092B-C50C-407E-A947-70E740481C1C}">
+                <a14:useLocalDpi xmlns:a14="http://schemas.microsoft.com/office/drawing/2010/main" val="0"/>
+              </a:ext>
+            </a:extLst>
+          </a:blip>
+          <a:srcRect l="50728" t="56371"/>
+          <a:stretch/>
+        </p:blipFill>
+        <p:spPr>
+          <a:xfrm>
+            <a:off x="12204691" y="3316148"/>
+            <a:ext cx="6083309" cy="6970854"/>
+          </a:xfrm>
+          <a:prstGeom prst="rect">
+            <a:avLst/>
+          </a:prstGeom>
+        </p:spPr>
+      </p:pic>
+      <p:pic>
+        <p:nvPicPr>
+          <p:cNvPr id="4" name="Picture 3"/>
+          <p:cNvPicPr>
+            <a:picLocks noChangeAspect="1"/>
+          </p:cNvPicPr>
+          <p:nvPr/>
+        </p:nvPicPr>
+        <p:blipFill>
+          <a:blip r:embed="rId3">
+            <a:extLst>
+              <a:ext uri="{28A0092B-C50C-407E-A947-70E740481C1C}">
+                <a14:useLocalDpi xmlns:a14="http://schemas.microsoft.com/office/drawing/2010/main" val="0"/>
+              </a:ext>
+            </a:extLst>
+          </a:blip>
+          <a:stretch>
+            <a:fillRect/>
+          </a:stretch>
+        </p:blipFill>
+        <p:spPr>
+          <a:xfrm>
+            <a:off x="-807744" y="-3724155"/>
+            <a:ext cx="15257208" cy="11189825"/>
+          </a:xfrm>
+          <a:prstGeom prst="rect">
+            <a:avLst/>
+          </a:prstGeom>
+        </p:spPr>
+      </p:pic>
+      <p:sp>
+        <p:nvSpPr>
+          <p:cNvPr id="11" name="TextBox 10"/>
+          <p:cNvSpPr txBox="1"/>
+          <p:nvPr/>
+        </p:nvSpPr>
+        <p:spPr>
+          <a:xfrm>
+            <a:off x="486137" y="2531318"/>
+            <a:ext cx="11979797" cy="923330"/>
+          </a:xfrm>
+          <a:prstGeom prst="rect">
+            <a:avLst/>
+          </a:prstGeom>
+          <a:noFill/>
+        </p:spPr>
+        <p:txBody>
+          <a:bodyPr wrap="square" rtlCol="0">
+            <a:spAutoFit/>
+          </a:bodyPr>
+          <a:lstStyle/>
+          <a:p>
+            <a:r>
+              <a:rPr lang="en-US" sz="5400" b="1" dirty="0">
+                <a:solidFill>
+                  <a:srgbClr val="CF3338"/>
+                </a:solidFill>
+                <a:latin typeface="Pragmatica" panose="020B0403040502020204" pitchFamily="34" charset="0"/>
+              </a:rPr>
+              <a:t>Questions?</a:t>
+            </a:r>
+          </a:p>
+        </p:txBody>
+      </p:sp>
+      <p:pic>
+        <p:nvPicPr>
+          <p:cNvPr id="5" name="Picture 4">
+            <a:extLst>
+              <a:ext uri="{FF2B5EF4-FFF2-40B4-BE49-F238E27FC236}">
+                <a16:creationId xmlns:a16="http://schemas.microsoft.com/office/drawing/2014/main" id="{54A06221-5316-4BCF-9FDA-BDB95FF4A778}"/>
+              </a:ext>
+            </a:extLst>
+          </p:cNvPr>
+          <p:cNvPicPr>
+            <a:picLocks noChangeAspect="1"/>
+          </p:cNvPicPr>
+          <p:nvPr/>
+        </p:nvPicPr>
+        <p:blipFill>
+          <a:blip r:embed="rId4">
+            <a:extLst>
+              <a:ext uri="{28A0092B-C50C-407E-A947-70E740481C1C}">
+                <a14:useLocalDpi xmlns:a14="http://schemas.microsoft.com/office/drawing/2010/main" val="0"/>
+              </a:ext>
+            </a:extLst>
+          </a:blip>
+          <a:srcRect/>
+          <a:stretch/>
+        </p:blipFill>
+        <p:spPr>
+          <a:xfrm>
+            <a:off x="12204691" y="3317239"/>
+            <a:ext cx="6083309" cy="6968672"/>
+          </a:xfrm>
+          <a:prstGeom prst="rect">
+            <a:avLst/>
+          </a:prstGeom>
+        </p:spPr>
+      </p:pic>
+    </p:spTree>
+    <p:extLst>
+      <p:ext uri="{BB962C8B-B14F-4D97-AF65-F5344CB8AC3E}">
+        <p14:creationId xmlns:p14="http://schemas.microsoft.com/office/powerpoint/2010/main" val="59831101"/>
+      </p:ext>
+    </p:extLst>
+  </p:cSld>
+  <p:clrMapOvr>
+    <a:masterClrMapping/>
+  </p:clrMapOvr>
+</p:sld>
+</file>
+
+<file path=ppt/slides/slide27.xml><?xml version="1.0" encoding="utf-8"?>
+<p:sld xmlns:a="http://schemas.openxmlformats.org/drawingml/2006/main" xmlns:r="http://schemas.openxmlformats.org/officeDocument/2006/relationships" xmlns:p="http://schemas.openxmlformats.org/presentationml/2006/main">
+  <p:cSld>
+    <p:spTree>
+      <p:nvGrpSpPr>
+        <p:cNvPr id="1" name="">
+          <a:extLst>
+            <a:ext uri="{FF2B5EF4-FFF2-40B4-BE49-F238E27FC236}">
+              <a16:creationId xmlns:a16="http://schemas.microsoft.com/office/drawing/2014/main" id="{D5B9D487-5FDD-928B-171D-E34AF10DADA3}"/>
+            </a:ext>
+          </a:extLst>
+        </p:cNvPr>
+        <p:cNvGrpSpPr/>
+        <p:nvPr/>
+      </p:nvGrpSpPr>
+      <p:grpSpPr>
+        <a:xfrm>
+          <a:off x="0" y="0"/>
+          <a:ext cx="0" cy="0"/>
+          <a:chOff x="0" y="0"/>
+          <a:chExt cx="0" cy="0"/>
+        </a:xfrm>
+      </p:grpSpPr>
+      <p:sp>
+        <p:nvSpPr>
+          <p:cNvPr id="4" name="Rectangle 3">
+            <a:extLst>
+              <a:ext uri="{FF2B5EF4-FFF2-40B4-BE49-F238E27FC236}">
+                <a16:creationId xmlns:a16="http://schemas.microsoft.com/office/drawing/2014/main" id="{C4658881-183D-B3AA-2B67-4711223B6C40}"/>
+              </a:ext>
+            </a:extLst>
+          </p:cNvPr>
           <p:cNvSpPr/>
           <p:nvPr/>
         </p:nvSpPr>
         <p:spPr>
           <a:xfrm>
-            <a:off x="9861630" y="0"/>
-            <a:ext cx="8426370" cy="10287000"/>
+            <a:off x="0" y="0"/>
+            <a:ext cx="18288000" cy="10287000"/>
           </a:xfrm>
           <a:prstGeom prst="rect">
             <a:avLst/>
@@ -10170,9 +10466,143 @@
           </a:p>
         </p:txBody>
       </p:sp>
+      <p:sp>
+        <p:nvSpPr>
+          <p:cNvPr id="5" name="TextBox 4">
+            <a:extLst>
+              <a:ext uri="{FF2B5EF4-FFF2-40B4-BE49-F238E27FC236}">
+                <a16:creationId xmlns:a16="http://schemas.microsoft.com/office/drawing/2014/main" id="{49ACC0F4-3DBC-3668-5BE8-9F565D30335C}"/>
+              </a:ext>
+            </a:extLst>
+          </p:cNvPr>
+          <p:cNvSpPr txBox="1"/>
+          <p:nvPr/>
+        </p:nvSpPr>
+        <p:spPr>
+          <a:xfrm>
+            <a:off x="781292" y="590309"/>
+            <a:ext cx="15486926" cy="3139321"/>
+          </a:xfrm>
+          <a:prstGeom prst="rect">
+            <a:avLst/>
+          </a:prstGeom>
+          <a:noFill/>
+        </p:spPr>
+        <p:txBody>
+          <a:bodyPr wrap="square" rtlCol="0">
+            <a:spAutoFit/>
+          </a:bodyPr>
+          <a:lstStyle/>
+          <a:p>
+            <a:r>
+              <a:rPr lang="en-US" sz="9900" b="1" dirty="0">
+                <a:solidFill>
+                  <a:schemeClr val="bg1"/>
+                </a:solidFill>
+                <a:latin typeface="Normafixed Tryout" panose="00000409000000000000" pitchFamily="49" charset="0"/>
+              </a:rPr>
+              <a:t>6. Combined use cases for Python in Excel</a:t>
+            </a:r>
+          </a:p>
+        </p:txBody>
+      </p:sp>
+    </p:spTree>
+    <p:extLst>
+      <p:ext uri="{BB962C8B-B14F-4D97-AF65-F5344CB8AC3E}">
+        <p14:creationId xmlns:p14="http://schemas.microsoft.com/office/powerpoint/2010/main" val="2453805199"/>
+      </p:ext>
+    </p:extLst>
+  </p:cSld>
+  <p:clrMapOvr>
+    <a:masterClrMapping/>
+  </p:clrMapOvr>
+</p:sld>
+</file>
+
+<file path=ppt/slides/slide28.xml><?xml version="1.0" encoding="utf-8"?>
+<p:sld xmlns:a="http://schemas.openxmlformats.org/drawingml/2006/main" xmlns:r="http://schemas.openxmlformats.org/officeDocument/2006/relationships" xmlns:p="http://schemas.openxmlformats.org/presentationml/2006/main">
+  <p:cSld>
+    <p:spTree>
+      <p:nvGrpSpPr>
+        <p:cNvPr id="1" name="">
+          <a:extLst>
+            <a:ext uri="{FF2B5EF4-FFF2-40B4-BE49-F238E27FC236}">
+              <a16:creationId xmlns:a16="http://schemas.microsoft.com/office/drawing/2014/main" id="{2FB5DE1B-28FC-C0FD-E79F-1EBEED8D1FD1}"/>
+            </a:ext>
+          </a:extLst>
+        </p:cNvPr>
+        <p:cNvGrpSpPr/>
+        <p:nvPr/>
+      </p:nvGrpSpPr>
+      <p:grpSpPr>
+        <a:xfrm>
+          <a:off x="0" y="0"/>
+          <a:ext cx="0" cy="0"/>
+          <a:chOff x="0" y="0"/>
+          <a:chExt cx="0" cy="0"/>
+        </a:xfrm>
+      </p:grpSpPr>
+      <p:sp>
+        <p:nvSpPr>
+          <p:cNvPr id="4" name="Rectangle 3">
+            <a:extLst>
+              <a:ext uri="{FF2B5EF4-FFF2-40B4-BE49-F238E27FC236}">
+                <a16:creationId xmlns:a16="http://schemas.microsoft.com/office/drawing/2014/main" id="{E09FE423-5F2C-B085-E6DB-678A0A38CDFD}"/>
+              </a:ext>
+            </a:extLst>
+          </p:cNvPr>
+          <p:cNvSpPr/>
+          <p:nvPr/>
+        </p:nvSpPr>
+        <p:spPr>
+          <a:xfrm>
+            <a:off x="11963400" y="0"/>
+            <a:ext cx="6324600" cy="10287000"/>
+          </a:xfrm>
+          <a:prstGeom prst="rect">
+            <a:avLst/>
+          </a:prstGeom>
+          <a:solidFill>
+            <a:srgbClr val="CF3338"/>
+          </a:solidFill>
+          <a:ln>
+            <a:noFill/>
+          </a:ln>
+        </p:spPr>
+        <p:style>
+          <a:lnRef idx="2">
+            <a:schemeClr val="accent1">
+              <a:shade val="50000"/>
+            </a:schemeClr>
+          </a:lnRef>
+          <a:fillRef idx="1">
+            <a:schemeClr val="accent1"/>
+          </a:fillRef>
+          <a:effectRef idx="0">
+            <a:schemeClr val="accent1"/>
+          </a:effectRef>
+          <a:fontRef idx="minor">
+            <a:schemeClr val="lt1"/>
+          </a:fontRef>
+        </p:style>
+        <p:txBody>
+          <a:bodyPr rtlCol="0" anchor="ctr"/>
+          <a:lstStyle/>
+          <a:p>
+            <a:pPr algn="ctr"/>
+            <a:endParaRPr lang="en-US" sz="2700"/>
+          </a:p>
+        </p:txBody>
+      </p:sp>
       <p:pic>
         <p:nvPicPr>
-          <p:cNvPr id="2" name="Picture 1"/>
+          <p:cNvPr id="2" name="Picture 1">
+            <a:extLst>
+              <a:ext uri="{FF2B5EF4-FFF2-40B4-BE49-F238E27FC236}">
+                <a16:creationId xmlns:a16="http://schemas.microsoft.com/office/drawing/2014/main" id="{E21163B3-018D-68FE-688B-922B7B01ECE1}"/>
+              </a:ext>
+            </a:extLst>
+          </p:cNvPr>
           <p:cNvPicPr>
             <a:picLocks noChangeAspect="1"/>
           </p:cNvPicPr>
@@ -10201,14 +10631,20 @@
       </p:pic>
       <p:sp>
         <p:nvSpPr>
-          <p:cNvPr id="3" name="TextBox 2"/>
+          <p:cNvPr id="3" name="TextBox 2">
+            <a:extLst>
+              <a:ext uri="{FF2B5EF4-FFF2-40B4-BE49-F238E27FC236}">
+                <a16:creationId xmlns:a16="http://schemas.microsoft.com/office/drawing/2014/main" id="{1F0D6E18-C2F9-94D6-0020-F745F308D8E6}"/>
+              </a:ext>
+            </a:extLst>
+          </p:cNvPr>
           <p:cNvSpPr txBox="1"/>
           <p:nvPr/>
         </p:nvSpPr>
         <p:spPr>
           <a:xfrm>
-            <a:off x="260431" y="329879"/>
-            <a:ext cx="8906720" cy="8313558"/>
+            <a:off x="260430" y="329879"/>
+            <a:ext cx="11017170" cy="10864513"/>
           </a:xfrm>
           <a:prstGeom prst="rect">
             <a:avLst/>
@@ -10228,17 +10664,897 @@
                 </a:solidFill>
                 <a:latin typeface="Pragmatica" panose="020B0403040502020204" pitchFamily="34" charset="0"/>
               </a:rPr>
-              <a:t>There’s more to Python </a:t>
-            </a:r>
-            <a:r>
-              <a:rPr lang="en-US" sz="6000" b="1" i="1" dirty="0">
+              <a:t>Building a moving average chart</a:t>
+            </a:r>
+          </a:p>
+          <a:p>
+            <a:endParaRPr lang="en-US" sz="4200" dirty="0">
+              <a:solidFill>
+                <a:srgbClr val="CF3338"/>
+              </a:solidFill>
+              <a:latin typeface="Pragmatica" panose="020B0403040502020204" pitchFamily="34" charset="0"/>
+            </a:endParaRPr>
+          </a:p>
+          <a:p>
+            <a:pPr marL="714375" indent="-571500">
+              <a:lnSpc>
+                <a:spcPct val="115000"/>
+              </a:lnSpc>
+              <a:spcBef>
+                <a:spcPts val="1125"/>
+              </a:spcBef>
+              <a:buClr>
+                <a:srgbClr val="C00000"/>
+              </a:buClr>
+              <a:buSzPts val="2100"/>
+              <a:buFont typeface="Arial" panose="020B0604020202020204" pitchFamily="34" charset="0"/>
+              <a:buChar char="•"/>
+            </a:pPr>
+            <a:r>
+              <a:rPr lang="en-US" sz="3600" dirty="0">
+                <a:solidFill>
+                  <a:srgbClr val="C00000"/>
+                </a:solidFill>
+                <a:latin typeface="Pragmatica" panose="020B0403040502020204"/>
+                <a:sym typeface="Consolas"/>
+              </a:rPr>
+              <a:t>Develop an interactive moving average chart using Python within an Excel workbook</a:t>
+            </a:r>
+          </a:p>
+          <a:p>
+            <a:pPr marL="714375" indent="-571500">
+              <a:lnSpc>
+                <a:spcPct val="115000"/>
+              </a:lnSpc>
+              <a:spcBef>
+                <a:spcPts val="1125"/>
+              </a:spcBef>
+              <a:buClr>
+                <a:srgbClr val="C00000"/>
+              </a:buClr>
+              <a:buSzPts val="2100"/>
+              <a:buFont typeface="Arial" panose="020B0604020202020204" pitchFamily="34" charset="0"/>
+              <a:buChar char="•"/>
+            </a:pPr>
+            <a:r>
+              <a:rPr lang="en-US" sz="3600" dirty="0">
+                <a:solidFill>
+                  <a:srgbClr val="C00000"/>
+                </a:solidFill>
+                <a:latin typeface="Pragmatica" panose="020B0403040502020204"/>
+                <a:sym typeface="Consolas"/>
+              </a:rPr>
+              <a:t>Combine Python backend processing with Excel frontend capabilities to build user-driven data analyses</a:t>
+            </a:r>
+          </a:p>
+          <a:p>
+            <a:pPr marL="142875">
+              <a:lnSpc>
+                <a:spcPct val="115000"/>
+              </a:lnSpc>
+              <a:spcBef>
+                <a:spcPts val="1125"/>
+              </a:spcBef>
+              <a:buClr>
+                <a:srgbClr val="C00000"/>
+              </a:buClr>
+              <a:buSzPts val="2100"/>
+            </a:pPr>
+            <a:r>
+              <a:rPr lang="en-US" sz="3600" dirty="0">
+                <a:solidFill>
+                  <a:srgbClr val="C00000"/>
+                </a:solidFill>
+                <a:latin typeface="Pragmatica" panose="020B0403040502020204"/>
+                <a:sym typeface="Consolas"/>
+              </a:rPr>
+              <a:t>File: </a:t>
+            </a:r>
+            <a:r>
+              <a:rPr lang="en-US" sz="3600" dirty="0">
+                <a:solidFill>
+                  <a:srgbClr val="C00000"/>
+                </a:solidFill>
+                <a:latin typeface="Consolas" panose="020B0609020204030204" pitchFamily="49" charset="0"/>
+                <a:sym typeface="Consolas"/>
+              </a:rPr>
+              <a:t>moving-average.xlsx</a:t>
+            </a:r>
+            <a:br>
+              <a:rPr lang="en-US" sz="3600" dirty="0">
+                <a:solidFill>
+                  <a:srgbClr val="C00000"/>
+                </a:solidFill>
+                <a:latin typeface="Consolas" panose="020B0609020204030204" pitchFamily="49" charset="0"/>
+                <a:sym typeface="Consolas"/>
+              </a:rPr>
+            </a:br>
+            <a:r>
+              <a:rPr lang="en-US" sz="3600" dirty="0">
+                <a:solidFill>
+                  <a:srgbClr val="C00000"/>
+                </a:solidFill>
+                <a:latin typeface="Pragmatica" panose="020B0403040502020204"/>
+                <a:sym typeface="Consolas"/>
+              </a:rPr>
+              <a:t>User-defined resample period: </a:t>
+            </a:r>
+            <a:r>
+              <a:rPr lang="en-US" sz="3600" dirty="0">
+                <a:solidFill>
+                  <a:srgbClr val="C00000"/>
+                </a:solidFill>
+                <a:latin typeface="Consolas" panose="020B0609020204030204" pitchFamily="49" charset="0"/>
+                <a:sym typeface="Consolas"/>
+              </a:rPr>
+              <a:t>dynamic-moving-average.xlsx</a:t>
+            </a:r>
+          </a:p>
+          <a:p>
+            <a:pPr marL="142875">
+              <a:lnSpc>
+                <a:spcPct val="115000"/>
+              </a:lnSpc>
+              <a:spcBef>
+                <a:spcPts val="1125"/>
+              </a:spcBef>
+              <a:buClr>
+                <a:srgbClr val="C00000"/>
+              </a:buClr>
+              <a:buSzPts val="2100"/>
+            </a:pPr>
+            <a:endParaRPr lang="en-US" sz="3600" dirty="0">
+              <a:solidFill>
+                <a:srgbClr val="C00000"/>
+              </a:solidFill>
+              <a:latin typeface="Consolas" panose="020B0609020204030204" pitchFamily="49" charset="0"/>
+              <a:sym typeface="Consolas"/>
+            </a:endParaRPr>
+          </a:p>
+          <a:p>
+            <a:pPr marL="142875">
+              <a:lnSpc>
+                <a:spcPct val="115000"/>
+              </a:lnSpc>
+              <a:spcBef>
+                <a:spcPts val="1125"/>
+              </a:spcBef>
+              <a:buClr>
+                <a:srgbClr val="C00000"/>
+              </a:buClr>
+              <a:buSzPts val="2100"/>
+            </a:pPr>
+            <a:endParaRPr lang="en-US" sz="3600" dirty="0">
+              <a:solidFill>
+                <a:srgbClr val="C00000"/>
+              </a:solidFill>
+              <a:latin typeface="Consolas" panose="020B0609020204030204" pitchFamily="49" charset="0"/>
+              <a:sym typeface="Consolas"/>
+            </a:endParaRPr>
+          </a:p>
+          <a:p>
+            <a:pPr marL="142875">
+              <a:lnSpc>
+                <a:spcPct val="115000"/>
+              </a:lnSpc>
+              <a:spcBef>
+                <a:spcPts val="1125"/>
+              </a:spcBef>
+              <a:buClr>
+                <a:srgbClr val="C00000"/>
+              </a:buClr>
+              <a:buSzPts val="2100"/>
+            </a:pPr>
+            <a:endParaRPr lang="en-US" sz="6000" dirty="0">
+              <a:solidFill>
+                <a:srgbClr val="CF3338"/>
+              </a:solidFill>
+              <a:latin typeface="Consolas" panose="020B0609020204030204" pitchFamily="49" charset="0"/>
+            </a:endParaRPr>
+          </a:p>
+          <a:p>
+            <a:endParaRPr lang="en-US" sz="6000" dirty="0">
+              <a:solidFill>
+                <a:srgbClr val="CF3338"/>
+              </a:solidFill>
+              <a:latin typeface="Pragmatica" panose="020B0403040502020204" pitchFamily="34" charset="0"/>
+            </a:endParaRPr>
+          </a:p>
+        </p:txBody>
+      </p:sp>
+    </p:spTree>
+    <p:extLst>
+      <p:ext uri="{BB962C8B-B14F-4D97-AF65-F5344CB8AC3E}">
+        <p14:creationId xmlns:p14="http://schemas.microsoft.com/office/powerpoint/2010/main" val="3981037871"/>
+      </p:ext>
+    </p:extLst>
+  </p:cSld>
+  <p:clrMapOvr>
+    <a:masterClrMapping/>
+  </p:clrMapOvr>
+</p:sld>
+</file>
+
+<file path=ppt/slides/slide29.xml><?xml version="1.0" encoding="utf-8"?>
+<p:sld xmlns:a="http://schemas.openxmlformats.org/drawingml/2006/main" xmlns:r="http://schemas.openxmlformats.org/officeDocument/2006/relationships" xmlns:p="http://schemas.openxmlformats.org/presentationml/2006/main">
+  <p:cSld>
+    <p:spTree>
+      <p:nvGrpSpPr>
+        <p:cNvPr id="1" name="">
+          <a:extLst>
+            <a:ext uri="{FF2B5EF4-FFF2-40B4-BE49-F238E27FC236}">
+              <a16:creationId xmlns:a16="http://schemas.microsoft.com/office/drawing/2014/main" id="{1D94D3B1-C917-4EB0-DE9D-04CA302E7F82}"/>
+            </a:ext>
+          </a:extLst>
+        </p:cNvPr>
+        <p:cNvGrpSpPr/>
+        <p:nvPr/>
+      </p:nvGrpSpPr>
+      <p:grpSpPr>
+        <a:xfrm>
+          <a:off x="0" y="0"/>
+          <a:ext cx="0" cy="0"/>
+          <a:chOff x="0" y="0"/>
+          <a:chExt cx="0" cy="0"/>
+        </a:xfrm>
+      </p:grpSpPr>
+      <p:sp>
+        <p:nvSpPr>
+          <p:cNvPr id="4" name="Rectangle 3">
+            <a:extLst>
+              <a:ext uri="{FF2B5EF4-FFF2-40B4-BE49-F238E27FC236}">
+                <a16:creationId xmlns:a16="http://schemas.microsoft.com/office/drawing/2014/main" id="{4F7D33EC-6D3B-E0E8-2880-9F4B01B660E0}"/>
+              </a:ext>
+            </a:extLst>
+          </p:cNvPr>
+          <p:cNvSpPr/>
+          <p:nvPr/>
+        </p:nvSpPr>
+        <p:spPr>
+          <a:xfrm>
+            <a:off x="11963400" y="0"/>
+            <a:ext cx="6324600" cy="10287000"/>
+          </a:xfrm>
+          <a:prstGeom prst="rect">
+            <a:avLst/>
+          </a:prstGeom>
+          <a:solidFill>
+            <a:srgbClr val="CF3338"/>
+          </a:solidFill>
+          <a:ln>
+            <a:noFill/>
+          </a:ln>
+        </p:spPr>
+        <p:style>
+          <a:lnRef idx="2">
+            <a:schemeClr val="accent1">
+              <a:shade val="50000"/>
+            </a:schemeClr>
+          </a:lnRef>
+          <a:fillRef idx="1">
+            <a:schemeClr val="accent1"/>
+          </a:fillRef>
+          <a:effectRef idx="0">
+            <a:schemeClr val="accent1"/>
+          </a:effectRef>
+          <a:fontRef idx="minor">
+            <a:schemeClr val="lt1"/>
+          </a:fontRef>
+        </p:style>
+        <p:txBody>
+          <a:bodyPr rtlCol="0" anchor="ctr"/>
+          <a:lstStyle/>
+          <a:p>
+            <a:pPr algn="ctr"/>
+            <a:endParaRPr lang="en-US" sz="2700"/>
+          </a:p>
+        </p:txBody>
+      </p:sp>
+      <p:pic>
+        <p:nvPicPr>
+          <p:cNvPr id="2" name="Picture 1">
+            <a:extLst>
+              <a:ext uri="{FF2B5EF4-FFF2-40B4-BE49-F238E27FC236}">
+                <a16:creationId xmlns:a16="http://schemas.microsoft.com/office/drawing/2014/main" id="{85747CA4-0869-B933-381D-4273D1DD731C}"/>
+              </a:ext>
+            </a:extLst>
+          </p:cNvPr>
+          <p:cNvPicPr>
+            <a:picLocks noChangeAspect="1"/>
+          </p:cNvPicPr>
+          <p:nvPr/>
+        </p:nvPicPr>
+        <p:blipFill rotWithShape="1">
+          <a:blip r:embed="rId3">
+            <a:extLst>
+              <a:ext uri="{28A0092B-C50C-407E-A947-70E740481C1C}">
+                <a14:useLocalDpi xmlns:a14="http://schemas.microsoft.com/office/drawing/2010/main" val="0"/>
+              </a:ext>
+            </a:extLst>
+          </a:blip>
+          <a:srcRect l="69227" t="33418" r="20112" b="50548"/>
+          <a:stretch/>
+        </p:blipFill>
+        <p:spPr>
+          <a:xfrm>
+            <a:off x="15579524" y="7544693"/>
+            <a:ext cx="2708477" cy="2987579"/>
+          </a:xfrm>
+          <a:prstGeom prst="rect">
+            <a:avLst/>
+          </a:prstGeom>
+        </p:spPr>
+      </p:pic>
+      <p:sp>
+        <p:nvSpPr>
+          <p:cNvPr id="3" name="TextBox 2">
+            <a:extLst>
+              <a:ext uri="{FF2B5EF4-FFF2-40B4-BE49-F238E27FC236}">
+                <a16:creationId xmlns:a16="http://schemas.microsoft.com/office/drawing/2014/main" id="{C91D0215-089E-3CD1-C917-7699A738972C}"/>
+              </a:ext>
+            </a:extLst>
+          </p:cNvPr>
+          <p:cNvSpPr txBox="1"/>
+          <p:nvPr/>
+        </p:nvSpPr>
+        <p:spPr>
+          <a:xfrm>
+            <a:off x="260430" y="329879"/>
+            <a:ext cx="11017170" cy="8387424"/>
+          </a:xfrm>
+          <a:prstGeom prst="rect">
+            <a:avLst/>
+          </a:prstGeom>
+          <a:noFill/>
+        </p:spPr>
+        <p:txBody>
+          <a:bodyPr wrap="square" rtlCol="0">
+            <a:spAutoFit/>
+          </a:bodyPr>
+          <a:lstStyle/>
+          <a:p>
+            <a:r>
+              <a:rPr lang="en-US" sz="6000" b="1" dirty="0">
                 <a:solidFill>
                   <a:srgbClr val="CF3338"/>
                 </a:solidFill>
                 <a:latin typeface="Pragmatica" panose="020B0403040502020204" pitchFamily="34" charset="0"/>
               </a:rPr>
-              <a:t>and</a:t>
-            </a:r>
+              <a:t>Dynamic measures</a:t>
+            </a:r>
+          </a:p>
+          <a:p>
+            <a:endParaRPr lang="en-US" sz="4200" dirty="0">
+              <a:solidFill>
+                <a:srgbClr val="CF3338"/>
+              </a:solidFill>
+              <a:latin typeface="Pragmatica" panose="020B0403040502020204" pitchFamily="34" charset="0"/>
+            </a:endParaRPr>
+          </a:p>
+          <a:p>
+            <a:pPr marL="714375" indent="-571500">
+              <a:lnSpc>
+                <a:spcPct val="115000"/>
+              </a:lnSpc>
+              <a:spcBef>
+                <a:spcPts val="1125"/>
+              </a:spcBef>
+              <a:buClr>
+                <a:srgbClr val="C00000"/>
+              </a:buClr>
+              <a:buSzPts val="2100"/>
+              <a:buFont typeface="Arial" panose="020B0604020202020204" pitchFamily="34" charset="0"/>
+              <a:buChar char="•"/>
+            </a:pPr>
+            <a:r>
+              <a:rPr lang="en-US" sz="3600" dirty="0">
+                <a:solidFill>
+                  <a:srgbClr val="C00000"/>
+                </a:solidFill>
+                <a:latin typeface="Pragmatica" panose="020B0403040502020204"/>
+                <a:sym typeface="Consolas"/>
+              </a:rPr>
+              <a:t>Create dynamic measures a la Power BI/Tableau</a:t>
+            </a:r>
+          </a:p>
+          <a:p>
+            <a:pPr marL="714375" indent="-571500">
+              <a:lnSpc>
+                <a:spcPct val="115000"/>
+              </a:lnSpc>
+              <a:spcBef>
+                <a:spcPts val="1125"/>
+              </a:spcBef>
+              <a:buClr>
+                <a:srgbClr val="C00000"/>
+              </a:buClr>
+              <a:buSzPts val="2100"/>
+              <a:buFont typeface="Arial" panose="020B0604020202020204" pitchFamily="34" charset="0"/>
+              <a:buChar char="•"/>
+            </a:pPr>
+            <a:r>
+              <a:rPr lang="en-US" sz="3600" dirty="0">
+                <a:solidFill>
+                  <a:srgbClr val="C00000"/>
+                </a:solidFill>
+                <a:latin typeface="Pragmatica" panose="020B0403040502020204"/>
+                <a:sym typeface="Consolas"/>
+              </a:rPr>
+              <a:t>Integrate Python backend processing with Excel’s visualization capabilities to build responsive and customizable bar charts</a:t>
+            </a:r>
+          </a:p>
+          <a:p>
+            <a:pPr marL="714375" indent="-571500">
+              <a:lnSpc>
+                <a:spcPct val="115000"/>
+              </a:lnSpc>
+              <a:spcBef>
+                <a:spcPts val="1125"/>
+              </a:spcBef>
+              <a:buClr>
+                <a:srgbClr val="C00000"/>
+              </a:buClr>
+              <a:buSzPts val="2100"/>
+              <a:buFont typeface="Arial" panose="020B0604020202020204" pitchFamily="34" charset="0"/>
+              <a:buChar char="•"/>
+            </a:pPr>
+            <a:r>
+              <a:rPr lang="en-US" sz="3600" dirty="0">
+                <a:solidFill>
+                  <a:srgbClr val="C00000"/>
+                </a:solidFill>
+                <a:latin typeface="Pragmatica" panose="020B0403040502020204"/>
+                <a:sym typeface="Consolas"/>
+              </a:rPr>
+              <a:t>Utilize Python’s </a:t>
+            </a:r>
+            <a:r>
+              <a:rPr lang="en-US" sz="3600" dirty="0" err="1">
+                <a:solidFill>
+                  <a:srgbClr val="C00000"/>
+                </a:solidFill>
+                <a:latin typeface="Consolas" panose="020B0609020204030204" pitchFamily="49" charset="0"/>
+                <a:sym typeface="Consolas"/>
+              </a:rPr>
+              <a:t>getattr</a:t>
+            </a:r>
+            <a:r>
+              <a:rPr lang="en-US" sz="3600" dirty="0">
+                <a:solidFill>
+                  <a:srgbClr val="C00000"/>
+                </a:solidFill>
+                <a:latin typeface="Consolas" panose="020B0609020204030204" pitchFamily="49" charset="0"/>
+                <a:sym typeface="Consolas"/>
+              </a:rPr>
+              <a:t>()</a:t>
+            </a:r>
+            <a:r>
+              <a:rPr lang="en-US" sz="3600" dirty="0">
+                <a:solidFill>
+                  <a:srgbClr val="C00000"/>
+                </a:solidFill>
+                <a:latin typeface="Pragmatica" panose="020B0403040502020204"/>
+                <a:sym typeface="Consolas"/>
+              </a:rPr>
+              <a:t> function to dynamically handle user-driven inputs for flexible data aggregation</a:t>
+            </a:r>
+          </a:p>
+          <a:p>
+            <a:pPr marL="714375" indent="-571500">
+              <a:lnSpc>
+                <a:spcPct val="115000"/>
+              </a:lnSpc>
+              <a:spcBef>
+                <a:spcPts val="1125"/>
+              </a:spcBef>
+              <a:buClr>
+                <a:srgbClr val="C00000"/>
+              </a:buClr>
+              <a:buSzPts val="2100"/>
+              <a:buFont typeface="Arial" panose="020B0604020202020204" pitchFamily="34" charset="0"/>
+              <a:buChar char="•"/>
+            </a:pPr>
+            <a:endParaRPr lang="en-US" sz="3600" dirty="0">
+              <a:solidFill>
+                <a:srgbClr val="C00000"/>
+              </a:solidFill>
+              <a:latin typeface="Pragmatica" panose="020B0403040502020204"/>
+              <a:sym typeface="Consolas"/>
+            </a:endParaRPr>
+          </a:p>
+          <a:p>
+            <a:pPr marL="142875">
+              <a:lnSpc>
+                <a:spcPct val="115000"/>
+              </a:lnSpc>
+              <a:spcBef>
+                <a:spcPts val="1125"/>
+              </a:spcBef>
+              <a:buClr>
+                <a:srgbClr val="C00000"/>
+              </a:buClr>
+              <a:buSzPts val="2100"/>
+            </a:pPr>
+            <a:r>
+              <a:rPr lang="en-US" sz="3600" dirty="0">
+                <a:solidFill>
+                  <a:srgbClr val="C00000"/>
+                </a:solidFill>
+                <a:latin typeface="Pragmatica" panose="020B0403040502020204"/>
+                <a:sym typeface="Consolas"/>
+              </a:rPr>
+              <a:t>File: </a:t>
+            </a:r>
+            <a:r>
+              <a:rPr lang="en-US" sz="3600" dirty="0">
+                <a:solidFill>
+                  <a:srgbClr val="C00000"/>
+                </a:solidFill>
+                <a:latin typeface="Consolas" panose="020B0609020204030204" pitchFamily="49" charset="0"/>
+                <a:sym typeface="Consolas"/>
+              </a:rPr>
+              <a:t>dynamic-measures.xlsx</a:t>
+            </a:r>
+            <a:endParaRPr lang="en-US" sz="6000" dirty="0">
+              <a:solidFill>
+                <a:srgbClr val="CF3338"/>
+              </a:solidFill>
+              <a:latin typeface="Consolas" panose="020B0609020204030204" pitchFamily="49" charset="0"/>
+            </a:endParaRPr>
+          </a:p>
+          <a:p>
+            <a:endParaRPr lang="en-US" sz="6000" dirty="0">
+              <a:solidFill>
+                <a:srgbClr val="CF3338"/>
+              </a:solidFill>
+              <a:latin typeface="Pragmatica" panose="020B0403040502020204" pitchFamily="34" charset="0"/>
+            </a:endParaRPr>
+          </a:p>
+        </p:txBody>
+      </p:sp>
+    </p:spTree>
+    <p:extLst>
+      <p:ext uri="{BB962C8B-B14F-4D97-AF65-F5344CB8AC3E}">
+        <p14:creationId xmlns:p14="http://schemas.microsoft.com/office/powerpoint/2010/main" val="2476456128"/>
+      </p:ext>
+    </p:extLst>
+  </p:cSld>
+  <p:clrMapOvr>
+    <a:masterClrMapping/>
+  </p:clrMapOvr>
+</p:sld>
+</file>
+
+<file path=ppt/slides/slide3.xml><?xml version="1.0" encoding="utf-8"?>
+<p:sld xmlns:a="http://schemas.openxmlformats.org/drawingml/2006/main" xmlns:r="http://schemas.openxmlformats.org/officeDocument/2006/relationships" xmlns:p="http://schemas.openxmlformats.org/presentationml/2006/main">
+  <p:cSld>
+    <p:spTree>
+      <p:nvGrpSpPr>
+        <p:cNvPr id="1" name=""/>
+        <p:cNvGrpSpPr/>
+        <p:nvPr/>
+      </p:nvGrpSpPr>
+      <p:grpSpPr>
+        <a:xfrm>
+          <a:off x="0" y="0"/>
+          <a:ext cx="0" cy="0"/>
+          <a:chOff x="0" y="0"/>
+          <a:chExt cx="0" cy="0"/>
+        </a:xfrm>
+      </p:grpSpPr>
+      <p:sp>
+        <p:nvSpPr>
+          <p:cNvPr id="11" name="TextBox 10"/>
+          <p:cNvSpPr txBox="1"/>
+          <p:nvPr/>
+        </p:nvSpPr>
+        <p:spPr>
+          <a:xfrm>
+            <a:off x="520861" y="170082"/>
+            <a:ext cx="11979797" cy="2862322"/>
+          </a:xfrm>
+          <a:prstGeom prst="rect">
+            <a:avLst/>
+          </a:prstGeom>
+          <a:noFill/>
+        </p:spPr>
+        <p:txBody>
+          <a:bodyPr wrap="square" rtlCol="0">
+            <a:spAutoFit/>
+          </a:bodyPr>
+          <a:lstStyle/>
+          <a:p>
+            <a:r>
+              <a:rPr lang="en-US" sz="9000" dirty="0">
+                <a:latin typeface="Aliens &amp; cows" panose="00000500000000000000" pitchFamily="2" charset="0"/>
+              </a:rPr>
+              <a:t>Objectives for this session</a:t>
+            </a:r>
+          </a:p>
+        </p:txBody>
+      </p:sp>
+      <p:sp>
+        <p:nvSpPr>
+          <p:cNvPr id="3" name="TextBox 2"/>
+          <p:cNvSpPr txBox="1"/>
+          <p:nvPr/>
+        </p:nvSpPr>
+        <p:spPr>
+          <a:xfrm>
+            <a:off x="520861" y="3191948"/>
+            <a:ext cx="14393120" cy="3970318"/>
+          </a:xfrm>
+          <a:prstGeom prst="rect">
+            <a:avLst/>
+          </a:prstGeom>
+          <a:noFill/>
+        </p:spPr>
+        <p:txBody>
+          <a:bodyPr wrap="square" rtlCol="0">
+            <a:spAutoFit/>
+          </a:bodyPr>
+          <a:lstStyle/>
+          <a:p>
+            <a:pPr marL="685800" indent="-685800">
+              <a:buClr>
+                <a:srgbClr val="CF3338"/>
+              </a:buClr>
+              <a:buFont typeface="Arial" panose="020B0604020202020204" pitchFamily="34" charset="0"/>
+              <a:buChar char="•"/>
+            </a:pPr>
+            <a:r>
+              <a:rPr lang="en-US" sz="4200" dirty="0">
+                <a:solidFill>
+                  <a:srgbClr val="707070"/>
+                </a:solidFill>
+                <a:latin typeface="Pragmatica" panose="020B0403040502020204" pitchFamily="34" charset="0"/>
+              </a:rPr>
+              <a:t>Learn core Python integration techniques in Excel.</a:t>
+            </a:r>
+          </a:p>
+          <a:p>
+            <a:pPr marL="685800" indent="-685800">
+              <a:buClr>
+                <a:srgbClr val="CF3338"/>
+              </a:buClr>
+              <a:buFont typeface="Arial" panose="020B0604020202020204" pitchFamily="34" charset="0"/>
+              <a:buChar char="•"/>
+            </a:pPr>
+            <a:r>
+              <a:rPr lang="en-US" sz="4200" dirty="0">
+                <a:solidFill>
+                  <a:srgbClr val="707070"/>
+                </a:solidFill>
+                <a:latin typeface="Pragmatica" panose="020B0403040502020204" pitchFamily="34" charset="0"/>
+              </a:rPr>
+              <a:t>Apply Python for complex data analysis and visualization techniques. </a:t>
+            </a:r>
+          </a:p>
+          <a:p>
+            <a:pPr marL="685800" indent="-685800">
+              <a:buClr>
+                <a:srgbClr val="CF3338"/>
+              </a:buClr>
+              <a:buFont typeface="Arial" panose="020B0604020202020204" pitchFamily="34" charset="0"/>
+              <a:buChar char="•"/>
+            </a:pPr>
+            <a:r>
+              <a:rPr lang="en-US" sz="4200" dirty="0">
+                <a:solidFill>
+                  <a:srgbClr val="707070"/>
+                </a:solidFill>
+                <a:latin typeface="Pragmatica" panose="020B0403040502020204" pitchFamily="34" charset="0"/>
+              </a:rPr>
+              <a:t>Harness generative AI and Copilot for assistance with Python tasks. </a:t>
+            </a:r>
+          </a:p>
+          <a:p>
+            <a:pPr marL="685800" indent="-685800">
+              <a:buClr>
+                <a:srgbClr val="CF3338"/>
+              </a:buClr>
+              <a:buFont typeface="Arial" panose="020B0604020202020204" pitchFamily="34" charset="0"/>
+              <a:buChar char="•"/>
+            </a:pPr>
+            <a:r>
+              <a:rPr lang="en-US" sz="4200" dirty="0">
+                <a:solidFill>
+                  <a:srgbClr val="707070"/>
+                </a:solidFill>
+                <a:latin typeface="Pragmatica" panose="020B0403040502020204" pitchFamily="34" charset="0"/>
+              </a:rPr>
+              <a:t>Master Python-driven Excel report automation. </a:t>
+            </a:r>
+          </a:p>
+        </p:txBody>
+      </p:sp>
+      <p:pic>
+        <p:nvPicPr>
+          <p:cNvPr id="15" name="Picture 14" descr="A close up of a sign&#10;&#10;Description automatically generated">
+            <a:extLst>
+              <a:ext uri="{FF2B5EF4-FFF2-40B4-BE49-F238E27FC236}">
+                <a16:creationId xmlns:a16="http://schemas.microsoft.com/office/drawing/2014/main" id="{29761B90-A7DE-4A60-A915-F085BD87CAB4}"/>
+              </a:ext>
+            </a:extLst>
+          </p:cNvPr>
+          <p:cNvPicPr>
+            <a:picLocks noChangeAspect="1"/>
+          </p:cNvPicPr>
+          <p:nvPr/>
+        </p:nvPicPr>
+        <p:blipFill>
+          <a:blip r:embed="rId2">
+            <a:extLst>
+              <a:ext uri="{28A0092B-C50C-407E-A947-70E740481C1C}">
+                <a14:useLocalDpi xmlns:a14="http://schemas.microsoft.com/office/drawing/2010/main" val="0"/>
+              </a:ext>
+            </a:extLst>
+          </a:blip>
+          <a:stretch>
+            <a:fillRect/>
+          </a:stretch>
+        </p:blipFill>
+        <p:spPr>
+          <a:xfrm>
+            <a:off x="16341036" y="8058429"/>
+            <a:ext cx="1942857" cy="2228571"/>
+          </a:xfrm>
+          <a:prstGeom prst="rect">
+            <a:avLst/>
+          </a:prstGeom>
+        </p:spPr>
+      </p:pic>
+    </p:spTree>
+    <p:extLst>
+      <p:ext uri="{BB962C8B-B14F-4D97-AF65-F5344CB8AC3E}">
+        <p14:creationId xmlns:p14="http://schemas.microsoft.com/office/powerpoint/2010/main" val="3830029867"/>
+      </p:ext>
+    </p:extLst>
+  </p:cSld>
+  <p:clrMapOvr>
+    <a:masterClrMapping/>
+  </p:clrMapOvr>
+</p:sld>
+</file>
+
+<file path=ppt/slides/slide30.xml><?xml version="1.0" encoding="utf-8"?>
+<p:sld xmlns:a="http://schemas.openxmlformats.org/drawingml/2006/main" xmlns:r="http://schemas.openxmlformats.org/officeDocument/2006/relationships" xmlns:p="http://schemas.openxmlformats.org/presentationml/2006/main">
+  <p:cSld>
+    <p:spTree>
+      <p:nvGrpSpPr>
+        <p:cNvPr id="1" name="">
+          <a:extLst>
+            <a:ext uri="{FF2B5EF4-FFF2-40B4-BE49-F238E27FC236}">
+              <a16:creationId xmlns:a16="http://schemas.microsoft.com/office/drawing/2014/main" id="{A9848E44-68DD-6AEA-08F3-5606760AEF44}"/>
+            </a:ext>
+          </a:extLst>
+        </p:cNvPr>
+        <p:cNvGrpSpPr/>
+        <p:nvPr/>
+      </p:nvGrpSpPr>
+      <p:grpSpPr>
+        <a:xfrm>
+          <a:off x="0" y="0"/>
+          <a:ext cx="0" cy="0"/>
+          <a:chOff x="0" y="0"/>
+          <a:chExt cx="0" cy="0"/>
+        </a:xfrm>
+      </p:grpSpPr>
+      <p:sp>
+        <p:nvSpPr>
+          <p:cNvPr id="4" name="Rectangle 3">
+            <a:extLst>
+              <a:ext uri="{FF2B5EF4-FFF2-40B4-BE49-F238E27FC236}">
+                <a16:creationId xmlns:a16="http://schemas.microsoft.com/office/drawing/2014/main" id="{615E1502-BDF1-3D8C-22A3-6213D3359402}"/>
+              </a:ext>
+            </a:extLst>
+          </p:cNvPr>
+          <p:cNvSpPr/>
+          <p:nvPr/>
+        </p:nvSpPr>
+        <p:spPr>
+          <a:xfrm>
+            <a:off x="11963400" y="0"/>
+            <a:ext cx="6324600" cy="10287000"/>
+          </a:xfrm>
+          <a:prstGeom prst="rect">
+            <a:avLst/>
+          </a:prstGeom>
+          <a:solidFill>
+            <a:srgbClr val="CF3338"/>
+          </a:solidFill>
+          <a:ln>
+            <a:noFill/>
+          </a:ln>
+        </p:spPr>
+        <p:style>
+          <a:lnRef idx="2">
+            <a:schemeClr val="accent1">
+              <a:shade val="50000"/>
+            </a:schemeClr>
+          </a:lnRef>
+          <a:fillRef idx="1">
+            <a:schemeClr val="accent1"/>
+          </a:fillRef>
+          <a:effectRef idx="0">
+            <a:schemeClr val="accent1"/>
+          </a:effectRef>
+          <a:fontRef idx="minor">
+            <a:schemeClr val="lt1"/>
+          </a:fontRef>
+        </p:style>
+        <p:txBody>
+          <a:bodyPr rtlCol="0" anchor="ctr"/>
+          <a:lstStyle/>
+          <a:p>
+            <a:pPr algn="ctr"/>
+            <a:endParaRPr lang="en-US" sz="2700"/>
+          </a:p>
+        </p:txBody>
+      </p:sp>
+      <p:pic>
+        <p:nvPicPr>
+          <p:cNvPr id="2" name="Picture 1">
+            <a:extLst>
+              <a:ext uri="{FF2B5EF4-FFF2-40B4-BE49-F238E27FC236}">
+                <a16:creationId xmlns:a16="http://schemas.microsoft.com/office/drawing/2014/main" id="{326DC3E1-5616-5EA6-502A-7BCF02A8A09F}"/>
+              </a:ext>
+            </a:extLst>
+          </p:cNvPr>
+          <p:cNvPicPr>
+            <a:picLocks noChangeAspect="1"/>
+          </p:cNvPicPr>
+          <p:nvPr/>
+        </p:nvPicPr>
+        <p:blipFill rotWithShape="1">
+          <a:blip r:embed="rId3">
+            <a:extLst>
+              <a:ext uri="{28A0092B-C50C-407E-A947-70E740481C1C}">
+                <a14:useLocalDpi xmlns:a14="http://schemas.microsoft.com/office/drawing/2010/main" val="0"/>
+              </a:ext>
+            </a:extLst>
+          </a:blip>
+          <a:srcRect l="69227" t="33418" r="20112" b="50548"/>
+          <a:stretch/>
+        </p:blipFill>
+        <p:spPr>
+          <a:xfrm>
+            <a:off x="15579524" y="7544693"/>
+            <a:ext cx="2708477" cy="2987579"/>
+          </a:xfrm>
+          <a:prstGeom prst="rect">
+            <a:avLst/>
+          </a:prstGeom>
+        </p:spPr>
+      </p:pic>
+      <p:sp>
+        <p:nvSpPr>
+          <p:cNvPr id="3" name="TextBox 2">
+            <a:extLst>
+              <a:ext uri="{FF2B5EF4-FFF2-40B4-BE49-F238E27FC236}">
+                <a16:creationId xmlns:a16="http://schemas.microsoft.com/office/drawing/2014/main" id="{5251D885-4940-736A-16C8-F0E8B2DB8282}"/>
+              </a:ext>
+            </a:extLst>
+          </p:cNvPr>
+          <p:cNvSpPr txBox="1"/>
+          <p:nvPr/>
+        </p:nvSpPr>
+        <p:spPr>
+          <a:xfrm>
+            <a:off x="260430" y="329879"/>
+            <a:ext cx="11017170" cy="9306650"/>
+          </a:xfrm>
+          <a:prstGeom prst="rect">
+            <a:avLst/>
+          </a:prstGeom>
+          <a:noFill/>
+        </p:spPr>
+        <p:txBody>
+          <a:bodyPr wrap="square" rtlCol="0">
+            <a:spAutoFit/>
+          </a:bodyPr>
+          <a:lstStyle/>
+          <a:p>
             <a:r>
               <a:rPr lang="en-US" sz="6000" b="1" dirty="0">
                 <a:solidFill>
@@ -10246,25 +11562,195 @@
                 </a:solidFill>
                 <a:latin typeface="Pragmatica" panose="020B0403040502020204" pitchFamily="34" charset="0"/>
               </a:rPr>
-              <a:t> Excel than Python </a:t>
-            </a:r>
-            <a:r>
-              <a:rPr lang="en-US" sz="6000" b="1" i="1" dirty="0">
-                <a:solidFill>
-                  <a:srgbClr val="CF3338"/>
-                </a:solidFill>
-                <a:latin typeface="Pragmatica" panose="020B0403040502020204" pitchFamily="34" charset="0"/>
-              </a:rPr>
-              <a:t>in </a:t>
-            </a:r>
-            <a:r>
-              <a:rPr lang="en-US" sz="6000" b="1" dirty="0">
-                <a:solidFill>
-                  <a:srgbClr val="CF3338"/>
-                </a:solidFill>
-                <a:latin typeface="Pragmatica" panose="020B0403040502020204" pitchFamily="34" charset="0"/>
-              </a:rPr>
-              <a:t>Excel EXERCISE</a:t>
+              <a:t>Practical use cases EXERCISE</a:t>
+            </a:r>
+          </a:p>
+          <a:p>
+            <a:endParaRPr lang="en-US" sz="4200" dirty="0">
+              <a:solidFill>
+                <a:srgbClr val="CF3338"/>
+              </a:solidFill>
+              <a:latin typeface="Pragmatica" panose="020B0403040502020204" pitchFamily="34" charset="0"/>
+            </a:endParaRPr>
+          </a:p>
+          <a:p>
+            <a:pPr marL="714375" indent="-571500">
+              <a:lnSpc>
+                <a:spcPct val="115000"/>
+              </a:lnSpc>
+              <a:spcBef>
+                <a:spcPts val="1125"/>
+              </a:spcBef>
+              <a:buClr>
+                <a:srgbClr val="C00000"/>
+              </a:buClr>
+              <a:buSzPts val="2100"/>
+              <a:buFont typeface="Arial" panose="020B0604020202020204" pitchFamily="34" charset="0"/>
+              <a:buChar char="•"/>
+            </a:pPr>
+            <a:r>
+              <a:rPr lang="en-US" sz="3600" dirty="0">
+                <a:solidFill>
+                  <a:srgbClr val="C00000"/>
+                </a:solidFill>
+                <a:latin typeface="Pragmatica" panose="020B0403040502020204"/>
+                <a:sym typeface="Consolas"/>
+              </a:rPr>
+              <a:t>Fill in the blanks to do the following: </a:t>
+            </a:r>
+          </a:p>
+          <a:p>
+            <a:pPr marL="1171575" lvl="1" indent="-571500">
+              <a:lnSpc>
+                <a:spcPct val="115000"/>
+              </a:lnSpc>
+              <a:spcBef>
+                <a:spcPts val="1125"/>
+              </a:spcBef>
+              <a:buClr>
+                <a:srgbClr val="C00000"/>
+              </a:buClr>
+              <a:buSzPts val="2100"/>
+              <a:buFont typeface="Arial" panose="020B0604020202020204" pitchFamily="34" charset="0"/>
+              <a:buChar char="•"/>
+            </a:pPr>
+            <a:r>
+              <a:rPr lang="en-US" sz="3600" dirty="0">
+                <a:solidFill>
+                  <a:srgbClr val="C00000"/>
+                </a:solidFill>
+                <a:latin typeface="Pragmatica" panose="020B0403040502020204"/>
+                <a:sym typeface="Consolas"/>
+              </a:rPr>
+              <a:t>Create user inputs for start date, end date, and cumulative type (sum or mean)</a:t>
+            </a:r>
+          </a:p>
+          <a:p>
+            <a:pPr marL="1628775" lvl="2" indent="-571500">
+              <a:lnSpc>
+                <a:spcPct val="115000"/>
+              </a:lnSpc>
+              <a:spcBef>
+                <a:spcPts val="1125"/>
+              </a:spcBef>
+              <a:buClr>
+                <a:srgbClr val="C00000"/>
+              </a:buClr>
+              <a:buSzPts val="2100"/>
+              <a:buFont typeface="Arial" panose="020B0604020202020204" pitchFamily="34" charset="0"/>
+              <a:buChar char="•"/>
+            </a:pPr>
+            <a:r>
+              <a:rPr lang="en-US" sz="3600" dirty="0">
+                <a:solidFill>
+                  <a:srgbClr val="C00000"/>
+                </a:solidFill>
+                <a:latin typeface="Pragmatica" panose="020B0403040502020204"/>
+                <a:sym typeface="Consolas"/>
+              </a:rPr>
+              <a:t>Use the </a:t>
+            </a:r>
+            <a:r>
+              <a:rPr lang="en-US" sz="3600" dirty="0">
+                <a:solidFill>
+                  <a:srgbClr val="C00000"/>
+                </a:solidFill>
+                <a:latin typeface="Consolas" panose="020B0609020204030204" pitchFamily="49" charset="0"/>
+                <a:sym typeface="Consolas"/>
+              </a:rPr>
+              <a:t>expanding()</a:t>
+            </a:r>
+            <a:r>
+              <a:rPr lang="en-US" sz="3600" dirty="0">
+                <a:solidFill>
+                  <a:srgbClr val="C00000"/>
+                </a:solidFill>
+                <a:latin typeface="Pragmatica" panose="020B0403040502020204"/>
+                <a:sym typeface="Consolas"/>
+              </a:rPr>
+              <a:t> method</a:t>
+            </a:r>
+          </a:p>
+          <a:p>
+            <a:pPr marL="1171575" lvl="1" indent="-571500">
+              <a:lnSpc>
+                <a:spcPct val="115000"/>
+              </a:lnSpc>
+              <a:spcBef>
+                <a:spcPts val="1125"/>
+              </a:spcBef>
+              <a:buClr>
+                <a:srgbClr val="C00000"/>
+              </a:buClr>
+              <a:buSzPts val="2100"/>
+              <a:buFont typeface="Arial" panose="020B0604020202020204" pitchFamily="34" charset="0"/>
+              <a:buChar char="•"/>
+            </a:pPr>
+            <a:r>
+              <a:rPr lang="en-US" sz="3600" dirty="0">
+                <a:solidFill>
+                  <a:srgbClr val="C00000"/>
+                </a:solidFill>
+                <a:latin typeface="Pragmatica" panose="020B0403040502020204"/>
+                <a:sym typeface="Consolas"/>
+              </a:rPr>
+              <a:t>Build line chart of cumulative total over filtered date range</a:t>
+            </a:r>
+          </a:p>
+          <a:p>
+            <a:pPr marL="1171575" lvl="1" indent="-571500">
+              <a:lnSpc>
+                <a:spcPct val="115000"/>
+              </a:lnSpc>
+              <a:spcBef>
+                <a:spcPts val="1125"/>
+              </a:spcBef>
+              <a:buClr>
+                <a:srgbClr val="C00000"/>
+              </a:buClr>
+              <a:buSzPts val="2100"/>
+              <a:buFont typeface="Arial" panose="020B0604020202020204" pitchFamily="34" charset="0"/>
+              <a:buChar char="•"/>
+            </a:pPr>
+            <a:r>
+              <a:rPr lang="en-US" sz="3600" dirty="0">
+                <a:solidFill>
+                  <a:srgbClr val="C00000"/>
+                </a:solidFill>
+                <a:latin typeface="Pragmatica" panose="020B0403040502020204"/>
+                <a:sym typeface="Consolas"/>
+              </a:rPr>
+              <a:t>Don’t forget about </a:t>
+            </a:r>
+            <a:r>
+              <a:rPr lang="en-US" sz="3600" dirty="0" err="1">
+                <a:solidFill>
+                  <a:srgbClr val="C00000"/>
+                </a:solidFill>
+                <a:latin typeface="Consolas" panose="020B0609020204030204" pitchFamily="49" charset="0"/>
+                <a:sym typeface="Consolas"/>
+              </a:rPr>
+              <a:t>getattr</a:t>
+            </a:r>
+            <a:r>
+              <a:rPr lang="en-US" sz="3600" dirty="0">
+                <a:solidFill>
+                  <a:srgbClr val="C00000"/>
+                </a:solidFill>
+                <a:latin typeface="Consolas" panose="020B0609020204030204" pitchFamily="49" charset="0"/>
+                <a:sym typeface="Consolas"/>
+              </a:rPr>
+              <a:t>()</a:t>
+            </a:r>
+            <a:r>
+              <a:rPr lang="en-US" sz="3600" dirty="0">
+                <a:solidFill>
+                  <a:srgbClr val="C00000"/>
+                </a:solidFill>
+                <a:latin typeface="Pragmatica" panose="020B0403040502020204"/>
+                <a:sym typeface="Consolas"/>
+              </a:rPr>
+              <a:t>!</a:t>
             </a:r>
           </a:p>
           <a:p>
@@ -10289,6 +11775,535 @@
             </a:endParaRPr>
           </a:p>
           <a:p>
+            <a:pPr marL="142875">
+              <a:lnSpc>
+                <a:spcPct val="115000"/>
+              </a:lnSpc>
+              <a:spcBef>
+                <a:spcPts val="1125"/>
+              </a:spcBef>
+              <a:buClr>
+                <a:srgbClr val="C00000"/>
+              </a:buClr>
+              <a:buSzPts val="2100"/>
+            </a:pPr>
+            <a:r>
+              <a:rPr lang="en-US" sz="3600" dirty="0">
+                <a:solidFill>
+                  <a:srgbClr val="C00000"/>
+                </a:solidFill>
+                <a:latin typeface="Pragmatica" panose="020B0403040502020204"/>
+                <a:sym typeface="Consolas"/>
+              </a:rPr>
+              <a:t>File: </a:t>
+            </a:r>
+            <a:r>
+              <a:rPr lang="en-US" sz="3600" dirty="0">
+                <a:solidFill>
+                  <a:srgbClr val="C00000"/>
+                </a:solidFill>
+                <a:latin typeface="Consolas" panose="020B0609020204030204" pitchFamily="49" charset="0"/>
+                <a:sym typeface="Consolas"/>
+              </a:rPr>
+              <a:t>combine-use-cases-challenge.xlsx</a:t>
+            </a:r>
+            <a:endParaRPr lang="en-US" sz="6000" dirty="0">
+              <a:solidFill>
+                <a:srgbClr val="CF3338"/>
+              </a:solidFill>
+              <a:latin typeface="Consolas" panose="020B0609020204030204" pitchFamily="49" charset="0"/>
+            </a:endParaRPr>
+          </a:p>
+          <a:p>
+            <a:endParaRPr lang="en-US" sz="6000" dirty="0">
+              <a:solidFill>
+                <a:srgbClr val="CF3338"/>
+              </a:solidFill>
+              <a:latin typeface="Pragmatica" panose="020B0403040502020204" pitchFamily="34" charset="0"/>
+            </a:endParaRPr>
+          </a:p>
+        </p:txBody>
+      </p:sp>
+    </p:spTree>
+    <p:extLst>
+      <p:ext uri="{BB962C8B-B14F-4D97-AF65-F5344CB8AC3E}">
+        <p14:creationId xmlns:p14="http://schemas.microsoft.com/office/powerpoint/2010/main" val="928994942"/>
+      </p:ext>
+    </p:extLst>
+  </p:cSld>
+  <p:clrMapOvr>
+    <a:masterClrMapping/>
+  </p:clrMapOvr>
+</p:sld>
+</file>
+
+<file path=ppt/slides/slide31.xml><?xml version="1.0" encoding="utf-8"?>
+<p:sld xmlns:a="http://schemas.openxmlformats.org/drawingml/2006/main" xmlns:r="http://schemas.openxmlformats.org/officeDocument/2006/relationships" xmlns:p="http://schemas.openxmlformats.org/presentationml/2006/main">
+  <p:cSld>
+    <p:spTree>
+      <p:nvGrpSpPr>
+        <p:cNvPr id="1" name="">
+          <a:extLst>
+            <a:ext uri="{FF2B5EF4-FFF2-40B4-BE49-F238E27FC236}">
+              <a16:creationId xmlns:a16="http://schemas.microsoft.com/office/drawing/2014/main" id="{4FB44F74-031A-3677-99AA-1615035E0B24}"/>
+            </a:ext>
+          </a:extLst>
+        </p:cNvPr>
+        <p:cNvGrpSpPr/>
+        <p:nvPr/>
+      </p:nvGrpSpPr>
+      <p:grpSpPr>
+        <a:xfrm>
+          <a:off x="0" y="0"/>
+          <a:ext cx="0" cy="0"/>
+          <a:chOff x="0" y="0"/>
+          <a:chExt cx="0" cy="0"/>
+        </a:xfrm>
+      </p:grpSpPr>
+      <p:pic>
+        <p:nvPicPr>
+          <p:cNvPr id="10" name="Picture 9">
+            <a:extLst>
+              <a:ext uri="{FF2B5EF4-FFF2-40B4-BE49-F238E27FC236}">
+                <a16:creationId xmlns:a16="http://schemas.microsoft.com/office/drawing/2014/main" id="{FF0834F8-7789-D143-9D0C-70F2E57DD03A}"/>
+              </a:ext>
+            </a:extLst>
+          </p:cNvPr>
+          <p:cNvPicPr>
+            <a:picLocks noChangeAspect="1"/>
+          </p:cNvPicPr>
+          <p:nvPr/>
+        </p:nvPicPr>
+        <p:blipFill rotWithShape="1">
+          <a:blip r:embed="rId2">
+            <a:extLst>
+              <a:ext uri="{28A0092B-C50C-407E-A947-70E740481C1C}">
+                <a14:useLocalDpi xmlns:a14="http://schemas.microsoft.com/office/drawing/2010/main" val="0"/>
+              </a:ext>
+            </a:extLst>
+          </a:blip>
+          <a:srcRect l="50728" t="56371"/>
+          <a:stretch/>
+        </p:blipFill>
+        <p:spPr>
+          <a:xfrm>
+            <a:off x="12204691" y="3316148"/>
+            <a:ext cx="6083309" cy="6970854"/>
+          </a:xfrm>
+          <a:prstGeom prst="rect">
+            <a:avLst/>
+          </a:prstGeom>
+        </p:spPr>
+      </p:pic>
+      <p:pic>
+        <p:nvPicPr>
+          <p:cNvPr id="4" name="Picture 3">
+            <a:extLst>
+              <a:ext uri="{FF2B5EF4-FFF2-40B4-BE49-F238E27FC236}">
+                <a16:creationId xmlns:a16="http://schemas.microsoft.com/office/drawing/2014/main" id="{8678C244-F331-B616-D902-2C8BBF95CA5C}"/>
+              </a:ext>
+            </a:extLst>
+          </p:cNvPr>
+          <p:cNvPicPr>
+            <a:picLocks noChangeAspect="1"/>
+          </p:cNvPicPr>
+          <p:nvPr/>
+        </p:nvPicPr>
+        <p:blipFill>
+          <a:blip r:embed="rId3">
+            <a:extLst>
+              <a:ext uri="{28A0092B-C50C-407E-A947-70E740481C1C}">
+                <a14:useLocalDpi xmlns:a14="http://schemas.microsoft.com/office/drawing/2010/main" val="0"/>
+              </a:ext>
+            </a:extLst>
+          </a:blip>
+          <a:stretch>
+            <a:fillRect/>
+          </a:stretch>
+        </p:blipFill>
+        <p:spPr>
+          <a:xfrm>
+            <a:off x="-807744" y="-3724155"/>
+            <a:ext cx="15257208" cy="11189825"/>
+          </a:xfrm>
+          <a:prstGeom prst="rect">
+            <a:avLst/>
+          </a:prstGeom>
+        </p:spPr>
+      </p:pic>
+      <p:sp>
+        <p:nvSpPr>
+          <p:cNvPr id="11" name="TextBox 10">
+            <a:extLst>
+              <a:ext uri="{FF2B5EF4-FFF2-40B4-BE49-F238E27FC236}">
+                <a16:creationId xmlns:a16="http://schemas.microsoft.com/office/drawing/2014/main" id="{693A8BBD-76AF-BC44-0247-61CFFD971008}"/>
+              </a:ext>
+            </a:extLst>
+          </p:cNvPr>
+          <p:cNvSpPr txBox="1"/>
+          <p:nvPr/>
+        </p:nvSpPr>
+        <p:spPr>
+          <a:xfrm>
+            <a:off x="486137" y="2531318"/>
+            <a:ext cx="11979797" cy="923330"/>
+          </a:xfrm>
+          <a:prstGeom prst="rect">
+            <a:avLst/>
+          </a:prstGeom>
+          <a:noFill/>
+        </p:spPr>
+        <p:txBody>
+          <a:bodyPr wrap="square" rtlCol="0">
+            <a:spAutoFit/>
+          </a:bodyPr>
+          <a:lstStyle/>
+          <a:p>
+            <a:r>
+              <a:rPr lang="en-US" sz="5400" b="1" dirty="0">
+                <a:solidFill>
+                  <a:srgbClr val="CF3338"/>
+                </a:solidFill>
+                <a:latin typeface="Pragmatica" panose="020B0403040502020204" pitchFamily="34" charset="0"/>
+              </a:rPr>
+              <a:t>Questions?</a:t>
+            </a:r>
+          </a:p>
+        </p:txBody>
+      </p:sp>
+      <p:pic>
+        <p:nvPicPr>
+          <p:cNvPr id="5" name="Picture 4">
+            <a:extLst>
+              <a:ext uri="{FF2B5EF4-FFF2-40B4-BE49-F238E27FC236}">
+                <a16:creationId xmlns:a16="http://schemas.microsoft.com/office/drawing/2014/main" id="{44708953-DD9D-3547-0277-211AFE3CB230}"/>
+              </a:ext>
+            </a:extLst>
+          </p:cNvPr>
+          <p:cNvPicPr>
+            <a:picLocks noChangeAspect="1"/>
+          </p:cNvPicPr>
+          <p:nvPr/>
+        </p:nvPicPr>
+        <p:blipFill>
+          <a:blip r:embed="rId4">
+            <a:extLst>
+              <a:ext uri="{28A0092B-C50C-407E-A947-70E740481C1C}">
+                <a14:useLocalDpi xmlns:a14="http://schemas.microsoft.com/office/drawing/2010/main" val="0"/>
+              </a:ext>
+            </a:extLst>
+          </a:blip>
+          <a:srcRect/>
+          <a:stretch/>
+        </p:blipFill>
+        <p:spPr>
+          <a:xfrm>
+            <a:off x="12204691" y="3317239"/>
+            <a:ext cx="6083309" cy="6968672"/>
+          </a:xfrm>
+          <a:prstGeom prst="rect">
+            <a:avLst/>
+          </a:prstGeom>
+        </p:spPr>
+      </p:pic>
+    </p:spTree>
+    <p:extLst>
+      <p:ext uri="{BB962C8B-B14F-4D97-AF65-F5344CB8AC3E}">
+        <p14:creationId xmlns:p14="http://schemas.microsoft.com/office/powerpoint/2010/main" val="3416899636"/>
+      </p:ext>
+    </p:extLst>
+  </p:cSld>
+  <p:clrMapOvr>
+    <a:masterClrMapping/>
+  </p:clrMapOvr>
+</p:sld>
+</file>
+
+<file path=ppt/slides/slide32.xml><?xml version="1.0" encoding="utf-8"?>
+<p:sld xmlns:a="http://schemas.openxmlformats.org/drawingml/2006/main" xmlns:r="http://schemas.openxmlformats.org/officeDocument/2006/relationships" xmlns:p="http://schemas.openxmlformats.org/presentationml/2006/main">
+  <p:cSld>
+    <p:spTree>
+      <p:nvGrpSpPr>
+        <p:cNvPr id="1" name="">
+          <a:extLst>
+            <a:ext uri="{FF2B5EF4-FFF2-40B4-BE49-F238E27FC236}">
+              <a16:creationId xmlns:a16="http://schemas.microsoft.com/office/drawing/2014/main" id="{BBC5AED6-DC91-8187-A6D7-2AD25D32DD1F}"/>
+            </a:ext>
+          </a:extLst>
+        </p:cNvPr>
+        <p:cNvGrpSpPr/>
+        <p:nvPr/>
+      </p:nvGrpSpPr>
+      <p:grpSpPr>
+        <a:xfrm>
+          <a:off x="0" y="0"/>
+          <a:ext cx="0" cy="0"/>
+          <a:chOff x="0" y="0"/>
+          <a:chExt cx="0" cy="0"/>
+        </a:xfrm>
+      </p:grpSpPr>
+      <p:sp>
+        <p:nvSpPr>
+          <p:cNvPr id="4" name="Rectangle 3">
+            <a:extLst>
+              <a:ext uri="{FF2B5EF4-FFF2-40B4-BE49-F238E27FC236}">
+                <a16:creationId xmlns:a16="http://schemas.microsoft.com/office/drawing/2014/main" id="{4CD7FF6E-1C0C-8CDA-A72F-8F4A7BA94F17}"/>
+              </a:ext>
+            </a:extLst>
+          </p:cNvPr>
+          <p:cNvSpPr/>
+          <p:nvPr/>
+        </p:nvSpPr>
+        <p:spPr>
+          <a:xfrm>
+            <a:off x="0" y="0"/>
+            <a:ext cx="18288000" cy="10287000"/>
+          </a:xfrm>
+          <a:prstGeom prst="rect">
+            <a:avLst/>
+          </a:prstGeom>
+          <a:solidFill>
+            <a:srgbClr val="CF3338"/>
+          </a:solidFill>
+          <a:ln>
+            <a:noFill/>
+          </a:ln>
+        </p:spPr>
+        <p:style>
+          <a:lnRef idx="2">
+            <a:schemeClr val="accent1">
+              <a:shade val="50000"/>
+            </a:schemeClr>
+          </a:lnRef>
+          <a:fillRef idx="1">
+            <a:schemeClr val="accent1"/>
+          </a:fillRef>
+          <a:effectRef idx="0">
+            <a:schemeClr val="accent1"/>
+          </a:effectRef>
+          <a:fontRef idx="minor">
+            <a:schemeClr val="lt1"/>
+          </a:fontRef>
+        </p:style>
+        <p:txBody>
+          <a:bodyPr rtlCol="0" anchor="ctr"/>
+          <a:lstStyle/>
+          <a:p>
+            <a:pPr algn="ctr"/>
+            <a:endParaRPr lang="en-US" sz="2700"/>
+          </a:p>
+        </p:txBody>
+      </p:sp>
+      <p:sp>
+        <p:nvSpPr>
+          <p:cNvPr id="5" name="TextBox 4">
+            <a:extLst>
+              <a:ext uri="{FF2B5EF4-FFF2-40B4-BE49-F238E27FC236}">
+                <a16:creationId xmlns:a16="http://schemas.microsoft.com/office/drawing/2014/main" id="{D538FCA2-526C-505E-2E08-1D89791EED01}"/>
+              </a:ext>
+            </a:extLst>
+          </p:cNvPr>
+          <p:cNvSpPr txBox="1"/>
+          <p:nvPr/>
+        </p:nvSpPr>
+        <p:spPr>
+          <a:xfrm>
+            <a:off x="781292" y="590309"/>
+            <a:ext cx="15486926" cy="3139321"/>
+          </a:xfrm>
+          <a:prstGeom prst="rect">
+            <a:avLst/>
+          </a:prstGeom>
+          <a:noFill/>
+        </p:spPr>
+        <p:txBody>
+          <a:bodyPr wrap="square" rtlCol="0">
+            <a:spAutoFit/>
+          </a:bodyPr>
+          <a:lstStyle/>
+          <a:p>
+            <a:r>
+              <a:rPr lang="en-US" sz="9900" b="1" dirty="0">
+                <a:solidFill>
+                  <a:schemeClr val="bg1"/>
+                </a:solidFill>
+                <a:latin typeface="Normafixed Tryout" panose="00000409000000000000" pitchFamily="49" charset="0"/>
+              </a:rPr>
+              <a:t>7. Quick wins with Python in Excel</a:t>
+            </a:r>
+          </a:p>
+        </p:txBody>
+      </p:sp>
+    </p:spTree>
+    <p:extLst>
+      <p:ext uri="{BB962C8B-B14F-4D97-AF65-F5344CB8AC3E}">
+        <p14:creationId xmlns:p14="http://schemas.microsoft.com/office/powerpoint/2010/main" val="1045755680"/>
+      </p:ext>
+    </p:extLst>
+  </p:cSld>
+  <p:clrMapOvr>
+    <a:masterClrMapping/>
+  </p:clrMapOvr>
+</p:sld>
+</file>
+
+<file path=ppt/slides/slide33.xml><?xml version="1.0" encoding="utf-8"?>
+<p:sld xmlns:a="http://schemas.openxmlformats.org/drawingml/2006/main" xmlns:r="http://schemas.openxmlformats.org/officeDocument/2006/relationships" xmlns:p="http://schemas.openxmlformats.org/presentationml/2006/main">
+  <p:cSld>
+    <p:spTree>
+      <p:nvGrpSpPr>
+        <p:cNvPr id="1" name="">
+          <a:extLst>
+            <a:ext uri="{FF2B5EF4-FFF2-40B4-BE49-F238E27FC236}">
+              <a16:creationId xmlns:a16="http://schemas.microsoft.com/office/drawing/2014/main" id="{F773716B-FBFB-4A41-E766-11EDAE27DD89}"/>
+            </a:ext>
+          </a:extLst>
+        </p:cNvPr>
+        <p:cNvGrpSpPr/>
+        <p:nvPr/>
+      </p:nvGrpSpPr>
+      <p:grpSpPr>
+        <a:xfrm>
+          <a:off x="0" y="0"/>
+          <a:ext cx="0" cy="0"/>
+          <a:chOff x="0" y="0"/>
+          <a:chExt cx="0" cy="0"/>
+        </a:xfrm>
+      </p:grpSpPr>
+      <p:sp>
+        <p:nvSpPr>
+          <p:cNvPr id="4" name="Rectangle 3">
+            <a:extLst>
+              <a:ext uri="{FF2B5EF4-FFF2-40B4-BE49-F238E27FC236}">
+                <a16:creationId xmlns:a16="http://schemas.microsoft.com/office/drawing/2014/main" id="{45833813-FC1E-EA4B-E6D0-E4C986E77CAE}"/>
+              </a:ext>
+            </a:extLst>
+          </p:cNvPr>
+          <p:cNvSpPr/>
+          <p:nvPr/>
+        </p:nvSpPr>
+        <p:spPr>
+          <a:xfrm>
+            <a:off x="9861630" y="0"/>
+            <a:ext cx="8426370" cy="10287000"/>
+          </a:xfrm>
+          <a:prstGeom prst="rect">
+            <a:avLst/>
+          </a:prstGeom>
+          <a:solidFill>
+            <a:srgbClr val="CF3338"/>
+          </a:solidFill>
+          <a:ln>
+            <a:noFill/>
+          </a:ln>
+        </p:spPr>
+        <p:style>
+          <a:lnRef idx="2">
+            <a:schemeClr val="accent1">
+              <a:shade val="50000"/>
+            </a:schemeClr>
+          </a:lnRef>
+          <a:fillRef idx="1">
+            <a:schemeClr val="accent1"/>
+          </a:fillRef>
+          <a:effectRef idx="0">
+            <a:schemeClr val="accent1"/>
+          </a:effectRef>
+          <a:fontRef idx="minor">
+            <a:schemeClr val="lt1"/>
+          </a:fontRef>
+        </p:style>
+        <p:txBody>
+          <a:bodyPr rtlCol="0" anchor="ctr"/>
+          <a:lstStyle/>
+          <a:p>
+            <a:pPr algn="ctr"/>
+            <a:endParaRPr lang="en-US" sz="2700"/>
+          </a:p>
+        </p:txBody>
+      </p:sp>
+      <p:pic>
+        <p:nvPicPr>
+          <p:cNvPr id="2" name="Picture 1">
+            <a:extLst>
+              <a:ext uri="{FF2B5EF4-FFF2-40B4-BE49-F238E27FC236}">
+                <a16:creationId xmlns:a16="http://schemas.microsoft.com/office/drawing/2014/main" id="{3DD85091-F1C0-7814-F1D0-292A40D22404}"/>
+              </a:ext>
+            </a:extLst>
+          </p:cNvPr>
+          <p:cNvPicPr>
+            <a:picLocks noChangeAspect="1"/>
+          </p:cNvPicPr>
+          <p:nvPr/>
+        </p:nvPicPr>
+        <p:blipFill rotWithShape="1">
+          <a:blip r:embed="rId3">
+            <a:extLst>
+              <a:ext uri="{28A0092B-C50C-407E-A947-70E740481C1C}">
+                <a14:useLocalDpi xmlns:a14="http://schemas.microsoft.com/office/drawing/2010/main" val="0"/>
+              </a:ext>
+            </a:extLst>
+          </a:blip>
+          <a:srcRect l="69227" t="33418" r="20112" b="50548"/>
+          <a:stretch/>
+        </p:blipFill>
+        <p:spPr>
+          <a:xfrm>
+            <a:off x="15579524" y="7544693"/>
+            <a:ext cx="2708477" cy="2987579"/>
+          </a:xfrm>
+          <a:prstGeom prst="rect">
+            <a:avLst/>
+          </a:prstGeom>
+        </p:spPr>
+      </p:pic>
+      <p:sp>
+        <p:nvSpPr>
+          <p:cNvPr id="3" name="TextBox 2">
+            <a:extLst>
+              <a:ext uri="{FF2B5EF4-FFF2-40B4-BE49-F238E27FC236}">
+                <a16:creationId xmlns:a16="http://schemas.microsoft.com/office/drawing/2014/main" id="{8D343810-3CE6-09A5-610F-AEF3D053747A}"/>
+              </a:ext>
+            </a:extLst>
+          </p:cNvPr>
+          <p:cNvSpPr txBox="1"/>
+          <p:nvPr/>
+        </p:nvSpPr>
+        <p:spPr>
+          <a:xfrm>
+            <a:off x="260431" y="329879"/>
+            <a:ext cx="8906720" cy="5702074"/>
+          </a:xfrm>
+          <a:prstGeom prst="rect">
+            <a:avLst/>
+          </a:prstGeom>
+          <a:noFill/>
+        </p:spPr>
+        <p:txBody>
+          <a:bodyPr wrap="square" rtlCol="0">
+            <a:spAutoFit/>
+          </a:bodyPr>
+          <a:lstStyle/>
+          <a:p>
+            <a:r>
+              <a:rPr lang="en-US" sz="6000" b="1" dirty="0">
+                <a:solidFill>
+                  <a:srgbClr val="CF3338"/>
+                </a:solidFill>
+                <a:latin typeface="Pragmatica" panose="020B0403040502020204" pitchFamily="34" charset="0"/>
+              </a:rPr>
+              <a:t>Quick wins with Python in Excel</a:t>
+            </a:r>
+          </a:p>
+          <a:p>
+            <a:endParaRPr lang="en-US" sz="4200" dirty="0">
+              <a:solidFill>
+                <a:srgbClr val="CF3338"/>
+              </a:solidFill>
+              <a:latin typeface="Pragmatica" panose="020B0403040502020204" pitchFamily="34" charset="0"/>
+            </a:endParaRPr>
+          </a:p>
+          <a:p>
             <a:pPr marL="714375" indent="-571500">
               <a:lnSpc>
                 <a:spcPct val="115000"/>
@@ -10311,7 +12326,7 @@
                 <a:latin typeface="Pragmatica" panose="020B0403040502020204"/>
                 <a:sym typeface="Consolas"/>
               </a:rPr>
-              <a:t>Automate production of a workbook comparing website visitors versus rating</a:t>
+              <a:t>Python is NOT inherently harder than Excel...</a:t>
             </a:r>
           </a:p>
           <a:p>
@@ -10337,30 +12352,327 @@
                 <a:latin typeface="Pragmatica" panose="020B0403040502020204"/>
                 <a:sym typeface="Consolas"/>
               </a:rPr>
-              <a:t>Fill in the blanks to create the script</a:t>
-            </a:r>
-          </a:p>
-          <a:p>
-            <a:pPr marL="685800" indent="-542925">
-              <a:lnSpc>
-                <a:spcPct val="115000"/>
-              </a:lnSpc>
-              <a:spcBef>
-                <a:spcPts val="1125"/>
-              </a:spcBef>
-              <a:buClr>
-                <a:srgbClr val="C00000"/>
-              </a:buClr>
-              <a:buSzPts val="2100"/>
-              <a:buFont typeface="Arial"/>
-              <a:buAutoNum type="arabicPeriod"/>
-            </a:pPr>
-            <a:endParaRPr lang="en-US" sz="3600" dirty="0">
+              <a:t>15 top use cases, ~1 line apiece!</a:t>
+            </a:r>
+            <a:endParaRPr lang="en-US" sz="6000" dirty="0">
               <a:solidFill>
-                <a:srgbClr val="C00000"/>
+                <a:srgbClr val="CF3338"/>
               </a:solidFill>
-              <a:latin typeface="Pragmatica" panose="020B0403040502020204"/>
-              <a:sym typeface="Consolas"/>
+              <a:latin typeface="Consolas" panose="020B0609020204030204" pitchFamily="49" charset="0"/>
+            </a:endParaRPr>
+          </a:p>
+          <a:p>
+            <a:endParaRPr lang="en-US" sz="6000" dirty="0">
+              <a:solidFill>
+                <a:srgbClr val="CF3338"/>
+              </a:solidFill>
+              <a:latin typeface="Pragmatica" panose="020B0403040502020204" pitchFamily="34" charset="0"/>
+            </a:endParaRPr>
+          </a:p>
+        </p:txBody>
+      </p:sp>
+    </p:spTree>
+    <p:extLst>
+      <p:ext uri="{BB962C8B-B14F-4D97-AF65-F5344CB8AC3E}">
+        <p14:creationId xmlns:p14="http://schemas.microsoft.com/office/powerpoint/2010/main" val="519096309"/>
+      </p:ext>
+    </p:extLst>
+  </p:cSld>
+  <p:clrMapOvr>
+    <a:masterClrMapping/>
+  </p:clrMapOvr>
+</p:sld>
+</file>
+
+<file path=ppt/slides/slide34.xml><?xml version="1.0" encoding="utf-8"?>
+<p:sld xmlns:a="http://schemas.openxmlformats.org/drawingml/2006/main" xmlns:r="http://schemas.openxmlformats.org/officeDocument/2006/relationships" xmlns:p="http://schemas.openxmlformats.org/presentationml/2006/main">
+  <p:cSld>
+    <p:spTree>
+      <p:nvGrpSpPr>
+        <p:cNvPr id="1" name="">
+          <a:extLst>
+            <a:ext uri="{FF2B5EF4-FFF2-40B4-BE49-F238E27FC236}">
+              <a16:creationId xmlns:a16="http://schemas.microsoft.com/office/drawing/2014/main" id="{E85323C9-D5F7-C820-78B9-E169BDF2311C}"/>
+            </a:ext>
+          </a:extLst>
+        </p:cNvPr>
+        <p:cNvGrpSpPr/>
+        <p:nvPr/>
+      </p:nvGrpSpPr>
+      <p:grpSpPr>
+        <a:xfrm>
+          <a:off x="0" y="0"/>
+          <a:ext cx="0" cy="0"/>
+          <a:chOff x="0" y="0"/>
+          <a:chExt cx="0" cy="0"/>
+        </a:xfrm>
+      </p:grpSpPr>
+      <p:sp>
+        <p:nvSpPr>
+          <p:cNvPr id="4" name="Rectangle 3">
+            <a:extLst>
+              <a:ext uri="{FF2B5EF4-FFF2-40B4-BE49-F238E27FC236}">
+                <a16:creationId xmlns:a16="http://schemas.microsoft.com/office/drawing/2014/main" id="{28971779-1F50-1702-DEC1-87CD482189F0}"/>
+              </a:ext>
+            </a:extLst>
+          </p:cNvPr>
+          <p:cNvSpPr/>
+          <p:nvPr/>
+        </p:nvSpPr>
+        <p:spPr>
+          <a:xfrm>
+            <a:off x="0" y="0"/>
+            <a:ext cx="18288000" cy="10287000"/>
+          </a:xfrm>
+          <a:prstGeom prst="rect">
+            <a:avLst/>
+          </a:prstGeom>
+          <a:solidFill>
+            <a:srgbClr val="CF3338"/>
+          </a:solidFill>
+          <a:ln>
+            <a:noFill/>
+          </a:ln>
+        </p:spPr>
+        <p:style>
+          <a:lnRef idx="2">
+            <a:schemeClr val="accent1">
+              <a:shade val="50000"/>
+            </a:schemeClr>
+          </a:lnRef>
+          <a:fillRef idx="1">
+            <a:schemeClr val="accent1"/>
+          </a:fillRef>
+          <a:effectRef idx="0">
+            <a:schemeClr val="accent1"/>
+          </a:effectRef>
+          <a:fontRef idx="minor">
+            <a:schemeClr val="lt1"/>
+          </a:fontRef>
+        </p:style>
+        <p:txBody>
+          <a:bodyPr rtlCol="0" anchor="ctr"/>
+          <a:lstStyle/>
+          <a:p>
+            <a:pPr algn="ctr"/>
+            <a:endParaRPr lang="en-US" sz="2700"/>
+          </a:p>
+        </p:txBody>
+      </p:sp>
+      <p:sp>
+        <p:nvSpPr>
+          <p:cNvPr id="5" name="TextBox 4">
+            <a:extLst>
+              <a:ext uri="{FF2B5EF4-FFF2-40B4-BE49-F238E27FC236}">
+                <a16:creationId xmlns:a16="http://schemas.microsoft.com/office/drawing/2014/main" id="{5ECC4C7B-C529-5329-03AC-796804551DC1}"/>
+              </a:ext>
+            </a:extLst>
+          </p:cNvPr>
+          <p:cNvSpPr txBox="1"/>
+          <p:nvPr/>
+        </p:nvSpPr>
+        <p:spPr>
+          <a:xfrm>
+            <a:off x="781292" y="590309"/>
+            <a:ext cx="15486926" cy="1615827"/>
+          </a:xfrm>
+          <a:prstGeom prst="rect">
+            <a:avLst/>
+          </a:prstGeom>
+          <a:noFill/>
+        </p:spPr>
+        <p:txBody>
+          <a:bodyPr wrap="square" rtlCol="0">
+            <a:spAutoFit/>
+          </a:bodyPr>
+          <a:lstStyle/>
+          <a:p>
+            <a:r>
+              <a:rPr lang="en-US" sz="9900" b="1" dirty="0">
+                <a:solidFill>
+                  <a:schemeClr val="bg1"/>
+                </a:solidFill>
+                <a:latin typeface="Normafixed Tryout" panose="00000409000000000000" pitchFamily="49" charset="0"/>
+              </a:rPr>
+              <a:t>Conclusion</a:t>
+            </a:r>
+          </a:p>
+        </p:txBody>
+      </p:sp>
+    </p:spTree>
+    <p:extLst>
+      <p:ext uri="{BB962C8B-B14F-4D97-AF65-F5344CB8AC3E}">
+        <p14:creationId xmlns:p14="http://schemas.microsoft.com/office/powerpoint/2010/main" val="358064314"/>
+      </p:ext>
+    </p:extLst>
+  </p:cSld>
+  <p:clrMapOvr>
+    <a:masterClrMapping/>
+  </p:clrMapOvr>
+</p:sld>
+</file>
+
+<file path=ppt/slides/slide35.xml><?xml version="1.0" encoding="utf-8"?>
+<p:sld xmlns:a="http://schemas.openxmlformats.org/drawingml/2006/main" xmlns:r="http://schemas.openxmlformats.org/officeDocument/2006/relationships" xmlns:p="http://schemas.openxmlformats.org/presentationml/2006/main">
+  <p:cSld>
+    <p:spTree>
+      <p:nvGrpSpPr>
+        <p:cNvPr id="1" name="">
+          <a:extLst>
+            <a:ext uri="{FF2B5EF4-FFF2-40B4-BE49-F238E27FC236}">
+              <a16:creationId xmlns:a16="http://schemas.microsoft.com/office/drawing/2014/main" id="{EDD10D06-D0B5-9212-A34F-8F08B4D2DF86}"/>
+            </a:ext>
+          </a:extLst>
+        </p:cNvPr>
+        <p:cNvGrpSpPr/>
+        <p:nvPr/>
+      </p:nvGrpSpPr>
+      <p:grpSpPr>
+        <a:xfrm>
+          <a:off x="0" y="0"/>
+          <a:ext cx="0" cy="0"/>
+          <a:chOff x="0" y="0"/>
+          <a:chExt cx="0" cy="0"/>
+        </a:xfrm>
+      </p:grpSpPr>
+      <p:sp>
+        <p:nvSpPr>
+          <p:cNvPr id="4" name="Rectangle 3">
+            <a:extLst>
+              <a:ext uri="{FF2B5EF4-FFF2-40B4-BE49-F238E27FC236}">
+                <a16:creationId xmlns:a16="http://schemas.microsoft.com/office/drawing/2014/main" id="{6764A5DC-38D4-7F12-151E-016E4E827436}"/>
+              </a:ext>
+            </a:extLst>
+          </p:cNvPr>
+          <p:cNvSpPr/>
+          <p:nvPr/>
+        </p:nvSpPr>
+        <p:spPr>
+          <a:xfrm>
+            <a:off x="9861630" y="0"/>
+            <a:ext cx="8426370" cy="10287000"/>
+          </a:xfrm>
+          <a:prstGeom prst="rect">
+            <a:avLst/>
+          </a:prstGeom>
+          <a:solidFill>
+            <a:srgbClr val="CF3338"/>
+          </a:solidFill>
+          <a:ln>
+            <a:noFill/>
+          </a:ln>
+        </p:spPr>
+        <p:style>
+          <a:lnRef idx="2">
+            <a:schemeClr val="accent1">
+              <a:shade val="50000"/>
+            </a:schemeClr>
+          </a:lnRef>
+          <a:fillRef idx="1">
+            <a:schemeClr val="accent1"/>
+          </a:fillRef>
+          <a:effectRef idx="0">
+            <a:schemeClr val="accent1"/>
+          </a:effectRef>
+          <a:fontRef idx="minor">
+            <a:schemeClr val="lt1"/>
+          </a:fontRef>
+        </p:style>
+        <p:txBody>
+          <a:bodyPr rtlCol="0" anchor="ctr"/>
+          <a:lstStyle/>
+          <a:p>
+            <a:pPr algn="ctr"/>
+            <a:endParaRPr lang="en-US" sz="2700"/>
+          </a:p>
+        </p:txBody>
+      </p:sp>
+      <p:pic>
+        <p:nvPicPr>
+          <p:cNvPr id="2" name="Picture 1">
+            <a:extLst>
+              <a:ext uri="{FF2B5EF4-FFF2-40B4-BE49-F238E27FC236}">
+                <a16:creationId xmlns:a16="http://schemas.microsoft.com/office/drawing/2014/main" id="{F59C7250-A4DB-0BEE-0BC0-39A290D09B14}"/>
+              </a:ext>
+            </a:extLst>
+          </p:cNvPr>
+          <p:cNvPicPr>
+            <a:picLocks noChangeAspect="1"/>
+          </p:cNvPicPr>
+          <p:nvPr/>
+        </p:nvPicPr>
+        <p:blipFill rotWithShape="1">
+          <a:blip r:embed="rId3">
+            <a:extLst>
+              <a:ext uri="{28A0092B-C50C-407E-A947-70E740481C1C}">
+                <a14:useLocalDpi xmlns:a14="http://schemas.microsoft.com/office/drawing/2010/main" val="0"/>
+              </a:ext>
+            </a:extLst>
+          </a:blip>
+          <a:srcRect l="69227" t="33418" r="20112" b="50548"/>
+          <a:stretch/>
+        </p:blipFill>
+        <p:spPr>
+          <a:xfrm>
+            <a:off x="15579524" y="7544693"/>
+            <a:ext cx="2708477" cy="2987579"/>
+          </a:xfrm>
+          <a:prstGeom prst="rect">
+            <a:avLst/>
+          </a:prstGeom>
+        </p:spPr>
+      </p:pic>
+      <p:sp>
+        <p:nvSpPr>
+          <p:cNvPr id="3" name="TextBox 2">
+            <a:extLst>
+              <a:ext uri="{FF2B5EF4-FFF2-40B4-BE49-F238E27FC236}">
+                <a16:creationId xmlns:a16="http://schemas.microsoft.com/office/drawing/2014/main" id="{7477DFE9-D506-DBB3-AF0C-C6AE174A701B}"/>
+              </a:ext>
+            </a:extLst>
+          </p:cNvPr>
+          <p:cNvSpPr txBox="1"/>
+          <p:nvPr/>
+        </p:nvSpPr>
+        <p:spPr>
+          <a:xfrm>
+            <a:off x="260431" y="329879"/>
+            <a:ext cx="8906720" cy="4256037"/>
+          </a:xfrm>
+          <a:prstGeom prst="rect">
+            <a:avLst/>
+          </a:prstGeom>
+          <a:noFill/>
+        </p:spPr>
+        <p:txBody>
+          <a:bodyPr wrap="square" rtlCol="0">
+            <a:spAutoFit/>
+          </a:bodyPr>
+          <a:lstStyle/>
+          <a:p>
+            <a:r>
+              <a:rPr lang="en-US" sz="6000" b="1" dirty="0">
+                <a:solidFill>
+                  <a:srgbClr val="CF3338"/>
+                </a:solidFill>
+                <a:latin typeface="Pragmatica" panose="020B0403040502020204" pitchFamily="34" charset="0"/>
+              </a:rPr>
+              <a:t>Resource: </a:t>
+            </a:r>
+            <a:r>
+              <a:rPr lang="en-US" sz="6000" b="1" i="1" dirty="0">
+                <a:solidFill>
+                  <a:srgbClr val="CF3338"/>
+                </a:solidFill>
+                <a:latin typeface="Pragmatica" panose="020B0403040502020204" pitchFamily="34" charset="0"/>
+              </a:rPr>
+              <a:t>Advancing into Analytics</a:t>
+            </a:r>
+            <a:endParaRPr lang="en-US" sz="6000" b="1" dirty="0">
+              <a:solidFill>
+                <a:srgbClr val="CF3338"/>
+              </a:solidFill>
+              <a:latin typeface="Pragmatica" panose="020B0403040502020204" pitchFamily="34" charset="0"/>
             </a:endParaRPr>
           </a:p>
           <a:p>
@@ -10376,51 +12688,29 @@
               </a:buClr>
               <a:buSzPts val="2100"/>
             </a:pPr>
-            <a:r>
-              <a:rPr lang="en-US" sz="3600" dirty="0">
-                <a:solidFill>
-                  <a:srgbClr val="C00000"/>
-                </a:solidFill>
-                <a:latin typeface="Pragmatica" panose="020B0403040502020204"/>
-                <a:sym typeface="Consolas"/>
-              </a:rPr>
-              <a:t>File: </a:t>
-            </a:r>
-            <a:r>
-              <a:rPr lang="en-US" sz="3600" dirty="0" err="1">
-                <a:solidFill>
-                  <a:srgbClr val="C00000"/>
-                </a:solidFill>
-                <a:latin typeface="Consolas" panose="020B0609020204030204" pitchFamily="49" charset="0"/>
-                <a:sym typeface="Consolas"/>
-              </a:rPr>
-              <a:t>pae</a:t>
-            </a:r>
-            <a:r>
-              <a:rPr lang="en-US" sz="3600" dirty="0">
-                <a:solidFill>
-                  <a:srgbClr val="C00000"/>
-                </a:solidFill>
-                <a:latin typeface="Consolas" panose="020B0609020204030204" pitchFamily="49" charset="0"/>
-                <a:sym typeface="Consolas"/>
-              </a:rPr>
-              <a:t>-pie-</a:t>
-            </a:r>
-            <a:r>
-              <a:rPr lang="en-US" sz="3600" dirty="0" err="1">
-                <a:solidFill>
-                  <a:srgbClr val="C00000"/>
-                </a:solidFill>
-                <a:latin typeface="Consolas" panose="020B0609020204030204" pitchFamily="49" charset="0"/>
-                <a:sym typeface="Consolas"/>
-              </a:rPr>
-              <a:t>exercise.ipynb</a:t>
-            </a:r>
-            <a:endParaRPr lang="en-US" sz="6000" dirty="0">
+            <a:endParaRPr lang="en-US" sz="3600" dirty="0">
+              <a:solidFill>
+                <a:srgbClr val="C00000"/>
+              </a:solidFill>
+              <a:latin typeface="Pragmatica" panose="020B0403040502020204"/>
+              <a:sym typeface="Consolas"/>
+            </a:endParaRPr>
+          </a:p>
+          <a:p>
+            <a:r>
+              <a:rPr lang="en-US" sz="4000" dirty="0">
+                <a:solidFill>
+                  <a:srgbClr val="CF3338"/>
+                </a:solidFill>
+                <a:latin typeface="Pragmatica" panose="020B0403040502020204" pitchFamily="34" charset="0"/>
+              </a:rPr>
+              <a:t>stringfestanalytics.com/book</a:t>
+            </a:r>
+            <a:endParaRPr lang="en-US" sz="3600" dirty="0">
               <a:solidFill>
                 <a:srgbClr val="CF3338"/>
               </a:solidFill>
-              <a:latin typeface="Consolas" panose="020B0609020204030204" pitchFamily="49" charset="0"/>
+              <a:latin typeface="Pragmatica" panose="020B0403040502020204" pitchFamily="34" charset="0"/>
             </a:endParaRPr>
           </a:p>
           <a:p>
@@ -10433,10 +12723,57 @@
           </a:p>
         </p:txBody>
       </p:sp>
+      <p:pic>
+        <p:nvPicPr>
+          <p:cNvPr id="2050" name="Picture 2" descr="Advancing into Analytics">
+            <a:extLst>
+              <a:ext uri="{FF2B5EF4-FFF2-40B4-BE49-F238E27FC236}">
+                <a16:creationId xmlns:a16="http://schemas.microsoft.com/office/drawing/2014/main" id="{5B2AAF1C-37EA-DD65-2C5E-842E5A429CB7}"/>
+              </a:ext>
+            </a:extLst>
+          </p:cNvPr>
+          <p:cNvPicPr>
+            <a:picLocks noChangeAspect="1" noChangeArrowheads="1"/>
+          </p:cNvPicPr>
+          <p:nvPr/>
+        </p:nvPicPr>
+        <p:blipFill>
+          <a:blip r:embed="rId4">
+            <a:extLst>
+              <a:ext uri="{28A0092B-C50C-407E-A947-70E740481C1C}">
+                <a14:useLocalDpi xmlns:a14="http://schemas.microsoft.com/office/drawing/2010/main" val="0"/>
+              </a:ext>
+            </a:extLst>
+          </a:blip>
+          <a:srcRect/>
+          <a:stretch>
+            <a:fillRect/>
+          </a:stretch>
+        </p:blipFill>
+        <p:spPr bwMode="auto">
+          <a:xfrm>
+            <a:off x="381000" y="5044380"/>
+            <a:ext cx="3810000" cy="5000625"/>
+          </a:xfrm>
+          <a:prstGeom prst="rect">
+            <a:avLst/>
+          </a:prstGeom>
+          <a:noFill/>
+          <a:extLst>
+            <a:ext uri="{909E8E84-426E-40DD-AFC4-6F175D3DCCD1}">
+              <a14:hiddenFill xmlns:a14="http://schemas.microsoft.com/office/drawing/2010/main">
+                <a:solidFill>
+                  <a:srgbClr val="FFFFFF"/>
+                </a:solidFill>
+              </a14:hiddenFill>
+            </a:ext>
+          </a:extLst>
+        </p:spPr>
+      </p:pic>
     </p:spTree>
     <p:extLst>
       <p:ext uri="{BB962C8B-B14F-4D97-AF65-F5344CB8AC3E}">
-        <p14:creationId xmlns:p14="http://schemas.microsoft.com/office/powerpoint/2010/main" val="2531284725"/>
+        <p14:creationId xmlns:p14="http://schemas.microsoft.com/office/powerpoint/2010/main" val="1543383187"/>
       </p:ext>
     </p:extLst>
   </p:cSld>
@@ -10446,7 +12783,527 @@
 </p:sld>
 </file>
 
-<file path=ppt/slides/slide27.xml><?xml version="1.0" encoding="utf-8"?>
+<file path=ppt/slides/slide36.xml><?xml version="1.0" encoding="utf-8"?>
+<p:sld xmlns:a="http://schemas.openxmlformats.org/drawingml/2006/main" xmlns:r="http://schemas.openxmlformats.org/officeDocument/2006/relationships" xmlns:p="http://schemas.openxmlformats.org/presentationml/2006/main">
+  <p:cSld>
+    <p:spTree>
+      <p:nvGrpSpPr>
+        <p:cNvPr id="1" name="">
+          <a:extLst>
+            <a:ext uri="{FF2B5EF4-FFF2-40B4-BE49-F238E27FC236}">
+              <a16:creationId xmlns:a16="http://schemas.microsoft.com/office/drawing/2014/main" id="{556CB9BC-ABA6-103A-715B-D3B9A4577CCE}"/>
+            </a:ext>
+          </a:extLst>
+        </p:cNvPr>
+        <p:cNvGrpSpPr/>
+        <p:nvPr/>
+      </p:nvGrpSpPr>
+      <p:grpSpPr>
+        <a:xfrm>
+          <a:off x="0" y="0"/>
+          <a:ext cx="0" cy="0"/>
+          <a:chOff x="0" y="0"/>
+          <a:chExt cx="0" cy="0"/>
+        </a:xfrm>
+      </p:grpSpPr>
+      <p:sp>
+        <p:nvSpPr>
+          <p:cNvPr id="4" name="Rectangle 3">
+            <a:extLst>
+              <a:ext uri="{FF2B5EF4-FFF2-40B4-BE49-F238E27FC236}">
+                <a16:creationId xmlns:a16="http://schemas.microsoft.com/office/drawing/2014/main" id="{DADD1AF2-9FDD-94D8-80B6-5B4D41D189A9}"/>
+              </a:ext>
+            </a:extLst>
+          </p:cNvPr>
+          <p:cNvSpPr/>
+          <p:nvPr/>
+        </p:nvSpPr>
+        <p:spPr>
+          <a:xfrm>
+            <a:off x="9861630" y="0"/>
+            <a:ext cx="8426370" cy="10287000"/>
+          </a:xfrm>
+          <a:prstGeom prst="rect">
+            <a:avLst/>
+          </a:prstGeom>
+          <a:solidFill>
+            <a:srgbClr val="CF3338"/>
+          </a:solidFill>
+          <a:ln>
+            <a:noFill/>
+          </a:ln>
+        </p:spPr>
+        <p:style>
+          <a:lnRef idx="2">
+            <a:schemeClr val="accent1">
+              <a:shade val="50000"/>
+            </a:schemeClr>
+          </a:lnRef>
+          <a:fillRef idx="1">
+            <a:schemeClr val="accent1"/>
+          </a:fillRef>
+          <a:effectRef idx="0">
+            <a:schemeClr val="accent1"/>
+          </a:effectRef>
+          <a:fontRef idx="minor">
+            <a:schemeClr val="lt1"/>
+          </a:fontRef>
+        </p:style>
+        <p:txBody>
+          <a:bodyPr rtlCol="0" anchor="ctr"/>
+          <a:lstStyle/>
+          <a:p>
+            <a:pPr algn="ctr"/>
+            <a:endParaRPr lang="en-US" sz="2700"/>
+          </a:p>
+        </p:txBody>
+      </p:sp>
+      <p:pic>
+        <p:nvPicPr>
+          <p:cNvPr id="2" name="Picture 1">
+            <a:extLst>
+              <a:ext uri="{FF2B5EF4-FFF2-40B4-BE49-F238E27FC236}">
+                <a16:creationId xmlns:a16="http://schemas.microsoft.com/office/drawing/2014/main" id="{B995B80C-F573-6FA2-163B-B895205BFF2A}"/>
+              </a:ext>
+            </a:extLst>
+          </p:cNvPr>
+          <p:cNvPicPr>
+            <a:picLocks noChangeAspect="1"/>
+          </p:cNvPicPr>
+          <p:nvPr/>
+        </p:nvPicPr>
+        <p:blipFill rotWithShape="1">
+          <a:blip r:embed="rId3">
+            <a:extLst>
+              <a:ext uri="{28A0092B-C50C-407E-A947-70E740481C1C}">
+                <a14:useLocalDpi xmlns:a14="http://schemas.microsoft.com/office/drawing/2010/main" val="0"/>
+              </a:ext>
+            </a:extLst>
+          </a:blip>
+          <a:srcRect l="69227" t="33418" r="20112" b="50548"/>
+          <a:stretch/>
+        </p:blipFill>
+        <p:spPr>
+          <a:xfrm>
+            <a:off x="15579524" y="7544693"/>
+            <a:ext cx="2708477" cy="2987579"/>
+          </a:xfrm>
+          <a:prstGeom prst="rect">
+            <a:avLst/>
+          </a:prstGeom>
+        </p:spPr>
+      </p:pic>
+      <p:sp>
+        <p:nvSpPr>
+          <p:cNvPr id="3" name="TextBox 2">
+            <a:extLst>
+              <a:ext uri="{FF2B5EF4-FFF2-40B4-BE49-F238E27FC236}">
+                <a16:creationId xmlns:a16="http://schemas.microsoft.com/office/drawing/2014/main" id="{1B972C77-007E-B6EB-C801-5C7906650F63}"/>
+              </a:ext>
+            </a:extLst>
+          </p:cNvPr>
+          <p:cNvSpPr txBox="1"/>
+          <p:nvPr/>
+        </p:nvSpPr>
+        <p:spPr>
+          <a:xfrm>
+            <a:off x="260431" y="329879"/>
+            <a:ext cx="8906720" cy="2624821"/>
+          </a:xfrm>
+          <a:prstGeom prst="rect">
+            <a:avLst/>
+          </a:prstGeom>
+          <a:noFill/>
+        </p:spPr>
+        <p:txBody>
+          <a:bodyPr wrap="square" rtlCol="0">
+            <a:spAutoFit/>
+          </a:bodyPr>
+          <a:lstStyle/>
+          <a:p>
+            <a:r>
+              <a:rPr lang="en-US" sz="6000" b="1" dirty="0">
+                <a:solidFill>
+                  <a:srgbClr val="CF3338"/>
+                </a:solidFill>
+                <a:latin typeface="Pragmatica" panose="020B0403040502020204" pitchFamily="34" charset="0"/>
+              </a:rPr>
+              <a:t>Resource: </a:t>
+            </a:r>
+            <a:r>
+              <a:rPr lang="en-US" sz="6000" b="1" i="1" dirty="0">
+                <a:solidFill>
+                  <a:srgbClr val="CF3338"/>
+                </a:solidFill>
+                <a:latin typeface="Pragmatica" panose="020B0403040502020204" pitchFamily="34" charset="0"/>
+              </a:rPr>
+              <a:t>Python for Excel</a:t>
+            </a:r>
+            <a:endParaRPr lang="en-US" sz="6000" b="1" dirty="0">
+              <a:solidFill>
+                <a:srgbClr val="CF3338"/>
+              </a:solidFill>
+              <a:latin typeface="Pragmatica" panose="020B0403040502020204" pitchFamily="34" charset="0"/>
+            </a:endParaRPr>
+          </a:p>
+          <a:p>
+            <a:pPr marL="142875">
+              <a:lnSpc>
+                <a:spcPct val="115000"/>
+              </a:lnSpc>
+              <a:spcBef>
+                <a:spcPts val="1125"/>
+              </a:spcBef>
+              <a:buClr>
+                <a:srgbClr val="C00000"/>
+              </a:buClr>
+              <a:buSzPts val="2100"/>
+            </a:pPr>
+            <a:endParaRPr lang="en-US" sz="3600" dirty="0">
+              <a:solidFill>
+                <a:srgbClr val="C00000"/>
+              </a:solidFill>
+              <a:latin typeface="Pragmatica" panose="020B0403040502020204"/>
+              <a:sym typeface="Consolas"/>
+            </a:endParaRPr>
+          </a:p>
+          <a:p>
+            <a:r>
+              <a:rPr lang="en-US" sz="5400" dirty="0">
+                <a:solidFill>
+                  <a:srgbClr val="CF3338"/>
+                </a:solidFill>
+                <a:latin typeface="Pragmatica" panose="020B0403040502020204" pitchFamily="34" charset="0"/>
+              </a:rPr>
+              <a:t>xlwings.org/book </a:t>
+            </a:r>
+          </a:p>
+        </p:txBody>
+      </p:sp>
+      <p:pic>
+        <p:nvPicPr>
+          <p:cNvPr id="1026" name="Picture 2" descr="Python for Excel">
+            <a:extLst>
+              <a:ext uri="{FF2B5EF4-FFF2-40B4-BE49-F238E27FC236}">
+                <a16:creationId xmlns:a16="http://schemas.microsoft.com/office/drawing/2014/main" id="{80644A9C-C912-1443-B13D-FF6D068A9C43}"/>
+              </a:ext>
+            </a:extLst>
+          </p:cNvPr>
+          <p:cNvPicPr>
+            <a:picLocks noChangeAspect="1" noChangeArrowheads="1"/>
+          </p:cNvPicPr>
+          <p:nvPr/>
+        </p:nvPicPr>
+        <p:blipFill>
+          <a:blip r:embed="rId4">
+            <a:extLst>
+              <a:ext uri="{28A0092B-C50C-407E-A947-70E740481C1C}">
+                <a14:useLocalDpi xmlns:a14="http://schemas.microsoft.com/office/drawing/2010/main" val="0"/>
+              </a:ext>
+            </a:extLst>
+          </a:blip>
+          <a:srcRect/>
+          <a:stretch>
+            <a:fillRect/>
+          </a:stretch>
+        </p:blipFill>
+        <p:spPr bwMode="auto">
+          <a:xfrm>
+            <a:off x="762000" y="4686300"/>
+            <a:ext cx="3810000" cy="5000625"/>
+          </a:xfrm>
+          <a:prstGeom prst="rect">
+            <a:avLst/>
+          </a:prstGeom>
+          <a:noFill/>
+          <a:extLst>
+            <a:ext uri="{909E8E84-426E-40DD-AFC4-6F175D3DCCD1}">
+              <a14:hiddenFill xmlns:a14="http://schemas.microsoft.com/office/drawing/2010/main">
+                <a:solidFill>
+                  <a:srgbClr val="FFFFFF"/>
+                </a:solidFill>
+              </a14:hiddenFill>
+            </a:ext>
+          </a:extLst>
+        </p:spPr>
+      </p:pic>
+    </p:spTree>
+    <p:extLst>
+      <p:ext uri="{BB962C8B-B14F-4D97-AF65-F5344CB8AC3E}">
+        <p14:creationId xmlns:p14="http://schemas.microsoft.com/office/powerpoint/2010/main" val="837451578"/>
+      </p:ext>
+    </p:extLst>
+  </p:cSld>
+  <p:clrMapOvr>
+    <a:masterClrMapping/>
+  </p:clrMapOvr>
+</p:sld>
+</file>
+
+<file path=ppt/slides/slide37.xml><?xml version="1.0" encoding="utf-8"?>
+<p:sld xmlns:a="http://schemas.openxmlformats.org/drawingml/2006/main" xmlns:r="http://schemas.openxmlformats.org/officeDocument/2006/relationships" xmlns:p="http://schemas.openxmlformats.org/presentationml/2006/main">
+  <p:cSld>
+    <p:spTree>
+      <p:nvGrpSpPr>
+        <p:cNvPr id="1" name="">
+          <a:extLst>
+            <a:ext uri="{FF2B5EF4-FFF2-40B4-BE49-F238E27FC236}">
+              <a16:creationId xmlns:a16="http://schemas.microsoft.com/office/drawing/2014/main" id="{1DCEF581-6BA9-4461-08BA-6D16F65F3328}"/>
+            </a:ext>
+          </a:extLst>
+        </p:cNvPr>
+        <p:cNvGrpSpPr/>
+        <p:nvPr/>
+      </p:nvGrpSpPr>
+      <p:grpSpPr>
+        <a:xfrm>
+          <a:off x="0" y="0"/>
+          <a:ext cx="0" cy="0"/>
+          <a:chOff x="0" y="0"/>
+          <a:chExt cx="0" cy="0"/>
+        </a:xfrm>
+      </p:grpSpPr>
+      <p:sp>
+        <p:nvSpPr>
+          <p:cNvPr id="4" name="Rectangle 3">
+            <a:extLst>
+              <a:ext uri="{FF2B5EF4-FFF2-40B4-BE49-F238E27FC236}">
+                <a16:creationId xmlns:a16="http://schemas.microsoft.com/office/drawing/2014/main" id="{086DF1D7-4393-B6A7-D04C-55B1E5B8B731}"/>
+              </a:ext>
+            </a:extLst>
+          </p:cNvPr>
+          <p:cNvSpPr/>
+          <p:nvPr/>
+        </p:nvSpPr>
+        <p:spPr>
+          <a:xfrm>
+            <a:off x="9861630" y="0"/>
+            <a:ext cx="8426370" cy="10287000"/>
+          </a:xfrm>
+          <a:prstGeom prst="rect">
+            <a:avLst/>
+          </a:prstGeom>
+          <a:solidFill>
+            <a:srgbClr val="CF3338"/>
+          </a:solidFill>
+          <a:ln>
+            <a:noFill/>
+          </a:ln>
+        </p:spPr>
+        <p:style>
+          <a:lnRef idx="2">
+            <a:schemeClr val="accent1">
+              <a:shade val="50000"/>
+            </a:schemeClr>
+          </a:lnRef>
+          <a:fillRef idx="1">
+            <a:schemeClr val="accent1"/>
+          </a:fillRef>
+          <a:effectRef idx="0">
+            <a:schemeClr val="accent1"/>
+          </a:effectRef>
+          <a:fontRef idx="minor">
+            <a:schemeClr val="lt1"/>
+          </a:fontRef>
+        </p:style>
+        <p:txBody>
+          <a:bodyPr rtlCol="0" anchor="ctr"/>
+          <a:lstStyle/>
+          <a:p>
+            <a:pPr algn="ctr"/>
+            <a:endParaRPr lang="en-US" sz="2700"/>
+          </a:p>
+        </p:txBody>
+      </p:sp>
+      <p:pic>
+        <p:nvPicPr>
+          <p:cNvPr id="2" name="Picture 1">
+            <a:extLst>
+              <a:ext uri="{FF2B5EF4-FFF2-40B4-BE49-F238E27FC236}">
+                <a16:creationId xmlns:a16="http://schemas.microsoft.com/office/drawing/2014/main" id="{310EF924-3C1C-4586-5E9A-2810C5DAD7C2}"/>
+              </a:ext>
+            </a:extLst>
+          </p:cNvPr>
+          <p:cNvPicPr>
+            <a:picLocks noChangeAspect="1"/>
+          </p:cNvPicPr>
+          <p:nvPr/>
+        </p:nvPicPr>
+        <p:blipFill rotWithShape="1">
+          <a:blip r:embed="rId3">
+            <a:extLst>
+              <a:ext uri="{28A0092B-C50C-407E-A947-70E740481C1C}">
+                <a14:useLocalDpi xmlns:a14="http://schemas.microsoft.com/office/drawing/2010/main" val="0"/>
+              </a:ext>
+            </a:extLst>
+          </a:blip>
+          <a:srcRect l="69227" t="33418" r="20112" b="50548"/>
+          <a:stretch/>
+        </p:blipFill>
+        <p:spPr>
+          <a:xfrm>
+            <a:off x="15579524" y="7544693"/>
+            <a:ext cx="2708477" cy="2987579"/>
+          </a:xfrm>
+          <a:prstGeom prst="rect">
+            <a:avLst/>
+          </a:prstGeom>
+        </p:spPr>
+      </p:pic>
+      <p:sp>
+        <p:nvSpPr>
+          <p:cNvPr id="3" name="TextBox 2">
+            <a:extLst>
+              <a:ext uri="{FF2B5EF4-FFF2-40B4-BE49-F238E27FC236}">
+                <a16:creationId xmlns:a16="http://schemas.microsoft.com/office/drawing/2014/main" id="{9C1992D3-0543-2919-A641-F8327941676A}"/>
+              </a:ext>
+            </a:extLst>
+          </p:cNvPr>
+          <p:cNvSpPr txBox="1"/>
+          <p:nvPr/>
+        </p:nvSpPr>
+        <p:spPr>
+          <a:xfrm>
+            <a:off x="260431" y="329879"/>
+            <a:ext cx="8906720" cy="3332707"/>
+          </a:xfrm>
+          <a:prstGeom prst="rect">
+            <a:avLst/>
+          </a:prstGeom>
+          <a:noFill/>
+        </p:spPr>
+        <p:txBody>
+          <a:bodyPr wrap="square" rtlCol="0">
+            <a:spAutoFit/>
+          </a:bodyPr>
+          <a:lstStyle/>
+          <a:p>
+            <a:r>
+              <a:rPr lang="en-US" sz="6000" b="1" dirty="0">
+                <a:solidFill>
+                  <a:srgbClr val="CF3338"/>
+                </a:solidFill>
+                <a:latin typeface="Pragmatica" panose="020B0403040502020204" pitchFamily="34" charset="0"/>
+              </a:rPr>
+              <a:t>Resource: </a:t>
+            </a:r>
+            <a:r>
+              <a:rPr lang="en-US" sz="6000" b="1" i="1" dirty="0">
+                <a:solidFill>
+                  <a:srgbClr val="CF3338"/>
+                </a:solidFill>
+                <a:latin typeface="Pragmatica" panose="020B0403040502020204" pitchFamily="34" charset="0"/>
+              </a:rPr>
+              <a:t>Modern Data Analytics in Excel</a:t>
+            </a:r>
+            <a:endParaRPr lang="en-US" sz="6000" b="1" dirty="0">
+              <a:solidFill>
+                <a:srgbClr val="CF3338"/>
+              </a:solidFill>
+              <a:latin typeface="Pragmatica" panose="020B0403040502020204" pitchFamily="34" charset="0"/>
+            </a:endParaRPr>
+          </a:p>
+          <a:p>
+            <a:pPr marL="142875">
+              <a:lnSpc>
+                <a:spcPct val="115000"/>
+              </a:lnSpc>
+              <a:spcBef>
+                <a:spcPts val="1125"/>
+              </a:spcBef>
+              <a:buClr>
+                <a:srgbClr val="C00000"/>
+              </a:buClr>
+              <a:buSzPts val="2100"/>
+            </a:pPr>
+            <a:endParaRPr lang="en-US" sz="3600" dirty="0">
+              <a:solidFill>
+                <a:srgbClr val="C00000"/>
+              </a:solidFill>
+              <a:latin typeface="Pragmatica" panose="020B0403040502020204"/>
+              <a:sym typeface="Consolas"/>
+            </a:endParaRPr>
+          </a:p>
+          <a:p>
+            <a:r>
+              <a:rPr lang="en-US" sz="4000" dirty="0">
+                <a:solidFill>
+                  <a:srgbClr val="CF3338"/>
+                </a:solidFill>
+                <a:latin typeface="Pragmatica" panose="020B0403040502020204" pitchFamily="34" charset="0"/>
+              </a:rPr>
+              <a:t>stringfestanalytics.com/maxl/</a:t>
+            </a:r>
+            <a:endParaRPr lang="en-US" sz="6000" dirty="0">
+              <a:solidFill>
+                <a:srgbClr val="CF3338"/>
+              </a:solidFill>
+              <a:latin typeface="Pragmatica" panose="020B0403040502020204" pitchFamily="34" charset="0"/>
+            </a:endParaRPr>
+          </a:p>
+        </p:txBody>
+      </p:sp>
+      <p:pic>
+        <p:nvPicPr>
+          <p:cNvPr id="1026" name="Picture 2" descr="Modern data analytics in Excel book cover">
+            <a:extLst>
+              <a:ext uri="{FF2B5EF4-FFF2-40B4-BE49-F238E27FC236}">
+                <a16:creationId xmlns:a16="http://schemas.microsoft.com/office/drawing/2014/main" id="{F8CF726B-4E1D-A6B6-3A42-0B86BB385453}"/>
+              </a:ext>
+            </a:extLst>
+          </p:cNvPr>
+          <p:cNvPicPr>
+            <a:picLocks noChangeAspect="1" noChangeArrowheads="1"/>
+          </p:cNvPicPr>
+          <p:nvPr/>
+        </p:nvPicPr>
+        <p:blipFill>
+          <a:blip r:embed="rId4">
+            <a:extLst>
+              <a:ext uri="{28A0092B-C50C-407E-A947-70E740481C1C}">
+                <a14:useLocalDpi xmlns:a14="http://schemas.microsoft.com/office/drawing/2010/main" val="0"/>
+              </a:ext>
+            </a:extLst>
+          </a:blip>
+          <a:srcRect/>
+          <a:stretch>
+            <a:fillRect/>
+          </a:stretch>
+        </p:blipFill>
+        <p:spPr bwMode="auto">
+          <a:xfrm>
+            <a:off x="990600" y="4636879"/>
+            <a:ext cx="3962399" cy="5196717"/>
+          </a:xfrm>
+          <a:prstGeom prst="rect">
+            <a:avLst/>
+          </a:prstGeom>
+          <a:noFill/>
+          <a:extLst>
+            <a:ext uri="{909E8E84-426E-40DD-AFC4-6F175D3DCCD1}">
+              <a14:hiddenFill xmlns:a14="http://schemas.microsoft.com/office/drawing/2010/main">
+                <a:solidFill>
+                  <a:srgbClr val="FFFFFF"/>
+                </a:solidFill>
+              </a14:hiddenFill>
+            </a:ext>
+          </a:extLst>
+        </p:spPr>
+      </p:pic>
+    </p:spTree>
+    <p:extLst>
+      <p:ext uri="{BB962C8B-B14F-4D97-AF65-F5344CB8AC3E}">
+        <p14:creationId xmlns:p14="http://schemas.microsoft.com/office/powerpoint/2010/main" val="616977739"/>
+      </p:ext>
+    </p:extLst>
+  </p:cSld>
+  <p:clrMapOvr>
+    <a:masterClrMapping/>
+  </p:clrMapOvr>
+</p:sld>
+</file>
+
+<file path=ppt/slides/slide38.xml><?xml version="1.0" encoding="utf-8"?>
 <p:sld xmlns:a="http://schemas.openxmlformats.org/drawingml/2006/main" xmlns:r="http://schemas.openxmlformats.org/officeDocument/2006/relationships" xmlns:p="http://schemas.openxmlformats.org/presentationml/2006/main">
   <p:cSld>
     <p:spTree>
@@ -10531,7 +13388,7 @@
         <p:spPr>
           <a:xfrm>
             <a:off x="486137" y="2531318"/>
-            <a:ext cx="11979797" cy="923330"/>
+            <a:ext cx="11979797" cy="5078313"/>
           </a:xfrm>
           <a:prstGeom prst="rect">
             <a:avLst/>
@@ -10551,8 +13408,97 @@
                 </a:solidFill>
                 <a:latin typeface="Pragmatica" panose="020B0403040502020204" pitchFamily="34" charset="0"/>
               </a:rPr>
-              <a:t>Questions?</a:t>
-            </a:r>
+              <a:t>THANK YOU</a:t>
+            </a:r>
+          </a:p>
+          <a:p>
+            <a:endParaRPr lang="en-US" sz="5400" b="1" dirty="0">
+              <a:solidFill>
+                <a:srgbClr val="CF3338"/>
+              </a:solidFill>
+              <a:latin typeface="Pragmatica" panose="020B0403040502020204" pitchFamily="34" charset="0"/>
+            </a:endParaRPr>
+          </a:p>
+          <a:p>
+            <a:pPr marL="571500" indent="-571500">
+              <a:buFont typeface="Arial" panose="020B0604020202020204" pitchFamily="34" charset="0"/>
+              <a:buChar char="•"/>
+            </a:pPr>
+            <a:r>
+              <a:rPr lang="en-US" sz="3600" dirty="0">
+                <a:solidFill>
+                  <a:srgbClr val="CF3338"/>
+                </a:solidFill>
+                <a:latin typeface="Pragmatica" panose="020B0403040502020204"/>
+                <a:sym typeface="Consolas"/>
+              </a:rPr>
+              <a:t>Linkedin.com/in/gjmount</a:t>
+            </a:r>
+          </a:p>
+          <a:p>
+            <a:pPr marL="571500" indent="-571500">
+              <a:buFont typeface="Arial" panose="020B0604020202020204" pitchFamily="34" charset="0"/>
+              <a:buChar char="•"/>
+            </a:pPr>
+            <a:r>
+              <a:rPr lang="en-US" sz="3600" dirty="0">
+                <a:solidFill>
+                  <a:srgbClr val="CF3338"/>
+                </a:solidFill>
+                <a:latin typeface="Pragmatica" panose="020B0403040502020204"/>
+                <a:sym typeface="Consolas"/>
+              </a:rPr>
+              <a:t>Twitter: @gjmount</a:t>
+            </a:r>
+          </a:p>
+          <a:p>
+            <a:pPr marL="571500" indent="-571500">
+              <a:buFont typeface="Arial" panose="020B0604020202020204" pitchFamily="34" charset="0"/>
+              <a:buChar char="•"/>
+            </a:pPr>
+            <a:r>
+              <a:rPr lang="en-US" sz="3600" dirty="0">
+                <a:solidFill>
+                  <a:srgbClr val="CF3338"/>
+                </a:solidFill>
+                <a:latin typeface="Pragmatica" panose="020B0403040502020204"/>
+                <a:sym typeface="Consolas"/>
+                <a:hlinkClick r:id="rId4">
+                  <a:extLst>
+                    <a:ext uri="{A12FA001-AC4F-418D-AE19-62706E023703}">
+                      <ahyp:hlinkClr xmlns:ahyp="http://schemas.microsoft.com/office/drawing/2018/hyperlinkcolor" val="tx"/>
+                    </a:ext>
+                  </a:extLst>
+                </a:hlinkClick>
+              </a:rPr>
+              <a:t>george@stringfestanalytics.com</a:t>
+            </a:r>
+            <a:r>
+              <a:rPr lang="en-US" sz="3600" dirty="0">
+                <a:solidFill>
+                  <a:srgbClr val="CF3338"/>
+                </a:solidFill>
+                <a:latin typeface="Pragmatica" panose="020B0403040502020204"/>
+                <a:sym typeface="Consolas"/>
+              </a:rPr>
+              <a:t> </a:t>
+            </a:r>
+          </a:p>
+          <a:p>
+            <a:endParaRPr lang="en-US" sz="5400" b="1" dirty="0">
+              <a:solidFill>
+                <a:srgbClr val="CF3338"/>
+              </a:solidFill>
+              <a:latin typeface="Pragmatica" panose="020B0403040502020204" pitchFamily="34" charset="0"/>
+            </a:endParaRPr>
+          </a:p>
+          <a:p>
+            <a:endParaRPr lang="en-US" sz="5400" b="1" dirty="0">
+              <a:solidFill>
+                <a:srgbClr val="CF3338"/>
+              </a:solidFill>
+              <a:latin typeface="Pragmatica" panose="020B0403040502020204" pitchFamily="34" charset="0"/>
+            </a:endParaRPr>
           </a:p>
         </p:txBody>
       </p:sp>
@@ -10571,7 +13517,7 @@
           <p:nvPr/>
         </p:nvPicPr>
         <p:blipFill>
-          <a:blip r:embed="rId4">
+          <a:blip r:embed="rId5">
             <a:extLst>
               <a:ext uri="{28A0092B-C50C-407E-A947-70E740481C1C}">
                 <a14:useLocalDpi xmlns:a14="http://schemas.microsoft.com/office/drawing/2010/main" val="0"/>
@@ -10594,7 +13540,7 @@
     </p:spTree>
     <p:extLst>
       <p:ext uri="{BB962C8B-B14F-4D97-AF65-F5344CB8AC3E}">
-        <p14:creationId xmlns:p14="http://schemas.microsoft.com/office/powerpoint/2010/main" val="59831101"/>
+        <p14:creationId xmlns:p14="http://schemas.microsoft.com/office/powerpoint/2010/main" val="75588663"/>
       </p:ext>
     </p:extLst>
   </p:cSld>
@@ -10604,7 +13550,7 @@
 </p:sld>
 </file>
 
-<file path=ppt/slides/slide28.xml><?xml version="1.0" encoding="utf-8"?>
+<file path=ppt/slides/slide39.xml><?xml version="1.0" encoding="utf-8"?>
 <p:sld xmlns:a="http://schemas.openxmlformats.org/drawingml/2006/main" xmlns:r="http://schemas.openxmlformats.org/officeDocument/2006/relationships" xmlns:p="http://schemas.openxmlformats.org/presentationml/2006/main">
   <p:cSld>
     <p:spTree>
@@ -10612,1427 +13558,7 @@
         <p:cNvPr id="1" name="">
           <a:extLst>
             <a:ext uri="{FF2B5EF4-FFF2-40B4-BE49-F238E27FC236}">
-              <a16:creationId xmlns:a16="http://schemas.microsoft.com/office/drawing/2014/main" id="{D5B9D487-5FDD-928B-171D-E34AF10DADA3}"/>
-            </a:ext>
-          </a:extLst>
-        </p:cNvPr>
-        <p:cNvGrpSpPr/>
-        <p:nvPr/>
-      </p:nvGrpSpPr>
-      <p:grpSpPr>
-        <a:xfrm>
-          <a:off x="0" y="0"/>
-          <a:ext cx="0" cy="0"/>
-          <a:chOff x="0" y="0"/>
-          <a:chExt cx="0" cy="0"/>
-        </a:xfrm>
-      </p:grpSpPr>
-      <p:sp>
-        <p:nvSpPr>
-          <p:cNvPr id="4" name="Rectangle 3">
-            <a:extLst>
-              <a:ext uri="{FF2B5EF4-FFF2-40B4-BE49-F238E27FC236}">
-                <a16:creationId xmlns:a16="http://schemas.microsoft.com/office/drawing/2014/main" id="{C4658881-183D-B3AA-2B67-4711223B6C40}"/>
-              </a:ext>
-            </a:extLst>
-          </p:cNvPr>
-          <p:cNvSpPr/>
-          <p:nvPr/>
-        </p:nvSpPr>
-        <p:spPr>
-          <a:xfrm>
-            <a:off x="0" y="0"/>
-            <a:ext cx="18288000" cy="10287000"/>
-          </a:xfrm>
-          <a:prstGeom prst="rect">
-            <a:avLst/>
-          </a:prstGeom>
-          <a:solidFill>
-            <a:srgbClr val="CF3338"/>
-          </a:solidFill>
-          <a:ln>
-            <a:noFill/>
-          </a:ln>
-        </p:spPr>
-        <p:style>
-          <a:lnRef idx="2">
-            <a:schemeClr val="accent1">
-              <a:shade val="50000"/>
-            </a:schemeClr>
-          </a:lnRef>
-          <a:fillRef idx="1">
-            <a:schemeClr val="accent1"/>
-          </a:fillRef>
-          <a:effectRef idx="0">
-            <a:schemeClr val="accent1"/>
-          </a:effectRef>
-          <a:fontRef idx="minor">
-            <a:schemeClr val="lt1"/>
-          </a:fontRef>
-        </p:style>
-        <p:txBody>
-          <a:bodyPr rtlCol="0" anchor="ctr"/>
-          <a:lstStyle/>
-          <a:p>
-            <a:pPr algn="ctr"/>
-            <a:endParaRPr lang="en-US" sz="2700"/>
-          </a:p>
-        </p:txBody>
-      </p:sp>
-      <p:sp>
-        <p:nvSpPr>
-          <p:cNvPr id="5" name="TextBox 4">
-            <a:extLst>
-              <a:ext uri="{FF2B5EF4-FFF2-40B4-BE49-F238E27FC236}">
-                <a16:creationId xmlns:a16="http://schemas.microsoft.com/office/drawing/2014/main" id="{49ACC0F4-3DBC-3668-5BE8-9F565D30335C}"/>
-              </a:ext>
-            </a:extLst>
-          </p:cNvPr>
-          <p:cNvSpPr txBox="1"/>
-          <p:nvPr/>
-        </p:nvSpPr>
-        <p:spPr>
-          <a:xfrm>
-            <a:off x="781292" y="590309"/>
-            <a:ext cx="15486926" cy="3139321"/>
-          </a:xfrm>
-          <a:prstGeom prst="rect">
-            <a:avLst/>
-          </a:prstGeom>
-          <a:noFill/>
-        </p:spPr>
-        <p:txBody>
-          <a:bodyPr wrap="square" rtlCol="0">
-            <a:spAutoFit/>
-          </a:bodyPr>
-          <a:lstStyle/>
-          <a:p>
-            <a:r>
-              <a:rPr lang="en-US" sz="9900" b="1" dirty="0">
-                <a:solidFill>
-                  <a:schemeClr val="bg1"/>
-                </a:solidFill>
-                <a:latin typeface="Normafixed Tryout" panose="00000409000000000000" pitchFamily="49" charset="0"/>
-              </a:rPr>
-              <a:t>6. Combined use cases for Python in Excel</a:t>
-            </a:r>
-          </a:p>
-        </p:txBody>
-      </p:sp>
-    </p:spTree>
-    <p:extLst>
-      <p:ext uri="{BB962C8B-B14F-4D97-AF65-F5344CB8AC3E}">
-        <p14:creationId xmlns:p14="http://schemas.microsoft.com/office/powerpoint/2010/main" val="2453805199"/>
-      </p:ext>
-    </p:extLst>
-  </p:cSld>
-  <p:clrMapOvr>
-    <a:masterClrMapping/>
-  </p:clrMapOvr>
-</p:sld>
-</file>
-
-<file path=ppt/slides/slide29.xml><?xml version="1.0" encoding="utf-8"?>
-<p:sld xmlns:a="http://schemas.openxmlformats.org/drawingml/2006/main" xmlns:r="http://schemas.openxmlformats.org/officeDocument/2006/relationships" xmlns:p="http://schemas.openxmlformats.org/presentationml/2006/main">
-  <p:cSld>
-    <p:spTree>
-      <p:nvGrpSpPr>
-        <p:cNvPr id="1" name="">
-          <a:extLst>
-            <a:ext uri="{FF2B5EF4-FFF2-40B4-BE49-F238E27FC236}">
-              <a16:creationId xmlns:a16="http://schemas.microsoft.com/office/drawing/2014/main" id="{2FB5DE1B-28FC-C0FD-E79F-1EBEED8D1FD1}"/>
-            </a:ext>
-          </a:extLst>
-        </p:cNvPr>
-        <p:cNvGrpSpPr/>
-        <p:nvPr/>
-      </p:nvGrpSpPr>
-      <p:grpSpPr>
-        <a:xfrm>
-          <a:off x="0" y="0"/>
-          <a:ext cx="0" cy="0"/>
-          <a:chOff x="0" y="0"/>
-          <a:chExt cx="0" cy="0"/>
-        </a:xfrm>
-      </p:grpSpPr>
-      <p:sp>
-        <p:nvSpPr>
-          <p:cNvPr id="4" name="Rectangle 3">
-            <a:extLst>
-              <a:ext uri="{FF2B5EF4-FFF2-40B4-BE49-F238E27FC236}">
-                <a16:creationId xmlns:a16="http://schemas.microsoft.com/office/drawing/2014/main" id="{E09FE423-5F2C-B085-E6DB-678A0A38CDFD}"/>
-              </a:ext>
-            </a:extLst>
-          </p:cNvPr>
-          <p:cNvSpPr/>
-          <p:nvPr/>
-        </p:nvSpPr>
-        <p:spPr>
-          <a:xfrm>
-            <a:off x="11963400" y="0"/>
-            <a:ext cx="6324600" cy="10287000"/>
-          </a:xfrm>
-          <a:prstGeom prst="rect">
-            <a:avLst/>
-          </a:prstGeom>
-          <a:solidFill>
-            <a:srgbClr val="CF3338"/>
-          </a:solidFill>
-          <a:ln>
-            <a:noFill/>
-          </a:ln>
-        </p:spPr>
-        <p:style>
-          <a:lnRef idx="2">
-            <a:schemeClr val="accent1">
-              <a:shade val="50000"/>
-            </a:schemeClr>
-          </a:lnRef>
-          <a:fillRef idx="1">
-            <a:schemeClr val="accent1"/>
-          </a:fillRef>
-          <a:effectRef idx="0">
-            <a:schemeClr val="accent1"/>
-          </a:effectRef>
-          <a:fontRef idx="minor">
-            <a:schemeClr val="lt1"/>
-          </a:fontRef>
-        </p:style>
-        <p:txBody>
-          <a:bodyPr rtlCol="0" anchor="ctr"/>
-          <a:lstStyle/>
-          <a:p>
-            <a:pPr algn="ctr"/>
-            <a:endParaRPr lang="en-US" sz="2700"/>
-          </a:p>
-        </p:txBody>
-      </p:sp>
-      <p:pic>
-        <p:nvPicPr>
-          <p:cNvPr id="2" name="Picture 1">
-            <a:extLst>
-              <a:ext uri="{FF2B5EF4-FFF2-40B4-BE49-F238E27FC236}">
-                <a16:creationId xmlns:a16="http://schemas.microsoft.com/office/drawing/2014/main" id="{E21163B3-018D-68FE-688B-922B7B01ECE1}"/>
-              </a:ext>
-            </a:extLst>
-          </p:cNvPr>
-          <p:cNvPicPr>
-            <a:picLocks noChangeAspect="1"/>
-          </p:cNvPicPr>
-          <p:nvPr/>
-        </p:nvPicPr>
-        <p:blipFill rotWithShape="1">
-          <a:blip r:embed="rId3">
-            <a:extLst>
-              <a:ext uri="{28A0092B-C50C-407E-A947-70E740481C1C}">
-                <a14:useLocalDpi xmlns:a14="http://schemas.microsoft.com/office/drawing/2010/main" val="0"/>
-              </a:ext>
-            </a:extLst>
-          </a:blip>
-          <a:srcRect l="69227" t="33418" r="20112" b="50548"/>
-          <a:stretch/>
-        </p:blipFill>
-        <p:spPr>
-          <a:xfrm>
-            <a:off x="15579524" y="7544693"/>
-            <a:ext cx="2708477" cy="2987579"/>
-          </a:xfrm>
-          <a:prstGeom prst="rect">
-            <a:avLst/>
-          </a:prstGeom>
-        </p:spPr>
-      </p:pic>
-      <p:sp>
-        <p:nvSpPr>
-          <p:cNvPr id="3" name="TextBox 2">
-            <a:extLst>
-              <a:ext uri="{FF2B5EF4-FFF2-40B4-BE49-F238E27FC236}">
-                <a16:creationId xmlns:a16="http://schemas.microsoft.com/office/drawing/2014/main" id="{1F0D6E18-C2F9-94D6-0020-F745F308D8E6}"/>
-              </a:ext>
-            </a:extLst>
-          </p:cNvPr>
-          <p:cNvSpPr txBox="1"/>
-          <p:nvPr/>
-        </p:nvSpPr>
-        <p:spPr>
-          <a:xfrm>
-            <a:off x="260430" y="329879"/>
-            <a:ext cx="11017170" cy="10864513"/>
-          </a:xfrm>
-          <a:prstGeom prst="rect">
-            <a:avLst/>
-          </a:prstGeom>
-          <a:noFill/>
-        </p:spPr>
-        <p:txBody>
-          <a:bodyPr wrap="square" rtlCol="0">
-            <a:spAutoFit/>
-          </a:bodyPr>
-          <a:lstStyle/>
-          <a:p>
-            <a:r>
-              <a:rPr lang="en-US" sz="6000" b="1" dirty="0">
-                <a:solidFill>
-                  <a:srgbClr val="CF3338"/>
-                </a:solidFill>
-                <a:latin typeface="Pragmatica" panose="020B0403040502020204" pitchFamily="34" charset="0"/>
-              </a:rPr>
-              <a:t>Building a moving average chart</a:t>
-            </a:r>
-          </a:p>
-          <a:p>
-            <a:endParaRPr lang="en-US" sz="4200" dirty="0">
-              <a:solidFill>
-                <a:srgbClr val="CF3338"/>
-              </a:solidFill>
-              <a:latin typeface="Pragmatica" panose="020B0403040502020204" pitchFamily="34" charset="0"/>
-            </a:endParaRPr>
-          </a:p>
-          <a:p>
-            <a:pPr marL="714375" indent="-571500">
-              <a:lnSpc>
-                <a:spcPct val="115000"/>
-              </a:lnSpc>
-              <a:spcBef>
-                <a:spcPts val="1125"/>
-              </a:spcBef>
-              <a:buClr>
-                <a:srgbClr val="C00000"/>
-              </a:buClr>
-              <a:buSzPts val="2100"/>
-              <a:buFont typeface="Arial" panose="020B0604020202020204" pitchFamily="34" charset="0"/>
-              <a:buChar char="•"/>
-            </a:pPr>
-            <a:r>
-              <a:rPr lang="en-US" sz="3600" dirty="0">
-                <a:solidFill>
-                  <a:srgbClr val="C00000"/>
-                </a:solidFill>
-                <a:latin typeface="Pragmatica" panose="020B0403040502020204"/>
-                <a:sym typeface="Consolas"/>
-              </a:rPr>
-              <a:t>Develop an interactive moving average chart using Python within an Excel workbook</a:t>
-            </a:r>
-          </a:p>
-          <a:p>
-            <a:pPr marL="714375" indent="-571500">
-              <a:lnSpc>
-                <a:spcPct val="115000"/>
-              </a:lnSpc>
-              <a:spcBef>
-                <a:spcPts val="1125"/>
-              </a:spcBef>
-              <a:buClr>
-                <a:srgbClr val="C00000"/>
-              </a:buClr>
-              <a:buSzPts val="2100"/>
-              <a:buFont typeface="Arial" panose="020B0604020202020204" pitchFamily="34" charset="0"/>
-              <a:buChar char="•"/>
-            </a:pPr>
-            <a:r>
-              <a:rPr lang="en-US" sz="3600" dirty="0">
-                <a:solidFill>
-                  <a:srgbClr val="C00000"/>
-                </a:solidFill>
-                <a:latin typeface="Pragmatica" panose="020B0403040502020204"/>
-                <a:sym typeface="Consolas"/>
-              </a:rPr>
-              <a:t>Combine Python backend processing with Excel frontend capabilities to build user-driven data analyses</a:t>
-            </a:r>
-          </a:p>
-          <a:p>
-            <a:pPr marL="142875">
-              <a:lnSpc>
-                <a:spcPct val="115000"/>
-              </a:lnSpc>
-              <a:spcBef>
-                <a:spcPts val="1125"/>
-              </a:spcBef>
-              <a:buClr>
-                <a:srgbClr val="C00000"/>
-              </a:buClr>
-              <a:buSzPts val="2100"/>
-            </a:pPr>
-            <a:r>
-              <a:rPr lang="en-US" sz="3600" dirty="0">
-                <a:solidFill>
-                  <a:srgbClr val="C00000"/>
-                </a:solidFill>
-                <a:latin typeface="Pragmatica" panose="020B0403040502020204"/>
-                <a:sym typeface="Consolas"/>
-              </a:rPr>
-              <a:t>File: </a:t>
-            </a:r>
-            <a:r>
-              <a:rPr lang="en-US" sz="3600" dirty="0">
-                <a:solidFill>
-                  <a:srgbClr val="C00000"/>
-                </a:solidFill>
-                <a:latin typeface="Consolas" panose="020B0609020204030204" pitchFamily="49" charset="0"/>
-                <a:sym typeface="Consolas"/>
-              </a:rPr>
-              <a:t>moving-average.xlsx</a:t>
-            </a:r>
-            <a:br>
-              <a:rPr lang="en-US" sz="3600" dirty="0">
-                <a:solidFill>
-                  <a:srgbClr val="C00000"/>
-                </a:solidFill>
-                <a:latin typeface="Consolas" panose="020B0609020204030204" pitchFamily="49" charset="0"/>
-                <a:sym typeface="Consolas"/>
-              </a:rPr>
-            </a:br>
-            <a:r>
-              <a:rPr lang="en-US" sz="3600" dirty="0">
-                <a:solidFill>
-                  <a:srgbClr val="C00000"/>
-                </a:solidFill>
-                <a:latin typeface="Pragmatica" panose="020B0403040502020204"/>
-                <a:sym typeface="Consolas"/>
-              </a:rPr>
-              <a:t>User-defined resample period: </a:t>
-            </a:r>
-            <a:r>
-              <a:rPr lang="en-US" sz="3600" dirty="0">
-                <a:solidFill>
-                  <a:srgbClr val="C00000"/>
-                </a:solidFill>
-                <a:latin typeface="Consolas" panose="020B0609020204030204" pitchFamily="49" charset="0"/>
-                <a:sym typeface="Consolas"/>
-              </a:rPr>
-              <a:t>dynamic-moving-average.xlsx</a:t>
-            </a:r>
-          </a:p>
-          <a:p>
-            <a:pPr marL="142875">
-              <a:lnSpc>
-                <a:spcPct val="115000"/>
-              </a:lnSpc>
-              <a:spcBef>
-                <a:spcPts val="1125"/>
-              </a:spcBef>
-              <a:buClr>
-                <a:srgbClr val="C00000"/>
-              </a:buClr>
-              <a:buSzPts val="2100"/>
-            </a:pPr>
-            <a:endParaRPr lang="en-US" sz="3600" dirty="0">
-              <a:solidFill>
-                <a:srgbClr val="C00000"/>
-              </a:solidFill>
-              <a:latin typeface="Consolas" panose="020B0609020204030204" pitchFamily="49" charset="0"/>
-              <a:sym typeface="Consolas"/>
-            </a:endParaRPr>
-          </a:p>
-          <a:p>
-            <a:pPr marL="142875">
-              <a:lnSpc>
-                <a:spcPct val="115000"/>
-              </a:lnSpc>
-              <a:spcBef>
-                <a:spcPts val="1125"/>
-              </a:spcBef>
-              <a:buClr>
-                <a:srgbClr val="C00000"/>
-              </a:buClr>
-              <a:buSzPts val="2100"/>
-            </a:pPr>
-            <a:endParaRPr lang="en-US" sz="3600" dirty="0">
-              <a:solidFill>
-                <a:srgbClr val="C00000"/>
-              </a:solidFill>
-              <a:latin typeface="Consolas" panose="020B0609020204030204" pitchFamily="49" charset="0"/>
-              <a:sym typeface="Consolas"/>
-            </a:endParaRPr>
-          </a:p>
-          <a:p>
-            <a:pPr marL="142875">
-              <a:lnSpc>
-                <a:spcPct val="115000"/>
-              </a:lnSpc>
-              <a:spcBef>
-                <a:spcPts val="1125"/>
-              </a:spcBef>
-              <a:buClr>
-                <a:srgbClr val="C00000"/>
-              </a:buClr>
-              <a:buSzPts val="2100"/>
-            </a:pPr>
-            <a:endParaRPr lang="en-US" sz="6000" dirty="0">
-              <a:solidFill>
-                <a:srgbClr val="CF3338"/>
-              </a:solidFill>
-              <a:latin typeface="Consolas" panose="020B0609020204030204" pitchFamily="49" charset="0"/>
-            </a:endParaRPr>
-          </a:p>
-          <a:p>
-            <a:endParaRPr lang="en-US" sz="6000" dirty="0">
-              <a:solidFill>
-                <a:srgbClr val="CF3338"/>
-              </a:solidFill>
-              <a:latin typeface="Pragmatica" panose="020B0403040502020204" pitchFamily="34" charset="0"/>
-            </a:endParaRPr>
-          </a:p>
-        </p:txBody>
-      </p:sp>
-    </p:spTree>
-    <p:extLst>
-      <p:ext uri="{BB962C8B-B14F-4D97-AF65-F5344CB8AC3E}">
-        <p14:creationId xmlns:p14="http://schemas.microsoft.com/office/powerpoint/2010/main" val="3981037871"/>
-      </p:ext>
-    </p:extLst>
-  </p:cSld>
-  <p:clrMapOvr>
-    <a:masterClrMapping/>
-  </p:clrMapOvr>
-</p:sld>
-</file>
-
-<file path=ppt/slides/slide3.xml><?xml version="1.0" encoding="utf-8"?>
-<p:sld xmlns:a="http://schemas.openxmlformats.org/drawingml/2006/main" xmlns:r="http://schemas.openxmlformats.org/officeDocument/2006/relationships" xmlns:p="http://schemas.openxmlformats.org/presentationml/2006/main">
-  <p:cSld>
-    <p:spTree>
-      <p:nvGrpSpPr>
-        <p:cNvPr id="1" name=""/>
-        <p:cNvGrpSpPr/>
-        <p:nvPr/>
-      </p:nvGrpSpPr>
-      <p:grpSpPr>
-        <a:xfrm>
-          <a:off x="0" y="0"/>
-          <a:ext cx="0" cy="0"/>
-          <a:chOff x="0" y="0"/>
-          <a:chExt cx="0" cy="0"/>
-        </a:xfrm>
-      </p:grpSpPr>
-      <p:sp>
-        <p:nvSpPr>
-          <p:cNvPr id="11" name="TextBox 10"/>
-          <p:cNvSpPr txBox="1"/>
-          <p:nvPr/>
-        </p:nvSpPr>
-        <p:spPr>
-          <a:xfrm>
-            <a:off x="520861" y="170082"/>
-            <a:ext cx="11979797" cy="2862322"/>
-          </a:xfrm>
-          <a:prstGeom prst="rect">
-            <a:avLst/>
-          </a:prstGeom>
-          <a:noFill/>
-        </p:spPr>
-        <p:txBody>
-          <a:bodyPr wrap="square" rtlCol="0">
-            <a:spAutoFit/>
-          </a:bodyPr>
-          <a:lstStyle/>
-          <a:p>
-            <a:r>
-              <a:rPr lang="en-US" sz="9000" dirty="0">
-                <a:latin typeface="Aliens &amp; cows" panose="00000500000000000000" pitchFamily="2" charset="0"/>
-              </a:rPr>
-              <a:t>Objectives for this session</a:t>
-            </a:r>
-          </a:p>
-        </p:txBody>
-      </p:sp>
-      <p:sp>
-        <p:nvSpPr>
-          <p:cNvPr id="3" name="TextBox 2"/>
-          <p:cNvSpPr txBox="1"/>
-          <p:nvPr/>
-        </p:nvSpPr>
-        <p:spPr>
-          <a:xfrm>
-            <a:off x="520861" y="3191948"/>
-            <a:ext cx="14393120" cy="3970318"/>
-          </a:xfrm>
-          <a:prstGeom prst="rect">
-            <a:avLst/>
-          </a:prstGeom>
-          <a:noFill/>
-        </p:spPr>
-        <p:txBody>
-          <a:bodyPr wrap="square" rtlCol="0">
-            <a:spAutoFit/>
-          </a:bodyPr>
-          <a:lstStyle/>
-          <a:p>
-            <a:pPr marL="685800" indent="-685800">
-              <a:buClr>
-                <a:srgbClr val="CF3338"/>
-              </a:buClr>
-              <a:buFont typeface="Arial" panose="020B0604020202020204" pitchFamily="34" charset="0"/>
-              <a:buChar char="•"/>
-            </a:pPr>
-            <a:r>
-              <a:rPr lang="en-US" sz="4200" dirty="0">
-                <a:solidFill>
-                  <a:srgbClr val="707070"/>
-                </a:solidFill>
-                <a:latin typeface="Pragmatica" panose="020B0403040502020204" pitchFamily="34" charset="0"/>
-              </a:rPr>
-              <a:t>Learn core Python integration techniques in Excel.</a:t>
-            </a:r>
-          </a:p>
-          <a:p>
-            <a:pPr marL="685800" indent="-685800">
-              <a:buClr>
-                <a:srgbClr val="CF3338"/>
-              </a:buClr>
-              <a:buFont typeface="Arial" panose="020B0604020202020204" pitchFamily="34" charset="0"/>
-              <a:buChar char="•"/>
-            </a:pPr>
-            <a:r>
-              <a:rPr lang="en-US" sz="4200" dirty="0">
-                <a:solidFill>
-                  <a:srgbClr val="707070"/>
-                </a:solidFill>
-                <a:latin typeface="Pragmatica" panose="020B0403040502020204" pitchFamily="34" charset="0"/>
-              </a:rPr>
-              <a:t>Apply Python for complex data analysis and visualization techniques. </a:t>
-            </a:r>
-          </a:p>
-          <a:p>
-            <a:pPr marL="685800" indent="-685800">
-              <a:buClr>
-                <a:srgbClr val="CF3338"/>
-              </a:buClr>
-              <a:buFont typeface="Arial" panose="020B0604020202020204" pitchFamily="34" charset="0"/>
-              <a:buChar char="•"/>
-            </a:pPr>
-            <a:r>
-              <a:rPr lang="en-US" sz="4200" dirty="0">
-                <a:solidFill>
-                  <a:srgbClr val="707070"/>
-                </a:solidFill>
-                <a:latin typeface="Pragmatica" panose="020B0403040502020204" pitchFamily="34" charset="0"/>
-              </a:rPr>
-              <a:t>Harness generative AI and Copilot for assistance with Python tasks. </a:t>
-            </a:r>
-          </a:p>
-          <a:p>
-            <a:pPr marL="685800" indent="-685800">
-              <a:buClr>
-                <a:srgbClr val="CF3338"/>
-              </a:buClr>
-              <a:buFont typeface="Arial" panose="020B0604020202020204" pitchFamily="34" charset="0"/>
-              <a:buChar char="•"/>
-            </a:pPr>
-            <a:r>
-              <a:rPr lang="en-US" sz="4200" dirty="0">
-                <a:solidFill>
-                  <a:srgbClr val="707070"/>
-                </a:solidFill>
-                <a:latin typeface="Pragmatica" panose="020B0403040502020204" pitchFamily="34" charset="0"/>
-              </a:rPr>
-              <a:t>Master Python-driven Excel report automation. </a:t>
-            </a:r>
-          </a:p>
-        </p:txBody>
-      </p:sp>
-      <p:pic>
-        <p:nvPicPr>
-          <p:cNvPr id="15" name="Picture 14" descr="A close up of a sign&#10;&#10;Description automatically generated">
-            <a:extLst>
-              <a:ext uri="{FF2B5EF4-FFF2-40B4-BE49-F238E27FC236}">
-                <a16:creationId xmlns:a16="http://schemas.microsoft.com/office/drawing/2014/main" id="{29761B90-A7DE-4A60-A915-F085BD87CAB4}"/>
-              </a:ext>
-            </a:extLst>
-          </p:cNvPr>
-          <p:cNvPicPr>
-            <a:picLocks noChangeAspect="1"/>
-          </p:cNvPicPr>
-          <p:nvPr/>
-        </p:nvPicPr>
-        <p:blipFill>
-          <a:blip r:embed="rId2">
-            <a:extLst>
-              <a:ext uri="{28A0092B-C50C-407E-A947-70E740481C1C}">
-                <a14:useLocalDpi xmlns:a14="http://schemas.microsoft.com/office/drawing/2010/main" val="0"/>
-              </a:ext>
-            </a:extLst>
-          </a:blip>
-          <a:stretch>
-            <a:fillRect/>
-          </a:stretch>
-        </p:blipFill>
-        <p:spPr>
-          <a:xfrm>
-            <a:off x="16341036" y="8058429"/>
-            <a:ext cx="1942857" cy="2228571"/>
-          </a:xfrm>
-          <a:prstGeom prst="rect">
-            <a:avLst/>
-          </a:prstGeom>
-        </p:spPr>
-      </p:pic>
-    </p:spTree>
-    <p:extLst>
-      <p:ext uri="{BB962C8B-B14F-4D97-AF65-F5344CB8AC3E}">
-        <p14:creationId xmlns:p14="http://schemas.microsoft.com/office/powerpoint/2010/main" val="3830029867"/>
-      </p:ext>
-    </p:extLst>
-  </p:cSld>
-  <p:clrMapOvr>
-    <a:masterClrMapping/>
-  </p:clrMapOvr>
-</p:sld>
-</file>
-
-<file path=ppt/slides/slide30.xml><?xml version="1.0" encoding="utf-8"?>
-<p:sld xmlns:a="http://schemas.openxmlformats.org/drawingml/2006/main" xmlns:r="http://schemas.openxmlformats.org/officeDocument/2006/relationships" xmlns:p="http://schemas.openxmlformats.org/presentationml/2006/main">
-  <p:cSld>
-    <p:spTree>
-      <p:nvGrpSpPr>
-        <p:cNvPr id="1" name="">
-          <a:extLst>
-            <a:ext uri="{FF2B5EF4-FFF2-40B4-BE49-F238E27FC236}">
-              <a16:creationId xmlns:a16="http://schemas.microsoft.com/office/drawing/2014/main" id="{1D94D3B1-C917-4EB0-DE9D-04CA302E7F82}"/>
-            </a:ext>
-          </a:extLst>
-        </p:cNvPr>
-        <p:cNvGrpSpPr/>
-        <p:nvPr/>
-      </p:nvGrpSpPr>
-      <p:grpSpPr>
-        <a:xfrm>
-          <a:off x="0" y="0"/>
-          <a:ext cx="0" cy="0"/>
-          <a:chOff x="0" y="0"/>
-          <a:chExt cx="0" cy="0"/>
-        </a:xfrm>
-      </p:grpSpPr>
-      <p:sp>
-        <p:nvSpPr>
-          <p:cNvPr id="4" name="Rectangle 3">
-            <a:extLst>
-              <a:ext uri="{FF2B5EF4-FFF2-40B4-BE49-F238E27FC236}">
-                <a16:creationId xmlns:a16="http://schemas.microsoft.com/office/drawing/2014/main" id="{4F7D33EC-6D3B-E0E8-2880-9F4B01B660E0}"/>
-              </a:ext>
-            </a:extLst>
-          </p:cNvPr>
-          <p:cNvSpPr/>
-          <p:nvPr/>
-        </p:nvSpPr>
-        <p:spPr>
-          <a:xfrm>
-            <a:off x="11963400" y="0"/>
-            <a:ext cx="6324600" cy="10287000"/>
-          </a:xfrm>
-          <a:prstGeom prst="rect">
-            <a:avLst/>
-          </a:prstGeom>
-          <a:solidFill>
-            <a:srgbClr val="CF3338"/>
-          </a:solidFill>
-          <a:ln>
-            <a:noFill/>
-          </a:ln>
-        </p:spPr>
-        <p:style>
-          <a:lnRef idx="2">
-            <a:schemeClr val="accent1">
-              <a:shade val="50000"/>
-            </a:schemeClr>
-          </a:lnRef>
-          <a:fillRef idx="1">
-            <a:schemeClr val="accent1"/>
-          </a:fillRef>
-          <a:effectRef idx="0">
-            <a:schemeClr val="accent1"/>
-          </a:effectRef>
-          <a:fontRef idx="minor">
-            <a:schemeClr val="lt1"/>
-          </a:fontRef>
-        </p:style>
-        <p:txBody>
-          <a:bodyPr rtlCol="0" anchor="ctr"/>
-          <a:lstStyle/>
-          <a:p>
-            <a:pPr algn="ctr"/>
-            <a:endParaRPr lang="en-US" sz="2700"/>
-          </a:p>
-        </p:txBody>
-      </p:sp>
-      <p:pic>
-        <p:nvPicPr>
-          <p:cNvPr id="2" name="Picture 1">
-            <a:extLst>
-              <a:ext uri="{FF2B5EF4-FFF2-40B4-BE49-F238E27FC236}">
-                <a16:creationId xmlns:a16="http://schemas.microsoft.com/office/drawing/2014/main" id="{85747CA4-0869-B933-381D-4273D1DD731C}"/>
-              </a:ext>
-            </a:extLst>
-          </p:cNvPr>
-          <p:cNvPicPr>
-            <a:picLocks noChangeAspect="1"/>
-          </p:cNvPicPr>
-          <p:nvPr/>
-        </p:nvPicPr>
-        <p:blipFill rotWithShape="1">
-          <a:blip r:embed="rId3">
-            <a:extLst>
-              <a:ext uri="{28A0092B-C50C-407E-A947-70E740481C1C}">
-                <a14:useLocalDpi xmlns:a14="http://schemas.microsoft.com/office/drawing/2010/main" val="0"/>
-              </a:ext>
-            </a:extLst>
-          </a:blip>
-          <a:srcRect l="69227" t="33418" r="20112" b="50548"/>
-          <a:stretch/>
-        </p:blipFill>
-        <p:spPr>
-          <a:xfrm>
-            <a:off x="15579524" y="7544693"/>
-            <a:ext cx="2708477" cy="2987579"/>
-          </a:xfrm>
-          <a:prstGeom prst="rect">
-            <a:avLst/>
-          </a:prstGeom>
-        </p:spPr>
-      </p:pic>
-      <p:sp>
-        <p:nvSpPr>
-          <p:cNvPr id="3" name="TextBox 2">
-            <a:extLst>
-              <a:ext uri="{FF2B5EF4-FFF2-40B4-BE49-F238E27FC236}">
-                <a16:creationId xmlns:a16="http://schemas.microsoft.com/office/drawing/2014/main" id="{C91D0215-089E-3CD1-C917-7699A738972C}"/>
-              </a:ext>
-            </a:extLst>
-          </p:cNvPr>
-          <p:cNvSpPr txBox="1"/>
-          <p:nvPr/>
-        </p:nvSpPr>
-        <p:spPr>
-          <a:xfrm>
-            <a:off x="260430" y="329879"/>
-            <a:ext cx="11017170" cy="8387424"/>
-          </a:xfrm>
-          <a:prstGeom prst="rect">
-            <a:avLst/>
-          </a:prstGeom>
-          <a:noFill/>
-        </p:spPr>
-        <p:txBody>
-          <a:bodyPr wrap="square" rtlCol="0">
-            <a:spAutoFit/>
-          </a:bodyPr>
-          <a:lstStyle/>
-          <a:p>
-            <a:r>
-              <a:rPr lang="en-US" sz="6000" b="1" dirty="0">
-                <a:solidFill>
-                  <a:srgbClr val="CF3338"/>
-                </a:solidFill>
-                <a:latin typeface="Pragmatica" panose="020B0403040502020204" pitchFamily="34" charset="0"/>
-              </a:rPr>
-              <a:t>Dynamic measures</a:t>
-            </a:r>
-          </a:p>
-          <a:p>
-            <a:endParaRPr lang="en-US" sz="4200" dirty="0">
-              <a:solidFill>
-                <a:srgbClr val="CF3338"/>
-              </a:solidFill>
-              <a:latin typeface="Pragmatica" panose="020B0403040502020204" pitchFamily="34" charset="0"/>
-            </a:endParaRPr>
-          </a:p>
-          <a:p>
-            <a:pPr marL="714375" indent="-571500">
-              <a:lnSpc>
-                <a:spcPct val="115000"/>
-              </a:lnSpc>
-              <a:spcBef>
-                <a:spcPts val="1125"/>
-              </a:spcBef>
-              <a:buClr>
-                <a:srgbClr val="C00000"/>
-              </a:buClr>
-              <a:buSzPts val="2100"/>
-              <a:buFont typeface="Arial" panose="020B0604020202020204" pitchFamily="34" charset="0"/>
-              <a:buChar char="•"/>
-            </a:pPr>
-            <a:r>
-              <a:rPr lang="en-US" sz="3600" dirty="0">
-                <a:solidFill>
-                  <a:srgbClr val="C00000"/>
-                </a:solidFill>
-                <a:latin typeface="Pragmatica" panose="020B0403040502020204"/>
-                <a:sym typeface="Consolas"/>
-              </a:rPr>
-              <a:t>Create dynamic measures a la Power BI/Tableau</a:t>
-            </a:r>
-          </a:p>
-          <a:p>
-            <a:pPr marL="714375" indent="-571500">
-              <a:lnSpc>
-                <a:spcPct val="115000"/>
-              </a:lnSpc>
-              <a:spcBef>
-                <a:spcPts val="1125"/>
-              </a:spcBef>
-              <a:buClr>
-                <a:srgbClr val="C00000"/>
-              </a:buClr>
-              <a:buSzPts val="2100"/>
-              <a:buFont typeface="Arial" panose="020B0604020202020204" pitchFamily="34" charset="0"/>
-              <a:buChar char="•"/>
-            </a:pPr>
-            <a:r>
-              <a:rPr lang="en-US" sz="3600" dirty="0">
-                <a:solidFill>
-                  <a:srgbClr val="C00000"/>
-                </a:solidFill>
-                <a:latin typeface="Pragmatica" panose="020B0403040502020204"/>
-                <a:sym typeface="Consolas"/>
-              </a:rPr>
-              <a:t>Integrate Python backend processing with Excel’s visualization capabilities to build responsive and customizable bar charts</a:t>
-            </a:r>
-          </a:p>
-          <a:p>
-            <a:pPr marL="714375" indent="-571500">
-              <a:lnSpc>
-                <a:spcPct val="115000"/>
-              </a:lnSpc>
-              <a:spcBef>
-                <a:spcPts val="1125"/>
-              </a:spcBef>
-              <a:buClr>
-                <a:srgbClr val="C00000"/>
-              </a:buClr>
-              <a:buSzPts val="2100"/>
-              <a:buFont typeface="Arial" panose="020B0604020202020204" pitchFamily="34" charset="0"/>
-              <a:buChar char="•"/>
-            </a:pPr>
-            <a:r>
-              <a:rPr lang="en-US" sz="3600" dirty="0">
-                <a:solidFill>
-                  <a:srgbClr val="C00000"/>
-                </a:solidFill>
-                <a:latin typeface="Pragmatica" panose="020B0403040502020204"/>
-                <a:sym typeface="Consolas"/>
-              </a:rPr>
-              <a:t>Utilize Python’s </a:t>
-            </a:r>
-            <a:r>
-              <a:rPr lang="en-US" sz="3600" dirty="0" err="1">
-                <a:solidFill>
-                  <a:srgbClr val="C00000"/>
-                </a:solidFill>
-                <a:latin typeface="Consolas" panose="020B0609020204030204" pitchFamily="49" charset="0"/>
-                <a:sym typeface="Consolas"/>
-              </a:rPr>
-              <a:t>getattr</a:t>
-            </a:r>
-            <a:r>
-              <a:rPr lang="en-US" sz="3600" dirty="0">
-                <a:solidFill>
-                  <a:srgbClr val="C00000"/>
-                </a:solidFill>
-                <a:latin typeface="Consolas" panose="020B0609020204030204" pitchFamily="49" charset="0"/>
-                <a:sym typeface="Consolas"/>
-              </a:rPr>
-              <a:t>()</a:t>
-            </a:r>
-            <a:r>
-              <a:rPr lang="en-US" sz="3600" dirty="0">
-                <a:solidFill>
-                  <a:srgbClr val="C00000"/>
-                </a:solidFill>
-                <a:latin typeface="Pragmatica" panose="020B0403040502020204"/>
-                <a:sym typeface="Consolas"/>
-              </a:rPr>
-              <a:t> function to dynamically handle user-driven inputs for flexible data aggregation</a:t>
-            </a:r>
-          </a:p>
-          <a:p>
-            <a:pPr marL="714375" indent="-571500">
-              <a:lnSpc>
-                <a:spcPct val="115000"/>
-              </a:lnSpc>
-              <a:spcBef>
-                <a:spcPts val="1125"/>
-              </a:spcBef>
-              <a:buClr>
-                <a:srgbClr val="C00000"/>
-              </a:buClr>
-              <a:buSzPts val="2100"/>
-              <a:buFont typeface="Arial" panose="020B0604020202020204" pitchFamily="34" charset="0"/>
-              <a:buChar char="•"/>
-            </a:pPr>
-            <a:endParaRPr lang="en-US" sz="3600" dirty="0">
-              <a:solidFill>
-                <a:srgbClr val="C00000"/>
-              </a:solidFill>
-              <a:latin typeface="Pragmatica" panose="020B0403040502020204"/>
-              <a:sym typeface="Consolas"/>
-            </a:endParaRPr>
-          </a:p>
-          <a:p>
-            <a:pPr marL="142875">
-              <a:lnSpc>
-                <a:spcPct val="115000"/>
-              </a:lnSpc>
-              <a:spcBef>
-                <a:spcPts val="1125"/>
-              </a:spcBef>
-              <a:buClr>
-                <a:srgbClr val="C00000"/>
-              </a:buClr>
-              <a:buSzPts val="2100"/>
-            </a:pPr>
-            <a:r>
-              <a:rPr lang="en-US" sz="3600" dirty="0">
-                <a:solidFill>
-                  <a:srgbClr val="C00000"/>
-                </a:solidFill>
-                <a:latin typeface="Pragmatica" panose="020B0403040502020204"/>
-                <a:sym typeface="Consolas"/>
-              </a:rPr>
-              <a:t>File: </a:t>
-            </a:r>
-            <a:r>
-              <a:rPr lang="en-US" sz="3600" dirty="0">
-                <a:solidFill>
-                  <a:srgbClr val="C00000"/>
-                </a:solidFill>
-                <a:latin typeface="Consolas" panose="020B0609020204030204" pitchFamily="49" charset="0"/>
-                <a:sym typeface="Consolas"/>
-              </a:rPr>
-              <a:t>dynamic-measures.xlsx</a:t>
-            </a:r>
-            <a:endParaRPr lang="en-US" sz="6000" dirty="0">
-              <a:solidFill>
-                <a:srgbClr val="CF3338"/>
-              </a:solidFill>
-              <a:latin typeface="Consolas" panose="020B0609020204030204" pitchFamily="49" charset="0"/>
-            </a:endParaRPr>
-          </a:p>
-          <a:p>
-            <a:endParaRPr lang="en-US" sz="6000" dirty="0">
-              <a:solidFill>
-                <a:srgbClr val="CF3338"/>
-              </a:solidFill>
-              <a:latin typeface="Pragmatica" panose="020B0403040502020204" pitchFamily="34" charset="0"/>
-            </a:endParaRPr>
-          </a:p>
-        </p:txBody>
-      </p:sp>
-    </p:spTree>
-    <p:extLst>
-      <p:ext uri="{BB962C8B-B14F-4D97-AF65-F5344CB8AC3E}">
-        <p14:creationId xmlns:p14="http://schemas.microsoft.com/office/powerpoint/2010/main" val="2476456128"/>
-      </p:ext>
-    </p:extLst>
-  </p:cSld>
-  <p:clrMapOvr>
-    <a:masterClrMapping/>
-  </p:clrMapOvr>
-</p:sld>
-</file>
-
-<file path=ppt/slides/slide31.xml><?xml version="1.0" encoding="utf-8"?>
-<p:sld xmlns:a="http://schemas.openxmlformats.org/drawingml/2006/main" xmlns:r="http://schemas.openxmlformats.org/officeDocument/2006/relationships" xmlns:p="http://schemas.openxmlformats.org/presentationml/2006/main">
-  <p:cSld>
-    <p:spTree>
-      <p:nvGrpSpPr>
-        <p:cNvPr id="1" name="">
-          <a:extLst>
-            <a:ext uri="{FF2B5EF4-FFF2-40B4-BE49-F238E27FC236}">
-              <a16:creationId xmlns:a16="http://schemas.microsoft.com/office/drawing/2014/main" id="{A9848E44-68DD-6AEA-08F3-5606760AEF44}"/>
-            </a:ext>
-          </a:extLst>
-        </p:cNvPr>
-        <p:cNvGrpSpPr/>
-        <p:nvPr/>
-      </p:nvGrpSpPr>
-      <p:grpSpPr>
-        <a:xfrm>
-          <a:off x="0" y="0"/>
-          <a:ext cx="0" cy="0"/>
-          <a:chOff x="0" y="0"/>
-          <a:chExt cx="0" cy="0"/>
-        </a:xfrm>
-      </p:grpSpPr>
-      <p:sp>
-        <p:nvSpPr>
-          <p:cNvPr id="4" name="Rectangle 3">
-            <a:extLst>
-              <a:ext uri="{FF2B5EF4-FFF2-40B4-BE49-F238E27FC236}">
-                <a16:creationId xmlns:a16="http://schemas.microsoft.com/office/drawing/2014/main" id="{615E1502-BDF1-3D8C-22A3-6213D3359402}"/>
-              </a:ext>
-            </a:extLst>
-          </p:cNvPr>
-          <p:cNvSpPr/>
-          <p:nvPr/>
-        </p:nvSpPr>
-        <p:spPr>
-          <a:xfrm>
-            <a:off x="11963400" y="0"/>
-            <a:ext cx="6324600" cy="10287000"/>
-          </a:xfrm>
-          <a:prstGeom prst="rect">
-            <a:avLst/>
-          </a:prstGeom>
-          <a:solidFill>
-            <a:srgbClr val="CF3338"/>
-          </a:solidFill>
-          <a:ln>
-            <a:noFill/>
-          </a:ln>
-        </p:spPr>
-        <p:style>
-          <a:lnRef idx="2">
-            <a:schemeClr val="accent1">
-              <a:shade val="50000"/>
-            </a:schemeClr>
-          </a:lnRef>
-          <a:fillRef idx="1">
-            <a:schemeClr val="accent1"/>
-          </a:fillRef>
-          <a:effectRef idx="0">
-            <a:schemeClr val="accent1"/>
-          </a:effectRef>
-          <a:fontRef idx="minor">
-            <a:schemeClr val="lt1"/>
-          </a:fontRef>
-        </p:style>
-        <p:txBody>
-          <a:bodyPr rtlCol="0" anchor="ctr"/>
-          <a:lstStyle/>
-          <a:p>
-            <a:pPr algn="ctr"/>
-            <a:endParaRPr lang="en-US" sz="2700"/>
-          </a:p>
-        </p:txBody>
-      </p:sp>
-      <p:pic>
-        <p:nvPicPr>
-          <p:cNvPr id="2" name="Picture 1">
-            <a:extLst>
-              <a:ext uri="{FF2B5EF4-FFF2-40B4-BE49-F238E27FC236}">
-                <a16:creationId xmlns:a16="http://schemas.microsoft.com/office/drawing/2014/main" id="{326DC3E1-5616-5EA6-502A-7BCF02A8A09F}"/>
-              </a:ext>
-            </a:extLst>
-          </p:cNvPr>
-          <p:cNvPicPr>
-            <a:picLocks noChangeAspect="1"/>
-          </p:cNvPicPr>
-          <p:nvPr/>
-        </p:nvPicPr>
-        <p:blipFill rotWithShape="1">
-          <a:blip r:embed="rId3">
-            <a:extLst>
-              <a:ext uri="{28A0092B-C50C-407E-A947-70E740481C1C}">
-                <a14:useLocalDpi xmlns:a14="http://schemas.microsoft.com/office/drawing/2010/main" val="0"/>
-              </a:ext>
-            </a:extLst>
-          </a:blip>
-          <a:srcRect l="69227" t="33418" r="20112" b="50548"/>
-          <a:stretch/>
-        </p:blipFill>
-        <p:spPr>
-          <a:xfrm>
-            <a:off x="15579524" y="7544693"/>
-            <a:ext cx="2708477" cy="2987579"/>
-          </a:xfrm>
-          <a:prstGeom prst="rect">
-            <a:avLst/>
-          </a:prstGeom>
-        </p:spPr>
-      </p:pic>
-      <p:sp>
-        <p:nvSpPr>
-          <p:cNvPr id="3" name="TextBox 2">
-            <a:extLst>
-              <a:ext uri="{FF2B5EF4-FFF2-40B4-BE49-F238E27FC236}">
-                <a16:creationId xmlns:a16="http://schemas.microsoft.com/office/drawing/2014/main" id="{5251D885-4940-736A-16C8-F0E8B2DB8282}"/>
-              </a:ext>
-            </a:extLst>
-          </p:cNvPr>
-          <p:cNvSpPr txBox="1"/>
-          <p:nvPr/>
-        </p:nvSpPr>
-        <p:spPr>
-          <a:xfrm>
-            <a:off x="260430" y="329879"/>
-            <a:ext cx="11017170" cy="8528489"/>
-          </a:xfrm>
-          <a:prstGeom prst="rect">
-            <a:avLst/>
-          </a:prstGeom>
-          <a:noFill/>
-        </p:spPr>
-        <p:txBody>
-          <a:bodyPr wrap="square" rtlCol="0">
-            <a:spAutoFit/>
-          </a:bodyPr>
-          <a:lstStyle/>
-          <a:p>
-            <a:r>
-              <a:rPr lang="en-US" sz="6000" b="1" dirty="0">
-                <a:solidFill>
-                  <a:srgbClr val="CF3338"/>
-                </a:solidFill>
-                <a:latin typeface="Pragmatica" panose="020B0403040502020204" pitchFamily="34" charset="0"/>
-              </a:rPr>
-              <a:t>Practical use cases EXERCISE</a:t>
-            </a:r>
-          </a:p>
-          <a:p>
-            <a:endParaRPr lang="en-US" sz="4200" dirty="0">
-              <a:solidFill>
-                <a:srgbClr val="CF3338"/>
-              </a:solidFill>
-              <a:latin typeface="Pragmatica" panose="020B0403040502020204" pitchFamily="34" charset="0"/>
-            </a:endParaRPr>
-          </a:p>
-          <a:p>
-            <a:pPr marL="714375" indent="-571500">
-              <a:lnSpc>
-                <a:spcPct val="115000"/>
-              </a:lnSpc>
-              <a:spcBef>
-                <a:spcPts val="1125"/>
-              </a:spcBef>
-              <a:buClr>
-                <a:srgbClr val="C00000"/>
-              </a:buClr>
-              <a:buSzPts val="2100"/>
-              <a:buFont typeface="Arial" panose="020B0604020202020204" pitchFamily="34" charset="0"/>
-              <a:buChar char="•"/>
-            </a:pPr>
-            <a:r>
-              <a:rPr lang="en-US" sz="3600" dirty="0">
-                <a:solidFill>
-                  <a:srgbClr val="C00000"/>
-                </a:solidFill>
-                <a:latin typeface="Pragmatica" panose="020B0403040502020204"/>
-                <a:sym typeface="Consolas"/>
-              </a:rPr>
-              <a:t>Create user inputs for start date, end date, and cumulative type (sum or mean)</a:t>
-            </a:r>
-          </a:p>
-          <a:p>
-            <a:pPr marL="1171575" lvl="1" indent="-571500">
-              <a:lnSpc>
-                <a:spcPct val="115000"/>
-              </a:lnSpc>
-              <a:spcBef>
-                <a:spcPts val="1125"/>
-              </a:spcBef>
-              <a:buClr>
-                <a:srgbClr val="C00000"/>
-              </a:buClr>
-              <a:buSzPts val="2100"/>
-              <a:buFont typeface="Arial" panose="020B0604020202020204" pitchFamily="34" charset="0"/>
-              <a:buChar char="•"/>
-            </a:pPr>
-            <a:r>
-              <a:rPr lang="en-US" sz="3600" dirty="0">
-                <a:solidFill>
-                  <a:srgbClr val="C00000"/>
-                </a:solidFill>
-                <a:latin typeface="Pragmatica" panose="020B0403040502020204"/>
-                <a:sym typeface="Consolas"/>
-              </a:rPr>
-              <a:t>Use the </a:t>
-            </a:r>
-            <a:r>
-              <a:rPr lang="en-US" sz="3600" dirty="0">
-                <a:solidFill>
-                  <a:srgbClr val="C00000"/>
-                </a:solidFill>
-                <a:latin typeface="Consolas" panose="020B0609020204030204" pitchFamily="49" charset="0"/>
-                <a:sym typeface="Consolas"/>
-              </a:rPr>
-              <a:t>expanding()</a:t>
-            </a:r>
-            <a:r>
-              <a:rPr lang="en-US" sz="3600" dirty="0">
-                <a:solidFill>
-                  <a:srgbClr val="C00000"/>
-                </a:solidFill>
-                <a:latin typeface="Pragmatica" panose="020B0403040502020204"/>
-                <a:sym typeface="Consolas"/>
-              </a:rPr>
-              <a:t> method</a:t>
-            </a:r>
-          </a:p>
-          <a:p>
-            <a:pPr marL="714375" indent="-571500">
-              <a:lnSpc>
-                <a:spcPct val="115000"/>
-              </a:lnSpc>
-              <a:spcBef>
-                <a:spcPts val="1125"/>
-              </a:spcBef>
-              <a:buClr>
-                <a:srgbClr val="C00000"/>
-              </a:buClr>
-              <a:buSzPts val="2100"/>
-              <a:buFont typeface="Arial" panose="020B0604020202020204" pitchFamily="34" charset="0"/>
-              <a:buChar char="•"/>
-            </a:pPr>
-            <a:r>
-              <a:rPr lang="en-US" sz="3600" dirty="0">
-                <a:solidFill>
-                  <a:srgbClr val="C00000"/>
-                </a:solidFill>
-                <a:latin typeface="Pragmatica" panose="020B0403040502020204"/>
-                <a:sym typeface="Consolas"/>
-              </a:rPr>
-              <a:t>Build line chart of cumulative total over filtered date range</a:t>
-            </a:r>
-          </a:p>
-          <a:p>
-            <a:pPr marL="714375" indent="-571500">
-              <a:lnSpc>
-                <a:spcPct val="115000"/>
-              </a:lnSpc>
-              <a:spcBef>
-                <a:spcPts val="1125"/>
-              </a:spcBef>
-              <a:buClr>
-                <a:srgbClr val="C00000"/>
-              </a:buClr>
-              <a:buSzPts val="2100"/>
-              <a:buFont typeface="Arial" panose="020B0604020202020204" pitchFamily="34" charset="0"/>
-              <a:buChar char="•"/>
-            </a:pPr>
-            <a:r>
-              <a:rPr lang="en-US" sz="3600" dirty="0">
-                <a:solidFill>
-                  <a:srgbClr val="C00000"/>
-                </a:solidFill>
-                <a:latin typeface="Pragmatica" panose="020B0403040502020204"/>
-                <a:sym typeface="Consolas"/>
-              </a:rPr>
-              <a:t>Don’t forget about </a:t>
-            </a:r>
-            <a:r>
-              <a:rPr lang="en-US" sz="3600" dirty="0" err="1">
-                <a:solidFill>
-                  <a:srgbClr val="C00000"/>
-                </a:solidFill>
-                <a:latin typeface="Consolas" panose="020B0609020204030204" pitchFamily="49" charset="0"/>
-                <a:sym typeface="Consolas"/>
-              </a:rPr>
-              <a:t>getattr</a:t>
-            </a:r>
-            <a:r>
-              <a:rPr lang="en-US" sz="3600" dirty="0">
-                <a:solidFill>
-                  <a:srgbClr val="C00000"/>
-                </a:solidFill>
-                <a:latin typeface="Consolas" panose="020B0609020204030204" pitchFamily="49" charset="0"/>
-                <a:sym typeface="Consolas"/>
-              </a:rPr>
-              <a:t>()</a:t>
-            </a:r>
-            <a:r>
-              <a:rPr lang="en-US" sz="3600" dirty="0">
-                <a:solidFill>
-                  <a:srgbClr val="C00000"/>
-                </a:solidFill>
-                <a:latin typeface="Pragmatica" panose="020B0403040502020204"/>
-                <a:sym typeface="Consolas"/>
-              </a:rPr>
-              <a:t>!</a:t>
-            </a:r>
-          </a:p>
-          <a:p>
-            <a:pPr marL="142875">
-              <a:lnSpc>
-                <a:spcPct val="115000"/>
-              </a:lnSpc>
-              <a:spcBef>
-                <a:spcPts val="1125"/>
-              </a:spcBef>
-              <a:buClr>
-                <a:srgbClr val="C00000"/>
-              </a:buClr>
-              <a:buSzPts val="2100"/>
-            </a:pPr>
-            <a:endParaRPr lang="en-US" sz="3600" dirty="0">
-              <a:solidFill>
-                <a:srgbClr val="C00000"/>
-              </a:solidFill>
-              <a:latin typeface="Pragmatica" panose="020B0403040502020204"/>
-              <a:sym typeface="Consolas"/>
-            </a:endParaRPr>
-          </a:p>
-          <a:p>
-            <a:pPr marL="142875">
-              <a:lnSpc>
-                <a:spcPct val="115000"/>
-              </a:lnSpc>
-              <a:spcBef>
-                <a:spcPts val="1125"/>
-              </a:spcBef>
-              <a:buClr>
-                <a:srgbClr val="C00000"/>
-              </a:buClr>
-              <a:buSzPts val="2100"/>
-            </a:pPr>
-            <a:r>
-              <a:rPr lang="en-US" sz="3600" dirty="0">
-                <a:solidFill>
-                  <a:srgbClr val="C00000"/>
-                </a:solidFill>
-                <a:latin typeface="Pragmatica" panose="020B0403040502020204"/>
-                <a:sym typeface="Consolas"/>
-              </a:rPr>
-              <a:t>File: </a:t>
-            </a:r>
-            <a:r>
-              <a:rPr lang="en-US" sz="3600" dirty="0">
-                <a:solidFill>
-                  <a:srgbClr val="C00000"/>
-                </a:solidFill>
-                <a:latin typeface="Consolas" panose="020B0609020204030204" pitchFamily="49" charset="0"/>
-                <a:sym typeface="Consolas"/>
-              </a:rPr>
-              <a:t>combine-use-cases-challenge.xlsx</a:t>
-            </a:r>
-            <a:endParaRPr lang="en-US" sz="6000" dirty="0">
-              <a:solidFill>
-                <a:srgbClr val="CF3338"/>
-              </a:solidFill>
-              <a:latin typeface="Consolas" panose="020B0609020204030204" pitchFamily="49" charset="0"/>
-            </a:endParaRPr>
-          </a:p>
-          <a:p>
-            <a:endParaRPr lang="en-US" sz="6000" dirty="0">
-              <a:solidFill>
-                <a:srgbClr val="CF3338"/>
-              </a:solidFill>
-              <a:latin typeface="Pragmatica" panose="020B0403040502020204" pitchFamily="34" charset="0"/>
-            </a:endParaRPr>
-          </a:p>
-        </p:txBody>
-      </p:sp>
-    </p:spTree>
-    <p:extLst>
-      <p:ext uri="{BB962C8B-B14F-4D97-AF65-F5344CB8AC3E}">
-        <p14:creationId xmlns:p14="http://schemas.microsoft.com/office/powerpoint/2010/main" val="928994942"/>
-      </p:ext>
-    </p:extLst>
-  </p:cSld>
-  <p:clrMapOvr>
-    <a:masterClrMapping/>
-  </p:clrMapOvr>
-</p:sld>
-</file>
-
-<file path=ppt/slides/slide32.xml><?xml version="1.0" encoding="utf-8"?>
-<p:sld xmlns:a="http://schemas.openxmlformats.org/drawingml/2006/main" xmlns:r="http://schemas.openxmlformats.org/officeDocument/2006/relationships" xmlns:p="http://schemas.openxmlformats.org/presentationml/2006/main">
-  <p:cSld>
-    <p:spTree>
-      <p:nvGrpSpPr>
-        <p:cNvPr id="1" name="">
-          <a:extLst>
-            <a:ext uri="{FF2B5EF4-FFF2-40B4-BE49-F238E27FC236}">
-              <a16:creationId xmlns:a16="http://schemas.microsoft.com/office/drawing/2014/main" id="{4FB44F74-031A-3677-99AA-1615035E0B24}"/>
+              <a16:creationId xmlns:a16="http://schemas.microsoft.com/office/drawing/2014/main" id="{EF1E463E-B95A-1081-A311-382A020488A5}"/>
             </a:ext>
           </a:extLst>
         </p:cNvPr>
@@ -12049,45 +13575,10 @@
       </p:grpSpPr>
       <p:pic>
         <p:nvPicPr>
-          <p:cNvPr id="10" name="Picture 9">
+          <p:cNvPr id="5" name="Picture 4">
             <a:extLst>
               <a:ext uri="{FF2B5EF4-FFF2-40B4-BE49-F238E27FC236}">
-                <a16:creationId xmlns:a16="http://schemas.microsoft.com/office/drawing/2014/main" id="{FF0834F8-7789-D143-9D0C-70F2E57DD03A}"/>
-              </a:ext>
-            </a:extLst>
-          </p:cNvPr>
-          <p:cNvPicPr>
-            <a:picLocks noChangeAspect="1"/>
-          </p:cNvPicPr>
-          <p:nvPr/>
-        </p:nvPicPr>
-        <p:blipFill rotWithShape="1">
-          <a:blip r:embed="rId2">
-            <a:extLst>
-              <a:ext uri="{28A0092B-C50C-407E-A947-70E740481C1C}">
-                <a14:useLocalDpi xmlns:a14="http://schemas.microsoft.com/office/drawing/2010/main" val="0"/>
-              </a:ext>
-            </a:extLst>
-          </a:blip>
-          <a:srcRect l="50728" t="56371"/>
-          <a:stretch/>
-        </p:blipFill>
-        <p:spPr>
-          <a:xfrm>
-            <a:off x="12204691" y="3316148"/>
-            <a:ext cx="6083309" cy="6970854"/>
-          </a:xfrm>
-          <a:prstGeom prst="rect">
-            <a:avLst/>
-          </a:prstGeom>
-        </p:spPr>
-      </p:pic>
-      <p:pic>
-        <p:nvPicPr>
-          <p:cNvPr id="4" name="Picture 3">
-            <a:extLst>
-              <a:ext uri="{FF2B5EF4-FFF2-40B4-BE49-F238E27FC236}">
-                <a16:creationId xmlns:a16="http://schemas.microsoft.com/office/drawing/2014/main" id="{8678C244-F331-B616-D902-2C8BBF95CA5C}"/>
+                <a16:creationId xmlns:a16="http://schemas.microsoft.com/office/drawing/2014/main" id="{0BA3745D-0381-7CB8-8B1C-4CD718867129}"/>
               </a:ext>
             </a:extLst>
           </p:cNvPr>
@@ -12097,21 +13588,14 @@
           <p:nvPr/>
         </p:nvPicPr>
         <p:blipFill>
-          <a:blip r:embed="rId3">
-            <a:extLst>
-              <a:ext uri="{28A0092B-C50C-407E-A947-70E740481C1C}">
-                <a14:useLocalDpi xmlns:a14="http://schemas.microsoft.com/office/drawing/2010/main" val="0"/>
-              </a:ext>
-            </a:extLst>
-          </a:blip>
-          <a:stretch>
-            <a:fillRect/>
-          </a:stretch>
+          <a:blip r:embed="rId2"/>
+          <a:srcRect/>
+          <a:stretch/>
         </p:blipFill>
         <p:spPr>
           <a:xfrm>
-            <a:off x="-807744" y="-3724155"/>
-            <a:ext cx="15257208" cy="11189825"/>
+            <a:off x="0" y="0"/>
+            <a:ext cx="18288000" cy="10287000"/>
           </a:xfrm>
           <a:prstGeom prst="rect">
             <a:avLst/>
@@ -12120,50 +13604,56 @@
       </p:pic>
       <p:sp>
         <p:nvSpPr>
-          <p:cNvPr id="11" name="TextBox 10">
+          <p:cNvPr id="2" name="Title 1">
             <a:extLst>
               <a:ext uri="{FF2B5EF4-FFF2-40B4-BE49-F238E27FC236}">
-                <a16:creationId xmlns:a16="http://schemas.microsoft.com/office/drawing/2014/main" id="{693A8BBD-76AF-BC44-0247-61CFFD971008}"/>
+                <a16:creationId xmlns:a16="http://schemas.microsoft.com/office/drawing/2014/main" id="{C46119E7-F102-A88C-7E8C-68C93E6308BE}"/>
               </a:ext>
             </a:extLst>
           </p:cNvPr>
-          <p:cNvSpPr txBox="1"/>
-          <p:nvPr/>
+          <p:cNvSpPr>
+            <a:spLocks noGrp="1"/>
+          </p:cNvSpPr>
+          <p:nvPr>
+            <p:ph type="ctrTitle"/>
+          </p:nvPr>
         </p:nvSpPr>
         <p:spPr>
           <a:xfrm>
-            <a:off x="486137" y="2531318"/>
-            <a:ext cx="11979797" cy="923330"/>
-          </a:xfrm>
-          <a:prstGeom prst="rect">
-            <a:avLst/>
-          </a:prstGeom>
-          <a:noFill/>
-        </p:spPr>
-        <p:txBody>
-          <a:bodyPr wrap="square" rtlCol="0">
-            <a:spAutoFit/>
+            <a:off x="2286000" y="2598656"/>
+            <a:ext cx="13716000" cy="3581400"/>
+          </a:xfrm>
+        </p:spPr>
+        <p:txBody>
+          <a:bodyPr>
+            <a:normAutofit/>
           </a:bodyPr>
           <a:lstStyle/>
           <a:p>
             <a:r>
-              <a:rPr lang="en-US" sz="5400" b="1" dirty="0">
-                <a:solidFill>
-                  <a:srgbClr val="CF3338"/>
-                </a:solidFill>
-                <a:latin typeface="Pragmatica" panose="020B0403040502020204" pitchFamily="34" charset="0"/>
-              </a:rPr>
-              <a:t>Questions?</a:t>
-            </a:r>
+              <a:rPr lang="en-US" sz="9900" b="1" dirty="0">
+                <a:solidFill>
+                  <a:srgbClr val="241F62"/>
+                </a:solidFill>
+                <a:latin typeface="+mn-lt"/>
+              </a:rPr>
+              <a:t>Python in Excel for Enhanced Data Analytics </a:t>
+            </a:r>
+            <a:endParaRPr lang="en-BG" sz="9900" b="1" dirty="0">
+              <a:solidFill>
+                <a:srgbClr val="241F62"/>
+              </a:solidFill>
+              <a:latin typeface="+mn-lt"/>
+            </a:endParaRPr>
           </a:p>
         </p:txBody>
       </p:sp>
       <p:pic>
         <p:nvPicPr>
-          <p:cNvPr id="5" name="Picture 4">
+          <p:cNvPr id="7" name="Picture 6">
             <a:extLst>
               <a:ext uri="{FF2B5EF4-FFF2-40B4-BE49-F238E27FC236}">
-                <a16:creationId xmlns:a16="http://schemas.microsoft.com/office/drawing/2014/main" id="{44708953-DD9D-3547-0277-211AFE3CB230}"/>
+                <a16:creationId xmlns:a16="http://schemas.microsoft.com/office/drawing/2014/main" id="{4629D4C7-03AE-2DE1-C0BC-BB67F87E53E3}"/>
               </a:ext>
             </a:extLst>
           </p:cNvPr>
@@ -12173,1561 +13663,89 @@
           <p:nvPr/>
         </p:nvPicPr>
         <p:blipFill>
-          <a:blip r:embed="rId4">
-            <a:extLst>
-              <a:ext uri="{28A0092B-C50C-407E-A947-70E740481C1C}">
-                <a14:useLocalDpi xmlns:a14="http://schemas.microsoft.com/office/drawing/2010/main" val="0"/>
-              </a:ext>
-            </a:extLst>
-          </a:blip>
-          <a:srcRect/>
+          <a:blip r:embed="rId3"/>
+          <a:srcRect b="22069"/>
           <a:stretch/>
         </p:blipFill>
         <p:spPr>
           <a:xfrm>
-            <a:off x="12204691" y="3317239"/>
-            <a:ext cx="6083309" cy="6968672"/>
+            <a:off x="8153400" y="8430867"/>
+            <a:ext cx="1981200" cy="979833"/>
           </a:xfrm>
           <a:prstGeom prst="rect">
             <a:avLst/>
           </a:prstGeom>
         </p:spPr>
       </p:pic>
+      <p:sp>
+        <p:nvSpPr>
+          <p:cNvPr id="3" name="Title 1">
+            <a:extLst>
+              <a:ext uri="{FF2B5EF4-FFF2-40B4-BE49-F238E27FC236}">
+                <a16:creationId xmlns:a16="http://schemas.microsoft.com/office/drawing/2014/main" id="{460ABF60-A4BA-4BDA-36E2-D77996A950BD}"/>
+              </a:ext>
+            </a:extLst>
+          </p:cNvPr>
+          <p:cNvSpPr txBox="1">
+            <a:spLocks/>
+          </p:cNvSpPr>
+          <p:nvPr/>
+        </p:nvSpPr>
+        <p:spPr>
+          <a:xfrm>
+            <a:off x="13454742" y="548858"/>
+            <a:ext cx="4082145" cy="945771"/>
+          </a:xfrm>
+          <a:prstGeom prst="rect">
+            <a:avLst/>
+          </a:prstGeom>
+        </p:spPr>
+        <p:txBody>
+          <a:bodyPr vert="horz" lIns="137160" tIns="68580" rIns="137160" bIns="68580" rtlCol="0" anchor="ctr">
+            <a:normAutofit/>
+          </a:bodyPr>
+          <a:lstStyle>
+            <a:lvl1pPr algn="l" defTabSz="914400" rtl="0" eaLnBrk="1" latinLnBrk="0" hangingPunct="1">
+              <a:lnSpc>
+                <a:spcPct val="90000"/>
+              </a:lnSpc>
+              <a:spcBef>
+                <a:spcPct val="0"/>
+              </a:spcBef>
+              <a:buNone/>
+              <a:defRPr sz="4800" b="1" kern="1200">
+                <a:solidFill>
+                  <a:schemeClr val="bg1"/>
+                </a:solidFill>
+                <a:latin typeface="+mn-lt"/>
+                <a:ea typeface="+mj-ea"/>
+                <a:cs typeface="+mj-cs"/>
+              </a:defRPr>
+            </a:lvl1pPr>
+          </a:lstStyle>
+          <a:p>
+            <a:r>
+              <a:rPr lang="en-GB" sz="4200" dirty="0">
+                <a:solidFill>
+                  <a:srgbClr val="241F62"/>
+                </a:solidFill>
+                <a:latin typeface="+mj-lt"/>
+              </a:rPr>
+              <a:t>George Mount</a:t>
+            </a:r>
+            <a:endParaRPr lang="en-BG" sz="4200" dirty="0">
+              <a:solidFill>
+                <a:srgbClr val="241F62"/>
+              </a:solidFill>
+              <a:latin typeface="+mj-lt"/>
+            </a:endParaRPr>
+          </a:p>
+        </p:txBody>
+      </p:sp>
     </p:spTree>
     <p:extLst>
       <p:ext uri="{BB962C8B-B14F-4D97-AF65-F5344CB8AC3E}">
-        <p14:creationId xmlns:p14="http://schemas.microsoft.com/office/powerpoint/2010/main" val="3416899636"/>
-      </p:ext>
-    </p:extLst>
-  </p:cSld>
-  <p:clrMapOvr>
-    <a:masterClrMapping/>
-  </p:clrMapOvr>
-</p:sld>
-</file>
-
-<file path=ppt/slides/slide33.xml><?xml version="1.0" encoding="utf-8"?>
-<p:sld xmlns:a="http://schemas.openxmlformats.org/drawingml/2006/main" xmlns:r="http://schemas.openxmlformats.org/officeDocument/2006/relationships" xmlns:p="http://schemas.openxmlformats.org/presentationml/2006/main">
-  <p:cSld>
-    <p:spTree>
-      <p:nvGrpSpPr>
-        <p:cNvPr id="1" name="">
-          <a:extLst>
-            <a:ext uri="{FF2B5EF4-FFF2-40B4-BE49-F238E27FC236}">
-              <a16:creationId xmlns:a16="http://schemas.microsoft.com/office/drawing/2014/main" id="{BBC5AED6-DC91-8187-A6D7-2AD25D32DD1F}"/>
-            </a:ext>
-          </a:extLst>
-        </p:cNvPr>
-        <p:cNvGrpSpPr/>
-        <p:nvPr/>
-      </p:nvGrpSpPr>
-      <p:grpSpPr>
-        <a:xfrm>
-          <a:off x="0" y="0"/>
-          <a:ext cx="0" cy="0"/>
-          <a:chOff x="0" y="0"/>
-          <a:chExt cx="0" cy="0"/>
-        </a:xfrm>
-      </p:grpSpPr>
-      <p:sp>
-        <p:nvSpPr>
-          <p:cNvPr id="4" name="Rectangle 3">
-            <a:extLst>
-              <a:ext uri="{FF2B5EF4-FFF2-40B4-BE49-F238E27FC236}">
-                <a16:creationId xmlns:a16="http://schemas.microsoft.com/office/drawing/2014/main" id="{4CD7FF6E-1C0C-8CDA-A72F-8F4A7BA94F17}"/>
-              </a:ext>
-            </a:extLst>
-          </p:cNvPr>
-          <p:cNvSpPr/>
-          <p:nvPr/>
-        </p:nvSpPr>
-        <p:spPr>
-          <a:xfrm>
-            <a:off x="0" y="0"/>
-            <a:ext cx="18288000" cy="10287000"/>
-          </a:xfrm>
-          <a:prstGeom prst="rect">
-            <a:avLst/>
-          </a:prstGeom>
-          <a:solidFill>
-            <a:srgbClr val="CF3338"/>
-          </a:solidFill>
-          <a:ln>
-            <a:noFill/>
-          </a:ln>
-        </p:spPr>
-        <p:style>
-          <a:lnRef idx="2">
-            <a:schemeClr val="accent1">
-              <a:shade val="50000"/>
-            </a:schemeClr>
-          </a:lnRef>
-          <a:fillRef idx="1">
-            <a:schemeClr val="accent1"/>
-          </a:fillRef>
-          <a:effectRef idx="0">
-            <a:schemeClr val="accent1"/>
-          </a:effectRef>
-          <a:fontRef idx="minor">
-            <a:schemeClr val="lt1"/>
-          </a:fontRef>
-        </p:style>
-        <p:txBody>
-          <a:bodyPr rtlCol="0" anchor="ctr"/>
-          <a:lstStyle/>
-          <a:p>
-            <a:pPr algn="ctr"/>
-            <a:endParaRPr lang="en-US" sz="2700"/>
-          </a:p>
-        </p:txBody>
-      </p:sp>
-      <p:sp>
-        <p:nvSpPr>
-          <p:cNvPr id="5" name="TextBox 4">
-            <a:extLst>
-              <a:ext uri="{FF2B5EF4-FFF2-40B4-BE49-F238E27FC236}">
-                <a16:creationId xmlns:a16="http://schemas.microsoft.com/office/drawing/2014/main" id="{D538FCA2-526C-505E-2E08-1D89791EED01}"/>
-              </a:ext>
-            </a:extLst>
-          </p:cNvPr>
-          <p:cNvSpPr txBox="1"/>
-          <p:nvPr/>
-        </p:nvSpPr>
-        <p:spPr>
-          <a:xfrm>
-            <a:off x="781292" y="590309"/>
-            <a:ext cx="15486926" cy="3139321"/>
-          </a:xfrm>
-          <a:prstGeom prst="rect">
-            <a:avLst/>
-          </a:prstGeom>
-          <a:noFill/>
-        </p:spPr>
-        <p:txBody>
-          <a:bodyPr wrap="square" rtlCol="0">
-            <a:spAutoFit/>
-          </a:bodyPr>
-          <a:lstStyle/>
-          <a:p>
-            <a:r>
-              <a:rPr lang="en-US" sz="9900" b="1" dirty="0">
-                <a:solidFill>
-                  <a:schemeClr val="bg1"/>
-                </a:solidFill>
-                <a:latin typeface="Normafixed Tryout" panose="00000409000000000000" pitchFamily="49" charset="0"/>
-              </a:rPr>
-              <a:t>7. Quick wins with Python in Excel</a:t>
-            </a:r>
-          </a:p>
-        </p:txBody>
-      </p:sp>
-    </p:spTree>
-    <p:extLst>
-      <p:ext uri="{BB962C8B-B14F-4D97-AF65-F5344CB8AC3E}">
-        <p14:creationId xmlns:p14="http://schemas.microsoft.com/office/powerpoint/2010/main" val="1045755680"/>
-      </p:ext>
-    </p:extLst>
-  </p:cSld>
-  <p:clrMapOvr>
-    <a:masterClrMapping/>
-  </p:clrMapOvr>
-</p:sld>
-</file>
-
-<file path=ppt/slides/slide34.xml><?xml version="1.0" encoding="utf-8"?>
-<p:sld xmlns:a="http://schemas.openxmlformats.org/drawingml/2006/main" xmlns:r="http://schemas.openxmlformats.org/officeDocument/2006/relationships" xmlns:p="http://schemas.openxmlformats.org/presentationml/2006/main">
-  <p:cSld>
-    <p:spTree>
-      <p:nvGrpSpPr>
-        <p:cNvPr id="1" name="">
-          <a:extLst>
-            <a:ext uri="{FF2B5EF4-FFF2-40B4-BE49-F238E27FC236}">
-              <a16:creationId xmlns:a16="http://schemas.microsoft.com/office/drawing/2014/main" id="{F773716B-FBFB-4A41-E766-11EDAE27DD89}"/>
-            </a:ext>
-          </a:extLst>
-        </p:cNvPr>
-        <p:cNvGrpSpPr/>
-        <p:nvPr/>
-      </p:nvGrpSpPr>
-      <p:grpSpPr>
-        <a:xfrm>
-          <a:off x="0" y="0"/>
-          <a:ext cx="0" cy="0"/>
-          <a:chOff x="0" y="0"/>
-          <a:chExt cx="0" cy="0"/>
-        </a:xfrm>
-      </p:grpSpPr>
-      <p:sp>
-        <p:nvSpPr>
-          <p:cNvPr id="4" name="Rectangle 3">
-            <a:extLst>
-              <a:ext uri="{FF2B5EF4-FFF2-40B4-BE49-F238E27FC236}">
-                <a16:creationId xmlns:a16="http://schemas.microsoft.com/office/drawing/2014/main" id="{45833813-FC1E-EA4B-E6D0-E4C986E77CAE}"/>
-              </a:ext>
-            </a:extLst>
-          </p:cNvPr>
-          <p:cNvSpPr/>
-          <p:nvPr/>
-        </p:nvSpPr>
-        <p:spPr>
-          <a:xfrm>
-            <a:off x="9861630" y="0"/>
-            <a:ext cx="8426370" cy="10287000"/>
-          </a:xfrm>
-          <a:prstGeom prst="rect">
-            <a:avLst/>
-          </a:prstGeom>
-          <a:solidFill>
-            <a:srgbClr val="CF3338"/>
-          </a:solidFill>
-          <a:ln>
-            <a:noFill/>
-          </a:ln>
-        </p:spPr>
-        <p:style>
-          <a:lnRef idx="2">
-            <a:schemeClr val="accent1">
-              <a:shade val="50000"/>
-            </a:schemeClr>
-          </a:lnRef>
-          <a:fillRef idx="1">
-            <a:schemeClr val="accent1"/>
-          </a:fillRef>
-          <a:effectRef idx="0">
-            <a:schemeClr val="accent1"/>
-          </a:effectRef>
-          <a:fontRef idx="minor">
-            <a:schemeClr val="lt1"/>
-          </a:fontRef>
-        </p:style>
-        <p:txBody>
-          <a:bodyPr rtlCol="0" anchor="ctr"/>
-          <a:lstStyle/>
-          <a:p>
-            <a:pPr algn="ctr"/>
-            <a:endParaRPr lang="en-US" sz="2700"/>
-          </a:p>
-        </p:txBody>
-      </p:sp>
-      <p:pic>
-        <p:nvPicPr>
-          <p:cNvPr id="2" name="Picture 1">
-            <a:extLst>
-              <a:ext uri="{FF2B5EF4-FFF2-40B4-BE49-F238E27FC236}">
-                <a16:creationId xmlns:a16="http://schemas.microsoft.com/office/drawing/2014/main" id="{3DD85091-F1C0-7814-F1D0-292A40D22404}"/>
-              </a:ext>
-            </a:extLst>
-          </p:cNvPr>
-          <p:cNvPicPr>
-            <a:picLocks noChangeAspect="1"/>
-          </p:cNvPicPr>
-          <p:nvPr/>
-        </p:nvPicPr>
-        <p:blipFill rotWithShape="1">
-          <a:blip r:embed="rId3">
-            <a:extLst>
-              <a:ext uri="{28A0092B-C50C-407E-A947-70E740481C1C}">
-                <a14:useLocalDpi xmlns:a14="http://schemas.microsoft.com/office/drawing/2010/main" val="0"/>
-              </a:ext>
-            </a:extLst>
-          </a:blip>
-          <a:srcRect l="69227" t="33418" r="20112" b="50548"/>
-          <a:stretch/>
-        </p:blipFill>
-        <p:spPr>
-          <a:xfrm>
-            <a:off x="15579524" y="7544693"/>
-            <a:ext cx="2708477" cy="2987579"/>
-          </a:xfrm>
-          <a:prstGeom prst="rect">
-            <a:avLst/>
-          </a:prstGeom>
-        </p:spPr>
-      </p:pic>
-      <p:sp>
-        <p:nvSpPr>
-          <p:cNvPr id="3" name="TextBox 2">
-            <a:extLst>
-              <a:ext uri="{FF2B5EF4-FFF2-40B4-BE49-F238E27FC236}">
-                <a16:creationId xmlns:a16="http://schemas.microsoft.com/office/drawing/2014/main" id="{8D343810-3CE6-09A5-610F-AEF3D053747A}"/>
-              </a:ext>
-            </a:extLst>
-          </p:cNvPr>
-          <p:cNvSpPr txBox="1"/>
-          <p:nvPr/>
-        </p:nvSpPr>
-        <p:spPr>
-          <a:xfrm>
-            <a:off x="260431" y="329879"/>
-            <a:ext cx="8906720" cy="5702074"/>
-          </a:xfrm>
-          <a:prstGeom prst="rect">
-            <a:avLst/>
-          </a:prstGeom>
-          <a:noFill/>
-        </p:spPr>
-        <p:txBody>
-          <a:bodyPr wrap="square" rtlCol="0">
-            <a:spAutoFit/>
-          </a:bodyPr>
-          <a:lstStyle/>
-          <a:p>
-            <a:r>
-              <a:rPr lang="en-US" sz="6000" b="1" dirty="0">
-                <a:solidFill>
-                  <a:srgbClr val="CF3338"/>
-                </a:solidFill>
-                <a:latin typeface="Pragmatica" panose="020B0403040502020204" pitchFamily="34" charset="0"/>
-              </a:rPr>
-              <a:t>Quick wins with Python in Excel</a:t>
-            </a:r>
-          </a:p>
-          <a:p>
-            <a:endParaRPr lang="en-US" sz="4200" dirty="0">
-              <a:solidFill>
-                <a:srgbClr val="CF3338"/>
-              </a:solidFill>
-              <a:latin typeface="Pragmatica" panose="020B0403040502020204" pitchFamily="34" charset="0"/>
-            </a:endParaRPr>
-          </a:p>
-          <a:p>
-            <a:pPr marL="714375" indent="-571500">
-              <a:lnSpc>
-                <a:spcPct val="115000"/>
-              </a:lnSpc>
-              <a:spcBef>
-                <a:spcPts val="1125"/>
-              </a:spcBef>
-              <a:buClr>
-                <a:srgbClr val="C00000"/>
-              </a:buClr>
-              <a:buSzPts val="2100"/>
-              <a:buFont typeface="Arial" panose="020B0604020202020204" pitchFamily="34" charset="0"/>
-              <a:buChar char="•"/>
-            </a:pPr>
-            <a:r>
-              <a:rPr lang="en-US" sz="3600" dirty="0">
-                <a:solidFill>
-                  <a:srgbClr val="C00000"/>
-                </a:solidFill>
-                <a:latin typeface="Pragmatica" panose="020B0403040502020204"/>
-                <a:sym typeface="Consolas"/>
-              </a:rPr>
-              <a:t>Python is NOT inherently harder than Excel...</a:t>
-            </a:r>
-          </a:p>
-          <a:p>
-            <a:pPr marL="714375" indent="-571500">
-              <a:lnSpc>
-                <a:spcPct val="115000"/>
-              </a:lnSpc>
-              <a:spcBef>
-                <a:spcPts val="1125"/>
-              </a:spcBef>
-              <a:buClr>
-                <a:srgbClr val="C00000"/>
-              </a:buClr>
-              <a:buSzPts val="2100"/>
-              <a:buFont typeface="Arial" panose="020B0604020202020204" pitchFamily="34" charset="0"/>
-              <a:buChar char="•"/>
-            </a:pPr>
-            <a:r>
-              <a:rPr lang="en-US" sz="3600" dirty="0">
-                <a:solidFill>
-                  <a:srgbClr val="C00000"/>
-                </a:solidFill>
-                <a:latin typeface="Pragmatica" panose="020B0403040502020204"/>
-                <a:sym typeface="Consolas"/>
-              </a:rPr>
-              <a:t>15 top use cases, ~1 line apiece!</a:t>
-            </a:r>
-            <a:endParaRPr lang="en-US" sz="6000" dirty="0">
-              <a:solidFill>
-                <a:srgbClr val="CF3338"/>
-              </a:solidFill>
-              <a:latin typeface="Consolas" panose="020B0609020204030204" pitchFamily="49" charset="0"/>
-            </a:endParaRPr>
-          </a:p>
-          <a:p>
-            <a:endParaRPr lang="en-US" sz="6000" dirty="0">
-              <a:solidFill>
-                <a:srgbClr val="CF3338"/>
-              </a:solidFill>
-              <a:latin typeface="Pragmatica" panose="020B0403040502020204" pitchFamily="34" charset="0"/>
-            </a:endParaRPr>
-          </a:p>
-        </p:txBody>
-      </p:sp>
-    </p:spTree>
-    <p:extLst>
-      <p:ext uri="{BB962C8B-B14F-4D97-AF65-F5344CB8AC3E}">
-        <p14:creationId xmlns:p14="http://schemas.microsoft.com/office/powerpoint/2010/main" val="519096309"/>
-      </p:ext>
-    </p:extLst>
-  </p:cSld>
-  <p:clrMapOvr>
-    <a:masterClrMapping/>
-  </p:clrMapOvr>
-</p:sld>
-</file>
-
-<file path=ppt/slides/slide35.xml><?xml version="1.0" encoding="utf-8"?>
-<p:sld xmlns:a="http://schemas.openxmlformats.org/drawingml/2006/main" xmlns:r="http://schemas.openxmlformats.org/officeDocument/2006/relationships" xmlns:p="http://schemas.openxmlformats.org/presentationml/2006/main">
-  <p:cSld>
-    <p:spTree>
-      <p:nvGrpSpPr>
-        <p:cNvPr id="1" name="">
-          <a:extLst>
-            <a:ext uri="{FF2B5EF4-FFF2-40B4-BE49-F238E27FC236}">
-              <a16:creationId xmlns:a16="http://schemas.microsoft.com/office/drawing/2014/main" id="{E85323C9-D5F7-C820-78B9-E169BDF2311C}"/>
-            </a:ext>
-          </a:extLst>
-        </p:cNvPr>
-        <p:cNvGrpSpPr/>
-        <p:nvPr/>
-      </p:nvGrpSpPr>
-      <p:grpSpPr>
-        <a:xfrm>
-          <a:off x="0" y="0"/>
-          <a:ext cx="0" cy="0"/>
-          <a:chOff x="0" y="0"/>
-          <a:chExt cx="0" cy="0"/>
-        </a:xfrm>
-      </p:grpSpPr>
-      <p:sp>
-        <p:nvSpPr>
-          <p:cNvPr id="4" name="Rectangle 3">
-            <a:extLst>
-              <a:ext uri="{FF2B5EF4-FFF2-40B4-BE49-F238E27FC236}">
-                <a16:creationId xmlns:a16="http://schemas.microsoft.com/office/drawing/2014/main" id="{28971779-1F50-1702-DEC1-87CD482189F0}"/>
-              </a:ext>
-            </a:extLst>
-          </p:cNvPr>
-          <p:cNvSpPr/>
-          <p:nvPr/>
-        </p:nvSpPr>
-        <p:spPr>
-          <a:xfrm>
-            <a:off x="0" y="0"/>
-            <a:ext cx="18288000" cy="10287000"/>
-          </a:xfrm>
-          <a:prstGeom prst="rect">
-            <a:avLst/>
-          </a:prstGeom>
-          <a:solidFill>
-            <a:srgbClr val="CF3338"/>
-          </a:solidFill>
-          <a:ln>
-            <a:noFill/>
-          </a:ln>
-        </p:spPr>
-        <p:style>
-          <a:lnRef idx="2">
-            <a:schemeClr val="accent1">
-              <a:shade val="50000"/>
-            </a:schemeClr>
-          </a:lnRef>
-          <a:fillRef idx="1">
-            <a:schemeClr val="accent1"/>
-          </a:fillRef>
-          <a:effectRef idx="0">
-            <a:schemeClr val="accent1"/>
-          </a:effectRef>
-          <a:fontRef idx="minor">
-            <a:schemeClr val="lt1"/>
-          </a:fontRef>
-        </p:style>
-        <p:txBody>
-          <a:bodyPr rtlCol="0" anchor="ctr"/>
-          <a:lstStyle/>
-          <a:p>
-            <a:pPr algn="ctr"/>
-            <a:endParaRPr lang="en-US" sz="2700"/>
-          </a:p>
-        </p:txBody>
-      </p:sp>
-      <p:sp>
-        <p:nvSpPr>
-          <p:cNvPr id="5" name="TextBox 4">
-            <a:extLst>
-              <a:ext uri="{FF2B5EF4-FFF2-40B4-BE49-F238E27FC236}">
-                <a16:creationId xmlns:a16="http://schemas.microsoft.com/office/drawing/2014/main" id="{5ECC4C7B-C529-5329-03AC-796804551DC1}"/>
-              </a:ext>
-            </a:extLst>
-          </p:cNvPr>
-          <p:cNvSpPr txBox="1"/>
-          <p:nvPr/>
-        </p:nvSpPr>
-        <p:spPr>
-          <a:xfrm>
-            <a:off x="781292" y="590309"/>
-            <a:ext cx="15486926" cy="1615827"/>
-          </a:xfrm>
-          <a:prstGeom prst="rect">
-            <a:avLst/>
-          </a:prstGeom>
-          <a:noFill/>
-        </p:spPr>
-        <p:txBody>
-          <a:bodyPr wrap="square" rtlCol="0">
-            <a:spAutoFit/>
-          </a:bodyPr>
-          <a:lstStyle/>
-          <a:p>
-            <a:r>
-              <a:rPr lang="en-US" sz="9900" b="1" dirty="0">
-                <a:solidFill>
-                  <a:schemeClr val="bg1"/>
-                </a:solidFill>
-                <a:latin typeface="Normafixed Tryout" panose="00000409000000000000" pitchFamily="49" charset="0"/>
-              </a:rPr>
-              <a:t>Conclusion</a:t>
-            </a:r>
-          </a:p>
-        </p:txBody>
-      </p:sp>
-    </p:spTree>
-    <p:extLst>
-      <p:ext uri="{BB962C8B-B14F-4D97-AF65-F5344CB8AC3E}">
-        <p14:creationId xmlns:p14="http://schemas.microsoft.com/office/powerpoint/2010/main" val="358064314"/>
-      </p:ext>
-    </p:extLst>
-  </p:cSld>
-  <p:clrMapOvr>
-    <a:masterClrMapping/>
-  </p:clrMapOvr>
-</p:sld>
-</file>
-
-<file path=ppt/slides/slide36.xml><?xml version="1.0" encoding="utf-8"?>
-<p:sld xmlns:a="http://schemas.openxmlformats.org/drawingml/2006/main" xmlns:r="http://schemas.openxmlformats.org/officeDocument/2006/relationships" xmlns:p="http://schemas.openxmlformats.org/presentationml/2006/main">
-  <p:cSld>
-    <p:spTree>
-      <p:nvGrpSpPr>
-        <p:cNvPr id="1" name="">
-          <a:extLst>
-            <a:ext uri="{FF2B5EF4-FFF2-40B4-BE49-F238E27FC236}">
-              <a16:creationId xmlns:a16="http://schemas.microsoft.com/office/drawing/2014/main" id="{EDD10D06-D0B5-9212-A34F-8F08B4D2DF86}"/>
-            </a:ext>
-          </a:extLst>
-        </p:cNvPr>
-        <p:cNvGrpSpPr/>
-        <p:nvPr/>
-      </p:nvGrpSpPr>
-      <p:grpSpPr>
-        <a:xfrm>
-          <a:off x="0" y="0"/>
-          <a:ext cx="0" cy="0"/>
-          <a:chOff x="0" y="0"/>
-          <a:chExt cx="0" cy="0"/>
-        </a:xfrm>
-      </p:grpSpPr>
-      <p:sp>
-        <p:nvSpPr>
-          <p:cNvPr id="4" name="Rectangle 3">
-            <a:extLst>
-              <a:ext uri="{FF2B5EF4-FFF2-40B4-BE49-F238E27FC236}">
-                <a16:creationId xmlns:a16="http://schemas.microsoft.com/office/drawing/2014/main" id="{6764A5DC-38D4-7F12-151E-016E4E827436}"/>
-              </a:ext>
-            </a:extLst>
-          </p:cNvPr>
-          <p:cNvSpPr/>
-          <p:nvPr/>
-        </p:nvSpPr>
-        <p:spPr>
-          <a:xfrm>
-            <a:off x="9861630" y="0"/>
-            <a:ext cx="8426370" cy="10287000"/>
-          </a:xfrm>
-          <a:prstGeom prst="rect">
-            <a:avLst/>
-          </a:prstGeom>
-          <a:solidFill>
-            <a:srgbClr val="CF3338"/>
-          </a:solidFill>
-          <a:ln>
-            <a:noFill/>
-          </a:ln>
-        </p:spPr>
-        <p:style>
-          <a:lnRef idx="2">
-            <a:schemeClr val="accent1">
-              <a:shade val="50000"/>
-            </a:schemeClr>
-          </a:lnRef>
-          <a:fillRef idx="1">
-            <a:schemeClr val="accent1"/>
-          </a:fillRef>
-          <a:effectRef idx="0">
-            <a:schemeClr val="accent1"/>
-          </a:effectRef>
-          <a:fontRef idx="minor">
-            <a:schemeClr val="lt1"/>
-          </a:fontRef>
-        </p:style>
-        <p:txBody>
-          <a:bodyPr rtlCol="0" anchor="ctr"/>
-          <a:lstStyle/>
-          <a:p>
-            <a:pPr algn="ctr"/>
-            <a:endParaRPr lang="en-US" sz="2700"/>
-          </a:p>
-        </p:txBody>
-      </p:sp>
-      <p:pic>
-        <p:nvPicPr>
-          <p:cNvPr id="2" name="Picture 1">
-            <a:extLst>
-              <a:ext uri="{FF2B5EF4-FFF2-40B4-BE49-F238E27FC236}">
-                <a16:creationId xmlns:a16="http://schemas.microsoft.com/office/drawing/2014/main" id="{F59C7250-A4DB-0BEE-0BC0-39A290D09B14}"/>
-              </a:ext>
-            </a:extLst>
-          </p:cNvPr>
-          <p:cNvPicPr>
-            <a:picLocks noChangeAspect="1"/>
-          </p:cNvPicPr>
-          <p:nvPr/>
-        </p:nvPicPr>
-        <p:blipFill rotWithShape="1">
-          <a:blip r:embed="rId3">
-            <a:extLst>
-              <a:ext uri="{28A0092B-C50C-407E-A947-70E740481C1C}">
-                <a14:useLocalDpi xmlns:a14="http://schemas.microsoft.com/office/drawing/2010/main" val="0"/>
-              </a:ext>
-            </a:extLst>
-          </a:blip>
-          <a:srcRect l="69227" t="33418" r="20112" b="50548"/>
-          <a:stretch/>
-        </p:blipFill>
-        <p:spPr>
-          <a:xfrm>
-            <a:off x="15579524" y="7544693"/>
-            <a:ext cx="2708477" cy="2987579"/>
-          </a:xfrm>
-          <a:prstGeom prst="rect">
-            <a:avLst/>
-          </a:prstGeom>
-        </p:spPr>
-      </p:pic>
-      <p:sp>
-        <p:nvSpPr>
-          <p:cNvPr id="3" name="TextBox 2">
-            <a:extLst>
-              <a:ext uri="{FF2B5EF4-FFF2-40B4-BE49-F238E27FC236}">
-                <a16:creationId xmlns:a16="http://schemas.microsoft.com/office/drawing/2014/main" id="{7477DFE9-D506-DBB3-AF0C-C6AE174A701B}"/>
-              </a:ext>
-            </a:extLst>
-          </p:cNvPr>
-          <p:cNvSpPr txBox="1"/>
-          <p:nvPr/>
-        </p:nvSpPr>
-        <p:spPr>
-          <a:xfrm>
-            <a:off x="260431" y="329879"/>
-            <a:ext cx="8906720" cy="4256037"/>
-          </a:xfrm>
-          <a:prstGeom prst="rect">
-            <a:avLst/>
-          </a:prstGeom>
-          <a:noFill/>
-        </p:spPr>
-        <p:txBody>
-          <a:bodyPr wrap="square" rtlCol="0">
-            <a:spAutoFit/>
-          </a:bodyPr>
-          <a:lstStyle/>
-          <a:p>
-            <a:r>
-              <a:rPr lang="en-US" sz="6000" b="1" dirty="0">
-                <a:solidFill>
-                  <a:srgbClr val="CF3338"/>
-                </a:solidFill>
-                <a:latin typeface="Pragmatica" panose="020B0403040502020204" pitchFamily="34" charset="0"/>
-              </a:rPr>
-              <a:t>Resource: </a:t>
-            </a:r>
-            <a:r>
-              <a:rPr lang="en-US" sz="6000" b="1" i="1" dirty="0">
-                <a:solidFill>
-                  <a:srgbClr val="CF3338"/>
-                </a:solidFill>
-                <a:latin typeface="Pragmatica" panose="020B0403040502020204" pitchFamily="34" charset="0"/>
-              </a:rPr>
-              <a:t>Advancing into Analytics</a:t>
-            </a:r>
-            <a:endParaRPr lang="en-US" sz="6000" b="1" dirty="0">
-              <a:solidFill>
-                <a:srgbClr val="CF3338"/>
-              </a:solidFill>
-              <a:latin typeface="Pragmatica" panose="020B0403040502020204" pitchFamily="34" charset="0"/>
-            </a:endParaRPr>
-          </a:p>
-          <a:p>
-            <a:pPr marL="142875">
-              <a:lnSpc>
-                <a:spcPct val="115000"/>
-              </a:lnSpc>
-              <a:spcBef>
-                <a:spcPts val="1125"/>
-              </a:spcBef>
-              <a:buClr>
-                <a:srgbClr val="C00000"/>
-              </a:buClr>
-              <a:buSzPts val="2100"/>
-            </a:pPr>
-            <a:endParaRPr lang="en-US" sz="3600" dirty="0">
-              <a:solidFill>
-                <a:srgbClr val="C00000"/>
-              </a:solidFill>
-              <a:latin typeface="Pragmatica" panose="020B0403040502020204"/>
-              <a:sym typeface="Consolas"/>
-            </a:endParaRPr>
-          </a:p>
-          <a:p>
-            <a:r>
-              <a:rPr lang="en-US" sz="4000" dirty="0">
-                <a:solidFill>
-                  <a:srgbClr val="CF3338"/>
-                </a:solidFill>
-                <a:latin typeface="Pragmatica" panose="020B0403040502020204" pitchFamily="34" charset="0"/>
-              </a:rPr>
-              <a:t>stringfestanalytics.com/book</a:t>
-            </a:r>
-            <a:endParaRPr lang="en-US" sz="3600" dirty="0">
-              <a:solidFill>
-                <a:srgbClr val="CF3338"/>
-              </a:solidFill>
-              <a:latin typeface="Pragmatica" panose="020B0403040502020204" pitchFamily="34" charset="0"/>
-            </a:endParaRPr>
-          </a:p>
-          <a:p>
-            <a:endParaRPr lang="en-US" sz="6000" dirty="0">
-              <a:solidFill>
-                <a:srgbClr val="CF3338"/>
-              </a:solidFill>
-              <a:latin typeface="Pragmatica" panose="020B0403040502020204" pitchFamily="34" charset="0"/>
-            </a:endParaRPr>
-          </a:p>
-        </p:txBody>
-      </p:sp>
-      <p:pic>
-        <p:nvPicPr>
-          <p:cNvPr id="2050" name="Picture 2" descr="Advancing into Analytics">
-            <a:extLst>
-              <a:ext uri="{FF2B5EF4-FFF2-40B4-BE49-F238E27FC236}">
-                <a16:creationId xmlns:a16="http://schemas.microsoft.com/office/drawing/2014/main" id="{5B2AAF1C-37EA-DD65-2C5E-842E5A429CB7}"/>
-              </a:ext>
-            </a:extLst>
-          </p:cNvPr>
-          <p:cNvPicPr>
-            <a:picLocks noChangeAspect="1" noChangeArrowheads="1"/>
-          </p:cNvPicPr>
-          <p:nvPr/>
-        </p:nvPicPr>
-        <p:blipFill>
-          <a:blip r:embed="rId4">
-            <a:extLst>
-              <a:ext uri="{28A0092B-C50C-407E-A947-70E740481C1C}">
-                <a14:useLocalDpi xmlns:a14="http://schemas.microsoft.com/office/drawing/2010/main" val="0"/>
-              </a:ext>
-            </a:extLst>
-          </a:blip>
-          <a:srcRect/>
-          <a:stretch>
-            <a:fillRect/>
-          </a:stretch>
-        </p:blipFill>
-        <p:spPr bwMode="auto">
-          <a:xfrm>
-            <a:off x="381000" y="5044380"/>
-            <a:ext cx="3810000" cy="5000625"/>
-          </a:xfrm>
-          <a:prstGeom prst="rect">
-            <a:avLst/>
-          </a:prstGeom>
-          <a:noFill/>
-          <a:extLst>
-            <a:ext uri="{909E8E84-426E-40DD-AFC4-6F175D3DCCD1}">
-              <a14:hiddenFill xmlns:a14="http://schemas.microsoft.com/office/drawing/2010/main">
-                <a:solidFill>
-                  <a:srgbClr val="FFFFFF"/>
-                </a:solidFill>
-              </a14:hiddenFill>
-            </a:ext>
-          </a:extLst>
-        </p:spPr>
-      </p:pic>
-    </p:spTree>
-    <p:extLst>
-      <p:ext uri="{BB962C8B-B14F-4D97-AF65-F5344CB8AC3E}">
-        <p14:creationId xmlns:p14="http://schemas.microsoft.com/office/powerpoint/2010/main" val="1543383187"/>
-      </p:ext>
-    </p:extLst>
-  </p:cSld>
-  <p:clrMapOvr>
-    <a:masterClrMapping/>
-  </p:clrMapOvr>
-</p:sld>
-</file>
-
-<file path=ppt/slides/slide37.xml><?xml version="1.0" encoding="utf-8"?>
-<p:sld xmlns:a="http://schemas.openxmlformats.org/drawingml/2006/main" xmlns:r="http://schemas.openxmlformats.org/officeDocument/2006/relationships" xmlns:p="http://schemas.openxmlformats.org/presentationml/2006/main">
-  <p:cSld>
-    <p:spTree>
-      <p:nvGrpSpPr>
-        <p:cNvPr id="1" name="">
-          <a:extLst>
-            <a:ext uri="{FF2B5EF4-FFF2-40B4-BE49-F238E27FC236}">
-              <a16:creationId xmlns:a16="http://schemas.microsoft.com/office/drawing/2014/main" id="{556CB9BC-ABA6-103A-715B-D3B9A4577CCE}"/>
-            </a:ext>
-          </a:extLst>
-        </p:cNvPr>
-        <p:cNvGrpSpPr/>
-        <p:nvPr/>
-      </p:nvGrpSpPr>
-      <p:grpSpPr>
-        <a:xfrm>
-          <a:off x="0" y="0"/>
-          <a:ext cx="0" cy="0"/>
-          <a:chOff x="0" y="0"/>
-          <a:chExt cx="0" cy="0"/>
-        </a:xfrm>
-      </p:grpSpPr>
-      <p:sp>
-        <p:nvSpPr>
-          <p:cNvPr id="4" name="Rectangle 3">
-            <a:extLst>
-              <a:ext uri="{FF2B5EF4-FFF2-40B4-BE49-F238E27FC236}">
-                <a16:creationId xmlns:a16="http://schemas.microsoft.com/office/drawing/2014/main" id="{DADD1AF2-9FDD-94D8-80B6-5B4D41D189A9}"/>
-              </a:ext>
-            </a:extLst>
-          </p:cNvPr>
-          <p:cNvSpPr/>
-          <p:nvPr/>
-        </p:nvSpPr>
-        <p:spPr>
-          <a:xfrm>
-            <a:off x="9861630" y="0"/>
-            <a:ext cx="8426370" cy="10287000"/>
-          </a:xfrm>
-          <a:prstGeom prst="rect">
-            <a:avLst/>
-          </a:prstGeom>
-          <a:solidFill>
-            <a:srgbClr val="CF3338"/>
-          </a:solidFill>
-          <a:ln>
-            <a:noFill/>
-          </a:ln>
-        </p:spPr>
-        <p:style>
-          <a:lnRef idx="2">
-            <a:schemeClr val="accent1">
-              <a:shade val="50000"/>
-            </a:schemeClr>
-          </a:lnRef>
-          <a:fillRef idx="1">
-            <a:schemeClr val="accent1"/>
-          </a:fillRef>
-          <a:effectRef idx="0">
-            <a:schemeClr val="accent1"/>
-          </a:effectRef>
-          <a:fontRef idx="minor">
-            <a:schemeClr val="lt1"/>
-          </a:fontRef>
-        </p:style>
-        <p:txBody>
-          <a:bodyPr rtlCol="0" anchor="ctr"/>
-          <a:lstStyle/>
-          <a:p>
-            <a:pPr algn="ctr"/>
-            <a:endParaRPr lang="en-US" sz="2700"/>
-          </a:p>
-        </p:txBody>
-      </p:sp>
-      <p:pic>
-        <p:nvPicPr>
-          <p:cNvPr id="2" name="Picture 1">
-            <a:extLst>
-              <a:ext uri="{FF2B5EF4-FFF2-40B4-BE49-F238E27FC236}">
-                <a16:creationId xmlns:a16="http://schemas.microsoft.com/office/drawing/2014/main" id="{B995B80C-F573-6FA2-163B-B895205BFF2A}"/>
-              </a:ext>
-            </a:extLst>
-          </p:cNvPr>
-          <p:cNvPicPr>
-            <a:picLocks noChangeAspect="1"/>
-          </p:cNvPicPr>
-          <p:nvPr/>
-        </p:nvPicPr>
-        <p:blipFill rotWithShape="1">
-          <a:blip r:embed="rId3">
-            <a:extLst>
-              <a:ext uri="{28A0092B-C50C-407E-A947-70E740481C1C}">
-                <a14:useLocalDpi xmlns:a14="http://schemas.microsoft.com/office/drawing/2010/main" val="0"/>
-              </a:ext>
-            </a:extLst>
-          </a:blip>
-          <a:srcRect l="69227" t="33418" r="20112" b="50548"/>
-          <a:stretch/>
-        </p:blipFill>
-        <p:spPr>
-          <a:xfrm>
-            <a:off x="15579524" y="7544693"/>
-            <a:ext cx="2708477" cy="2987579"/>
-          </a:xfrm>
-          <a:prstGeom prst="rect">
-            <a:avLst/>
-          </a:prstGeom>
-        </p:spPr>
-      </p:pic>
-      <p:sp>
-        <p:nvSpPr>
-          <p:cNvPr id="3" name="TextBox 2">
-            <a:extLst>
-              <a:ext uri="{FF2B5EF4-FFF2-40B4-BE49-F238E27FC236}">
-                <a16:creationId xmlns:a16="http://schemas.microsoft.com/office/drawing/2014/main" id="{1B972C77-007E-B6EB-C801-5C7906650F63}"/>
-              </a:ext>
-            </a:extLst>
-          </p:cNvPr>
-          <p:cNvSpPr txBox="1"/>
-          <p:nvPr/>
-        </p:nvSpPr>
-        <p:spPr>
-          <a:xfrm>
-            <a:off x="260431" y="329879"/>
-            <a:ext cx="8906720" cy="2624821"/>
-          </a:xfrm>
-          <a:prstGeom prst="rect">
-            <a:avLst/>
-          </a:prstGeom>
-          <a:noFill/>
-        </p:spPr>
-        <p:txBody>
-          <a:bodyPr wrap="square" rtlCol="0">
-            <a:spAutoFit/>
-          </a:bodyPr>
-          <a:lstStyle/>
-          <a:p>
-            <a:r>
-              <a:rPr lang="en-US" sz="6000" b="1" dirty="0">
-                <a:solidFill>
-                  <a:srgbClr val="CF3338"/>
-                </a:solidFill>
-                <a:latin typeface="Pragmatica" panose="020B0403040502020204" pitchFamily="34" charset="0"/>
-              </a:rPr>
-              <a:t>Resource: </a:t>
-            </a:r>
-            <a:r>
-              <a:rPr lang="en-US" sz="6000" b="1" i="1" dirty="0">
-                <a:solidFill>
-                  <a:srgbClr val="CF3338"/>
-                </a:solidFill>
-                <a:latin typeface="Pragmatica" panose="020B0403040502020204" pitchFamily="34" charset="0"/>
-              </a:rPr>
-              <a:t>Python for Excel</a:t>
-            </a:r>
-            <a:endParaRPr lang="en-US" sz="6000" b="1" dirty="0">
-              <a:solidFill>
-                <a:srgbClr val="CF3338"/>
-              </a:solidFill>
-              <a:latin typeface="Pragmatica" panose="020B0403040502020204" pitchFamily="34" charset="0"/>
-            </a:endParaRPr>
-          </a:p>
-          <a:p>
-            <a:pPr marL="142875">
-              <a:lnSpc>
-                <a:spcPct val="115000"/>
-              </a:lnSpc>
-              <a:spcBef>
-                <a:spcPts val="1125"/>
-              </a:spcBef>
-              <a:buClr>
-                <a:srgbClr val="C00000"/>
-              </a:buClr>
-              <a:buSzPts val="2100"/>
-            </a:pPr>
-            <a:endParaRPr lang="en-US" sz="3600" dirty="0">
-              <a:solidFill>
-                <a:srgbClr val="C00000"/>
-              </a:solidFill>
-              <a:latin typeface="Pragmatica" panose="020B0403040502020204"/>
-              <a:sym typeface="Consolas"/>
-            </a:endParaRPr>
-          </a:p>
-          <a:p>
-            <a:r>
-              <a:rPr lang="en-US" sz="5400" dirty="0">
-                <a:solidFill>
-                  <a:srgbClr val="CF3338"/>
-                </a:solidFill>
-                <a:latin typeface="Pragmatica" panose="020B0403040502020204" pitchFamily="34" charset="0"/>
-              </a:rPr>
-              <a:t>xlwings.org/book </a:t>
-            </a:r>
-          </a:p>
-        </p:txBody>
-      </p:sp>
-      <p:pic>
-        <p:nvPicPr>
-          <p:cNvPr id="1026" name="Picture 2" descr="Python for Excel">
-            <a:extLst>
-              <a:ext uri="{FF2B5EF4-FFF2-40B4-BE49-F238E27FC236}">
-                <a16:creationId xmlns:a16="http://schemas.microsoft.com/office/drawing/2014/main" id="{80644A9C-C912-1443-B13D-FF6D068A9C43}"/>
-              </a:ext>
-            </a:extLst>
-          </p:cNvPr>
-          <p:cNvPicPr>
-            <a:picLocks noChangeAspect="1" noChangeArrowheads="1"/>
-          </p:cNvPicPr>
-          <p:nvPr/>
-        </p:nvPicPr>
-        <p:blipFill>
-          <a:blip r:embed="rId4">
-            <a:extLst>
-              <a:ext uri="{28A0092B-C50C-407E-A947-70E740481C1C}">
-                <a14:useLocalDpi xmlns:a14="http://schemas.microsoft.com/office/drawing/2010/main" val="0"/>
-              </a:ext>
-            </a:extLst>
-          </a:blip>
-          <a:srcRect/>
-          <a:stretch>
-            <a:fillRect/>
-          </a:stretch>
-        </p:blipFill>
-        <p:spPr bwMode="auto">
-          <a:xfrm>
-            <a:off x="762000" y="4686300"/>
-            <a:ext cx="3810000" cy="5000625"/>
-          </a:xfrm>
-          <a:prstGeom prst="rect">
-            <a:avLst/>
-          </a:prstGeom>
-          <a:noFill/>
-          <a:extLst>
-            <a:ext uri="{909E8E84-426E-40DD-AFC4-6F175D3DCCD1}">
-              <a14:hiddenFill xmlns:a14="http://schemas.microsoft.com/office/drawing/2010/main">
-                <a:solidFill>
-                  <a:srgbClr val="FFFFFF"/>
-                </a:solidFill>
-              </a14:hiddenFill>
-            </a:ext>
-          </a:extLst>
-        </p:spPr>
-      </p:pic>
-    </p:spTree>
-    <p:extLst>
-      <p:ext uri="{BB962C8B-B14F-4D97-AF65-F5344CB8AC3E}">
-        <p14:creationId xmlns:p14="http://schemas.microsoft.com/office/powerpoint/2010/main" val="837451578"/>
-      </p:ext>
-    </p:extLst>
-  </p:cSld>
-  <p:clrMapOvr>
-    <a:masterClrMapping/>
-  </p:clrMapOvr>
-</p:sld>
-</file>
-
-<file path=ppt/slides/slide38.xml><?xml version="1.0" encoding="utf-8"?>
-<p:sld xmlns:a="http://schemas.openxmlformats.org/drawingml/2006/main" xmlns:r="http://schemas.openxmlformats.org/officeDocument/2006/relationships" xmlns:p="http://schemas.openxmlformats.org/presentationml/2006/main">
-  <p:cSld>
-    <p:spTree>
-      <p:nvGrpSpPr>
-        <p:cNvPr id="1" name="">
-          <a:extLst>
-            <a:ext uri="{FF2B5EF4-FFF2-40B4-BE49-F238E27FC236}">
-              <a16:creationId xmlns:a16="http://schemas.microsoft.com/office/drawing/2014/main" id="{1DCEF581-6BA9-4461-08BA-6D16F65F3328}"/>
-            </a:ext>
-          </a:extLst>
-        </p:cNvPr>
-        <p:cNvGrpSpPr/>
-        <p:nvPr/>
-      </p:nvGrpSpPr>
-      <p:grpSpPr>
-        <a:xfrm>
-          <a:off x="0" y="0"/>
-          <a:ext cx="0" cy="0"/>
-          <a:chOff x="0" y="0"/>
-          <a:chExt cx="0" cy="0"/>
-        </a:xfrm>
-      </p:grpSpPr>
-      <p:sp>
-        <p:nvSpPr>
-          <p:cNvPr id="4" name="Rectangle 3">
-            <a:extLst>
-              <a:ext uri="{FF2B5EF4-FFF2-40B4-BE49-F238E27FC236}">
-                <a16:creationId xmlns:a16="http://schemas.microsoft.com/office/drawing/2014/main" id="{086DF1D7-4393-B6A7-D04C-55B1E5B8B731}"/>
-              </a:ext>
-            </a:extLst>
-          </p:cNvPr>
-          <p:cNvSpPr/>
-          <p:nvPr/>
-        </p:nvSpPr>
-        <p:spPr>
-          <a:xfrm>
-            <a:off x="9861630" y="0"/>
-            <a:ext cx="8426370" cy="10287000"/>
-          </a:xfrm>
-          <a:prstGeom prst="rect">
-            <a:avLst/>
-          </a:prstGeom>
-          <a:solidFill>
-            <a:srgbClr val="CF3338"/>
-          </a:solidFill>
-          <a:ln>
-            <a:noFill/>
-          </a:ln>
-        </p:spPr>
-        <p:style>
-          <a:lnRef idx="2">
-            <a:schemeClr val="accent1">
-              <a:shade val="50000"/>
-            </a:schemeClr>
-          </a:lnRef>
-          <a:fillRef idx="1">
-            <a:schemeClr val="accent1"/>
-          </a:fillRef>
-          <a:effectRef idx="0">
-            <a:schemeClr val="accent1"/>
-          </a:effectRef>
-          <a:fontRef idx="minor">
-            <a:schemeClr val="lt1"/>
-          </a:fontRef>
-        </p:style>
-        <p:txBody>
-          <a:bodyPr rtlCol="0" anchor="ctr"/>
-          <a:lstStyle/>
-          <a:p>
-            <a:pPr algn="ctr"/>
-            <a:endParaRPr lang="en-US" sz="2700"/>
-          </a:p>
-        </p:txBody>
-      </p:sp>
-      <p:pic>
-        <p:nvPicPr>
-          <p:cNvPr id="2" name="Picture 1">
-            <a:extLst>
-              <a:ext uri="{FF2B5EF4-FFF2-40B4-BE49-F238E27FC236}">
-                <a16:creationId xmlns:a16="http://schemas.microsoft.com/office/drawing/2014/main" id="{310EF924-3C1C-4586-5E9A-2810C5DAD7C2}"/>
-              </a:ext>
-            </a:extLst>
-          </p:cNvPr>
-          <p:cNvPicPr>
-            <a:picLocks noChangeAspect="1"/>
-          </p:cNvPicPr>
-          <p:nvPr/>
-        </p:nvPicPr>
-        <p:blipFill rotWithShape="1">
-          <a:blip r:embed="rId3">
-            <a:extLst>
-              <a:ext uri="{28A0092B-C50C-407E-A947-70E740481C1C}">
-                <a14:useLocalDpi xmlns:a14="http://schemas.microsoft.com/office/drawing/2010/main" val="0"/>
-              </a:ext>
-            </a:extLst>
-          </a:blip>
-          <a:srcRect l="69227" t="33418" r="20112" b="50548"/>
-          <a:stretch/>
-        </p:blipFill>
-        <p:spPr>
-          <a:xfrm>
-            <a:off x="15579524" y="7544693"/>
-            <a:ext cx="2708477" cy="2987579"/>
-          </a:xfrm>
-          <a:prstGeom prst="rect">
-            <a:avLst/>
-          </a:prstGeom>
-        </p:spPr>
-      </p:pic>
-      <p:sp>
-        <p:nvSpPr>
-          <p:cNvPr id="3" name="TextBox 2">
-            <a:extLst>
-              <a:ext uri="{FF2B5EF4-FFF2-40B4-BE49-F238E27FC236}">
-                <a16:creationId xmlns:a16="http://schemas.microsoft.com/office/drawing/2014/main" id="{9C1992D3-0543-2919-A641-F8327941676A}"/>
-              </a:ext>
-            </a:extLst>
-          </p:cNvPr>
-          <p:cNvSpPr txBox="1"/>
-          <p:nvPr/>
-        </p:nvSpPr>
-        <p:spPr>
-          <a:xfrm>
-            <a:off x="260431" y="329879"/>
-            <a:ext cx="8906720" cy="3332707"/>
-          </a:xfrm>
-          <a:prstGeom prst="rect">
-            <a:avLst/>
-          </a:prstGeom>
-          <a:noFill/>
-        </p:spPr>
-        <p:txBody>
-          <a:bodyPr wrap="square" rtlCol="0">
-            <a:spAutoFit/>
-          </a:bodyPr>
-          <a:lstStyle/>
-          <a:p>
-            <a:r>
-              <a:rPr lang="en-US" sz="6000" b="1" dirty="0">
-                <a:solidFill>
-                  <a:srgbClr val="CF3338"/>
-                </a:solidFill>
-                <a:latin typeface="Pragmatica" panose="020B0403040502020204" pitchFamily="34" charset="0"/>
-              </a:rPr>
-              <a:t>Resource: </a:t>
-            </a:r>
-            <a:r>
-              <a:rPr lang="en-US" sz="6000" b="1" i="1" dirty="0">
-                <a:solidFill>
-                  <a:srgbClr val="CF3338"/>
-                </a:solidFill>
-                <a:latin typeface="Pragmatica" panose="020B0403040502020204" pitchFamily="34" charset="0"/>
-              </a:rPr>
-              <a:t>Modern Data Analytics in Excel</a:t>
-            </a:r>
-            <a:endParaRPr lang="en-US" sz="6000" b="1" dirty="0">
-              <a:solidFill>
-                <a:srgbClr val="CF3338"/>
-              </a:solidFill>
-              <a:latin typeface="Pragmatica" panose="020B0403040502020204" pitchFamily="34" charset="0"/>
-            </a:endParaRPr>
-          </a:p>
-          <a:p>
-            <a:pPr marL="142875">
-              <a:lnSpc>
-                <a:spcPct val="115000"/>
-              </a:lnSpc>
-              <a:spcBef>
-                <a:spcPts val="1125"/>
-              </a:spcBef>
-              <a:buClr>
-                <a:srgbClr val="C00000"/>
-              </a:buClr>
-              <a:buSzPts val="2100"/>
-            </a:pPr>
-            <a:endParaRPr lang="en-US" sz="3600" dirty="0">
-              <a:solidFill>
-                <a:srgbClr val="C00000"/>
-              </a:solidFill>
-              <a:latin typeface="Pragmatica" panose="020B0403040502020204"/>
-              <a:sym typeface="Consolas"/>
-            </a:endParaRPr>
-          </a:p>
-          <a:p>
-            <a:r>
-              <a:rPr lang="en-US" sz="4000" dirty="0">
-                <a:solidFill>
-                  <a:srgbClr val="CF3338"/>
-                </a:solidFill>
-                <a:latin typeface="Pragmatica" panose="020B0403040502020204" pitchFamily="34" charset="0"/>
-              </a:rPr>
-              <a:t>stringfestanalytics.com/maxl/</a:t>
-            </a:r>
-            <a:endParaRPr lang="en-US" sz="6000" dirty="0">
-              <a:solidFill>
-                <a:srgbClr val="CF3338"/>
-              </a:solidFill>
-              <a:latin typeface="Pragmatica" panose="020B0403040502020204" pitchFamily="34" charset="0"/>
-            </a:endParaRPr>
-          </a:p>
-        </p:txBody>
-      </p:sp>
-      <p:pic>
-        <p:nvPicPr>
-          <p:cNvPr id="1026" name="Picture 2" descr="Modern data analytics in Excel book cover">
-            <a:extLst>
-              <a:ext uri="{FF2B5EF4-FFF2-40B4-BE49-F238E27FC236}">
-                <a16:creationId xmlns:a16="http://schemas.microsoft.com/office/drawing/2014/main" id="{F8CF726B-4E1D-A6B6-3A42-0B86BB385453}"/>
-              </a:ext>
-            </a:extLst>
-          </p:cNvPr>
-          <p:cNvPicPr>
-            <a:picLocks noChangeAspect="1" noChangeArrowheads="1"/>
-          </p:cNvPicPr>
-          <p:nvPr/>
-        </p:nvPicPr>
-        <p:blipFill>
-          <a:blip r:embed="rId4">
-            <a:extLst>
-              <a:ext uri="{28A0092B-C50C-407E-A947-70E740481C1C}">
-                <a14:useLocalDpi xmlns:a14="http://schemas.microsoft.com/office/drawing/2010/main" val="0"/>
-              </a:ext>
-            </a:extLst>
-          </a:blip>
-          <a:srcRect/>
-          <a:stretch>
-            <a:fillRect/>
-          </a:stretch>
-        </p:blipFill>
-        <p:spPr bwMode="auto">
-          <a:xfrm>
-            <a:off x="990600" y="4636879"/>
-            <a:ext cx="3962399" cy="5196717"/>
-          </a:xfrm>
-          <a:prstGeom prst="rect">
-            <a:avLst/>
-          </a:prstGeom>
-          <a:noFill/>
-          <a:extLst>
-            <a:ext uri="{909E8E84-426E-40DD-AFC4-6F175D3DCCD1}">
-              <a14:hiddenFill xmlns:a14="http://schemas.microsoft.com/office/drawing/2010/main">
-                <a:solidFill>
-                  <a:srgbClr val="FFFFFF"/>
-                </a:solidFill>
-              </a14:hiddenFill>
-            </a:ext>
-          </a:extLst>
-        </p:spPr>
-      </p:pic>
-    </p:spTree>
-    <p:extLst>
-      <p:ext uri="{BB962C8B-B14F-4D97-AF65-F5344CB8AC3E}">
-        <p14:creationId xmlns:p14="http://schemas.microsoft.com/office/powerpoint/2010/main" val="616977739"/>
-      </p:ext>
-    </p:extLst>
-  </p:cSld>
-  <p:clrMapOvr>
-    <a:masterClrMapping/>
-  </p:clrMapOvr>
-</p:sld>
-</file>
-
-<file path=ppt/slides/slide39.xml><?xml version="1.0" encoding="utf-8"?>
-<p:sld xmlns:a="http://schemas.openxmlformats.org/drawingml/2006/main" xmlns:r="http://schemas.openxmlformats.org/officeDocument/2006/relationships" xmlns:p="http://schemas.openxmlformats.org/presentationml/2006/main">
-  <p:cSld>
-    <p:spTree>
-      <p:nvGrpSpPr>
-        <p:cNvPr id="1" name=""/>
-        <p:cNvGrpSpPr/>
-        <p:nvPr/>
-      </p:nvGrpSpPr>
-      <p:grpSpPr>
-        <a:xfrm>
-          <a:off x="0" y="0"/>
-          <a:ext cx="0" cy="0"/>
-          <a:chOff x="0" y="0"/>
-          <a:chExt cx="0" cy="0"/>
-        </a:xfrm>
-      </p:grpSpPr>
-      <p:pic>
-        <p:nvPicPr>
-          <p:cNvPr id="10" name="Picture 9"/>
-          <p:cNvPicPr>
-            <a:picLocks noChangeAspect="1"/>
-          </p:cNvPicPr>
-          <p:nvPr/>
-        </p:nvPicPr>
-        <p:blipFill rotWithShape="1">
-          <a:blip r:embed="rId2">
-            <a:extLst>
-              <a:ext uri="{28A0092B-C50C-407E-A947-70E740481C1C}">
-                <a14:useLocalDpi xmlns:a14="http://schemas.microsoft.com/office/drawing/2010/main" val="0"/>
-              </a:ext>
-            </a:extLst>
-          </a:blip>
-          <a:srcRect l="50728" t="56371"/>
-          <a:stretch/>
-        </p:blipFill>
-        <p:spPr>
-          <a:xfrm>
-            <a:off x="12204691" y="3316148"/>
-            <a:ext cx="6083309" cy="6970854"/>
-          </a:xfrm>
-          <a:prstGeom prst="rect">
-            <a:avLst/>
-          </a:prstGeom>
-        </p:spPr>
-      </p:pic>
-      <p:pic>
-        <p:nvPicPr>
-          <p:cNvPr id="4" name="Picture 3"/>
-          <p:cNvPicPr>
-            <a:picLocks noChangeAspect="1"/>
-          </p:cNvPicPr>
-          <p:nvPr/>
-        </p:nvPicPr>
-        <p:blipFill>
-          <a:blip r:embed="rId3">
-            <a:extLst>
-              <a:ext uri="{28A0092B-C50C-407E-A947-70E740481C1C}">
-                <a14:useLocalDpi xmlns:a14="http://schemas.microsoft.com/office/drawing/2010/main" val="0"/>
-              </a:ext>
-            </a:extLst>
-          </a:blip>
-          <a:stretch>
-            <a:fillRect/>
-          </a:stretch>
-        </p:blipFill>
-        <p:spPr>
-          <a:xfrm>
-            <a:off x="-807744" y="-3724155"/>
-            <a:ext cx="15257208" cy="11189825"/>
-          </a:xfrm>
-          <a:prstGeom prst="rect">
-            <a:avLst/>
-          </a:prstGeom>
-        </p:spPr>
-      </p:pic>
-      <p:sp>
-        <p:nvSpPr>
-          <p:cNvPr id="11" name="TextBox 10"/>
-          <p:cNvSpPr txBox="1"/>
-          <p:nvPr/>
-        </p:nvSpPr>
-        <p:spPr>
-          <a:xfrm>
-            <a:off x="486137" y="2531318"/>
-            <a:ext cx="11979797" cy="5078313"/>
-          </a:xfrm>
-          <a:prstGeom prst="rect">
-            <a:avLst/>
-          </a:prstGeom>
-          <a:noFill/>
-        </p:spPr>
-        <p:txBody>
-          <a:bodyPr wrap="square" rtlCol="0">
-            <a:spAutoFit/>
-          </a:bodyPr>
-          <a:lstStyle/>
-          <a:p>
-            <a:r>
-              <a:rPr lang="en-US" sz="5400" b="1" dirty="0">
-                <a:solidFill>
-                  <a:srgbClr val="CF3338"/>
-                </a:solidFill>
-                <a:latin typeface="Pragmatica" panose="020B0403040502020204" pitchFamily="34" charset="0"/>
-              </a:rPr>
-              <a:t>THANK YOU</a:t>
-            </a:r>
-          </a:p>
-          <a:p>
-            <a:endParaRPr lang="en-US" sz="5400" b="1" dirty="0">
-              <a:solidFill>
-                <a:srgbClr val="CF3338"/>
-              </a:solidFill>
-              <a:latin typeface="Pragmatica" panose="020B0403040502020204" pitchFamily="34" charset="0"/>
-            </a:endParaRPr>
-          </a:p>
-          <a:p>
-            <a:pPr marL="571500" indent="-571500">
-              <a:buFont typeface="Arial" panose="020B0604020202020204" pitchFamily="34" charset="0"/>
-              <a:buChar char="•"/>
-            </a:pPr>
-            <a:r>
-              <a:rPr lang="en-US" sz="3600" dirty="0">
-                <a:solidFill>
-                  <a:srgbClr val="CF3338"/>
-                </a:solidFill>
-                <a:latin typeface="Pragmatica" panose="020B0403040502020204"/>
-                <a:sym typeface="Consolas"/>
-              </a:rPr>
-              <a:t>Linkedin.com/in/gjmount</a:t>
-            </a:r>
-          </a:p>
-          <a:p>
-            <a:pPr marL="571500" indent="-571500">
-              <a:buFont typeface="Arial" panose="020B0604020202020204" pitchFamily="34" charset="0"/>
-              <a:buChar char="•"/>
-            </a:pPr>
-            <a:r>
-              <a:rPr lang="en-US" sz="3600" dirty="0">
-                <a:solidFill>
-                  <a:srgbClr val="CF3338"/>
-                </a:solidFill>
-                <a:latin typeface="Pragmatica" panose="020B0403040502020204"/>
-                <a:sym typeface="Consolas"/>
-              </a:rPr>
-              <a:t>Twitter: @gjmount</a:t>
-            </a:r>
-          </a:p>
-          <a:p>
-            <a:pPr marL="571500" indent="-571500">
-              <a:buFont typeface="Arial" panose="020B0604020202020204" pitchFamily="34" charset="0"/>
-              <a:buChar char="•"/>
-            </a:pPr>
-            <a:r>
-              <a:rPr lang="en-US" sz="3600" dirty="0">
-                <a:solidFill>
-                  <a:srgbClr val="CF3338"/>
-                </a:solidFill>
-                <a:latin typeface="Pragmatica" panose="020B0403040502020204"/>
-                <a:sym typeface="Consolas"/>
-                <a:hlinkClick r:id="rId4">
-                  <a:extLst>
-                    <a:ext uri="{A12FA001-AC4F-418D-AE19-62706E023703}">
-                      <ahyp:hlinkClr xmlns:ahyp="http://schemas.microsoft.com/office/drawing/2018/hyperlinkcolor" val="tx"/>
-                    </a:ext>
-                  </a:extLst>
-                </a:hlinkClick>
-              </a:rPr>
-              <a:t>george@stringfestanalytics.com</a:t>
-            </a:r>
-            <a:r>
-              <a:rPr lang="en-US" sz="3600" dirty="0">
-                <a:solidFill>
-                  <a:srgbClr val="CF3338"/>
-                </a:solidFill>
-                <a:latin typeface="Pragmatica" panose="020B0403040502020204"/>
-                <a:sym typeface="Consolas"/>
-              </a:rPr>
-              <a:t> </a:t>
-            </a:r>
-          </a:p>
-          <a:p>
-            <a:endParaRPr lang="en-US" sz="5400" b="1" dirty="0">
-              <a:solidFill>
-                <a:srgbClr val="CF3338"/>
-              </a:solidFill>
-              <a:latin typeface="Pragmatica" panose="020B0403040502020204" pitchFamily="34" charset="0"/>
-            </a:endParaRPr>
-          </a:p>
-          <a:p>
-            <a:endParaRPr lang="en-US" sz="5400" b="1" dirty="0">
-              <a:solidFill>
-                <a:srgbClr val="CF3338"/>
-              </a:solidFill>
-              <a:latin typeface="Pragmatica" panose="020B0403040502020204" pitchFamily="34" charset="0"/>
-            </a:endParaRPr>
-          </a:p>
-        </p:txBody>
-      </p:sp>
-      <p:pic>
-        <p:nvPicPr>
-          <p:cNvPr id="5" name="Picture 4">
-            <a:extLst>
-              <a:ext uri="{FF2B5EF4-FFF2-40B4-BE49-F238E27FC236}">
-                <a16:creationId xmlns:a16="http://schemas.microsoft.com/office/drawing/2014/main" id="{54A06221-5316-4BCF-9FDA-BDB95FF4A778}"/>
-              </a:ext>
-            </a:extLst>
-          </p:cNvPr>
-          <p:cNvPicPr>
-            <a:picLocks noChangeAspect="1"/>
-          </p:cNvPicPr>
-          <p:nvPr/>
-        </p:nvPicPr>
-        <p:blipFill>
-          <a:blip r:embed="rId5">
-            <a:extLst>
-              <a:ext uri="{28A0092B-C50C-407E-A947-70E740481C1C}">
-                <a14:useLocalDpi xmlns:a14="http://schemas.microsoft.com/office/drawing/2010/main" val="0"/>
-              </a:ext>
-            </a:extLst>
-          </a:blip>
-          <a:srcRect/>
-          <a:stretch/>
-        </p:blipFill>
-        <p:spPr>
-          <a:xfrm>
-            <a:off x="12204691" y="3317239"/>
-            <a:ext cx="6083309" cy="6968672"/>
-          </a:xfrm>
-          <a:prstGeom prst="rect">
-            <a:avLst/>
-          </a:prstGeom>
-        </p:spPr>
-      </p:pic>
-    </p:spTree>
-    <p:extLst>
-      <p:ext uri="{BB962C8B-B14F-4D97-AF65-F5344CB8AC3E}">
-        <p14:creationId xmlns:p14="http://schemas.microsoft.com/office/powerpoint/2010/main" val="75588663"/>
+        <p14:creationId xmlns:p14="http://schemas.microsoft.com/office/powerpoint/2010/main" val="2768925910"/>
       </p:ext>
     </p:extLst>
   </p:cSld>
@@ -13838,211 +13856,6 @@
     <p:extLst>
       <p:ext uri="{BB962C8B-B14F-4D97-AF65-F5344CB8AC3E}">
         <p14:creationId xmlns:p14="http://schemas.microsoft.com/office/powerpoint/2010/main" val="3953945792"/>
-      </p:ext>
-    </p:extLst>
-  </p:cSld>
-  <p:clrMapOvr>
-    <a:masterClrMapping/>
-  </p:clrMapOvr>
-</p:sld>
-</file>
-
-<file path=ppt/slides/slide40.xml><?xml version="1.0" encoding="utf-8"?>
-<p:sld xmlns:a="http://schemas.openxmlformats.org/drawingml/2006/main" xmlns:r="http://schemas.openxmlformats.org/officeDocument/2006/relationships" xmlns:p="http://schemas.openxmlformats.org/presentationml/2006/main">
-  <p:cSld>
-    <p:spTree>
-      <p:nvGrpSpPr>
-        <p:cNvPr id="1" name="">
-          <a:extLst>
-            <a:ext uri="{FF2B5EF4-FFF2-40B4-BE49-F238E27FC236}">
-              <a16:creationId xmlns:a16="http://schemas.microsoft.com/office/drawing/2014/main" id="{EF1E463E-B95A-1081-A311-382A020488A5}"/>
-            </a:ext>
-          </a:extLst>
-        </p:cNvPr>
-        <p:cNvGrpSpPr/>
-        <p:nvPr/>
-      </p:nvGrpSpPr>
-      <p:grpSpPr>
-        <a:xfrm>
-          <a:off x="0" y="0"/>
-          <a:ext cx="0" cy="0"/>
-          <a:chOff x="0" y="0"/>
-          <a:chExt cx="0" cy="0"/>
-        </a:xfrm>
-      </p:grpSpPr>
-      <p:pic>
-        <p:nvPicPr>
-          <p:cNvPr id="5" name="Picture 4">
-            <a:extLst>
-              <a:ext uri="{FF2B5EF4-FFF2-40B4-BE49-F238E27FC236}">
-                <a16:creationId xmlns:a16="http://schemas.microsoft.com/office/drawing/2014/main" id="{0BA3745D-0381-7CB8-8B1C-4CD718867129}"/>
-              </a:ext>
-            </a:extLst>
-          </p:cNvPr>
-          <p:cNvPicPr>
-            <a:picLocks noChangeAspect="1"/>
-          </p:cNvPicPr>
-          <p:nvPr/>
-        </p:nvPicPr>
-        <p:blipFill>
-          <a:blip r:embed="rId2"/>
-          <a:srcRect/>
-          <a:stretch/>
-        </p:blipFill>
-        <p:spPr>
-          <a:xfrm>
-            <a:off x="0" y="0"/>
-            <a:ext cx="18288000" cy="10287000"/>
-          </a:xfrm>
-          <a:prstGeom prst="rect">
-            <a:avLst/>
-          </a:prstGeom>
-        </p:spPr>
-      </p:pic>
-      <p:sp>
-        <p:nvSpPr>
-          <p:cNvPr id="2" name="Title 1">
-            <a:extLst>
-              <a:ext uri="{FF2B5EF4-FFF2-40B4-BE49-F238E27FC236}">
-                <a16:creationId xmlns:a16="http://schemas.microsoft.com/office/drawing/2014/main" id="{C46119E7-F102-A88C-7E8C-68C93E6308BE}"/>
-              </a:ext>
-            </a:extLst>
-          </p:cNvPr>
-          <p:cNvSpPr>
-            <a:spLocks noGrp="1"/>
-          </p:cNvSpPr>
-          <p:nvPr>
-            <p:ph type="ctrTitle"/>
-          </p:nvPr>
-        </p:nvSpPr>
-        <p:spPr>
-          <a:xfrm>
-            <a:off x="2286000" y="2598656"/>
-            <a:ext cx="13716000" cy="3581400"/>
-          </a:xfrm>
-        </p:spPr>
-        <p:txBody>
-          <a:bodyPr>
-            <a:normAutofit/>
-          </a:bodyPr>
-          <a:lstStyle/>
-          <a:p>
-            <a:r>
-              <a:rPr lang="en-US" sz="9900" b="1" dirty="0">
-                <a:solidFill>
-                  <a:srgbClr val="241F62"/>
-                </a:solidFill>
-                <a:latin typeface="+mn-lt"/>
-              </a:rPr>
-              <a:t>Python in Excel for Enhanced Data Analytics </a:t>
-            </a:r>
-            <a:endParaRPr lang="en-BG" sz="9900" b="1" dirty="0">
-              <a:solidFill>
-                <a:srgbClr val="241F62"/>
-              </a:solidFill>
-              <a:latin typeface="+mn-lt"/>
-            </a:endParaRPr>
-          </a:p>
-        </p:txBody>
-      </p:sp>
-      <p:pic>
-        <p:nvPicPr>
-          <p:cNvPr id="7" name="Picture 6">
-            <a:extLst>
-              <a:ext uri="{FF2B5EF4-FFF2-40B4-BE49-F238E27FC236}">
-                <a16:creationId xmlns:a16="http://schemas.microsoft.com/office/drawing/2014/main" id="{4629D4C7-03AE-2DE1-C0BC-BB67F87E53E3}"/>
-              </a:ext>
-            </a:extLst>
-          </p:cNvPr>
-          <p:cNvPicPr>
-            <a:picLocks noChangeAspect="1"/>
-          </p:cNvPicPr>
-          <p:nvPr/>
-        </p:nvPicPr>
-        <p:blipFill>
-          <a:blip r:embed="rId3"/>
-          <a:srcRect b="22069"/>
-          <a:stretch/>
-        </p:blipFill>
-        <p:spPr>
-          <a:xfrm>
-            <a:off x="8153400" y="8430867"/>
-            <a:ext cx="1981200" cy="979833"/>
-          </a:xfrm>
-          <a:prstGeom prst="rect">
-            <a:avLst/>
-          </a:prstGeom>
-        </p:spPr>
-      </p:pic>
-      <p:sp>
-        <p:nvSpPr>
-          <p:cNvPr id="3" name="Title 1">
-            <a:extLst>
-              <a:ext uri="{FF2B5EF4-FFF2-40B4-BE49-F238E27FC236}">
-                <a16:creationId xmlns:a16="http://schemas.microsoft.com/office/drawing/2014/main" id="{460ABF60-A4BA-4BDA-36E2-D77996A950BD}"/>
-              </a:ext>
-            </a:extLst>
-          </p:cNvPr>
-          <p:cNvSpPr txBox="1">
-            <a:spLocks/>
-          </p:cNvSpPr>
-          <p:nvPr/>
-        </p:nvSpPr>
-        <p:spPr>
-          <a:xfrm>
-            <a:off x="13454742" y="548858"/>
-            <a:ext cx="4082145" cy="945771"/>
-          </a:xfrm>
-          <a:prstGeom prst="rect">
-            <a:avLst/>
-          </a:prstGeom>
-        </p:spPr>
-        <p:txBody>
-          <a:bodyPr vert="horz" lIns="137160" tIns="68580" rIns="137160" bIns="68580" rtlCol="0" anchor="ctr">
-            <a:normAutofit/>
-          </a:bodyPr>
-          <a:lstStyle>
-            <a:lvl1pPr algn="l" defTabSz="914400" rtl="0" eaLnBrk="1" latinLnBrk="0" hangingPunct="1">
-              <a:lnSpc>
-                <a:spcPct val="90000"/>
-              </a:lnSpc>
-              <a:spcBef>
-                <a:spcPct val="0"/>
-              </a:spcBef>
-              <a:buNone/>
-              <a:defRPr sz="4800" b="1" kern="1200">
-                <a:solidFill>
-                  <a:schemeClr val="bg1"/>
-                </a:solidFill>
-                <a:latin typeface="+mn-lt"/>
-                <a:ea typeface="+mj-ea"/>
-                <a:cs typeface="+mj-cs"/>
-              </a:defRPr>
-            </a:lvl1pPr>
-          </a:lstStyle>
-          <a:p>
-            <a:r>
-              <a:rPr lang="en-GB" sz="4200" dirty="0">
-                <a:solidFill>
-                  <a:srgbClr val="241F62"/>
-                </a:solidFill>
-                <a:latin typeface="+mj-lt"/>
-              </a:rPr>
-              <a:t>George Mount</a:t>
-            </a:r>
-            <a:endParaRPr lang="en-BG" sz="4200" dirty="0">
-              <a:solidFill>
-                <a:srgbClr val="241F62"/>
-              </a:solidFill>
-              <a:latin typeface="+mj-lt"/>
-            </a:endParaRPr>
-          </a:p>
-        </p:txBody>
-      </p:sp>
-    </p:spTree>
-    <p:extLst>
-      <p:ext uri="{BB962C8B-B14F-4D97-AF65-F5344CB8AC3E}">
-        <p14:creationId xmlns:p14="http://schemas.microsoft.com/office/powerpoint/2010/main" val="2768925910"/>
       </p:ext>
     </p:extLst>
   </p:cSld>

--- a/python-in-excel-for-enhanced-data-analytics.pptx
+++ b/python-in-excel-for-enhanced-data-analytics.pptx
@@ -5,7 +5,7 @@
     <p:sldMasterId id="2147483648" r:id="rId1"/>
   </p:sldMasterIdLst>
   <p:notesMasterIdLst>
-    <p:notesMasterId r:id="rId41"/>
+    <p:notesMasterId r:id="rId42"/>
   </p:notesMasterIdLst>
   <p:sldIdLst>
     <p:sldId id="454" r:id="rId2"/>
@@ -14,49 +14,50 @@
     <p:sldId id="404" r:id="rId5"/>
     <p:sldId id="407" r:id="rId6"/>
     <p:sldId id="424" r:id="rId7"/>
-    <p:sldId id="415" r:id="rId8"/>
-    <p:sldId id="405" r:id="rId9"/>
-    <p:sldId id="412" r:id="rId10"/>
-    <p:sldId id="413" r:id="rId11"/>
-    <p:sldId id="434" r:id="rId12"/>
-    <p:sldId id="433" r:id="rId13"/>
-    <p:sldId id="418" r:id="rId14"/>
-    <p:sldId id="419" r:id="rId15"/>
-    <p:sldId id="414" r:id="rId16"/>
-    <p:sldId id="425" r:id="rId17"/>
-    <p:sldId id="426" r:id="rId18"/>
-    <p:sldId id="427" r:id="rId19"/>
-    <p:sldId id="428" r:id="rId20"/>
-    <p:sldId id="430" r:id="rId21"/>
-    <p:sldId id="431" r:id="rId22"/>
-    <p:sldId id="459" r:id="rId23"/>
-    <p:sldId id="406" r:id="rId24"/>
-    <p:sldId id="409" r:id="rId25"/>
-    <p:sldId id="410" r:id="rId26"/>
-    <p:sldId id="416" r:id="rId27"/>
-    <p:sldId id="455" r:id="rId28"/>
-    <p:sldId id="449" r:id="rId29"/>
-    <p:sldId id="451" r:id="rId30"/>
-    <p:sldId id="450" r:id="rId31"/>
-    <p:sldId id="458" r:id="rId32"/>
-    <p:sldId id="456" r:id="rId33"/>
-    <p:sldId id="457" r:id="rId34"/>
-    <p:sldId id="420" r:id="rId35"/>
-    <p:sldId id="432" r:id="rId36"/>
-    <p:sldId id="421" r:id="rId37"/>
-    <p:sldId id="422" r:id="rId38"/>
-    <p:sldId id="417" r:id="rId39"/>
-    <p:sldId id="460" r:id="rId40"/>
+    <p:sldId id="461" r:id="rId8"/>
+    <p:sldId id="415" r:id="rId9"/>
+    <p:sldId id="405" r:id="rId10"/>
+    <p:sldId id="412" r:id="rId11"/>
+    <p:sldId id="413" r:id="rId12"/>
+    <p:sldId id="434" r:id="rId13"/>
+    <p:sldId id="433" r:id="rId14"/>
+    <p:sldId id="418" r:id="rId15"/>
+    <p:sldId id="419" r:id="rId16"/>
+    <p:sldId id="414" r:id="rId17"/>
+    <p:sldId id="425" r:id="rId18"/>
+    <p:sldId id="426" r:id="rId19"/>
+    <p:sldId id="427" r:id="rId20"/>
+    <p:sldId id="428" r:id="rId21"/>
+    <p:sldId id="430" r:id="rId22"/>
+    <p:sldId id="431" r:id="rId23"/>
+    <p:sldId id="459" r:id="rId24"/>
+    <p:sldId id="406" r:id="rId25"/>
+    <p:sldId id="409" r:id="rId26"/>
+    <p:sldId id="410" r:id="rId27"/>
+    <p:sldId id="416" r:id="rId28"/>
+    <p:sldId id="455" r:id="rId29"/>
+    <p:sldId id="449" r:id="rId30"/>
+    <p:sldId id="451" r:id="rId31"/>
+    <p:sldId id="450" r:id="rId32"/>
+    <p:sldId id="458" r:id="rId33"/>
+    <p:sldId id="456" r:id="rId34"/>
+    <p:sldId id="457" r:id="rId35"/>
+    <p:sldId id="420" r:id="rId36"/>
+    <p:sldId id="432" r:id="rId37"/>
+    <p:sldId id="421" r:id="rId38"/>
+    <p:sldId id="422" r:id="rId39"/>
+    <p:sldId id="417" r:id="rId40"/>
+    <p:sldId id="460" r:id="rId41"/>
   </p:sldIdLst>
   <p:sldSz cx="18288000" cy="10287000"/>
   <p:notesSz cx="6858000" cy="9144000"/>
   <p:embeddedFontLst>
     <p:embeddedFont>
       <p:font typeface="Consolas" panose="020B0609020204030204" pitchFamily="49" charset="0"/>
-      <p:regular r:id="rId42"/>
-      <p:bold r:id="rId43"/>
-      <p:italic r:id="rId44"/>
-      <p:boldItalic r:id="rId45"/>
+      <p:regular r:id="rId43"/>
+      <p:bold r:id="rId44"/>
+      <p:italic r:id="rId45"/>
+      <p:boldItalic r:id="rId46"/>
     </p:embeddedFont>
   </p:embeddedFontLst>
   <p:defaultTextStyle>
@@ -273,7 +274,7 @@
           <a:p>
             <a:fld id="{17A98A70-FA8C-4354-959C-C70678AC9BCF}" type="datetimeFigureOut">
               <a:rPr lang="en-US" smtClean="0"/>
-              <a:t>4/28/2025</a:t>
+              <a:t>4/30/2025</a:t>
             </a:fld>
             <a:endParaRPr lang="en-US"/>
           </a:p>
@@ -632,6 +633,138 @@
         <p:cNvPr id="1" name="">
           <a:extLst>
             <a:ext uri="{FF2B5EF4-FFF2-40B4-BE49-F238E27FC236}">
+              <a16:creationId xmlns:a16="http://schemas.microsoft.com/office/drawing/2014/main" id="{98A38E37-A8DE-27F9-308E-E0FE538B9B3C}"/>
+            </a:ext>
+          </a:extLst>
+        </p:cNvPr>
+        <p:cNvGrpSpPr/>
+        <p:nvPr/>
+      </p:nvGrpSpPr>
+      <p:grpSpPr>
+        <a:xfrm>
+          <a:off x="0" y="0"/>
+          <a:ext cx="0" cy="0"/>
+          <a:chOff x="0" y="0"/>
+          <a:chExt cx="0" cy="0"/>
+        </a:xfrm>
+      </p:grpSpPr>
+      <p:sp>
+        <p:nvSpPr>
+          <p:cNvPr id="2" name="Slide Image Placeholder 1">
+            <a:extLst>
+              <a:ext uri="{FF2B5EF4-FFF2-40B4-BE49-F238E27FC236}">
+                <a16:creationId xmlns:a16="http://schemas.microsoft.com/office/drawing/2014/main" id="{0F5DE261-8C4E-160F-3F20-9973903EADBD}"/>
+              </a:ext>
+            </a:extLst>
+          </p:cNvPr>
+          <p:cNvSpPr>
+            <a:spLocks noGrp="1" noRot="1" noChangeAspect="1"/>
+          </p:cNvSpPr>
+          <p:nvPr>
+            <p:ph type="sldImg"/>
+          </p:nvPr>
+        </p:nvSpPr>
+        <p:spPr/>
+      </p:sp>
+      <p:sp>
+        <p:nvSpPr>
+          <p:cNvPr id="3" name="Notes Placeholder 2">
+            <a:extLst>
+              <a:ext uri="{FF2B5EF4-FFF2-40B4-BE49-F238E27FC236}">
+                <a16:creationId xmlns:a16="http://schemas.microsoft.com/office/drawing/2014/main" id="{EE0592AA-A7C0-21BE-8A17-90E84374F23D}"/>
+              </a:ext>
+            </a:extLst>
+          </p:cNvPr>
+          <p:cNvSpPr>
+            <a:spLocks noGrp="1"/>
+          </p:cNvSpPr>
+          <p:nvPr>
+            <p:ph type="body" idx="1"/>
+          </p:nvPr>
+        </p:nvSpPr>
+        <p:spPr/>
+        <p:txBody>
+          <a:bodyPr/>
+          <a:lstStyle/>
+          <a:p>
+            <a:pPr marL="228600" indent="-228600">
+              <a:buAutoNum type="arabicPeriod"/>
+            </a:pPr>
+            <a:r>
+              <a:rPr lang="en-US" dirty="0"/>
+              <a:t>False!</a:t>
+            </a:r>
+          </a:p>
+          <a:p>
+            <a:pPr marL="228600" indent="-228600">
+              <a:buAutoNum type="arabicPeriod"/>
+            </a:pPr>
+            <a:r>
+              <a:rPr lang="en-US" dirty="0"/>
+              <a:t>Function, Formula, Function</a:t>
+            </a:r>
+          </a:p>
+          <a:p>
+            <a:pPr marL="228600" indent="-228600">
+              <a:buAutoNum type="arabicPeriod"/>
+            </a:pPr>
+            <a:r>
+              <a:rPr lang="en-US" dirty="0"/>
+              <a:t>Argument</a:t>
+            </a:r>
+          </a:p>
+        </p:txBody>
+      </p:sp>
+      <p:sp>
+        <p:nvSpPr>
+          <p:cNvPr id="4" name="Slide Number Placeholder 3">
+            <a:extLst>
+              <a:ext uri="{FF2B5EF4-FFF2-40B4-BE49-F238E27FC236}">
+                <a16:creationId xmlns:a16="http://schemas.microsoft.com/office/drawing/2014/main" id="{C27B3E49-AC32-4BA8-5CA3-12874BC4BCCD}"/>
+              </a:ext>
+            </a:extLst>
+          </p:cNvPr>
+          <p:cNvSpPr>
+            <a:spLocks noGrp="1"/>
+          </p:cNvSpPr>
+          <p:nvPr>
+            <p:ph type="sldNum" sz="quarter" idx="5"/>
+          </p:nvPr>
+        </p:nvSpPr>
+        <p:spPr/>
+        <p:txBody>
+          <a:bodyPr/>
+          <a:lstStyle/>
+          <a:p>
+            <a:fld id="{1300335D-9F13-4B80-ADC5-B0EA3E10FF6B}" type="slidenum">
+              <a:rPr lang="en-US" smtClean="0"/>
+              <a:t>21</a:t>
+            </a:fld>
+            <a:endParaRPr lang="en-US"/>
+          </a:p>
+        </p:txBody>
+      </p:sp>
+    </p:spTree>
+    <p:extLst>
+      <p:ext uri="{BB962C8B-B14F-4D97-AF65-F5344CB8AC3E}">
+        <p14:creationId xmlns:p14="http://schemas.microsoft.com/office/powerpoint/2010/main" val="665413467"/>
+      </p:ext>
+    </p:extLst>
+  </p:cSld>
+  <p:clrMapOvr>
+    <a:masterClrMapping/>
+  </p:clrMapOvr>
+</p:notes>
+</file>
+
+<file path=ppt/notesSlides/notesSlide11.xml><?xml version="1.0" encoding="utf-8"?>
+<p:notes xmlns:a="http://schemas.openxmlformats.org/drawingml/2006/main" xmlns:r="http://schemas.openxmlformats.org/officeDocument/2006/relationships" xmlns:p="http://schemas.openxmlformats.org/presentationml/2006/main">
+  <p:cSld>
+    <p:spTree>
+      <p:nvGrpSpPr>
+        <p:cNvPr id="1" name="">
+          <a:extLst>
+            <a:ext uri="{FF2B5EF4-FFF2-40B4-BE49-F238E27FC236}">
               <a16:creationId xmlns:a16="http://schemas.microsoft.com/office/drawing/2014/main" id="{5A61AAEB-2339-A8BC-E67F-2F08679334F5}"/>
             </a:ext>
           </a:extLst>
@@ -737,7 +870,7 @@
           <a:p>
             <a:fld id="{1300335D-9F13-4B80-ADC5-B0EA3E10FF6B}" type="slidenum">
               <a:rPr lang="en-US" smtClean="0"/>
-              <a:t>21</a:t>
+              <a:t>22</a:t>
             </a:fld>
             <a:endParaRPr lang="en-US"/>
           </a:p>
@@ -747,114 +880,6 @@
     <p:extLst>
       <p:ext uri="{BB962C8B-B14F-4D97-AF65-F5344CB8AC3E}">
         <p14:creationId xmlns:p14="http://schemas.microsoft.com/office/powerpoint/2010/main" val="2180471925"/>
-      </p:ext>
-    </p:extLst>
-  </p:cSld>
-  <p:clrMapOvr>
-    <a:masterClrMapping/>
-  </p:clrMapOvr>
-</p:notes>
-</file>
-
-<file path=ppt/notesSlides/notesSlide11.xml><?xml version="1.0" encoding="utf-8"?>
-<p:notes xmlns:a="http://schemas.openxmlformats.org/drawingml/2006/main" xmlns:r="http://schemas.openxmlformats.org/officeDocument/2006/relationships" xmlns:p="http://schemas.openxmlformats.org/presentationml/2006/main">
-  <p:cSld>
-    <p:spTree>
-      <p:nvGrpSpPr>
-        <p:cNvPr id="1" name=""/>
-        <p:cNvGrpSpPr/>
-        <p:nvPr/>
-      </p:nvGrpSpPr>
-      <p:grpSpPr>
-        <a:xfrm>
-          <a:off x="0" y="0"/>
-          <a:ext cx="0" cy="0"/>
-          <a:chOff x="0" y="0"/>
-          <a:chExt cx="0" cy="0"/>
-        </a:xfrm>
-      </p:grpSpPr>
-      <p:sp>
-        <p:nvSpPr>
-          <p:cNvPr id="2" name="Slide Image Placeholder 1"/>
-          <p:cNvSpPr>
-            <a:spLocks noGrp="1" noRot="1" noChangeAspect="1"/>
-          </p:cNvSpPr>
-          <p:nvPr>
-            <p:ph type="sldImg"/>
-          </p:nvPr>
-        </p:nvSpPr>
-        <p:spPr/>
-      </p:sp>
-      <p:sp>
-        <p:nvSpPr>
-          <p:cNvPr id="3" name="Notes Placeholder 2"/>
-          <p:cNvSpPr>
-            <a:spLocks noGrp="1"/>
-          </p:cNvSpPr>
-          <p:nvPr>
-            <p:ph type="body" idx="1"/>
-          </p:nvPr>
-        </p:nvSpPr>
-        <p:spPr/>
-        <p:txBody>
-          <a:bodyPr/>
-          <a:lstStyle/>
-          <a:p>
-            <a:pPr marL="228600" indent="-228600">
-              <a:buAutoNum type="arabicPeriod"/>
-            </a:pPr>
-            <a:r>
-              <a:rPr lang="en-US" dirty="0"/>
-              <a:t>False!</a:t>
-            </a:r>
-          </a:p>
-          <a:p>
-            <a:pPr marL="228600" indent="-228600">
-              <a:buAutoNum type="arabicPeriod"/>
-            </a:pPr>
-            <a:r>
-              <a:rPr lang="en-US" dirty="0"/>
-              <a:t>Function, Formula, Function</a:t>
-            </a:r>
-          </a:p>
-          <a:p>
-            <a:pPr marL="228600" indent="-228600">
-              <a:buAutoNum type="arabicPeriod"/>
-            </a:pPr>
-            <a:r>
-              <a:rPr lang="en-US" dirty="0"/>
-              <a:t>Argument</a:t>
-            </a:r>
-          </a:p>
-        </p:txBody>
-      </p:sp>
-      <p:sp>
-        <p:nvSpPr>
-          <p:cNvPr id="4" name="Slide Number Placeholder 3"/>
-          <p:cNvSpPr>
-            <a:spLocks noGrp="1"/>
-          </p:cNvSpPr>
-          <p:nvPr>
-            <p:ph type="sldNum" sz="quarter" idx="5"/>
-          </p:nvPr>
-        </p:nvSpPr>
-        <p:spPr/>
-        <p:txBody>
-          <a:bodyPr/>
-          <a:lstStyle/>
-          <a:p>
-            <a:fld id="{1300335D-9F13-4B80-ADC5-B0EA3E10FF6B}" type="slidenum">
-              <a:rPr lang="en-US" smtClean="0"/>
-              <a:t>24</a:t>
-            </a:fld>
-            <a:endParaRPr lang="en-US"/>
-          </a:p>
-        </p:txBody>
-      </p:sp>
-    </p:spTree>
-    <p:extLst>
-      <p:ext uri="{BB962C8B-B14F-4D97-AF65-F5344CB8AC3E}">
-        <p14:creationId xmlns:p14="http://schemas.microsoft.com/office/powerpoint/2010/main" val="2338108748"/>
       </p:ext>
     </p:extLst>
   </p:cSld>
@@ -962,6 +987,114 @@
     </p:spTree>
     <p:extLst>
       <p:ext uri="{BB962C8B-B14F-4D97-AF65-F5344CB8AC3E}">
+        <p14:creationId xmlns:p14="http://schemas.microsoft.com/office/powerpoint/2010/main" val="2338108748"/>
+      </p:ext>
+    </p:extLst>
+  </p:cSld>
+  <p:clrMapOvr>
+    <a:masterClrMapping/>
+  </p:clrMapOvr>
+</p:notes>
+</file>
+
+<file path=ppt/notesSlides/notesSlide13.xml><?xml version="1.0" encoding="utf-8"?>
+<p:notes xmlns:a="http://schemas.openxmlformats.org/drawingml/2006/main" xmlns:r="http://schemas.openxmlformats.org/officeDocument/2006/relationships" xmlns:p="http://schemas.openxmlformats.org/presentationml/2006/main">
+  <p:cSld>
+    <p:spTree>
+      <p:nvGrpSpPr>
+        <p:cNvPr id="1" name=""/>
+        <p:cNvGrpSpPr/>
+        <p:nvPr/>
+      </p:nvGrpSpPr>
+      <p:grpSpPr>
+        <a:xfrm>
+          <a:off x="0" y="0"/>
+          <a:ext cx="0" cy="0"/>
+          <a:chOff x="0" y="0"/>
+          <a:chExt cx="0" cy="0"/>
+        </a:xfrm>
+      </p:grpSpPr>
+      <p:sp>
+        <p:nvSpPr>
+          <p:cNvPr id="2" name="Slide Image Placeholder 1"/>
+          <p:cNvSpPr>
+            <a:spLocks noGrp="1" noRot="1" noChangeAspect="1"/>
+          </p:cNvSpPr>
+          <p:nvPr>
+            <p:ph type="sldImg"/>
+          </p:nvPr>
+        </p:nvSpPr>
+        <p:spPr/>
+      </p:sp>
+      <p:sp>
+        <p:nvSpPr>
+          <p:cNvPr id="3" name="Notes Placeholder 2"/>
+          <p:cNvSpPr>
+            <a:spLocks noGrp="1"/>
+          </p:cNvSpPr>
+          <p:nvPr>
+            <p:ph type="body" idx="1"/>
+          </p:nvPr>
+        </p:nvSpPr>
+        <p:spPr/>
+        <p:txBody>
+          <a:bodyPr/>
+          <a:lstStyle/>
+          <a:p>
+            <a:pPr marL="228600" indent="-228600">
+              <a:buAutoNum type="arabicPeriod"/>
+            </a:pPr>
+            <a:r>
+              <a:rPr lang="en-US" dirty="0"/>
+              <a:t>False!</a:t>
+            </a:r>
+          </a:p>
+          <a:p>
+            <a:pPr marL="228600" indent="-228600">
+              <a:buAutoNum type="arabicPeriod"/>
+            </a:pPr>
+            <a:r>
+              <a:rPr lang="en-US" dirty="0"/>
+              <a:t>Function, Formula, Function</a:t>
+            </a:r>
+          </a:p>
+          <a:p>
+            <a:pPr marL="228600" indent="-228600">
+              <a:buAutoNum type="arabicPeriod"/>
+            </a:pPr>
+            <a:r>
+              <a:rPr lang="en-US" dirty="0"/>
+              <a:t>Argument</a:t>
+            </a:r>
+          </a:p>
+        </p:txBody>
+      </p:sp>
+      <p:sp>
+        <p:nvSpPr>
+          <p:cNvPr id="4" name="Slide Number Placeholder 3"/>
+          <p:cNvSpPr>
+            <a:spLocks noGrp="1"/>
+          </p:cNvSpPr>
+          <p:nvPr>
+            <p:ph type="sldNum" sz="quarter" idx="5"/>
+          </p:nvPr>
+        </p:nvSpPr>
+        <p:spPr/>
+        <p:txBody>
+          <a:bodyPr/>
+          <a:lstStyle/>
+          <a:p>
+            <a:fld id="{1300335D-9F13-4B80-ADC5-B0EA3E10FF6B}" type="slidenum">
+              <a:rPr lang="en-US" smtClean="0"/>
+              <a:t>26</a:t>
+            </a:fld>
+            <a:endParaRPr lang="en-US"/>
+          </a:p>
+        </p:txBody>
+      </p:sp>
+    </p:spTree>
+    <p:extLst>
+      <p:ext uri="{BB962C8B-B14F-4D97-AF65-F5344CB8AC3E}">
         <p14:creationId xmlns:p14="http://schemas.microsoft.com/office/powerpoint/2010/main" val="3885482516"/>
       </p:ext>
     </p:extLst>
@@ -972,7 +1105,7 @@
 </p:notes>
 </file>
 
-<file path=ppt/notesSlides/notesSlide13.xml><?xml version="1.0" encoding="utf-8"?>
+<file path=ppt/notesSlides/notesSlide14.xml><?xml version="1.0" encoding="utf-8"?>
 <p:notes xmlns:a="http://schemas.openxmlformats.org/drawingml/2006/main" xmlns:r="http://schemas.openxmlformats.org/officeDocument/2006/relationships" xmlns:p="http://schemas.openxmlformats.org/presentationml/2006/main">
   <p:cSld>
     <p:spTree>
@@ -1085,7 +1218,7 @@
           <a:p>
             <a:fld id="{1300335D-9F13-4B80-ADC5-B0EA3E10FF6B}" type="slidenum">
               <a:rPr lang="en-US" smtClean="0"/>
-              <a:t>28</a:t>
+              <a:t>29</a:t>
             </a:fld>
             <a:endParaRPr lang="en-US"/>
           </a:p>
@@ -1104,7 +1237,7 @@
 </p:notes>
 </file>
 
-<file path=ppt/notesSlides/notesSlide14.xml><?xml version="1.0" encoding="utf-8"?>
+<file path=ppt/notesSlides/notesSlide15.xml><?xml version="1.0" encoding="utf-8"?>
 <p:notes xmlns:a="http://schemas.openxmlformats.org/drawingml/2006/main" xmlns:r="http://schemas.openxmlformats.org/officeDocument/2006/relationships" xmlns:p="http://schemas.openxmlformats.org/presentationml/2006/main">
   <p:cSld>
     <p:spTree>
@@ -1217,7 +1350,7 @@
           <a:p>
             <a:fld id="{1300335D-9F13-4B80-ADC5-B0EA3E10FF6B}" type="slidenum">
               <a:rPr lang="en-US" smtClean="0"/>
-              <a:t>29</a:t>
+              <a:t>30</a:t>
             </a:fld>
             <a:endParaRPr lang="en-US"/>
           </a:p>
@@ -1236,7 +1369,7 @@
 </p:notes>
 </file>
 
-<file path=ppt/notesSlides/notesSlide15.xml><?xml version="1.0" encoding="utf-8"?>
+<file path=ppt/notesSlides/notesSlide16.xml><?xml version="1.0" encoding="utf-8"?>
 <p:notes xmlns:a="http://schemas.openxmlformats.org/drawingml/2006/main" xmlns:r="http://schemas.openxmlformats.org/officeDocument/2006/relationships" xmlns:p="http://schemas.openxmlformats.org/presentationml/2006/main">
   <p:cSld>
     <p:spTree>
@@ -1349,7 +1482,7 @@
           <a:p>
             <a:fld id="{1300335D-9F13-4B80-ADC5-B0EA3E10FF6B}" type="slidenum">
               <a:rPr lang="en-US" smtClean="0"/>
-              <a:t>30</a:t>
+              <a:t>31</a:t>
             </a:fld>
             <a:endParaRPr lang="en-US"/>
           </a:p>
@@ -1368,7 +1501,7 @@
 </p:notes>
 </file>
 
-<file path=ppt/notesSlides/notesSlide16.xml><?xml version="1.0" encoding="utf-8"?>
+<file path=ppt/notesSlides/notesSlide17.xml><?xml version="1.0" encoding="utf-8"?>
 <p:notes xmlns:a="http://schemas.openxmlformats.org/drawingml/2006/main" xmlns:r="http://schemas.openxmlformats.org/officeDocument/2006/relationships" xmlns:p="http://schemas.openxmlformats.org/presentationml/2006/main">
   <p:cSld>
     <p:spTree>
@@ -1481,7 +1614,7 @@
           <a:p>
             <a:fld id="{1300335D-9F13-4B80-ADC5-B0EA3E10FF6B}" type="slidenum">
               <a:rPr lang="en-US" smtClean="0"/>
-              <a:t>33</a:t>
+              <a:t>34</a:t>
             </a:fld>
             <a:endParaRPr lang="en-US"/>
           </a:p>
@@ -1500,7 +1633,7 @@
 </p:notes>
 </file>
 
-<file path=ppt/notesSlides/notesSlide17.xml><?xml version="1.0" encoding="utf-8"?>
+<file path=ppt/notesSlides/notesSlide18.xml><?xml version="1.0" encoding="utf-8"?>
 <p:notes xmlns:a="http://schemas.openxmlformats.org/drawingml/2006/main" xmlns:r="http://schemas.openxmlformats.org/officeDocument/2006/relationships" xmlns:p="http://schemas.openxmlformats.org/presentationml/2006/main">
   <p:cSld>
     <p:spTree>
@@ -1613,7 +1746,7 @@
           <a:p>
             <a:fld id="{1300335D-9F13-4B80-ADC5-B0EA3E10FF6B}" type="slidenum">
               <a:rPr lang="en-US" smtClean="0"/>
-              <a:t>35</a:t>
+              <a:t>36</a:t>
             </a:fld>
             <a:endParaRPr lang="en-US"/>
           </a:p>
@@ -1632,7 +1765,7 @@
 </p:notes>
 </file>
 
-<file path=ppt/notesSlides/notesSlide18.xml><?xml version="1.0" encoding="utf-8"?>
+<file path=ppt/notesSlides/notesSlide19.xml><?xml version="1.0" encoding="utf-8"?>
 <p:notes xmlns:a="http://schemas.openxmlformats.org/drawingml/2006/main" xmlns:r="http://schemas.openxmlformats.org/officeDocument/2006/relationships" xmlns:p="http://schemas.openxmlformats.org/presentationml/2006/main">
   <p:cSld>
     <p:spTree>
@@ -1745,7 +1878,7 @@
           <a:p>
             <a:fld id="{1300335D-9F13-4B80-ADC5-B0EA3E10FF6B}" type="slidenum">
               <a:rPr lang="en-US" smtClean="0"/>
-              <a:t>36</a:t>
+              <a:t>37</a:t>
             </a:fld>
             <a:endParaRPr lang="en-US"/>
           </a:p>
@@ -1755,138 +1888,6 @@
     <p:extLst>
       <p:ext uri="{BB962C8B-B14F-4D97-AF65-F5344CB8AC3E}">
         <p14:creationId xmlns:p14="http://schemas.microsoft.com/office/powerpoint/2010/main" val="1487323375"/>
-      </p:ext>
-    </p:extLst>
-  </p:cSld>
-  <p:clrMapOvr>
-    <a:masterClrMapping/>
-  </p:clrMapOvr>
-</p:notes>
-</file>
-
-<file path=ppt/notesSlides/notesSlide19.xml><?xml version="1.0" encoding="utf-8"?>
-<p:notes xmlns:a="http://schemas.openxmlformats.org/drawingml/2006/main" xmlns:r="http://schemas.openxmlformats.org/officeDocument/2006/relationships" xmlns:p="http://schemas.openxmlformats.org/presentationml/2006/main">
-  <p:cSld>
-    <p:spTree>
-      <p:nvGrpSpPr>
-        <p:cNvPr id="1" name="">
-          <a:extLst>
-            <a:ext uri="{FF2B5EF4-FFF2-40B4-BE49-F238E27FC236}">
-              <a16:creationId xmlns:a16="http://schemas.microsoft.com/office/drawing/2014/main" id="{6EB2B178-9BF2-6FE4-71B1-D08940B7CF5A}"/>
-            </a:ext>
-          </a:extLst>
-        </p:cNvPr>
-        <p:cNvGrpSpPr/>
-        <p:nvPr/>
-      </p:nvGrpSpPr>
-      <p:grpSpPr>
-        <a:xfrm>
-          <a:off x="0" y="0"/>
-          <a:ext cx="0" cy="0"/>
-          <a:chOff x="0" y="0"/>
-          <a:chExt cx="0" cy="0"/>
-        </a:xfrm>
-      </p:grpSpPr>
-      <p:sp>
-        <p:nvSpPr>
-          <p:cNvPr id="2" name="Slide Image Placeholder 1">
-            <a:extLst>
-              <a:ext uri="{FF2B5EF4-FFF2-40B4-BE49-F238E27FC236}">
-                <a16:creationId xmlns:a16="http://schemas.microsoft.com/office/drawing/2014/main" id="{5CFBB5FA-2773-806B-FC2B-2E67A305699F}"/>
-              </a:ext>
-            </a:extLst>
-          </p:cNvPr>
-          <p:cNvSpPr>
-            <a:spLocks noGrp="1" noRot="1" noChangeAspect="1"/>
-          </p:cNvSpPr>
-          <p:nvPr>
-            <p:ph type="sldImg"/>
-          </p:nvPr>
-        </p:nvSpPr>
-        <p:spPr/>
-      </p:sp>
-      <p:sp>
-        <p:nvSpPr>
-          <p:cNvPr id="3" name="Notes Placeholder 2">
-            <a:extLst>
-              <a:ext uri="{FF2B5EF4-FFF2-40B4-BE49-F238E27FC236}">
-                <a16:creationId xmlns:a16="http://schemas.microsoft.com/office/drawing/2014/main" id="{BF5C56A1-DC22-AF0C-E72D-4D535DA7C58F}"/>
-              </a:ext>
-            </a:extLst>
-          </p:cNvPr>
-          <p:cNvSpPr>
-            <a:spLocks noGrp="1"/>
-          </p:cNvSpPr>
-          <p:nvPr>
-            <p:ph type="body" idx="1"/>
-          </p:nvPr>
-        </p:nvSpPr>
-        <p:spPr/>
-        <p:txBody>
-          <a:bodyPr/>
-          <a:lstStyle/>
-          <a:p>
-            <a:pPr marL="228600" indent="-228600">
-              <a:buAutoNum type="arabicPeriod"/>
-            </a:pPr>
-            <a:r>
-              <a:rPr lang="en-US" dirty="0"/>
-              <a:t>False!</a:t>
-            </a:r>
-          </a:p>
-          <a:p>
-            <a:pPr marL="228600" indent="-228600">
-              <a:buAutoNum type="arabicPeriod"/>
-            </a:pPr>
-            <a:r>
-              <a:rPr lang="en-US" dirty="0"/>
-              <a:t>Function, Formula, Function</a:t>
-            </a:r>
-          </a:p>
-          <a:p>
-            <a:pPr marL="228600" indent="-228600">
-              <a:buAutoNum type="arabicPeriod"/>
-            </a:pPr>
-            <a:r>
-              <a:rPr lang="en-US" dirty="0"/>
-              <a:t>Argument</a:t>
-            </a:r>
-          </a:p>
-        </p:txBody>
-      </p:sp>
-      <p:sp>
-        <p:nvSpPr>
-          <p:cNvPr id="4" name="Slide Number Placeholder 3">
-            <a:extLst>
-              <a:ext uri="{FF2B5EF4-FFF2-40B4-BE49-F238E27FC236}">
-                <a16:creationId xmlns:a16="http://schemas.microsoft.com/office/drawing/2014/main" id="{099270AD-6A83-895A-222F-13E01E65317F}"/>
-              </a:ext>
-            </a:extLst>
-          </p:cNvPr>
-          <p:cNvSpPr>
-            <a:spLocks noGrp="1"/>
-          </p:cNvSpPr>
-          <p:nvPr>
-            <p:ph type="sldNum" sz="quarter" idx="5"/>
-          </p:nvPr>
-        </p:nvSpPr>
-        <p:spPr/>
-        <p:txBody>
-          <a:bodyPr/>
-          <a:lstStyle/>
-          <a:p>
-            <a:fld id="{1300335D-9F13-4B80-ADC5-B0EA3E10FF6B}" type="slidenum">
-              <a:rPr lang="en-US" smtClean="0"/>
-              <a:t>37</a:t>
-            </a:fld>
-            <a:endParaRPr lang="en-US"/>
-          </a:p>
-        </p:txBody>
-      </p:sp>
-    </p:spTree>
-    <p:extLst>
-      <p:ext uri="{BB962C8B-B14F-4D97-AF65-F5344CB8AC3E}">
-        <p14:creationId xmlns:p14="http://schemas.microsoft.com/office/powerpoint/2010/main" val="1010347830"/>
       </p:ext>
     </p:extLst>
   </p:cSld>
@@ -1995,6 +1996,138 @@
     <p:extLst>
       <p:ext uri="{BB962C8B-B14F-4D97-AF65-F5344CB8AC3E}">
         <p14:creationId xmlns:p14="http://schemas.microsoft.com/office/powerpoint/2010/main" val="624549242"/>
+      </p:ext>
+    </p:extLst>
+  </p:cSld>
+  <p:clrMapOvr>
+    <a:masterClrMapping/>
+  </p:clrMapOvr>
+</p:notes>
+</file>
+
+<file path=ppt/notesSlides/notesSlide20.xml><?xml version="1.0" encoding="utf-8"?>
+<p:notes xmlns:a="http://schemas.openxmlformats.org/drawingml/2006/main" xmlns:r="http://schemas.openxmlformats.org/officeDocument/2006/relationships" xmlns:p="http://schemas.openxmlformats.org/presentationml/2006/main">
+  <p:cSld>
+    <p:spTree>
+      <p:nvGrpSpPr>
+        <p:cNvPr id="1" name="">
+          <a:extLst>
+            <a:ext uri="{FF2B5EF4-FFF2-40B4-BE49-F238E27FC236}">
+              <a16:creationId xmlns:a16="http://schemas.microsoft.com/office/drawing/2014/main" id="{6EB2B178-9BF2-6FE4-71B1-D08940B7CF5A}"/>
+            </a:ext>
+          </a:extLst>
+        </p:cNvPr>
+        <p:cNvGrpSpPr/>
+        <p:nvPr/>
+      </p:nvGrpSpPr>
+      <p:grpSpPr>
+        <a:xfrm>
+          <a:off x="0" y="0"/>
+          <a:ext cx="0" cy="0"/>
+          <a:chOff x="0" y="0"/>
+          <a:chExt cx="0" cy="0"/>
+        </a:xfrm>
+      </p:grpSpPr>
+      <p:sp>
+        <p:nvSpPr>
+          <p:cNvPr id="2" name="Slide Image Placeholder 1">
+            <a:extLst>
+              <a:ext uri="{FF2B5EF4-FFF2-40B4-BE49-F238E27FC236}">
+                <a16:creationId xmlns:a16="http://schemas.microsoft.com/office/drawing/2014/main" id="{5CFBB5FA-2773-806B-FC2B-2E67A305699F}"/>
+              </a:ext>
+            </a:extLst>
+          </p:cNvPr>
+          <p:cNvSpPr>
+            <a:spLocks noGrp="1" noRot="1" noChangeAspect="1"/>
+          </p:cNvSpPr>
+          <p:nvPr>
+            <p:ph type="sldImg"/>
+          </p:nvPr>
+        </p:nvSpPr>
+        <p:spPr/>
+      </p:sp>
+      <p:sp>
+        <p:nvSpPr>
+          <p:cNvPr id="3" name="Notes Placeholder 2">
+            <a:extLst>
+              <a:ext uri="{FF2B5EF4-FFF2-40B4-BE49-F238E27FC236}">
+                <a16:creationId xmlns:a16="http://schemas.microsoft.com/office/drawing/2014/main" id="{BF5C56A1-DC22-AF0C-E72D-4D535DA7C58F}"/>
+              </a:ext>
+            </a:extLst>
+          </p:cNvPr>
+          <p:cNvSpPr>
+            <a:spLocks noGrp="1"/>
+          </p:cNvSpPr>
+          <p:nvPr>
+            <p:ph type="body" idx="1"/>
+          </p:nvPr>
+        </p:nvSpPr>
+        <p:spPr/>
+        <p:txBody>
+          <a:bodyPr/>
+          <a:lstStyle/>
+          <a:p>
+            <a:pPr marL="228600" indent="-228600">
+              <a:buAutoNum type="arabicPeriod"/>
+            </a:pPr>
+            <a:r>
+              <a:rPr lang="en-US" dirty="0"/>
+              <a:t>False!</a:t>
+            </a:r>
+          </a:p>
+          <a:p>
+            <a:pPr marL="228600" indent="-228600">
+              <a:buAutoNum type="arabicPeriod"/>
+            </a:pPr>
+            <a:r>
+              <a:rPr lang="en-US" dirty="0"/>
+              <a:t>Function, Formula, Function</a:t>
+            </a:r>
+          </a:p>
+          <a:p>
+            <a:pPr marL="228600" indent="-228600">
+              <a:buAutoNum type="arabicPeriod"/>
+            </a:pPr>
+            <a:r>
+              <a:rPr lang="en-US" dirty="0"/>
+              <a:t>Argument</a:t>
+            </a:r>
+          </a:p>
+        </p:txBody>
+      </p:sp>
+      <p:sp>
+        <p:nvSpPr>
+          <p:cNvPr id="4" name="Slide Number Placeholder 3">
+            <a:extLst>
+              <a:ext uri="{FF2B5EF4-FFF2-40B4-BE49-F238E27FC236}">
+                <a16:creationId xmlns:a16="http://schemas.microsoft.com/office/drawing/2014/main" id="{099270AD-6A83-895A-222F-13E01E65317F}"/>
+              </a:ext>
+            </a:extLst>
+          </p:cNvPr>
+          <p:cNvSpPr>
+            <a:spLocks noGrp="1"/>
+          </p:cNvSpPr>
+          <p:nvPr>
+            <p:ph type="sldNum" sz="quarter" idx="5"/>
+          </p:nvPr>
+        </p:nvSpPr>
+        <p:spPr/>
+        <p:txBody>
+          <a:bodyPr/>
+          <a:lstStyle/>
+          <a:p>
+            <a:fld id="{1300335D-9F13-4B80-ADC5-B0EA3E10FF6B}" type="slidenum">
+              <a:rPr lang="en-US" smtClean="0"/>
+              <a:t>38</a:t>
+            </a:fld>
+            <a:endParaRPr lang="en-US"/>
+          </a:p>
+        </p:txBody>
+      </p:sp>
+    </p:spTree>
+    <p:extLst>
+      <p:ext uri="{BB962C8B-B14F-4D97-AF65-F5344CB8AC3E}">
+        <p14:creationId xmlns:p14="http://schemas.microsoft.com/office/powerpoint/2010/main" val="1010347830"/>
       </p:ext>
     </p:extLst>
   </p:cSld>
@@ -2141,7 +2274,13 @@
   <p:cSld>
     <p:spTree>
       <p:nvGrpSpPr>
-        <p:cNvPr id="1" name=""/>
+        <p:cNvPr id="1" name="">
+          <a:extLst>
+            <a:ext uri="{FF2B5EF4-FFF2-40B4-BE49-F238E27FC236}">
+              <a16:creationId xmlns:a16="http://schemas.microsoft.com/office/drawing/2014/main" id="{A7E46991-23AF-65AB-660F-D0E4C48D3AE5}"/>
+            </a:ext>
+          </a:extLst>
+        </p:cNvPr>
         <p:cNvGrpSpPr/>
         <p:nvPr/>
       </p:nvGrpSpPr>
@@ -2155,7 +2294,13 @@
       </p:grpSpPr>
       <p:sp>
         <p:nvSpPr>
-          <p:cNvPr id="2" name="Slide Image Placeholder 1"/>
+          <p:cNvPr id="2" name="Slide Image Placeholder 1">
+            <a:extLst>
+              <a:ext uri="{FF2B5EF4-FFF2-40B4-BE49-F238E27FC236}">
+                <a16:creationId xmlns:a16="http://schemas.microsoft.com/office/drawing/2014/main" id="{A5A08F53-8C1E-7913-CCF1-350A2237EF38}"/>
+              </a:ext>
+            </a:extLst>
+          </p:cNvPr>
           <p:cNvSpPr>
             <a:spLocks noGrp="1" noRot="1" noChangeAspect="1"/>
           </p:cNvSpPr>
@@ -2167,7 +2312,13 @@
       </p:sp>
       <p:sp>
         <p:nvSpPr>
-          <p:cNvPr id="3" name="Notes Placeholder 2"/>
+          <p:cNvPr id="3" name="Notes Placeholder 2">
+            <a:extLst>
+              <a:ext uri="{FF2B5EF4-FFF2-40B4-BE49-F238E27FC236}">
+                <a16:creationId xmlns:a16="http://schemas.microsoft.com/office/drawing/2014/main" id="{E95882CD-29E8-ED3C-F139-F4362302389A}"/>
+              </a:ext>
+            </a:extLst>
+          </p:cNvPr>
           <p:cNvSpPr>
             <a:spLocks noGrp="1"/>
           </p:cNvSpPr>
@@ -2210,7 +2361,13 @@
       </p:sp>
       <p:sp>
         <p:nvSpPr>
-          <p:cNvPr id="4" name="Slide Number Placeholder 3"/>
+          <p:cNvPr id="4" name="Slide Number Placeholder 3">
+            <a:extLst>
+              <a:ext uri="{FF2B5EF4-FFF2-40B4-BE49-F238E27FC236}">
+                <a16:creationId xmlns:a16="http://schemas.microsoft.com/office/drawing/2014/main" id="{571749B6-6847-7CD3-7575-65F4921D56D2}"/>
+              </a:ext>
+            </a:extLst>
+          </p:cNvPr>
           <p:cNvSpPr>
             <a:spLocks noGrp="1"/>
           </p:cNvSpPr>
@@ -2225,7 +2382,7 @@
           <a:p>
             <a:fld id="{1300335D-9F13-4B80-ADC5-B0EA3E10FF6B}" type="slidenum">
               <a:rPr lang="en-US" smtClean="0"/>
-              <a:t>9</a:t>
+              <a:t>7</a:t>
             </a:fld>
             <a:endParaRPr lang="en-US"/>
           </a:p>
@@ -2234,7 +2391,7 @@
     </p:spTree>
     <p:extLst>
       <p:ext uri="{BB962C8B-B14F-4D97-AF65-F5344CB8AC3E}">
-        <p14:creationId xmlns:p14="http://schemas.microsoft.com/office/powerpoint/2010/main" val="1500510141"/>
+        <p14:creationId xmlns:p14="http://schemas.microsoft.com/office/powerpoint/2010/main" val="2223413644"/>
       </p:ext>
     </p:extLst>
   </p:cSld>
@@ -2342,6 +2499,114 @@
     </p:spTree>
     <p:extLst>
       <p:ext uri="{BB962C8B-B14F-4D97-AF65-F5344CB8AC3E}">
+        <p14:creationId xmlns:p14="http://schemas.microsoft.com/office/powerpoint/2010/main" val="1500510141"/>
+      </p:ext>
+    </p:extLst>
+  </p:cSld>
+  <p:clrMapOvr>
+    <a:masterClrMapping/>
+  </p:clrMapOvr>
+</p:notes>
+</file>
+
+<file path=ppt/notesSlides/notesSlide6.xml><?xml version="1.0" encoding="utf-8"?>
+<p:notes xmlns:a="http://schemas.openxmlformats.org/drawingml/2006/main" xmlns:r="http://schemas.openxmlformats.org/officeDocument/2006/relationships" xmlns:p="http://schemas.openxmlformats.org/presentationml/2006/main">
+  <p:cSld>
+    <p:spTree>
+      <p:nvGrpSpPr>
+        <p:cNvPr id="1" name=""/>
+        <p:cNvGrpSpPr/>
+        <p:nvPr/>
+      </p:nvGrpSpPr>
+      <p:grpSpPr>
+        <a:xfrm>
+          <a:off x="0" y="0"/>
+          <a:ext cx="0" cy="0"/>
+          <a:chOff x="0" y="0"/>
+          <a:chExt cx="0" cy="0"/>
+        </a:xfrm>
+      </p:grpSpPr>
+      <p:sp>
+        <p:nvSpPr>
+          <p:cNvPr id="2" name="Slide Image Placeholder 1"/>
+          <p:cNvSpPr>
+            <a:spLocks noGrp="1" noRot="1" noChangeAspect="1"/>
+          </p:cNvSpPr>
+          <p:nvPr>
+            <p:ph type="sldImg"/>
+          </p:nvPr>
+        </p:nvSpPr>
+        <p:spPr/>
+      </p:sp>
+      <p:sp>
+        <p:nvSpPr>
+          <p:cNvPr id="3" name="Notes Placeholder 2"/>
+          <p:cNvSpPr>
+            <a:spLocks noGrp="1"/>
+          </p:cNvSpPr>
+          <p:nvPr>
+            <p:ph type="body" idx="1"/>
+          </p:nvPr>
+        </p:nvSpPr>
+        <p:spPr/>
+        <p:txBody>
+          <a:bodyPr/>
+          <a:lstStyle/>
+          <a:p>
+            <a:pPr marL="228600" indent="-228600">
+              <a:buAutoNum type="arabicPeriod"/>
+            </a:pPr>
+            <a:r>
+              <a:rPr lang="en-US" dirty="0"/>
+              <a:t>False!</a:t>
+            </a:r>
+          </a:p>
+          <a:p>
+            <a:pPr marL="228600" indent="-228600">
+              <a:buAutoNum type="arabicPeriod"/>
+            </a:pPr>
+            <a:r>
+              <a:rPr lang="en-US" dirty="0"/>
+              <a:t>Function, Formula, Function</a:t>
+            </a:r>
+          </a:p>
+          <a:p>
+            <a:pPr marL="228600" indent="-228600">
+              <a:buAutoNum type="arabicPeriod"/>
+            </a:pPr>
+            <a:r>
+              <a:rPr lang="en-US" dirty="0"/>
+              <a:t>Argument</a:t>
+            </a:r>
+          </a:p>
+        </p:txBody>
+      </p:sp>
+      <p:sp>
+        <p:nvSpPr>
+          <p:cNvPr id="4" name="Slide Number Placeholder 3"/>
+          <p:cNvSpPr>
+            <a:spLocks noGrp="1"/>
+          </p:cNvSpPr>
+          <p:nvPr>
+            <p:ph type="sldNum" sz="quarter" idx="5"/>
+          </p:nvPr>
+        </p:nvSpPr>
+        <p:spPr/>
+        <p:txBody>
+          <a:bodyPr/>
+          <a:lstStyle/>
+          <a:p>
+            <a:fld id="{1300335D-9F13-4B80-ADC5-B0EA3E10FF6B}" type="slidenum">
+              <a:rPr lang="en-US" smtClean="0"/>
+              <a:t>11</a:t>
+            </a:fld>
+            <a:endParaRPr lang="en-US"/>
+          </a:p>
+        </p:txBody>
+      </p:sp>
+    </p:spTree>
+    <p:extLst>
+      <p:ext uri="{BB962C8B-B14F-4D97-AF65-F5344CB8AC3E}">
         <p14:creationId xmlns:p14="http://schemas.microsoft.com/office/powerpoint/2010/main" val="377014208"/>
       </p:ext>
     </p:extLst>
@@ -2352,7 +2617,7 @@
 </p:notes>
 </file>
 
-<file path=ppt/notesSlides/notesSlide6.xml><?xml version="1.0" encoding="utf-8"?>
+<file path=ppt/notesSlides/notesSlide7.xml><?xml version="1.0" encoding="utf-8"?>
 <p:notes xmlns:a="http://schemas.openxmlformats.org/drawingml/2006/main" xmlns:r="http://schemas.openxmlformats.org/officeDocument/2006/relationships" xmlns:p="http://schemas.openxmlformats.org/presentationml/2006/main">
   <p:cSld>
     <p:spTree>
@@ -2465,7 +2730,7 @@
           <a:p>
             <a:fld id="{1300335D-9F13-4B80-ADC5-B0EA3E10FF6B}" type="slidenum">
               <a:rPr lang="en-US" smtClean="0"/>
-              <a:t>13</a:t>
+              <a:t>14</a:t>
             </a:fld>
             <a:endParaRPr lang="en-US"/>
           </a:p>
@@ -2484,7 +2749,7 @@
 </p:notes>
 </file>
 
-<file path=ppt/notesSlides/notesSlide7.xml><?xml version="1.0" encoding="utf-8"?>
+<file path=ppt/notesSlides/notesSlide8.xml><?xml version="1.0" encoding="utf-8"?>
 <p:notes xmlns:a="http://schemas.openxmlformats.org/drawingml/2006/main" xmlns:r="http://schemas.openxmlformats.org/officeDocument/2006/relationships" xmlns:p="http://schemas.openxmlformats.org/presentationml/2006/main">
   <p:cSld>
     <p:spTree>
@@ -2597,7 +2862,7 @@
           <a:p>
             <a:fld id="{1300335D-9F13-4B80-ADC5-B0EA3E10FF6B}" type="slidenum">
               <a:rPr lang="en-US" smtClean="0"/>
-              <a:t>14</a:t>
+              <a:t>15</a:t>
             </a:fld>
             <a:endParaRPr lang="en-US"/>
           </a:p>
@@ -2616,7 +2881,7 @@
 </p:notes>
 </file>
 
-<file path=ppt/notesSlides/notesSlide8.xml><?xml version="1.0" encoding="utf-8"?>
+<file path=ppt/notesSlides/notesSlide9.xml><?xml version="1.0" encoding="utf-8"?>
 <p:notes xmlns:a="http://schemas.openxmlformats.org/drawingml/2006/main" xmlns:r="http://schemas.openxmlformats.org/officeDocument/2006/relationships" xmlns:p="http://schemas.openxmlformats.org/presentationml/2006/main">
   <p:cSld>
     <p:spTree>
@@ -2729,7 +2994,7 @@
           <a:p>
             <a:fld id="{1300335D-9F13-4B80-ADC5-B0EA3E10FF6B}" type="slidenum">
               <a:rPr lang="en-US" smtClean="0"/>
-              <a:t>19</a:t>
+              <a:t>20</a:t>
             </a:fld>
             <a:endParaRPr lang="en-US"/>
           </a:p>
@@ -2739,138 +3004,6 @@
     <p:extLst>
       <p:ext uri="{BB962C8B-B14F-4D97-AF65-F5344CB8AC3E}">
         <p14:creationId xmlns:p14="http://schemas.microsoft.com/office/powerpoint/2010/main" val="2684696127"/>
-      </p:ext>
-    </p:extLst>
-  </p:cSld>
-  <p:clrMapOvr>
-    <a:masterClrMapping/>
-  </p:clrMapOvr>
-</p:notes>
-</file>
-
-<file path=ppt/notesSlides/notesSlide9.xml><?xml version="1.0" encoding="utf-8"?>
-<p:notes xmlns:a="http://schemas.openxmlformats.org/drawingml/2006/main" xmlns:r="http://schemas.openxmlformats.org/officeDocument/2006/relationships" xmlns:p="http://schemas.openxmlformats.org/presentationml/2006/main">
-  <p:cSld>
-    <p:spTree>
-      <p:nvGrpSpPr>
-        <p:cNvPr id="1" name="">
-          <a:extLst>
-            <a:ext uri="{FF2B5EF4-FFF2-40B4-BE49-F238E27FC236}">
-              <a16:creationId xmlns:a16="http://schemas.microsoft.com/office/drawing/2014/main" id="{98A38E37-A8DE-27F9-308E-E0FE538B9B3C}"/>
-            </a:ext>
-          </a:extLst>
-        </p:cNvPr>
-        <p:cNvGrpSpPr/>
-        <p:nvPr/>
-      </p:nvGrpSpPr>
-      <p:grpSpPr>
-        <a:xfrm>
-          <a:off x="0" y="0"/>
-          <a:ext cx="0" cy="0"/>
-          <a:chOff x="0" y="0"/>
-          <a:chExt cx="0" cy="0"/>
-        </a:xfrm>
-      </p:grpSpPr>
-      <p:sp>
-        <p:nvSpPr>
-          <p:cNvPr id="2" name="Slide Image Placeholder 1">
-            <a:extLst>
-              <a:ext uri="{FF2B5EF4-FFF2-40B4-BE49-F238E27FC236}">
-                <a16:creationId xmlns:a16="http://schemas.microsoft.com/office/drawing/2014/main" id="{0F5DE261-8C4E-160F-3F20-9973903EADBD}"/>
-              </a:ext>
-            </a:extLst>
-          </p:cNvPr>
-          <p:cNvSpPr>
-            <a:spLocks noGrp="1" noRot="1" noChangeAspect="1"/>
-          </p:cNvSpPr>
-          <p:nvPr>
-            <p:ph type="sldImg"/>
-          </p:nvPr>
-        </p:nvSpPr>
-        <p:spPr/>
-      </p:sp>
-      <p:sp>
-        <p:nvSpPr>
-          <p:cNvPr id="3" name="Notes Placeholder 2">
-            <a:extLst>
-              <a:ext uri="{FF2B5EF4-FFF2-40B4-BE49-F238E27FC236}">
-                <a16:creationId xmlns:a16="http://schemas.microsoft.com/office/drawing/2014/main" id="{EE0592AA-A7C0-21BE-8A17-90E84374F23D}"/>
-              </a:ext>
-            </a:extLst>
-          </p:cNvPr>
-          <p:cNvSpPr>
-            <a:spLocks noGrp="1"/>
-          </p:cNvSpPr>
-          <p:nvPr>
-            <p:ph type="body" idx="1"/>
-          </p:nvPr>
-        </p:nvSpPr>
-        <p:spPr/>
-        <p:txBody>
-          <a:bodyPr/>
-          <a:lstStyle/>
-          <a:p>
-            <a:pPr marL="228600" indent="-228600">
-              <a:buAutoNum type="arabicPeriod"/>
-            </a:pPr>
-            <a:r>
-              <a:rPr lang="en-US" dirty="0"/>
-              <a:t>False!</a:t>
-            </a:r>
-          </a:p>
-          <a:p>
-            <a:pPr marL="228600" indent="-228600">
-              <a:buAutoNum type="arabicPeriod"/>
-            </a:pPr>
-            <a:r>
-              <a:rPr lang="en-US" dirty="0"/>
-              <a:t>Function, Formula, Function</a:t>
-            </a:r>
-          </a:p>
-          <a:p>
-            <a:pPr marL="228600" indent="-228600">
-              <a:buAutoNum type="arabicPeriod"/>
-            </a:pPr>
-            <a:r>
-              <a:rPr lang="en-US" dirty="0"/>
-              <a:t>Argument</a:t>
-            </a:r>
-          </a:p>
-        </p:txBody>
-      </p:sp>
-      <p:sp>
-        <p:nvSpPr>
-          <p:cNvPr id="4" name="Slide Number Placeholder 3">
-            <a:extLst>
-              <a:ext uri="{FF2B5EF4-FFF2-40B4-BE49-F238E27FC236}">
-                <a16:creationId xmlns:a16="http://schemas.microsoft.com/office/drawing/2014/main" id="{C27B3E49-AC32-4BA8-5CA3-12874BC4BCCD}"/>
-              </a:ext>
-            </a:extLst>
-          </p:cNvPr>
-          <p:cNvSpPr>
-            <a:spLocks noGrp="1"/>
-          </p:cNvSpPr>
-          <p:nvPr>
-            <p:ph type="sldNum" sz="quarter" idx="5"/>
-          </p:nvPr>
-        </p:nvSpPr>
-        <p:spPr/>
-        <p:txBody>
-          <a:bodyPr/>
-          <a:lstStyle/>
-          <a:p>
-            <a:fld id="{1300335D-9F13-4B80-ADC5-B0EA3E10FF6B}" type="slidenum">
-              <a:rPr lang="en-US" smtClean="0"/>
-              <a:t>20</a:t>
-            </a:fld>
-            <a:endParaRPr lang="en-US"/>
-          </a:p>
-        </p:txBody>
-      </p:sp>
-    </p:spTree>
-    <p:extLst>
-      <p:ext uri="{BB962C8B-B14F-4D97-AF65-F5344CB8AC3E}">
-        <p14:creationId xmlns:p14="http://schemas.microsoft.com/office/powerpoint/2010/main" val="665413467"/>
       </p:ext>
     </p:extLst>
   </p:cSld>
@@ -3060,7 +3193,7 @@
             <a:fld id="{1D8BD707-D9CF-40AE-B4C6-C98DA3205C09}" type="datetimeFigureOut">
               <a:rPr lang="en-US" smtClean="0"/>
               <a:pPr/>
-              <a:t>4/28/2025</a:t>
+              <a:t>4/30/2025</a:t>
             </a:fld>
             <a:endParaRPr lang="en-US"/>
           </a:p>
@@ -3225,7 +3358,7 @@
             <a:fld id="{1D8BD707-D9CF-40AE-B4C6-C98DA3205C09}" type="datetimeFigureOut">
               <a:rPr lang="en-US" smtClean="0"/>
               <a:pPr/>
-              <a:t>4/28/2025</a:t>
+              <a:t>4/30/2025</a:t>
             </a:fld>
             <a:endParaRPr lang="en-US"/>
           </a:p>
@@ -3400,7 +3533,7 @@
             <a:fld id="{1D8BD707-D9CF-40AE-B4C6-C98DA3205C09}" type="datetimeFigureOut">
               <a:rPr lang="en-US" smtClean="0"/>
               <a:pPr/>
-              <a:t>4/28/2025</a:t>
+              <a:t>4/30/2025</a:t>
             </a:fld>
             <a:endParaRPr lang="en-US"/>
           </a:p>
@@ -3565,7 +3698,7 @@
             <a:fld id="{1D8BD707-D9CF-40AE-B4C6-C98DA3205C09}" type="datetimeFigureOut">
               <a:rPr lang="en-US" smtClean="0"/>
               <a:pPr/>
-              <a:t>4/28/2025</a:t>
+              <a:t>4/30/2025</a:t>
             </a:fld>
             <a:endParaRPr lang="en-US"/>
           </a:p>
@@ -3807,7 +3940,7 @@
             <a:fld id="{1D8BD707-D9CF-40AE-B4C6-C98DA3205C09}" type="datetimeFigureOut">
               <a:rPr lang="en-US" smtClean="0"/>
               <a:pPr/>
-              <a:t>4/28/2025</a:t>
+              <a:t>4/30/2025</a:t>
             </a:fld>
             <a:endParaRPr lang="en-US"/>
           </a:p>
@@ -4089,7 +4222,7 @@
             <a:fld id="{1D8BD707-D9CF-40AE-B4C6-C98DA3205C09}" type="datetimeFigureOut">
               <a:rPr lang="en-US" smtClean="0"/>
               <a:pPr/>
-              <a:t>4/28/2025</a:t>
+              <a:t>4/30/2025</a:t>
             </a:fld>
             <a:endParaRPr lang="en-US"/>
           </a:p>
@@ -4505,7 +4638,7 @@
             <a:fld id="{1D8BD707-D9CF-40AE-B4C6-C98DA3205C09}" type="datetimeFigureOut">
               <a:rPr lang="en-US" smtClean="0"/>
               <a:pPr/>
-              <a:t>4/28/2025</a:t>
+              <a:t>4/30/2025</a:t>
             </a:fld>
             <a:endParaRPr lang="en-US"/>
           </a:p>
@@ -4619,7 +4752,7 @@
             <a:fld id="{1D8BD707-D9CF-40AE-B4C6-C98DA3205C09}" type="datetimeFigureOut">
               <a:rPr lang="en-US" smtClean="0"/>
               <a:pPr/>
-              <a:t>4/28/2025</a:t>
+              <a:t>4/30/2025</a:t>
             </a:fld>
             <a:endParaRPr lang="en-US"/>
           </a:p>
@@ -4711,7 +4844,7 @@
             <a:fld id="{1D8BD707-D9CF-40AE-B4C6-C98DA3205C09}" type="datetimeFigureOut">
               <a:rPr lang="en-US" smtClean="0"/>
               <a:pPr/>
-              <a:t>4/28/2025</a:t>
+              <a:t>4/30/2025</a:t>
             </a:fld>
             <a:endParaRPr lang="en-US"/>
           </a:p>
@@ -4983,7 +5116,7 @@
             <a:fld id="{1D8BD707-D9CF-40AE-B4C6-C98DA3205C09}" type="datetimeFigureOut">
               <a:rPr lang="en-US" smtClean="0"/>
               <a:pPr/>
-              <a:t>4/28/2025</a:t>
+              <a:t>4/30/2025</a:t>
             </a:fld>
             <a:endParaRPr lang="en-US"/>
           </a:p>
@@ -5232,7 +5365,7 @@
             <a:fld id="{1D8BD707-D9CF-40AE-B4C6-C98DA3205C09}" type="datetimeFigureOut">
               <a:rPr lang="en-US" smtClean="0"/>
               <a:pPr/>
-              <a:t>4/28/2025</a:t>
+              <a:t>4/30/2025</a:t>
             </a:fld>
             <a:endParaRPr lang="en-US"/>
           </a:p>
@@ -5445,7 +5578,7 @@
             <a:fld id="{1D8BD707-D9CF-40AE-B4C6-C98DA3205C09}" type="datetimeFigureOut">
               <a:rPr lang="en-US" smtClean="0"/>
               <a:pPr/>
-              <a:t>4/28/2025</a:t>
+              <a:t>4/30/2025</a:t>
             </a:fld>
             <a:endParaRPr lang="en-US"/>
           </a:p>
@@ -6099,7 +6232,7 @@
         <p:spPr>
           <a:xfrm>
             <a:off x="260431" y="329879"/>
-            <a:ext cx="8906720" cy="8027326"/>
+            <a:ext cx="8906720" cy="9310754"/>
           </a:xfrm>
           <a:prstGeom prst="rect">
             <a:avLst/>
@@ -6119,11 +6252,19 @@
                 </a:solidFill>
                 <a:latin typeface="Pragmatica" panose="020B0403040502020204" pitchFamily="34" charset="0"/>
               </a:rPr>
-              <a:t>Analyzing data with Python in Excel exercises</a:t>
-            </a:r>
-          </a:p>
-          <a:p>
-            <a:pPr marL="142875">
+              <a:t>Visualizing data with Python in Excel</a:t>
+            </a:r>
+          </a:p>
+          <a:p>
+            <a:endParaRPr lang="en-US" sz="4200" dirty="0">
+              <a:solidFill>
+                <a:srgbClr val="CF3338"/>
+              </a:solidFill>
+              <a:latin typeface="Pragmatica" panose="020B0403040502020204" pitchFamily="34" charset="0"/>
+            </a:endParaRPr>
+          </a:p>
+          <a:p>
+            <a:pPr marL="685800" indent="-542925">
               <a:lnSpc>
                 <a:spcPct val="115000"/>
               </a:lnSpc>
@@ -6134,17 +6275,22 @@
                 <a:srgbClr val="C00000"/>
               </a:buClr>
               <a:buSzPts val="2100"/>
+              <a:buFont typeface="Arial"/>
+              <a:buAutoNum type="arabicPeriod"/>
             </a:pPr>
-            <a:endParaRPr lang="en-US" sz="3600" dirty="0">
-              <a:solidFill>
-                <a:srgbClr val="C00000"/>
-              </a:solidFill>
-              <a:latin typeface="Pragmatica" panose="020B0403040502020204"/>
-              <a:sym typeface="Consolas"/>
-            </a:endParaRPr>
-          </a:p>
-          <a:p>
-            <a:pPr marL="714375" indent="-571500">
+            <a:r>
+              <a:rPr lang="en-US" sz="3600" dirty="0">
+                <a:solidFill>
+                  <a:srgbClr val="C00000"/>
+                </a:solidFill>
+                <a:latin typeface="Pragmatica" panose="020B0403040502020204"/>
+                <a:sym typeface="Consolas"/>
+              </a:rPr>
+              <a:t>Data profiling: What is the shape, size, completeness?</a:t>
+            </a:r>
+          </a:p>
+          <a:p>
+            <a:pPr marL="685800" indent="-542925">
               <a:lnSpc>
                 <a:spcPct val="115000"/>
               </a:lnSpc>
@@ -6155,8 +6301,8 @@
                 <a:srgbClr val="C00000"/>
               </a:buClr>
               <a:buSzPts val="2100"/>
-              <a:buFont typeface="Arial" panose="020B0604020202020204" pitchFamily="34" charset="0"/>
-              <a:buChar char="•"/>
+              <a:buFont typeface="Arial"/>
+              <a:buAutoNum type="arabicPeriod"/>
             </a:pPr>
             <a:r>
               <a:rPr lang="en-US" sz="3600" dirty="0">
@@ -6166,11 +6312,11 @@
                 <a:latin typeface="Pragmatica" panose="020B0403040502020204"/>
                 <a:sym typeface="Consolas"/>
               </a:rPr>
-              <a:t>Explore relationship between sales, temperature, customer count over time</a:t>
-            </a:r>
-          </a:p>
-          <a:p>
-            <a:pPr marL="714375" indent="-571500">
+              <a:t>Time series: pandas for panel data</a:t>
+            </a:r>
+          </a:p>
+          <a:p>
+            <a:pPr marL="685800" indent="-542925">
               <a:lnSpc>
                 <a:spcPct val="115000"/>
               </a:lnSpc>
@@ -6181,8 +6327,8 @@
                 <a:srgbClr val="C00000"/>
               </a:buClr>
               <a:buSzPts val="2100"/>
-              <a:buFont typeface="Arial" panose="020B0604020202020204" pitchFamily="34" charset="0"/>
-              <a:buChar char="•"/>
+              <a:buFont typeface="Arial"/>
+              <a:buAutoNum type="arabicPeriod"/>
             </a:pPr>
             <a:r>
               <a:rPr lang="en-US" sz="3600" dirty="0">
@@ -6192,7 +6338,7 @@
                 <a:latin typeface="Pragmatica" panose="020B0403040502020204"/>
                 <a:sym typeface="Consolas"/>
               </a:rPr>
-              <a:t>Fill in the blanks to complete the code</a:t>
+              <a:t>Descriptive statistics/EDA: What stories might be told in this data? </a:t>
             </a:r>
           </a:p>
           <a:p>
@@ -6249,6 +6395,289 @@
                 <a:latin typeface="Consolas" panose="020B0609020204030204" pitchFamily="49" charset="0"/>
                 <a:sym typeface="Consolas"/>
               </a:rPr>
+              <a:t>analyzing-data-with-python-in-excel.xlsx</a:t>
+            </a:r>
+            <a:endParaRPr lang="en-US" sz="6000" dirty="0">
+              <a:solidFill>
+                <a:srgbClr val="CF3338"/>
+              </a:solidFill>
+              <a:latin typeface="Consolas" panose="020B0609020204030204" pitchFamily="49" charset="0"/>
+            </a:endParaRPr>
+          </a:p>
+          <a:p>
+            <a:endParaRPr lang="en-US" sz="6000" dirty="0">
+              <a:solidFill>
+                <a:srgbClr val="CF3338"/>
+              </a:solidFill>
+              <a:latin typeface="Pragmatica" panose="020B0403040502020204" pitchFamily="34" charset="0"/>
+            </a:endParaRPr>
+          </a:p>
+        </p:txBody>
+      </p:sp>
+    </p:spTree>
+    <p:extLst>
+      <p:ext uri="{BB962C8B-B14F-4D97-AF65-F5344CB8AC3E}">
+        <p14:creationId xmlns:p14="http://schemas.microsoft.com/office/powerpoint/2010/main" val="2505051360"/>
+      </p:ext>
+    </p:extLst>
+  </p:cSld>
+  <p:clrMapOvr>
+    <a:masterClrMapping/>
+  </p:clrMapOvr>
+</p:sld>
+</file>
+
+<file path=ppt/slides/slide11.xml><?xml version="1.0" encoding="utf-8"?>
+<p:sld xmlns:a="http://schemas.openxmlformats.org/drawingml/2006/main" xmlns:r="http://schemas.openxmlformats.org/officeDocument/2006/relationships" xmlns:p="http://schemas.openxmlformats.org/presentationml/2006/main">
+  <p:cSld>
+    <p:spTree>
+      <p:nvGrpSpPr>
+        <p:cNvPr id="1" name=""/>
+        <p:cNvGrpSpPr/>
+        <p:nvPr/>
+      </p:nvGrpSpPr>
+      <p:grpSpPr>
+        <a:xfrm>
+          <a:off x="0" y="0"/>
+          <a:ext cx="0" cy="0"/>
+          <a:chOff x="0" y="0"/>
+          <a:chExt cx="0" cy="0"/>
+        </a:xfrm>
+      </p:grpSpPr>
+      <p:sp>
+        <p:nvSpPr>
+          <p:cNvPr id="4" name="Rectangle 3"/>
+          <p:cNvSpPr/>
+          <p:nvPr/>
+        </p:nvSpPr>
+        <p:spPr>
+          <a:xfrm>
+            <a:off x="9861630" y="0"/>
+            <a:ext cx="8426370" cy="10287000"/>
+          </a:xfrm>
+          <a:prstGeom prst="rect">
+            <a:avLst/>
+          </a:prstGeom>
+          <a:solidFill>
+            <a:srgbClr val="CF3338"/>
+          </a:solidFill>
+          <a:ln>
+            <a:noFill/>
+          </a:ln>
+        </p:spPr>
+        <p:style>
+          <a:lnRef idx="2">
+            <a:schemeClr val="accent1">
+              <a:shade val="50000"/>
+            </a:schemeClr>
+          </a:lnRef>
+          <a:fillRef idx="1">
+            <a:schemeClr val="accent1"/>
+          </a:fillRef>
+          <a:effectRef idx="0">
+            <a:schemeClr val="accent1"/>
+          </a:effectRef>
+          <a:fontRef idx="minor">
+            <a:schemeClr val="lt1"/>
+          </a:fontRef>
+        </p:style>
+        <p:txBody>
+          <a:bodyPr rtlCol="0" anchor="ctr"/>
+          <a:lstStyle/>
+          <a:p>
+            <a:pPr algn="ctr"/>
+            <a:endParaRPr lang="en-US" sz="2700"/>
+          </a:p>
+        </p:txBody>
+      </p:sp>
+      <p:pic>
+        <p:nvPicPr>
+          <p:cNvPr id="2" name="Picture 1"/>
+          <p:cNvPicPr>
+            <a:picLocks noChangeAspect="1"/>
+          </p:cNvPicPr>
+          <p:nvPr/>
+        </p:nvPicPr>
+        <p:blipFill rotWithShape="1">
+          <a:blip r:embed="rId3">
+            <a:extLst>
+              <a:ext uri="{28A0092B-C50C-407E-A947-70E740481C1C}">
+                <a14:useLocalDpi xmlns:a14="http://schemas.microsoft.com/office/drawing/2010/main" val="0"/>
+              </a:ext>
+            </a:extLst>
+          </a:blip>
+          <a:srcRect l="69227" t="33418" r="20112" b="50548"/>
+          <a:stretch/>
+        </p:blipFill>
+        <p:spPr>
+          <a:xfrm>
+            <a:off x="15579524" y="7544693"/>
+            <a:ext cx="2708477" cy="2987579"/>
+          </a:xfrm>
+          <a:prstGeom prst="rect">
+            <a:avLst/>
+          </a:prstGeom>
+        </p:spPr>
+      </p:pic>
+      <p:sp>
+        <p:nvSpPr>
+          <p:cNvPr id="3" name="TextBox 2"/>
+          <p:cNvSpPr txBox="1"/>
+          <p:nvPr/>
+        </p:nvSpPr>
+        <p:spPr>
+          <a:xfrm>
+            <a:off x="260431" y="329879"/>
+            <a:ext cx="8906720" cy="8027326"/>
+          </a:xfrm>
+          <a:prstGeom prst="rect">
+            <a:avLst/>
+          </a:prstGeom>
+          <a:noFill/>
+        </p:spPr>
+        <p:txBody>
+          <a:bodyPr wrap="square" rtlCol="0">
+            <a:spAutoFit/>
+          </a:bodyPr>
+          <a:lstStyle/>
+          <a:p>
+            <a:r>
+              <a:rPr lang="en-US" sz="6000" b="1" dirty="0">
+                <a:solidFill>
+                  <a:srgbClr val="CF3338"/>
+                </a:solidFill>
+                <a:latin typeface="Pragmatica" panose="020B0403040502020204" pitchFamily="34" charset="0"/>
+              </a:rPr>
+              <a:t>Analyzing data with Python in Excel exercises</a:t>
+            </a:r>
+          </a:p>
+          <a:p>
+            <a:pPr marL="142875">
+              <a:lnSpc>
+                <a:spcPct val="115000"/>
+              </a:lnSpc>
+              <a:spcBef>
+                <a:spcPts val="1125"/>
+              </a:spcBef>
+              <a:buClr>
+                <a:srgbClr val="C00000"/>
+              </a:buClr>
+              <a:buSzPts val="2100"/>
+            </a:pPr>
+            <a:endParaRPr lang="en-US" sz="3600" dirty="0">
+              <a:solidFill>
+                <a:srgbClr val="C00000"/>
+              </a:solidFill>
+              <a:latin typeface="Pragmatica" panose="020B0403040502020204"/>
+              <a:sym typeface="Consolas"/>
+            </a:endParaRPr>
+          </a:p>
+          <a:p>
+            <a:pPr marL="714375" indent="-571500">
+              <a:lnSpc>
+                <a:spcPct val="115000"/>
+              </a:lnSpc>
+              <a:spcBef>
+                <a:spcPts val="1125"/>
+              </a:spcBef>
+              <a:buClr>
+                <a:srgbClr val="C00000"/>
+              </a:buClr>
+              <a:buSzPts val="2100"/>
+              <a:buFont typeface="Arial" panose="020B0604020202020204" pitchFamily="34" charset="0"/>
+              <a:buChar char="•"/>
+            </a:pPr>
+            <a:r>
+              <a:rPr lang="en-US" sz="3600" dirty="0">
+                <a:solidFill>
+                  <a:srgbClr val="C00000"/>
+                </a:solidFill>
+                <a:latin typeface="Pragmatica" panose="020B0403040502020204"/>
+                <a:sym typeface="Consolas"/>
+              </a:rPr>
+              <a:t>Explore relationship between sales, temperature, customer count over time</a:t>
+            </a:r>
+          </a:p>
+          <a:p>
+            <a:pPr marL="714375" indent="-571500">
+              <a:lnSpc>
+                <a:spcPct val="115000"/>
+              </a:lnSpc>
+              <a:spcBef>
+                <a:spcPts val="1125"/>
+              </a:spcBef>
+              <a:buClr>
+                <a:srgbClr val="C00000"/>
+              </a:buClr>
+              <a:buSzPts val="2100"/>
+              <a:buFont typeface="Arial" panose="020B0604020202020204" pitchFamily="34" charset="0"/>
+              <a:buChar char="•"/>
+            </a:pPr>
+            <a:r>
+              <a:rPr lang="en-US" sz="3600" dirty="0">
+                <a:solidFill>
+                  <a:srgbClr val="C00000"/>
+                </a:solidFill>
+                <a:latin typeface="Pragmatica" panose="020B0403040502020204"/>
+                <a:sym typeface="Consolas"/>
+              </a:rPr>
+              <a:t>Fill in the blanks to complete the code</a:t>
+            </a:r>
+          </a:p>
+          <a:p>
+            <a:pPr marL="685800" indent="-542925">
+              <a:lnSpc>
+                <a:spcPct val="115000"/>
+              </a:lnSpc>
+              <a:spcBef>
+                <a:spcPts val="1125"/>
+              </a:spcBef>
+              <a:buClr>
+                <a:srgbClr val="C00000"/>
+              </a:buClr>
+              <a:buSzPts val="2100"/>
+              <a:buFont typeface="Arial"/>
+              <a:buAutoNum type="arabicPeriod"/>
+            </a:pPr>
+            <a:endParaRPr lang="en-US" sz="3600" dirty="0">
+              <a:solidFill>
+                <a:srgbClr val="C00000"/>
+              </a:solidFill>
+              <a:latin typeface="Pragmatica" panose="020B0403040502020204"/>
+              <a:sym typeface="Consolas"/>
+            </a:endParaRPr>
+          </a:p>
+          <a:p>
+            <a:pPr marL="142875">
+              <a:lnSpc>
+                <a:spcPct val="115000"/>
+              </a:lnSpc>
+              <a:spcBef>
+                <a:spcPts val="1125"/>
+              </a:spcBef>
+              <a:buClr>
+                <a:srgbClr val="C00000"/>
+              </a:buClr>
+              <a:buSzPts val="2100"/>
+            </a:pPr>
+            <a:r>
+              <a:rPr lang="en-US" sz="3600" dirty="0">
+                <a:solidFill>
+                  <a:srgbClr val="C00000"/>
+                </a:solidFill>
+                <a:latin typeface="Pragmatica" panose="020B0403040502020204"/>
+                <a:sym typeface="Consolas"/>
+              </a:rPr>
+              <a:t>File: </a:t>
+            </a:r>
+            <a:r>
+              <a:rPr lang="en-US" sz="3600" dirty="0">
+                <a:solidFill>
+                  <a:srgbClr val="C00000"/>
+                </a:solidFill>
+                <a:latin typeface="Consolas" panose="020B0609020204030204" pitchFamily="49" charset="0"/>
+                <a:sym typeface="Consolas"/>
+              </a:rPr>
               <a:t>analyzing-data-with-python-in-excel-exercise.xlsx</a:t>
             </a:r>
             <a:endParaRPr lang="en-US" sz="6000" dirty="0">
@@ -6281,7 +6710,7 @@
 </p:sld>
 </file>
 
-<file path=ppt/slides/slide11.xml><?xml version="1.0" encoding="utf-8"?>
+<file path=ppt/slides/slide12.xml><?xml version="1.0" encoding="utf-8"?>
 <p:sld xmlns:a="http://schemas.openxmlformats.org/drawingml/2006/main" xmlns:r="http://schemas.openxmlformats.org/officeDocument/2006/relationships" xmlns:p="http://schemas.openxmlformats.org/presentationml/2006/main">
   <p:cSld>
     <p:spTree>
@@ -6463,7 +6892,7 @@
 </p:sld>
 </file>
 
-<file path=ppt/slides/slide12.xml><?xml version="1.0" encoding="utf-8"?>
+<file path=ppt/slides/slide13.xml><?xml version="1.0" encoding="utf-8"?>
 <p:sld xmlns:a="http://schemas.openxmlformats.org/drawingml/2006/main" xmlns:r="http://schemas.openxmlformats.org/officeDocument/2006/relationships" xmlns:p="http://schemas.openxmlformats.org/presentationml/2006/main">
   <p:cSld>
     <p:spTree>
@@ -6591,7 +7020,7 @@
 </p:sld>
 </file>
 
-<file path=ppt/slides/slide13.xml><?xml version="1.0" encoding="utf-8"?>
+<file path=ppt/slides/slide14.xml><?xml version="1.0" encoding="utf-8"?>
 <p:sld xmlns:a="http://schemas.openxmlformats.org/drawingml/2006/main" xmlns:r="http://schemas.openxmlformats.org/officeDocument/2006/relationships" xmlns:p="http://schemas.openxmlformats.org/presentationml/2006/main">
   <p:cSld>
     <p:spTree>
@@ -6931,7 +7360,7 @@
 </p:sld>
 </file>
 
-<file path=ppt/slides/slide14.xml><?xml version="1.0" encoding="utf-8"?>
+<file path=ppt/slides/slide15.xml><?xml version="1.0" encoding="utf-8"?>
 <p:sld xmlns:a="http://schemas.openxmlformats.org/drawingml/2006/main" xmlns:r="http://schemas.openxmlformats.org/officeDocument/2006/relationships" xmlns:p="http://schemas.openxmlformats.org/presentationml/2006/main">
   <p:cSld>
     <p:spTree>
@@ -7238,7 +7667,7 @@
 </p:sld>
 </file>
 
-<file path=ppt/slides/slide15.xml><?xml version="1.0" encoding="utf-8"?>
+<file path=ppt/slides/slide16.xml><?xml version="1.0" encoding="utf-8"?>
 <p:sld xmlns:a="http://schemas.openxmlformats.org/drawingml/2006/main" xmlns:r="http://schemas.openxmlformats.org/officeDocument/2006/relationships" xmlns:p="http://schemas.openxmlformats.org/presentationml/2006/main">
   <p:cSld>
     <p:spTree>
@@ -7396,7 +7825,7 @@
 </p:sld>
 </file>
 
-<file path=ppt/slides/slide16.xml><?xml version="1.0" encoding="utf-8"?>
+<file path=ppt/slides/slide17.xml><?xml version="1.0" encoding="utf-8"?>
 <p:sld xmlns:a="http://schemas.openxmlformats.org/drawingml/2006/main" xmlns:r="http://schemas.openxmlformats.org/officeDocument/2006/relationships" xmlns:p="http://schemas.openxmlformats.org/presentationml/2006/main">
   <p:cSld>
     <p:spTree>
@@ -7524,7 +7953,7 @@
 </p:sld>
 </file>
 
-<file path=ppt/slides/slide17.xml><?xml version="1.0" encoding="utf-8"?>
+<file path=ppt/slides/slide18.xml><?xml version="1.0" encoding="utf-8"?>
 <p:sld xmlns:a="http://schemas.openxmlformats.org/drawingml/2006/main" xmlns:r="http://schemas.openxmlformats.org/officeDocument/2006/relationships" xmlns:p="http://schemas.openxmlformats.org/presentationml/2006/main">
   <p:cSld>
     <p:spTree>
@@ -7741,7 +8170,7 @@
 </p:sld>
 </file>
 
-<file path=ppt/slides/slide18.xml><?xml version="1.0" encoding="utf-8"?>
+<file path=ppt/slides/slide19.xml><?xml version="1.0" encoding="utf-8"?>
 <p:sld xmlns:a="http://schemas.openxmlformats.org/drawingml/2006/main" xmlns:r="http://schemas.openxmlformats.org/officeDocument/2006/relationships" xmlns:p="http://schemas.openxmlformats.org/presentationml/2006/main">
   <p:cSld>
     <p:spTree>
@@ -7957,312 +8386,6 @@
     <p:extLst>
       <p:ext uri="{BB962C8B-B14F-4D97-AF65-F5344CB8AC3E}">
         <p14:creationId xmlns:p14="http://schemas.microsoft.com/office/powerpoint/2010/main" val="2723502941"/>
-      </p:ext>
-    </p:extLst>
-  </p:cSld>
-  <p:clrMapOvr>
-    <a:masterClrMapping/>
-  </p:clrMapOvr>
-</p:sld>
-</file>
-
-<file path=ppt/slides/slide19.xml><?xml version="1.0" encoding="utf-8"?>
-<p:sld xmlns:a="http://schemas.openxmlformats.org/drawingml/2006/main" xmlns:r="http://schemas.openxmlformats.org/officeDocument/2006/relationships" xmlns:p="http://schemas.openxmlformats.org/presentationml/2006/main">
-  <p:cSld>
-    <p:spTree>
-      <p:nvGrpSpPr>
-        <p:cNvPr id="1" name="">
-          <a:extLst>
-            <a:ext uri="{FF2B5EF4-FFF2-40B4-BE49-F238E27FC236}">
-              <a16:creationId xmlns:a16="http://schemas.microsoft.com/office/drawing/2014/main" id="{FD1AEBD9-88BF-FCB2-5906-2DDB1D038BF7}"/>
-            </a:ext>
-          </a:extLst>
-        </p:cNvPr>
-        <p:cNvGrpSpPr/>
-        <p:nvPr/>
-      </p:nvGrpSpPr>
-      <p:grpSpPr>
-        <a:xfrm>
-          <a:off x="0" y="0"/>
-          <a:ext cx="0" cy="0"/>
-          <a:chOff x="0" y="0"/>
-          <a:chExt cx="0" cy="0"/>
-        </a:xfrm>
-      </p:grpSpPr>
-      <p:sp>
-        <p:nvSpPr>
-          <p:cNvPr id="4" name="Rectangle 3">
-            <a:extLst>
-              <a:ext uri="{FF2B5EF4-FFF2-40B4-BE49-F238E27FC236}">
-                <a16:creationId xmlns:a16="http://schemas.microsoft.com/office/drawing/2014/main" id="{B23CD5E6-0CB5-F916-6D74-D9B293A9BBB1}"/>
-              </a:ext>
-            </a:extLst>
-          </p:cNvPr>
-          <p:cNvSpPr/>
-          <p:nvPr/>
-        </p:nvSpPr>
-        <p:spPr>
-          <a:xfrm>
-            <a:off x="13944600" y="0"/>
-            <a:ext cx="4343400" cy="10287000"/>
-          </a:xfrm>
-          <a:prstGeom prst="rect">
-            <a:avLst/>
-          </a:prstGeom>
-          <a:solidFill>
-            <a:srgbClr val="CF3338"/>
-          </a:solidFill>
-          <a:ln>
-            <a:noFill/>
-          </a:ln>
-        </p:spPr>
-        <p:style>
-          <a:lnRef idx="2">
-            <a:schemeClr val="accent1">
-              <a:shade val="50000"/>
-            </a:schemeClr>
-          </a:lnRef>
-          <a:fillRef idx="1">
-            <a:schemeClr val="accent1"/>
-          </a:fillRef>
-          <a:effectRef idx="0">
-            <a:schemeClr val="accent1"/>
-          </a:effectRef>
-          <a:fontRef idx="minor">
-            <a:schemeClr val="lt1"/>
-          </a:fontRef>
-        </p:style>
-        <p:txBody>
-          <a:bodyPr rtlCol="0" anchor="ctr"/>
-          <a:lstStyle/>
-          <a:p>
-            <a:pPr algn="ctr"/>
-            <a:endParaRPr lang="en-US" sz="2700"/>
-          </a:p>
-        </p:txBody>
-      </p:sp>
-      <p:pic>
-        <p:nvPicPr>
-          <p:cNvPr id="2" name="Picture 1">
-            <a:extLst>
-              <a:ext uri="{FF2B5EF4-FFF2-40B4-BE49-F238E27FC236}">
-                <a16:creationId xmlns:a16="http://schemas.microsoft.com/office/drawing/2014/main" id="{C3D82780-5819-77D2-1B48-D4B4B7A74AB4}"/>
-              </a:ext>
-            </a:extLst>
-          </p:cNvPr>
-          <p:cNvPicPr>
-            <a:picLocks noChangeAspect="1"/>
-          </p:cNvPicPr>
-          <p:nvPr/>
-        </p:nvPicPr>
-        <p:blipFill rotWithShape="1">
-          <a:blip r:embed="rId3">
-            <a:extLst>
-              <a:ext uri="{28A0092B-C50C-407E-A947-70E740481C1C}">
-                <a14:useLocalDpi xmlns:a14="http://schemas.microsoft.com/office/drawing/2010/main" val="0"/>
-              </a:ext>
-            </a:extLst>
-          </a:blip>
-          <a:srcRect l="69227" t="33418" r="20112" b="50548"/>
-          <a:stretch/>
-        </p:blipFill>
-        <p:spPr>
-          <a:xfrm>
-            <a:off x="15579524" y="7544693"/>
-            <a:ext cx="2708477" cy="2987579"/>
-          </a:xfrm>
-          <a:prstGeom prst="rect">
-            <a:avLst/>
-          </a:prstGeom>
-        </p:spPr>
-      </p:pic>
-      <p:sp>
-        <p:nvSpPr>
-          <p:cNvPr id="3" name="TextBox 2">
-            <a:extLst>
-              <a:ext uri="{FF2B5EF4-FFF2-40B4-BE49-F238E27FC236}">
-                <a16:creationId xmlns:a16="http://schemas.microsoft.com/office/drawing/2014/main" id="{A44DC700-0844-F8F3-62EA-7333CFC28A83}"/>
-              </a:ext>
-            </a:extLst>
-          </p:cNvPr>
-          <p:cNvSpPr txBox="1"/>
-          <p:nvPr/>
-        </p:nvSpPr>
-        <p:spPr>
-          <a:xfrm>
-            <a:off x="260430" y="329879"/>
-            <a:ext cx="13912769" cy="9945287"/>
-          </a:xfrm>
-          <a:prstGeom prst="rect">
-            <a:avLst/>
-          </a:prstGeom>
-          <a:noFill/>
-        </p:spPr>
-        <p:txBody>
-          <a:bodyPr wrap="square" rtlCol="0">
-            <a:spAutoFit/>
-          </a:bodyPr>
-          <a:lstStyle/>
-          <a:p>
-            <a:r>
-              <a:rPr lang="en-US" sz="6000" b="1" dirty="0">
-                <a:solidFill>
-                  <a:srgbClr val="CF3338"/>
-                </a:solidFill>
-                <a:latin typeface="Pragmatica" panose="020B0403040502020204" pitchFamily="34" charset="0"/>
-              </a:rPr>
-              <a:t>Getting started with Advanced Analysis</a:t>
-            </a:r>
-          </a:p>
-          <a:p>
-            <a:endParaRPr lang="en-US" sz="4200" dirty="0">
-              <a:solidFill>
-                <a:srgbClr val="CF3338"/>
-              </a:solidFill>
-              <a:latin typeface="Pragmatica" panose="020B0403040502020204" pitchFamily="34" charset="0"/>
-            </a:endParaRPr>
-          </a:p>
-          <a:p>
-            <a:pPr marL="714375" indent="-571500">
-              <a:lnSpc>
-                <a:spcPct val="115000"/>
-              </a:lnSpc>
-              <a:spcBef>
-                <a:spcPts val="1125"/>
-              </a:spcBef>
-              <a:buClr>
-                <a:srgbClr val="C00000"/>
-              </a:buClr>
-              <a:buSzPts val="2100"/>
-              <a:buFont typeface="Arial" panose="020B0604020202020204" pitchFamily="34" charset="0"/>
-              <a:buChar char="•"/>
-            </a:pPr>
-            <a:r>
-              <a:rPr lang="en-US" sz="4800" dirty="0">
-                <a:solidFill>
-                  <a:srgbClr val="C00000"/>
-                </a:solidFill>
-                <a:latin typeface="Pragmatica" panose="020B0403040502020204"/>
-                <a:sym typeface="Consolas"/>
-              </a:rPr>
-              <a:t>Load &amp; begin iterative analysis process with Copilot and Python </a:t>
-            </a:r>
-          </a:p>
-          <a:p>
-            <a:pPr marL="714375" indent="-571500">
-              <a:lnSpc>
-                <a:spcPct val="115000"/>
-              </a:lnSpc>
-              <a:spcBef>
-                <a:spcPts val="1125"/>
-              </a:spcBef>
-              <a:buClr>
-                <a:srgbClr val="C00000"/>
-              </a:buClr>
-              <a:buSzPts val="2100"/>
-              <a:buFont typeface="Arial" panose="020B0604020202020204" pitchFamily="34" charset="0"/>
-              <a:buChar char="•"/>
-            </a:pPr>
-            <a:r>
-              <a:rPr lang="en-US" sz="4800" dirty="0">
-                <a:solidFill>
-                  <a:srgbClr val="C00000"/>
-                </a:solidFill>
-                <a:latin typeface="Pragmatica" panose="020B0403040502020204"/>
-                <a:sym typeface="Consolas"/>
-              </a:rPr>
-              <a:t>Become an active participant and learner for best results</a:t>
-            </a:r>
-          </a:p>
-          <a:p>
-            <a:pPr marL="714375" indent="-571500">
-              <a:lnSpc>
-                <a:spcPct val="115000"/>
-              </a:lnSpc>
-              <a:spcBef>
-                <a:spcPts val="1125"/>
-              </a:spcBef>
-              <a:buClr>
-                <a:srgbClr val="C00000"/>
-              </a:buClr>
-              <a:buSzPts val="2100"/>
-              <a:buFont typeface="Arial" panose="020B0604020202020204" pitchFamily="34" charset="0"/>
-              <a:buChar char="•"/>
-            </a:pPr>
-            <a:r>
-              <a:rPr lang="en-US" sz="4800" dirty="0">
-                <a:solidFill>
-                  <a:srgbClr val="C00000"/>
-                </a:solidFill>
-                <a:latin typeface="Pragmatica" panose="020B0403040502020204"/>
-                <a:sym typeface="Consolas"/>
-              </a:rPr>
-              <a:t>Worksheet: </a:t>
-            </a:r>
-            <a:r>
-              <a:rPr lang="en-US" sz="4800" dirty="0">
-                <a:solidFill>
-                  <a:srgbClr val="C00000"/>
-                </a:solidFill>
-                <a:latin typeface="Consolas" panose="020B0609020204030204" pitchFamily="49" charset="0"/>
-                <a:sym typeface="Consolas"/>
-              </a:rPr>
-              <a:t>penguins</a:t>
-            </a:r>
-            <a:endParaRPr lang="en-US" sz="4800" dirty="0">
-              <a:solidFill>
-                <a:srgbClr val="CF3338"/>
-              </a:solidFill>
-              <a:latin typeface="Consolas" panose="020B0609020204030204" pitchFamily="49" charset="0"/>
-              <a:sym typeface="Consolas"/>
-            </a:endParaRPr>
-          </a:p>
-          <a:p>
-            <a:pPr marL="714375" indent="-571500">
-              <a:lnSpc>
-                <a:spcPct val="115000"/>
-              </a:lnSpc>
-              <a:spcBef>
-                <a:spcPts val="1125"/>
-              </a:spcBef>
-              <a:buClr>
-                <a:srgbClr val="C00000"/>
-              </a:buClr>
-              <a:buSzPts val="2100"/>
-              <a:buFont typeface="Arial" panose="020B0604020202020204" pitchFamily="34" charset="0"/>
-              <a:buChar char="•"/>
-            </a:pPr>
-            <a:r>
-              <a:rPr lang="en-US" sz="4800" dirty="0">
-                <a:solidFill>
-                  <a:srgbClr val="C00000"/>
-                </a:solidFill>
-                <a:latin typeface="Pragmatica" panose="020B0403040502020204"/>
-                <a:sym typeface="Consolas"/>
-              </a:rPr>
-              <a:t>Resource: https://stringfestanalytics.com/how-to-get-started-with-advanced-analysis-with-python-for-copilot-in-excel/</a:t>
-            </a:r>
-            <a:endParaRPr lang="en-US" sz="4800" dirty="0">
-              <a:solidFill>
-                <a:srgbClr val="CF3338"/>
-              </a:solidFill>
-              <a:latin typeface="Pragmatica" panose="020B0403040502020204"/>
-            </a:endParaRPr>
-          </a:p>
-          <a:p>
-            <a:endParaRPr lang="en-US" sz="6000" dirty="0">
-              <a:solidFill>
-                <a:srgbClr val="CF3338"/>
-              </a:solidFill>
-              <a:latin typeface="Pragmatica" panose="020B0403040502020204" pitchFamily="34" charset="0"/>
-            </a:endParaRPr>
-          </a:p>
-        </p:txBody>
-      </p:sp>
-    </p:spTree>
-    <p:extLst>
-      <p:ext uri="{BB962C8B-B14F-4D97-AF65-F5344CB8AC3E}">
-        <p14:creationId xmlns:p14="http://schemas.microsoft.com/office/powerpoint/2010/main" val="61245617"/>
       </p:ext>
     </p:extLst>
   </p:cSld>
@@ -8644,6 +8767,312 @@
         <p:cNvPr id="1" name="">
           <a:extLst>
             <a:ext uri="{FF2B5EF4-FFF2-40B4-BE49-F238E27FC236}">
+              <a16:creationId xmlns:a16="http://schemas.microsoft.com/office/drawing/2014/main" id="{FD1AEBD9-88BF-FCB2-5906-2DDB1D038BF7}"/>
+            </a:ext>
+          </a:extLst>
+        </p:cNvPr>
+        <p:cNvGrpSpPr/>
+        <p:nvPr/>
+      </p:nvGrpSpPr>
+      <p:grpSpPr>
+        <a:xfrm>
+          <a:off x="0" y="0"/>
+          <a:ext cx="0" cy="0"/>
+          <a:chOff x="0" y="0"/>
+          <a:chExt cx="0" cy="0"/>
+        </a:xfrm>
+      </p:grpSpPr>
+      <p:sp>
+        <p:nvSpPr>
+          <p:cNvPr id="4" name="Rectangle 3">
+            <a:extLst>
+              <a:ext uri="{FF2B5EF4-FFF2-40B4-BE49-F238E27FC236}">
+                <a16:creationId xmlns:a16="http://schemas.microsoft.com/office/drawing/2014/main" id="{B23CD5E6-0CB5-F916-6D74-D9B293A9BBB1}"/>
+              </a:ext>
+            </a:extLst>
+          </p:cNvPr>
+          <p:cNvSpPr/>
+          <p:nvPr/>
+        </p:nvSpPr>
+        <p:spPr>
+          <a:xfrm>
+            <a:off x="13944600" y="0"/>
+            <a:ext cx="4343400" cy="10287000"/>
+          </a:xfrm>
+          <a:prstGeom prst="rect">
+            <a:avLst/>
+          </a:prstGeom>
+          <a:solidFill>
+            <a:srgbClr val="CF3338"/>
+          </a:solidFill>
+          <a:ln>
+            <a:noFill/>
+          </a:ln>
+        </p:spPr>
+        <p:style>
+          <a:lnRef idx="2">
+            <a:schemeClr val="accent1">
+              <a:shade val="50000"/>
+            </a:schemeClr>
+          </a:lnRef>
+          <a:fillRef idx="1">
+            <a:schemeClr val="accent1"/>
+          </a:fillRef>
+          <a:effectRef idx="0">
+            <a:schemeClr val="accent1"/>
+          </a:effectRef>
+          <a:fontRef idx="minor">
+            <a:schemeClr val="lt1"/>
+          </a:fontRef>
+        </p:style>
+        <p:txBody>
+          <a:bodyPr rtlCol="0" anchor="ctr"/>
+          <a:lstStyle/>
+          <a:p>
+            <a:pPr algn="ctr"/>
+            <a:endParaRPr lang="en-US" sz="2700"/>
+          </a:p>
+        </p:txBody>
+      </p:sp>
+      <p:pic>
+        <p:nvPicPr>
+          <p:cNvPr id="2" name="Picture 1">
+            <a:extLst>
+              <a:ext uri="{FF2B5EF4-FFF2-40B4-BE49-F238E27FC236}">
+                <a16:creationId xmlns:a16="http://schemas.microsoft.com/office/drawing/2014/main" id="{C3D82780-5819-77D2-1B48-D4B4B7A74AB4}"/>
+              </a:ext>
+            </a:extLst>
+          </p:cNvPr>
+          <p:cNvPicPr>
+            <a:picLocks noChangeAspect="1"/>
+          </p:cNvPicPr>
+          <p:nvPr/>
+        </p:nvPicPr>
+        <p:blipFill rotWithShape="1">
+          <a:blip r:embed="rId3">
+            <a:extLst>
+              <a:ext uri="{28A0092B-C50C-407E-A947-70E740481C1C}">
+                <a14:useLocalDpi xmlns:a14="http://schemas.microsoft.com/office/drawing/2010/main" val="0"/>
+              </a:ext>
+            </a:extLst>
+          </a:blip>
+          <a:srcRect l="69227" t="33418" r="20112" b="50548"/>
+          <a:stretch/>
+        </p:blipFill>
+        <p:spPr>
+          <a:xfrm>
+            <a:off x="15579524" y="7544693"/>
+            <a:ext cx="2708477" cy="2987579"/>
+          </a:xfrm>
+          <a:prstGeom prst="rect">
+            <a:avLst/>
+          </a:prstGeom>
+        </p:spPr>
+      </p:pic>
+      <p:sp>
+        <p:nvSpPr>
+          <p:cNvPr id="3" name="TextBox 2">
+            <a:extLst>
+              <a:ext uri="{FF2B5EF4-FFF2-40B4-BE49-F238E27FC236}">
+                <a16:creationId xmlns:a16="http://schemas.microsoft.com/office/drawing/2014/main" id="{A44DC700-0844-F8F3-62EA-7333CFC28A83}"/>
+              </a:ext>
+            </a:extLst>
+          </p:cNvPr>
+          <p:cNvSpPr txBox="1"/>
+          <p:nvPr/>
+        </p:nvSpPr>
+        <p:spPr>
+          <a:xfrm>
+            <a:off x="260430" y="329879"/>
+            <a:ext cx="13912769" cy="9945287"/>
+          </a:xfrm>
+          <a:prstGeom prst="rect">
+            <a:avLst/>
+          </a:prstGeom>
+          <a:noFill/>
+        </p:spPr>
+        <p:txBody>
+          <a:bodyPr wrap="square" rtlCol="0">
+            <a:spAutoFit/>
+          </a:bodyPr>
+          <a:lstStyle/>
+          <a:p>
+            <a:r>
+              <a:rPr lang="en-US" sz="6000" b="1" dirty="0">
+                <a:solidFill>
+                  <a:srgbClr val="CF3338"/>
+                </a:solidFill>
+                <a:latin typeface="Pragmatica" panose="020B0403040502020204" pitchFamily="34" charset="0"/>
+              </a:rPr>
+              <a:t>Getting started with Advanced Analysis</a:t>
+            </a:r>
+          </a:p>
+          <a:p>
+            <a:endParaRPr lang="en-US" sz="4200" dirty="0">
+              <a:solidFill>
+                <a:srgbClr val="CF3338"/>
+              </a:solidFill>
+              <a:latin typeface="Pragmatica" panose="020B0403040502020204" pitchFamily="34" charset="0"/>
+            </a:endParaRPr>
+          </a:p>
+          <a:p>
+            <a:pPr marL="714375" indent="-571500">
+              <a:lnSpc>
+                <a:spcPct val="115000"/>
+              </a:lnSpc>
+              <a:spcBef>
+                <a:spcPts val="1125"/>
+              </a:spcBef>
+              <a:buClr>
+                <a:srgbClr val="C00000"/>
+              </a:buClr>
+              <a:buSzPts val="2100"/>
+              <a:buFont typeface="Arial" panose="020B0604020202020204" pitchFamily="34" charset="0"/>
+              <a:buChar char="•"/>
+            </a:pPr>
+            <a:r>
+              <a:rPr lang="en-US" sz="4800" dirty="0">
+                <a:solidFill>
+                  <a:srgbClr val="C00000"/>
+                </a:solidFill>
+                <a:latin typeface="Pragmatica" panose="020B0403040502020204"/>
+                <a:sym typeface="Consolas"/>
+              </a:rPr>
+              <a:t>Load &amp; begin iterative analysis process with Copilot and Python </a:t>
+            </a:r>
+          </a:p>
+          <a:p>
+            <a:pPr marL="714375" indent="-571500">
+              <a:lnSpc>
+                <a:spcPct val="115000"/>
+              </a:lnSpc>
+              <a:spcBef>
+                <a:spcPts val="1125"/>
+              </a:spcBef>
+              <a:buClr>
+                <a:srgbClr val="C00000"/>
+              </a:buClr>
+              <a:buSzPts val="2100"/>
+              <a:buFont typeface="Arial" panose="020B0604020202020204" pitchFamily="34" charset="0"/>
+              <a:buChar char="•"/>
+            </a:pPr>
+            <a:r>
+              <a:rPr lang="en-US" sz="4800" dirty="0">
+                <a:solidFill>
+                  <a:srgbClr val="C00000"/>
+                </a:solidFill>
+                <a:latin typeface="Pragmatica" panose="020B0403040502020204"/>
+                <a:sym typeface="Consolas"/>
+              </a:rPr>
+              <a:t>Become an active participant and learner for best results</a:t>
+            </a:r>
+          </a:p>
+          <a:p>
+            <a:pPr marL="714375" indent="-571500">
+              <a:lnSpc>
+                <a:spcPct val="115000"/>
+              </a:lnSpc>
+              <a:spcBef>
+                <a:spcPts val="1125"/>
+              </a:spcBef>
+              <a:buClr>
+                <a:srgbClr val="C00000"/>
+              </a:buClr>
+              <a:buSzPts val="2100"/>
+              <a:buFont typeface="Arial" panose="020B0604020202020204" pitchFamily="34" charset="0"/>
+              <a:buChar char="•"/>
+            </a:pPr>
+            <a:r>
+              <a:rPr lang="en-US" sz="4800" dirty="0">
+                <a:solidFill>
+                  <a:srgbClr val="C00000"/>
+                </a:solidFill>
+                <a:latin typeface="Pragmatica" panose="020B0403040502020204"/>
+                <a:sym typeface="Consolas"/>
+              </a:rPr>
+              <a:t>Worksheet: </a:t>
+            </a:r>
+            <a:r>
+              <a:rPr lang="en-US" sz="4800" dirty="0">
+                <a:solidFill>
+                  <a:srgbClr val="C00000"/>
+                </a:solidFill>
+                <a:latin typeface="Consolas" panose="020B0609020204030204" pitchFamily="49" charset="0"/>
+                <a:sym typeface="Consolas"/>
+              </a:rPr>
+              <a:t>penguins</a:t>
+            </a:r>
+            <a:endParaRPr lang="en-US" sz="4800" dirty="0">
+              <a:solidFill>
+                <a:srgbClr val="CF3338"/>
+              </a:solidFill>
+              <a:latin typeface="Consolas" panose="020B0609020204030204" pitchFamily="49" charset="0"/>
+              <a:sym typeface="Consolas"/>
+            </a:endParaRPr>
+          </a:p>
+          <a:p>
+            <a:pPr marL="714375" indent="-571500">
+              <a:lnSpc>
+                <a:spcPct val="115000"/>
+              </a:lnSpc>
+              <a:spcBef>
+                <a:spcPts val="1125"/>
+              </a:spcBef>
+              <a:buClr>
+                <a:srgbClr val="C00000"/>
+              </a:buClr>
+              <a:buSzPts val="2100"/>
+              <a:buFont typeface="Arial" panose="020B0604020202020204" pitchFamily="34" charset="0"/>
+              <a:buChar char="•"/>
+            </a:pPr>
+            <a:r>
+              <a:rPr lang="en-US" sz="4800" dirty="0">
+                <a:solidFill>
+                  <a:srgbClr val="C00000"/>
+                </a:solidFill>
+                <a:latin typeface="Pragmatica" panose="020B0403040502020204"/>
+                <a:sym typeface="Consolas"/>
+              </a:rPr>
+              <a:t>Resource: https://stringfestanalytics.com/how-to-get-started-with-advanced-analysis-with-python-for-copilot-in-excel/</a:t>
+            </a:r>
+            <a:endParaRPr lang="en-US" sz="4800" dirty="0">
+              <a:solidFill>
+                <a:srgbClr val="CF3338"/>
+              </a:solidFill>
+              <a:latin typeface="Pragmatica" panose="020B0403040502020204"/>
+            </a:endParaRPr>
+          </a:p>
+          <a:p>
+            <a:endParaRPr lang="en-US" sz="6000" dirty="0">
+              <a:solidFill>
+                <a:srgbClr val="CF3338"/>
+              </a:solidFill>
+              <a:latin typeface="Pragmatica" panose="020B0403040502020204" pitchFamily="34" charset="0"/>
+            </a:endParaRPr>
+          </a:p>
+        </p:txBody>
+      </p:sp>
+    </p:spTree>
+    <p:extLst>
+      <p:ext uri="{BB962C8B-B14F-4D97-AF65-F5344CB8AC3E}">
+        <p14:creationId xmlns:p14="http://schemas.microsoft.com/office/powerpoint/2010/main" val="61245617"/>
+      </p:ext>
+    </p:extLst>
+  </p:cSld>
+  <p:clrMapOvr>
+    <a:masterClrMapping/>
+  </p:clrMapOvr>
+</p:sld>
+</file>
+
+<file path=ppt/slides/slide21.xml><?xml version="1.0" encoding="utf-8"?>
+<p:sld xmlns:a="http://schemas.openxmlformats.org/drawingml/2006/main" xmlns:r="http://schemas.openxmlformats.org/officeDocument/2006/relationships" xmlns:p="http://schemas.openxmlformats.org/presentationml/2006/main">
+  <p:cSld>
+    <p:spTree>
+      <p:nvGrpSpPr>
+        <p:cNvPr id="1" name="">
+          <a:extLst>
+            <a:ext uri="{FF2B5EF4-FFF2-40B4-BE49-F238E27FC236}">
               <a16:creationId xmlns:a16="http://schemas.microsoft.com/office/drawing/2014/main" id="{A6C41F74-A120-1045-29C3-9C50E7F54C5F}"/>
             </a:ext>
           </a:extLst>
@@ -8903,7 +9332,7 @@
 </p:sld>
 </file>
 
-<file path=ppt/slides/slide21.xml><?xml version="1.0" encoding="utf-8"?>
+<file path=ppt/slides/slide22.xml><?xml version="1.0" encoding="utf-8"?>
 <p:sld xmlns:a="http://schemas.openxmlformats.org/drawingml/2006/main" xmlns:r="http://schemas.openxmlformats.org/officeDocument/2006/relationships" xmlns:p="http://schemas.openxmlformats.org/presentationml/2006/main">
   <p:cSld>
     <p:spTree>
@@ -9234,7 +9663,7 @@
 </p:sld>
 </file>
 
-<file path=ppt/slides/slide22.xml><?xml version="1.0" encoding="utf-8"?>
+<file path=ppt/slides/slide23.xml><?xml version="1.0" encoding="utf-8"?>
 <p:sld xmlns:a="http://schemas.openxmlformats.org/drawingml/2006/main" xmlns:r="http://schemas.openxmlformats.org/officeDocument/2006/relationships" xmlns:p="http://schemas.openxmlformats.org/presentationml/2006/main">
   <p:cSld>
     <p:spTree>
@@ -9416,7 +9845,7 @@
 </p:sld>
 </file>
 
-<file path=ppt/slides/slide23.xml><?xml version="1.0" encoding="utf-8"?>
+<file path=ppt/slides/slide24.xml><?xml version="1.0" encoding="utf-8"?>
 <p:sld xmlns:a="http://schemas.openxmlformats.org/drawingml/2006/main" xmlns:r="http://schemas.openxmlformats.org/officeDocument/2006/relationships" xmlns:p="http://schemas.openxmlformats.org/presentationml/2006/main">
   <p:cSld>
     <p:spTree>
@@ -9562,7 +9991,7 @@
 </p:sld>
 </file>
 
-<file path=ppt/slides/slide24.xml><?xml version="1.0" encoding="utf-8"?>
+<file path=ppt/slides/slide25.xml><?xml version="1.0" encoding="utf-8"?>
 <p:sld xmlns:a="http://schemas.openxmlformats.org/drawingml/2006/main" xmlns:r="http://schemas.openxmlformats.org/officeDocument/2006/relationships" xmlns:p="http://schemas.openxmlformats.org/presentationml/2006/main">
   <p:cSld>
     <p:spTree>
@@ -9894,7 +10323,7 @@
 </p:sld>
 </file>
 
-<file path=ppt/slides/slide25.xml><?xml version="1.0" encoding="utf-8"?>
+<file path=ppt/slides/slide26.xml><?xml version="1.0" encoding="utf-8"?>
 <p:sld xmlns:a="http://schemas.openxmlformats.org/drawingml/2006/main" xmlns:r="http://schemas.openxmlformats.org/officeDocument/2006/relationships" xmlns:p="http://schemas.openxmlformats.org/presentationml/2006/main">
   <p:cSld>
     <p:spTree>
@@ -10233,7 +10662,7 @@
 </p:sld>
 </file>
 
-<file path=ppt/slides/slide26.xml><?xml version="1.0" encoding="utf-8"?>
+<file path=ppt/slides/slide27.xml><?xml version="1.0" encoding="utf-8"?>
 <p:sld xmlns:a="http://schemas.openxmlformats.org/drawingml/2006/main" xmlns:r="http://schemas.openxmlformats.org/officeDocument/2006/relationships" xmlns:p="http://schemas.openxmlformats.org/presentationml/2006/main">
   <p:cSld>
     <p:spTree>
@@ -10391,7 +10820,7 @@
 </p:sld>
 </file>
 
-<file path=ppt/slides/slide27.xml><?xml version="1.0" encoding="utf-8"?>
+<file path=ppt/slides/slide28.xml><?xml version="1.0" encoding="utf-8"?>
 <p:sld xmlns:a="http://schemas.openxmlformats.org/drawingml/2006/main" xmlns:r="http://schemas.openxmlformats.org/officeDocument/2006/relationships" xmlns:p="http://schemas.openxmlformats.org/presentationml/2006/main">
   <p:cSld>
     <p:spTree>
@@ -10519,7 +10948,7 @@
 </p:sld>
 </file>
 
-<file path=ppt/slides/slide28.xml><?xml version="1.0" encoding="utf-8"?>
+<file path=ppt/slides/slide29.xml><?xml version="1.0" encoding="utf-8"?>
 <p:sld xmlns:a="http://schemas.openxmlformats.org/drawingml/2006/main" xmlns:r="http://schemas.openxmlformats.org/officeDocument/2006/relationships" xmlns:p="http://schemas.openxmlformats.org/presentationml/2006/main">
   <p:cSld>
     <p:spTree>
@@ -10866,356 +11295,6 @@
     <p:extLst>
       <p:ext uri="{BB962C8B-B14F-4D97-AF65-F5344CB8AC3E}">
         <p14:creationId xmlns:p14="http://schemas.microsoft.com/office/powerpoint/2010/main" val="3981037871"/>
-      </p:ext>
-    </p:extLst>
-  </p:cSld>
-  <p:clrMapOvr>
-    <a:masterClrMapping/>
-  </p:clrMapOvr>
-</p:sld>
-</file>
-
-<file path=ppt/slides/slide29.xml><?xml version="1.0" encoding="utf-8"?>
-<p:sld xmlns:a="http://schemas.openxmlformats.org/drawingml/2006/main" xmlns:r="http://schemas.openxmlformats.org/officeDocument/2006/relationships" xmlns:p="http://schemas.openxmlformats.org/presentationml/2006/main">
-  <p:cSld>
-    <p:spTree>
-      <p:nvGrpSpPr>
-        <p:cNvPr id="1" name="">
-          <a:extLst>
-            <a:ext uri="{FF2B5EF4-FFF2-40B4-BE49-F238E27FC236}">
-              <a16:creationId xmlns:a16="http://schemas.microsoft.com/office/drawing/2014/main" id="{1D94D3B1-C917-4EB0-DE9D-04CA302E7F82}"/>
-            </a:ext>
-          </a:extLst>
-        </p:cNvPr>
-        <p:cNvGrpSpPr/>
-        <p:nvPr/>
-      </p:nvGrpSpPr>
-      <p:grpSpPr>
-        <a:xfrm>
-          <a:off x="0" y="0"/>
-          <a:ext cx="0" cy="0"/>
-          <a:chOff x="0" y="0"/>
-          <a:chExt cx="0" cy="0"/>
-        </a:xfrm>
-      </p:grpSpPr>
-      <p:sp>
-        <p:nvSpPr>
-          <p:cNvPr id="4" name="Rectangle 3">
-            <a:extLst>
-              <a:ext uri="{FF2B5EF4-FFF2-40B4-BE49-F238E27FC236}">
-                <a16:creationId xmlns:a16="http://schemas.microsoft.com/office/drawing/2014/main" id="{4F7D33EC-6D3B-E0E8-2880-9F4B01B660E0}"/>
-              </a:ext>
-            </a:extLst>
-          </p:cNvPr>
-          <p:cNvSpPr/>
-          <p:nvPr/>
-        </p:nvSpPr>
-        <p:spPr>
-          <a:xfrm>
-            <a:off x="11963400" y="0"/>
-            <a:ext cx="6324600" cy="10287000"/>
-          </a:xfrm>
-          <a:prstGeom prst="rect">
-            <a:avLst/>
-          </a:prstGeom>
-          <a:solidFill>
-            <a:srgbClr val="CF3338"/>
-          </a:solidFill>
-          <a:ln>
-            <a:noFill/>
-          </a:ln>
-        </p:spPr>
-        <p:style>
-          <a:lnRef idx="2">
-            <a:schemeClr val="accent1">
-              <a:shade val="50000"/>
-            </a:schemeClr>
-          </a:lnRef>
-          <a:fillRef idx="1">
-            <a:schemeClr val="accent1"/>
-          </a:fillRef>
-          <a:effectRef idx="0">
-            <a:schemeClr val="accent1"/>
-          </a:effectRef>
-          <a:fontRef idx="minor">
-            <a:schemeClr val="lt1"/>
-          </a:fontRef>
-        </p:style>
-        <p:txBody>
-          <a:bodyPr rtlCol="0" anchor="ctr"/>
-          <a:lstStyle/>
-          <a:p>
-            <a:pPr algn="ctr"/>
-            <a:endParaRPr lang="en-US" sz="2700"/>
-          </a:p>
-        </p:txBody>
-      </p:sp>
-      <p:pic>
-        <p:nvPicPr>
-          <p:cNvPr id="2" name="Picture 1">
-            <a:extLst>
-              <a:ext uri="{FF2B5EF4-FFF2-40B4-BE49-F238E27FC236}">
-                <a16:creationId xmlns:a16="http://schemas.microsoft.com/office/drawing/2014/main" id="{85747CA4-0869-B933-381D-4273D1DD731C}"/>
-              </a:ext>
-            </a:extLst>
-          </p:cNvPr>
-          <p:cNvPicPr>
-            <a:picLocks noChangeAspect="1"/>
-          </p:cNvPicPr>
-          <p:nvPr/>
-        </p:nvPicPr>
-        <p:blipFill rotWithShape="1">
-          <a:blip r:embed="rId3">
-            <a:extLst>
-              <a:ext uri="{28A0092B-C50C-407E-A947-70E740481C1C}">
-                <a14:useLocalDpi xmlns:a14="http://schemas.microsoft.com/office/drawing/2010/main" val="0"/>
-              </a:ext>
-            </a:extLst>
-          </a:blip>
-          <a:srcRect l="69227" t="33418" r="20112" b="50548"/>
-          <a:stretch/>
-        </p:blipFill>
-        <p:spPr>
-          <a:xfrm>
-            <a:off x="15579524" y="7544693"/>
-            <a:ext cx="2708477" cy="2987579"/>
-          </a:xfrm>
-          <a:prstGeom prst="rect">
-            <a:avLst/>
-          </a:prstGeom>
-        </p:spPr>
-      </p:pic>
-      <p:sp>
-        <p:nvSpPr>
-          <p:cNvPr id="3" name="TextBox 2">
-            <a:extLst>
-              <a:ext uri="{FF2B5EF4-FFF2-40B4-BE49-F238E27FC236}">
-                <a16:creationId xmlns:a16="http://schemas.microsoft.com/office/drawing/2014/main" id="{C91D0215-089E-3CD1-C917-7699A738972C}"/>
-              </a:ext>
-            </a:extLst>
-          </p:cNvPr>
-          <p:cNvSpPr txBox="1"/>
-          <p:nvPr/>
-        </p:nvSpPr>
-        <p:spPr>
-          <a:xfrm>
-            <a:off x="260430" y="329879"/>
-            <a:ext cx="11017170" cy="8387424"/>
-          </a:xfrm>
-          <a:prstGeom prst="rect">
-            <a:avLst/>
-          </a:prstGeom>
-          <a:noFill/>
-        </p:spPr>
-        <p:txBody>
-          <a:bodyPr wrap="square" rtlCol="0">
-            <a:spAutoFit/>
-          </a:bodyPr>
-          <a:lstStyle/>
-          <a:p>
-            <a:r>
-              <a:rPr lang="en-US" sz="6000" b="1" dirty="0">
-                <a:solidFill>
-                  <a:srgbClr val="CF3338"/>
-                </a:solidFill>
-                <a:latin typeface="Pragmatica" panose="020B0403040502020204" pitchFamily="34" charset="0"/>
-              </a:rPr>
-              <a:t>Dynamic measures</a:t>
-            </a:r>
-          </a:p>
-          <a:p>
-            <a:endParaRPr lang="en-US" sz="4200" dirty="0">
-              <a:solidFill>
-                <a:srgbClr val="CF3338"/>
-              </a:solidFill>
-              <a:latin typeface="Pragmatica" panose="020B0403040502020204" pitchFamily="34" charset="0"/>
-            </a:endParaRPr>
-          </a:p>
-          <a:p>
-            <a:pPr marL="714375" indent="-571500">
-              <a:lnSpc>
-                <a:spcPct val="115000"/>
-              </a:lnSpc>
-              <a:spcBef>
-                <a:spcPts val="1125"/>
-              </a:spcBef>
-              <a:buClr>
-                <a:srgbClr val="C00000"/>
-              </a:buClr>
-              <a:buSzPts val="2100"/>
-              <a:buFont typeface="Arial" panose="020B0604020202020204" pitchFamily="34" charset="0"/>
-              <a:buChar char="•"/>
-            </a:pPr>
-            <a:r>
-              <a:rPr lang="en-US" sz="3600" dirty="0">
-                <a:solidFill>
-                  <a:srgbClr val="C00000"/>
-                </a:solidFill>
-                <a:latin typeface="Pragmatica" panose="020B0403040502020204"/>
-                <a:sym typeface="Consolas"/>
-              </a:rPr>
-              <a:t>Create dynamic measures a la Power BI/Tableau</a:t>
-            </a:r>
-          </a:p>
-          <a:p>
-            <a:pPr marL="714375" indent="-571500">
-              <a:lnSpc>
-                <a:spcPct val="115000"/>
-              </a:lnSpc>
-              <a:spcBef>
-                <a:spcPts val="1125"/>
-              </a:spcBef>
-              <a:buClr>
-                <a:srgbClr val="C00000"/>
-              </a:buClr>
-              <a:buSzPts val="2100"/>
-              <a:buFont typeface="Arial" panose="020B0604020202020204" pitchFamily="34" charset="0"/>
-              <a:buChar char="•"/>
-            </a:pPr>
-            <a:r>
-              <a:rPr lang="en-US" sz="3600" dirty="0">
-                <a:solidFill>
-                  <a:srgbClr val="C00000"/>
-                </a:solidFill>
-                <a:latin typeface="Pragmatica" panose="020B0403040502020204"/>
-                <a:sym typeface="Consolas"/>
-              </a:rPr>
-              <a:t>Integrate Python backend processing with Excel’s visualization capabilities to build responsive and customizable bar charts</a:t>
-            </a:r>
-          </a:p>
-          <a:p>
-            <a:pPr marL="714375" indent="-571500">
-              <a:lnSpc>
-                <a:spcPct val="115000"/>
-              </a:lnSpc>
-              <a:spcBef>
-                <a:spcPts val="1125"/>
-              </a:spcBef>
-              <a:buClr>
-                <a:srgbClr val="C00000"/>
-              </a:buClr>
-              <a:buSzPts val="2100"/>
-              <a:buFont typeface="Arial" panose="020B0604020202020204" pitchFamily="34" charset="0"/>
-              <a:buChar char="•"/>
-            </a:pPr>
-            <a:r>
-              <a:rPr lang="en-US" sz="3600" dirty="0">
-                <a:solidFill>
-                  <a:srgbClr val="C00000"/>
-                </a:solidFill>
-                <a:latin typeface="Pragmatica" panose="020B0403040502020204"/>
-                <a:sym typeface="Consolas"/>
-              </a:rPr>
-              <a:t>Utilize Python’s </a:t>
-            </a:r>
-            <a:r>
-              <a:rPr lang="en-US" sz="3600" dirty="0" err="1">
-                <a:solidFill>
-                  <a:srgbClr val="C00000"/>
-                </a:solidFill>
-                <a:latin typeface="Consolas" panose="020B0609020204030204" pitchFamily="49" charset="0"/>
-                <a:sym typeface="Consolas"/>
-              </a:rPr>
-              <a:t>getattr</a:t>
-            </a:r>
-            <a:r>
-              <a:rPr lang="en-US" sz="3600" dirty="0">
-                <a:solidFill>
-                  <a:srgbClr val="C00000"/>
-                </a:solidFill>
-                <a:latin typeface="Consolas" panose="020B0609020204030204" pitchFamily="49" charset="0"/>
-                <a:sym typeface="Consolas"/>
-              </a:rPr>
-              <a:t>()</a:t>
-            </a:r>
-            <a:r>
-              <a:rPr lang="en-US" sz="3600" dirty="0">
-                <a:solidFill>
-                  <a:srgbClr val="C00000"/>
-                </a:solidFill>
-                <a:latin typeface="Pragmatica" panose="020B0403040502020204"/>
-                <a:sym typeface="Consolas"/>
-              </a:rPr>
-              <a:t> function to dynamically handle user-driven inputs for flexible data aggregation</a:t>
-            </a:r>
-          </a:p>
-          <a:p>
-            <a:pPr marL="714375" indent="-571500">
-              <a:lnSpc>
-                <a:spcPct val="115000"/>
-              </a:lnSpc>
-              <a:spcBef>
-                <a:spcPts val="1125"/>
-              </a:spcBef>
-              <a:buClr>
-                <a:srgbClr val="C00000"/>
-              </a:buClr>
-              <a:buSzPts val="2100"/>
-              <a:buFont typeface="Arial" panose="020B0604020202020204" pitchFamily="34" charset="0"/>
-              <a:buChar char="•"/>
-            </a:pPr>
-            <a:endParaRPr lang="en-US" sz="3600" dirty="0">
-              <a:solidFill>
-                <a:srgbClr val="C00000"/>
-              </a:solidFill>
-              <a:latin typeface="Pragmatica" panose="020B0403040502020204"/>
-              <a:sym typeface="Consolas"/>
-            </a:endParaRPr>
-          </a:p>
-          <a:p>
-            <a:pPr marL="142875">
-              <a:lnSpc>
-                <a:spcPct val="115000"/>
-              </a:lnSpc>
-              <a:spcBef>
-                <a:spcPts val="1125"/>
-              </a:spcBef>
-              <a:buClr>
-                <a:srgbClr val="C00000"/>
-              </a:buClr>
-              <a:buSzPts val="2100"/>
-            </a:pPr>
-            <a:r>
-              <a:rPr lang="en-US" sz="3600" dirty="0">
-                <a:solidFill>
-                  <a:srgbClr val="C00000"/>
-                </a:solidFill>
-                <a:latin typeface="Pragmatica" panose="020B0403040502020204"/>
-                <a:sym typeface="Consolas"/>
-              </a:rPr>
-              <a:t>File: </a:t>
-            </a:r>
-            <a:r>
-              <a:rPr lang="en-US" sz="3600" dirty="0">
-                <a:solidFill>
-                  <a:srgbClr val="C00000"/>
-                </a:solidFill>
-                <a:latin typeface="Consolas" panose="020B0609020204030204" pitchFamily="49" charset="0"/>
-                <a:sym typeface="Consolas"/>
-              </a:rPr>
-              <a:t>dynamic-measures.xlsx</a:t>
-            </a:r>
-            <a:endParaRPr lang="en-US" sz="6000" dirty="0">
-              <a:solidFill>
-                <a:srgbClr val="CF3338"/>
-              </a:solidFill>
-              <a:latin typeface="Consolas" panose="020B0609020204030204" pitchFamily="49" charset="0"/>
-            </a:endParaRPr>
-          </a:p>
-          <a:p>
-            <a:endParaRPr lang="en-US" sz="6000" dirty="0">
-              <a:solidFill>
-                <a:srgbClr val="CF3338"/>
-              </a:solidFill>
-              <a:latin typeface="Pragmatica" panose="020B0403040502020204" pitchFamily="34" charset="0"/>
-            </a:endParaRPr>
-          </a:p>
-        </p:txBody>
-      </p:sp>
-    </p:spTree>
-    <p:extLst>
-      <p:ext uri="{BB962C8B-B14F-4D97-AF65-F5344CB8AC3E}">
-        <p14:creationId xmlns:p14="http://schemas.microsoft.com/office/powerpoint/2010/main" val="2476456128"/>
       </p:ext>
     </p:extLst>
   </p:cSld>
@@ -11425,7 +11504,7 @@
         <p:cNvPr id="1" name="">
           <a:extLst>
             <a:ext uri="{FF2B5EF4-FFF2-40B4-BE49-F238E27FC236}">
-              <a16:creationId xmlns:a16="http://schemas.microsoft.com/office/drawing/2014/main" id="{A9848E44-68DD-6AEA-08F3-5606760AEF44}"/>
+              <a16:creationId xmlns:a16="http://schemas.microsoft.com/office/drawing/2014/main" id="{1D94D3B1-C917-4EB0-DE9D-04CA302E7F82}"/>
             </a:ext>
           </a:extLst>
         </p:cNvPr>
@@ -11445,7 +11524,7 @@
           <p:cNvPr id="4" name="Rectangle 3">
             <a:extLst>
               <a:ext uri="{FF2B5EF4-FFF2-40B4-BE49-F238E27FC236}">
-                <a16:creationId xmlns:a16="http://schemas.microsoft.com/office/drawing/2014/main" id="{615E1502-BDF1-3D8C-22A3-6213D3359402}"/>
+                <a16:creationId xmlns:a16="http://schemas.microsoft.com/office/drawing/2014/main" id="{4F7D33EC-6D3B-E0E8-2880-9F4B01B660E0}"/>
               </a:ext>
             </a:extLst>
           </p:cNvPr>
@@ -11497,6 +11576,356 @@
           <p:cNvPr id="2" name="Picture 1">
             <a:extLst>
               <a:ext uri="{FF2B5EF4-FFF2-40B4-BE49-F238E27FC236}">
+                <a16:creationId xmlns:a16="http://schemas.microsoft.com/office/drawing/2014/main" id="{85747CA4-0869-B933-381D-4273D1DD731C}"/>
+              </a:ext>
+            </a:extLst>
+          </p:cNvPr>
+          <p:cNvPicPr>
+            <a:picLocks noChangeAspect="1"/>
+          </p:cNvPicPr>
+          <p:nvPr/>
+        </p:nvPicPr>
+        <p:blipFill rotWithShape="1">
+          <a:blip r:embed="rId3">
+            <a:extLst>
+              <a:ext uri="{28A0092B-C50C-407E-A947-70E740481C1C}">
+                <a14:useLocalDpi xmlns:a14="http://schemas.microsoft.com/office/drawing/2010/main" val="0"/>
+              </a:ext>
+            </a:extLst>
+          </a:blip>
+          <a:srcRect l="69227" t="33418" r="20112" b="50548"/>
+          <a:stretch/>
+        </p:blipFill>
+        <p:spPr>
+          <a:xfrm>
+            <a:off x="15579524" y="7544693"/>
+            <a:ext cx="2708477" cy="2987579"/>
+          </a:xfrm>
+          <a:prstGeom prst="rect">
+            <a:avLst/>
+          </a:prstGeom>
+        </p:spPr>
+      </p:pic>
+      <p:sp>
+        <p:nvSpPr>
+          <p:cNvPr id="3" name="TextBox 2">
+            <a:extLst>
+              <a:ext uri="{FF2B5EF4-FFF2-40B4-BE49-F238E27FC236}">
+                <a16:creationId xmlns:a16="http://schemas.microsoft.com/office/drawing/2014/main" id="{C91D0215-089E-3CD1-C917-7699A738972C}"/>
+              </a:ext>
+            </a:extLst>
+          </p:cNvPr>
+          <p:cNvSpPr txBox="1"/>
+          <p:nvPr/>
+        </p:nvSpPr>
+        <p:spPr>
+          <a:xfrm>
+            <a:off x="260430" y="329879"/>
+            <a:ext cx="11017170" cy="8387424"/>
+          </a:xfrm>
+          <a:prstGeom prst="rect">
+            <a:avLst/>
+          </a:prstGeom>
+          <a:noFill/>
+        </p:spPr>
+        <p:txBody>
+          <a:bodyPr wrap="square" rtlCol="0">
+            <a:spAutoFit/>
+          </a:bodyPr>
+          <a:lstStyle/>
+          <a:p>
+            <a:r>
+              <a:rPr lang="en-US" sz="6000" b="1" dirty="0">
+                <a:solidFill>
+                  <a:srgbClr val="CF3338"/>
+                </a:solidFill>
+                <a:latin typeface="Pragmatica" panose="020B0403040502020204" pitchFamily="34" charset="0"/>
+              </a:rPr>
+              <a:t>Dynamic measures</a:t>
+            </a:r>
+          </a:p>
+          <a:p>
+            <a:endParaRPr lang="en-US" sz="4200" dirty="0">
+              <a:solidFill>
+                <a:srgbClr val="CF3338"/>
+              </a:solidFill>
+              <a:latin typeface="Pragmatica" panose="020B0403040502020204" pitchFamily="34" charset="0"/>
+            </a:endParaRPr>
+          </a:p>
+          <a:p>
+            <a:pPr marL="714375" indent="-571500">
+              <a:lnSpc>
+                <a:spcPct val="115000"/>
+              </a:lnSpc>
+              <a:spcBef>
+                <a:spcPts val="1125"/>
+              </a:spcBef>
+              <a:buClr>
+                <a:srgbClr val="C00000"/>
+              </a:buClr>
+              <a:buSzPts val="2100"/>
+              <a:buFont typeface="Arial" panose="020B0604020202020204" pitchFamily="34" charset="0"/>
+              <a:buChar char="•"/>
+            </a:pPr>
+            <a:r>
+              <a:rPr lang="en-US" sz="3600" dirty="0">
+                <a:solidFill>
+                  <a:srgbClr val="C00000"/>
+                </a:solidFill>
+                <a:latin typeface="Pragmatica" panose="020B0403040502020204"/>
+                <a:sym typeface="Consolas"/>
+              </a:rPr>
+              <a:t>Create dynamic measures a la Power BI/Tableau</a:t>
+            </a:r>
+          </a:p>
+          <a:p>
+            <a:pPr marL="714375" indent="-571500">
+              <a:lnSpc>
+                <a:spcPct val="115000"/>
+              </a:lnSpc>
+              <a:spcBef>
+                <a:spcPts val="1125"/>
+              </a:spcBef>
+              <a:buClr>
+                <a:srgbClr val="C00000"/>
+              </a:buClr>
+              <a:buSzPts val="2100"/>
+              <a:buFont typeface="Arial" panose="020B0604020202020204" pitchFamily="34" charset="0"/>
+              <a:buChar char="•"/>
+            </a:pPr>
+            <a:r>
+              <a:rPr lang="en-US" sz="3600" dirty="0">
+                <a:solidFill>
+                  <a:srgbClr val="C00000"/>
+                </a:solidFill>
+                <a:latin typeface="Pragmatica" panose="020B0403040502020204"/>
+                <a:sym typeface="Consolas"/>
+              </a:rPr>
+              <a:t>Integrate Python backend processing with Excel’s visualization capabilities to build responsive and customizable bar charts</a:t>
+            </a:r>
+          </a:p>
+          <a:p>
+            <a:pPr marL="714375" indent="-571500">
+              <a:lnSpc>
+                <a:spcPct val="115000"/>
+              </a:lnSpc>
+              <a:spcBef>
+                <a:spcPts val="1125"/>
+              </a:spcBef>
+              <a:buClr>
+                <a:srgbClr val="C00000"/>
+              </a:buClr>
+              <a:buSzPts val="2100"/>
+              <a:buFont typeface="Arial" panose="020B0604020202020204" pitchFamily="34" charset="0"/>
+              <a:buChar char="•"/>
+            </a:pPr>
+            <a:r>
+              <a:rPr lang="en-US" sz="3600" dirty="0">
+                <a:solidFill>
+                  <a:srgbClr val="C00000"/>
+                </a:solidFill>
+                <a:latin typeface="Pragmatica" panose="020B0403040502020204"/>
+                <a:sym typeface="Consolas"/>
+              </a:rPr>
+              <a:t>Utilize Python’s </a:t>
+            </a:r>
+            <a:r>
+              <a:rPr lang="en-US" sz="3600" dirty="0" err="1">
+                <a:solidFill>
+                  <a:srgbClr val="C00000"/>
+                </a:solidFill>
+                <a:latin typeface="Consolas" panose="020B0609020204030204" pitchFamily="49" charset="0"/>
+                <a:sym typeface="Consolas"/>
+              </a:rPr>
+              <a:t>getattr</a:t>
+            </a:r>
+            <a:r>
+              <a:rPr lang="en-US" sz="3600" dirty="0">
+                <a:solidFill>
+                  <a:srgbClr val="C00000"/>
+                </a:solidFill>
+                <a:latin typeface="Consolas" panose="020B0609020204030204" pitchFamily="49" charset="0"/>
+                <a:sym typeface="Consolas"/>
+              </a:rPr>
+              <a:t>()</a:t>
+            </a:r>
+            <a:r>
+              <a:rPr lang="en-US" sz="3600" dirty="0">
+                <a:solidFill>
+                  <a:srgbClr val="C00000"/>
+                </a:solidFill>
+                <a:latin typeface="Pragmatica" panose="020B0403040502020204"/>
+                <a:sym typeface="Consolas"/>
+              </a:rPr>
+              <a:t> function to dynamically handle user-driven inputs for flexible data aggregation</a:t>
+            </a:r>
+          </a:p>
+          <a:p>
+            <a:pPr marL="714375" indent="-571500">
+              <a:lnSpc>
+                <a:spcPct val="115000"/>
+              </a:lnSpc>
+              <a:spcBef>
+                <a:spcPts val="1125"/>
+              </a:spcBef>
+              <a:buClr>
+                <a:srgbClr val="C00000"/>
+              </a:buClr>
+              <a:buSzPts val="2100"/>
+              <a:buFont typeface="Arial" panose="020B0604020202020204" pitchFamily="34" charset="0"/>
+              <a:buChar char="•"/>
+            </a:pPr>
+            <a:endParaRPr lang="en-US" sz="3600" dirty="0">
+              <a:solidFill>
+                <a:srgbClr val="C00000"/>
+              </a:solidFill>
+              <a:latin typeface="Pragmatica" panose="020B0403040502020204"/>
+              <a:sym typeface="Consolas"/>
+            </a:endParaRPr>
+          </a:p>
+          <a:p>
+            <a:pPr marL="142875">
+              <a:lnSpc>
+                <a:spcPct val="115000"/>
+              </a:lnSpc>
+              <a:spcBef>
+                <a:spcPts val="1125"/>
+              </a:spcBef>
+              <a:buClr>
+                <a:srgbClr val="C00000"/>
+              </a:buClr>
+              <a:buSzPts val="2100"/>
+            </a:pPr>
+            <a:r>
+              <a:rPr lang="en-US" sz="3600" dirty="0">
+                <a:solidFill>
+                  <a:srgbClr val="C00000"/>
+                </a:solidFill>
+                <a:latin typeface="Pragmatica" panose="020B0403040502020204"/>
+                <a:sym typeface="Consolas"/>
+              </a:rPr>
+              <a:t>File: </a:t>
+            </a:r>
+            <a:r>
+              <a:rPr lang="en-US" sz="3600" dirty="0">
+                <a:solidFill>
+                  <a:srgbClr val="C00000"/>
+                </a:solidFill>
+                <a:latin typeface="Consolas" panose="020B0609020204030204" pitchFamily="49" charset="0"/>
+                <a:sym typeface="Consolas"/>
+              </a:rPr>
+              <a:t>dynamic-measures.xlsx</a:t>
+            </a:r>
+            <a:endParaRPr lang="en-US" sz="6000" dirty="0">
+              <a:solidFill>
+                <a:srgbClr val="CF3338"/>
+              </a:solidFill>
+              <a:latin typeface="Consolas" panose="020B0609020204030204" pitchFamily="49" charset="0"/>
+            </a:endParaRPr>
+          </a:p>
+          <a:p>
+            <a:endParaRPr lang="en-US" sz="6000" dirty="0">
+              <a:solidFill>
+                <a:srgbClr val="CF3338"/>
+              </a:solidFill>
+              <a:latin typeface="Pragmatica" panose="020B0403040502020204" pitchFamily="34" charset="0"/>
+            </a:endParaRPr>
+          </a:p>
+        </p:txBody>
+      </p:sp>
+    </p:spTree>
+    <p:extLst>
+      <p:ext uri="{BB962C8B-B14F-4D97-AF65-F5344CB8AC3E}">
+        <p14:creationId xmlns:p14="http://schemas.microsoft.com/office/powerpoint/2010/main" val="2476456128"/>
+      </p:ext>
+    </p:extLst>
+  </p:cSld>
+  <p:clrMapOvr>
+    <a:masterClrMapping/>
+  </p:clrMapOvr>
+</p:sld>
+</file>
+
+<file path=ppt/slides/slide31.xml><?xml version="1.0" encoding="utf-8"?>
+<p:sld xmlns:a="http://schemas.openxmlformats.org/drawingml/2006/main" xmlns:r="http://schemas.openxmlformats.org/officeDocument/2006/relationships" xmlns:p="http://schemas.openxmlformats.org/presentationml/2006/main">
+  <p:cSld>
+    <p:spTree>
+      <p:nvGrpSpPr>
+        <p:cNvPr id="1" name="">
+          <a:extLst>
+            <a:ext uri="{FF2B5EF4-FFF2-40B4-BE49-F238E27FC236}">
+              <a16:creationId xmlns:a16="http://schemas.microsoft.com/office/drawing/2014/main" id="{A9848E44-68DD-6AEA-08F3-5606760AEF44}"/>
+            </a:ext>
+          </a:extLst>
+        </p:cNvPr>
+        <p:cNvGrpSpPr/>
+        <p:nvPr/>
+      </p:nvGrpSpPr>
+      <p:grpSpPr>
+        <a:xfrm>
+          <a:off x="0" y="0"/>
+          <a:ext cx="0" cy="0"/>
+          <a:chOff x="0" y="0"/>
+          <a:chExt cx="0" cy="0"/>
+        </a:xfrm>
+      </p:grpSpPr>
+      <p:sp>
+        <p:nvSpPr>
+          <p:cNvPr id="4" name="Rectangle 3">
+            <a:extLst>
+              <a:ext uri="{FF2B5EF4-FFF2-40B4-BE49-F238E27FC236}">
+                <a16:creationId xmlns:a16="http://schemas.microsoft.com/office/drawing/2014/main" id="{615E1502-BDF1-3D8C-22A3-6213D3359402}"/>
+              </a:ext>
+            </a:extLst>
+          </p:cNvPr>
+          <p:cNvSpPr/>
+          <p:nvPr/>
+        </p:nvSpPr>
+        <p:spPr>
+          <a:xfrm>
+            <a:off x="11963400" y="0"/>
+            <a:ext cx="6324600" cy="10287000"/>
+          </a:xfrm>
+          <a:prstGeom prst="rect">
+            <a:avLst/>
+          </a:prstGeom>
+          <a:solidFill>
+            <a:srgbClr val="CF3338"/>
+          </a:solidFill>
+          <a:ln>
+            <a:noFill/>
+          </a:ln>
+        </p:spPr>
+        <p:style>
+          <a:lnRef idx="2">
+            <a:schemeClr val="accent1">
+              <a:shade val="50000"/>
+            </a:schemeClr>
+          </a:lnRef>
+          <a:fillRef idx="1">
+            <a:schemeClr val="accent1"/>
+          </a:fillRef>
+          <a:effectRef idx="0">
+            <a:schemeClr val="accent1"/>
+          </a:effectRef>
+          <a:fontRef idx="minor">
+            <a:schemeClr val="lt1"/>
+          </a:fontRef>
+        </p:style>
+        <p:txBody>
+          <a:bodyPr rtlCol="0" anchor="ctr"/>
+          <a:lstStyle/>
+          <a:p>
+            <a:pPr algn="ctr"/>
+            <a:endParaRPr lang="en-US" sz="2700"/>
+          </a:p>
+        </p:txBody>
+      </p:sp>
+      <p:pic>
+        <p:nvPicPr>
+          <p:cNvPr id="2" name="Picture 1">
+            <a:extLst>
+              <a:ext uri="{FF2B5EF4-FFF2-40B4-BE49-F238E27FC236}">
                 <a16:creationId xmlns:a16="http://schemas.microsoft.com/office/drawing/2014/main" id="{326DC3E1-5616-5EA6-502A-7BCF02A8A09F}"/>
               </a:ext>
             </a:extLst>
@@ -11837,7 +12266,7 @@
 </p:sld>
 </file>
 
-<file path=ppt/slides/slide31.xml><?xml version="1.0" encoding="utf-8"?>
+<file path=ppt/slides/slide32.xml><?xml version="1.0" encoding="utf-8"?>
 <p:sld xmlns:a="http://schemas.openxmlformats.org/drawingml/2006/main" xmlns:r="http://schemas.openxmlformats.org/officeDocument/2006/relationships" xmlns:p="http://schemas.openxmlformats.org/presentationml/2006/main">
   <p:cSld>
     <p:spTree>
@@ -12019,7 +12448,7 @@
 </p:sld>
 </file>
 
-<file path=ppt/slides/slide32.xml><?xml version="1.0" encoding="utf-8"?>
+<file path=ppt/slides/slide33.xml><?xml version="1.0" encoding="utf-8"?>
 <p:sld xmlns:a="http://schemas.openxmlformats.org/drawingml/2006/main" xmlns:r="http://schemas.openxmlformats.org/officeDocument/2006/relationships" xmlns:p="http://schemas.openxmlformats.org/presentationml/2006/main">
   <p:cSld>
     <p:spTree>
@@ -12147,7 +12576,7 @@
 </p:sld>
 </file>
 
-<file path=ppt/slides/slide33.xml><?xml version="1.0" encoding="utf-8"?>
+<file path=ppt/slides/slide34.xml><?xml version="1.0" encoding="utf-8"?>
 <p:sld xmlns:a="http://schemas.openxmlformats.org/drawingml/2006/main" xmlns:r="http://schemas.openxmlformats.org/officeDocument/2006/relationships" xmlns:p="http://schemas.openxmlformats.org/presentationml/2006/main">
   <p:cSld>
     <p:spTree>
@@ -12384,7 +12813,7 @@
 </p:sld>
 </file>
 
-<file path=ppt/slides/slide34.xml><?xml version="1.0" encoding="utf-8"?>
+<file path=ppt/slides/slide35.xml><?xml version="1.0" encoding="utf-8"?>
 <p:sld xmlns:a="http://schemas.openxmlformats.org/drawingml/2006/main" xmlns:r="http://schemas.openxmlformats.org/officeDocument/2006/relationships" xmlns:p="http://schemas.openxmlformats.org/presentationml/2006/main">
   <p:cSld>
     <p:spTree>
@@ -12512,7 +12941,7 @@
 </p:sld>
 </file>
 
-<file path=ppt/slides/slide35.xml><?xml version="1.0" encoding="utf-8"?>
+<file path=ppt/slides/slide36.xml><?xml version="1.0" encoding="utf-8"?>
 <p:sld xmlns:a="http://schemas.openxmlformats.org/drawingml/2006/main" xmlns:r="http://schemas.openxmlformats.org/officeDocument/2006/relationships" xmlns:p="http://schemas.openxmlformats.org/presentationml/2006/main">
   <p:cSld>
     <p:spTree>
@@ -12783,7 +13212,7 @@
 </p:sld>
 </file>
 
-<file path=ppt/slides/slide36.xml><?xml version="1.0" encoding="utf-8"?>
+<file path=ppt/slides/slide37.xml><?xml version="1.0" encoding="utf-8"?>
 <p:sld xmlns:a="http://schemas.openxmlformats.org/drawingml/2006/main" xmlns:r="http://schemas.openxmlformats.org/officeDocument/2006/relationships" xmlns:p="http://schemas.openxmlformats.org/presentationml/2006/main">
   <p:cSld>
     <p:spTree>
@@ -13040,7 +13469,7 @@
 </p:sld>
 </file>
 
-<file path=ppt/slides/slide37.xml><?xml version="1.0" encoding="utf-8"?>
+<file path=ppt/slides/slide38.xml><?xml version="1.0" encoding="utf-8"?>
 <p:sld xmlns:a="http://schemas.openxmlformats.org/drawingml/2006/main" xmlns:r="http://schemas.openxmlformats.org/officeDocument/2006/relationships" xmlns:p="http://schemas.openxmlformats.org/presentationml/2006/main">
   <p:cSld>
     <p:spTree>
@@ -13303,7 +13732,7 @@
 </p:sld>
 </file>
 
-<file path=ppt/slides/slide38.xml><?xml version="1.0" encoding="utf-8"?>
+<file path=ppt/slides/slide39.xml><?xml version="1.0" encoding="utf-8"?>
 <p:sld xmlns:a="http://schemas.openxmlformats.org/drawingml/2006/main" xmlns:r="http://schemas.openxmlformats.org/officeDocument/2006/relationships" xmlns:p="http://schemas.openxmlformats.org/presentationml/2006/main">
   <p:cSld>
     <p:spTree>
@@ -13541,211 +13970,6 @@
     <p:extLst>
       <p:ext uri="{BB962C8B-B14F-4D97-AF65-F5344CB8AC3E}">
         <p14:creationId xmlns:p14="http://schemas.microsoft.com/office/powerpoint/2010/main" val="75588663"/>
-      </p:ext>
-    </p:extLst>
-  </p:cSld>
-  <p:clrMapOvr>
-    <a:masterClrMapping/>
-  </p:clrMapOvr>
-</p:sld>
-</file>
-
-<file path=ppt/slides/slide39.xml><?xml version="1.0" encoding="utf-8"?>
-<p:sld xmlns:a="http://schemas.openxmlformats.org/drawingml/2006/main" xmlns:r="http://schemas.openxmlformats.org/officeDocument/2006/relationships" xmlns:p="http://schemas.openxmlformats.org/presentationml/2006/main">
-  <p:cSld>
-    <p:spTree>
-      <p:nvGrpSpPr>
-        <p:cNvPr id="1" name="">
-          <a:extLst>
-            <a:ext uri="{FF2B5EF4-FFF2-40B4-BE49-F238E27FC236}">
-              <a16:creationId xmlns:a16="http://schemas.microsoft.com/office/drawing/2014/main" id="{EF1E463E-B95A-1081-A311-382A020488A5}"/>
-            </a:ext>
-          </a:extLst>
-        </p:cNvPr>
-        <p:cNvGrpSpPr/>
-        <p:nvPr/>
-      </p:nvGrpSpPr>
-      <p:grpSpPr>
-        <a:xfrm>
-          <a:off x="0" y="0"/>
-          <a:ext cx="0" cy="0"/>
-          <a:chOff x="0" y="0"/>
-          <a:chExt cx="0" cy="0"/>
-        </a:xfrm>
-      </p:grpSpPr>
-      <p:pic>
-        <p:nvPicPr>
-          <p:cNvPr id="5" name="Picture 4">
-            <a:extLst>
-              <a:ext uri="{FF2B5EF4-FFF2-40B4-BE49-F238E27FC236}">
-                <a16:creationId xmlns:a16="http://schemas.microsoft.com/office/drawing/2014/main" id="{0BA3745D-0381-7CB8-8B1C-4CD718867129}"/>
-              </a:ext>
-            </a:extLst>
-          </p:cNvPr>
-          <p:cNvPicPr>
-            <a:picLocks noChangeAspect="1"/>
-          </p:cNvPicPr>
-          <p:nvPr/>
-        </p:nvPicPr>
-        <p:blipFill>
-          <a:blip r:embed="rId2"/>
-          <a:srcRect/>
-          <a:stretch/>
-        </p:blipFill>
-        <p:spPr>
-          <a:xfrm>
-            <a:off x="0" y="0"/>
-            <a:ext cx="18288000" cy="10287000"/>
-          </a:xfrm>
-          <a:prstGeom prst="rect">
-            <a:avLst/>
-          </a:prstGeom>
-        </p:spPr>
-      </p:pic>
-      <p:sp>
-        <p:nvSpPr>
-          <p:cNvPr id="2" name="Title 1">
-            <a:extLst>
-              <a:ext uri="{FF2B5EF4-FFF2-40B4-BE49-F238E27FC236}">
-                <a16:creationId xmlns:a16="http://schemas.microsoft.com/office/drawing/2014/main" id="{C46119E7-F102-A88C-7E8C-68C93E6308BE}"/>
-              </a:ext>
-            </a:extLst>
-          </p:cNvPr>
-          <p:cNvSpPr>
-            <a:spLocks noGrp="1"/>
-          </p:cNvSpPr>
-          <p:nvPr>
-            <p:ph type="ctrTitle"/>
-          </p:nvPr>
-        </p:nvSpPr>
-        <p:spPr>
-          <a:xfrm>
-            <a:off x="2286000" y="2598656"/>
-            <a:ext cx="13716000" cy="3581400"/>
-          </a:xfrm>
-        </p:spPr>
-        <p:txBody>
-          <a:bodyPr>
-            <a:normAutofit/>
-          </a:bodyPr>
-          <a:lstStyle/>
-          <a:p>
-            <a:r>
-              <a:rPr lang="en-US" sz="9900" b="1" dirty="0">
-                <a:solidFill>
-                  <a:srgbClr val="241F62"/>
-                </a:solidFill>
-                <a:latin typeface="+mn-lt"/>
-              </a:rPr>
-              <a:t>Python in Excel for Enhanced Data Analytics </a:t>
-            </a:r>
-            <a:endParaRPr lang="en-BG" sz="9900" b="1" dirty="0">
-              <a:solidFill>
-                <a:srgbClr val="241F62"/>
-              </a:solidFill>
-              <a:latin typeface="+mn-lt"/>
-            </a:endParaRPr>
-          </a:p>
-        </p:txBody>
-      </p:sp>
-      <p:pic>
-        <p:nvPicPr>
-          <p:cNvPr id="7" name="Picture 6">
-            <a:extLst>
-              <a:ext uri="{FF2B5EF4-FFF2-40B4-BE49-F238E27FC236}">
-                <a16:creationId xmlns:a16="http://schemas.microsoft.com/office/drawing/2014/main" id="{4629D4C7-03AE-2DE1-C0BC-BB67F87E53E3}"/>
-              </a:ext>
-            </a:extLst>
-          </p:cNvPr>
-          <p:cNvPicPr>
-            <a:picLocks noChangeAspect="1"/>
-          </p:cNvPicPr>
-          <p:nvPr/>
-        </p:nvPicPr>
-        <p:blipFill>
-          <a:blip r:embed="rId3"/>
-          <a:srcRect b="22069"/>
-          <a:stretch/>
-        </p:blipFill>
-        <p:spPr>
-          <a:xfrm>
-            <a:off x="8153400" y="8430867"/>
-            <a:ext cx="1981200" cy="979833"/>
-          </a:xfrm>
-          <a:prstGeom prst="rect">
-            <a:avLst/>
-          </a:prstGeom>
-        </p:spPr>
-      </p:pic>
-      <p:sp>
-        <p:nvSpPr>
-          <p:cNvPr id="3" name="Title 1">
-            <a:extLst>
-              <a:ext uri="{FF2B5EF4-FFF2-40B4-BE49-F238E27FC236}">
-                <a16:creationId xmlns:a16="http://schemas.microsoft.com/office/drawing/2014/main" id="{460ABF60-A4BA-4BDA-36E2-D77996A950BD}"/>
-              </a:ext>
-            </a:extLst>
-          </p:cNvPr>
-          <p:cNvSpPr txBox="1">
-            <a:spLocks/>
-          </p:cNvSpPr>
-          <p:nvPr/>
-        </p:nvSpPr>
-        <p:spPr>
-          <a:xfrm>
-            <a:off x="13454742" y="548858"/>
-            <a:ext cx="4082145" cy="945771"/>
-          </a:xfrm>
-          <a:prstGeom prst="rect">
-            <a:avLst/>
-          </a:prstGeom>
-        </p:spPr>
-        <p:txBody>
-          <a:bodyPr vert="horz" lIns="137160" tIns="68580" rIns="137160" bIns="68580" rtlCol="0" anchor="ctr">
-            <a:normAutofit/>
-          </a:bodyPr>
-          <a:lstStyle>
-            <a:lvl1pPr algn="l" defTabSz="914400" rtl="0" eaLnBrk="1" latinLnBrk="0" hangingPunct="1">
-              <a:lnSpc>
-                <a:spcPct val="90000"/>
-              </a:lnSpc>
-              <a:spcBef>
-                <a:spcPct val="0"/>
-              </a:spcBef>
-              <a:buNone/>
-              <a:defRPr sz="4800" b="1" kern="1200">
-                <a:solidFill>
-                  <a:schemeClr val="bg1"/>
-                </a:solidFill>
-                <a:latin typeface="+mn-lt"/>
-                <a:ea typeface="+mj-ea"/>
-                <a:cs typeface="+mj-cs"/>
-              </a:defRPr>
-            </a:lvl1pPr>
-          </a:lstStyle>
-          <a:p>
-            <a:r>
-              <a:rPr lang="en-GB" sz="4200" dirty="0">
-                <a:solidFill>
-                  <a:srgbClr val="241F62"/>
-                </a:solidFill>
-                <a:latin typeface="+mj-lt"/>
-              </a:rPr>
-              <a:t>George Mount</a:t>
-            </a:r>
-            <a:endParaRPr lang="en-BG" sz="4200" dirty="0">
-              <a:solidFill>
-                <a:srgbClr val="241F62"/>
-              </a:solidFill>
-              <a:latin typeface="+mj-lt"/>
-            </a:endParaRPr>
-          </a:p>
-        </p:txBody>
-      </p:sp>
-    </p:spTree>
-    <p:extLst>
-      <p:ext uri="{BB962C8B-B14F-4D97-AF65-F5344CB8AC3E}">
-        <p14:creationId xmlns:p14="http://schemas.microsoft.com/office/powerpoint/2010/main" val="2768925910"/>
       </p:ext>
     </p:extLst>
   </p:cSld>
@@ -13856,6 +14080,211 @@
     <p:extLst>
       <p:ext uri="{BB962C8B-B14F-4D97-AF65-F5344CB8AC3E}">
         <p14:creationId xmlns:p14="http://schemas.microsoft.com/office/powerpoint/2010/main" val="3953945792"/>
+      </p:ext>
+    </p:extLst>
+  </p:cSld>
+  <p:clrMapOvr>
+    <a:masterClrMapping/>
+  </p:clrMapOvr>
+</p:sld>
+</file>
+
+<file path=ppt/slides/slide40.xml><?xml version="1.0" encoding="utf-8"?>
+<p:sld xmlns:a="http://schemas.openxmlformats.org/drawingml/2006/main" xmlns:r="http://schemas.openxmlformats.org/officeDocument/2006/relationships" xmlns:p="http://schemas.openxmlformats.org/presentationml/2006/main">
+  <p:cSld>
+    <p:spTree>
+      <p:nvGrpSpPr>
+        <p:cNvPr id="1" name="">
+          <a:extLst>
+            <a:ext uri="{FF2B5EF4-FFF2-40B4-BE49-F238E27FC236}">
+              <a16:creationId xmlns:a16="http://schemas.microsoft.com/office/drawing/2014/main" id="{EF1E463E-B95A-1081-A311-382A020488A5}"/>
+            </a:ext>
+          </a:extLst>
+        </p:cNvPr>
+        <p:cNvGrpSpPr/>
+        <p:nvPr/>
+      </p:nvGrpSpPr>
+      <p:grpSpPr>
+        <a:xfrm>
+          <a:off x="0" y="0"/>
+          <a:ext cx="0" cy="0"/>
+          <a:chOff x="0" y="0"/>
+          <a:chExt cx="0" cy="0"/>
+        </a:xfrm>
+      </p:grpSpPr>
+      <p:pic>
+        <p:nvPicPr>
+          <p:cNvPr id="5" name="Picture 4">
+            <a:extLst>
+              <a:ext uri="{FF2B5EF4-FFF2-40B4-BE49-F238E27FC236}">
+                <a16:creationId xmlns:a16="http://schemas.microsoft.com/office/drawing/2014/main" id="{0BA3745D-0381-7CB8-8B1C-4CD718867129}"/>
+              </a:ext>
+            </a:extLst>
+          </p:cNvPr>
+          <p:cNvPicPr>
+            <a:picLocks noChangeAspect="1"/>
+          </p:cNvPicPr>
+          <p:nvPr/>
+        </p:nvPicPr>
+        <p:blipFill>
+          <a:blip r:embed="rId2"/>
+          <a:srcRect/>
+          <a:stretch/>
+        </p:blipFill>
+        <p:spPr>
+          <a:xfrm>
+            <a:off x="0" y="0"/>
+            <a:ext cx="18288000" cy="10287000"/>
+          </a:xfrm>
+          <a:prstGeom prst="rect">
+            <a:avLst/>
+          </a:prstGeom>
+        </p:spPr>
+      </p:pic>
+      <p:sp>
+        <p:nvSpPr>
+          <p:cNvPr id="2" name="Title 1">
+            <a:extLst>
+              <a:ext uri="{FF2B5EF4-FFF2-40B4-BE49-F238E27FC236}">
+                <a16:creationId xmlns:a16="http://schemas.microsoft.com/office/drawing/2014/main" id="{C46119E7-F102-A88C-7E8C-68C93E6308BE}"/>
+              </a:ext>
+            </a:extLst>
+          </p:cNvPr>
+          <p:cNvSpPr>
+            <a:spLocks noGrp="1"/>
+          </p:cNvSpPr>
+          <p:nvPr>
+            <p:ph type="ctrTitle"/>
+          </p:nvPr>
+        </p:nvSpPr>
+        <p:spPr>
+          <a:xfrm>
+            <a:off x="2286000" y="2598656"/>
+            <a:ext cx="13716000" cy="3581400"/>
+          </a:xfrm>
+        </p:spPr>
+        <p:txBody>
+          <a:bodyPr>
+            <a:normAutofit/>
+          </a:bodyPr>
+          <a:lstStyle/>
+          <a:p>
+            <a:r>
+              <a:rPr lang="en-US" sz="9900" b="1" dirty="0">
+                <a:solidFill>
+                  <a:srgbClr val="241F62"/>
+                </a:solidFill>
+                <a:latin typeface="+mn-lt"/>
+              </a:rPr>
+              <a:t>Python in Excel for Enhanced Data Analytics </a:t>
+            </a:r>
+            <a:endParaRPr lang="en-BG" sz="9900" b="1" dirty="0">
+              <a:solidFill>
+                <a:srgbClr val="241F62"/>
+              </a:solidFill>
+              <a:latin typeface="+mn-lt"/>
+            </a:endParaRPr>
+          </a:p>
+        </p:txBody>
+      </p:sp>
+      <p:pic>
+        <p:nvPicPr>
+          <p:cNvPr id="7" name="Picture 6">
+            <a:extLst>
+              <a:ext uri="{FF2B5EF4-FFF2-40B4-BE49-F238E27FC236}">
+                <a16:creationId xmlns:a16="http://schemas.microsoft.com/office/drawing/2014/main" id="{4629D4C7-03AE-2DE1-C0BC-BB67F87E53E3}"/>
+              </a:ext>
+            </a:extLst>
+          </p:cNvPr>
+          <p:cNvPicPr>
+            <a:picLocks noChangeAspect="1"/>
+          </p:cNvPicPr>
+          <p:nvPr/>
+        </p:nvPicPr>
+        <p:blipFill>
+          <a:blip r:embed="rId3"/>
+          <a:srcRect b="22069"/>
+          <a:stretch/>
+        </p:blipFill>
+        <p:spPr>
+          <a:xfrm>
+            <a:off x="8153400" y="8430867"/>
+            <a:ext cx="1981200" cy="979833"/>
+          </a:xfrm>
+          <a:prstGeom prst="rect">
+            <a:avLst/>
+          </a:prstGeom>
+        </p:spPr>
+      </p:pic>
+      <p:sp>
+        <p:nvSpPr>
+          <p:cNvPr id="3" name="Title 1">
+            <a:extLst>
+              <a:ext uri="{FF2B5EF4-FFF2-40B4-BE49-F238E27FC236}">
+                <a16:creationId xmlns:a16="http://schemas.microsoft.com/office/drawing/2014/main" id="{460ABF60-A4BA-4BDA-36E2-D77996A950BD}"/>
+              </a:ext>
+            </a:extLst>
+          </p:cNvPr>
+          <p:cNvSpPr txBox="1">
+            <a:spLocks/>
+          </p:cNvSpPr>
+          <p:nvPr/>
+        </p:nvSpPr>
+        <p:spPr>
+          <a:xfrm>
+            <a:off x="13454742" y="548858"/>
+            <a:ext cx="4082145" cy="945771"/>
+          </a:xfrm>
+          <a:prstGeom prst="rect">
+            <a:avLst/>
+          </a:prstGeom>
+        </p:spPr>
+        <p:txBody>
+          <a:bodyPr vert="horz" lIns="137160" tIns="68580" rIns="137160" bIns="68580" rtlCol="0" anchor="ctr">
+            <a:normAutofit/>
+          </a:bodyPr>
+          <a:lstStyle>
+            <a:lvl1pPr algn="l" defTabSz="914400" rtl="0" eaLnBrk="1" latinLnBrk="0" hangingPunct="1">
+              <a:lnSpc>
+                <a:spcPct val="90000"/>
+              </a:lnSpc>
+              <a:spcBef>
+                <a:spcPct val="0"/>
+              </a:spcBef>
+              <a:buNone/>
+              <a:defRPr sz="4800" b="1" kern="1200">
+                <a:solidFill>
+                  <a:schemeClr val="bg1"/>
+                </a:solidFill>
+                <a:latin typeface="+mn-lt"/>
+                <a:ea typeface="+mj-ea"/>
+                <a:cs typeface="+mj-cs"/>
+              </a:defRPr>
+            </a:lvl1pPr>
+          </a:lstStyle>
+          <a:p>
+            <a:r>
+              <a:rPr lang="en-GB" sz="4200" dirty="0">
+                <a:solidFill>
+                  <a:srgbClr val="241F62"/>
+                </a:solidFill>
+                <a:latin typeface="+mj-lt"/>
+              </a:rPr>
+              <a:t>George Mount</a:t>
+            </a:r>
+            <a:endParaRPr lang="en-BG" sz="4200" dirty="0">
+              <a:solidFill>
+                <a:srgbClr val="241F62"/>
+              </a:solidFill>
+              <a:latin typeface="+mj-lt"/>
+            </a:endParaRPr>
+          </a:p>
+        </p:txBody>
+      </p:sp>
+    </p:spTree>
+    <p:extLst>
+      <p:ext uri="{BB962C8B-B14F-4D97-AF65-F5344CB8AC3E}">
+        <p14:creationId xmlns:p14="http://schemas.microsoft.com/office/powerpoint/2010/main" val="2768925910"/>
       </p:ext>
     </p:extLst>
   </p:cSld>
@@ -14644,6 +15073,403 @@
   <p:cSld>
     <p:spTree>
       <p:nvGrpSpPr>
+        <p:cNvPr id="1" name="">
+          <a:extLst>
+            <a:ext uri="{FF2B5EF4-FFF2-40B4-BE49-F238E27FC236}">
+              <a16:creationId xmlns:a16="http://schemas.microsoft.com/office/drawing/2014/main" id="{046AA539-27A4-7DD4-D5B1-FCA55E0BE4DC}"/>
+            </a:ext>
+          </a:extLst>
+        </p:cNvPr>
+        <p:cNvGrpSpPr/>
+        <p:nvPr/>
+      </p:nvGrpSpPr>
+      <p:grpSpPr>
+        <a:xfrm>
+          <a:off x="0" y="0"/>
+          <a:ext cx="0" cy="0"/>
+          <a:chOff x="0" y="0"/>
+          <a:chExt cx="0" cy="0"/>
+        </a:xfrm>
+      </p:grpSpPr>
+      <p:sp>
+        <p:nvSpPr>
+          <p:cNvPr id="4" name="Rectangle 3">
+            <a:extLst>
+              <a:ext uri="{FF2B5EF4-FFF2-40B4-BE49-F238E27FC236}">
+                <a16:creationId xmlns:a16="http://schemas.microsoft.com/office/drawing/2014/main" id="{A344158C-6293-94AB-63AB-971E91A8E028}"/>
+              </a:ext>
+            </a:extLst>
+          </p:cNvPr>
+          <p:cNvSpPr/>
+          <p:nvPr/>
+        </p:nvSpPr>
+        <p:spPr>
+          <a:xfrm>
+            <a:off x="9861630" y="0"/>
+            <a:ext cx="8426370" cy="10287000"/>
+          </a:xfrm>
+          <a:prstGeom prst="rect">
+            <a:avLst/>
+          </a:prstGeom>
+          <a:solidFill>
+            <a:srgbClr val="CF3338"/>
+          </a:solidFill>
+          <a:ln>
+            <a:noFill/>
+          </a:ln>
+        </p:spPr>
+        <p:style>
+          <a:lnRef idx="2">
+            <a:schemeClr val="accent1">
+              <a:shade val="50000"/>
+            </a:schemeClr>
+          </a:lnRef>
+          <a:fillRef idx="1">
+            <a:schemeClr val="accent1"/>
+          </a:fillRef>
+          <a:effectRef idx="0">
+            <a:schemeClr val="accent1"/>
+          </a:effectRef>
+          <a:fontRef idx="minor">
+            <a:schemeClr val="lt1"/>
+          </a:fontRef>
+        </p:style>
+        <p:txBody>
+          <a:bodyPr rtlCol="0" anchor="ctr"/>
+          <a:lstStyle/>
+          <a:p>
+            <a:pPr algn="ctr"/>
+            <a:endParaRPr lang="en-US" sz="2700"/>
+          </a:p>
+        </p:txBody>
+      </p:sp>
+      <p:pic>
+        <p:nvPicPr>
+          <p:cNvPr id="2" name="Picture 1">
+            <a:extLst>
+              <a:ext uri="{FF2B5EF4-FFF2-40B4-BE49-F238E27FC236}">
+                <a16:creationId xmlns:a16="http://schemas.microsoft.com/office/drawing/2014/main" id="{C4C93F93-4B19-9D4F-F9FD-7157392E0F24}"/>
+              </a:ext>
+            </a:extLst>
+          </p:cNvPr>
+          <p:cNvPicPr>
+            <a:picLocks noChangeAspect="1"/>
+          </p:cNvPicPr>
+          <p:nvPr/>
+        </p:nvPicPr>
+        <p:blipFill rotWithShape="1">
+          <a:blip r:embed="rId3">
+            <a:extLst>
+              <a:ext uri="{28A0092B-C50C-407E-A947-70E740481C1C}">
+                <a14:useLocalDpi xmlns:a14="http://schemas.microsoft.com/office/drawing/2010/main" val="0"/>
+              </a:ext>
+            </a:extLst>
+          </a:blip>
+          <a:srcRect l="69227" t="33418" r="20112" b="50548"/>
+          <a:stretch/>
+        </p:blipFill>
+        <p:spPr>
+          <a:xfrm>
+            <a:off x="15579524" y="7544693"/>
+            <a:ext cx="2708477" cy="2987579"/>
+          </a:xfrm>
+          <a:prstGeom prst="rect">
+            <a:avLst/>
+          </a:prstGeom>
+        </p:spPr>
+      </p:pic>
+      <p:sp>
+        <p:nvSpPr>
+          <p:cNvPr id="3" name="TextBox 2">
+            <a:extLst>
+              <a:ext uri="{FF2B5EF4-FFF2-40B4-BE49-F238E27FC236}">
+                <a16:creationId xmlns:a16="http://schemas.microsoft.com/office/drawing/2014/main" id="{4FD4293E-9099-AA91-30CF-06B0A400F7E7}"/>
+              </a:ext>
+            </a:extLst>
+          </p:cNvPr>
+          <p:cNvSpPr txBox="1"/>
+          <p:nvPr/>
+        </p:nvSpPr>
+        <p:spPr>
+          <a:xfrm>
+            <a:off x="260431" y="329879"/>
+            <a:ext cx="8906720" cy="9263690"/>
+          </a:xfrm>
+          <a:prstGeom prst="rect">
+            <a:avLst/>
+          </a:prstGeom>
+          <a:noFill/>
+        </p:spPr>
+        <p:txBody>
+          <a:bodyPr wrap="square" rtlCol="0">
+            <a:spAutoFit/>
+          </a:bodyPr>
+          <a:lstStyle/>
+          <a:p>
+            <a:r>
+              <a:rPr lang="en-US" sz="6000" b="1" dirty="0">
+                <a:solidFill>
+                  <a:srgbClr val="CF3338"/>
+                </a:solidFill>
+                <a:latin typeface="Pragmatica" panose="020B0403040502020204" pitchFamily="34" charset="0"/>
+              </a:rPr>
+              <a:t>Python in Excel: First steps EXERCISE</a:t>
+            </a:r>
+            <a:endParaRPr lang="en-US" sz="4200" dirty="0">
+              <a:solidFill>
+                <a:srgbClr val="CF3338"/>
+              </a:solidFill>
+              <a:latin typeface="Pragmatica" panose="020B0403040502020204" pitchFamily="34" charset="0"/>
+            </a:endParaRPr>
+          </a:p>
+          <a:p>
+            <a:pPr marL="142875">
+              <a:lnSpc>
+                <a:spcPct val="115000"/>
+              </a:lnSpc>
+              <a:spcBef>
+                <a:spcPts val="1125"/>
+              </a:spcBef>
+              <a:buClr>
+                <a:srgbClr val="C00000"/>
+              </a:buClr>
+              <a:buSzPts val="2100"/>
+            </a:pPr>
+            <a:endParaRPr lang="en-US" sz="3200" dirty="0">
+              <a:solidFill>
+                <a:srgbClr val="C00000"/>
+              </a:solidFill>
+              <a:latin typeface="Pragmatica" panose="020B0403040502020204"/>
+              <a:sym typeface="Consolas"/>
+            </a:endParaRPr>
+          </a:p>
+          <a:p>
+            <a:pPr marL="685800" indent="-542925">
+              <a:lnSpc>
+                <a:spcPct val="115000"/>
+              </a:lnSpc>
+              <a:spcBef>
+                <a:spcPts val="1125"/>
+              </a:spcBef>
+              <a:buClr>
+                <a:srgbClr val="C00000"/>
+              </a:buClr>
+              <a:buSzPts val="2100"/>
+              <a:buFont typeface="Arial"/>
+              <a:buAutoNum type="arabicPeriod"/>
+            </a:pPr>
+            <a:r>
+              <a:rPr lang="en-US" sz="3200" dirty="0">
+                <a:solidFill>
+                  <a:srgbClr val="C00000"/>
+                </a:solidFill>
+                <a:latin typeface="Pragmatica" panose="020B0403040502020204"/>
+                <a:sym typeface="Consolas"/>
+              </a:rPr>
+              <a:t>Import into Excel via Power Query (Get Data &gt; From File &gt; From Text/CSV)</a:t>
+            </a:r>
+          </a:p>
+          <a:p>
+            <a:pPr marL="685800" indent="-542925">
+              <a:lnSpc>
+                <a:spcPct val="115000"/>
+              </a:lnSpc>
+              <a:spcBef>
+                <a:spcPts val="1125"/>
+              </a:spcBef>
+              <a:buClr>
+                <a:srgbClr val="C00000"/>
+              </a:buClr>
+              <a:buSzPts val="2100"/>
+              <a:buFont typeface="Arial"/>
+              <a:buAutoNum type="arabicPeriod"/>
+            </a:pPr>
+            <a:r>
+              <a:rPr lang="en-US" sz="3200" dirty="0">
+                <a:solidFill>
+                  <a:srgbClr val="C00000"/>
+                </a:solidFill>
+                <a:latin typeface="Pragmatica" panose="020B0403040502020204"/>
+                <a:sym typeface="Consolas"/>
+              </a:rPr>
+              <a:t>Unpivot the Fresh through </a:t>
+            </a:r>
+            <a:r>
+              <a:rPr lang="en-US" sz="3200" dirty="0" err="1">
+                <a:solidFill>
+                  <a:srgbClr val="C00000"/>
+                </a:solidFill>
+                <a:latin typeface="Pragmatica" panose="020B0403040502020204"/>
+                <a:sym typeface="Consolas"/>
+              </a:rPr>
+              <a:t>Delicassen</a:t>
+            </a:r>
+            <a:r>
+              <a:rPr lang="en-US" sz="3200" dirty="0">
+                <a:solidFill>
+                  <a:srgbClr val="C00000"/>
+                </a:solidFill>
+                <a:latin typeface="Pragmatica" panose="020B0403040502020204"/>
+                <a:sym typeface="Consolas"/>
+              </a:rPr>
+              <a:t> [sic] columns</a:t>
+            </a:r>
+          </a:p>
+          <a:p>
+            <a:pPr marL="685800" indent="-542925">
+              <a:lnSpc>
+                <a:spcPct val="115000"/>
+              </a:lnSpc>
+              <a:spcBef>
+                <a:spcPts val="1125"/>
+              </a:spcBef>
+              <a:buClr>
+                <a:srgbClr val="C00000"/>
+              </a:buClr>
+              <a:buSzPts val="2100"/>
+              <a:buFont typeface="Arial"/>
+              <a:buAutoNum type="arabicPeriod"/>
+            </a:pPr>
+            <a:r>
+              <a:rPr lang="en-US" sz="3200" dirty="0">
+                <a:solidFill>
+                  <a:srgbClr val="C00000"/>
+                </a:solidFill>
+                <a:latin typeface="Pragmatica" panose="020B0403040502020204"/>
+                <a:sym typeface="Consolas"/>
+              </a:rPr>
+              <a:t>Load as connection into Python in Excel</a:t>
+            </a:r>
+          </a:p>
+          <a:p>
+            <a:pPr marL="685800" indent="-542925">
+              <a:lnSpc>
+                <a:spcPct val="115000"/>
+              </a:lnSpc>
+              <a:spcBef>
+                <a:spcPts val="1125"/>
+              </a:spcBef>
+              <a:buClr>
+                <a:srgbClr val="C00000"/>
+              </a:buClr>
+              <a:buSzPts val="2100"/>
+              <a:buFont typeface="Arial"/>
+              <a:buAutoNum type="arabicPeriod"/>
+            </a:pPr>
+            <a:r>
+              <a:rPr lang="en-US" sz="3200" dirty="0">
+                <a:solidFill>
+                  <a:srgbClr val="C00000"/>
+                </a:solidFill>
+                <a:latin typeface="Pragmatica" panose="020B0403040502020204"/>
+                <a:sym typeface="Consolas"/>
+              </a:rPr>
+              <a:t>Preview the data with a linked data type</a:t>
+            </a:r>
+          </a:p>
+          <a:p>
+            <a:pPr marL="685800" indent="-542925">
+              <a:lnSpc>
+                <a:spcPct val="115000"/>
+              </a:lnSpc>
+              <a:spcBef>
+                <a:spcPts val="1125"/>
+              </a:spcBef>
+              <a:buClr>
+                <a:srgbClr val="C00000"/>
+              </a:buClr>
+              <a:buSzPts val="2100"/>
+              <a:buFont typeface="Arial"/>
+              <a:buAutoNum type="arabicPeriod"/>
+            </a:pPr>
+            <a:r>
+              <a:rPr lang="en-US" sz="3200" dirty="0">
+                <a:solidFill>
+                  <a:srgbClr val="C00000"/>
+                </a:solidFill>
+                <a:latin typeface="Pragmatica" panose="020B0403040502020204"/>
+                <a:sym typeface="Consolas"/>
+              </a:rPr>
+              <a:t>Count the number of nonblank cells in the preview area with a spill operator</a:t>
+            </a:r>
+          </a:p>
+          <a:p>
+            <a:pPr marL="142875">
+              <a:lnSpc>
+                <a:spcPct val="115000"/>
+              </a:lnSpc>
+              <a:spcBef>
+                <a:spcPts val="1125"/>
+              </a:spcBef>
+              <a:buClr>
+                <a:srgbClr val="C00000"/>
+              </a:buClr>
+              <a:buSzPts val="2100"/>
+            </a:pPr>
+            <a:r>
+              <a:rPr lang="en-US" sz="3200" dirty="0">
+                <a:solidFill>
+                  <a:srgbClr val="C00000"/>
+                </a:solidFill>
+                <a:latin typeface="Pragmatica" panose="020B0403040502020204"/>
+                <a:sym typeface="Consolas"/>
+              </a:rPr>
+              <a:t>File: </a:t>
+            </a:r>
+            <a:r>
+              <a:rPr lang="en-US" sz="3200" dirty="0">
+                <a:solidFill>
+                  <a:srgbClr val="C00000"/>
+                </a:solidFill>
+                <a:latin typeface="Consolas" panose="020B0609020204030204" pitchFamily="49" charset="0"/>
+                <a:sym typeface="Consolas"/>
+              </a:rPr>
+              <a:t>wholesale-customers.csv </a:t>
+            </a:r>
+          </a:p>
+          <a:p>
+            <a:pPr marL="685800" indent="-542925">
+              <a:lnSpc>
+                <a:spcPct val="115000"/>
+              </a:lnSpc>
+              <a:spcBef>
+                <a:spcPts val="1125"/>
+              </a:spcBef>
+              <a:buClr>
+                <a:srgbClr val="C00000"/>
+              </a:buClr>
+              <a:buSzPts val="2100"/>
+              <a:buFont typeface="Arial"/>
+              <a:buAutoNum type="arabicPeriod"/>
+            </a:pPr>
+            <a:endParaRPr lang="en-US" sz="3200" dirty="0">
+              <a:solidFill>
+                <a:srgbClr val="C00000"/>
+              </a:solidFill>
+              <a:latin typeface="Pragmatica" panose="020B0403040502020204"/>
+              <a:sym typeface="Consolas"/>
+            </a:endParaRPr>
+          </a:p>
+        </p:txBody>
+      </p:sp>
+    </p:spTree>
+    <p:extLst>
+      <p:ext uri="{BB962C8B-B14F-4D97-AF65-F5344CB8AC3E}">
+        <p14:creationId xmlns:p14="http://schemas.microsoft.com/office/powerpoint/2010/main" val="3402676616"/>
+      </p:ext>
+    </p:extLst>
+  </p:cSld>
+  <p:clrMapOvr>
+    <a:masterClrMapping/>
+  </p:clrMapOvr>
+</p:sld>
+</file>
+
+<file path=ppt/slides/slide8.xml><?xml version="1.0" encoding="utf-8"?>
+<p:sld xmlns:a="http://schemas.openxmlformats.org/drawingml/2006/main" xmlns:r="http://schemas.openxmlformats.org/officeDocument/2006/relationships" xmlns:p="http://schemas.openxmlformats.org/presentationml/2006/main">
+  <p:cSld>
+    <p:spTree>
+      <p:nvGrpSpPr>
         <p:cNvPr id="1" name=""/>
         <p:cNvGrpSpPr/>
         <p:nvPr/>
@@ -14797,7 +15623,7 @@
 </p:sld>
 </file>
 
-<file path=ppt/slides/slide8.xml><?xml version="1.0" encoding="utf-8"?>
+<file path=ppt/slides/slide9.xml><?xml version="1.0" encoding="utf-8"?>
 <p:sld xmlns:a="http://schemas.openxmlformats.org/drawingml/2006/main" xmlns:r="http://schemas.openxmlformats.org/officeDocument/2006/relationships" xmlns:p="http://schemas.openxmlformats.org/presentationml/2006/main">
   <p:cSld>
     <p:spTree>
@@ -14898,302 +15724,6 @@
     <p:extLst>
       <p:ext uri="{BB962C8B-B14F-4D97-AF65-F5344CB8AC3E}">
         <p14:creationId xmlns:p14="http://schemas.microsoft.com/office/powerpoint/2010/main" val="2491588467"/>
-      </p:ext>
-    </p:extLst>
-  </p:cSld>
-  <p:clrMapOvr>
-    <a:masterClrMapping/>
-  </p:clrMapOvr>
-</p:sld>
-</file>
-
-<file path=ppt/slides/slide9.xml><?xml version="1.0" encoding="utf-8"?>
-<p:sld xmlns:a="http://schemas.openxmlformats.org/drawingml/2006/main" xmlns:r="http://schemas.openxmlformats.org/officeDocument/2006/relationships" xmlns:p="http://schemas.openxmlformats.org/presentationml/2006/main">
-  <p:cSld>
-    <p:spTree>
-      <p:nvGrpSpPr>
-        <p:cNvPr id="1" name=""/>
-        <p:cNvGrpSpPr/>
-        <p:nvPr/>
-      </p:nvGrpSpPr>
-      <p:grpSpPr>
-        <a:xfrm>
-          <a:off x="0" y="0"/>
-          <a:ext cx="0" cy="0"/>
-          <a:chOff x="0" y="0"/>
-          <a:chExt cx="0" cy="0"/>
-        </a:xfrm>
-      </p:grpSpPr>
-      <p:sp>
-        <p:nvSpPr>
-          <p:cNvPr id="4" name="Rectangle 3"/>
-          <p:cNvSpPr/>
-          <p:nvPr/>
-        </p:nvSpPr>
-        <p:spPr>
-          <a:xfrm>
-            <a:off x="9861630" y="0"/>
-            <a:ext cx="8426370" cy="10287000"/>
-          </a:xfrm>
-          <a:prstGeom prst="rect">
-            <a:avLst/>
-          </a:prstGeom>
-          <a:solidFill>
-            <a:srgbClr val="CF3338"/>
-          </a:solidFill>
-          <a:ln>
-            <a:noFill/>
-          </a:ln>
-        </p:spPr>
-        <p:style>
-          <a:lnRef idx="2">
-            <a:schemeClr val="accent1">
-              <a:shade val="50000"/>
-            </a:schemeClr>
-          </a:lnRef>
-          <a:fillRef idx="1">
-            <a:schemeClr val="accent1"/>
-          </a:fillRef>
-          <a:effectRef idx="0">
-            <a:schemeClr val="accent1"/>
-          </a:effectRef>
-          <a:fontRef idx="minor">
-            <a:schemeClr val="lt1"/>
-          </a:fontRef>
-        </p:style>
-        <p:txBody>
-          <a:bodyPr rtlCol="0" anchor="ctr"/>
-          <a:lstStyle/>
-          <a:p>
-            <a:pPr algn="ctr"/>
-            <a:endParaRPr lang="en-US" sz="2700"/>
-          </a:p>
-        </p:txBody>
-      </p:sp>
-      <p:pic>
-        <p:nvPicPr>
-          <p:cNvPr id="2" name="Picture 1"/>
-          <p:cNvPicPr>
-            <a:picLocks noChangeAspect="1"/>
-          </p:cNvPicPr>
-          <p:nvPr/>
-        </p:nvPicPr>
-        <p:blipFill rotWithShape="1">
-          <a:blip r:embed="rId3">
-            <a:extLst>
-              <a:ext uri="{28A0092B-C50C-407E-A947-70E740481C1C}">
-                <a14:useLocalDpi xmlns:a14="http://schemas.microsoft.com/office/drawing/2010/main" val="0"/>
-              </a:ext>
-            </a:extLst>
-          </a:blip>
-          <a:srcRect l="69227" t="33418" r="20112" b="50548"/>
-          <a:stretch/>
-        </p:blipFill>
-        <p:spPr>
-          <a:xfrm>
-            <a:off x="15579524" y="7544693"/>
-            <a:ext cx="2708477" cy="2987579"/>
-          </a:xfrm>
-          <a:prstGeom prst="rect">
-            <a:avLst/>
-          </a:prstGeom>
-        </p:spPr>
-      </p:pic>
-      <p:sp>
-        <p:nvSpPr>
-          <p:cNvPr id="3" name="TextBox 2"/>
-          <p:cNvSpPr txBox="1"/>
-          <p:nvPr/>
-        </p:nvSpPr>
-        <p:spPr>
-          <a:xfrm>
-            <a:off x="260431" y="329879"/>
-            <a:ext cx="8906720" cy="9310754"/>
-          </a:xfrm>
-          <a:prstGeom prst="rect">
-            <a:avLst/>
-          </a:prstGeom>
-          <a:noFill/>
-        </p:spPr>
-        <p:txBody>
-          <a:bodyPr wrap="square" rtlCol="0">
-            <a:spAutoFit/>
-          </a:bodyPr>
-          <a:lstStyle/>
-          <a:p>
-            <a:r>
-              <a:rPr lang="en-US" sz="6000" b="1" dirty="0">
-                <a:solidFill>
-                  <a:srgbClr val="CF3338"/>
-                </a:solidFill>
-                <a:latin typeface="Pragmatica" panose="020B0403040502020204" pitchFamily="34" charset="0"/>
-              </a:rPr>
-              <a:t>Visualizing data with Python in Excel</a:t>
-            </a:r>
-          </a:p>
-          <a:p>
-            <a:endParaRPr lang="en-US" sz="4200" dirty="0">
-              <a:solidFill>
-                <a:srgbClr val="CF3338"/>
-              </a:solidFill>
-              <a:latin typeface="Pragmatica" panose="020B0403040502020204" pitchFamily="34" charset="0"/>
-            </a:endParaRPr>
-          </a:p>
-          <a:p>
-            <a:pPr marL="685800" indent="-542925">
-              <a:lnSpc>
-                <a:spcPct val="115000"/>
-              </a:lnSpc>
-              <a:spcBef>
-                <a:spcPts val="1125"/>
-              </a:spcBef>
-              <a:buClr>
-                <a:srgbClr val="C00000"/>
-              </a:buClr>
-              <a:buSzPts val="2100"/>
-              <a:buFont typeface="Arial"/>
-              <a:buAutoNum type="arabicPeriod"/>
-            </a:pPr>
-            <a:r>
-              <a:rPr lang="en-US" sz="3600" dirty="0">
-                <a:solidFill>
-                  <a:srgbClr val="C00000"/>
-                </a:solidFill>
-                <a:latin typeface="Pragmatica" panose="020B0403040502020204"/>
-                <a:sym typeface="Consolas"/>
-              </a:rPr>
-              <a:t>Data profiling: What is the shape, size, completeness?</a:t>
-            </a:r>
-          </a:p>
-          <a:p>
-            <a:pPr marL="685800" indent="-542925">
-              <a:lnSpc>
-                <a:spcPct val="115000"/>
-              </a:lnSpc>
-              <a:spcBef>
-                <a:spcPts val="1125"/>
-              </a:spcBef>
-              <a:buClr>
-                <a:srgbClr val="C00000"/>
-              </a:buClr>
-              <a:buSzPts val="2100"/>
-              <a:buFont typeface="Arial"/>
-              <a:buAutoNum type="arabicPeriod"/>
-            </a:pPr>
-            <a:r>
-              <a:rPr lang="en-US" sz="3600" dirty="0">
-                <a:solidFill>
-                  <a:srgbClr val="C00000"/>
-                </a:solidFill>
-                <a:latin typeface="Pragmatica" panose="020B0403040502020204"/>
-                <a:sym typeface="Consolas"/>
-              </a:rPr>
-              <a:t>Time series: pandas for panel data</a:t>
-            </a:r>
-          </a:p>
-          <a:p>
-            <a:pPr marL="685800" indent="-542925">
-              <a:lnSpc>
-                <a:spcPct val="115000"/>
-              </a:lnSpc>
-              <a:spcBef>
-                <a:spcPts val="1125"/>
-              </a:spcBef>
-              <a:buClr>
-                <a:srgbClr val="C00000"/>
-              </a:buClr>
-              <a:buSzPts val="2100"/>
-              <a:buFont typeface="Arial"/>
-              <a:buAutoNum type="arabicPeriod"/>
-            </a:pPr>
-            <a:r>
-              <a:rPr lang="en-US" sz="3600" dirty="0">
-                <a:solidFill>
-                  <a:srgbClr val="C00000"/>
-                </a:solidFill>
-                <a:latin typeface="Pragmatica" panose="020B0403040502020204"/>
-                <a:sym typeface="Consolas"/>
-              </a:rPr>
-              <a:t>Descriptive statistics/EDA: What stories might be told in this data? </a:t>
-            </a:r>
-          </a:p>
-          <a:p>
-            <a:pPr marL="685800" indent="-542925">
-              <a:lnSpc>
-                <a:spcPct val="115000"/>
-              </a:lnSpc>
-              <a:spcBef>
-                <a:spcPts val="1125"/>
-              </a:spcBef>
-              <a:buClr>
-                <a:srgbClr val="C00000"/>
-              </a:buClr>
-              <a:buSzPts val="2100"/>
-              <a:buFont typeface="Arial"/>
-              <a:buAutoNum type="arabicPeriod"/>
-            </a:pPr>
-            <a:endParaRPr lang="en-US" sz="3600" dirty="0">
-              <a:solidFill>
-                <a:srgbClr val="C00000"/>
-              </a:solidFill>
-              <a:latin typeface="Pragmatica" panose="020B0403040502020204"/>
-              <a:sym typeface="Consolas"/>
-            </a:endParaRPr>
-          </a:p>
-          <a:p>
-            <a:pPr marL="142875">
-              <a:lnSpc>
-                <a:spcPct val="115000"/>
-              </a:lnSpc>
-              <a:spcBef>
-                <a:spcPts val="1125"/>
-              </a:spcBef>
-              <a:buClr>
-                <a:srgbClr val="C00000"/>
-              </a:buClr>
-              <a:buSzPts val="2100"/>
-            </a:pPr>
-            <a:r>
-              <a:rPr lang="en-US" sz="3600" dirty="0">
-                <a:solidFill>
-                  <a:srgbClr val="C00000"/>
-                </a:solidFill>
-                <a:latin typeface="Pragmatica" panose="020B0403040502020204"/>
-                <a:sym typeface="Consolas"/>
-              </a:rPr>
-              <a:t>File: </a:t>
-            </a:r>
-            <a:r>
-              <a:rPr lang="en-US" sz="3600" dirty="0">
-                <a:solidFill>
-                  <a:srgbClr val="C00000"/>
-                </a:solidFill>
-                <a:latin typeface="Consolas" panose="020B0609020204030204" pitchFamily="49" charset="0"/>
-                <a:sym typeface="Consolas"/>
-              </a:rPr>
-              <a:t>analyzing-data-with-python-in-excel.xlsx</a:t>
-            </a:r>
-            <a:endParaRPr lang="en-US" sz="6000" dirty="0">
-              <a:solidFill>
-                <a:srgbClr val="CF3338"/>
-              </a:solidFill>
-              <a:latin typeface="Consolas" panose="020B0609020204030204" pitchFamily="49" charset="0"/>
-            </a:endParaRPr>
-          </a:p>
-          <a:p>
-            <a:endParaRPr lang="en-US" sz="6000" dirty="0">
-              <a:solidFill>
-                <a:srgbClr val="CF3338"/>
-              </a:solidFill>
-              <a:latin typeface="Pragmatica" panose="020B0403040502020204" pitchFamily="34" charset="0"/>
-            </a:endParaRPr>
-          </a:p>
-        </p:txBody>
-      </p:sp>
-    </p:spTree>
-    <p:extLst>
-      <p:ext uri="{BB962C8B-B14F-4D97-AF65-F5344CB8AC3E}">
-        <p14:creationId xmlns:p14="http://schemas.microsoft.com/office/powerpoint/2010/main" val="2505051360"/>
       </p:ext>
     </p:extLst>
   </p:cSld>

--- a/python-in-excel-for-enhanced-data-analytics.pptx
+++ b/python-in-excel-for-enhanced-data-analytics.pptx
@@ -5,7 +5,7 @@
     <p:sldMasterId id="2147483648" r:id="rId1"/>
   </p:sldMasterIdLst>
   <p:notesMasterIdLst>
-    <p:notesMasterId r:id="rId42"/>
+    <p:notesMasterId r:id="rId43"/>
   </p:notesMasterIdLst>
   <p:sldIdLst>
     <p:sldId id="454" r:id="rId2"/>
@@ -14,50 +14,51 @@
     <p:sldId id="404" r:id="rId5"/>
     <p:sldId id="407" r:id="rId6"/>
     <p:sldId id="424" r:id="rId7"/>
-    <p:sldId id="461" r:id="rId8"/>
-    <p:sldId id="415" r:id="rId9"/>
-    <p:sldId id="405" r:id="rId10"/>
-    <p:sldId id="412" r:id="rId11"/>
-    <p:sldId id="413" r:id="rId12"/>
-    <p:sldId id="434" r:id="rId13"/>
-    <p:sldId id="433" r:id="rId14"/>
-    <p:sldId id="418" r:id="rId15"/>
-    <p:sldId id="419" r:id="rId16"/>
-    <p:sldId id="414" r:id="rId17"/>
-    <p:sldId id="425" r:id="rId18"/>
-    <p:sldId id="426" r:id="rId19"/>
-    <p:sldId id="427" r:id="rId20"/>
-    <p:sldId id="428" r:id="rId21"/>
-    <p:sldId id="430" r:id="rId22"/>
-    <p:sldId id="431" r:id="rId23"/>
-    <p:sldId id="459" r:id="rId24"/>
-    <p:sldId id="406" r:id="rId25"/>
-    <p:sldId id="409" r:id="rId26"/>
-    <p:sldId id="410" r:id="rId27"/>
-    <p:sldId id="416" r:id="rId28"/>
-    <p:sldId id="455" r:id="rId29"/>
-    <p:sldId id="449" r:id="rId30"/>
-    <p:sldId id="451" r:id="rId31"/>
-    <p:sldId id="450" r:id="rId32"/>
-    <p:sldId id="458" r:id="rId33"/>
-    <p:sldId id="456" r:id="rId34"/>
-    <p:sldId id="457" r:id="rId35"/>
-    <p:sldId id="420" r:id="rId36"/>
-    <p:sldId id="432" r:id="rId37"/>
-    <p:sldId id="421" r:id="rId38"/>
-    <p:sldId id="422" r:id="rId39"/>
-    <p:sldId id="417" r:id="rId40"/>
-    <p:sldId id="460" r:id="rId41"/>
+    <p:sldId id="462" r:id="rId8"/>
+    <p:sldId id="461" r:id="rId9"/>
+    <p:sldId id="415" r:id="rId10"/>
+    <p:sldId id="405" r:id="rId11"/>
+    <p:sldId id="412" r:id="rId12"/>
+    <p:sldId id="413" r:id="rId13"/>
+    <p:sldId id="434" r:id="rId14"/>
+    <p:sldId id="433" r:id="rId15"/>
+    <p:sldId id="418" r:id="rId16"/>
+    <p:sldId id="419" r:id="rId17"/>
+    <p:sldId id="414" r:id="rId18"/>
+    <p:sldId id="425" r:id="rId19"/>
+    <p:sldId id="426" r:id="rId20"/>
+    <p:sldId id="427" r:id="rId21"/>
+    <p:sldId id="428" r:id="rId22"/>
+    <p:sldId id="430" r:id="rId23"/>
+    <p:sldId id="431" r:id="rId24"/>
+    <p:sldId id="459" r:id="rId25"/>
+    <p:sldId id="406" r:id="rId26"/>
+    <p:sldId id="409" r:id="rId27"/>
+    <p:sldId id="410" r:id="rId28"/>
+    <p:sldId id="416" r:id="rId29"/>
+    <p:sldId id="455" r:id="rId30"/>
+    <p:sldId id="449" r:id="rId31"/>
+    <p:sldId id="451" r:id="rId32"/>
+    <p:sldId id="450" r:id="rId33"/>
+    <p:sldId id="458" r:id="rId34"/>
+    <p:sldId id="456" r:id="rId35"/>
+    <p:sldId id="457" r:id="rId36"/>
+    <p:sldId id="420" r:id="rId37"/>
+    <p:sldId id="432" r:id="rId38"/>
+    <p:sldId id="421" r:id="rId39"/>
+    <p:sldId id="422" r:id="rId40"/>
+    <p:sldId id="417" r:id="rId41"/>
+    <p:sldId id="460" r:id="rId42"/>
   </p:sldIdLst>
   <p:sldSz cx="18288000" cy="10287000"/>
   <p:notesSz cx="6858000" cy="9144000"/>
   <p:embeddedFontLst>
     <p:embeddedFont>
       <p:font typeface="Consolas" panose="020B0609020204030204" pitchFamily="49" charset="0"/>
-      <p:regular r:id="rId43"/>
-      <p:bold r:id="rId44"/>
-      <p:italic r:id="rId45"/>
-      <p:boldItalic r:id="rId46"/>
+      <p:regular r:id="rId44"/>
+      <p:bold r:id="rId45"/>
+      <p:italic r:id="rId46"/>
+      <p:boldItalic r:id="rId47"/>
     </p:embeddedFont>
   </p:embeddedFontLst>
   <p:defaultTextStyle>
@@ -274,7 +275,7 @@
           <a:p>
             <a:fld id="{17A98A70-FA8C-4354-959C-C70678AC9BCF}" type="datetimeFigureOut">
               <a:rPr lang="en-US" smtClean="0"/>
-              <a:t>4/30/2025</a:t>
+              <a:t>5/8/2025</a:t>
             </a:fld>
             <a:endParaRPr lang="en-US"/>
           </a:p>
@@ -633,6 +634,138 @@
         <p:cNvPr id="1" name="">
           <a:extLst>
             <a:ext uri="{FF2B5EF4-FFF2-40B4-BE49-F238E27FC236}">
+              <a16:creationId xmlns:a16="http://schemas.microsoft.com/office/drawing/2014/main" id="{AB2EC1EF-8F22-1211-9D56-0C4D7D41A14C}"/>
+            </a:ext>
+          </a:extLst>
+        </p:cNvPr>
+        <p:cNvGrpSpPr/>
+        <p:nvPr/>
+      </p:nvGrpSpPr>
+      <p:grpSpPr>
+        <a:xfrm>
+          <a:off x="0" y="0"/>
+          <a:ext cx="0" cy="0"/>
+          <a:chOff x="0" y="0"/>
+          <a:chExt cx="0" cy="0"/>
+        </a:xfrm>
+      </p:grpSpPr>
+      <p:sp>
+        <p:nvSpPr>
+          <p:cNvPr id="2" name="Slide Image Placeholder 1">
+            <a:extLst>
+              <a:ext uri="{FF2B5EF4-FFF2-40B4-BE49-F238E27FC236}">
+                <a16:creationId xmlns:a16="http://schemas.microsoft.com/office/drawing/2014/main" id="{77938CA2-E667-53DF-69F8-DE4270F44889}"/>
+              </a:ext>
+            </a:extLst>
+          </p:cNvPr>
+          <p:cNvSpPr>
+            <a:spLocks noGrp="1" noRot="1" noChangeAspect="1"/>
+          </p:cNvSpPr>
+          <p:nvPr>
+            <p:ph type="sldImg"/>
+          </p:nvPr>
+        </p:nvSpPr>
+        <p:spPr/>
+      </p:sp>
+      <p:sp>
+        <p:nvSpPr>
+          <p:cNvPr id="3" name="Notes Placeholder 2">
+            <a:extLst>
+              <a:ext uri="{FF2B5EF4-FFF2-40B4-BE49-F238E27FC236}">
+                <a16:creationId xmlns:a16="http://schemas.microsoft.com/office/drawing/2014/main" id="{B951AA8A-7C0C-F29C-67C5-43E529FBF86C}"/>
+              </a:ext>
+            </a:extLst>
+          </p:cNvPr>
+          <p:cNvSpPr>
+            <a:spLocks noGrp="1"/>
+          </p:cNvSpPr>
+          <p:nvPr>
+            <p:ph type="body" idx="1"/>
+          </p:nvPr>
+        </p:nvSpPr>
+        <p:spPr/>
+        <p:txBody>
+          <a:bodyPr/>
+          <a:lstStyle/>
+          <a:p>
+            <a:pPr marL="228600" indent="-228600">
+              <a:buAutoNum type="arabicPeriod"/>
+            </a:pPr>
+            <a:r>
+              <a:rPr lang="en-US" dirty="0"/>
+              <a:t>False!</a:t>
+            </a:r>
+          </a:p>
+          <a:p>
+            <a:pPr marL="228600" indent="-228600">
+              <a:buAutoNum type="arabicPeriod"/>
+            </a:pPr>
+            <a:r>
+              <a:rPr lang="en-US" dirty="0"/>
+              <a:t>Function, Formula, Function</a:t>
+            </a:r>
+          </a:p>
+          <a:p>
+            <a:pPr marL="228600" indent="-228600">
+              <a:buAutoNum type="arabicPeriod"/>
+            </a:pPr>
+            <a:r>
+              <a:rPr lang="en-US" dirty="0"/>
+              <a:t>Argument</a:t>
+            </a:r>
+          </a:p>
+        </p:txBody>
+      </p:sp>
+      <p:sp>
+        <p:nvSpPr>
+          <p:cNvPr id="4" name="Slide Number Placeholder 3">
+            <a:extLst>
+              <a:ext uri="{FF2B5EF4-FFF2-40B4-BE49-F238E27FC236}">
+                <a16:creationId xmlns:a16="http://schemas.microsoft.com/office/drawing/2014/main" id="{0BEF7AC2-363F-1439-E96A-EE7C739281CE}"/>
+              </a:ext>
+            </a:extLst>
+          </p:cNvPr>
+          <p:cNvSpPr>
+            <a:spLocks noGrp="1"/>
+          </p:cNvSpPr>
+          <p:nvPr>
+            <p:ph type="sldNum" sz="quarter" idx="5"/>
+          </p:nvPr>
+        </p:nvSpPr>
+        <p:spPr/>
+        <p:txBody>
+          <a:bodyPr/>
+          <a:lstStyle/>
+          <a:p>
+            <a:fld id="{1300335D-9F13-4B80-ADC5-B0EA3E10FF6B}" type="slidenum">
+              <a:rPr lang="en-US" smtClean="0"/>
+              <a:t>21</a:t>
+            </a:fld>
+            <a:endParaRPr lang="en-US"/>
+          </a:p>
+        </p:txBody>
+      </p:sp>
+    </p:spTree>
+    <p:extLst>
+      <p:ext uri="{BB962C8B-B14F-4D97-AF65-F5344CB8AC3E}">
+        <p14:creationId xmlns:p14="http://schemas.microsoft.com/office/powerpoint/2010/main" val="2684696127"/>
+      </p:ext>
+    </p:extLst>
+  </p:cSld>
+  <p:clrMapOvr>
+    <a:masterClrMapping/>
+  </p:clrMapOvr>
+</p:notes>
+</file>
+
+<file path=ppt/notesSlides/notesSlide11.xml><?xml version="1.0" encoding="utf-8"?>
+<p:notes xmlns:a="http://schemas.openxmlformats.org/drawingml/2006/main" xmlns:r="http://schemas.openxmlformats.org/officeDocument/2006/relationships" xmlns:p="http://schemas.openxmlformats.org/presentationml/2006/main">
+  <p:cSld>
+    <p:spTree>
+      <p:nvGrpSpPr>
+        <p:cNvPr id="1" name="">
+          <a:extLst>
+            <a:ext uri="{FF2B5EF4-FFF2-40B4-BE49-F238E27FC236}">
               <a16:creationId xmlns:a16="http://schemas.microsoft.com/office/drawing/2014/main" id="{98A38E37-A8DE-27F9-308E-E0FE538B9B3C}"/>
             </a:ext>
           </a:extLst>
@@ -738,7 +871,7 @@
           <a:p>
             <a:fld id="{1300335D-9F13-4B80-ADC5-B0EA3E10FF6B}" type="slidenum">
               <a:rPr lang="en-US" smtClean="0"/>
-              <a:t>21</a:t>
+              <a:t>22</a:t>
             </a:fld>
             <a:endParaRPr lang="en-US"/>
           </a:p>
@@ -757,7 +890,7 @@
 </p:notes>
 </file>
 
-<file path=ppt/notesSlides/notesSlide11.xml><?xml version="1.0" encoding="utf-8"?>
+<file path=ppt/notesSlides/notesSlide12.xml><?xml version="1.0" encoding="utf-8"?>
 <p:notes xmlns:a="http://schemas.openxmlformats.org/drawingml/2006/main" xmlns:r="http://schemas.openxmlformats.org/officeDocument/2006/relationships" xmlns:p="http://schemas.openxmlformats.org/presentationml/2006/main">
   <p:cSld>
     <p:spTree>
@@ -870,7 +1003,7 @@
           <a:p>
             <a:fld id="{1300335D-9F13-4B80-ADC5-B0EA3E10FF6B}" type="slidenum">
               <a:rPr lang="en-US" smtClean="0"/>
-              <a:t>22</a:t>
+              <a:t>23</a:t>
             </a:fld>
             <a:endParaRPr lang="en-US"/>
           </a:p>
@@ -880,114 +1013,6 @@
     <p:extLst>
       <p:ext uri="{BB962C8B-B14F-4D97-AF65-F5344CB8AC3E}">
         <p14:creationId xmlns:p14="http://schemas.microsoft.com/office/powerpoint/2010/main" val="2180471925"/>
-      </p:ext>
-    </p:extLst>
-  </p:cSld>
-  <p:clrMapOvr>
-    <a:masterClrMapping/>
-  </p:clrMapOvr>
-</p:notes>
-</file>
-
-<file path=ppt/notesSlides/notesSlide12.xml><?xml version="1.0" encoding="utf-8"?>
-<p:notes xmlns:a="http://schemas.openxmlformats.org/drawingml/2006/main" xmlns:r="http://schemas.openxmlformats.org/officeDocument/2006/relationships" xmlns:p="http://schemas.openxmlformats.org/presentationml/2006/main">
-  <p:cSld>
-    <p:spTree>
-      <p:nvGrpSpPr>
-        <p:cNvPr id="1" name=""/>
-        <p:cNvGrpSpPr/>
-        <p:nvPr/>
-      </p:nvGrpSpPr>
-      <p:grpSpPr>
-        <a:xfrm>
-          <a:off x="0" y="0"/>
-          <a:ext cx="0" cy="0"/>
-          <a:chOff x="0" y="0"/>
-          <a:chExt cx="0" cy="0"/>
-        </a:xfrm>
-      </p:grpSpPr>
-      <p:sp>
-        <p:nvSpPr>
-          <p:cNvPr id="2" name="Slide Image Placeholder 1"/>
-          <p:cNvSpPr>
-            <a:spLocks noGrp="1" noRot="1" noChangeAspect="1"/>
-          </p:cNvSpPr>
-          <p:nvPr>
-            <p:ph type="sldImg"/>
-          </p:nvPr>
-        </p:nvSpPr>
-        <p:spPr/>
-      </p:sp>
-      <p:sp>
-        <p:nvSpPr>
-          <p:cNvPr id="3" name="Notes Placeholder 2"/>
-          <p:cNvSpPr>
-            <a:spLocks noGrp="1"/>
-          </p:cNvSpPr>
-          <p:nvPr>
-            <p:ph type="body" idx="1"/>
-          </p:nvPr>
-        </p:nvSpPr>
-        <p:spPr/>
-        <p:txBody>
-          <a:bodyPr/>
-          <a:lstStyle/>
-          <a:p>
-            <a:pPr marL="228600" indent="-228600">
-              <a:buAutoNum type="arabicPeriod"/>
-            </a:pPr>
-            <a:r>
-              <a:rPr lang="en-US" dirty="0"/>
-              <a:t>False!</a:t>
-            </a:r>
-          </a:p>
-          <a:p>
-            <a:pPr marL="228600" indent="-228600">
-              <a:buAutoNum type="arabicPeriod"/>
-            </a:pPr>
-            <a:r>
-              <a:rPr lang="en-US" dirty="0"/>
-              <a:t>Function, Formula, Function</a:t>
-            </a:r>
-          </a:p>
-          <a:p>
-            <a:pPr marL="228600" indent="-228600">
-              <a:buAutoNum type="arabicPeriod"/>
-            </a:pPr>
-            <a:r>
-              <a:rPr lang="en-US" dirty="0"/>
-              <a:t>Argument</a:t>
-            </a:r>
-          </a:p>
-        </p:txBody>
-      </p:sp>
-      <p:sp>
-        <p:nvSpPr>
-          <p:cNvPr id="4" name="Slide Number Placeholder 3"/>
-          <p:cNvSpPr>
-            <a:spLocks noGrp="1"/>
-          </p:cNvSpPr>
-          <p:nvPr>
-            <p:ph type="sldNum" sz="quarter" idx="5"/>
-          </p:nvPr>
-        </p:nvSpPr>
-        <p:spPr/>
-        <p:txBody>
-          <a:bodyPr/>
-          <a:lstStyle/>
-          <a:p>
-            <a:fld id="{1300335D-9F13-4B80-ADC5-B0EA3E10FF6B}" type="slidenum">
-              <a:rPr lang="en-US" smtClean="0"/>
-              <a:t>25</a:t>
-            </a:fld>
-            <a:endParaRPr lang="en-US"/>
-          </a:p>
-        </p:txBody>
-      </p:sp>
-    </p:spTree>
-    <p:extLst>
-      <p:ext uri="{BB962C8B-B14F-4D97-AF65-F5344CB8AC3E}">
-        <p14:creationId xmlns:p14="http://schemas.microsoft.com/office/powerpoint/2010/main" val="2338108748"/>
       </p:ext>
     </p:extLst>
   </p:cSld>
@@ -1095,6 +1120,114 @@
     </p:spTree>
     <p:extLst>
       <p:ext uri="{BB962C8B-B14F-4D97-AF65-F5344CB8AC3E}">
+        <p14:creationId xmlns:p14="http://schemas.microsoft.com/office/powerpoint/2010/main" val="2338108748"/>
+      </p:ext>
+    </p:extLst>
+  </p:cSld>
+  <p:clrMapOvr>
+    <a:masterClrMapping/>
+  </p:clrMapOvr>
+</p:notes>
+</file>
+
+<file path=ppt/notesSlides/notesSlide14.xml><?xml version="1.0" encoding="utf-8"?>
+<p:notes xmlns:a="http://schemas.openxmlformats.org/drawingml/2006/main" xmlns:r="http://schemas.openxmlformats.org/officeDocument/2006/relationships" xmlns:p="http://schemas.openxmlformats.org/presentationml/2006/main">
+  <p:cSld>
+    <p:spTree>
+      <p:nvGrpSpPr>
+        <p:cNvPr id="1" name=""/>
+        <p:cNvGrpSpPr/>
+        <p:nvPr/>
+      </p:nvGrpSpPr>
+      <p:grpSpPr>
+        <a:xfrm>
+          <a:off x="0" y="0"/>
+          <a:ext cx="0" cy="0"/>
+          <a:chOff x="0" y="0"/>
+          <a:chExt cx="0" cy="0"/>
+        </a:xfrm>
+      </p:grpSpPr>
+      <p:sp>
+        <p:nvSpPr>
+          <p:cNvPr id="2" name="Slide Image Placeholder 1"/>
+          <p:cNvSpPr>
+            <a:spLocks noGrp="1" noRot="1" noChangeAspect="1"/>
+          </p:cNvSpPr>
+          <p:nvPr>
+            <p:ph type="sldImg"/>
+          </p:nvPr>
+        </p:nvSpPr>
+        <p:spPr/>
+      </p:sp>
+      <p:sp>
+        <p:nvSpPr>
+          <p:cNvPr id="3" name="Notes Placeholder 2"/>
+          <p:cNvSpPr>
+            <a:spLocks noGrp="1"/>
+          </p:cNvSpPr>
+          <p:nvPr>
+            <p:ph type="body" idx="1"/>
+          </p:nvPr>
+        </p:nvSpPr>
+        <p:spPr/>
+        <p:txBody>
+          <a:bodyPr/>
+          <a:lstStyle/>
+          <a:p>
+            <a:pPr marL="228600" indent="-228600">
+              <a:buAutoNum type="arabicPeriod"/>
+            </a:pPr>
+            <a:r>
+              <a:rPr lang="en-US" dirty="0"/>
+              <a:t>False!</a:t>
+            </a:r>
+          </a:p>
+          <a:p>
+            <a:pPr marL="228600" indent="-228600">
+              <a:buAutoNum type="arabicPeriod"/>
+            </a:pPr>
+            <a:r>
+              <a:rPr lang="en-US" dirty="0"/>
+              <a:t>Function, Formula, Function</a:t>
+            </a:r>
+          </a:p>
+          <a:p>
+            <a:pPr marL="228600" indent="-228600">
+              <a:buAutoNum type="arabicPeriod"/>
+            </a:pPr>
+            <a:r>
+              <a:rPr lang="en-US" dirty="0"/>
+              <a:t>Argument</a:t>
+            </a:r>
+          </a:p>
+        </p:txBody>
+      </p:sp>
+      <p:sp>
+        <p:nvSpPr>
+          <p:cNvPr id="4" name="Slide Number Placeholder 3"/>
+          <p:cNvSpPr>
+            <a:spLocks noGrp="1"/>
+          </p:cNvSpPr>
+          <p:nvPr>
+            <p:ph type="sldNum" sz="quarter" idx="5"/>
+          </p:nvPr>
+        </p:nvSpPr>
+        <p:spPr/>
+        <p:txBody>
+          <a:bodyPr/>
+          <a:lstStyle/>
+          <a:p>
+            <a:fld id="{1300335D-9F13-4B80-ADC5-B0EA3E10FF6B}" type="slidenum">
+              <a:rPr lang="en-US" smtClean="0"/>
+              <a:t>27</a:t>
+            </a:fld>
+            <a:endParaRPr lang="en-US"/>
+          </a:p>
+        </p:txBody>
+      </p:sp>
+    </p:spTree>
+    <p:extLst>
+      <p:ext uri="{BB962C8B-B14F-4D97-AF65-F5344CB8AC3E}">
         <p14:creationId xmlns:p14="http://schemas.microsoft.com/office/powerpoint/2010/main" val="3885482516"/>
       </p:ext>
     </p:extLst>
@@ -1105,7 +1238,7 @@
 </p:notes>
 </file>
 
-<file path=ppt/notesSlides/notesSlide14.xml><?xml version="1.0" encoding="utf-8"?>
+<file path=ppt/notesSlides/notesSlide15.xml><?xml version="1.0" encoding="utf-8"?>
 <p:notes xmlns:a="http://schemas.openxmlformats.org/drawingml/2006/main" xmlns:r="http://schemas.openxmlformats.org/officeDocument/2006/relationships" xmlns:p="http://schemas.openxmlformats.org/presentationml/2006/main">
   <p:cSld>
     <p:spTree>
@@ -1218,7 +1351,7 @@
           <a:p>
             <a:fld id="{1300335D-9F13-4B80-ADC5-B0EA3E10FF6B}" type="slidenum">
               <a:rPr lang="en-US" smtClean="0"/>
-              <a:t>29</a:t>
+              <a:t>30</a:t>
             </a:fld>
             <a:endParaRPr lang="en-US"/>
           </a:p>
@@ -1237,7 +1370,7 @@
 </p:notes>
 </file>
 
-<file path=ppt/notesSlides/notesSlide15.xml><?xml version="1.0" encoding="utf-8"?>
+<file path=ppt/notesSlides/notesSlide16.xml><?xml version="1.0" encoding="utf-8"?>
 <p:notes xmlns:a="http://schemas.openxmlformats.org/drawingml/2006/main" xmlns:r="http://schemas.openxmlformats.org/officeDocument/2006/relationships" xmlns:p="http://schemas.openxmlformats.org/presentationml/2006/main">
   <p:cSld>
     <p:spTree>
@@ -1350,7 +1483,7 @@
           <a:p>
             <a:fld id="{1300335D-9F13-4B80-ADC5-B0EA3E10FF6B}" type="slidenum">
               <a:rPr lang="en-US" smtClean="0"/>
-              <a:t>30</a:t>
+              <a:t>31</a:t>
             </a:fld>
             <a:endParaRPr lang="en-US"/>
           </a:p>
@@ -1369,7 +1502,7 @@
 </p:notes>
 </file>
 
-<file path=ppt/notesSlides/notesSlide16.xml><?xml version="1.0" encoding="utf-8"?>
+<file path=ppt/notesSlides/notesSlide17.xml><?xml version="1.0" encoding="utf-8"?>
 <p:notes xmlns:a="http://schemas.openxmlformats.org/drawingml/2006/main" xmlns:r="http://schemas.openxmlformats.org/officeDocument/2006/relationships" xmlns:p="http://schemas.openxmlformats.org/presentationml/2006/main">
   <p:cSld>
     <p:spTree>
@@ -1482,7 +1615,7 @@
           <a:p>
             <a:fld id="{1300335D-9F13-4B80-ADC5-B0EA3E10FF6B}" type="slidenum">
               <a:rPr lang="en-US" smtClean="0"/>
-              <a:t>31</a:t>
+              <a:t>32</a:t>
             </a:fld>
             <a:endParaRPr lang="en-US"/>
           </a:p>
@@ -1501,7 +1634,7 @@
 </p:notes>
 </file>
 
-<file path=ppt/notesSlides/notesSlide17.xml><?xml version="1.0" encoding="utf-8"?>
+<file path=ppt/notesSlides/notesSlide18.xml><?xml version="1.0" encoding="utf-8"?>
 <p:notes xmlns:a="http://schemas.openxmlformats.org/drawingml/2006/main" xmlns:r="http://schemas.openxmlformats.org/officeDocument/2006/relationships" xmlns:p="http://schemas.openxmlformats.org/presentationml/2006/main">
   <p:cSld>
     <p:spTree>
@@ -1614,7 +1747,7 @@
           <a:p>
             <a:fld id="{1300335D-9F13-4B80-ADC5-B0EA3E10FF6B}" type="slidenum">
               <a:rPr lang="en-US" smtClean="0"/>
-              <a:t>34</a:t>
+              <a:t>35</a:t>
             </a:fld>
             <a:endParaRPr lang="en-US"/>
           </a:p>
@@ -1633,7 +1766,7 @@
 </p:notes>
 </file>
 
-<file path=ppt/notesSlides/notesSlide18.xml><?xml version="1.0" encoding="utf-8"?>
+<file path=ppt/notesSlides/notesSlide19.xml><?xml version="1.0" encoding="utf-8"?>
 <p:notes xmlns:a="http://schemas.openxmlformats.org/drawingml/2006/main" xmlns:r="http://schemas.openxmlformats.org/officeDocument/2006/relationships" xmlns:p="http://schemas.openxmlformats.org/presentationml/2006/main">
   <p:cSld>
     <p:spTree>
@@ -1746,7 +1879,7 @@
           <a:p>
             <a:fld id="{1300335D-9F13-4B80-ADC5-B0EA3E10FF6B}" type="slidenum">
               <a:rPr lang="en-US" smtClean="0"/>
-              <a:t>36</a:t>
+              <a:t>37</a:t>
             </a:fld>
             <a:endParaRPr lang="en-US"/>
           </a:p>
@@ -1756,138 +1889,6 @@
     <p:extLst>
       <p:ext uri="{BB962C8B-B14F-4D97-AF65-F5344CB8AC3E}">
         <p14:creationId xmlns:p14="http://schemas.microsoft.com/office/powerpoint/2010/main" val="2632015681"/>
-      </p:ext>
-    </p:extLst>
-  </p:cSld>
-  <p:clrMapOvr>
-    <a:masterClrMapping/>
-  </p:clrMapOvr>
-</p:notes>
-</file>
-
-<file path=ppt/notesSlides/notesSlide19.xml><?xml version="1.0" encoding="utf-8"?>
-<p:notes xmlns:a="http://schemas.openxmlformats.org/drawingml/2006/main" xmlns:r="http://schemas.openxmlformats.org/officeDocument/2006/relationships" xmlns:p="http://schemas.openxmlformats.org/presentationml/2006/main">
-  <p:cSld>
-    <p:spTree>
-      <p:nvGrpSpPr>
-        <p:cNvPr id="1" name="">
-          <a:extLst>
-            <a:ext uri="{FF2B5EF4-FFF2-40B4-BE49-F238E27FC236}">
-              <a16:creationId xmlns:a16="http://schemas.microsoft.com/office/drawing/2014/main" id="{C5EB07CB-F821-6FB4-504B-18E965356C12}"/>
-            </a:ext>
-          </a:extLst>
-        </p:cNvPr>
-        <p:cNvGrpSpPr/>
-        <p:nvPr/>
-      </p:nvGrpSpPr>
-      <p:grpSpPr>
-        <a:xfrm>
-          <a:off x="0" y="0"/>
-          <a:ext cx="0" cy="0"/>
-          <a:chOff x="0" y="0"/>
-          <a:chExt cx="0" cy="0"/>
-        </a:xfrm>
-      </p:grpSpPr>
-      <p:sp>
-        <p:nvSpPr>
-          <p:cNvPr id="2" name="Slide Image Placeholder 1">
-            <a:extLst>
-              <a:ext uri="{FF2B5EF4-FFF2-40B4-BE49-F238E27FC236}">
-                <a16:creationId xmlns:a16="http://schemas.microsoft.com/office/drawing/2014/main" id="{897D5398-4244-A9DA-3ECC-2EF32CEB134C}"/>
-              </a:ext>
-            </a:extLst>
-          </p:cNvPr>
-          <p:cNvSpPr>
-            <a:spLocks noGrp="1" noRot="1" noChangeAspect="1"/>
-          </p:cNvSpPr>
-          <p:nvPr>
-            <p:ph type="sldImg"/>
-          </p:nvPr>
-        </p:nvSpPr>
-        <p:spPr/>
-      </p:sp>
-      <p:sp>
-        <p:nvSpPr>
-          <p:cNvPr id="3" name="Notes Placeholder 2">
-            <a:extLst>
-              <a:ext uri="{FF2B5EF4-FFF2-40B4-BE49-F238E27FC236}">
-                <a16:creationId xmlns:a16="http://schemas.microsoft.com/office/drawing/2014/main" id="{1E9B10CA-058E-BD6C-9BAE-E38604E28A20}"/>
-              </a:ext>
-            </a:extLst>
-          </p:cNvPr>
-          <p:cNvSpPr>
-            <a:spLocks noGrp="1"/>
-          </p:cNvSpPr>
-          <p:nvPr>
-            <p:ph type="body" idx="1"/>
-          </p:nvPr>
-        </p:nvSpPr>
-        <p:spPr/>
-        <p:txBody>
-          <a:bodyPr/>
-          <a:lstStyle/>
-          <a:p>
-            <a:pPr marL="228600" indent="-228600">
-              <a:buAutoNum type="arabicPeriod"/>
-            </a:pPr>
-            <a:r>
-              <a:rPr lang="en-US" dirty="0"/>
-              <a:t>False!</a:t>
-            </a:r>
-          </a:p>
-          <a:p>
-            <a:pPr marL="228600" indent="-228600">
-              <a:buAutoNum type="arabicPeriod"/>
-            </a:pPr>
-            <a:r>
-              <a:rPr lang="en-US" dirty="0"/>
-              <a:t>Function, Formula, Function</a:t>
-            </a:r>
-          </a:p>
-          <a:p>
-            <a:pPr marL="228600" indent="-228600">
-              <a:buAutoNum type="arabicPeriod"/>
-            </a:pPr>
-            <a:r>
-              <a:rPr lang="en-US" dirty="0"/>
-              <a:t>Argument</a:t>
-            </a:r>
-          </a:p>
-        </p:txBody>
-      </p:sp>
-      <p:sp>
-        <p:nvSpPr>
-          <p:cNvPr id="4" name="Slide Number Placeholder 3">
-            <a:extLst>
-              <a:ext uri="{FF2B5EF4-FFF2-40B4-BE49-F238E27FC236}">
-                <a16:creationId xmlns:a16="http://schemas.microsoft.com/office/drawing/2014/main" id="{802F1B72-8B6B-0B77-346D-7D3F89D3CCDC}"/>
-              </a:ext>
-            </a:extLst>
-          </p:cNvPr>
-          <p:cNvSpPr>
-            <a:spLocks noGrp="1"/>
-          </p:cNvSpPr>
-          <p:nvPr>
-            <p:ph type="sldNum" sz="quarter" idx="5"/>
-          </p:nvPr>
-        </p:nvSpPr>
-        <p:spPr/>
-        <p:txBody>
-          <a:bodyPr/>
-          <a:lstStyle/>
-          <a:p>
-            <a:fld id="{1300335D-9F13-4B80-ADC5-B0EA3E10FF6B}" type="slidenum">
-              <a:rPr lang="en-US" smtClean="0"/>
-              <a:t>37</a:t>
-            </a:fld>
-            <a:endParaRPr lang="en-US"/>
-          </a:p>
-        </p:txBody>
-      </p:sp>
-    </p:spTree>
-    <p:extLst>
-      <p:ext uri="{BB962C8B-B14F-4D97-AF65-F5344CB8AC3E}">
-        <p14:creationId xmlns:p14="http://schemas.microsoft.com/office/powerpoint/2010/main" val="1487323375"/>
       </p:ext>
     </p:extLst>
   </p:cSld>
@@ -2013,6 +2014,138 @@
         <p:cNvPr id="1" name="">
           <a:extLst>
             <a:ext uri="{FF2B5EF4-FFF2-40B4-BE49-F238E27FC236}">
+              <a16:creationId xmlns:a16="http://schemas.microsoft.com/office/drawing/2014/main" id="{C5EB07CB-F821-6FB4-504B-18E965356C12}"/>
+            </a:ext>
+          </a:extLst>
+        </p:cNvPr>
+        <p:cNvGrpSpPr/>
+        <p:nvPr/>
+      </p:nvGrpSpPr>
+      <p:grpSpPr>
+        <a:xfrm>
+          <a:off x="0" y="0"/>
+          <a:ext cx="0" cy="0"/>
+          <a:chOff x="0" y="0"/>
+          <a:chExt cx="0" cy="0"/>
+        </a:xfrm>
+      </p:grpSpPr>
+      <p:sp>
+        <p:nvSpPr>
+          <p:cNvPr id="2" name="Slide Image Placeholder 1">
+            <a:extLst>
+              <a:ext uri="{FF2B5EF4-FFF2-40B4-BE49-F238E27FC236}">
+                <a16:creationId xmlns:a16="http://schemas.microsoft.com/office/drawing/2014/main" id="{897D5398-4244-A9DA-3ECC-2EF32CEB134C}"/>
+              </a:ext>
+            </a:extLst>
+          </p:cNvPr>
+          <p:cNvSpPr>
+            <a:spLocks noGrp="1" noRot="1" noChangeAspect="1"/>
+          </p:cNvSpPr>
+          <p:nvPr>
+            <p:ph type="sldImg"/>
+          </p:nvPr>
+        </p:nvSpPr>
+        <p:spPr/>
+      </p:sp>
+      <p:sp>
+        <p:nvSpPr>
+          <p:cNvPr id="3" name="Notes Placeholder 2">
+            <a:extLst>
+              <a:ext uri="{FF2B5EF4-FFF2-40B4-BE49-F238E27FC236}">
+                <a16:creationId xmlns:a16="http://schemas.microsoft.com/office/drawing/2014/main" id="{1E9B10CA-058E-BD6C-9BAE-E38604E28A20}"/>
+              </a:ext>
+            </a:extLst>
+          </p:cNvPr>
+          <p:cNvSpPr>
+            <a:spLocks noGrp="1"/>
+          </p:cNvSpPr>
+          <p:nvPr>
+            <p:ph type="body" idx="1"/>
+          </p:nvPr>
+        </p:nvSpPr>
+        <p:spPr/>
+        <p:txBody>
+          <a:bodyPr/>
+          <a:lstStyle/>
+          <a:p>
+            <a:pPr marL="228600" indent="-228600">
+              <a:buAutoNum type="arabicPeriod"/>
+            </a:pPr>
+            <a:r>
+              <a:rPr lang="en-US" dirty="0"/>
+              <a:t>False!</a:t>
+            </a:r>
+          </a:p>
+          <a:p>
+            <a:pPr marL="228600" indent="-228600">
+              <a:buAutoNum type="arabicPeriod"/>
+            </a:pPr>
+            <a:r>
+              <a:rPr lang="en-US" dirty="0"/>
+              <a:t>Function, Formula, Function</a:t>
+            </a:r>
+          </a:p>
+          <a:p>
+            <a:pPr marL="228600" indent="-228600">
+              <a:buAutoNum type="arabicPeriod"/>
+            </a:pPr>
+            <a:r>
+              <a:rPr lang="en-US" dirty="0"/>
+              <a:t>Argument</a:t>
+            </a:r>
+          </a:p>
+        </p:txBody>
+      </p:sp>
+      <p:sp>
+        <p:nvSpPr>
+          <p:cNvPr id="4" name="Slide Number Placeholder 3">
+            <a:extLst>
+              <a:ext uri="{FF2B5EF4-FFF2-40B4-BE49-F238E27FC236}">
+                <a16:creationId xmlns:a16="http://schemas.microsoft.com/office/drawing/2014/main" id="{802F1B72-8B6B-0B77-346D-7D3F89D3CCDC}"/>
+              </a:ext>
+            </a:extLst>
+          </p:cNvPr>
+          <p:cNvSpPr>
+            <a:spLocks noGrp="1"/>
+          </p:cNvSpPr>
+          <p:nvPr>
+            <p:ph type="sldNum" sz="quarter" idx="5"/>
+          </p:nvPr>
+        </p:nvSpPr>
+        <p:spPr/>
+        <p:txBody>
+          <a:bodyPr/>
+          <a:lstStyle/>
+          <a:p>
+            <a:fld id="{1300335D-9F13-4B80-ADC5-B0EA3E10FF6B}" type="slidenum">
+              <a:rPr lang="en-US" smtClean="0"/>
+              <a:t>38</a:t>
+            </a:fld>
+            <a:endParaRPr lang="en-US"/>
+          </a:p>
+        </p:txBody>
+      </p:sp>
+    </p:spTree>
+    <p:extLst>
+      <p:ext uri="{BB962C8B-B14F-4D97-AF65-F5344CB8AC3E}">
+        <p14:creationId xmlns:p14="http://schemas.microsoft.com/office/powerpoint/2010/main" val="1487323375"/>
+      </p:ext>
+    </p:extLst>
+  </p:cSld>
+  <p:clrMapOvr>
+    <a:masterClrMapping/>
+  </p:clrMapOvr>
+</p:notes>
+</file>
+
+<file path=ppt/notesSlides/notesSlide21.xml><?xml version="1.0" encoding="utf-8"?>
+<p:notes xmlns:a="http://schemas.openxmlformats.org/drawingml/2006/main" xmlns:r="http://schemas.openxmlformats.org/officeDocument/2006/relationships" xmlns:p="http://schemas.openxmlformats.org/presentationml/2006/main">
+  <p:cSld>
+    <p:spTree>
+      <p:nvGrpSpPr>
+        <p:cNvPr id="1" name="">
+          <a:extLst>
+            <a:ext uri="{FF2B5EF4-FFF2-40B4-BE49-F238E27FC236}">
               <a16:creationId xmlns:a16="http://schemas.microsoft.com/office/drawing/2014/main" id="{6EB2B178-9BF2-6FE4-71B1-D08940B7CF5A}"/>
             </a:ext>
           </a:extLst>
@@ -2118,7 +2251,7 @@
           <a:p>
             <a:fld id="{1300335D-9F13-4B80-ADC5-B0EA3E10FF6B}" type="slidenum">
               <a:rPr lang="en-US" smtClean="0"/>
-              <a:t>38</a:t>
+              <a:t>39</a:t>
             </a:fld>
             <a:endParaRPr lang="en-US"/>
           </a:p>
@@ -2277,6 +2410,138 @@
         <p:cNvPr id="1" name="">
           <a:extLst>
             <a:ext uri="{FF2B5EF4-FFF2-40B4-BE49-F238E27FC236}">
+              <a16:creationId xmlns:a16="http://schemas.microsoft.com/office/drawing/2014/main" id="{EED828FB-0007-B2BD-37FE-D41DD6F534E3}"/>
+            </a:ext>
+          </a:extLst>
+        </p:cNvPr>
+        <p:cNvGrpSpPr/>
+        <p:nvPr/>
+      </p:nvGrpSpPr>
+      <p:grpSpPr>
+        <a:xfrm>
+          <a:off x="0" y="0"/>
+          <a:ext cx="0" cy="0"/>
+          <a:chOff x="0" y="0"/>
+          <a:chExt cx="0" cy="0"/>
+        </a:xfrm>
+      </p:grpSpPr>
+      <p:sp>
+        <p:nvSpPr>
+          <p:cNvPr id="2" name="Slide Image Placeholder 1">
+            <a:extLst>
+              <a:ext uri="{FF2B5EF4-FFF2-40B4-BE49-F238E27FC236}">
+                <a16:creationId xmlns:a16="http://schemas.microsoft.com/office/drawing/2014/main" id="{6BE51F53-D288-3255-DBEC-EF6D43FFB063}"/>
+              </a:ext>
+            </a:extLst>
+          </p:cNvPr>
+          <p:cNvSpPr>
+            <a:spLocks noGrp="1" noRot="1" noChangeAspect="1"/>
+          </p:cNvSpPr>
+          <p:nvPr>
+            <p:ph type="sldImg"/>
+          </p:nvPr>
+        </p:nvSpPr>
+        <p:spPr/>
+      </p:sp>
+      <p:sp>
+        <p:nvSpPr>
+          <p:cNvPr id="3" name="Notes Placeholder 2">
+            <a:extLst>
+              <a:ext uri="{FF2B5EF4-FFF2-40B4-BE49-F238E27FC236}">
+                <a16:creationId xmlns:a16="http://schemas.microsoft.com/office/drawing/2014/main" id="{10165605-75F7-187B-6D47-2669B2ED4524}"/>
+              </a:ext>
+            </a:extLst>
+          </p:cNvPr>
+          <p:cNvSpPr>
+            <a:spLocks noGrp="1"/>
+          </p:cNvSpPr>
+          <p:nvPr>
+            <p:ph type="body" idx="1"/>
+          </p:nvPr>
+        </p:nvSpPr>
+        <p:spPr/>
+        <p:txBody>
+          <a:bodyPr/>
+          <a:lstStyle/>
+          <a:p>
+            <a:pPr marL="228600" indent="-228600">
+              <a:buAutoNum type="arabicPeriod"/>
+            </a:pPr>
+            <a:r>
+              <a:rPr lang="en-US" dirty="0"/>
+              <a:t>False!</a:t>
+            </a:r>
+          </a:p>
+          <a:p>
+            <a:pPr marL="228600" indent="-228600">
+              <a:buAutoNum type="arabicPeriod"/>
+            </a:pPr>
+            <a:r>
+              <a:rPr lang="en-US" dirty="0"/>
+              <a:t>Function, Formula, Function</a:t>
+            </a:r>
+          </a:p>
+          <a:p>
+            <a:pPr marL="228600" indent="-228600">
+              <a:buAutoNum type="arabicPeriod"/>
+            </a:pPr>
+            <a:r>
+              <a:rPr lang="en-US" dirty="0"/>
+              <a:t>Argument</a:t>
+            </a:r>
+          </a:p>
+        </p:txBody>
+      </p:sp>
+      <p:sp>
+        <p:nvSpPr>
+          <p:cNvPr id="4" name="Slide Number Placeholder 3">
+            <a:extLst>
+              <a:ext uri="{FF2B5EF4-FFF2-40B4-BE49-F238E27FC236}">
+                <a16:creationId xmlns:a16="http://schemas.microsoft.com/office/drawing/2014/main" id="{E49E3FA1-DB8E-159A-2E23-F13A120EE348}"/>
+              </a:ext>
+            </a:extLst>
+          </p:cNvPr>
+          <p:cNvSpPr>
+            <a:spLocks noGrp="1"/>
+          </p:cNvSpPr>
+          <p:nvPr>
+            <p:ph type="sldNum" sz="quarter" idx="5"/>
+          </p:nvPr>
+        </p:nvSpPr>
+        <p:spPr/>
+        <p:txBody>
+          <a:bodyPr/>
+          <a:lstStyle/>
+          <a:p>
+            <a:fld id="{1300335D-9F13-4B80-ADC5-B0EA3E10FF6B}" type="slidenum">
+              <a:rPr lang="en-US" smtClean="0"/>
+              <a:t>7</a:t>
+            </a:fld>
+            <a:endParaRPr lang="en-US"/>
+          </a:p>
+        </p:txBody>
+      </p:sp>
+    </p:spTree>
+    <p:extLst>
+      <p:ext uri="{BB962C8B-B14F-4D97-AF65-F5344CB8AC3E}">
+        <p14:creationId xmlns:p14="http://schemas.microsoft.com/office/powerpoint/2010/main" val="3339207713"/>
+      </p:ext>
+    </p:extLst>
+  </p:cSld>
+  <p:clrMapOvr>
+    <a:masterClrMapping/>
+  </p:clrMapOvr>
+</p:notes>
+</file>
+
+<file path=ppt/notesSlides/notesSlide5.xml><?xml version="1.0" encoding="utf-8"?>
+<p:notes xmlns:a="http://schemas.openxmlformats.org/drawingml/2006/main" xmlns:r="http://schemas.openxmlformats.org/officeDocument/2006/relationships" xmlns:p="http://schemas.openxmlformats.org/presentationml/2006/main">
+  <p:cSld>
+    <p:spTree>
+      <p:nvGrpSpPr>
+        <p:cNvPr id="1" name="">
+          <a:extLst>
+            <a:ext uri="{FF2B5EF4-FFF2-40B4-BE49-F238E27FC236}">
               <a16:creationId xmlns:a16="http://schemas.microsoft.com/office/drawing/2014/main" id="{A7E46991-23AF-65AB-660F-D0E4C48D3AE5}"/>
             </a:ext>
           </a:extLst>
@@ -2382,7 +2647,7 @@
           <a:p>
             <a:fld id="{1300335D-9F13-4B80-ADC5-B0EA3E10FF6B}" type="slidenum">
               <a:rPr lang="en-US" smtClean="0"/>
-              <a:t>7</a:t>
+              <a:t>8</a:t>
             </a:fld>
             <a:endParaRPr lang="en-US"/>
           </a:p>
@@ -2392,114 +2657,6 @@
     <p:extLst>
       <p:ext uri="{BB962C8B-B14F-4D97-AF65-F5344CB8AC3E}">
         <p14:creationId xmlns:p14="http://schemas.microsoft.com/office/powerpoint/2010/main" val="2223413644"/>
-      </p:ext>
-    </p:extLst>
-  </p:cSld>
-  <p:clrMapOvr>
-    <a:masterClrMapping/>
-  </p:clrMapOvr>
-</p:notes>
-</file>
-
-<file path=ppt/notesSlides/notesSlide5.xml><?xml version="1.0" encoding="utf-8"?>
-<p:notes xmlns:a="http://schemas.openxmlformats.org/drawingml/2006/main" xmlns:r="http://schemas.openxmlformats.org/officeDocument/2006/relationships" xmlns:p="http://schemas.openxmlformats.org/presentationml/2006/main">
-  <p:cSld>
-    <p:spTree>
-      <p:nvGrpSpPr>
-        <p:cNvPr id="1" name=""/>
-        <p:cNvGrpSpPr/>
-        <p:nvPr/>
-      </p:nvGrpSpPr>
-      <p:grpSpPr>
-        <a:xfrm>
-          <a:off x="0" y="0"/>
-          <a:ext cx="0" cy="0"/>
-          <a:chOff x="0" y="0"/>
-          <a:chExt cx="0" cy="0"/>
-        </a:xfrm>
-      </p:grpSpPr>
-      <p:sp>
-        <p:nvSpPr>
-          <p:cNvPr id="2" name="Slide Image Placeholder 1"/>
-          <p:cNvSpPr>
-            <a:spLocks noGrp="1" noRot="1" noChangeAspect="1"/>
-          </p:cNvSpPr>
-          <p:nvPr>
-            <p:ph type="sldImg"/>
-          </p:nvPr>
-        </p:nvSpPr>
-        <p:spPr/>
-      </p:sp>
-      <p:sp>
-        <p:nvSpPr>
-          <p:cNvPr id="3" name="Notes Placeholder 2"/>
-          <p:cNvSpPr>
-            <a:spLocks noGrp="1"/>
-          </p:cNvSpPr>
-          <p:nvPr>
-            <p:ph type="body" idx="1"/>
-          </p:nvPr>
-        </p:nvSpPr>
-        <p:spPr/>
-        <p:txBody>
-          <a:bodyPr/>
-          <a:lstStyle/>
-          <a:p>
-            <a:pPr marL="228600" indent="-228600">
-              <a:buAutoNum type="arabicPeriod"/>
-            </a:pPr>
-            <a:r>
-              <a:rPr lang="en-US" dirty="0"/>
-              <a:t>False!</a:t>
-            </a:r>
-          </a:p>
-          <a:p>
-            <a:pPr marL="228600" indent="-228600">
-              <a:buAutoNum type="arabicPeriod"/>
-            </a:pPr>
-            <a:r>
-              <a:rPr lang="en-US" dirty="0"/>
-              <a:t>Function, Formula, Function</a:t>
-            </a:r>
-          </a:p>
-          <a:p>
-            <a:pPr marL="228600" indent="-228600">
-              <a:buAutoNum type="arabicPeriod"/>
-            </a:pPr>
-            <a:r>
-              <a:rPr lang="en-US" dirty="0"/>
-              <a:t>Argument</a:t>
-            </a:r>
-          </a:p>
-        </p:txBody>
-      </p:sp>
-      <p:sp>
-        <p:nvSpPr>
-          <p:cNvPr id="4" name="Slide Number Placeholder 3"/>
-          <p:cNvSpPr>
-            <a:spLocks noGrp="1"/>
-          </p:cNvSpPr>
-          <p:nvPr>
-            <p:ph type="sldNum" sz="quarter" idx="5"/>
-          </p:nvPr>
-        </p:nvSpPr>
-        <p:spPr/>
-        <p:txBody>
-          <a:bodyPr/>
-          <a:lstStyle/>
-          <a:p>
-            <a:fld id="{1300335D-9F13-4B80-ADC5-B0EA3E10FF6B}" type="slidenum">
-              <a:rPr lang="en-US" smtClean="0"/>
-              <a:t>10</a:t>
-            </a:fld>
-            <a:endParaRPr lang="en-US"/>
-          </a:p>
-        </p:txBody>
-      </p:sp>
-    </p:spTree>
-    <p:extLst>
-      <p:ext uri="{BB962C8B-B14F-4D97-AF65-F5344CB8AC3E}">
-        <p14:creationId xmlns:p14="http://schemas.microsoft.com/office/powerpoint/2010/main" val="1500510141"/>
       </p:ext>
     </p:extLst>
   </p:cSld>
@@ -2607,6 +2764,114 @@
     </p:spTree>
     <p:extLst>
       <p:ext uri="{BB962C8B-B14F-4D97-AF65-F5344CB8AC3E}">
+        <p14:creationId xmlns:p14="http://schemas.microsoft.com/office/powerpoint/2010/main" val="1500510141"/>
+      </p:ext>
+    </p:extLst>
+  </p:cSld>
+  <p:clrMapOvr>
+    <a:masterClrMapping/>
+  </p:clrMapOvr>
+</p:notes>
+</file>
+
+<file path=ppt/notesSlides/notesSlide7.xml><?xml version="1.0" encoding="utf-8"?>
+<p:notes xmlns:a="http://schemas.openxmlformats.org/drawingml/2006/main" xmlns:r="http://schemas.openxmlformats.org/officeDocument/2006/relationships" xmlns:p="http://schemas.openxmlformats.org/presentationml/2006/main">
+  <p:cSld>
+    <p:spTree>
+      <p:nvGrpSpPr>
+        <p:cNvPr id="1" name=""/>
+        <p:cNvGrpSpPr/>
+        <p:nvPr/>
+      </p:nvGrpSpPr>
+      <p:grpSpPr>
+        <a:xfrm>
+          <a:off x="0" y="0"/>
+          <a:ext cx="0" cy="0"/>
+          <a:chOff x="0" y="0"/>
+          <a:chExt cx="0" cy="0"/>
+        </a:xfrm>
+      </p:grpSpPr>
+      <p:sp>
+        <p:nvSpPr>
+          <p:cNvPr id="2" name="Slide Image Placeholder 1"/>
+          <p:cNvSpPr>
+            <a:spLocks noGrp="1" noRot="1" noChangeAspect="1"/>
+          </p:cNvSpPr>
+          <p:nvPr>
+            <p:ph type="sldImg"/>
+          </p:nvPr>
+        </p:nvSpPr>
+        <p:spPr/>
+      </p:sp>
+      <p:sp>
+        <p:nvSpPr>
+          <p:cNvPr id="3" name="Notes Placeholder 2"/>
+          <p:cNvSpPr>
+            <a:spLocks noGrp="1"/>
+          </p:cNvSpPr>
+          <p:nvPr>
+            <p:ph type="body" idx="1"/>
+          </p:nvPr>
+        </p:nvSpPr>
+        <p:spPr/>
+        <p:txBody>
+          <a:bodyPr/>
+          <a:lstStyle/>
+          <a:p>
+            <a:pPr marL="228600" indent="-228600">
+              <a:buAutoNum type="arabicPeriod"/>
+            </a:pPr>
+            <a:r>
+              <a:rPr lang="en-US" dirty="0"/>
+              <a:t>False!</a:t>
+            </a:r>
+          </a:p>
+          <a:p>
+            <a:pPr marL="228600" indent="-228600">
+              <a:buAutoNum type="arabicPeriod"/>
+            </a:pPr>
+            <a:r>
+              <a:rPr lang="en-US" dirty="0"/>
+              <a:t>Function, Formula, Function</a:t>
+            </a:r>
+          </a:p>
+          <a:p>
+            <a:pPr marL="228600" indent="-228600">
+              <a:buAutoNum type="arabicPeriod"/>
+            </a:pPr>
+            <a:r>
+              <a:rPr lang="en-US" dirty="0"/>
+              <a:t>Argument</a:t>
+            </a:r>
+          </a:p>
+        </p:txBody>
+      </p:sp>
+      <p:sp>
+        <p:nvSpPr>
+          <p:cNvPr id="4" name="Slide Number Placeholder 3"/>
+          <p:cNvSpPr>
+            <a:spLocks noGrp="1"/>
+          </p:cNvSpPr>
+          <p:nvPr>
+            <p:ph type="sldNum" sz="quarter" idx="5"/>
+          </p:nvPr>
+        </p:nvSpPr>
+        <p:spPr/>
+        <p:txBody>
+          <a:bodyPr/>
+          <a:lstStyle/>
+          <a:p>
+            <a:fld id="{1300335D-9F13-4B80-ADC5-B0EA3E10FF6B}" type="slidenum">
+              <a:rPr lang="en-US" smtClean="0"/>
+              <a:t>12</a:t>
+            </a:fld>
+            <a:endParaRPr lang="en-US"/>
+          </a:p>
+        </p:txBody>
+      </p:sp>
+    </p:spTree>
+    <p:extLst>
+      <p:ext uri="{BB962C8B-B14F-4D97-AF65-F5344CB8AC3E}">
         <p14:creationId xmlns:p14="http://schemas.microsoft.com/office/powerpoint/2010/main" val="377014208"/>
       </p:ext>
     </p:extLst>
@@ -2617,7 +2882,7 @@
 </p:notes>
 </file>
 
-<file path=ppt/notesSlides/notesSlide7.xml><?xml version="1.0" encoding="utf-8"?>
+<file path=ppt/notesSlides/notesSlide8.xml><?xml version="1.0" encoding="utf-8"?>
 <p:notes xmlns:a="http://schemas.openxmlformats.org/drawingml/2006/main" xmlns:r="http://schemas.openxmlformats.org/officeDocument/2006/relationships" xmlns:p="http://schemas.openxmlformats.org/presentationml/2006/main">
   <p:cSld>
     <p:spTree>
@@ -2730,7 +2995,7 @@
           <a:p>
             <a:fld id="{1300335D-9F13-4B80-ADC5-B0EA3E10FF6B}" type="slidenum">
               <a:rPr lang="en-US" smtClean="0"/>
-              <a:t>14</a:t>
+              <a:t>15</a:t>
             </a:fld>
             <a:endParaRPr lang="en-US"/>
           </a:p>
@@ -2749,7 +3014,7 @@
 </p:notes>
 </file>
 
-<file path=ppt/notesSlides/notesSlide8.xml><?xml version="1.0" encoding="utf-8"?>
+<file path=ppt/notesSlides/notesSlide9.xml><?xml version="1.0" encoding="utf-8"?>
 <p:notes xmlns:a="http://schemas.openxmlformats.org/drawingml/2006/main" xmlns:r="http://schemas.openxmlformats.org/officeDocument/2006/relationships" xmlns:p="http://schemas.openxmlformats.org/presentationml/2006/main">
   <p:cSld>
     <p:spTree>
@@ -2862,7 +3127,7 @@
           <a:p>
             <a:fld id="{1300335D-9F13-4B80-ADC5-B0EA3E10FF6B}" type="slidenum">
               <a:rPr lang="en-US" smtClean="0"/>
-              <a:t>15</a:t>
+              <a:t>16</a:t>
             </a:fld>
             <a:endParaRPr lang="en-US"/>
           </a:p>
@@ -2872,138 +3137,6 @@
     <p:extLst>
       <p:ext uri="{BB962C8B-B14F-4D97-AF65-F5344CB8AC3E}">
         <p14:creationId xmlns:p14="http://schemas.microsoft.com/office/powerpoint/2010/main" val="3412467687"/>
-      </p:ext>
-    </p:extLst>
-  </p:cSld>
-  <p:clrMapOvr>
-    <a:masterClrMapping/>
-  </p:clrMapOvr>
-</p:notes>
-</file>
-
-<file path=ppt/notesSlides/notesSlide9.xml><?xml version="1.0" encoding="utf-8"?>
-<p:notes xmlns:a="http://schemas.openxmlformats.org/drawingml/2006/main" xmlns:r="http://schemas.openxmlformats.org/officeDocument/2006/relationships" xmlns:p="http://schemas.openxmlformats.org/presentationml/2006/main">
-  <p:cSld>
-    <p:spTree>
-      <p:nvGrpSpPr>
-        <p:cNvPr id="1" name="">
-          <a:extLst>
-            <a:ext uri="{FF2B5EF4-FFF2-40B4-BE49-F238E27FC236}">
-              <a16:creationId xmlns:a16="http://schemas.microsoft.com/office/drawing/2014/main" id="{AB2EC1EF-8F22-1211-9D56-0C4D7D41A14C}"/>
-            </a:ext>
-          </a:extLst>
-        </p:cNvPr>
-        <p:cNvGrpSpPr/>
-        <p:nvPr/>
-      </p:nvGrpSpPr>
-      <p:grpSpPr>
-        <a:xfrm>
-          <a:off x="0" y="0"/>
-          <a:ext cx="0" cy="0"/>
-          <a:chOff x="0" y="0"/>
-          <a:chExt cx="0" cy="0"/>
-        </a:xfrm>
-      </p:grpSpPr>
-      <p:sp>
-        <p:nvSpPr>
-          <p:cNvPr id="2" name="Slide Image Placeholder 1">
-            <a:extLst>
-              <a:ext uri="{FF2B5EF4-FFF2-40B4-BE49-F238E27FC236}">
-                <a16:creationId xmlns:a16="http://schemas.microsoft.com/office/drawing/2014/main" id="{77938CA2-E667-53DF-69F8-DE4270F44889}"/>
-              </a:ext>
-            </a:extLst>
-          </p:cNvPr>
-          <p:cNvSpPr>
-            <a:spLocks noGrp="1" noRot="1" noChangeAspect="1"/>
-          </p:cNvSpPr>
-          <p:nvPr>
-            <p:ph type="sldImg"/>
-          </p:nvPr>
-        </p:nvSpPr>
-        <p:spPr/>
-      </p:sp>
-      <p:sp>
-        <p:nvSpPr>
-          <p:cNvPr id="3" name="Notes Placeholder 2">
-            <a:extLst>
-              <a:ext uri="{FF2B5EF4-FFF2-40B4-BE49-F238E27FC236}">
-                <a16:creationId xmlns:a16="http://schemas.microsoft.com/office/drawing/2014/main" id="{B951AA8A-7C0C-F29C-67C5-43E529FBF86C}"/>
-              </a:ext>
-            </a:extLst>
-          </p:cNvPr>
-          <p:cNvSpPr>
-            <a:spLocks noGrp="1"/>
-          </p:cNvSpPr>
-          <p:nvPr>
-            <p:ph type="body" idx="1"/>
-          </p:nvPr>
-        </p:nvSpPr>
-        <p:spPr/>
-        <p:txBody>
-          <a:bodyPr/>
-          <a:lstStyle/>
-          <a:p>
-            <a:pPr marL="228600" indent="-228600">
-              <a:buAutoNum type="arabicPeriod"/>
-            </a:pPr>
-            <a:r>
-              <a:rPr lang="en-US" dirty="0"/>
-              <a:t>False!</a:t>
-            </a:r>
-          </a:p>
-          <a:p>
-            <a:pPr marL="228600" indent="-228600">
-              <a:buAutoNum type="arabicPeriod"/>
-            </a:pPr>
-            <a:r>
-              <a:rPr lang="en-US" dirty="0"/>
-              <a:t>Function, Formula, Function</a:t>
-            </a:r>
-          </a:p>
-          <a:p>
-            <a:pPr marL="228600" indent="-228600">
-              <a:buAutoNum type="arabicPeriod"/>
-            </a:pPr>
-            <a:r>
-              <a:rPr lang="en-US" dirty="0"/>
-              <a:t>Argument</a:t>
-            </a:r>
-          </a:p>
-        </p:txBody>
-      </p:sp>
-      <p:sp>
-        <p:nvSpPr>
-          <p:cNvPr id="4" name="Slide Number Placeholder 3">
-            <a:extLst>
-              <a:ext uri="{FF2B5EF4-FFF2-40B4-BE49-F238E27FC236}">
-                <a16:creationId xmlns:a16="http://schemas.microsoft.com/office/drawing/2014/main" id="{0BEF7AC2-363F-1439-E96A-EE7C739281CE}"/>
-              </a:ext>
-            </a:extLst>
-          </p:cNvPr>
-          <p:cNvSpPr>
-            <a:spLocks noGrp="1"/>
-          </p:cNvSpPr>
-          <p:nvPr>
-            <p:ph type="sldNum" sz="quarter" idx="5"/>
-          </p:nvPr>
-        </p:nvSpPr>
-        <p:spPr/>
-        <p:txBody>
-          <a:bodyPr/>
-          <a:lstStyle/>
-          <a:p>
-            <a:fld id="{1300335D-9F13-4B80-ADC5-B0EA3E10FF6B}" type="slidenum">
-              <a:rPr lang="en-US" smtClean="0"/>
-              <a:t>20</a:t>
-            </a:fld>
-            <a:endParaRPr lang="en-US"/>
-          </a:p>
-        </p:txBody>
-      </p:sp>
-    </p:spTree>
-    <p:extLst>
-      <p:ext uri="{BB962C8B-B14F-4D97-AF65-F5344CB8AC3E}">
-        <p14:creationId xmlns:p14="http://schemas.microsoft.com/office/powerpoint/2010/main" val="2684696127"/>
       </p:ext>
     </p:extLst>
   </p:cSld>
@@ -3193,7 +3326,7 @@
             <a:fld id="{1D8BD707-D9CF-40AE-B4C6-C98DA3205C09}" type="datetimeFigureOut">
               <a:rPr lang="en-US" smtClean="0"/>
               <a:pPr/>
-              <a:t>4/30/2025</a:t>
+              <a:t>5/8/2025</a:t>
             </a:fld>
             <a:endParaRPr lang="en-US"/>
           </a:p>
@@ -3358,7 +3491,7 @@
             <a:fld id="{1D8BD707-D9CF-40AE-B4C6-C98DA3205C09}" type="datetimeFigureOut">
               <a:rPr lang="en-US" smtClean="0"/>
               <a:pPr/>
-              <a:t>4/30/2025</a:t>
+              <a:t>5/8/2025</a:t>
             </a:fld>
             <a:endParaRPr lang="en-US"/>
           </a:p>
@@ -3533,7 +3666,7 @@
             <a:fld id="{1D8BD707-D9CF-40AE-B4C6-C98DA3205C09}" type="datetimeFigureOut">
               <a:rPr lang="en-US" smtClean="0"/>
               <a:pPr/>
-              <a:t>4/30/2025</a:t>
+              <a:t>5/8/2025</a:t>
             </a:fld>
             <a:endParaRPr lang="en-US"/>
           </a:p>
@@ -3698,7 +3831,7 @@
             <a:fld id="{1D8BD707-D9CF-40AE-B4C6-C98DA3205C09}" type="datetimeFigureOut">
               <a:rPr lang="en-US" smtClean="0"/>
               <a:pPr/>
-              <a:t>4/30/2025</a:t>
+              <a:t>5/8/2025</a:t>
             </a:fld>
             <a:endParaRPr lang="en-US"/>
           </a:p>
@@ -3940,7 +4073,7 @@
             <a:fld id="{1D8BD707-D9CF-40AE-B4C6-C98DA3205C09}" type="datetimeFigureOut">
               <a:rPr lang="en-US" smtClean="0"/>
               <a:pPr/>
-              <a:t>4/30/2025</a:t>
+              <a:t>5/8/2025</a:t>
             </a:fld>
             <a:endParaRPr lang="en-US"/>
           </a:p>
@@ -4222,7 +4355,7 @@
             <a:fld id="{1D8BD707-D9CF-40AE-B4C6-C98DA3205C09}" type="datetimeFigureOut">
               <a:rPr lang="en-US" smtClean="0"/>
               <a:pPr/>
-              <a:t>4/30/2025</a:t>
+              <a:t>5/8/2025</a:t>
             </a:fld>
             <a:endParaRPr lang="en-US"/>
           </a:p>
@@ -4638,7 +4771,7 @@
             <a:fld id="{1D8BD707-D9CF-40AE-B4C6-C98DA3205C09}" type="datetimeFigureOut">
               <a:rPr lang="en-US" smtClean="0"/>
               <a:pPr/>
-              <a:t>4/30/2025</a:t>
+              <a:t>5/8/2025</a:t>
             </a:fld>
             <a:endParaRPr lang="en-US"/>
           </a:p>
@@ -4752,7 +4885,7 @@
             <a:fld id="{1D8BD707-D9CF-40AE-B4C6-C98DA3205C09}" type="datetimeFigureOut">
               <a:rPr lang="en-US" smtClean="0"/>
               <a:pPr/>
-              <a:t>4/30/2025</a:t>
+              <a:t>5/8/2025</a:t>
             </a:fld>
             <a:endParaRPr lang="en-US"/>
           </a:p>
@@ -4844,7 +4977,7 @@
             <a:fld id="{1D8BD707-D9CF-40AE-B4C6-C98DA3205C09}" type="datetimeFigureOut">
               <a:rPr lang="en-US" smtClean="0"/>
               <a:pPr/>
-              <a:t>4/30/2025</a:t>
+              <a:t>5/8/2025</a:t>
             </a:fld>
             <a:endParaRPr lang="en-US"/>
           </a:p>
@@ -5116,7 +5249,7 @@
             <a:fld id="{1D8BD707-D9CF-40AE-B4C6-C98DA3205C09}" type="datetimeFigureOut">
               <a:rPr lang="en-US" smtClean="0"/>
               <a:pPr/>
-              <a:t>4/30/2025</a:t>
+              <a:t>5/8/2025</a:t>
             </a:fld>
             <a:endParaRPr lang="en-US"/>
           </a:p>
@@ -5365,7 +5498,7 @@
             <a:fld id="{1D8BD707-D9CF-40AE-B4C6-C98DA3205C09}" type="datetimeFigureOut">
               <a:rPr lang="en-US" smtClean="0"/>
               <a:pPr/>
-              <a:t>4/30/2025</a:t>
+              <a:t>5/8/2025</a:t>
             </a:fld>
             <a:endParaRPr lang="en-US"/>
           </a:p>
@@ -5578,7 +5711,7 @@
             <a:fld id="{1D8BD707-D9CF-40AE-B4C6-C98DA3205C09}" type="datetimeFigureOut">
               <a:rPr lang="en-US" smtClean="0"/>
               <a:pPr/>
-              <a:t>4/30/2025</a:t>
+              <a:t>5/8/2025</a:t>
             </a:fld>
             <a:endParaRPr lang="en-US"/>
           </a:p>
@@ -6156,8 +6289,8 @@
         </p:nvSpPr>
         <p:spPr>
           <a:xfrm>
-            <a:off x="9861630" y="0"/>
-            <a:ext cx="8426370" cy="10287000"/>
+            <a:off x="0" y="0"/>
+            <a:ext cx="18288000" cy="10287000"/>
           </a:xfrm>
           <a:prstGeom prst="rect">
             <a:avLst/>
@@ -6194,45 +6327,16 @@
           </a:p>
         </p:txBody>
       </p:sp>
-      <p:pic>
-        <p:nvPicPr>
-          <p:cNvPr id="2" name="Picture 1"/>
-          <p:cNvPicPr>
-            <a:picLocks noChangeAspect="1"/>
-          </p:cNvPicPr>
+      <p:sp>
+        <p:nvSpPr>
+          <p:cNvPr id="5" name="TextBox 4"/>
+          <p:cNvSpPr txBox="1"/>
           <p:nvPr/>
-        </p:nvPicPr>
-        <p:blipFill rotWithShape="1">
-          <a:blip r:embed="rId3">
-            <a:extLst>
-              <a:ext uri="{28A0092B-C50C-407E-A947-70E740481C1C}">
-                <a14:useLocalDpi xmlns:a14="http://schemas.microsoft.com/office/drawing/2010/main" val="0"/>
-              </a:ext>
-            </a:extLst>
-          </a:blip>
-          <a:srcRect l="69227" t="33418" r="20112" b="50548"/>
-          <a:stretch/>
-        </p:blipFill>
+        </p:nvSpPr>
         <p:spPr>
           <a:xfrm>
-            <a:off x="15579524" y="7544693"/>
-            <a:ext cx="2708477" cy="2987579"/>
-          </a:xfrm>
-          <a:prstGeom prst="rect">
-            <a:avLst/>
-          </a:prstGeom>
-        </p:spPr>
-      </p:pic>
-      <p:sp>
-        <p:nvSpPr>
-          <p:cNvPr id="3" name="TextBox 2"/>
-          <p:cNvSpPr txBox="1"/>
-          <p:nvPr/>
-        </p:nvSpPr>
-        <p:spPr>
-          <a:xfrm>
-            <a:off x="260431" y="329879"/>
-            <a:ext cx="8906720" cy="9310754"/>
+            <a:off x="781292" y="590309"/>
+            <a:ext cx="15486926" cy="3139321"/>
           </a:xfrm>
           <a:prstGeom prst="rect">
             <a:avLst/>
@@ -6246,178 +6350,21 @@
           <a:lstStyle/>
           <a:p>
             <a:r>
-              <a:rPr lang="en-US" sz="6000" b="1" dirty="0">
-                <a:solidFill>
-                  <a:srgbClr val="CF3338"/>
-                </a:solidFill>
-                <a:latin typeface="Pragmatica" panose="020B0403040502020204" pitchFamily="34" charset="0"/>
-              </a:rPr>
-              <a:t>Visualizing data with Python in Excel</a:t>
-            </a:r>
-          </a:p>
-          <a:p>
-            <a:endParaRPr lang="en-US" sz="4200" dirty="0">
-              <a:solidFill>
-                <a:srgbClr val="CF3338"/>
-              </a:solidFill>
-              <a:latin typeface="Pragmatica" panose="020B0403040502020204" pitchFamily="34" charset="0"/>
-            </a:endParaRPr>
-          </a:p>
-          <a:p>
-            <a:pPr marL="685800" indent="-542925">
-              <a:lnSpc>
-                <a:spcPct val="115000"/>
-              </a:lnSpc>
-              <a:spcBef>
-                <a:spcPts val="1125"/>
-              </a:spcBef>
-              <a:buClr>
-                <a:srgbClr val="C00000"/>
-              </a:buClr>
-              <a:buSzPts val="2100"/>
-              <a:buFont typeface="Arial"/>
-              <a:buAutoNum type="arabicPeriod"/>
-            </a:pPr>
-            <a:r>
-              <a:rPr lang="en-US" sz="3600" dirty="0">
-                <a:solidFill>
-                  <a:srgbClr val="C00000"/>
-                </a:solidFill>
-                <a:latin typeface="Pragmatica" panose="020B0403040502020204"/>
-                <a:sym typeface="Consolas"/>
-              </a:rPr>
-              <a:t>Data profiling: What is the shape, size, completeness?</a:t>
-            </a:r>
-          </a:p>
-          <a:p>
-            <a:pPr marL="685800" indent="-542925">
-              <a:lnSpc>
-                <a:spcPct val="115000"/>
-              </a:lnSpc>
-              <a:spcBef>
-                <a:spcPts val="1125"/>
-              </a:spcBef>
-              <a:buClr>
-                <a:srgbClr val="C00000"/>
-              </a:buClr>
-              <a:buSzPts val="2100"/>
-              <a:buFont typeface="Arial"/>
-              <a:buAutoNum type="arabicPeriod"/>
-            </a:pPr>
-            <a:r>
-              <a:rPr lang="en-US" sz="3600" dirty="0">
-                <a:solidFill>
-                  <a:srgbClr val="C00000"/>
-                </a:solidFill>
-                <a:latin typeface="Pragmatica" panose="020B0403040502020204"/>
-                <a:sym typeface="Consolas"/>
-              </a:rPr>
-              <a:t>Time series: pandas for panel data</a:t>
-            </a:r>
-          </a:p>
-          <a:p>
-            <a:pPr marL="685800" indent="-542925">
-              <a:lnSpc>
-                <a:spcPct val="115000"/>
-              </a:lnSpc>
-              <a:spcBef>
-                <a:spcPts val="1125"/>
-              </a:spcBef>
-              <a:buClr>
-                <a:srgbClr val="C00000"/>
-              </a:buClr>
-              <a:buSzPts val="2100"/>
-              <a:buFont typeface="Arial"/>
-              <a:buAutoNum type="arabicPeriod"/>
-            </a:pPr>
-            <a:r>
-              <a:rPr lang="en-US" sz="3600" dirty="0">
-                <a:solidFill>
-                  <a:srgbClr val="C00000"/>
-                </a:solidFill>
-                <a:latin typeface="Pragmatica" panose="020B0403040502020204"/>
-                <a:sym typeface="Consolas"/>
-              </a:rPr>
-              <a:t>Descriptive statistics/EDA: What stories might be told in this data? </a:t>
-            </a:r>
-          </a:p>
-          <a:p>
-            <a:pPr marL="685800" indent="-542925">
-              <a:lnSpc>
-                <a:spcPct val="115000"/>
-              </a:lnSpc>
-              <a:spcBef>
-                <a:spcPts val="1125"/>
-              </a:spcBef>
-              <a:buClr>
-                <a:srgbClr val="C00000"/>
-              </a:buClr>
-              <a:buSzPts val="2100"/>
-              <a:buFont typeface="Arial"/>
-              <a:buAutoNum type="arabicPeriod"/>
-            </a:pPr>
-            <a:endParaRPr lang="en-US" sz="3600" dirty="0">
-              <a:solidFill>
-                <a:srgbClr val="C00000"/>
-              </a:solidFill>
-              <a:latin typeface="Pragmatica" panose="020B0403040502020204"/>
-              <a:sym typeface="Consolas"/>
-            </a:endParaRPr>
-          </a:p>
-          <a:p>
-            <a:pPr marL="142875">
-              <a:lnSpc>
-                <a:spcPct val="115000"/>
-              </a:lnSpc>
-              <a:spcBef>
-                <a:spcPts val="1125"/>
-              </a:spcBef>
-              <a:buClr>
-                <a:srgbClr val="C00000"/>
-              </a:buClr>
-              <a:buSzPts val="2100"/>
-            </a:pPr>
-            <a:r>
-              <a:rPr lang="en-US" sz="3600" dirty="0">
-                <a:solidFill>
-                  <a:srgbClr val="C00000"/>
-                </a:solidFill>
-                <a:latin typeface="Pragmatica" panose="020B0403040502020204"/>
-                <a:sym typeface="Consolas"/>
-              </a:rPr>
-              <a:t>File: </a:t>
-            </a:r>
-            <a:r>
-              <a:rPr lang="en-US" sz="3600" dirty="0">
-                <a:solidFill>
-                  <a:srgbClr val="C00000"/>
-                </a:solidFill>
-                <a:latin typeface="Consolas" panose="020B0609020204030204" pitchFamily="49" charset="0"/>
-                <a:sym typeface="Consolas"/>
-              </a:rPr>
-              <a:t>analyzing-data-with-python-in-excel.xlsx</a:t>
-            </a:r>
-            <a:endParaRPr lang="en-US" sz="6000" dirty="0">
-              <a:solidFill>
-                <a:srgbClr val="CF3338"/>
-              </a:solidFill>
-              <a:latin typeface="Consolas" panose="020B0609020204030204" pitchFamily="49" charset="0"/>
-            </a:endParaRPr>
-          </a:p>
-          <a:p>
-            <a:endParaRPr lang="en-US" sz="6000" dirty="0">
-              <a:solidFill>
-                <a:srgbClr val="CF3338"/>
-              </a:solidFill>
-              <a:latin typeface="Pragmatica" panose="020B0403040502020204" pitchFamily="34" charset="0"/>
-            </a:endParaRPr>
+              <a:rPr lang="en-US" sz="9900" b="1" dirty="0">
+                <a:solidFill>
+                  <a:schemeClr val="bg1"/>
+                </a:solidFill>
+                <a:latin typeface="Normafixed Tryout" panose="00000409000000000000" pitchFamily="49" charset="0"/>
+              </a:rPr>
+              <a:t>2. Analyzing data with Python in Excel</a:t>
+            </a:r>
           </a:p>
         </p:txBody>
       </p:sp>
     </p:spTree>
     <p:extLst>
       <p:ext uri="{BB962C8B-B14F-4D97-AF65-F5344CB8AC3E}">
-        <p14:creationId xmlns:p14="http://schemas.microsoft.com/office/powerpoint/2010/main" val="2505051360"/>
+        <p14:creationId xmlns:p14="http://schemas.microsoft.com/office/powerpoint/2010/main" val="2491588467"/>
       </p:ext>
     </p:extLst>
   </p:cSld>
@@ -6528,7 +6475,7 @@
         <p:spPr>
           <a:xfrm>
             <a:off x="260431" y="329879"/>
-            <a:ext cx="8906720" cy="8027326"/>
+            <a:ext cx="8906720" cy="9310754"/>
           </a:xfrm>
           <a:prstGeom prst="rect">
             <a:avLst/>
@@ -6548,11 +6495,19 @@
                 </a:solidFill>
                 <a:latin typeface="Pragmatica" panose="020B0403040502020204" pitchFamily="34" charset="0"/>
               </a:rPr>
-              <a:t>Analyzing data with Python in Excel exercises</a:t>
-            </a:r>
-          </a:p>
-          <a:p>
-            <a:pPr marL="142875">
+              <a:t>Analyzing data with Python in Excel</a:t>
+            </a:r>
+          </a:p>
+          <a:p>
+            <a:endParaRPr lang="en-US" sz="4200" dirty="0">
+              <a:solidFill>
+                <a:srgbClr val="CF3338"/>
+              </a:solidFill>
+              <a:latin typeface="Pragmatica" panose="020B0403040502020204" pitchFamily="34" charset="0"/>
+            </a:endParaRPr>
+          </a:p>
+          <a:p>
+            <a:pPr marL="685800" indent="-542925">
               <a:lnSpc>
                 <a:spcPct val="115000"/>
               </a:lnSpc>
@@ -6563,17 +6518,22 @@
                 <a:srgbClr val="C00000"/>
               </a:buClr>
               <a:buSzPts val="2100"/>
+              <a:buFont typeface="Arial"/>
+              <a:buAutoNum type="arabicPeriod"/>
             </a:pPr>
-            <a:endParaRPr lang="en-US" sz="3600" dirty="0">
-              <a:solidFill>
-                <a:srgbClr val="C00000"/>
-              </a:solidFill>
-              <a:latin typeface="Pragmatica" panose="020B0403040502020204"/>
-              <a:sym typeface="Consolas"/>
-            </a:endParaRPr>
-          </a:p>
-          <a:p>
-            <a:pPr marL="714375" indent="-571500">
+            <a:r>
+              <a:rPr lang="en-US" sz="3600" dirty="0">
+                <a:solidFill>
+                  <a:srgbClr val="C00000"/>
+                </a:solidFill>
+                <a:latin typeface="Pragmatica" panose="020B0403040502020204"/>
+                <a:sym typeface="Consolas"/>
+              </a:rPr>
+              <a:t>Data profiling: What is the shape, size, completeness?</a:t>
+            </a:r>
+          </a:p>
+          <a:p>
+            <a:pPr marL="685800" indent="-542925">
               <a:lnSpc>
                 <a:spcPct val="115000"/>
               </a:lnSpc>
@@ -6584,8 +6544,8 @@
                 <a:srgbClr val="C00000"/>
               </a:buClr>
               <a:buSzPts val="2100"/>
-              <a:buFont typeface="Arial" panose="020B0604020202020204" pitchFamily="34" charset="0"/>
-              <a:buChar char="•"/>
+              <a:buFont typeface="Arial"/>
+              <a:buAutoNum type="arabicPeriod"/>
             </a:pPr>
             <a:r>
               <a:rPr lang="en-US" sz="3600" dirty="0">
@@ -6595,11 +6555,11 @@
                 <a:latin typeface="Pragmatica" panose="020B0403040502020204"/>
                 <a:sym typeface="Consolas"/>
               </a:rPr>
-              <a:t>Explore relationship between sales, temperature, customer count over time</a:t>
-            </a:r>
-          </a:p>
-          <a:p>
-            <a:pPr marL="714375" indent="-571500">
+              <a:t>Time series: pandas for panel data</a:t>
+            </a:r>
+          </a:p>
+          <a:p>
+            <a:pPr marL="685800" indent="-542925">
               <a:lnSpc>
                 <a:spcPct val="115000"/>
               </a:lnSpc>
@@ -6610,8 +6570,8 @@
                 <a:srgbClr val="C00000"/>
               </a:buClr>
               <a:buSzPts val="2100"/>
-              <a:buFont typeface="Arial" panose="020B0604020202020204" pitchFamily="34" charset="0"/>
-              <a:buChar char="•"/>
+              <a:buFont typeface="Arial"/>
+              <a:buAutoNum type="arabicPeriod"/>
             </a:pPr>
             <a:r>
               <a:rPr lang="en-US" sz="3600" dirty="0">
@@ -6621,7 +6581,7 @@
                 <a:latin typeface="Pragmatica" panose="020B0403040502020204"/>
                 <a:sym typeface="Consolas"/>
               </a:rPr>
-              <a:t>Fill in the blanks to complete the code</a:t>
+              <a:t>Descriptive statistics/EDA: What stories might be told in this data? </a:t>
             </a:r>
           </a:p>
           <a:p>
@@ -6678,6 +6638,289 @@
                 <a:latin typeface="Consolas" panose="020B0609020204030204" pitchFamily="49" charset="0"/>
                 <a:sym typeface="Consolas"/>
               </a:rPr>
+              <a:t>analyzing-data-with-python-in-excel.xlsx</a:t>
+            </a:r>
+            <a:endParaRPr lang="en-US" sz="6000" dirty="0">
+              <a:solidFill>
+                <a:srgbClr val="CF3338"/>
+              </a:solidFill>
+              <a:latin typeface="Consolas" panose="020B0609020204030204" pitchFamily="49" charset="0"/>
+            </a:endParaRPr>
+          </a:p>
+          <a:p>
+            <a:endParaRPr lang="en-US" sz="6000" dirty="0">
+              <a:solidFill>
+                <a:srgbClr val="CF3338"/>
+              </a:solidFill>
+              <a:latin typeface="Pragmatica" panose="020B0403040502020204" pitchFamily="34" charset="0"/>
+            </a:endParaRPr>
+          </a:p>
+        </p:txBody>
+      </p:sp>
+    </p:spTree>
+    <p:extLst>
+      <p:ext uri="{BB962C8B-B14F-4D97-AF65-F5344CB8AC3E}">
+        <p14:creationId xmlns:p14="http://schemas.microsoft.com/office/powerpoint/2010/main" val="2505051360"/>
+      </p:ext>
+    </p:extLst>
+  </p:cSld>
+  <p:clrMapOvr>
+    <a:masterClrMapping/>
+  </p:clrMapOvr>
+</p:sld>
+</file>
+
+<file path=ppt/slides/slide12.xml><?xml version="1.0" encoding="utf-8"?>
+<p:sld xmlns:a="http://schemas.openxmlformats.org/drawingml/2006/main" xmlns:r="http://schemas.openxmlformats.org/officeDocument/2006/relationships" xmlns:p="http://schemas.openxmlformats.org/presentationml/2006/main">
+  <p:cSld>
+    <p:spTree>
+      <p:nvGrpSpPr>
+        <p:cNvPr id="1" name=""/>
+        <p:cNvGrpSpPr/>
+        <p:nvPr/>
+      </p:nvGrpSpPr>
+      <p:grpSpPr>
+        <a:xfrm>
+          <a:off x="0" y="0"/>
+          <a:ext cx="0" cy="0"/>
+          <a:chOff x="0" y="0"/>
+          <a:chExt cx="0" cy="0"/>
+        </a:xfrm>
+      </p:grpSpPr>
+      <p:sp>
+        <p:nvSpPr>
+          <p:cNvPr id="4" name="Rectangle 3"/>
+          <p:cNvSpPr/>
+          <p:nvPr/>
+        </p:nvSpPr>
+        <p:spPr>
+          <a:xfrm>
+            <a:off x="9861630" y="0"/>
+            <a:ext cx="8426370" cy="10287000"/>
+          </a:xfrm>
+          <a:prstGeom prst="rect">
+            <a:avLst/>
+          </a:prstGeom>
+          <a:solidFill>
+            <a:srgbClr val="CF3338"/>
+          </a:solidFill>
+          <a:ln>
+            <a:noFill/>
+          </a:ln>
+        </p:spPr>
+        <p:style>
+          <a:lnRef idx="2">
+            <a:schemeClr val="accent1">
+              <a:shade val="50000"/>
+            </a:schemeClr>
+          </a:lnRef>
+          <a:fillRef idx="1">
+            <a:schemeClr val="accent1"/>
+          </a:fillRef>
+          <a:effectRef idx="0">
+            <a:schemeClr val="accent1"/>
+          </a:effectRef>
+          <a:fontRef idx="minor">
+            <a:schemeClr val="lt1"/>
+          </a:fontRef>
+        </p:style>
+        <p:txBody>
+          <a:bodyPr rtlCol="0" anchor="ctr"/>
+          <a:lstStyle/>
+          <a:p>
+            <a:pPr algn="ctr"/>
+            <a:endParaRPr lang="en-US" sz="2700"/>
+          </a:p>
+        </p:txBody>
+      </p:sp>
+      <p:pic>
+        <p:nvPicPr>
+          <p:cNvPr id="2" name="Picture 1"/>
+          <p:cNvPicPr>
+            <a:picLocks noChangeAspect="1"/>
+          </p:cNvPicPr>
+          <p:nvPr/>
+        </p:nvPicPr>
+        <p:blipFill rotWithShape="1">
+          <a:blip r:embed="rId3">
+            <a:extLst>
+              <a:ext uri="{28A0092B-C50C-407E-A947-70E740481C1C}">
+                <a14:useLocalDpi xmlns:a14="http://schemas.microsoft.com/office/drawing/2010/main" val="0"/>
+              </a:ext>
+            </a:extLst>
+          </a:blip>
+          <a:srcRect l="69227" t="33418" r="20112" b="50548"/>
+          <a:stretch/>
+        </p:blipFill>
+        <p:spPr>
+          <a:xfrm>
+            <a:off x="15579524" y="7544693"/>
+            <a:ext cx="2708477" cy="2987579"/>
+          </a:xfrm>
+          <a:prstGeom prst="rect">
+            <a:avLst/>
+          </a:prstGeom>
+        </p:spPr>
+      </p:pic>
+      <p:sp>
+        <p:nvSpPr>
+          <p:cNvPr id="3" name="TextBox 2"/>
+          <p:cNvSpPr txBox="1"/>
+          <p:nvPr/>
+        </p:nvSpPr>
+        <p:spPr>
+          <a:xfrm>
+            <a:off x="260431" y="329879"/>
+            <a:ext cx="8906720" cy="8027326"/>
+          </a:xfrm>
+          <a:prstGeom prst="rect">
+            <a:avLst/>
+          </a:prstGeom>
+          <a:noFill/>
+        </p:spPr>
+        <p:txBody>
+          <a:bodyPr wrap="square" rtlCol="0">
+            <a:spAutoFit/>
+          </a:bodyPr>
+          <a:lstStyle/>
+          <a:p>
+            <a:r>
+              <a:rPr lang="en-US" sz="6000" b="1" dirty="0">
+                <a:solidFill>
+                  <a:srgbClr val="CF3338"/>
+                </a:solidFill>
+                <a:latin typeface="Pragmatica" panose="020B0403040502020204" pitchFamily="34" charset="0"/>
+              </a:rPr>
+              <a:t>Analyzing data with Python in Excel exercises</a:t>
+            </a:r>
+          </a:p>
+          <a:p>
+            <a:pPr marL="142875">
+              <a:lnSpc>
+                <a:spcPct val="115000"/>
+              </a:lnSpc>
+              <a:spcBef>
+                <a:spcPts val="1125"/>
+              </a:spcBef>
+              <a:buClr>
+                <a:srgbClr val="C00000"/>
+              </a:buClr>
+              <a:buSzPts val="2100"/>
+            </a:pPr>
+            <a:endParaRPr lang="en-US" sz="3600" dirty="0">
+              <a:solidFill>
+                <a:srgbClr val="C00000"/>
+              </a:solidFill>
+              <a:latin typeface="Pragmatica" panose="020B0403040502020204"/>
+              <a:sym typeface="Consolas"/>
+            </a:endParaRPr>
+          </a:p>
+          <a:p>
+            <a:pPr marL="714375" indent="-571500">
+              <a:lnSpc>
+                <a:spcPct val="115000"/>
+              </a:lnSpc>
+              <a:spcBef>
+                <a:spcPts val="1125"/>
+              </a:spcBef>
+              <a:buClr>
+                <a:srgbClr val="C00000"/>
+              </a:buClr>
+              <a:buSzPts val="2100"/>
+              <a:buFont typeface="Arial" panose="020B0604020202020204" pitchFamily="34" charset="0"/>
+              <a:buChar char="•"/>
+            </a:pPr>
+            <a:r>
+              <a:rPr lang="en-US" sz="3600" dirty="0">
+                <a:solidFill>
+                  <a:srgbClr val="C00000"/>
+                </a:solidFill>
+                <a:latin typeface="Pragmatica" panose="020B0403040502020204"/>
+                <a:sym typeface="Consolas"/>
+              </a:rPr>
+              <a:t>Explore relationship between sales, temperature, customer count over time</a:t>
+            </a:r>
+          </a:p>
+          <a:p>
+            <a:pPr marL="714375" indent="-571500">
+              <a:lnSpc>
+                <a:spcPct val="115000"/>
+              </a:lnSpc>
+              <a:spcBef>
+                <a:spcPts val="1125"/>
+              </a:spcBef>
+              <a:buClr>
+                <a:srgbClr val="C00000"/>
+              </a:buClr>
+              <a:buSzPts val="2100"/>
+              <a:buFont typeface="Arial" panose="020B0604020202020204" pitchFamily="34" charset="0"/>
+              <a:buChar char="•"/>
+            </a:pPr>
+            <a:r>
+              <a:rPr lang="en-US" sz="3600" dirty="0">
+                <a:solidFill>
+                  <a:srgbClr val="C00000"/>
+                </a:solidFill>
+                <a:latin typeface="Pragmatica" panose="020B0403040502020204"/>
+                <a:sym typeface="Consolas"/>
+              </a:rPr>
+              <a:t>Fill in the blanks to complete the code</a:t>
+            </a:r>
+          </a:p>
+          <a:p>
+            <a:pPr marL="685800" indent="-542925">
+              <a:lnSpc>
+                <a:spcPct val="115000"/>
+              </a:lnSpc>
+              <a:spcBef>
+                <a:spcPts val="1125"/>
+              </a:spcBef>
+              <a:buClr>
+                <a:srgbClr val="C00000"/>
+              </a:buClr>
+              <a:buSzPts val="2100"/>
+              <a:buFont typeface="Arial"/>
+              <a:buAutoNum type="arabicPeriod"/>
+            </a:pPr>
+            <a:endParaRPr lang="en-US" sz="3600" dirty="0">
+              <a:solidFill>
+                <a:srgbClr val="C00000"/>
+              </a:solidFill>
+              <a:latin typeface="Pragmatica" panose="020B0403040502020204"/>
+              <a:sym typeface="Consolas"/>
+            </a:endParaRPr>
+          </a:p>
+          <a:p>
+            <a:pPr marL="142875">
+              <a:lnSpc>
+                <a:spcPct val="115000"/>
+              </a:lnSpc>
+              <a:spcBef>
+                <a:spcPts val="1125"/>
+              </a:spcBef>
+              <a:buClr>
+                <a:srgbClr val="C00000"/>
+              </a:buClr>
+              <a:buSzPts val="2100"/>
+            </a:pPr>
+            <a:r>
+              <a:rPr lang="en-US" sz="3600" dirty="0">
+                <a:solidFill>
+                  <a:srgbClr val="C00000"/>
+                </a:solidFill>
+                <a:latin typeface="Pragmatica" panose="020B0403040502020204"/>
+                <a:sym typeface="Consolas"/>
+              </a:rPr>
+              <a:t>File: </a:t>
+            </a:r>
+            <a:r>
+              <a:rPr lang="en-US" sz="3600" dirty="0">
+                <a:solidFill>
+                  <a:srgbClr val="C00000"/>
+                </a:solidFill>
+                <a:latin typeface="Consolas" panose="020B0609020204030204" pitchFamily="49" charset="0"/>
+                <a:sym typeface="Consolas"/>
+              </a:rPr>
               <a:t>analyzing-data-with-python-in-excel-exercise.xlsx</a:t>
             </a:r>
             <a:endParaRPr lang="en-US" sz="6000" dirty="0">
@@ -6710,7 +6953,7 @@
 </p:sld>
 </file>
 
-<file path=ppt/slides/slide12.xml><?xml version="1.0" encoding="utf-8"?>
+<file path=ppt/slides/slide13.xml><?xml version="1.0" encoding="utf-8"?>
 <p:sld xmlns:a="http://schemas.openxmlformats.org/drawingml/2006/main" xmlns:r="http://schemas.openxmlformats.org/officeDocument/2006/relationships" xmlns:p="http://schemas.openxmlformats.org/presentationml/2006/main">
   <p:cSld>
     <p:spTree>
@@ -6892,7 +7135,7 @@
 </p:sld>
 </file>
 
-<file path=ppt/slides/slide13.xml><?xml version="1.0" encoding="utf-8"?>
+<file path=ppt/slides/slide14.xml><?xml version="1.0" encoding="utf-8"?>
 <p:sld xmlns:a="http://schemas.openxmlformats.org/drawingml/2006/main" xmlns:r="http://schemas.openxmlformats.org/officeDocument/2006/relationships" xmlns:p="http://schemas.openxmlformats.org/presentationml/2006/main">
   <p:cSld>
     <p:spTree>
@@ -7020,7 +7263,7 @@
 </p:sld>
 </file>
 
-<file path=ppt/slides/slide14.xml><?xml version="1.0" encoding="utf-8"?>
+<file path=ppt/slides/slide15.xml><?xml version="1.0" encoding="utf-8"?>
 <p:sld xmlns:a="http://schemas.openxmlformats.org/drawingml/2006/main" xmlns:r="http://schemas.openxmlformats.org/officeDocument/2006/relationships" xmlns:p="http://schemas.openxmlformats.org/presentationml/2006/main">
   <p:cSld>
     <p:spTree>
@@ -7360,7 +7603,7 @@
 </p:sld>
 </file>
 
-<file path=ppt/slides/slide15.xml><?xml version="1.0" encoding="utf-8"?>
+<file path=ppt/slides/slide16.xml><?xml version="1.0" encoding="utf-8"?>
 <p:sld xmlns:a="http://schemas.openxmlformats.org/drawingml/2006/main" xmlns:r="http://schemas.openxmlformats.org/officeDocument/2006/relationships" xmlns:p="http://schemas.openxmlformats.org/presentationml/2006/main">
   <p:cSld>
     <p:spTree>
@@ -7485,7 +7728,7 @@
         <p:spPr>
           <a:xfrm>
             <a:off x="260431" y="329879"/>
-            <a:ext cx="8906720" cy="8950655"/>
+            <a:ext cx="8906720" cy="8027326"/>
           </a:xfrm>
           <a:prstGeom prst="rect">
             <a:avLst/>
@@ -7505,7 +7748,7 @@
                 </a:solidFill>
                 <a:latin typeface="Pragmatica" panose="020B0403040502020204" pitchFamily="34" charset="0"/>
               </a:rPr>
-              <a:t>From “that’s hard in Excel” to “that’s easy in Python” visualization EXERCISE</a:t>
+              <a:t>Visualizing data with Python in Excel EXERCISE</a:t>
             </a:r>
           </a:p>
           <a:p>
@@ -7667,7 +7910,7 @@
 </p:sld>
 </file>
 
-<file path=ppt/slides/slide16.xml><?xml version="1.0" encoding="utf-8"?>
+<file path=ppt/slides/slide17.xml><?xml version="1.0" encoding="utf-8"?>
 <p:sld xmlns:a="http://schemas.openxmlformats.org/drawingml/2006/main" xmlns:r="http://schemas.openxmlformats.org/officeDocument/2006/relationships" xmlns:p="http://schemas.openxmlformats.org/presentationml/2006/main">
   <p:cSld>
     <p:spTree>
@@ -7825,7 +8068,7 @@
 </p:sld>
 </file>
 
-<file path=ppt/slides/slide17.xml><?xml version="1.0" encoding="utf-8"?>
+<file path=ppt/slides/slide18.xml><?xml version="1.0" encoding="utf-8"?>
 <p:sld xmlns:a="http://schemas.openxmlformats.org/drawingml/2006/main" xmlns:r="http://schemas.openxmlformats.org/officeDocument/2006/relationships" xmlns:p="http://schemas.openxmlformats.org/presentationml/2006/main">
   <p:cSld>
     <p:spTree>
@@ -7953,7 +8196,7 @@
 </p:sld>
 </file>
 
-<file path=ppt/slides/slide18.xml><?xml version="1.0" encoding="utf-8"?>
+<file path=ppt/slides/slide19.xml><?xml version="1.0" encoding="utf-8"?>
 <p:sld xmlns:a="http://schemas.openxmlformats.org/drawingml/2006/main" xmlns:r="http://schemas.openxmlformats.org/officeDocument/2006/relationships" xmlns:p="http://schemas.openxmlformats.org/presentationml/2006/main">
   <p:cSld>
     <p:spTree>
@@ -8161,231 +8404,6 @@
     <p:extLst>
       <p:ext uri="{BB962C8B-B14F-4D97-AF65-F5344CB8AC3E}">
         <p14:creationId xmlns:p14="http://schemas.microsoft.com/office/powerpoint/2010/main" val="1415733208"/>
-      </p:ext>
-    </p:extLst>
-  </p:cSld>
-  <p:clrMapOvr>
-    <a:masterClrMapping/>
-  </p:clrMapOvr>
-</p:sld>
-</file>
-
-<file path=ppt/slides/slide19.xml><?xml version="1.0" encoding="utf-8"?>
-<p:sld xmlns:a="http://schemas.openxmlformats.org/drawingml/2006/main" xmlns:r="http://schemas.openxmlformats.org/officeDocument/2006/relationships" xmlns:p="http://schemas.openxmlformats.org/presentationml/2006/main">
-  <p:cSld>
-    <p:spTree>
-      <p:nvGrpSpPr>
-        <p:cNvPr id="1" name="">
-          <a:extLst>
-            <a:ext uri="{FF2B5EF4-FFF2-40B4-BE49-F238E27FC236}">
-              <a16:creationId xmlns:a16="http://schemas.microsoft.com/office/drawing/2014/main" id="{A174D652-008A-5BD3-E6B3-680376ADA37D}"/>
-            </a:ext>
-          </a:extLst>
-        </p:cNvPr>
-        <p:cNvGrpSpPr/>
-        <p:nvPr/>
-      </p:nvGrpSpPr>
-      <p:grpSpPr>
-        <a:xfrm>
-          <a:off x="0" y="0"/>
-          <a:ext cx="0" cy="0"/>
-          <a:chOff x="0" y="0"/>
-          <a:chExt cx="0" cy="0"/>
-        </a:xfrm>
-      </p:grpSpPr>
-      <p:sp>
-        <p:nvSpPr>
-          <p:cNvPr id="11" name="TextBox 10">
-            <a:extLst>
-              <a:ext uri="{FF2B5EF4-FFF2-40B4-BE49-F238E27FC236}">
-                <a16:creationId xmlns:a16="http://schemas.microsoft.com/office/drawing/2014/main" id="{97C5297B-BF4F-5814-C77F-F20AEB69AD6F}"/>
-              </a:ext>
-            </a:extLst>
-          </p:cNvPr>
-          <p:cNvSpPr txBox="1"/>
-          <p:nvPr/>
-        </p:nvSpPr>
-        <p:spPr>
-          <a:xfrm>
-            <a:off x="520861" y="170082"/>
-            <a:ext cx="16700339" cy="2862322"/>
-          </a:xfrm>
-          <a:prstGeom prst="rect">
-            <a:avLst/>
-          </a:prstGeom>
-          <a:noFill/>
-        </p:spPr>
-        <p:txBody>
-          <a:bodyPr wrap="square" rtlCol="0">
-            <a:spAutoFit/>
-          </a:bodyPr>
-          <a:lstStyle/>
-          <a:p>
-            <a:r>
-              <a:rPr lang="en-US" sz="8800" dirty="0">
-                <a:latin typeface="Aliens &amp; cows" panose="00000500000000000000" pitchFamily="2" charset="0"/>
-              </a:rPr>
-              <a:t>The new trinity for data analysis… </a:t>
-            </a:r>
-          </a:p>
-          <a:p>
-            <a:r>
-              <a:rPr lang="en-US" sz="8800" i="1" dirty="0">
-                <a:latin typeface="Aliens &amp; cows" panose="00000500000000000000" pitchFamily="2" charset="0"/>
-              </a:rPr>
-              <a:t>if you know what you’re doing!!!</a:t>
-            </a:r>
-          </a:p>
-        </p:txBody>
-      </p:sp>
-      <p:pic>
-        <p:nvPicPr>
-          <p:cNvPr id="15" name="Picture 14" descr="A close up of a sign&#10;&#10;Description automatically generated">
-            <a:extLst>
-              <a:ext uri="{FF2B5EF4-FFF2-40B4-BE49-F238E27FC236}">
-                <a16:creationId xmlns:a16="http://schemas.microsoft.com/office/drawing/2014/main" id="{E169FA76-0A11-21FE-5773-8D27E171B2D0}"/>
-              </a:ext>
-            </a:extLst>
-          </p:cNvPr>
-          <p:cNvPicPr>
-            <a:picLocks noChangeAspect="1"/>
-          </p:cNvPicPr>
-          <p:nvPr/>
-        </p:nvPicPr>
-        <p:blipFill>
-          <a:blip r:embed="rId2">
-            <a:extLst>
-              <a:ext uri="{28A0092B-C50C-407E-A947-70E740481C1C}">
-                <a14:useLocalDpi xmlns:a14="http://schemas.microsoft.com/office/drawing/2010/main" val="0"/>
-              </a:ext>
-            </a:extLst>
-          </a:blip>
-          <a:stretch>
-            <a:fillRect/>
-          </a:stretch>
-        </p:blipFill>
-        <p:spPr>
-          <a:xfrm>
-            <a:off x="16341036" y="8058429"/>
-            <a:ext cx="1942857" cy="2228571"/>
-          </a:xfrm>
-          <a:prstGeom prst="rect">
-            <a:avLst/>
-          </a:prstGeom>
-        </p:spPr>
-      </p:pic>
-      <p:pic>
-        <p:nvPicPr>
-          <p:cNvPr id="4" name="Picture 3" descr="A rainbow colored logo on a black background&#10;&#10;Description automatically generated">
-            <a:extLst>
-              <a:ext uri="{FF2B5EF4-FFF2-40B4-BE49-F238E27FC236}">
-                <a16:creationId xmlns:a16="http://schemas.microsoft.com/office/drawing/2014/main" id="{0C34DF4D-C376-9860-232F-5C8E6820DCAE}"/>
-              </a:ext>
-            </a:extLst>
-          </p:cNvPr>
-          <p:cNvPicPr>
-            <a:picLocks noChangeAspect="1"/>
-          </p:cNvPicPr>
-          <p:nvPr/>
-        </p:nvPicPr>
-        <p:blipFill>
-          <a:blip r:embed="rId3" cstate="print">
-            <a:extLst>
-              <a:ext uri="{28A0092B-C50C-407E-A947-70E740481C1C}">
-                <a14:useLocalDpi xmlns:a14="http://schemas.microsoft.com/office/drawing/2010/main" val="0"/>
-              </a:ext>
-            </a:extLst>
-          </a:blip>
-          <a:stretch>
-            <a:fillRect/>
-          </a:stretch>
-        </p:blipFill>
-        <p:spPr>
-          <a:xfrm>
-            <a:off x="12649200" y="4152900"/>
-            <a:ext cx="4572000" cy="4572000"/>
-          </a:xfrm>
-          <a:prstGeom prst="rect">
-            <a:avLst/>
-          </a:prstGeom>
-        </p:spPr>
-      </p:pic>
-      <p:pic>
-        <p:nvPicPr>
-          <p:cNvPr id="6" name="Picture 5" descr="A green square with a white x on it&#10;&#10;Description automatically generated">
-            <a:extLst>
-              <a:ext uri="{FF2B5EF4-FFF2-40B4-BE49-F238E27FC236}">
-                <a16:creationId xmlns:a16="http://schemas.microsoft.com/office/drawing/2014/main" id="{100DC385-7CB3-BBA3-3CF2-970F6A477051}"/>
-              </a:ext>
-            </a:extLst>
-          </p:cNvPr>
-          <p:cNvPicPr>
-            <a:picLocks noChangeAspect="1"/>
-          </p:cNvPicPr>
-          <p:nvPr/>
-        </p:nvPicPr>
-        <p:blipFill>
-          <a:blip r:embed="rId4">
-            <a:extLst>
-              <a:ext uri="{28A0092B-C50C-407E-A947-70E740481C1C}">
-                <a14:useLocalDpi xmlns:a14="http://schemas.microsoft.com/office/drawing/2010/main" val="0"/>
-              </a:ext>
-            </a:extLst>
-          </a:blip>
-          <a:stretch>
-            <a:fillRect/>
-          </a:stretch>
-        </p:blipFill>
-        <p:spPr>
-          <a:xfrm>
-            <a:off x="5917265" y="4152900"/>
-            <a:ext cx="4910886" cy="4572000"/>
-          </a:xfrm>
-          <a:prstGeom prst="rect">
-            <a:avLst/>
-          </a:prstGeom>
-        </p:spPr>
-      </p:pic>
-      <p:pic>
-        <p:nvPicPr>
-          <p:cNvPr id="8" name="Picture 7" descr="A blue and yellow snake logo&#10;&#10;Description automatically generated">
-            <a:extLst>
-              <a:ext uri="{FF2B5EF4-FFF2-40B4-BE49-F238E27FC236}">
-                <a16:creationId xmlns:a16="http://schemas.microsoft.com/office/drawing/2014/main" id="{F78FD38F-7F60-D2DA-6CF9-79F419218C1F}"/>
-              </a:ext>
-            </a:extLst>
-          </p:cNvPr>
-          <p:cNvPicPr>
-            <a:picLocks noChangeAspect="1"/>
-          </p:cNvPicPr>
-          <p:nvPr/>
-        </p:nvPicPr>
-        <p:blipFill>
-          <a:blip r:embed="rId5" cstate="print">
-            <a:extLst>
-              <a:ext uri="{28A0092B-C50C-407E-A947-70E740481C1C}">
-                <a14:useLocalDpi xmlns:a14="http://schemas.microsoft.com/office/drawing/2010/main" val="0"/>
-              </a:ext>
-            </a:extLst>
-          </a:blip>
-          <a:stretch>
-            <a:fillRect/>
-          </a:stretch>
-        </p:blipFill>
-        <p:spPr>
-          <a:xfrm>
-            <a:off x="216061" y="4152900"/>
-            <a:ext cx="4165832" cy="4572000"/>
-          </a:xfrm>
-          <a:prstGeom prst="rect">
-            <a:avLst/>
-          </a:prstGeom>
-        </p:spPr>
-      </p:pic>
-    </p:spTree>
-    <p:extLst>
-      <p:ext uri="{BB962C8B-B14F-4D97-AF65-F5344CB8AC3E}">
-        <p14:creationId xmlns:p14="http://schemas.microsoft.com/office/powerpoint/2010/main" val="2723502941"/>
       </p:ext>
     </p:extLst>
   </p:cSld>
@@ -8767,6 +8785,231 @@
         <p:cNvPr id="1" name="">
           <a:extLst>
             <a:ext uri="{FF2B5EF4-FFF2-40B4-BE49-F238E27FC236}">
+              <a16:creationId xmlns:a16="http://schemas.microsoft.com/office/drawing/2014/main" id="{A174D652-008A-5BD3-E6B3-680376ADA37D}"/>
+            </a:ext>
+          </a:extLst>
+        </p:cNvPr>
+        <p:cNvGrpSpPr/>
+        <p:nvPr/>
+      </p:nvGrpSpPr>
+      <p:grpSpPr>
+        <a:xfrm>
+          <a:off x="0" y="0"/>
+          <a:ext cx="0" cy="0"/>
+          <a:chOff x="0" y="0"/>
+          <a:chExt cx="0" cy="0"/>
+        </a:xfrm>
+      </p:grpSpPr>
+      <p:sp>
+        <p:nvSpPr>
+          <p:cNvPr id="11" name="TextBox 10">
+            <a:extLst>
+              <a:ext uri="{FF2B5EF4-FFF2-40B4-BE49-F238E27FC236}">
+                <a16:creationId xmlns:a16="http://schemas.microsoft.com/office/drawing/2014/main" id="{97C5297B-BF4F-5814-C77F-F20AEB69AD6F}"/>
+              </a:ext>
+            </a:extLst>
+          </p:cNvPr>
+          <p:cNvSpPr txBox="1"/>
+          <p:nvPr/>
+        </p:nvSpPr>
+        <p:spPr>
+          <a:xfrm>
+            <a:off x="520861" y="170082"/>
+            <a:ext cx="16700339" cy="2862322"/>
+          </a:xfrm>
+          <a:prstGeom prst="rect">
+            <a:avLst/>
+          </a:prstGeom>
+          <a:noFill/>
+        </p:spPr>
+        <p:txBody>
+          <a:bodyPr wrap="square" rtlCol="0">
+            <a:spAutoFit/>
+          </a:bodyPr>
+          <a:lstStyle/>
+          <a:p>
+            <a:r>
+              <a:rPr lang="en-US" sz="8800" dirty="0">
+                <a:latin typeface="Aliens &amp; cows" panose="00000500000000000000" pitchFamily="2" charset="0"/>
+              </a:rPr>
+              <a:t>The new trinity for data analysis… </a:t>
+            </a:r>
+          </a:p>
+          <a:p>
+            <a:r>
+              <a:rPr lang="en-US" sz="8800" i="1" dirty="0">
+                <a:latin typeface="Aliens &amp; cows" panose="00000500000000000000" pitchFamily="2" charset="0"/>
+              </a:rPr>
+              <a:t>if you know what you’re doing!!!</a:t>
+            </a:r>
+          </a:p>
+        </p:txBody>
+      </p:sp>
+      <p:pic>
+        <p:nvPicPr>
+          <p:cNvPr id="15" name="Picture 14" descr="A close up of a sign&#10;&#10;Description automatically generated">
+            <a:extLst>
+              <a:ext uri="{FF2B5EF4-FFF2-40B4-BE49-F238E27FC236}">
+                <a16:creationId xmlns:a16="http://schemas.microsoft.com/office/drawing/2014/main" id="{E169FA76-0A11-21FE-5773-8D27E171B2D0}"/>
+              </a:ext>
+            </a:extLst>
+          </p:cNvPr>
+          <p:cNvPicPr>
+            <a:picLocks noChangeAspect="1"/>
+          </p:cNvPicPr>
+          <p:nvPr/>
+        </p:nvPicPr>
+        <p:blipFill>
+          <a:blip r:embed="rId2">
+            <a:extLst>
+              <a:ext uri="{28A0092B-C50C-407E-A947-70E740481C1C}">
+                <a14:useLocalDpi xmlns:a14="http://schemas.microsoft.com/office/drawing/2010/main" val="0"/>
+              </a:ext>
+            </a:extLst>
+          </a:blip>
+          <a:stretch>
+            <a:fillRect/>
+          </a:stretch>
+        </p:blipFill>
+        <p:spPr>
+          <a:xfrm>
+            <a:off x="16341036" y="8058429"/>
+            <a:ext cx="1942857" cy="2228571"/>
+          </a:xfrm>
+          <a:prstGeom prst="rect">
+            <a:avLst/>
+          </a:prstGeom>
+        </p:spPr>
+      </p:pic>
+      <p:pic>
+        <p:nvPicPr>
+          <p:cNvPr id="4" name="Picture 3" descr="A rainbow colored logo on a black background&#10;&#10;Description automatically generated">
+            <a:extLst>
+              <a:ext uri="{FF2B5EF4-FFF2-40B4-BE49-F238E27FC236}">
+                <a16:creationId xmlns:a16="http://schemas.microsoft.com/office/drawing/2014/main" id="{0C34DF4D-C376-9860-232F-5C8E6820DCAE}"/>
+              </a:ext>
+            </a:extLst>
+          </p:cNvPr>
+          <p:cNvPicPr>
+            <a:picLocks noChangeAspect="1"/>
+          </p:cNvPicPr>
+          <p:nvPr/>
+        </p:nvPicPr>
+        <p:blipFill>
+          <a:blip r:embed="rId3" cstate="print">
+            <a:extLst>
+              <a:ext uri="{28A0092B-C50C-407E-A947-70E740481C1C}">
+                <a14:useLocalDpi xmlns:a14="http://schemas.microsoft.com/office/drawing/2010/main" val="0"/>
+              </a:ext>
+            </a:extLst>
+          </a:blip>
+          <a:stretch>
+            <a:fillRect/>
+          </a:stretch>
+        </p:blipFill>
+        <p:spPr>
+          <a:xfrm>
+            <a:off x="12649200" y="4152900"/>
+            <a:ext cx="4572000" cy="4572000"/>
+          </a:xfrm>
+          <a:prstGeom prst="rect">
+            <a:avLst/>
+          </a:prstGeom>
+        </p:spPr>
+      </p:pic>
+      <p:pic>
+        <p:nvPicPr>
+          <p:cNvPr id="6" name="Picture 5" descr="A green square with a white x on it&#10;&#10;Description automatically generated">
+            <a:extLst>
+              <a:ext uri="{FF2B5EF4-FFF2-40B4-BE49-F238E27FC236}">
+                <a16:creationId xmlns:a16="http://schemas.microsoft.com/office/drawing/2014/main" id="{100DC385-7CB3-BBA3-3CF2-970F6A477051}"/>
+              </a:ext>
+            </a:extLst>
+          </p:cNvPr>
+          <p:cNvPicPr>
+            <a:picLocks noChangeAspect="1"/>
+          </p:cNvPicPr>
+          <p:nvPr/>
+        </p:nvPicPr>
+        <p:blipFill>
+          <a:blip r:embed="rId4">
+            <a:extLst>
+              <a:ext uri="{28A0092B-C50C-407E-A947-70E740481C1C}">
+                <a14:useLocalDpi xmlns:a14="http://schemas.microsoft.com/office/drawing/2010/main" val="0"/>
+              </a:ext>
+            </a:extLst>
+          </a:blip>
+          <a:stretch>
+            <a:fillRect/>
+          </a:stretch>
+        </p:blipFill>
+        <p:spPr>
+          <a:xfrm>
+            <a:off x="5917265" y="4152900"/>
+            <a:ext cx="4910886" cy="4572000"/>
+          </a:xfrm>
+          <a:prstGeom prst="rect">
+            <a:avLst/>
+          </a:prstGeom>
+        </p:spPr>
+      </p:pic>
+      <p:pic>
+        <p:nvPicPr>
+          <p:cNvPr id="8" name="Picture 7" descr="A blue and yellow snake logo&#10;&#10;Description automatically generated">
+            <a:extLst>
+              <a:ext uri="{FF2B5EF4-FFF2-40B4-BE49-F238E27FC236}">
+                <a16:creationId xmlns:a16="http://schemas.microsoft.com/office/drawing/2014/main" id="{F78FD38F-7F60-D2DA-6CF9-79F419218C1F}"/>
+              </a:ext>
+            </a:extLst>
+          </p:cNvPr>
+          <p:cNvPicPr>
+            <a:picLocks noChangeAspect="1"/>
+          </p:cNvPicPr>
+          <p:nvPr/>
+        </p:nvPicPr>
+        <p:blipFill>
+          <a:blip r:embed="rId5" cstate="print">
+            <a:extLst>
+              <a:ext uri="{28A0092B-C50C-407E-A947-70E740481C1C}">
+                <a14:useLocalDpi xmlns:a14="http://schemas.microsoft.com/office/drawing/2010/main" val="0"/>
+              </a:ext>
+            </a:extLst>
+          </a:blip>
+          <a:stretch>
+            <a:fillRect/>
+          </a:stretch>
+        </p:blipFill>
+        <p:spPr>
+          <a:xfrm>
+            <a:off x="216061" y="4152900"/>
+            <a:ext cx="4165832" cy="4572000"/>
+          </a:xfrm>
+          <a:prstGeom prst="rect">
+            <a:avLst/>
+          </a:prstGeom>
+        </p:spPr>
+      </p:pic>
+    </p:spTree>
+    <p:extLst>
+      <p:ext uri="{BB962C8B-B14F-4D97-AF65-F5344CB8AC3E}">
+        <p14:creationId xmlns:p14="http://schemas.microsoft.com/office/powerpoint/2010/main" val="2723502941"/>
+      </p:ext>
+    </p:extLst>
+  </p:cSld>
+  <p:clrMapOvr>
+    <a:masterClrMapping/>
+  </p:clrMapOvr>
+</p:sld>
+</file>
+
+<file path=ppt/slides/slide21.xml><?xml version="1.0" encoding="utf-8"?>
+<p:sld xmlns:a="http://schemas.openxmlformats.org/drawingml/2006/main" xmlns:r="http://schemas.openxmlformats.org/officeDocument/2006/relationships" xmlns:p="http://schemas.openxmlformats.org/presentationml/2006/main">
+  <p:cSld>
+    <p:spTree>
+      <p:nvGrpSpPr>
+        <p:cNvPr id="1" name="">
+          <a:extLst>
+            <a:ext uri="{FF2B5EF4-FFF2-40B4-BE49-F238E27FC236}">
               <a16:creationId xmlns:a16="http://schemas.microsoft.com/office/drawing/2014/main" id="{FD1AEBD9-88BF-FCB2-5906-2DDB1D038BF7}"/>
             </a:ext>
           </a:extLst>
@@ -9065,7 +9308,7 @@
 </p:sld>
 </file>
 
-<file path=ppt/slides/slide21.xml><?xml version="1.0" encoding="utf-8"?>
+<file path=ppt/slides/slide22.xml><?xml version="1.0" encoding="utf-8"?>
 <p:sld xmlns:a="http://schemas.openxmlformats.org/drawingml/2006/main" xmlns:r="http://schemas.openxmlformats.org/officeDocument/2006/relationships" xmlns:p="http://schemas.openxmlformats.org/presentationml/2006/main">
   <p:cSld>
     <p:spTree>
@@ -9332,7 +9575,7 @@
 </p:sld>
 </file>
 
-<file path=ppt/slides/slide22.xml><?xml version="1.0" encoding="utf-8"?>
+<file path=ppt/slides/slide23.xml><?xml version="1.0" encoding="utf-8"?>
 <p:sld xmlns:a="http://schemas.openxmlformats.org/drawingml/2006/main" xmlns:r="http://schemas.openxmlformats.org/officeDocument/2006/relationships" xmlns:p="http://schemas.openxmlformats.org/presentationml/2006/main">
   <p:cSld>
     <p:spTree>
@@ -9663,7 +9906,7 @@
 </p:sld>
 </file>
 
-<file path=ppt/slides/slide23.xml><?xml version="1.0" encoding="utf-8"?>
+<file path=ppt/slides/slide24.xml><?xml version="1.0" encoding="utf-8"?>
 <p:sld xmlns:a="http://schemas.openxmlformats.org/drawingml/2006/main" xmlns:r="http://schemas.openxmlformats.org/officeDocument/2006/relationships" xmlns:p="http://schemas.openxmlformats.org/presentationml/2006/main">
   <p:cSld>
     <p:spTree>
@@ -9845,7 +10088,7 @@
 </p:sld>
 </file>
 
-<file path=ppt/slides/slide24.xml><?xml version="1.0" encoding="utf-8"?>
+<file path=ppt/slides/slide25.xml><?xml version="1.0" encoding="utf-8"?>
 <p:sld xmlns:a="http://schemas.openxmlformats.org/drawingml/2006/main" xmlns:r="http://schemas.openxmlformats.org/officeDocument/2006/relationships" xmlns:p="http://schemas.openxmlformats.org/presentationml/2006/main">
   <p:cSld>
     <p:spTree>
@@ -9991,7 +10234,7 @@
 </p:sld>
 </file>
 
-<file path=ppt/slides/slide25.xml><?xml version="1.0" encoding="utf-8"?>
+<file path=ppt/slides/slide26.xml><?xml version="1.0" encoding="utf-8"?>
 <p:sld xmlns:a="http://schemas.openxmlformats.org/drawingml/2006/main" xmlns:r="http://schemas.openxmlformats.org/officeDocument/2006/relationships" xmlns:p="http://schemas.openxmlformats.org/presentationml/2006/main">
   <p:cSld>
     <p:spTree>
@@ -10323,7 +10566,7 @@
 </p:sld>
 </file>
 
-<file path=ppt/slides/slide26.xml><?xml version="1.0" encoding="utf-8"?>
+<file path=ppt/slides/slide27.xml><?xml version="1.0" encoding="utf-8"?>
 <p:sld xmlns:a="http://schemas.openxmlformats.org/drawingml/2006/main" xmlns:r="http://schemas.openxmlformats.org/officeDocument/2006/relationships" xmlns:p="http://schemas.openxmlformats.org/presentationml/2006/main">
   <p:cSld>
     <p:spTree>
@@ -10662,7 +10905,7 @@
 </p:sld>
 </file>
 
-<file path=ppt/slides/slide27.xml><?xml version="1.0" encoding="utf-8"?>
+<file path=ppt/slides/slide28.xml><?xml version="1.0" encoding="utf-8"?>
 <p:sld xmlns:a="http://schemas.openxmlformats.org/drawingml/2006/main" xmlns:r="http://schemas.openxmlformats.org/officeDocument/2006/relationships" xmlns:p="http://schemas.openxmlformats.org/presentationml/2006/main">
   <p:cSld>
     <p:spTree>
@@ -10820,7 +11063,7 @@
 </p:sld>
 </file>
 
-<file path=ppt/slides/slide28.xml><?xml version="1.0" encoding="utf-8"?>
+<file path=ppt/slides/slide29.xml><?xml version="1.0" encoding="utf-8"?>
 <p:sld xmlns:a="http://schemas.openxmlformats.org/drawingml/2006/main" xmlns:r="http://schemas.openxmlformats.org/officeDocument/2006/relationships" xmlns:p="http://schemas.openxmlformats.org/presentationml/2006/main">
   <p:cSld>
     <p:spTree>
@@ -10939,362 +11182,6 @@
     <p:extLst>
       <p:ext uri="{BB962C8B-B14F-4D97-AF65-F5344CB8AC3E}">
         <p14:creationId xmlns:p14="http://schemas.microsoft.com/office/powerpoint/2010/main" val="2453805199"/>
-      </p:ext>
-    </p:extLst>
-  </p:cSld>
-  <p:clrMapOvr>
-    <a:masterClrMapping/>
-  </p:clrMapOvr>
-</p:sld>
-</file>
-
-<file path=ppt/slides/slide29.xml><?xml version="1.0" encoding="utf-8"?>
-<p:sld xmlns:a="http://schemas.openxmlformats.org/drawingml/2006/main" xmlns:r="http://schemas.openxmlformats.org/officeDocument/2006/relationships" xmlns:p="http://schemas.openxmlformats.org/presentationml/2006/main">
-  <p:cSld>
-    <p:spTree>
-      <p:nvGrpSpPr>
-        <p:cNvPr id="1" name="">
-          <a:extLst>
-            <a:ext uri="{FF2B5EF4-FFF2-40B4-BE49-F238E27FC236}">
-              <a16:creationId xmlns:a16="http://schemas.microsoft.com/office/drawing/2014/main" id="{2FB5DE1B-28FC-C0FD-E79F-1EBEED8D1FD1}"/>
-            </a:ext>
-          </a:extLst>
-        </p:cNvPr>
-        <p:cNvGrpSpPr/>
-        <p:nvPr/>
-      </p:nvGrpSpPr>
-      <p:grpSpPr>
-        <a:xfrm>
-          <a:off x="0" y="0"/>
-          <a:ext cx="0" cy="0"/>
-          <a:chOff x="0" y="0"/>
-          <a:chExt cx="0" cy="0"/>
-        </a:xfrm>
-      </p:grpSpPr>
-      <p:sp>
-        <p:nvSpPr>
-          <p:cNvPr id="4" name="Rectangle 3">
-            <a:extLst>
-              <a:ext uri="{FF2B5EF4-FFF2-40B4-BE49-F238E27FC236}">
-                <a16:creationId xmlns:a16="http://schemas.microsoft.com/office/drawing/2014/main" id="{E09FE423-5F2C-B085-E6DB-678A0A38CDFD}"/>
-              </a:ext>
-            </a:extLst>
-          </p:cNvPr>
-          <p:cNvSpPr/>
-          <p:nvPr/>
-        </p:nvSpPr>
-        <p:spPr>
-          <a:xfrm>
-            <a:off x="11963400" y="0"/>
-            <a:ext cx="6324600" cy="10287000"/>
-          </a:xfrm>
-          <a:prstGeom prst="rect">
-            <a:avLst/>
-          </a:prstGeom>
-          <a:solidFill>
-            <a:srgbClr val="CF3338"/>
-          </a:solidFill>
-          <a:ln>
-            <a:noFill/>
-          </a:ln>
-        </p:spPr>
-        <p:style>
-          <a:lnRef idx="2">
-            <a:schemeClr val="accent1">
-              <a:shade val="50000"/>
-            </a:schemeClr>
-          </a:lnRef>
-          <a:fillRef idx="1">
-            <a:schemeClr val="accent1"/>
-          </a:fillRef>
-          <a:effectRef idx="0">
-            <a:schemeClr val="accent1"/>
-          </a:effectRef>
-          <a:fontRef idx="minor">
-            <a:schemeClr val="lt1"/>
-          </a:fontRef>
-        </p:style>
-        <p:txBody>
-          <a:bodyPr rtlCol="0" anchor="ctr"/>
-          <a:lstStyle/>
-          <a:p>
-            <a:pPr algn="ctr"/>
-            <a:endParaRPr lang="en-US" sz="2700"/>
-          </a:p>
-        </p:txBody>
-      </p:sp>
-      <p:pic>
-        <p:nvPicPr>
-          <p:cNvPr id="2" name="Picture 1">
-            <a:extLst>
-              <a:ext uri="{FF2B5EF4-FFF2-40B4-BE49-F238E27FC236}">
-                <a16:creationId xmlns:a16="http://schemas.microsoft.com/office/drawing/2014/main" id="{E21163B3-018D-68FE-688B-922B7B01ECE1}"/>
-              </a:ext>
-            </a:extLst>
-          </p:cNvPr>
-          <p:cNvPicPr>
-            <a:picLocks noChangeAspect="1"/>
-          </p:cNvPicPr>
-          <p:nvPr/>
-        </p:nvPicPr>
-        <p:blipFill rotWithShape="1">
-          <a:blip r:embed="rId3">
-            <a:extLst>
-              <a:ext uri="{28A0092B-C50C-407E-A947-70E740481C1C}">
-                <a14:useLocalDpi xmlns:a14="http://schemas.microsoft.com/office/drawing/2010/main" val="0"/>
-              </a:ext>
-            </a:extLst>
-          </a:blip>
-          <a:srcRect l="69227" t="33418" r="20112" b="50548"/>
-          <a:stretch/>
-        </p:blipFill>
-        <p:spPr>
-          <a:xfrm>
-            <a:off x="15579524" y="7544693"/>
-            <a:ext cx="2708477" cy="2987579"/>
-          </a:xfrm>
-          <a:prstGeom prst="rect">
-            <a:avLst/>
-          </a:prstGeom>
-        </p:spPr>
-      </p:pic>
-      <p:sp>
-        <p:nvSpPr>
-          <p:cNvPr id="3" name="TextBox 2">
-            <a:extLst>
-              <a:ext uri="{FF2B5EF4-FFF2-40B4-BE49-F238E27FC236}">
-                <a16:creationId xmlns:a16="http://schemas.microsoft.com/office/drawing/2014/main" id="{1F0D6E18-C2F9-94D6-0020-F745F308D8E6}"/>
-              </a:ext>
-            </a:extLst>
-          </p:cNvPr>
-          <p:cNvSpPr txBox="1"/>
-          <p:nvPr/>
-        </p:nvSpPr>
-        <p:spPr>
-          <a:xfrm>
-            <a:off x="260430" y="329879"/>
-            <a:ext cx="11017170" cy="10864513"/>
-          </a:xfrm>
-          <a:prstGeom prst="rect">
-            <a:avLst/>
-          </a:prstGeom>
-          <a:noFill/>
-        </p:spPr>
-        <p:txBody>
-          <a:bodyPr wrap="square" rtlCol="0">
-            <a:spAutoFit/>
-          </a:bodyPr>
-          <a:lstStyle/>
-          <a:p>
-            <a:r>
-              <a:rPr lang="en-US" sz="6000" b="1" dirty="0">
-                <a:solidFill>
-                  <a:srgbClr val="CF3338"/>
-                </a:solidFill>
-                <a:latin typeface="Pragmatica" panose="020B0403040502020204" pitchFamily="34" charset="0"/>
-              </a:rPr>
-              <a:t>Building a moving average chart</a:t>
-            </a:r>
-          </a:p>
-          <a:p>
-            <a:endParaRPr lang="en-US" sz="4200" dirty="0">
-              <a:solidFill>
-                <a:srgbClr val="CF3338"/>
-              </a:solidFill>
-              <a:latin typeface="Pragmatica" panose="020B0403040502020204" pitchFamily="34" charset="0"/>
-            </a:endParaRPr>
-          </a:p>
-          <a:p>
-            <a:pPr marL="714375" indent="-571500">
-              <a:lnSpc>
-                <a:spcPct val="115000"/>
-              </a:lnSpc>
-              <a:spcBef>
-                <a:spcPts val="1125"/>
-              </a:spcBef>
-              <a:buClr>
-                <a:srgbClr val="C00000"/>
-              </a:buClr>
-              <a:buSzPts val="2100"/>
-              <a:buFont typeface="Arial" panose="020B0604020202020204" pitchFamily="34" charset="0"/>
-              <a:buChar char="•"/>
-            </a:pPr>
-            <a:r>
-              <a:rPr lang="en-US" sz="3600" dirty="0">
-                <a:solidFill>
-                  <a:srgbClr val="C00000"/>
-                </a:solidFill>
-                <a:latin typeface="Pragmatica" panose="020B0403040502020204"/>
-                <a:sym typeface="Consolas"/>
-              </a:rPr>
-              <a:t>Develop an interactive moving average chart using Python within an Excel workbook</a:t>
-            </a:r>
-          </a:p>
-          <a:p>
-            <a:pPr marL="714375" indent="-571500">
-              <a:lnSpc>
-                <a:spcPct val="115000"/>
-              </a:lnSpc>
-              <a:spcBef>
-                <a:spcPts val="1125"/>
-              </a:spcBef>
-              <a:buClr>
-                <a:srgbClr val="C00000"/>
-              </a:buClr>
-              <a:buSzPts val="2100"/>
-              <a:buFont typeface="Arial" panose="020B0604020202020204" pitchFamily="34" charset="0"/>
-              <a:buChar char="•"/>
-            </a:pPr>
-            <a:r>
-              <a:rPr lang="en-US" sz="3600" dirty="0">
-                <a:solidFill>
-                  <a:srgbClr val="C00000"/>
-                </a:solidFill>
-                <a:latin typeface="Pragmatica" panose="020B0403040502020204"/>
-                <a:sym typeface="Consolas"/>
-              </a:rPr>
-              <a:t>Combine Python backend processing with Excel frontend capabilities to build user-driven data analyses</a:t>
-            </a:r>
-          </a:p>
-          <a:p>
-            <a:pPr marL="142875">
-              <a:lnSpc>
-                <a:spcPct val="115000"/>
-              </a:lnSpc>
-              <a:spcBef>
-                <a:spcPts val="1125"/>
-              </a:spcBef>
-              <a:buClr>
-                <a:srgbClr val="C00000"/>
-              </a:buClr>
-              <a:buSzPts val="2100"/>
-            </a:pPr>
-            <a:r>
-              <a:rPr lang="en-US" sz="3600" dirty="0">
-                <a:solidFill>
-                  <a:srgbClr val="C00000"/>
-                </a:solidFill>
-                <a:latin typeface="Pragmatica" panose="020B0403040502020204"/>
-                <a:sym typeface="Consolas"/>
-              </a:rPr>
-              <a:t>File: </a:t>
-            </a:r>
-            <a:r>
-              <a:rPr lang="en-US" sz="3600" dirty="0">
-                <a:solidFill>
-                  <a:srgbClr val="C00000"/>
-                </a:solidFill>
-                <a:latin typeface="Consolas" panose="020B0609020204030204" pitchFamily="49" charset="0"/>
-                <a:sym typeface="Consolas"/>
-              </a:rPr>
-              <a:t>moving-average.xlsx</a:t>
-            </a:r>
-            <a:br>
-              <a:rPr lang="en-US" sz="3600" dirty="0">
-                <a:solidFill>
-                  <a:srgbClr val="C00000"/>
-                </a:solidFill>
-                <a:latin typeface="Consolas" panose="020B0609020204030204" pitchFamily="49" charset="0"/>
-                <a:sym typeface="Consolas"/>
-              </a:rPr>
-            </a:br>
-            <a:r>
-              <a:rPr lang="en-US" sz="3600" dirty="0">
-                <a:solidFill>
-                  <a:srgbClr val="C00000"/>
-                </a:solidFill>
-                <a:latin typeface="Pragmatica" panose="020B0403040502020204"/>
-                <a:sym typeface="Consolas"/>
-              </a:rPr>
-              <a:t>User-defined resample period: </a:t>
-            </a:r>
-            <a:r>
-              <a:rPr lang="en-US" sz="3600" dirty="0">
-                <a:solidFill>
-                  <a:srgbClr val="C00000"/>
-                </a:solidFill>
-                <a:latin typeface="Consolas" panose="020B0609020204030204" pitchFamily="49" charset="0"/>
-                <a:sym typeface="Consolas"/>
-              </a:rPr>
-              <a:t>dynamic-moving-average.xlsx</a:t>
-            </a:r>
-          </a:p>
-          <a:p>
-            <a:pPr marL="142875">
-              <a:lnSpc>
-                <a:spcPct val="115000"/>
-              </a:lnSpc>
-              <a:spcBef>
-                <a:spcPts val="1125"/>
-              </a:spcBef>
-              <a:buClr>
-                <a:srgbClr val="C00000"/>
-              </a:buClr>
-              <a:buSzPts val="2100"/>
-            </a:pPr>
-            <a:endParaRPr lang="en-US" sz="3600" dirty="0">
-              <a:solidFill>
-                <a:srgbClr val="C00000"/>
-              </a:solidFill>
-              <a:latin typeface="Consolas" panose="020B0609020204030204" pitchFamily="49" charset="0"/>
-              <a:sym typeface="Consolas"/>
-            </a:endParaRPr>
-          </a:p>
-          <a:p>
-            <a:pPr marL="142875">
-              <a:lnSpc>
-                <a:spcPct val="115000"/>
-              </a:lnSpc>
-              <a:spcBef>
-                <a:spcPts val="1125"/>
-              </a:spcBef>
-              <a:buClr>
-                <a:srgbClr val="C00000"/>
-              </a:buClr>
-              <a:buSzPts val="2100"/>
-            </a:pPr>
-            <a:endParaRPr lang="en-US" sz="3600" dirty="0">
-              <a:solidFill>
-                <a:srgbClr val="C00000"/>
-              </a:solidFill>
-              <a:latin typeface="Consolas" panose="020B0609020204030204" pitchFamily="49" charset="0"/>
-              <a:sym typeface="Consolas"/>
-            </a:endParaRPr>
-          </a:p>
-          <a:p>
-            <a:pPr marL="142875">
-              <a:lnSpc>
-                <a:spcPct val="115000"/>
-              </a:lnSpc>
-              <a:spcBef>
-                <a:spcPts val="1125"/>
-              </a:spcBef>
-              <a:buClr>
-                <a:srgbClr val="C00000"/>
-              </a:buClr>
-              <a:buSzPts val="2100"/>
-            </a:pPr>
-            <a:endParaRPr lang="en-US" sz="6000" dirty="0">
-              <a:solidFill>
-                <a:srgbClr val="CF3338"/>
-              </a:solidFill>
-              <a:latin typeface="Consolas" panose="020B0609020204030204" pitchFamily="49" charset="0"/>
-            </a:endParaRPr>
-          </a:p>
-          <a:p>
-            <a:endParaRPr lang="en-US" sz="6000" dirty="0">
-              <a:solidFill>
-                <a:srgbClr val="CF3338"/>
-              </a:solidFill>
-              <a:latin typeface="Pragmatica" panose="020B0403040502020204" pitchFamily="34" charset="0"/>
-            </a:endParaRPr>
-          </a:p>
-        </p:txBody>
-      </p:sp>
-    </p:spTree>
-    <p:extLst>
-      <p:ext uri="{BB962C8B-B14F-4D97-AF65-F5344CB8AC3E}">
-        <p14:creationId xmlns:p14="http://schemas.microsoft.com/office/powerpoint/2010/main" val="3981037871"/>
       </p:ext>
     </p:extLst>
   </p:cSld>
@@ -11504,7 +11391,7 @@
         <p:cNvPr id="1" name="">
           <a:extLst>
             <a:ext uri="{FF2B5EF4-FFF2-40B4-BE49-F238E27FC236}">
-              <a16:creationId xmlns:a16="http://schemas.microsoft.com/office/drawing/2014/main" id="{1D94D3B1-C917-4EB0-DE9D-04CA302E7F82}"/>
+              <a16:creationId xmlns:a16="http://schemas.microsoft.com/office/drawing/2014/main" id="{2FB5DE1B-28FC-C0FD-E79F-1EBEED8D1FD1}"/>
             </a:ext>
           </a:extLst>
         </p:cNvPr>
@@ -11524,7 +11411,7 @@
           <p:cNvPr id="4" name="Rectangle 3">
             <a:extLst>
               <a:ext uri="{FF2B5EF4-FFF2-40B4-BE49-F238E27FC236}">
-                <a16:creationId xmlns:a16="http://schemas.microsoft.com/office/drawing/2014/main" id="{4F7D33EC-6D3B-E0E8-2880-9F4B01B660E0}"/>
+                <a16:creationId xmlns:a16="http://schemas.microsoft.com/office/drawing/2014/main" id="{E09FE423-5F2C-B085-E6DB-678A0A38CDFD}"/>
               </a:ext>
             </a:extLst>
           </p:cNvPr>
@@ -11576,7 +11463,7 @@
           <p:cNvPr id="2" name="Picture 1">
             <a:extLst>
               <a:ext uri="{FF2B5EF4-FFF2-40B4-BE49-F238E27FC236}">
-                <a16:creationId xmlns:a16="http://schemas.microsoft.com/office/drawing/2014/main" id="{85747CA4-0869-B933-381D-4273D1DD731C}"/>
+                <a16:creationId xmlns:a16="http://schemas.microsoft.com/office/drawing/2014/main" id="{E21163B3-018D-68FE-688B-922B7B01ECE1}"/>
               </a:ext>
             </a:extLst>
           </p:cNvPr>
@@ -11611,7 +11498,7 @@
           <p:cNvPr id="3" name="TextBox 2">
             <a:extLst>
               <a:ext uri="{FF2B5EF4-FFF2-40B4-BE49-F238E27FC236}">
-                <a16:creationId xmlns:a16="http://schemas.microsoft.com/office/drawing/2014/main" id="{C91D0215-089E-3CD1-C917-7699A738972C}"/>
+                <a16:creationId xmlns:a16="http://schemas.microsoft.com/office/drawing/2014/main" id="{1F0D6E18-C2F9-94D6-0020-F745F308D8E6}"/>
               </a:ext>
             </a:extLst>
           </p:cNvPr>
@@ -11621,7 +11508,7 @@
         <p:spPr>
           <a:xfrm>
             <a:off x="260430" y="329879"/>
-            <a:ext cx="11017170" cy="8387424"/>
+            <a:ext cx="11017170" cy="10864513"/>
           </a:xfrm>
           <a:prstGeom prst="rect">
             <a:avLst/>
@@ -11641,7 +11528,7 @@
                 </a:solidFill>
                 <a:latin typeface="Pragmatica" panose="020B0403040502020204" pitchFamily="34" charset="0"/>
               </a:rPr>
-              <a:t>Dynamic measures</a:t>
+              <a:t>Building a moving average chart</a:t>
             </a:r>
           </a:p>
           <a:p>
@@ -11675,7 +11562,7 @@
                 <a:latin typeface="Pragmatica" panose="020B0403040502020204"/>
                 <a:sym typeface="Consolas"/>
               </a:rPr>
-              <a:t>Create dynamic measures a la Power BI/Tableau</a:t>
+              <a:t>Develop an interactive moving average chart using Python within an Excel workbook</a:t>
             </a:r>
           </a:p>
           <a:p>
@@ -11701,87 +11588,8 @@
                 <a:latin typeface="Pragmatica" panose="020B0403040502020204"/>
                 <a:sym typeface="Consolas"/>
               </a:rPr>
-              <a:t>Integrate Python backend processing with Excel’s visualization capabilities to build responsive and customizable bar charts</a:t>
-            </a:r>
-          </a:p>
-          <a:p>
-            <a:pPr marL="714375" indent="-571500">
-              <a:lnSpc>
-                <a:spcPct val="115000"/>
-              </a:lnSpc>
-              <a:spcBef>
-                <a:spcPts val="1125"/>
-              </a:spcBef>
-              <a:buClr>
-                <a:srgbClr val="C00000"/>
-              </a:buClr>
-              <a:buSzPts val="2100"/>
-              <a:buFont typeface="Arial" panose="020B0604020202020204" pitchFamily="34" charset="0"/>
-              <a:buChar char="•"/>
-            </a:pPr>
-            <a:r>
-              <a:rPr lang="en-US" sz="3600" dirty="0">
-                <a:solidFill>
-                  <a:srgbClr val="C00000"/>
-                </a:solidFill>
-                <a:latin typeface="Pragmatica" panose="020B0403040502020204"/>
-                <a:sym typeface="Consolas"/>
-              </a:rPr>
-              <a:t>Utilize Python’s </a:t>
-            </a:r>
-            <a:r>
-              <a:rPr lang="en-US" sz="3600" dirty="0" err="1">
-                <a:solidFill>
-                  <a:srgbClr val="C00000"/>
-                </a:solidFill>
-                <a:latin typeface="Consolas" panose="020B0609020204030204" pitchFamily="49" charset="0"/>
-                <a:sym typeface="Consolas"/>
-              </a:rPr>
-              <a:t>getattr</a:t>
-            </a:r>
-            <a:r>
-              <a:rPr lang="en-US" sz="3600" dirty="0">
-                <a:solidFill>
-                  <a:srgbClr val="C00000"/>
-                </a:solidFill>
-                <a:latin typeface="Consolas" panose="020B0609020204030204" pitchFamily="49" charset="0"/>
-                <a:sym typeface="Consolas"/>
-              </a:rPr>
-              <a:t>()</a:t>
-            </a:r>
-            <a:r>
-              <a:rPr lang="en-US" sz="3600" dirty="0">
-                <a:solidFill>
-                  <a:srgbClr val="C00000"/>
-                </a:solidFill>
-                <a:latin typeface="Pragmatica" panose="020B0403040502020204"/>
-                <a:sym typeface="Consolas"/>
-              </a:rPr>
-              <a:t> function to dynamically handle user-driven inputs for flexible data aggregation</a:t>
-            </a:r>
-          </a:p>
-          <a:p>
-            <a:pPr marL="714375" indent="-571500">
-              <a:lnSpc>
-                <a:spcPct val="115000"/>
-              </a:lnSpc>
-              <a:spcBef>
-                <a:spcPts val="1125"/>
-              </a:spcBef>
-              <a:buClr>
-                <a:srgbClr val="C00000"/>
-              </a:buClr>
-              <a:buSzPts val="2100"/>
-              <a:buFont typeface="Arial" panose="020B0604020202020204" pitchFamily="34" charset="0"/>
-              <a:buChar char="•"/>
-            </a:pPr>
-            <a:endParaRPr lang="en-US" sz="3600" dirty="0">
-              <a:solidFill>
-                <a:srgbClr val="C00000"/>
-              </a:solidFill>
-              <a:latin typeface="Pragmatica" panose="020B0403040502020204"/>
-              <a:sym typeface="Consolas"/>
-            </a:endParaRPr>
+              <a:t>Combine Python backend processing with Excel frontend capabilities to build user-driven data analyses</a:t>
+            </a:r>
           </a:p>
           <a:p>
             <a:pPr marL="142875">
@@ -11814,8 +11622,93 @@
                 <a:latin typeface="Consolas" panose="020B0609020204030204" pitchFamily="49" charset="0"/>
                 <a:sym typeface="Consolas"/>
               </a:rPr>
-              <a:t>dynamic-measures.xlsx</a:t>
-            </a:r>
+              <a:t>moving-average.xlsx</a:t>
+            </a:r>
+            <a:br>
+              <a:rPr lang="en-US" sz="3600" dirty="0">
+                <a:solidFill>
+                  <a:srgbClr val="C00000"/>
+                </a:solidFill>
+                <a:latin typeface="Consolas" panose="020B0609020204030204" pitchFamily="49" charset="0"/>
+                <a:sym typeface="Consolas"/>
+              </a:rPr>
+            </a:br>
+            <a:r>
+              <a:rPr lang="en-US" sz="3600" dirty="0">
+                <a:solidFill>
+                  <a:srgbClr val="C00000"/>
+                </a:solidFill>
+                <a:latin typeface="Pragmatica" panose="020B0403040502020204"/>
+                <a:sym typeface="Consolas"/>
+              </a:rPr>
+              <a:t>User-defined resample period: </a:t>
+            </a:r>
+            <a:r>
+              <a:rPr lang="en-US" sz="3600" dirty="0">
+                <a:solidFill>
+                  <a:srgbClr val="C00000"/>
+                </a:solidFill>
+                <a:latin typeface="Consolas" panose="020B0609020204030204" pitchFamily="49" charset="0"/>
+                <a:sym typeface="Consolas"/>
+              </a:rPr>
+              <a:t>dynamic-moving-average.xlsx</a:t>
+            </a:r>
+          </a:p>
+          <a:p>
+            <a:pPr marL="142875">
+              <a:lnSpc>
+                <a:spcPct val="115000"/>
+              </a:lnSpc>
+              <a:spcBef>
+                <a:spcPts val="1125"/>
+              </a:spcBef>
+              <a:buClr>
+                <a:srgbClr val="C00000"/>
+              </a:buClr>
+              <a:buSzPts val="2100"/>
+            </a:pPr>
+            <a:endParaRPr lang="en-US" sz="3600" dirty="0">
+              <a:solidFill>
+                <a:srgbClr val="C00000"/>
+              </a:solidFill>
+              <a:latin typeface="Consolas" panose="020B0609020204030204" pitchFamily="49" charset="0"/>
+              <a:sym typeface="Consolas"/>
+            </a:endParaRPr>
+          </a:p>
+          <a:p>
+            <a:pPr marL="142875">
+              <a:lnSpc>
+                <a:spcPct val="115000"/>
+              </a:lnSpc>
+              <a:spcBef>
+                <a:spcPts val="1125"/>
+              </a:spcBef>
+              <a:buClr>
+                <a:srgbClr val="C00000"/>
+              </a:buClr>
+              <a:buSzPts val="2100"/>
+            </a:pPr>
+            <a:endParaRPr lang="en-US" sz="3600" dirty="0">
+              <a:solidFill>
+                <a:srgbClr val="C00000"/>
+              </a:solidFill>
+              <a:latin typeface="Consolas" panose="020B0609020204030204" pitchFamily="49" charset="0"/>
+              <a:sym typeface="Consolas"/>
+            </a:endParaRPr>
+          </a:p>
+          <a:p>
+            <a:pPr marL="142875">
+              <a:lnSpc>
+                <a:spcPct val="115000"/>
+              </a:lnSpc>
+              <a:spcBef>
+                <a:spcPts val="1125"/>
+              </a:spcBef>
+              <a:buClr>
+                <a:srgbClr val="C00000"/>
+              </a:buClr>
+              <a:buSzPts val="2100"/>
+            </a:pPr>
             <a:endParaRPr lang="en-US" sz="6000" dirty="0">
               <a:solidFill>
                 <a:srgbClr val="CF3338"/>
@@ -11836,7 +11729,7 @@
     </p:spTree>
     <p:extLst>
       <p:ext uri="{BB962C8B-B14F-4D97-AF65-F5344CB8AC3E}">
-        <p14:creationId xmlns:p14="http://schemas.microsoft.com/office/powerpoint/2010/main" val="2476456128"/>
+        <p14:creationId xmlns:p14="http://schemas.microsoft.com/office/powerpoint/2010/main" val="3981037871"/>
       </p:ext>
     </p:extLst>
   </p:cSld>
@@ -11854,7 +11747,7 @@
         <p:cNvPr id="1" name="">
           <a:extLst>
             <a:ext uri="{FF2B5EF4-FFF2-40B4-BE49-F238E27FC236}">
-              <a16:creationId xmlns:a16="http://schemas.microsoft.com/office/drawing/2014/main" id="{A9848E44-68DD-6AEA-08F3-5606760AEF44}"/>
+              <a16:creationId xmlns:a16="http://schemas.microsoft.com/office/drawing/2014/main" id="{1D94D3B1-C917-4EB0-DE9D-04CA302E7F82}"/>
             </a:ext>
           </a:extLst>
         </p:cNvPr>
@@ -11874,7 +11767,7 @@
           <p:cNvPr id="4" name="Rectangle 3">
             <a:extLst>
               <a:ext uri="{FF2B5EF4-FFF2-40B4-BE49-F238E27FC236}">
-                <a16:creationId xmlns:a16="http://schemas.microsoft.com/office/drawing/2014/main" id="{615E1502-BDF1-3D8C-22A3-6213D3359402}"/>
+                <a16:creationId xmlns:a16="http://schemas.microsoft.com/office/drawing/2014/main" id="{4F7D33EC-6D3B-E0E8-2880-9F4B01B660E0}"/>
               </a:ext>
             </a:extLst>
           </p:cNvPr>
@@ -11926,6 +11819,356 @@
           <p:cNvPr id="2" name="Picture 1">
             <a:extLst>
               <a:ext uri="{FF2B5EF4-FFF2-40B4-BE49-F238E27FC236}">
+                <a16:creationId xmlns:a16="http://schemas.microsoft.com/office/drawing/2014/main" id="{85747CA4-0869-B933-381D-4273D1DD731C}"/>
+              </a:ext>
+            </a:extLst>
+          </p:cNvPr>
+          <p:cNvPicPr>
+            <a:picLocks noChangeAspect="1"/>
+          </p:cNvPicPr>
+          <p:nvPr/>
+        </p:nvPicPr>
+        <p:blipFill rotWithShape="1">
+          <a:blip r:embed="rId3">
+            <a:extLst>
+              <a:ext uri="{28A0092B-C50C-407E-A947-70E740481C1C}">
+                <a14:useLocalDpi xmlns:a14="http://schemas.microsoft.com/office/drawing/2010/main" val="0"/>
+              </a:ext>
+            </a:extLst>
+          </a:blip>
+          <a:srcRect l="69227" t="33418" r="20112" b="50548"/>
+          <a:stretch/>
+        </p:blipFill>
+        <p:spPr>
+          <a:xfrm>
+            <a:off x="15579524" y="7544693"/>
+            <a:ext cx="2708477" cy="2987579"/>
+          </a:xfrm>
+          <a:prstGeom prst="rect">
+            <a:avLst/>
+          </a:prstGeom>
+        </p:spPr>
+      </p:pic>
+      <p:sp>
+        <p:nvSpPr>
+          <p:cNvPr id="3" name="TextBox 2">
+            <a:extLst>
+              <a:ext uri="{FF2B5EF4-FFF2-40B4-BE49-F238E27FC236}">
+                <a16:creationId xmlns:a16="http://schemas.microsoft.com/office/drawing/2014/main" id="{C91D0215-089E-3CD1-C917-7699A738972C}"/>
+              </a:ext>
+            </a:extLst>
+          </p:cNvPr>
+          <p:cNvSpPr txBox="1"/>
+          <p:nvPr/>
+        </p:nvSpPr>
+        <p:spPr>
+          <a:xfrm>
+            <a:off x="260430" y="329879"/>
+            <a:ext cx="11017170" cy="8387424"/>
+          </a:xfrm>
+          <a:prstGeom prst="rect">
+            <a:avLst/>
+          </a:prstGeom>
+          <a:noFill/>
+        </p:spPr>
+        <p:txBody>
+          <a:bodyPr wrap="square" rtlCol="0">
+            <a:spAutoFit/>
+          </a:bodyPr>
+          <a:lstStyle/>
+          <a:p>
+            <a:r>
+              <a:rPr lang="en-US" sz="6000" b="1" dirty="0">
+                <a:solidFill>
+                  <a:srgbClr val="CF3338"/>
+                </a:solidFill>
+                <a:latin typeface="Pragmatica" panose="020B0403040502020204" pitchFamily="34" charset="0"/>
+              </a:rPr>
+              <a:t>Dynamic measures</a:t>
+            </a:r>
+          </a:p>
+          <a:p>
+            <a:endParaRPr lang="en-US" sz="4200" dirty="0">
+              <a:solidFill>
+                <a:srgbClr val="CF3338"/>
+              </a:solidFill>
+              <a:latin typeface="Pragmatica" panose="020B0403040502020204" pitchFamily="34" charset="0"/>
+            </a:endParaRPr>
+          </a:p>
+          <a:p>
+            <a:pPr marL="714375" indent="-571500">
+              <a:lnSpc>
+                <a:spcPct val="115000"/>
+              </a:lnSpc>
+              <a:spcBef>
+                <a:spcPts val="1125"/>
+              </a:spcBef>
+              <a:buClr>
+                <a:srgbClr val="C00000"/>
+              </a:buClr>
+              <a:buSzPts val="2100"/>
+              <a:buFont typeface="Arial" panose="020B0604020202020204" pitchFamily="34" charset="0"/>
+              <a:buChar char="•"/>
+            </a:pPr>
+            <a:r>
+              <a:rPr lang="en-US" sz="3600" dirty="0">
+                <a:solidFill>
+                  <a:srgbClr val="C00000"/>
+                </a:solidFill>
+                <a:latin typeface="Pragmatica" panose="020B0403040502020204"/>
+                <a:sym typeface="Consolas"/>
+              </a:rPr>
+              <a:t>Create dynamic measures a la Power BI/Tableau</a:t>
+            </a:r>
+          </a:p>
+          <a:p>
+            <a:pPr marL="714375" indent="-571500">
+              <a:lnSpc>
+                <a:spcPct val="115000"/>
+              </a:lnSpc>
+              <a:spcBef>
+                <a:spcPts val="1125"/>
+              </a:spcBef>
+              <a:buClr>
+                <a:srgbClr val="C00000"/>
+              </a:buClr>
+              <a:buSzPts val="2100"/>
+              <a:buFont typeface="Arial" panose="020B0604020202020204" pitchFamily="34" charset="0"/>
+              <a:buChar char="•"/>
+            </a:pPr>
+            <a:r>
+              <a:rPr lang="en-US" sz="3600" dirty="0">
+                <a:solidFill>
+                  <a:srgbClr val="C00000"/>
+                </a:solidFill>
+                <a:latin typeface="Pragmatica" panose="020B0403040502020204"/>
+                <a:sym typeface="Consolas"/>
+              </a:rPr>
+              <a:t>Integrate Python backend processing with Excel’s visualization capabilities to build responsive and customizable bar charts</a:t>
+            </a:r>
+          </a:p>
+          <a:p>
+            <a:pPr marL="714375" indent="-571500">
+              <a:lnSpc>
+                <a:spcPct val="115000"/>
+              </a:lnSpc>
+              <a:spcBef>
+                <a:spcPts val="1125"/>
+              </a:spcBef>
+              <a:buClr>
+                <a:srgbClr val="C00000"/>
+              </a:buClr>
+              <a:buSzPts val="2100"/>
+              <a:buFont typeface="Arial" panose="020B0604020202020204" pitchFamily="34" charset="0"/>
+              <a:buChar char="•"/>
+            </a:pPr>
+            <a:r>
+              <a:rPr lang="en-US" sz="3600" dirty="0">
+                <a:solidFill>
+                  <a:srgbClr val="C00000"/>
+                </a:solidFill>
+                <a:latin typeface="Pragmatica" panose="020B0403040502020204"/>
+                <a:sym typeface="Consolas"/>
+              </a:rPr>
+              <a:t>Utilize Python’s </a:t>
+            </a:r>
+            <a:r>
+              <a:rPr lang="en-US" sz="3600" dirty="0" err="1">
+                <a:solidFill>
+                  <a:srgbClr val="C00000"/>
+                </a:solidFill>
+                <a:latin typeface="Consolas" panose="020B0609020204030204" pitchFamily="49" charset="0"/>
+                <a:sym typeface="Consolas"/>
+              </a:rPr>
+              <a:t>getattr</a:t>
+            </a:r>
+            <a:r>
+              <a:rPr lang="en-US" sz="3600" dirty="0">
+                <a:solidFill>
+                  <a:srgbClr val="C00000"/>
+                </a:solidFill>
+                <a:latin typeface="Consolas" panose="020B0609020204030204" pitchFamily="49" charset="0"/>
+                <a:sym typeface="Consolas"/>
+              </a:rPr>
+              <a:t>()</a:t>
+            </a:r>
+            <a:r>
+              <a:rPr lang="en-US" sz="3600" dirty="0">
+                <a:solidFill>
+                  <a:srgbClr val="C00000"/>
+                </a:solidFill>
+                <a:latin typeface="Pragmatica" panose="020B0403040502020204"/>
+                <a:sym typeface="Consolas"/>
+              </a:rPr>
+              <a:t> function to dynamically handle user-driven inputs for flexible data aggregation</a:t>
+            </a:r>
+          </a:p>
+          <a:p>
+            <a:pPr marL="714375" indent="-571500">
+              <a:lnSpc>
+                <a:spcPct val="115000"/>
+              </a:lnSpc>
+              <a:spcBef>
+                <a:spcPts val="1125"/>
+              </a:spcBef>
+              <a:buClr>
+                <a:srgbClr val="C00000"/>
+              </a:buClr>
+              <a:buSzPts val="2100"/>
+              <a:buFont typeface="Arial" panose="020B0604020202020204" pitchFamily="34" charset="0"/>
+              <a:buChar char="•"/>
+            </a:pPr>
+            <a:endParaRPr lang="en-US" sz="3600" dirty="0">
+              <a:solidFill>
+                <a:srgbClr val="C00000"/>
+              </a:solidFill>
+              <a:latin typeface="Pragmatica" panose="020B0403040502020204"/>
+              <a:sym typeface="Consolas"/>
+            </a:endParaRPr>
+          </a:p>
+          <a:p>
+            <a:pPr marL="142875">
+              <a:lnSpc>
+                <a:spcPct val="115000"/>
+              </a:lnSpc>
+              <a:spcBef>
+                <a:spcPts val="1125"/>
+              </a:spcBef>
+              <a:buClr>
+                <a:srgbClr val="C00000"/>
+              </a:buClr>
+              <a:buSzPts val="2100"/>
+            </a:pPr>
+            <a:r>
+              <a:rPr lang="en-US" sz="3600" dirty="0">
+                <a:solidFill>
+                  <a:srgbClr val="C00000"/>
+                </a:solidFill>
+                <a:latin typeface="Pragmatica" panose="020B0403040502020204"/>
+                <a:sym typeface="Consolas"/>
+              </a:rPr>
+              <a:t>File: </a:t>
+            </a:r>
+            <a:r>
+              <a:rPr lang="en-US" sz="3600" dirty="0">
+                <a:solidFill>
+                  <a:srgbClr val="C00000"/>
+                </a:solidFill>
+                <a:latin typeface="Consolas" panose="020B0609020204030204" pitchFamily="49" charset="0"/>
+                <a:sym typeface="Consolas"/>
+              </a:rPr>
+              <a:t>dynamic-measures.xlsx</a:t>
+            </a:r>
+            <a:endParaRPr lang="en-US" sz="6000" dirty="0">
+              <a:solidFill>
+                <a:srgbClr val="CF3338"/>
+              </a:solidFill>
+              <a:latin typeface="Consolas" panose="020B0609020204030204" pitchFamily="49" charset="0"/>
+            </a:endParaRPr>
+          </a:p>
+          <a:p>
+            <a:endParaRPr lang="en-US" sz="6000" dirty="0">
+              <a:solidFill>
+                <a:srgbClr val="CF3338"/>
+              </a:solidFill>
+              <a:latin typeface="Pragmatica" panose="020B0403040502020204" pitchFamily="34" charset="0"/>
+            </a:endParaRPr>
+          </a:p>
+        </p:txBody>
+      </p:sp>
+    </p:spTree>
+    <p:extLst>
+      <p:ext uri="{BB962C8B-B14F-4D97-AF65-F5344CB8AC3E}">
+        <p14:creationId xmlns:p14="http://schemas.microsoft.com/office/powerpoint/2010/main" val="2476456128"/>
+      </p:ext>
+    </p:extLst>
+  </p:cSld>
+  <p:clrMapOvr>
+    <a:masterClrMapping/>
+  </p:clrMapOvr>
+</p:sld>
+</file>
+
+<file path=ppt/slides/slide32.xml><?xml version="1.0" encoding="utf-8"?>
+<p:sld xmlns:a="http://schemas.openxmlformats.org/drawingml/2006/main" xmlns:r="http://schemas.openxmlformats.org/officeDocument/2006/relationships" xmlns:p="http://schemas.openxmlformats.org/presentationml/2006/main">
+  <p:cSld>
+    <p:spTree>
+      <p:nvGrpSpPr>
+        <p:cNvPr id="1" name="">
+          <a:extLst>
+            <a:ext uri="{FF2B5EF4-FFF2-40B4-BE49-F238E27FC236}">
+              <a16:creationId xmlns:a16="http://schemas.microsoft.com/office/drawing/2014/main" id="{A9848E44-68DD-6AEA-08F3-5606760AEF44}"/>
+            </a:ext>
+          </a:extLst>
+        </p:cNvPr>
+        <p:cNvGrpSpPr/>
+        <p:nvPr/>
+      </p:nvGrpSpPr>
+      <p:grpSpPr>
+        <a:xfrm>
+          <a:off x="0" y="0"/>
+          <a:ext cx="0" cy="0"/>
+          <a:chOff x="0" y="0"/>
+          <a:chExt cx="0" cy="0"/>
+        </a:xfrm>
+      </p:grpSpPr>
+      <p:sp>
+        <p:nvSpPr>
+          <p:cNvPr id="4" name="Rectangle 3">
+            <a:extLst>
+              <a:ext uri="{FF2B5EF4-FFF2-40B4-BE49-F238E27FC236}">
+                <a16:creationId xmlns:a16="http://schemas.microsoft.com/office/drawing/2014/main" id="{615E1502-BDF1-3D8C-22A3-6213D3359402}"/>
+              </a:ext>
+            </a:extLst>
+          </p:cNvPr>
+          <p:cNvSpPr/>
+          <p:nvPr/>
+        </p:nvSpPr>
+        <p:spPr>
+          <a:xfrm>
+            <a:off x="11963400" y="0"/>
+            <a:ext cx="6324600" cy="10287000"/>
+          </a:xfrm>
+          <a:prstGeom prst="rect">
+            <a:avLst/>
+          </a:prstGeom>
+          <a:solidFill>
+            <a:srgbClr val="CF3338"/>
+          </a:solidFill>
+          <a:ln>
+            <a:noFill/>
+          </a:ln>
+        </p:spPr>
+        <p:style>
+          <a:lnRef idx="2">
+            <a:schemeClr val="accent1">
+              <a:shade val="50000"/>
+            </a:schemeClr>
+          </a:lnRef>
+          <a:fillRef idx="1">
+            <a:schemeClr val="accent1"/>
+          </a:fillRef>
+          <a:effectRef idx="0">
+            <a:schemeClr val="accent1"/>
+          </a:effectRef>
+          <a:fontRef idx="minor">
+            <a:schemeClr val="lt1"/>
+          </a:fontRef>
+        </p:style>
+        <p:txBody>
+          <a:bodyPr rtlCol="0" anchor="ctr"/>
+          <a:lstStyle/>
+          <a:p>
+            <a:pPr algn="ctr"/>
+            <a:endParaRPr lang="en-US" sz="2700"/>
+          </a:p>
+        </p:txBody>
+      </p:sp>
+      <p:pic>
+        <p:nvPicPr>
+          <p:cNvPr id="2" name="Picture 1">
+            <a:extLst>
+              <a:ext uri="{FF2B5EF4-FFF2-40B4-BE49-F238E27FC236}">
                 <a16:creationId xmlns:a16="http://schemas.microsoft.com/office/drawing/2014/main" id="{326DC3E1-5616-5EA6-502A-7BCF02A8A09F}"/>
               </a:ext>
             </a:extLst>
@@ -12266,7 +12509,7 @@
 </p:sld>
 </file>
 
-<file path=ppt/slides/slide32.xml><?xml version="1.0" encoding="utf-8"?>
+<file path=ppt/slides/slide33.xml><?xml version="1.0" encoding="utf-8"?>
 <p:sld xmlns:a="http://schemas.openxmlformats.org/drawingml/2006/main" xmlns:r="http://schemas.openxmlformats.org/officeDocument/2006/relationships" xmlns:p="http://schemas.openxmlformats.org/presentationml/2006/main">
   <p:cSld>
     <p:spTree>
@@ -12448,7 +12691,7 @@
 </p:sld>
 </file>
 
-<file path=ppt/slides/slide33.xml><?xml version="1.0" encoding="utf-8"?>
+<file path=ppt/slides/slide34.xml><?xml version="1.0" encoding="utf-8"?>
 <p:sld xmlns:a="http://schemas.openxmlformats.org/drawingml/2006/main" xmlns:r="http://schemas.openxmlformats.org/officeDocument/2006/relationships" xmlns:p="http://schemas.openxmlformats.org/presentationml/2006/main">
   <p:cSld>
     <p:spTree>
@@ -12576,7 +12819,7 @@
 </p:sld>
 </file>
 
-<file path=ppt/slides/slide34.xml><?xml version="1.0" encoding="utf-8"?>
+<file path=ppt/slides/slide35.xml><?xml version="1.0" encoding="utf-8"?>
 <p:sld xmlns:a="http://schemas.openxmlformats.org/drawingml/2006/main" xmlns:r="http://schemas.openxmlformats.org/officeDocument/2006/relationships" xmlns:p="http://schemas.openxmlformats.org/presentationml/2006/main">
   <p:cSld>
     <p:spTree>
@@ -12813,7 +13056,7 @@
 </p:sld>
 </file>
 
-<file path=ppt/slides/slide35.xml><?xml version="1.0" encoding="utf-8"?>
+<file path=ppt/slides/slide36.xml><?xml version="1.0" encoding="utf-8"?>
 <p:sld xmlns:a="http://schemas.openxmlformats.org/drawingml/2006/main" xmlns:r="http://schemas.openxmlformats.org/officeDocument/2006/relationships" xmlns:p="http://schemas.openxmlformats.org/presentationml/2006/main">
   <p:cSld>
     <p:spTree>
@@ -12941,7 +13184,7 @@
 </p:sld>
 </file>
 
-<file path=ppt/slides/slide36.xml><?xml version="1.0" encoding="utf-8"?>
+<file path=ppt/slides/slide37.xml><?xml version="1.0" encoding="utf-8"?>
 <p:sld xmlns:a="http://schemas.openxmlformats.org/drawingml/2006/main" xmlns:r="http://schemas.openxmlformats.org/officeDocument/2006/relationships" xmlns:p="http://schemas.openxmlformats.org/presentationml/2006/main">
   <p:cSld>
     <p:spTree>
@@ -13212,7 +13455,7 @@
 </p:sld>
 </file>
 
-<file path=ppt/slides/slide37.xml><?xml version="1.0" encoding="utf-8"?>
+<file path=ppt/slides/slide38.xml><?xml version="1.0" encoding="utf-8"?>
 <p:sld xmlns:a="http://schemas.openxmlformats.org/drawingml/2006/main" xmlns:r="http://schemas.openxmlformats.org/officeDocument/2006/relationships" xmlns:p="http://schemas.openxmlformats.org/presentationml/2006/main">
   <p:cSld>
     <p:spTree>
@@ -13469,7 +13712,7 @@
 </p:sld>
 </file>
 
-<file path=ppt/slides/slide38.xml><?xml version="1.0" encoding="utf-8"?>
+<file path=ppt/slides/slide39.xml><?xml version="1.0" encoding="utf-8"?>
 <p:sld xmlns:a="http://schemas.openxmlformats.org/drawingml/2006/main" xmlns:r="http://schemas.openxmlformats.org/officeDocument/2006/relationships" xmlns:p="http://schemas.openxmlformats.org/presentationml/2006/main">
   <p:cSld>
     <p:spTree>
@@ -13732,253 +13975,6 @@
 </p:sld>
 </file>
 
-<file path=ppt/slides/slide39.xml><?xml version="1.0" encoding="utf-8"?>
-<p:sld xmlns:a="http://schemas.openxmlformats.org/drawingml/2006/main" xmlns:r="http://schemas.openxmlformats.org/officeDocument/2006/relationships" xmlns:p="http://schemas.openxmlformats.org/presentationml/2006/main">
-  <p:cSld>
-    <p:spTree>
-      <p:nvGrpSpPr>
-        <p:cNvPr id="1" name=""/>
-        <p:cNvGrpSpPr/>
-        <p:nvPr/>
-      </p:nvGrpSpPr>
-      <p:grpSpPr>
-        <a:xfrm>
-          <a:off x="0" y="0"/>
-          <a:ext cx="0" cy="0"/>
-          <a:chOff x="0" y="0"/>
-          <a:chExt cx="0" cy="0"/>
-        </a:xfrm>
-      </p:grpSpPr>
-      <p:pic>
-        <p:nvPicPr>
-          <p:cNvPr id="10" name="Picture 9"/>
-          <p:cNvPicPr>
-            <a:picLocks noChangeAspect="1"/>
-          </p:cNvPicPr>
-          <p:nvPr/>
-        </p:nvPicPr>
-        <p:blipFill rotWithShape="1">
-          <a:blip r:embed="rId2">
-            <a:extLst>
-              <a:ext uri="{28A0092B-C50C-407E-A947-70E740481C1C}">
-                <a14:useLocalDpi xmlns:a14="http://schemas.microsoft.com/office/drawing/2010/main" val="0"/>
-              </a:ext>
-            </a:extLst>
-          </a:blip>
-          <a:srcRect l="50728" t="56371"/>
-          <a:stretch/>
-        </p:blipFill>
-        <p:spPr>
-          <a:xfrm>
-            <a:off x="12204691" y="3316148"/>
-            <a:ext cx="6083309" cy="6970854"/>
-          </a:xfrm>
-          <a:prstGeom prst="rect">
-            <a:avLst/>
-          </a:prstGeom>
-        </p:spPr>
-      </p:pic>
-      <p:pic>
-        <p:nvPicPr>
-          <p:cNvPr id="4" name="Picture 3"/>
-          <p:cNvPicPr>
-            <a:picLocks noChangeAspect="1"/>
-          </p:cNvPicPr>
-          <p:nvPr/>
-        </p:nvPicPr>
-        <p:blipFill>
-          <a:blip r:embed="rId3">
-            <a:extLst>
-              <a:ext uri="{28A0092B-C50C-407E-A947-70E740481C1C}">
-                <a14:useLocalDpi xmlns:a14="http://schemas.microsoft.com/office/drawing/2010/main" val="0"/>
-              </a:ext>
-            </a:extLst>
-          </a:blip>
-          <a:stretch>
-            <a:fillRect/>
-          </a:stretch>
-        </p:blipFill>
-        <p:spPr>
-          <a:xfrm>
-            <a:off x="-807744" y="-3724155"/>
-            <a:ext cx="15257208" cy="11189825"/>
-          </a:xfrm>
-          <a:prstGeom prst="rect">
-            <a:avLst/>
-          </a:prstGeom>
-        </p:spPr>
-      </p:pic>
-      <p:sp>
-        <p:nvSpPr>
-          <p:cNvPr id="11" name="TextBox 10"/>
-          <p:cNvSpPr txBox="1"/>
-          <p:nvPr/>
-        </p:nvSpPr>
-        <p:spPr>
-          <a:xfrm>
-            <a:off x="486137" y="2531318"/>
-            <a:ext cx="11979797" cy="5078313"/>
-          </a:xfrm>
-          <a:prstGeom prst="rect">
-            <a:avLst/>
-          </a:prstGeom>
-          <a:noFill/>
-        </p:spPr>
-        <p:txBody>
-          <a:bodyPr wrap="square" rtlCol="0">
-            <a:spAutoFit/>
-          </a:bodyPr>
-          <a:lstStyle/>
-          <a:p>
-            <a:r>
-              <a:rPr lang="en-US" sz="5400" b="1" dirty="0">
-                <a:solidFill>
-                  <a:srgbClr val="CF3338"/>
-                </a:solidFill>
-                <a:latin typeface="Pragmatica" panose="020B0403040502020204" pitchFamily="34" charset="0"/>
-              </a:rPr>
-              <a:t>THANK YOU</a:t>
-            </a:r>
-          </a:p>
-          <a:p>
-            <a:endParaRPr lang="en-US" sz="5400" b="1" dirty="0">
-              <a:solidFill>
-                <a:srgbClr val="CF3338"/>
-              </a:solidFill>
-              <a:latin typeface="Pragmatica" panose="020B0403040502020204" pitchFamily="34" charset="0"/>
-            </a:endParaRPr>
-          </a:p>
-          <a:p>
-            <a:pPr marL="571500" indent="-571500">
-              <a:buFont typeface="Arial" panose="020B0604020202020204" pitchFamily="34" charset="0"/>
-              <a:buChar char="•"/>
-            </a:pPr>
-            <a:r>
-              <a:rPr lang="en-US" sz="3600" dirty="0">
-                <a:solidFill>
-                  <a:srgbClr val="CF3338"/>
-                </a:solidFill>
-                <a:latin typeface="Pragmatica" panose="020B0403040502020204"/>
-                <a:sym typeface="Consolas"/>
-              </a:rPr>
-              <a:t>Linkedin.com/in/gjmount</a:t>
-            </a:r>
-          </a:p>
-          <a:p>
-            <a:pPr marL="571500" indent="-571500">
-              <a:buFont typeface="Arial" panose="020B0604020202020204" pitchFamily="34" charset="0"/>
-              <a:buChar char="•"/>
-            </a:pPr>
-            <a:r>
-              <a:rPr lang="en-US" sz="3600" dirty="0">
-                <a:solidFill>
-                  <a:srgbClr val="CF3338"/>
-                </a:solidFill>
-                <a:latin typeface="Pragmatica" panose="020B0403040502020204"/>
-                <a:sym typeface="Consolas"/>
-              </a:rPr>
-              <a:t>Twitter: @gjmount</a:t>
-            </a:r>
-          </a:p>
-          <a:p>
-            <a:pPr marL="571500" indent="-571500">
-              <a:buFont typeface="Arial" panose="020B0604020202020204" pitchFamily="34" charset="0"/>
-              <a:buChar char="•"/>
-            </a:pPr>
-            <a:r>
-              <a:rPr lang="en-US" sz="3600" dirty="0">
-                <a:solidFill>
-                  <a:srgbClr val="CF3338"/>
-                </a:solidFill>
-                <a:latin typeface="Pragmatica" panose="020B0403040502020204"/>
-                <a:sym typeface="Consolas"/>
-                <a:hlinkClick r:id="rId4">
-                  <a:extLst>
-                    <a:ext uri="{A12FA001-AC4F-418D-AE19-62706E023703}">
-                      <ahyp:hlinkClr xmlns:ahyp="http://schemas.microsoft.com/office/drawing/2018/hyperlinkcolor" val="tx"/>
-                    </a:ext>
-                  </a:extLst>
-                </a:hlinkClick>
-              </a:rPr>
-              <a:t>george@stringfestanalytics.com</a:t>
-            </a:r>
-            <a:r>
-              <a:rPr lang="en-US" sz="3600" dirty="0">
-                <a:solidFill>
-                  <a:srgbClr val="CF3338"/>
-                </a:solidFill>
-                <a:latin typeface="Pragmatica" panose="020B0403040502020204"/>
-                <a:sym typeface="Consolas"/>
-              </a:rPr>
-              <a:t> </a:t>
-            </a:r>
-          </a:p>
-          <a:p>
-            <a:endParaRPr lang="en-US" sz="5400" b="1" dirty="0">
-              <a:solidFill>
-                <a:srgbClr val="CF3338"/>
-              </a:solidFill>
-              <a:latin typeface="Pragmatica" panose="020B0403040502020204" pitchFamily="34" charset="0"/>
-            </a:endParaRPr>
-          </a:p>
-          <a:p>
-            <a:endParaRPr lang="en-US" sz="5400" b="1" dirty="0">
-              <a:solidFill>
-                <a:srgbClr val="CF3338"/>
-              </a:solidFill>
-              <a:latin typeface="Pragmatica" panose="020B0403040502020204" pitchFamily="34" charset="0"/>
-            </a:endParaRPr>
-          </a:p>
-        </p:txBody>
-      </p:sp>
-      <p:pic>
-        <p:nvPicPr>
-          <p:cNvPr id="5" name="Picture 4">
-            <a:extLst>
-              <a:ext uri="{FF2B5EF4-FFF2-40B4-BE49-F238E27FC236}">
-                <a16:creationId xmlns:a16="http://schemas.microsoft.com/office/drawing/2014/main" id="{54A06221-5316-4BCF-9FDA-BDB95FF4A778}"/>
-              </a:ext>
-            </a:extLst>
-          </p:cNvPr>
-          <p:cNvPicPr>
-            <a:picLocks noChangeAspect="1"/>
-          </p:cNvPicPr>
-          <p:nvPr/>
-        </p:nvPicPr>
-        <p:blipFill>
-          <a:blip r:embed="rId5">
-            <a:extLst>
-              <a:ext uri="{28A0092B-C50C-407E-A947-70E740481C1C}">
-                <a14:useLocalDpi xmlns:a14="http://schemas.microsoft.com/office/drawing/2010/main" val="0"/>
-              </a:ext>
-            </a:extLst>
-          </a:blip>
-          <a:srcRect/>
-          <a:stretch/>
-        </p:blipFill>
-        <p:spPr>
-          <a:xfrm>
-            <a:off x="12204691" y="3317239"/>
-            <a:ext cx="6083309" cy="6968672"/>
-          </a:xfrm>
-          <a:prstGeom prst="rect">
-            <a:avLst/>
-          </a:prstGeom>
-        </p:spPr>
-      </p:pic>
-    </p:spTree>
-    <p:extLst>
-      <p:ext uri="{BB962C8B-B14F-4D97-AF65-F5344CB8AC3E}">
-        <p14:creationId xmlns:p14="http://schemas.microsoft.com/office/powerpoint/2010/main" val="75588663"/>
-      </p:ext>
-    </p:extLst>
-  </p:cSld>
-  <p:clrMapOvr>
-    <a:masterClrMapping/>
-  </p:clrMapOvr>
-</p:sld>
-</file>
-
 <file path=ppt/slides/slide4.xml><?xml version="1.0" encoding="utf-8"?>
 <p:sld xmlns:a="http://schemas.openxmlformats.org/drawingml/2006/main" xmlns:r="http://schemas.openxmlformats.org/officeDocument/2006/relationships" xmlns:p="http://schemas.openxmlformats.org/presentationml/2006/main">
   <p:cSld>
@@ -14090,6 +14086,253 @@
 </file>
 
 <file path=ppt/slides/slide40.xml><?xml version="1.0" encoding="utf-8"?>
+<p:sld xmlns:a="http://schemas.openxmlformats.org/drawingml/2006/main" xmlns:r="http://schemas.openxmlformats.org/officeDocument/2006/relationships" xmlns:p="http://schemas.openxmlformats.org/presentationml/2006/main">
+  <p:cSld>
+    <p:spTree>
+      <p:nvGrpSpPr>
+        <p:cNvPr id="1" name=""/>
+        <p:cNvGrpSpPr/>
+        <p:nvPr/>
+      </p:nvGrpSpPr>
+      <p:grpSpPr>
+        <a:xfrm>
+          <a:off x="0" y="0"/>
+          <a:ext cx="0" cy="0"/>
+          <a:chOff x="0" y="0"/>
+          <a:chExt cx="0" cy="0"/>
+        </a:xfrm>
+      </p:grpSpPr>
+      <p:pic>
+        <p:nvPicPr>
+          <p:cNvPr id="10" name="Picture 9"/>
+          <p:cNvPicPr>
+            <a:picLocks noChangeAspect="1"/>
+          </p:cNvPicPr>
+          <p:nvPr/>
+        </p:nvPicPr>
+        <p:blipFill rotWithShape="1">
+          <a:blip r:embed="rId2">
+            <a:extLst>
+              <a:ext uri="{28A0092B-C50C-407E-A947-70E740481C1C}">
+                <a14:useLocalDpi xmlns:a14="http://schemas.microsoft.com/office/drawing/2010/main" val="0"/>
+              </a:ext>
+            </a:extLst>
+          </a:blip>
+          <a:srcRect l="50728" t="56371"/>
+          <a:stretch/>
+        </p:blipFill>
+        <p:spPr>
+          <a:xfrm>
+            <a:off x="12204691" y="3316148"/>
+            <a:ext cx="6083309" cy="6970854"/>
+          </a:xfrm>
+          <a:prstGeom prst="rect">
+            <a:avLst/>
+          </a:prstGeom>
+        </p:spPr>
+      </p:pic>
+      <p:pic>
+        <p:nvPicPr>
+          <p:cNvPr id="4" name="Picture 3"/>
+          <p:cNvPicPr>
+            <a:picLocks noChangeAspect="1"/>
+          </p:cNvPicPr>
+          <p:nvPr/>
+        </p:nvPicPr>
+        <p:blipFill>
+          <a:blip r:embed="rId3">
+            <a:extLst>
+              <a:ext uri="{28A0092B-C50C-407E-A947-70E740481C1C}">
+                <a14:useLocalDpi xmlns:a14="http://schemas.microsoft.com/office/drawing/2010/main" val="0"/>
+              </a:ext>
+            </a:extLst>
+          </a:blip>
+          <a:stretch>
+            <a:fillRect/>
+          </a:stretch>
+        </p:blipFill>
+        <p:spPr>
+          <a:xfrm>
+            <a:off x="-807744" y="-3724155"/>
+            <a:ext cx="15257208" cy="11189825"/>
+          </a:xfrm>
+          <a:prstGeom prst="rect">
+            <a:avLst/>
+          </a:prstGeom>
+        </p:spPr>
+      </p:pic>
+      <p:sp>
+        <p:nvSpPr>
+          <p:cNvPr id="11" name="TextBox 10"/>
+          <p:cNvSpPr txBox="1"/>
+          <p:nvPr/>
+        </p:nvSpPr>
+        <p:spPr>
+          <a:xfrm>
+            <a:off x="486137" y="2531318"/>
+            <a:ext cx="11979797" cy="5078313"/>
+          </a:xfrm>
+          <a:prstGeom prst="rect">
+            <a:avLst/>
+          </a:prstGeom>
+          <a:noFill/>
+        </p:spPr>
+        <p:txBody>
+          <a:bodyPr wrap="square" rtlCol="0">
+            <a:spAutoFit/>
+          </a:bodyPr>
+          <a:lstStyle/>
+          <a:p>
+            <a:r>
+              <a:rPr lang="en-US" sz="5400" b="1" dirty="0">
+                <a:solidFill>
+                  <a:srgbClr val="CF3338"/>
+                </a:solidFill>
+                <a:latin typeface="Pragmatica" panose="020B0403040502020204" pitchFamily="34" charset="0"/>
+              </a:rPr>
+              <a:t>THANK YOU</a:t>
+            </a:r>
+          </a:p>
+          <a:p>
+            <a:endParaRPr lang="en-US" sz="5400" b="1" dirty="0">
+              <a:solidFill>
+                <a:srgbClr val="CF3338"/>
+              </a:solidFill>
+              <a:latin typeface="Pragmatica" panose="020B0403040502020204" pitchFamily="34" charset="0"/>
+            </a:endParaRPr>
+          </a:p>
+          <a:p>
+            <a:pPr marL="571500" indent="-571500">
+              <a:buFont typeface="Arial" panose="020B0604020202020204" pitchFamily="34" charset="0"/>
+              <a:buChar char="•"/>
+            </a:pPr>
+            <a:r>
+              <a:rPr lang="en-US" sz="3600" dirty="0">
+                <a:solidFill>
+                  <a:srgbClr val="CF3338"/>
+                </a:solidFill>
+                <a:latin typeface="Pragmatica" panose="020B0403040502020204"/>
+                <a:sym typeface="Consolas"/>
+              </a:rPr>
+              <a:t>Linkedin.com/in/gjmount</a:t>
+            </a:r>
+          </a:p>
+          <a:p>
+            <a:pPr marL="571500" indent="-571500">
+              <a:buFont typeface="Arial" panose="020B0604020202020204" pitchFamily="34" charset="0"/>
+              <a:buChar char="•"/>
+            </a:pPr>
+            <a:r>
+              <a:rPr lang="en-US" sz="3600" dirty="0">
+                <a:solidFill>
+                  <a:srgbClr val="CF3338"/>
+                </a:solidFill>
+                <a:latin typeface="Pragmatica" panose="020B0403040502020204"/>
+                <a:sym typeface="Consolas"/>
+              </a:rPr>
+              <a:t>Twitter: @gjmount</a:t>
+            </a:r>
+          </a:p>
+          <a:p>
+            <a:pPr marL="571500" indent="-571500">
+              <a:buFont typeface="Arial" panose="020B0604020202020204" pitchFamily="34" charset="0"/>
+              <a:buChar char="•"/>
+            </a:pPr>
+            <a:r>
+              <a:rPr lang="en-US" sz="3600" dirty="0">
+                <a:solidFill>
+                  <a:srgbClr val="CF3338"/>
+                </a:solidFill>
+                <a:latin typeface="Pragmatica" panose="020B0403040502020204"/>
+                <a:sym typeface="Consolas"/>
+                <a:hlinkClick r:id="rId4">
+                  <a:extLst>
+                    <a:ext uri="{A12FA001-AC4F-418D-AE19-62706E023703}">
+                      <ahyp:hlinkClr xmlns:ahyp="http://schemas.microsoft.com/office/drawing/2018/hyperlinkcolor" val="tx"/>
+                    </a:ext>
+                  </a:extLst>
+                </a:hlinkClick>
+              </a:rPr>
+              <a:t>george@stringfestanalytics.com</a:t>
+            </a:r>
+            <a:r>
+              <a:rPr lang="en-US" sz="3600" dirty="0">
+                <a:solidFill>
+                  <a:srgbClr val="CF3338"/>
+                </a:solidFill>
+                <a:latin typeface="Pragmatica" panose="020B0403040502020204"/>
+                <a:sym typeface="Consolas"/>
+              </a:rPr>
+              <a:t> </a:t>
+            </a:r>
+          </a:p>
+          <a:p>
+            <a:endParaRPr lang="en-US" sz="5400" b="1" dirty="0">
+              <a:solidFill>
+                <a:srgbClr val="CF3338"/>
+              </a:solidFill>
+              <a:latin typeface="Pragmatica" panose="020B0403040502020204" pitchFamily="34" charset="0"/>
+            </a:endParaRPr>
+          </a:p>
+          <a:p>
+            <a:endParaRPr lang="en-US" sz="5400" b="1" dirty="0">
+              <a:solidFill>
+                <a:srgbClr val="CF3338"/>
+              </a:solidFill>
+              <a:latin typeface="Pragmatica" panose="020B0403040502020204" pitchFamily="34" charset="0"/>
+            </a:endParaRPr>
+          </a:p>
+        </p:txBody>
+      </p:sp>
+      <p:pic>
+        <p:nvPicPr>
+          <p:cNvPr id="5" name="Picture 4">
+            <a:extLst>
+              <a:ext uri="{FF2B5EF4-FFF2-40B4-BE49-F238E27FC236}">
+                <a16:creationId xmlns:a16="http://schemas.microsoft.com/office/drawing/2014/main" id="{54A06221-5316-4BCF-9FDA-BDB95FF4A778}"/>
+              </a:ext>
+            </a:extLst>
+          </p:cNvPr>
+          <p:cNvPicPr>
+            <a:picLocks noChangeAspect="1"/>
+          </p:cNvPicPr>
+          <p:nvPr/>
+        </p:nvPicPr>
+        <p:blipFill>
+          <a:blip r:embed="rId5">
+            <a:extLst>
+              <a:ext uri="{28A0092B-C50C-407E-A947-70E740481C1C}">
+                <a14:useLocalDpi xmlns:a14="http://schemas.microsoft.com/office/drawing/2010/main" val="0"/>
+              </a:ext>
+            </a:extLst>
+          </a:blip>
+          <a:srcRect/>
+          <a:stretch/>
+        </p:blipFill>
+        <p:spPr>
+          <a:xfrm>
+            <a:off x="12204691" y="3317239"/>
+            <a:ext cx="6083309" cy="6968672"/>
+          </a:xfrm>
+          <a:prstGeom prst="rect">
+            <a:avLst/>
+          </a:prstGeom>
+        </p:spPr>
+      </p:pic>
+    </p:spTree>
+    <p:extLst>
+      <p:ext uri="{BB962C8B-B14F-4D97-AF65-F5344CB8AC3E}">
+        <p14:creationId xmlns:p14="http://schemas.microsoft.com/office/powerpoint/2010/main" val="75588663"/>
+      </p:ext>
+    </p:extLst>
+  </p:cSld>
+  <p:clrMapOvr>
+    <a:masterClrMapping/>
+  </p:clrMapOvr>
+</p:sld>
+</file>
+
+<file path=ppt/slides/slide41.xml><?xml version="1.0" encoding="utf-8"?>
 <p:sld xmlns:a="http://schemas.openxmlformats.org/drawingml/2006/main" xmlns:r="http://schemas.openxmlformats.org/officeDocument/2006/relationships" xmlns:p="http://schemas.openxmlformats.org/presentationml/2006/main">
   <p:cSld>
     <p:spTree>
@@ -15076,7 +15319,7 @@
         <p:cNvPr id="1" name="">
           <a:extLst>
             <a:ext uri="{FF2B5EF4-FFF2-40B4-BE49-F238E27FC236}">
-              <a16:creationId xmlns:a16="http://schemas.microsoft.com/office/drawing/2014/main" id="{046AA539-27A4-7DD4-D5B1-FCA55E0BE4DC}"/>
+              <a16:creationId xmlns:a16="http://schemas.microsoft.com/office/drawing/2014/main" id="{7341D091-B5C8-2CAC-B905-5B3795626061}"/>
             </a:ext>
           </a:extLst>
         </p:cNvPr>
@@ -15096,7 +15339,7 @@
           <p:cNvPr id="4" name="Rectangle 3">
             <a:extLst>
               <a:ext uri="{FF2B5EF4-FFF2-40B4-BE49-F238E27FC236}">
-                <a16:creationId xmlns:a16="http://schemas.microsoft.com/office/drawing/2014/main" id="{A344158C-6293-94AB-63AB-971E91A8E028}"/>
+                <a16:creationId xmlns:a16="http://schemas.microsoft.com/office/drawing/2014/main" id="{D6C8E6B3-9724-A975-F719-4B4FC3DF6AB4}"/>
               </a:ext>
             </a:extLst>
           </p:cNvPr>
@@ -15148,7 +15391,7 @@
           <p:cNvPr id="2" name="Picture 1">
             <a:extLst>
               <a:ext uri="{FF2B5EF4-FFF2-40B4-BE49-F238E27FC236}">
-                <a16:creationId xmlns:a16="http://schemas.microsoft.com/office/drawing/2014/main" id="{C4C93F93-4B19-9D4F-F9FD-7157392E0F24}"/>
+                <a16:creationId xmlns:a16="http://schemas.microsoft.com/office/drawing/2014/main" id="{CEF18529-1158-9920-4C66-2E7C706118CF}"/>
               </a:ext>
             </a:extLst>
           </p:cNvPr>
@@ -15183,7 +15426,7 @@
           <p:cNvPr id="3" name="TextBox 2">
             <a:extLst>
               <a:ext uri="{FF2B5EF4-FFF2-40B4-BE49-F238E27FC236}">
-                <a16:creationId xmlns:a16="http://schemas.microsoft.com/office/drawing/2014/main" id="{4FD4293E-9099-AA91-30CF-06B0A400F7E7}"/>
+                <a16:creationId xmlns:a16="http://schemas.microsoft.com/office/drawing/2014/main" id="{F5B5EBFE-6A73-5A2B-7522-7DB10483D89C}"/>
               </a:ext>
             </a:extLst>
           </p:cNvPr>
@@ -15193,7 +15436,7 @@
         <p:spPr>
           <a:xfrm>
             <a:off x="260431" y="329879"/>
-            <a:ext cx="8906720" cy="9263690"/>
+            <a:ext cx="8906720" cy="10229980"/>
           </a:xfrm>
           <a:prstGeom prst="rect">
             <a:avLst/>
@@ -15213,34 +15456,15 @@
                 </a:solidFill>
                 <a:latin typeface="Pragmatica" panose="020B0403040502020204" pitchFamily="34" charset="0"/>
               </a:rPr>
-              <a:t>Python in Excel: First steps EXERCISE</a:t>
-            </a:r>
+              <a:t>Must-know features for Python in Excel</a:t>
+            </a:r>
+          </a:p>
+          <a:p>
             <a:endParaRPr lang="en-US" sz="4200" dirty="0">
               <a:solidFill>
                 <a:srgbClr val="CF3338"/>
               </a:solidFill>
               <a:latin typeface="Pragmatica" panose="020B0403040502020204" pitchFamily="34" charset="0"/>
-            </a:endParaRPr>
-          </a:p>
-          <a:p>
-            <a:pPr marL="142875">
-              <a:lnSpc>
-                <a:spcPct val="115000"/>
-              </a:lnSpc>
-              <a:spcBef>
-                <a:spcPts val="1125"/>
-              </a:spcBef>
-              <a:buClr>
-                <a:srgbClr val="C00000"/>
-              </a:buClr>
-              <a:buSzPts val="2100"/>
-            </a:pPr>
-            <a:endParaRPr lang="en-US" sz="3200" dirty="0">
-              <a:solidFill>
-                <a:srgbClr val="C00000"/>
-              </a:solidFill>
-              <a:latin typeface="Pragmatica" panose="020B0403040502020204"/>
-              <a:sym typeface="Consolas"/>
             </a:endParaRPr>
           </a:p>
           <a:p>
@@ -15259,14 +15483,14 @@
               <a:buAutoNum type="arabicPeriod"/>
             </a:pPr>
             <a:r>
-              <a:rPr lang="en-US" sz="3200" dirty="0">
+              <a:rPr lang="en-US" sz="3600" dirty="0">
                 <a:solidFill>
                   <a:srgbClr val="C00000"/>
                 </a:solidFill>
                 <a:latin typeface="Pragmatica" panose="020B0403040502020204"/>
                 <a:sym typeface="Consolas"/>
               </a:rPr>
-              <a:t>Import into Excel via Power Query (Get Data &gt; From File &gt; From Text/CSV)</a:t>
+              <a:t>Data import with Power Query</a:t>
             </a:r>
           </a:p>
           <a:p>
@@ -15285,34 +15509,14 @@
               <a:buAutoNum type="arabicPeriod"/>
             </a:pPr>
             <a:r>
-              <a:rPr lang="en-US" sz="3200" dirty="0">
+              <a:rPr lang="en-US" sz="3600" dirty="0">
                 <a:solidFill>
                   <a:srgbClr val="C00000"/>
                 </a:solidFill>
                 <a:latin typeface="Pragmatica" panose="020B0403040502020204"/>
                 <a:sym typeface="Consolas"/>
               </a:rPr>
-              <a:t>Unpivot the Fresh through </a:t>
-            </a:r>
-            <a:r>
-              <a:rPr lang="en-US" sz="3200" dirty="0" err="1">
-                <a:solidFill>
-                  <a:srgbClr val="C00000"/>
-                </a:solidFill>
-                <a:latin typeface="Pragmatica" panose="020B0403040502020204"/>
-                <a:sym typeface="Consolas"/>
-              </a:rPr>
-              <a:t>Delicassen</a:t>
-            </a:r>
-            <a:r>
-              <a:rPr lang="en-US" sz="3200" dirty="0">
-                <a:solidFill>
-                  <a:srgbClr val="C00000"/>
-                </a:solidFill>
-                <a:latin typeface="Pragmatica" panose="020B0403040502020204"/>
-                <a:sym typeface="Consolas"/>
-              </a:rPr>
-              <a:t> [sic] columns</a:t>
+              <a:t>Data preview with linked data types</a:t>
             </a:r>
           </a:p>
           <a:p>
@@ -15331,14 +15535,14 @@
               <a:buAutoNum type="arabicPeriod"/>
             </a:pPr>
             <a:r>
-              <a:rPr lang="en-US" sz="3200" dirty="0">
+              <a:rPr lang="en-US" sz="3600" dirty="0">
                 <a:solidFill>
                   <a:srgbClr val="C00000"/>
                 </a:solidFill>
                 <a:latin typeface="Pragmatica" panose="020B0403040502020204"/>
                 <a:sym typeface="Consolas"/>
               </a:rPr>
-              <a:t>Load as connection into Python in Excel</a:t>
+              <a:t>Structured references with Excel tables</a:t>
             </a:r>
           </a:p>
           <a:p>
@@ -15357,14 +15561,14 @@
               <a:buAutoNum type="arabicPeriod"/>
             </a:pPr>
             <a:r>
-              <a:rPr lang="en-US" sz="3200" dirty="0">
+              <a:rPr lang="en-US" sz="3600" dirty="0">
                 <a:solidFill>
                   <a:srgbClr val="C00000"/>
                 </a:solidFill>
                 <a:latin typeface="Pragmatica" panose="020B0403040502020204"/>
                 <a:sym typeface="Consolas"/>
               </a:rPr>
-              <a:t>Preview the data with a linked data type</a:t>
+              <a:t>Mixing Python and Excel operations with dynamic arrays</a:t>
             </a:r>
           </a:p>
           <a:p>
@@ -15383,48 +15587,14 @@
               <a:buAutoNum type="arabicPeriod"/>
             </a:pPr>
             <a:r>
-              <a:rPr lang="en-US" sz="3200" dirty="0">
+              <a:rPr lang="en-US" sz="3600" dirty="0">
                 <a:solidFill>
                   <a:srgbClr val="C00000"/>
                 </a:solidFill>
                 <a:latin typeface="Pragmatica" panose="020B0403040502020204"/>
                 <a:sym typeface="Consolas"/>
               </a:rPr>
-              <a:t>Count the number of nonblank cells in the preview area with a spill operator</a:t>
-            </a:r>
-          </a:p>
-          <a:p>
-            <a:pPr marL="142875">
-              <a:lnSpc>
-                <a:spcPct val="115000"/>
-              </a:lnSpc>
-              <a:spcBef>
-                <a:spcPts val="1125"/>
-              </a:spcBef>
-              <a:buClr>
-                <a:srgbClr val="C00000"/>
-              </a:buClr>
-              <a:buSzPts val="2100"/>
-            </a:pPr>
-            <a:r>
-              <a:rPr lang="en-US" sz="3200" dirty="0">
-                <a:solidFill>
-                  <a:srgbClr val="C00000"/>
-                </a:solidFill>
-                <a:latin typeface="Pragmatica" panose="020B0403040502020204"/>
-                <a:sym typeface="Consolas"/>
-              </a:rPr>
-              <a:t>File: </a:t>
-            </a:r>
-            <a:r>
-              <a:rPr lang="en-US" sz="3200" dirty="0">
-                <a:solidFill>
-                  <a:srgbClr val="C00000"/>
-                </a:solidFill>
-                <a:latin typeface="Consolas" panose="020B0609020204030204" pitchFamily="49" charset="0"/>
-                <a:sym typeface="Consolas"/>
-              </a:rPr>
-              <a:t>wholesale-customers.csv </a:t>
+              <a:t>Creating, resizing, and referencing Python plots with images in cells</a:t>
             </a:r>
           </a:p>
           <a:p>
@@ -15442,7 +15612,7 @@
               <a:buFont typeface="Arial"/>
               <a:buAutoNum type="arabicPeriod"/>
             </a:pPr>
-            <a:endParaRPr lang="en-US" sz="3200" dirty="0">
+            <a:endParaRPr lang="en-US" sz="3600" dirty="0">
               <a:solidFill>
                 <a:srgbClr val="C00000"/>
               </a:solidFill>
@@ -15450,12 +15620,60 @@
               <a:sym typeface="Consolas"/>
             </a:endParaRPr>
           </a:p>
+          <a:p>
+            <a:pPr marL="142875">
+              <a:lnSpc>
+                <a:spcPct val="115000"/>
+              </a:lnSpc>
+              <a:spcBef>
+                <a:spcPts val="1125"/>
+              </a:spcBef>
+              <a:buClr>
+                <a:srgbClr val="C00000"/>
+              </a:buClr>
+              <a:buSzPts val="2100"/>
+            </a:pPr>
+            <a:r>
+              <a:rPr lang="en-US" sz="3600" dirty="0">
+                <a:solidFill>
+                  <a:srgbClr val="C00000"/>
+                </a:solidFill>
+                <a:latin typeface="Pragmatica" panose="020B0403040502020204"/>
+                <a:sym typeface="Consolas"/>
+              </a:rPr>
+              <a:t>File: </a:t>
+            </a:r>
+            <a:r>
+              <a:rPr lang="en-US" sz="3600" dirty="0">
+                <a:solidFill>
+                  <a:srgbClr val="C00000"/>
+                </a:solidFill>
+                <a:latin typeface="Consolas" panose="020B0609020204030204" pitchFamily="49" charset="0"/>
+                <a:sym typeface="Consolas"/>
+              </a:rPr>
+              <a:t>python-excel-first-steps.xlsx</a:t>
+            </a:r>
+            <a:endParaRPr lang="en-US" sz="6000" dirty="0">
+              <a:solidFill>
+                <a:srgbClr val="CF3338"/>
+              </a:solidFill>
+              <a:latin typeface="Consolas" panose="020B0609020204030204" pitchFamily="49" charset="0"/>
+            </a:endParaRPr>
+          </a:p>
+          <a:p>
+            <a:endParaRPr lang="en-US" sz="6000" dirty="0">
+              <a:solidFill>
+                <a:srgbClr val="CF3338"/>
+              </a:solidFill>
+              <a:latin typeface="Pragmatica" panose="020B0403040502020204" pitchFamily="34" charset="0"/>
+            </a:endParaRPr>
+          </a:p>
         </p:txBody>
       </p:sp>
     </p:spTree>
     <p:extLst>
       <p:ext uri="{BB962C8B-B14F-4D97-AF65-F5344CB8AC3E}">
-        <p14:creationId xmlns:p14="http://schemas.microsoft.com/office/powerpoint/2010/main" val="3402676616"/>
+        <p14:creationId xmlns:p14="http://schemas.microsoft.com/office/powerpoint/2010/main" val="3824313558"/>
       </p:ext>
     </p:extLst>
   </p:cSld>
@@ -15470,7 +15688,13 @@
   <p:cSld>
     <p:spTree>
       <p:nvGrpSpPr>
-        <p:cNvPr id="1" name=""/>
+        <p:cNvPr id="1" name="">
+          <a:extLst>
+            <a:ext uri="{FF2B5EF4-FFF2-40B4-BE49-F238E27FC236}">
+              <a16:creationId xmlns:a16="http://schemas.microsoft.com/office/drawing/2014/main" id="{046AA539-27A4-7DD4-D5B1-FCA55E0BE4DC}"/>
+            </a:ext>
+          </a:extLst>
+        </p:cNvPr>
         <p:cNvGrpSpPr/>
         <p:nvPr/>
       </p:nvGrpSpPr>
@@ -15482,174 +15706,22 @@
           <a:chExt cx="0" cy="0"/>
         </a:xfrm>
       </p:grpSpPr>
-      <p:pic>
-        <p:nvPicPr>
-          <p:cNvPr id="10" name="Picture 9"/>
-          <p:cNvPicPr>
-            <a:picLocks noChangeAspect="1"/>
-          </p:cNvPicPr>
+      <p:sp>
+        <p:nvSpPr>
+          <p:cNvPr id="4" name="Rectangle 3">
+            <a:extLst>
+              <a:ext uri="{FF2B5EF4-FFF2-40B4-BE49-F238E27FC236}">
+                <a16:creationId xmlns:a16="http://schemas.microsoft.com/office/drawing/2014/main" id="{A344158C-6293-94AB-63AB-971E91A8E028}"/>
+              </a:ext>
+            </a:extLst>
+          </p:cNvPr>
+          <p:cNvSpPr/>
           <p:nvPr/>
-        </p:nvPicPr>
-        <p:blipFill rotWithShape="1">
-          <a:blip r:embed="rId2">
-            <a:extLst>
-              <a:ext uri="{28A0092B-C50C-407E-A947-70E740481C1C}">
-                <a14:useLocalDpi xmlns:a14="http://schemas.microsoft.com/office/drawing/2010/main" val="0"/>
-              </a:ext>
-            </a:extLst>
-          </a:blip>
-          <a:srcRect l="50728" t="56371"/>
-          <a:stretch/>
-        </p:blipFill>
+        </p:nvSpPr>
         <p:spPr>
           <a:xfrm>
-            <a:off x="12204691" y="3316148"/>
-            <a:ext cx="6083309" cy="6970854"/>
-          </a:xfrm>
-          <a:prstGeom prst="rect">
-            <a:avLst/>
-          </a:prstGeom>
-        </p:spPr>
-      </p:pic>
-      <p:pic>
-        <p:nvPicPr>
-          <p:cNvPr id="4" name="Picture 3"/>
-          <p:cNvPicPr>
-            <a:picLocks noChangeAspect="1"/>
-          </p:cNvPicPr>
-          <p:nvPr/>
-        </p:nvPicPr>
-        <p:blipFill>
-          <a:blip r:embed="rId3">
-            <a:extLst>
-              <a:ext uri="{28A0092B-C50C-407E-A947-70E740481C1C}">
-                <a14:useLocalDpi xmlns:a14="http://schemas.microsoft.com/office/drawing/2010/main" val="0"/>
-              </a:ext>
-            </a:extLst>
-          </a:blip>
-          <a:stretch>
-            <a:fillRect/>
-          </a:stretch>
-        </p:blipFill>
-        <p:spPr>
-          <a:xfrm>
-            <a:off x="-807744" y="-3724155"/>
-            <a:ext cx="15257208" cy="11189825"/>
-          </a:xfrm>
-          <a:prstGeom prst="rect">
-            <a:avLst/>
-          </a:prstGeom>
-        </p:spPr>
-      </p:pic>
-      <p:sp>
-        <p:nvSpPr>
-          <p:cNvPr id="11" name="TextBox 10"/>
-          <p:cNvSpPr txBox="1"/>
-          <p:nvPr/>
-        </p:nvSpPr>
-        <p:spPr>
-          <a:xfrm>
-            <a:off x="486137" y="2531318"/>
-            <a:ext cx="11979797" cy="923330"/>
-          </a:xfrm>
-          <a:prstGeom prst="rect">
-            <a:avLst/>
-          </a:prstGeom>
-          <a:noFill/>
-        </p:spPr>
-        <p:txBody>
-          <a:bodyPr wrap="square" rtlCol="0">
-            <a:spAutoFit/>
-          </a:bodyPr>
-          <a:lstStyle/>
-          <a:p>
-            <a:r>
-              <a:rPr lang="en-US" sz="5400" b="1" dirty="0">
-                <a:solidFill>
-                  <a:srgbClr val="CF3338"/>
-                </a:solidFill>
-                <a:latin typeface="Pragmatica" panose="020B0403040502020204" pitchFamily="34" charset="0"/>
-              </a:rPr>
-              <a:t>Questions?</a:t>
-            </a:r>
-          </a:p>
-        </p:txBody>
-      </p:sp>
-      <p:pic>
-        <p:nvPicPr>
-          <p:cNvPr id="5" name="Picture 4">
-            <a:extLst>
-              <a:ext uri="{FF2B5EF4-FFF2-40B4-BE49-F238E27FC236}">
-                <a16:creationId xmlns:a16="http://schemas.microsoft.com/office/drawing/2014/main" id="{54A06221-5316-4BCF-9FDA-BDB95FF4A778}"/>
-              </a:ext>
-            </a:extLst>
-          </p:cNvPr>
-          <p:cNvPicPr>
-            <a:picLocks noChangeAspect="1"/>
-          </p:cNvPicPr>
-          <p:nvPr/>
-        </p:nvPicPr>
-        <p:blipFill>
-          <a:blip r:embed="rId4">
-            <a:extLst>
-              <a:ext uri="{28A0092B-C50C-407E-A947-70E740481C1C}">
-                <a14:useLocalDpi xmlns:a14="http://schemas.microsoft.com/office/drawing/2010/main" val="0"/>
-              </a:ext>
-            </a:extLst>
-          </a:blip>
-          <a:srcRect/>
-          <a:stretch/>
-        </p:blipFill>
-        <p:spPr>
-          <a:xfrm>
-            <a:off x="12204691" y="3317239"/>
-            <a:ext cx="6083309" cy="6968672"/>
-          </a:xfrm>
-          <a:prstGeom prst="rect">
-            <a:avLst/>
-          </a:prstGeom>
-        </p:spPr>
-      </p:pic>
-    </p:spTree>
-    <p:extLst>
-      <p:ext uri="{BB962C8B-B14F-4D97-AF65-F5344CB8AC3E}">
-        <p14:creationId xmlns:p14="http://schemas.microsoft.com/office/powerpoint/2010/main" val="1689860732"/>
-      </p:ext>
-    </p:extLst>
-  </p:cSld>
-  <p:clrMapOvr>
-    <a:masterClrMapping/>
-  </p:clrMapOvr>
-</p:sld>
-</file>
-
-<file path=ppt/slides/slide9.xml><?xml version="1.0" encoding="utf-8"?>
-<p:sld xmlns:a="http://schemas.openxmlformats.org/drawingml/2006/main" xmlns:r="http://schemas.openxmlformats.org/officeDocument/2006/relationships" xmlns:p="http://schemas.openxmlformats.org/presentationml/2006/main">
-  <p:cSld>
-    <p:spTree>
-      <p:nvGrpSpPr>
-        <p:cNvPr id="1" name=""/>
-        <p:cNvGrpSpPr/>
-        <p:nvPr/>
-      </p:nvGrpSpPr>
-      <p:grpSpPr>
-        <a:xfrm>
-          <a:off x="0" y="0"/>
-          <a:ext cx="0" cy="0"/>
-          <a:chOff x="0" y="0"/>
-          <a:chExt cx="0" cy="0"/>
-        </a:xfrm>
-      </p:grpSpPr>
-      <p:sp>
-        <p:nvSpPr>
-          <p:cNvPr id="4" name="Rectangle 3"/>
-          <p:cNvSpPr/>
-          <p:nvPr/>
-        </p:nvSpPr>
-        <p:spPr>
-          <a:xfrm>
-            <a:off x="0" y="0"/>
-            <a:ext cx="18288000" cy="10287000"/>
+            <a:off x="9861630" y="0"/>
+            <a:ext cx="8426370" cy="10287000"/>
           </a:xfrm>
           <a:prstGeom prst="rect">
             <a:avLst/>
@@ -15686,16 +15758,57 @@
           </a:p>
         </p:txBody>
       </p:sp>
-      <p:sp>
-        <p:nvSpPr>
-          <p:cNvPr id="5" name="TextBox 4"/>
+      <p:pic>
+        <p:nvPicPr>
+          <p:cNvPr id="2" name="Picture 1">
+            <a:extLst>
+              <a:ext uri="{FF2B5EF4-FFF2-40B4-BE49-F238E27FC236}">
+                <a16:creationId xmlns:a16="http://schemas.microsoft.com/office/drawing/2014/main" id="{C4C93F93-4B19-9D4F-F9FD-7157392E0F24}"/>
+              </a:ext>
+            </a:extLst>
+          </p:cNvPr>
+          <p:cNvPicPr>
+            <a:picLocks noChangeAspect="1"/>
+          </p:cNvPicPr>
+          <p:nvPr/>
+        </p:nvPicPr>
+        <p:blipFill rotWithShape="1">
+          <a:blip r:embed="rId3">
+            <a:extLst>
+              <a:ext uri="{28A0092B-C50C-407E-A947-70E740481C1C}">
+                <a14:useLocalDpi xmlns:a14="http://schemas.microsoft.com/office/drawing/2010/main" val="0"/>
+              </a:ext>
+            </a:extLst>
+          </a:blip>
+          <a:srcRect l="69227" t="33418" r="20112" b="50548"/>
+          <a:stretch/>
+        </p:blipFill>
+        <p:spPr>
+          <a:xfrm>
+            <a:off x="15579524" y="7544693"/>
+            <a:ext cx="2708477" cy="2987579"/>
+          </a:xfrm>
+          <a:prstGeom prst="rect">
+            <a:avLst/>
+          </a:prstGeom>
+        </p:spPr>
+      </p:pic>
+      <p:sp>
+        <p:nvSpPr>
+          <p:cNvPr id="3" name="TextBox 2">
+            <a:extLst>
+              <a:ext uri="{FF2B5EF4-FFF2-40B4-BE49-F238E27FC236}">
+                <a16:creationId xmlns:a16="http://schemas.microsoft.com/office/drawing/2014/main" id="{4FD4293E-9099-AA91-30CF-06B0A400F7E7}"/>
+              </a:ext>
+            </a:extLst>
+          </p:cNvPr>
           <p:cNvSpPr txBox="1"/>
           <p:nvPr/>
         </p:nvSpPr>
         <p:spPr>
           <a:xfrm>
-            <a:off x="781292" y="590309"/>
-            <a:ext cx="15486926" cy="3139321"/>
+            <a:off x="260431" y="329879"/>
+            <a:ext cx="8906720" cy="9263690"/>
           </a:xfrm>
           <a:prstGeom prst="rect">
             <a:avLst/>
@@ -15709,21 +15822,407 @@
           <a:lstStyle/>
           <a:p>
             <a:r>
-              <a:rPr lang="en-US" sz="9900" b="1" dirty="0">
-                <a:solidFill>
-                  <a:schemeClr val="bg1"/>
-                </a:solidFill>
-                <a:latin typeface="Normafixed Tryout" panose="00000409000000000000" pitchFamily="49" charset="0"/>
-              </a:rPr>
-              <a:t>2. Analyzing data with Python in Excel</a:t>
-            </a:r>
+              <a:rPr lang="en-US" sz="6000" b="1" dirty="0">
+                <a:solidFill>
+                  <a:srgbClr val="CF3338"/>
+                </a:solidFill>
+                <a:latin typeface="Pragmatica" panose="020B0403040502020204" pitchFamily="34" charset="0"/>
+              </a:rPr>
+              <a:t>Must-know features for Python in Excel</a:t>
+            </a:r>
+          </a:p>
+          <a:p>
+            <a:pPr marL="142875">
+              <a:lnSpc>
+                <a:spcPct val="115000"/>
+              </a:lnSpc>
+              <a:spcBef>
+                <a:spcPts val="1125"/>
+              </a:spcBef>
+              <a:buClr>
+                <a:srgbClr val="C00000"/>
+              </a:buClr>
+              <a:buSzPts val="2100"/>
+            </a:pPr>
+            <a:endParaRPr lang="en-US" sz="3200" dirty="0">
+              <a:solidFill>
+                <a:srgbClr val="C00000"/>
+              </a:solidFill>
+              <a:latin typeface="Pragmatica" panose="020B0403040502020204"/>
+              <a:sym typeface="Consolas"/>
+            </a:endParaRPr>
+          </a:p>
+          <a:p>
+            <a:pPr marL="685800" indent="-542925">
+              <a:lnSpc>
+                <a:spcPct val="115000"/>
+              </a:lnSpc>
+              <a:spcBef>
+                <a:spcPts val="1125"/>
+              </a:spcBef>
+              <a:buClr>
+                <a:srgbClr val="C00000"/>
+              </a:buClr>
+              <a:buSzPts val="2100"/>
+              <a:buFont typeface="Arial"/>
+              <a:buAutoNum type="arabicPeriod"/>
+            </a:pPr>
+            <a:r>
+              <a:rPr lang="en-US" sz="3200" dirty="0">
+                <a:solidFill>
+                  <a:srgbClr val="C00000"/>
+                </a:solidFill>
+                <a:latin typeface="Pragmatica" panose="020B0403040502020204"/>
+                <a:sym typeface="Consolas"/>
+              </a:rPr>
+              <a:t>Import into Excel via Power Query (Get Data &gt; From File &gt; From Text/CSV)</a:t>
+            </a:r>
+          </a:p>
+          <a:p>
+            <a:pPr marL="685800" indent="-542925">
+              <a:lnSpc>
+                <a:spcPct val="115000"/>
+              </a:lnSpc>
+              <a:spcBef>
+                <a:spcPts val="1125"/>
+              </a:spcBef>
+              <a:buClr>
+                <a:srgbClr val="C00000"/>
+              </a:buClr>
+              <a:buSzPts val="2100"/>
+              <a:buFont typeface="Arial"/>
+              <a:buAutoNum type="arabicPeriod"/>
+            </a:pPr>
+            <a:r>
+              <a:rPr lang="en-US" sz="3200" dirty="0">
+                <a:solidFill>
+                  <a:srgbClr val="C00000"/>
+                </a:solidFill>
+                <a:latin typeface="Pragmatica" panose="020B0403040502020204"/>
+                <a:sym typeface="Consolas"/>
+              </a:rPr>
+              <a:t>Unpivot the Fresh through </a:t>
+            </a:r>
+            <a:r>
+              <a:rPr lang="en-US" sz="3200" dirty="0" err="1">
+                <a:solidFill>
+                  <a:srgbClr val="C00000"/>
+                </a:solidFill>
+                <a:latin typeface="Pragmatica" panose="020B0403040502020204"/>
+                <a:sym typeface="Consolas"/>
+              </a:rPr>
+              <a:t>Delicassen</a:t>
+            </a:r>
+            <a:r>
+              <a:rPr lang="en-US" sz="3200" dirty="0">
+                <a:solidFill>
+                  <a:srgbClr val="C00000"/>
+                </a:solidFill>
+                <a:latin typeface="Pragmatica" panose="020B0403040502020204"/>
+                <a:sym typeface="Consolas"/>
+              </a:rPr>
+              <a:t> [sic] columns</a:t>
+            </a:r>
+          </a:p>
+          <a:p>
+            <a:pPr marL="685800" indent="-542925">
+              <a:lnSpc>
+                <a:spcPct val="115000"/>
+              </a:lnSpc>
+              <a:spcBef>
+                <a:spcPts val="1125"/>
+              </a:spcBef>
+              <a:buClr>
+                <a:srgbClr val="C00000"/>
+              </a:buClr>
+              <a:buSzPts val="2100"/>
+              <a:buFont typeface="Arial"/>
+              <a:buAutoNum type="arabicPeriod"/>
+            </a:pPr>
+            <a:r>
+              <a:rPr lang="en-US" sz="3200" dirty="0">
+                <a:solidFill>
+                  <a:srgbClr val="C00000"/>
+                </a:solidFill>
+                <a:latin typeface="Pragmatica" panose="020B0403040502020204"/>
+                <a:sym typeface="Consolas"/>
+              </a:rPr>
+              <a:t>Load as connection into Python in Excel</a:t>
+            </a:r>
+          </a:p>
+          <a:p>
+            <a:pPr marL="685800" indent="-542925">
+              <a:lnSpc>
+                <a:spcPct val="115000"/>
+              </a:lnSpc>
+              <a:spcBef>
+                <a:spcPts val="1125"/>
+              </a:spcBef>
+              <a:buClr>
+                <a:srgbClr val="C00000"/>
+              </a:buClr>
+              <a:buSzPts val="2100"/>
+              <a:buFont typeface="Arial"/>
+              <a:buAutoNum type="arabicPeriod"/>
+            </a:pPr>
+            <a:r>
+              <a:rPr lang="en-US" sz="3200" dirty="0">
+                <a:solidFill>
+                  <a:srgbClr val="C00000"/>
+                </a:solidFill>
+                <a:latin typeface="Pragmatica" panose="020B0403040502020204"/>
+                <a:sym typeface="Consolas"/>
+              </a:rPr>
+              <a:t>Preview the data with a linked data type</a:t>
+            </a:r>
+          </a:p>
+          <a:p>
+            <a:pPr marL="685800" indent="-542925">
+              <a:lnSpc>
+                <a:spcPct val="115000"/>
+              </a:lnSpc>
+              <a:spcBef>
+                <a:spcPts val="1125"/>
+              </a:spcBef>
+              <a:buClr>
+                <a:srgbClr val="C00000"/>
+              </a:buClr>
+              <a:buSzPts val="2100"/>
+              <a:buFont typeface="Arial"/>
+              <a:buAutoNum type="arabicPeriod"/>
+            </a:pPr>
+            <a:r>
+              <a:rPr lang="en-US" sz="3200" dirty="0">
+                <a:solidFill>
+                  <a:srgbClr val="C00000"/>
+                </a:solidFill>
+                <a:latin typeface="Pragmatica" panose="020B0403040502020204"/>
+                <a:sym typeface="Consolas"/>
+              </a:rPr>
+              <a:t>Count the number of nonblank cells in the preview area with a spill operator</a:t>
+            </a:r>
+          </a:p>
+          <a:p>
+            <a:pPr marL="142875">
+              <a:lnSpc>
+                <a:spcPct val="115000"/>
+              </a:lnSpc>
+              <a:spcBef>
+                <a:spcPts val="1125"/>
+              </a:spcBef>
+              <a:buClr>
+                <a:srgbClr val="C00000"/>
+              </a:buClr>
+              <a:buSzPts val="2100"/>
+            </a:pPr>
+            <a:r>
+              <a:rPr lang="en-US" sz="3200" dirty="0">
+                <a:solidFill>
+                  <a:srgbClr val="C00000"/>
+                </a:solidFill>
+                <a:latin typeface="Pragmatica" panose="020B0403040502020204"/>
+                <a:sym typeface="Consolas"/>
+              </a:rPr>
+              <a:t>File: </a:t>
+            </a:r>
+            <a:r>
+              <a:rPr lang="en-US" sz="3200" dirty="0">
+                <a:solidFill>
+                  <a:srgbClr val="C00000"/>
+                </a:solidFill>
+                <a:latin typeface="Consolas" panose="020B0609020204030204" pitchFamily="49" charset="0"/>
+                <a:sym typeface="Consolas"/>
+              </a:rPr>
+              <a:t>wholesale-customers.csv </a:t>
+            </a:r>
+          </a:p>
+          <a:p>
+            <a:pPr marL="685800" indent="-542925">
+              <a:lnSpc>
+                <a:spcPct val="115000"/>
+              </a:lnSpc>
+              <a:spcBef>
+                <a:spcPts val="1125"/>
+              </a:spcBef>
+              <a:buClr>
+                <a:srgbClr val="C00000"/>
+              </a:buClr>
+              <a:buSzPts val="2100"/>
+              <a:buFont typeface="Arial"/>
+              <a:buAutoNum type="arabicPeriod"/>
+            </a:pPr>
+            <a:endParaRPr lang="en-US" sz="3200" dirty="0">
+              <a:solidFill>
+                <a:srgbClr val="C00000"/>
+              </a:solidFill>
+              <a:latin typeface="Pragmatica" panose="020B0403040502020204"/>
+              <a:sym typeface="Consolas"/>
+            </a:endParaRPr>
           </a:p>
         </p:txBody>
       </p:sp>
     </p:spTree>
     <p:extLst>
       <p:ext uri="{BB962C8B-B14F-4D97-AF65-F5344CB8AC3E}">
-        <p14:creationId xmlns:p14="http://schemas.microsoft.com/office/powerpoint/2010/main" val="2491588467"/>
+        <p14:creationId xmlns:p14="http://schemas.microsoft.com/office/powerpoint/2010/main" val="3402676616"/>
+      </p:ext>
+    </p:extLst>
+  </p:cSld>
+  <p:clrMapOvr>
+    <a:masterClrMapping/>
+  </p:clrMapOvr>
+</p:sld>
+</file>
+
+<file path=ppt/slides/slide9.xml><?xml version="1.0" encoding="utf-8"?>
+<p:sld xmlns:a="http://schemas.openxmlformats.org/drawingml/2006/main" xmlns:r="http://schemas.openxmlformats.org/officeDocument/2006/relationships" xmlns:p="http://schemas.openxmlformats.org/presentationml/2006/main">
+  <p:cSld>
+    <p:spTree>
+      <p:nvGrpSpPr>
+        <p:cNvPr id="1" name=""/>
+        <p:cNvGrpSpPr/>
+        <p:nvPr/>
+      </p:nvGrpSpPr>
+      <p:grpSpPr>
+        <a:xfrm>
+          <a:off x="0" y="0"/>
+          <a:ext cx="0" cy="0"/>
+          <a:chOff x="0" y="0"/>
+          <a:chExt cx="0" cy="0"/>
+        </a:xfrm>
+      </p:grpSpPr>
+      <p:pic>
+        <p:nvPicPr>
+          <p:cNvPr id="10" name="Picture 9"/>
+          <p:cNvPicPr>
+            <a:picLocks noChangeAspect="1"/>
+          </p:cNvPicPr>
+          <p:nvPr/>
+        </p:nvPicPr>
+        <p:blipFill rotWithShape="1">
+          <a:blip r:embed="rId2">
+            <a:extLst>
+              <a:ext uri="{28A0092B-C50C-407E-A947-70E740481C1C}">
+                <a14:useLocalDpi xmlns:a14="http://schemas.microsoft.com/office/drawing/2010/main" val="0"/>
+              </a:ext>
+            </a:extLst>
+          </a:blip>
+          <a:srcRect l="50728" t="56371"/>
+          <a:stretch/>
+        </p:blipFill>
+        <p:spPr>
+          <a:xfrm>
+            <a:off x="12204691" y="3316148"/>
+            <a:ext cx="6083309" cy="6970854"/>
+          </a:xfrm>
+          <a:prstGeom prst="rect">
+            <a:avLst/>
+          </a:prstGeom>
+        </p:spPr>
+      </p:pic>
+      <p:pic>
+        <p:nvPicPr>
+          <p:cNvPr id="4" name="Picture 3"/>
+          <p:cNvPicPr>
+            <a:picLocks noChangeAspect="1"/>
+          </p:cNvPicPr>
+          <p:nvPr/>
+        </p:nvPicPr>
+        <p:blipFill>
+          <a:blip r:embed="rId3">
+            <a:extLst>
+              <a:ext uri="{28A0092B-C50C-407E-A947-70E740481C1C}">
+                <a14:useLocalDpi xmlns:a14="http://schemas.microsoft.com/office/drawing/2010/main" val="0"/>
+              </a:ext>
+            </a:extLst>
+          </a:blip>
+          <a:stretch>
+            <a:fillRect/>
+          </a:stretch>
+        </p:blipFill>
+        <p:spPr>
+          <a:xfrm>
+            <a:off x="-807744" y="-3724155"/>
+            <a:ext cx="15257208" cy="11189825"/>
+          </a:xfrm>
+          <a:prstGeom prst="rect">
+            <a:avLst/>
+          </a:prstGeom>
+        </p:spPr>
+      </p:pic>
+      <p:sp>
+        <p:nvSpPr>
+          <p:cNvPr id="11" name="TextBox 10"/>
+          <p:cNvSpPr txBox="1"/>
+          <p:nvPr/>
+        </p:nvSpPr>
+        <p:spPr>
+          <a:xfrm>
+            <a:off x="486137" y="2531318"/>
+            <a:ext cx="11979797" cy="923330"/>
+          </a:xfrm>
+          <a:prstGeom prst="rect">
+            <a:avLst/>
+          </a:prstGeom>
+          <a:noFill/>
+        </p:spPr>
+        <p:txBody>
+          <a:bodyPr wrap="square" rtlCol="0">
+            <a:spAutoFit/>
+          </a:bodyPr>
+          <a:lstStyle/>
+          <a:p>
+            <a:r>
+              <a:rPr lang="en-US" sz="5400" b="1" dirty="0">
+                <a:solidFill>
+                  <a:srgbClr val="CF3338"/>
+                </a:solidFill>
+                <a:latin typeface="Pragmatica" panose="020B0403040502020204" pitchFamily="34" charset="0"/>
+              </a:rPr>
+              <a:t>Questions?</a:t>
+            </a:r>
+          </a:p>
+        </p:txBody>
+      </p:sp>
+      <p:pic>
+        <p:nvPicPr>
+          <p:cNvPr id="5" name="Picture 4">
+            <a:extLst>
+              <a:ext uri="{FF2B5EF4-FFF2-40B4-BE49-F238E27FC236}">
+                <a16:creationId xmlns:a16="http://schemas.microsoft.com/office/drawing/2014/main" id="{54A06221-5316-4BCF-9FDA-BDB95FF4A778}"/>
+              </a:ext>
+            </a:extLst>
+          </p:cNvPr>
+          <p:cNvPicPr>
+            <a:picLocks noChangeAspect="1"/>
+          </p:cNvPicPr>
+          <p:nvPr/>
+        </p:nvPicPr>
+        <p:blipFill>
+          <a:blip r:embed="rId4">
+            <a:extLst>
+              <a:ext uri="{28A0092B-C50C-407E-A947-70E740481C1C}">
+                <a14:useLocalDpi xmlns:a14="http://schemas.microsoft.com/office/drawing/2010/main" val="0"/>
+              </a:ext>
+            </a:extLst>
+          </a:blip>
+          <a:srcRect/>
+          <a:stretch/>
+        </p:blipFill>
+        <p:spPr>
+          <a:xfrm>
+            <a:off x="12204691" y="3317239"/>
+            <a:ext cx="6083309" cy="6968672"/>
+          </a:xfrm>
+          <a:prstGeom prst="rect">
+            <a:avLst/>
+          </a:prstGeom>
+        </p:spPr>
+      </p:pic>
+    </p:spTree>
+    <p:extLst>
+      <p:ext uri="{BB962C8B-B14F-4D97-AF65-F5344CB8AC3E}">
+        <p14:creationId xmlns:p14="http://schemas.microsoft.com/office/powerpoint/2010/main" val="1689860732"/>
       </p:ext>
     </p:extLst>
   </p:cSld>
